--- a/论文涉及图片.pptx
+++ b/论文涉及图片.pptx
@@ -8,6 +8,7 @@
     <p:sldId id="256" r:id="rId2"/>
     <p:sldId id="257" r:id="rId3"/>
     <p:sldId id="258" r:id="rId4"/>
+    <p:sldId id="259" r:id="rId5"/>
   </p:sldIdLst>
   <p:sldSz cx="12192000" cy="6858000"/>
   <p:notesSz cx="6858000" cy="9144000"/>
@@ -124,6 +125,11 @@
             <p14:sldId id="258"/>
           </p14:sldIdLst>
         </p14:section>
+        <p14:section name="早期网站获取资源流程" id="{F7941805-874A-462A-8E46-6B311C1580AB}">
+          <p14:sldIdLst>
+            <p14:sldId id="259"/>
+          </p14:sldIdLst>
+        </p14:section>
       </p14:sectionLst>
     </p:ext>
     <p:ext uri="{EFAFB233-063F-42B5-8137-9DF3F51BA10A}">
@@ -280,7 +286,7 @@
           <a:p>
             <a:fld id="{8286CD44-C64B-4896-9FF8-C2A31C4FFE40}" type="datetimeFigureOut">
               <a:rPr lang="zh-CN" altLang="en-US" smtClean="0"/>
-              <a:t>2021-03-02</a:t>
+              <a:t>2021-03-08</a:t>
             </a:fld>
             <a:endParaRPr lang="zh-CN" altLang="en-US"/>
           </a:p>
@@ -478,7 +484,7 @@
           <a:p>
             <a:fld id="{8286CD44-C64B-4896-9FF8-C2A31C4FFE40}" type="datetimeFigureOut">
               <a:rPr lang="zh-CN" altLang="en-US" smtClean="0"/>
-              <a:t>2021-03-02</a:t>
+              <a:t>2021-03-08</a:t>
             </a:fld>
             <a:endParaRPr lang="zh-CN" altLang="en-US"/>
           </a:p>
@@ -686,7 +692,7 @@
           <a:p>
             <a:fld id="{8286CD44-C64B-4896-9FF8-C2A31C4FFE40}" type="datetimeFigureOut">
               <a:rPr lang="zh-CN" altLang="en-US" smtClean="0"/>
-              <a:t>2021-03-02</a:t>
+              <a:t>2021-03-08</a:t>
             </a:fld>
             <a:endParaRPr lang="zh-CN" altLang="en-US"/>
           </a:p>
@@ -884,7 +890,7 @@
           <a:p>
             <a:fld id="{8286CD44-C64B-4896-9FF8-C2A31C4FFE40}" type="datetimeFigureOut">
               <a:rPr lang="zh-CN" altLang="en-US" smtClean="0"/>
-              <a:t>2021-03-02</a:t>
+              <a:t>2021-03-08</a:t>
             </a:fld>
             <a:endParaRPr lang="zh-CN" altLang="en-US"/>
           </a:p>
@@ -1159,7 +1165,7 @@
           <a:p>
             <a:fld id="{8286CD44-C64B-4896-9FF8-C2A31C4FFE40}" type="datetimeFigureOut">
               <a:rPr lang="zh-CN" altLang="en-US" smtClean="0"/>
-              <a:t>2021-03-02</a:t>
+              <a:t>2021-03-08</a:t>
             </a:fld>
             <a:endParaRPr lang="zh-CN" altLang="en-US"/>
           </a:p>
@@ -1424,7 +1430,7 @@
           <a:p>
             <a:fld id="{8286CD44-C64B-4896-9FF8-C2A31C4FFE40}" type="datetimeFigureOut">
               <a:rPr lang="zh-CN" altLang="en-US" smtClean="0"/>
-              <a:t>2021-03-02</a:t>
+              <a:t>2021-03-08</a:t>
             </a:fld>
             <a:endParaRPr lang="zh-CN" altLang="en-US"/>
           </a:p>
@@ -1836,7 +1842,7 @@
           <a:p>
             <a:fld id="{8286CD44-C64B-4896-9FF8-C2A31C4FFE40}" type="datetimeFigureOut">
               <a:rPr lang="zh-CN" altLang="en-US" smtClean="0"/>
-              <a:t>2021-03-02</a:t>
+              <a:t>2021-03-08</a:t>
             </a:fld>
             <a:endParaRPr lang="zh-CN" altLang="en-US"/>
           </a:p>
@@ -1977,7 +1983,7 @@
           <a:p>
             <a:fld id="{8286CD44-C64B-4896-9FF8-C2A31C4FFE40}" type="datetimeFigureOut">
               <a:rPr lang="zh-CN" altLang="en-US" smtClean="0"/>
-              <a:t>2021-03-02</a:t>
+              <a:t>2021-03-08</a:t>
             </a:fld>
             <a:endParaRPr lang="zh-CN" altLang="en-US"/>
           </a:p>
@@ -2090,7 +2096,7 @@
           <a:p>
             <a:fld id="{8286CD44-C64B-4896-9FF8-C2A31C4FFE40}" type="datetimeFigureOut">
               <a:rPr lang="zh-CN" altLang="en-US" smtClean="0"/>
-              <a:t>2021-03-02</a:t>
+              <a:t>2021-03-08</a:t>
             </a:fld>
             <a:endParaRPr lang="zh-CN" altLang="en-US"/>
           </a:p>
@@ -2401,7 +2407,7 @@
           <a:p>
             <a:fld id="{8286CD44-C64B-4896-9FF8-C2A31C4FFE40}" type="datetimeFigureOut">
               <a:rPr lang="zh-CN" altLang="en-US" smtClean="0"/>
-              <a:t>2021-03-02</a:t>
+              <a:t>2021-03-08</a:t>
             </a:fld>
             <a:endParaRPr lang="zh-CN" altLang="en-US"/>
           </a:p>
@@ -2689,7 +2695,7 @@
           <a:p>
             <a:fld id="{8286CD44-C64B-4896-9FF8-C2A31C4FFE40}" type="datetimeFigureOut">
               <a:rPr lang="zh-CN" altLang="en-US" smtClean="0"/>
-              <a:t>2021-03-02</a:t>
+              <a:t>2021-03-08</a:t>
             </a:fld>
             <a:endParaRPr lang="zh-CN" altLang="en-US"/>
           </a:p>
@@ -2930,7 +2936,7 @@
           <a:p>
             <a:fld id="{8286CD44-C64B-4896-9FF8-C2A31C4FFE40}" type="datetimeFigureOut">
               <a:rPr lang="zh-CN" altLang="en-US" smtClean="0"/>
-              <a:t>2021-03-02</a:t>
+              <a:t>2021-03-08</a:t>
             </a:fld>
             <a:endParaRPr lang="zh-CN" altLang="en-US"/>
           </a:p>
@@ -6041,6 +6047,624 @@
 </p:sld>
 </file>
 
+<file path=ppt/slides/slide4.xml><?xml version="1.0" encoding="utf-8"?>
+<p:sld xmlns:a="http://schemas.openxmlformats.org/drawingml/2006/main" xmlns:r="http://schemas.openxmlformats.org/officeDocument/2006/relationships" xmlns:p="http://schemas.openxmlformats.org/presentationml/2006/main">
+  <p:cSld>
+    <p:spTree>
+      <p:nvGrpSpPr>
+        <p:cNvPr id="1" name=""/>
+        <p:cNvGrpSpPr/>
+        <p:nvPr/>
+      </p:nvGrpSpPr>
+      <p:grpSpPr>
+        <a:xfrm>
+          <a:off x="0" y="0"/>
+          <a:ext cx="0" cy="0"/>
+          <a:chOff x="0" y="0"/>
+          <a:chExt cx="0" cy="0"/>
+        </a:xfrm>
+      </p:grpSpPr>
+      <p:sp>
+        <p:nvSpPr>
+          <p:cNvPr id="4" name="椭圆 3"/>
+          <p:cNvSpPr/>
+          <p:nvPr/>
+        </p:nvSpPr>
+        <p:spPr>
+          <a:xfrm>
+            <a:off x="1073426" y="2454965"/>
+            <a:ext cx="2176670" cy="1212574"/>
+          </a:xfrm>
+          <a:prstGeom prst="ellipse">
+            <a:avLst/>
+          </a:prstGeom>
+          <a:solidFill>
+            <a:schemeClr val="accent1">
+              <a:lumMod val="60000"/>
+              <a:lumOff val="40000"/>
+            </a:schemeClr>
+          </a:solidFill>
+        </p:spPr>
+        <p:style>
+          <a:lnRef idx="2">
+            <a:schemeClr val="accent1">
+              <a:shade val="50000"/>
+            </a:schemeClr>
+          </a:lnRef>
+          <a:fillRef idx="1">
+            <a:schemeClr val="accent1"/>
+          </a:fillRef>
+          <a:effectRef idx="0">
+            <a:schemeClr val="accent1"/>
+          </a:effectRef>
+          <a:fontRef idx="minor">
+            <a:schemeClr val="lt1"/>
+          </a:fontRef>
+        </p:style>
+        <p:txBody>
+          <a:bodyPr rtlCol="0" anchor="ctr"/>
+          <a:lstStyle/>
+          <a:p>
+            <a:pPr algn="ctr"/>
+            <a:r>
+              <a:rPr lang="zh-CN" altLang="en-US" sz="2000" dirty="0" smtClean="0"/>
+              <a:t>浏览器</a:t>
+            </a:r>
+            <a:endParaRPr lang="zh-CN" altLang="en-US" sz="2000" dirty="0"/>
+          </a:p>
+        </p:txBody>
+      </p:sp>
+      <p:sp>
+        <p:nvSpPr>
+          <p:cNvPr id="6" name="圆角矩形 5"/>
+          <p:cNvSpPr/>
+          <p:nvPr/>
+        </p:nvSpPr>
+        <p:spPr>
+          <a:xfrm>
+            <a:off x="5377070" y="2454965"/>
+            <a:ext cx="2663687" cy="1321905"/>
+          </a:xfrm>
+          <a:prstGeom prst="roundRect">
+            <a:avLst/>
+          </a:prstGeom>
+          <a:solidFill>
+            <a:schemeClr val="accent1">
+              <a:lumMod val="60000"/>
+              <a:lumOff val="40000"/>
+            </a:schemeClr>
+          </a:solidFill>
+        </p:spPr>
+        <p:style>
+          <a:lnRef idx="2">
+            <a:schemeClr val="accent1">
+              <a:shade val="50000"/>
+            </a:schemeClr>
+          </a:lnRef>
+          <a:fillRef idx="1">
+            <a:schemeClr val="accent1"/>
+          </a:fillRef>
+          <a:effectRef idx="0">
+            <a:schemeClr val="accent1"/>
+          </a:effectRef>
+          <a:fontRef idx="minor">
+            <a:schemeClr val="lt1"/>
+          </a:fontRef>
+        </p:style>
+        <p:txBody>
+          <a:bodyPr rtlCol="0" anchor="ctr"/>
+          <a:lstStyle/>
+          <a:p>
+            <a:pPr algn="ctr"/>
+            <a:r>
+              <a:rPr lang="zh-CN" altLang="en-US" sz="2400" dirty="0" smtClean="0"/>
+              <a:t>服务器</a:t>
+            </a:r>
+            <a:endParaRPr lang="zh-CN" altLang="en-US" sz="2400" dirty="0"/>
+          </a:p>
+        </p:txBody>
+      </p:sp>
+      <p:cxnSp>
+        <p:nvCxnSpPr>
+          <p:cNvPr id="8" name="曲线连接符 7"/>
+          <p:cNvCxnSpPr>
+            <a:stCxn id="4" idx="4"/>
+            <a:endCxn id="6" idx="2"/>
+          </p:cNvCxnSpPr>
+          <p:nvPr/>
+        </p:nvCxnSpPr>
+        <p:spPr>
+          <a:xfrm rot="16200000" flipH="1">
+            <a:off x="4380672" y="1448627"/>
+            <a:ext cx="109331" cy="4547153"/>
+          </a:xfrm>
+          <a:prstGeom prst="curvedConnector3">
+            <a:avLst>
+              <a:gd name="adj1" fmla="val 699997"/>
+            </a:avLst>
+          </a:prstGeom>
+          <a:ln>
+            <a:tailEnd type="triangle"/>
+          </a:ln>
+        </p:spPr>
+        <p:style>
+          <a:lnRef idx="1">
+            <a:schemeClr val="accent1"/>
+          </a:lnRef>
+          <a:fillRef idx="0">
+            <a:schemeClr val="accent1"/>
+          </a:fillRef>
+          <a:effectRef idx="0">
+            <a:schemeClr val="accent1"/>
+          </a:effectRef>
+          <a:fontRef idx="minor">
+            <a:schemeClr val="tx1"/>
+          </a:fontRef>
+        </p:style>
+      </p:cxnSp>
+      <p:sp>
+        <p:nvSpPr>
+          <p:cNvPr id="11" name="文本框 10"/>
+          <p:cNvSpPr txBox="1"/>
+          <p:nvPr/>
+        </p:nvSpPr>
+        <p:spPr>
+          <a:xfrm>
+            <a:off x="3617843" y="4532243"/>
+            <a:ext cx="2266121" cy="369332"/>
+          </a:xfrm>
+          <a:prstGeom prst="rect">
+            <a:avLst/>
+          </a:prstGeom>
+          <a:noFill/>
+        </p:spPr>
+        <p:txBody>
+          <a:bodyPr wrap="square" rtlCol="0">
+            <a:spAutoFit/>
+          </a:bodyPr>
+          <a:lstStyle/>
+          <a:p>
+            <a:r>
+              <a:rPr lang="en-US" altLang="zh-CN" dirty="0" smtClean="0"/>
+              <a:t>HTTP</a:t>
+            </a:r>
+            <a:r>
+              <a:rPr lang="zh-CN" altLang="en-US" dirty="0" smtClean="0"/>
+              <a:t>请求</a:t>
+            </a:r>
+            <a:endParaRPr lang="zh-CN" altLang="en-US" dirty="0"/>
+          </a:p>
+        </p:txBody>
+      </p:sp>
+      <p:cxnSp>
+        <p:nvCxnSpPr>
+          <p:cNvPr id="13" name="曲线连接符 12"/>
+          <p:cNvCxnSpPr>
+            <a:stCxn id="6" idx="0"/>
+            <a:endCxn id="4" idx="0"/>
+          </p:cNvCxnSpPr>
+          <p:nvPr/>
+        </p:nvCxnSpPr>
+        <p:spPr>
+          <a:xfrm rot="16200000" flipV="1">
+            <a:off x="4435338" y="181388"/>
+            <a:ext cx="12700" cy="4547153"/>
+          </a:xfrm>
+          <a:prstGeom prst="curvedConnector3">
+            <a:avLst>
+              <a:gd name="adj1" fmla="val 6886945"/>
+            </a:avLst>
+          </a:prstGeom>
+          <a:ln>
+            <a:tailEnd type="triangle"/>
+          </a:ln>
+        </p:spPr>
+        <p:style>
+          <a:lnRef idx="1">
+            <a:schemeClr val="accent1"/>
+          </a:lnRef>
+          <a:fillRef idx="0">
+            <a:schemeClr val="accent1"/>
+          </a:fillRef>
+          <a:effectRef idx="0">
+            <a:schemeClr val="accent1"/>
+          </a:effectRef>
+          <a:fontRef idx="minor">
+            <a:schemeClr val="tx1"/>
+          </a:fontRef>
+        </p:style>
+      </p:cxnSp>
+      <p:sp>
+        <p:nvSpPr>
+          <p:cNvPr id="17" name="文本框 16"/>
+          <p:cNvSpPr txBox="1"/>
+          <p:nvPr/>
+        </p:nvSpPr>
+        <p:spPr>
+          <a:xfrm>
+            <a:off x="3302276" y="1152935"/>
+            <a:ext cx="2266121" cy="369332"/>
+          </a:xfrm>
+          <a:prstGeom prst="rect">
+            <a:avLst/>
+          </a:prstGeom>
+          <a:noFill/>
+        </p:spPr>
+        <p:txBody>
+          <a:bodyPr wrap="square" rtlCol="0">
+            <a:spAutoFit/>
+          </a:bodyPr>
+          <a:lstStyle/>
+          <a:p>
+            <a:r>
+              <a:rPr lang="en-US" altLang="zh-CN" dirty="0" smtClean="0"/>
+              <a:t>HTML</a:t>
+            </a:r>
+            <a:r>
+              <a:rPr lang="zh-CN" altLang="en-US" dirty="0" smtClean="0"/>
+              <a:t>、</a:t>
+            </a:r>
+            <a:r>
+              <a:rPr lang="en-US" altLang="zh-CN" dirty="0" smtClean="0"/>
+              <a:t>CSS</a:t>
+            </a:r>
+            <a:r>
+              <a:rPr lang="zh-CN" altLang="en-US" dirty="0" smtClean="0"/>
+              <a:t>、</a:t>
+            </a:r>
+            <a:r>
+              <a:rPr lang="en-US" altLang="zh-CN" dirty="0" smtClean="0"/>
+              <a:t>JS</a:t>
+            </a:r>
+            <a:endParaRPr lang="zh-CN" altLang="en-US" dirty="0"/>
+          </a:p>
+        </p:txBody>
+      </p:sp>
+      <p:sp>
+        <p:nvSpPr>
+          <p:cNvPr id="18" name="矩形 17"/>
+          <p:cNvSpPr/>
+          <p:nvPr/>
+        </p:nvSpPr>
+        <p:spPr>
+          <a:xfrm>
+            <a:off x="8607287" y="1013791"/>
+            <a:ext cx="1948070" cy="795131"/>
+          </a:xfrm>
+          <a:prstGeom prst="rect">
+            <a:avLst/>
+          </a:prstGeom>
+          <a:solidFill>
+            <a:schemeClr val="accent6">
+              <a:lumMod val="60000"/>
+              <a:lumOff val="40000"/>
+            </a:schemeClr>
+          </a:solidFill>
+        </p:spPr>
+        <p:style>
+          <a:lnRef idx="2">
+            <a:schemeClr val="accent4">
+              <a:shade val="50000"/>
+            </a:schemeClr>
+          </a:lnRef>
+          <a:fillRef idx="1">
+            <a:schemeClr val="accent4"/>
+          </a:fillRef>
+          <a:effectRef idx="0">
+            <a:schemeClr val="accent4"/>
+          </a:effectRef>
+          <a:fontRef idx="minor">
+            <a:schemeClr val="lt1"/>
+          </a:fontRef>
+        </p:style>
+        <p:txBody>
+          <a:bodyPr rtlCol="0" anchor="ctr"/>
+          <a:lstStyle/>
+          <a:p>
+            <a:pPr algn="ctr"/>
+            <a:r>
+              <a:rPr lang="zh-CN" altLang="en-US" dirty="0" smtClean="0"/>
+              <a:t>接收请求</a:t>
+            </a:r>
+            <a:endParaRPr lang="zh-CN" altLang="en-US" dirty="0"/>
+          </a:p>
+        </p:txBody>
+      </p:sp>
+      <p:sp>
+        <p:nvSpPr>
+          <p:cNvPr id="19" name="矩形 18"/>
+          <p:cNvSpPr/>
+          <p:nvPr/>
+        </p:nvSpPr>
+        <p:spPr>
+          <a:xfrm>
+            <a:off x="8607287" y="2266121"/>
+            <a:ext cx="1948070" cy="795131"/>
+          </a:xfrm>
+          <a:prstGeom prst="rect">
+            <a:avLst/>
+          </a:prstGeom>
+          <a:solidFill>
+            <a:schemeClr val="accent6">
+              <a:lumMod val="60000"/>
+              <a:lumOff val="40000"/>
+            </a:schemeClr>
+          </a:solidFill>
+        </p:spPr>
+        <p:style>
+          <a:lnRef idx="2">
+            <a:schemeClr val="accent4">
+              <a:shade val="50000"/>
+            </a:schemeClr>
+          </a:lnRef>
+          <a:fillRef idx="1">
+            <a:schemeClr val="accent4"/>
+          </a:fillRef>
+          <a:effectRef idx="0">
+            <a:schemeClr val="accent4"/>
+          </a:effectRef>
+          <a:fontRef idx="minor">
+            <a:schemeClr val="lt1"/>
+          </a:fontRef>
+        </p:style>
+        <p:txBody>
+          <a:bodyPr rtlCol="0" anchor="ctr"/>
+          <a:lstStyle/>
+          <a:p>
+            <a:pPr algn="ctr"/>
+            <a:r>
+              <a:rPr lang="zh-CN" altLang="en-US" dirty="0" smtClean="0"/>
+              <a:t>处理请求</a:t>
+            </a:r>
+            <a:endParaRPr lang="zh-CN" altLang="en-US" dirty="0"/>
+          </a:p>
+        </p:txBody>
+      </p:sp>
+      <p:sp>
+        <p:nvSpPr>
+          <p:cNvPr id="20" name="矩形 19"/>
+          <p:cNvSpPr/>
+          <p:nvPr/>
+        </p:nvSpPr>
+        <p:spPr>
+          <a:xfrm>
+            <a:off x="8607287" y="3522039"/>
+            <a:ext cx="1948070" cy="795131"/>
+          </a:xfrm>
+          <a:prstGeom prst="rect">
+            <a:avLst/>
+          </a:prstGeom>
+          <a:solidFill>
+            <a:schemeClr val="accent6">
+              <a:lumMod val="60000"/>
+              <a:lumOff val="40000"/>
+            </a:schemeClr>
+          </a:solidFill>
+        </p:spPr>
+        <p:style>
+          <a:lnRef idx="2">
+            <a:schemeClr val="accent4">
+              <a:shade val="50000"/>
+            </a:schemeClr>
+          </a:lnRef>
+          <a:fillRef idx="1">
+            <a:schemeClr val="accent4"/>
+          </a:fillRef>
+          <a:effectRef idx="0">
+            <a:schemeClr val="accent4"/>
+          </a:effectRef>
+          <a:fontRef idx="minor">
+            <a:schemeClr val="lt1"/>
+          </a:fontRef>
+        </p:style>
+        <p:txBody>
+          <a:bodyPr rtlCol="0" anchor="ctr"/>
+          <a:lstStyle/>
+          <a:p>
+            <a:pPr algn="ctr"/>
+            <a:r>
+              <a:rPr lang="zh-CN" altLang="en-US" dirty="0" smtClean="0"/>
+              <a:t>数据库交互</a:t>
+            </a:r>
+            <a:endParaRPr lang="zh-CN" altLang="en-US" dirty="0"/>
+          </a:p>
+        </p:txBody>
+      </p:sp>
+      <p:sp>
+        <p:nvSpPr>
+          <p:cNvPr id="21" name="矩形 20"/>
+          <p:cNvSpPr/>
+          <p:nvPr/>
+        </p:nvSpPr>
+        <p:spPr>
+          <a:xfrm>
+            <a:off x="8607287" y="4777957"/>
+            <a:ext cx="1948070" cy="795131"/>
+          </a:xfrm>
+          <a:prstGeom prst="rect">
+            <a:avLst/>
+          </a:prstGeom>
+          <a:solidFill>
+            <a:schemeClr val="accent6">
+              <a:lumMod val="60000"/>
+              <a:lumOff val="40000"/>
+            </a:schemeClr>
+          </a:solidFill>
+        </p:spPr>
+        <p:style>
+          <a:lnRef idx="2">
+            <a:schemeClr val="accent4">
+              <a:shade val="50000"/>
+            </a:schemeClr>
+          </a:lnRef>
+          <a:fillRef idx="1">
+            <a:schemeClr val="accent4"/>
+          </a:fillRef>
+          <a:effectRef idx="0">
+            <a:schemeClr val="accent4"/>
+          </a:effectRef>
+          <a:fontRef idx="minor">
+            <a:schemeClr val="lt1"/>
+          </a:fontRef>
+        </p:style>
+        <p:txBody>
+          <a:bodyPr rtlCol="0" anchor="ctr"/>
+          <a:lstStyle/>
+          <a:p>
+            <a:pPr algn="ctr"/>
+            <a:r>
+              <a:rPr lang="zh-CN" altLang="en-US" dirty="0" smtClean="0"/>
+              <a:t>返回资源</a:t>
+            </a:r>
+            <a:endParaRPr lang="zh-CN" altLang="en-US" dirty="0"/>
+          </a:p>
+        </p:txBody>
+      </p:sp>
+      <p:cxnSp>
+        <p:nvCxnSpPr>
+          <p:cNvPr id="23" name="直接连接符 22"/>
+          <p:cNvCxnSpPr>
+            <a:stCxn id="6" idx="3"/>
+            <a:endCxn id="18" idx="1"/>
+          </p:cNvCxnSpPr>
+          <p:nvPr/>
+        </p:nvCxnSpPr>
+        <p:spPr>
+          <a:xfrm flipV="1">
+            <a:off x="8040757" y="1411357"/>
+            <a:ext cx="566530" cy="1704561"/>
+          </a:xfrm>
+          <a:prstGeom prst="line">
+            <a:avLst/>
+          </a:prstGeom>
+        </p:spPr>
+        <p:style>
+          <a:lnRef idx="1">
+            <a:schemeClr val="accent1"/>
+          </a:lnRef>
+          <a:fillRef idx="0">
+            <a:schemeClr val="accent1"/>
+          </a:fillRef>
+          <a:effectRef idx="0">
+            <a:schemeClr val="accent1"/>
+          </a:effectRef>
+          <a:fontRef idx="minor">
+            <a:schemeClr val="tx1"/>
+          </a:fontRef>
+        </p:style>
+      </p:cxnSp>
+      <p:cxnSp>
+        <p:nvCxnSpPr>
+          <p:cNvPr id="24" name="直接连接符 23"/>
+          <p:cNvCxnSpPr>
+            <a:stCxn id="6" idx="3"/>
+            <a:endCxn id="19" idx="1"/>
+          </p:cNvCxnSpPr>
+          <p:nvPr/>
+        </p:nvCxnSpPr>
+        <p:spPr>
+          <a:xfrm flipV="1">
+            <a:off x="8040757" y="2663687"/>
+            <a:ext cx="566530" cy="452231"/>
+          </a:xfrm>
+          <a:prstGeom prst="line">
+            <a:avLst/>
+          </a:prstGeom>
+        </p:spPr>
+        <p:style>
+          <a:lnRef idx="1">
+            <a:schemeClr val="accent1"/>
+          </a:lnRef>
+          <a:fillRef idx="0">
+            <a:schemeClr val="accent1"/>
+          </a:fillRef>
+          <a:effectRef idx="0">
+            <a:schemeClr val="accent1"/>
+          </a:effectRef>
+          <a:fontRef idx="minor">
+            <a:schemeClr val="tx1"/>
+          </a:fontRef>
+        </p:style>
+      </p:cxnSp>
+      <p:cxnSp>
+        <p:nvCxnSpPr>
+          <p:cNvPr id="27" name="直接连接符 26"/>
+          <p:cNvCxnSpPr>
+            <a:stCxn id="6" idx="3"/>
+            <a:endCxn id="20" idx="1"/>
+          </p:cNvCxnSpPr>
+          <p:nvPr/>
+        </p:nvCxnSpPr>
+        <p:spPr>
+          <a:xfrm>
+            <a:off x="8040757" y="3115918"/>
+            <a:ext cx="566530" cy="803687"/>
+          </a:xfrm>
+          <a:prstGeom prst="line">
+            <a:avLst/>
+          </a:prstGeom>
+        </p:spPr>
+        <p:style>
+          <a:lnRef idx="1">
+            <a:schemeClr val="accent1"/>
+          </a:lnRef>
+          <a:fillRef idx="0">
+            <a:schemeClr val="accent1"/>
+          </a:fillRef>
+          <a:effectRef idx="0">
+            <a:schemeClr val="accent1"/>
+          </a:effectRef>
+          <a:fontRef idx="minor">
+            <a:schemeClr val="tx1"/>
+          </a:fontRef>
+        </p:style>
+      </p:cxnSp>
+      <p:cxnSp>
+        <p:nvCxnSpPr>
+          <p:cNvPr id="31" name="直接连接符 30"/>
+          <p:cNvCxnSpPr>
+            <a:stCxn id="6" idx="3"/>
+            <a:endCxn id="21" idx="1"/>
+          </p:cNvCxnSpPr>
+          <p:nvPr/>
+        </p:nvCxnSpPr>
+        <p:spPr>
+          <a:xfrm>
+            <a:off x="8040757" y="3115918"/>
+            <a:ext cx="566530" cy="2059605"/>
+          </a:xfrm>
+          <a:prstGeom prst="line">
+            <a:avLst/>
+          </a:prstGeom>
+        </p:spPr>
+        <p:style>
+          <a:lnRef idx="1">
+            <a:schemeClr val="accent1"/>
+          </a:lnRef>
+          <a:fillRef idx="0">
+            <a:schemeClr val="accent1"/>
+          </a:fillRef>
+          <a:effectRef idx="0">
+            <a:schemeClr val="accent1"/>
+          </a:effectRef>
+          <a:fontRef idx="minor">
+            <a:schemeClr val="tx1"/>
+          </a:fontRef>
+        </p:style>
+      </p:cxnSp>
+    </p:spTree>
+    <p:extLst>
+      <p:ext uri="{BB962C8B-B14F-4D97-AF65-F5344CB8AC3E}">
+        <p14:creationId xmlns:p14="http://schemas.microsoft.com/office/powerpoint/2010/main" val="2405475765"/>
+      </p:ext>
+    </p:extLst>
+  </p:cSld>
+  <p:clrMapOvr>
+    <a:masterClrMapping/>
+  </p:clrMapOvr>
+</p:sld>
+</file>
+
 <file path=ppt/theme/theme1.xml><?xml version="1.0" encoding="utf-8"?>
 <a:theme xmlns:a="http://schemas.openxmlformats.org/drawingml/2006/main" name="Office 主题​​">
   <a:themeElements>

--- a/论文涉及图片.pptx
+++ b/论文涉及图片.pptx
@@ -9,6 +9,7 @@
     <p:sldId id="257" r:id="rId3"/>
     <p:sldId id="258" r:id="rId4"/>
     <p:sldId id="259" r:id="rId5"/>
+    <p:sldId id="260" r:id="rId6"/>
   </p:sldIdLst>
   <p:sldSz cx="12192000" cy="6858000"/>
   <p:notesSz cx="6858000" cy="9144000"/>
@@ -130,6 +131,14 @@
             <p14:sldId id="259"/>
           </p14:sldIdLst>
         </p14:section>
+        <p14:section name="拓扑重建数据结构" id="{5DFF10E2-08C3-4289-9121-3D0EF05BE69B}">
+          <p14:sldIdLst>
+            <p14:sldId id="260"/>
+          </p14:sldIdLst>
+        </p14:section>
+        <p14:section name="无标题节" id="{2B295AB4-E1A8-4D31-8E66-6E78E6E0D5B0}">
+          <p14:sldIdLst/>
+        </p14:section>
       </p14:sectionLst>
     </p:ext>
     <p:ext uri="{EFAFB233-063F-42B5-8137-9DF3F51BA10A}">
@@ -286,7 +295,7 @@
           <a:p>
             <a:fld id="{8286CD44-C64B-4896-9FF8-C2A31C4FFE40}" type="datetimeFigureOut">
               <a:rPr lang="zh-CN" altLang="en-US" smtClean="0"/>
-              <a:t>2021-03-08</a:t>
+              <a:t>2021-03-09</a:t>
             </a:fld>
             <a:endParaRPr lang="zh-CN" altLang="en-US"/>
           </a:p>
@@ -484,7 +493,7 @@
           <a:p>
             <a:fld id="{8286CD44-C64B-4896-9FF8-C2A31C4FFE40}" type="datetimeFigureOut">
               <a:rPr lang="zh-CN" altLang="en-US" smtClean="0"/>
-              <a:t>2021-03-08</a:t>
+              <a:t>2021-03-09</a:t>
             </a:fld>
             <a:endParaRPr lang="zh-CN" altLang="en-US"/>
           </a:p>
@@ -692,7 +701,7 @@
           <a:p>
             <a:fld id="{8286CD44-C64B-4896-9FF8-C2A31C4FFE40}" type="datetimeFigureOut">
               <a:rPr lang="zh-CN" altLang="en-US" smtClean="0"/>
-              <a:t>2021-03-08</a:t>
+              <a:t>2021-03-09</a:t>
             </a:fld>
             <a:endParaRPr lang="zh-CN" altLang="en-US"/>
           </a:p>
@@ -890,7 +899,7 @@
           <a:p>
             <a:fld id="{8286CD44-C64B-4896-9FF8-C2A31C4FFE40}" type="datetimeFigureOut">
               <a:rPr lang="zh-CN" altLang="en-US" smtClean="0"/>
-              <a:t>2021-03-08</a:t>
+              <a:t>2021-03-09</a:t>
             </a:fld>
             <a:endParaRPr lang="zh-CN" altLang="en-US"/>
           </a:p>
@@ -1165,7 +1174,7 @@
           <a:p>
             <a:fld id="{8286CD44-C64B-4896-9FF8-C2A31C4FFE40}" type="datetimeFigureOut">
               <a:rPr lang="zh-CN" altLang="en-US" smtClean="0"/>
-              <a:t>2021-03-08</a:t>
+              <a:t>2021-03-09</a:t>
             </a:fld>
             <a:endParaRPr lang="zh-CN" altLang="en-US"/>
           </a:p>
@@ -1430,7 +1439,7 @@
           <a:p>
             <a:fld id="{8286CD44-C64B-4896-9FF8-C2A31C4FFE40}" type="datetimeFigureOut">
               <a:rPr lang="zh-CN" altLang="en-US" smtClean="0"/>
-              <a:t>2021-03-08</a:t>
+              <a:t>2021-03-09</a:t>
             </a:fld>
             <a:endParaRPr lang="zh-CN" altLang="en-US"/>
           </a:p>
@@ -1842,7 +1851,7 @@
           <a:p>
             <a:fld id="{8286CD44-C64B-4896-9FF8-C2A31C4FFE40}" type="datetimeFigureOut">
               <a:rPr lang="zh-CN" altLang="en-US" smtClean="0"/>
-              <a:t>2021-03-08</a:t>
+              <a:t>2021-03-09</a:t>
             </a:fld>
             <a:endParaRPr lang="zh-CN" altLang="en-US"/>
           </a:p>
@@ -1983,7 +1992,7 @@
           <a:p>
             <a:fld id="{8286CD44-C64B-4896-9FF8-C2A31C4FFE40}" type="datetimeFigureOut">
               <a:rPr lang="zh-CN" altLang="en-US" smtClean="0"/>
-              <a:t>2021-03-08</a:t>
+              <a:t>2021-03-09</a:t>
             </a:fld>
             <a:endParaRPr lang="zh-CN" altLang="en-US"/>
           </a:p>
@@ -2096,7 +2105,7 @@
           <a:p>
             <a:fld id="{8286CD44-C64B-4896-9FF8-C2A31C4FFE40}" type="datetimeFigureOut">
               <a:rPr lang="zh-CN" altLang="en-US" smtClean="0"/>
-              <a:t>2021-03-08</a:t>
+              <a:t>2021-03-09</a:t>
             </a:fld>
             <a:endParaRPr lang="zh-CN" altLang="en-US"/>
           </a:p>
@@ -2407,7 +2416,7 @@
           <a:p>
             <a:fld id="{8286CD44-C64B-4896-9FF8-C2A31C4FFE40}" type="datetimeFigureOut">
               <a:rPr lang="zh-CN" altLang="en-US" smtClean="0"/>
-              <a:t>2021-03-08</a:t>
+              <a:t>2021-03-09</a:t>
             </a:fld>
             <a:endParaRPr lang="zh-CN" altLang="en-US"/>
           </a:p>
@@ -2695,7 +2704,7 @@
           <a:p>
             <a:fld id="{8286CD44-C64B-4896-9FF8-C2A31C4FFE40}" type="datetimeFigureOut">
               <a:rPr lang="zh-CN" altLang="en-US" smtClean="0"/>
-              <a:t>2021-03-08</a:t>
+              <a:t>2021-03-09</a:t>
             </a:fld>
             <a:endParaRPr lang="zh-CN" altLang="en-US"/>
           </a:p>
@@ -2936,7 +2945,7 @@
           <a:p>
             <a:fld id="{8286CD44-C64B-4896-9FF8-C2A31C4FFE40}" type="datetimeFigureOut">
               <a:rPr lang="zh-CN" altLang="en-US" smtClean="0"/>
-              <a:t>2021-03-08</a:t>
+              <a:t>2021-03-09</a:t>
             </a:fld>
             <a:endParaRPr lang="zh-CN" altLang="en-US"/>
           </a:p>
@@ -6665,6 +6674,1121 @@
 </p:sld>
 </file>
 
+<file path=ppt/slides/slide5.xml><?xml version="1.0" encoding="utf-8"?>
+<p:sld xmlns:a="http://schemas.openxmlformats.org/drawingml/2006/main" xmlns:r="http://schemas.openxmlformats.org/officeDocument/2006/relationships" xmlns:p="http://schemas.openxmlformats.org/presentationml/2006/main">
+  <p:cSld>
+    <p:spTree>
+      <p:nvGrpSpPr>
+        <p:cNvPr id="1" name=""/>
+        <p:cNvGrpSpPr/>
+        <p:nvPr/>
+      </p:nvGrpSpPr>
+      <p:grpSpPr>
+        <a:xfrm>
+          <a:off x="0" y="0"/>
+          <a:ext cx="0" cy="0"/>
+          <a:chOff x="0" y="0"/>
+          <a:chExt cx="0" cy="0"/>
+        </a:xfrm>
+      </p:grpSpPr>
+      <p:graphicFrame>
+        <p:nvGraphicFramePr>
+          <p:cNvPr id="4" name="表格 3"/>
+          <p:cNvGraphicFramePr>
+            <a:graphicFrameLocks noGrp="1"/>
+          </p:cNvGraphicFramePr>
+          <p:nvPr>
+            <p:extLst>
+              <p:ext uri="{D42A27DB-BD31-4B8C-83A1-F6EECF244321}">
+                <p14:modId xmlns:p14="http://schemas.microsoft.com/office/powerpoint/2010/main" val="2561337725"/>
+              </p:ext>
+            </p:extLst>
+          </p:nvPr>
+        </p:nvGraphicFramePr>
+        <p:xfrm>
+          <a:off x="2844800" y="897466"/>
+          <a:ext cx="3676650" cy="1112520"/>
+        </p:xfrm>
+        <a:graphic>
+          <a:graphicData uri="http://schemas.openxmlformats.org/drawingml/2006/table">
+            <a:tbl>
+              <a:tblPr firstRow="1" bandRow="1">
+                <a:tableStyleId>{5C22544A-7EE6-4342-B048-85BDC9FD1C3A}</a:tableStyleId>
+              </a:tblPr>
+              <a:tblGrid>
+                <a:gridCol w="1650198">
+                  <a:extLst>
+                    <a:ext uri="{9D8B030D-6E8A-4147-A177-3AD203B41FA5}">
+                      <a16:colId xmlns:a16="http://schemas.microsoft.com/office/drawing/2014/main" val="2502182214"/>
+                    </a:ext>
+                  </a:extLst>
+                </a:gridCol>
+                <a:gridCol w="2026452">
+                  <a:extLst>
+                    <a:ext uri="{9D8B030D-6E8A-4147-A177-3AD203B41FA5}">
+                      <a16:colId xmlns:a16="http://schemas.microsoft.com/office/drawing/2014/main" val="1690241609"/>
+                    </a:ext>
+                  </a:extLst>
+                </a:gridCol>
+              </a:tblGrid>
+              <a:tr h="370840">
+                <a:tc>
+                  <a:txBody>
+                    <a:bodyPr/>
+                    <a:lstStyle/>
+                    <a:p>
+                      <a:r>
+                        <a:rPr lang="zh-CN" altLang="en-US" b="0" dirty="0" smtClean="0">
+                          <a:solidFill>
+                            <a:schemeClr val="bg1"/>
+                          </a:solidFill>
+                        </a:rPr>
+                        <a:t>点数据结构</a:t>
+                      </a:r>
+                    </a:p>
+                  </a:txBody>
+                  <a:tcPr>
+                    <a:solidFill>
+                      <a:schemeClr val="accent1"/>
+                    </a:solidFill>
+                  </a:tcPr>
+                </a:tc>
+                <a:tc>
+                  <a:txBody>
+                    <a:bodyPr/>
+                    <a:lstStyle/>
+                    <a:p>
+                      <a:pPr marL="0" marR="0" indent="0" algn="l" defTabSz="914400" rtl="0" eaLnBrk="1" fontAlgn="auto" latinLnBrk="0" hangingPunct="1">
+                        <a:lnSpc>
+                          <a:spcPct val="100000"/>
+                        </a:lnSpc>
+                        <a:spcBef>
+                          <a:spcPts val="0"/>
+                        </a:spcBef>
+                        <a:spcAft>
+                          <a:spcPts val="0"/>
+                        </a:spcAft>
+                        <a:buClrTx/>
+                        <a:buSzTx/>
+                        <a:buFontTx/>
+                        <a:buNone/>
+                        <a:tabLst/>
+                        <a:defRPr/>
+                      </a:pPr>
+                      <a:r>
+                        <a:rPr lang="en-US" altLang="zh-CN" b="0" dirty="0" smtClean="0">
+                          <a:solidFill>
+                            <a:schemeClr val="bg1"/>
+                          </a:solidFill>
+                        </a:rPr>
+                        <a:t>Points</a:t>
+                      </a:r>
+                      <a:endParaRPr lang="zh-CN" altLang="en-US" dirty="0" smtClean="0">
+                        <a:solidFill>
+                          <a:schemeClr val="bg1"/>
+                        </a:solidFill>
+                      </a:endParaRPr>
+                    </a:p>
+                  </a:txBody>
+                  <a:tcPr>
+                    <a:solidFill>
+                      <a:schemeClr val="accent1"/>
+                    </a:solidFill>
+                  </a:tcPr>
+                </a:tc>
+                <a:extLst>
+                  <a:ext uri="{0D108BD9-81ED-4DB2-BD59-A6C34878D82A}">
+                    <a16:rowId xmlns:a16="http://schemas.microsoft.com/office/drawing/2014/main" val="2117147211"/>
+                  </a:ext>
+                </a:extLst>
+              </a:tr>
+              <a:tr h="370840">
+                <a:tc>
+                  <a:txBody>
+                    <a:bodyPr/>
+                    <a:lstStyle/>
+                    <a:p>
+                      <a:pPr marL="0" marR="0" indent="0" algn="l" defTabSz="914400" rtl="0" eaLnBrk="1" fontAlgn="auto" latinLnBrk="0" hangingPunct="1">
+                        <a:lnSpc>
+                          <a:spcPct val="100000"/>
+                        </a:lnSpc>
+                        <a:spcBef>
+                          <a:spcPts val="0"/>
+                        </a:spcBef>
+                        <a:spcAft>
+                          <a:spcPts val="0"/>
+                        </a:spcAft>
+                        <a:buClrTx/>
+                        <a:buSzTx/>
+                        <a:buFontTx/>
+                        <a:buNone/>
+                        <a:tabLst/>
+                        <a:defRPr/>
+                      </a:pPr>
+                      <a:r>
+                        <a:rPr lang="zh-CN" altLang="en-US" dirty="0" smtClean="0">
+                          <a:solidFill>
+                            <a:schemeClr val="bg1"/>
+                          </a:solidFill>
+                        </a:rPr>
+                        <a:t>点坐标</a:t>
+                      </a:r>
+                    </a:p>
+                  </a:txBody>
+                  <a:tcPr>
+                    <a:solidFill>
+                      <a:schemeClr val="accent1"/>
+                    </a:solidFill>
+                  </a:tcPr>
+                </a:tc>
+                <a:tc>
+                  <a:txBody>
+                    <a:bodyPr/>
+                    <a:lstStyle/>
+                    <a:p>
+                      <a:pPr marL="0" marR="0" indent="0" algn="l" defTabSz="914400" rtl="0" eaLnBrk="1" fontAlgn="auto" latinLnBrk="0" hangingPunct="1">
+                        <a:lnSpc>
+                          <a:spcPct val="100000"/>
+                        </a:lnSpc>
+                        <a:spcBef>
+                          <a:spcPts val="0"/>
+                        </a:spcBef>
+                        <a:spcAft>
+                          <a:spcPts val="0"/>
+                        </a:spcAft>
+                        <a:buClrTx/>
+                        <a:buSzTx/>
+                        <a:buFontTx/>
+                        <a:buNone/>
+                        <a:tabLst/>
+                        <a:defRPr/>
+                      </a:pPr>
+                      <a:r>
+                        <a:rPr lang="en-US" altLang="zh-CN" dirty="0" smtClean="0">
+                          <a:solidFill>
+                            <a:schemeClr val="bg1"/>
+                          </a:solidFill>
+                        </a:rPr>
+                        <a:t>vPoint[3]</a:t>
+                      </a:r>
+                      <a:endParaRPr lang="zh-CN" altLang="en-US" dirty="0" smtClean="0">
+                        <a:solidFill>
+                          <a:schemeClr val="bg1"/>
+                        </a:solidFill>
+                      </a:endParaRPr>
+                    </a:p>
+                  </a:txBody>
+                  <a:tcPr>
+                    <a:solidFill>
+                      <a:schemeClr val="accent1"/>
+                    </a:solidFill>
+                  </a:tcPr>
+                </a:tc>
+                <a:extLst>
+                  <a:ext uri="{0D108BD9-81ED-4DB2-BD59-A6C34878D82A}">
+                    <a16:rowId xmlns:a16="http://schemas.microsoft.com/office/drawing/2014/main" val="3863656177"/>
+                  </a:ext>
+                </a:extLst>
+              </a:tr>
+              <a:tr h="370840">
+                <a:tc>
+                  <a:txBody>
+                    <a:bodyPr/>
+                    <a:lstStyle/>
+                    <a:p>
+                      <a:pPr marL="0" marR="0" indent="0" algn="l" defTabSz="914400" rtl="0" eaLnBrk="1" fontAlgn="auto" latinLnBrk="0" hangingPunct="1">
+                        <a:lnSpc>
+                          <a:spcPct val="100000"/>
+                        </a:lnSpc>
+                        <a:spcBef>
+                          <a:spcPts val="0"/>
+                        </a:spcBef>
+                        <a:spcAft>
+                          <a:spcPts val="0"/>
+                        </a:spcAft>
+                        <a:buClrTx/>
+                        <a:buSzTx/>
+                        <a:buFontTx/>
+                        <a:buNone/>
+                        <a:tabLst/>
+                        <a:defRPr/>
+                      </a:pPr>
+                      <a:r>
+                        <a:rPr lang="zh-CN" altLang="en-US" dirty="0" smtClean="0">
+                          <a:solidFill>
+                            <a:schemeClr val="bg1"/>
+                          </a:solidFill>
+                        </a:rPr>
+                        <a:t>点索引</a:t>
+                      </a:r>
+                    </a:p>
+                  </a:txBody>
+                  <a:tcPr>
+                    <a:solidFill>
+                      <a:schemeClr val="accent1"/>
+                    </a:solidFill>
+                  </a:tcPr>
+                </a:tc>
+                <a:tc>
+                  <a:txBody>
+                    <a:bodyPr/>
+                    <a:lstStyle/>
+                    <a:p>
+                      <a:pPr marL="0" marR="0" indent="0" algn="l" defTabSz="914400" rtl="0" eaLnBrk="1" fontAlgn="auto" latinLnBrk="0" hangingPunct="1">
+                        <a:lnSpc>
+                          <a:spcPct val="100000"/>
+                        </a:lnSpc>
+                        <a:spcBef>
+                          <a:spcPts val="0"/>
+                        </a:spcBef>
+                        <a:spcAft>
+                          <a:spcPts val="0"/>
+                        </a:spcAft>
+                        <a:buClrTx/>
+                        <a:buSzTx/>
+                        <a:buFontTx/>
+                        <a:buNone/>
+                        <a:tabLst/>
+                        <a:defRPr/>
+                      </a:pPr>
+                      <a:r>
+                        <a:rPr lang="en-US" altLang="zh-CN" dirty="0" smtClean="0">
+                          <a:solidFill>
+                            <a:schemeClr val="bg1"/>
+                          </a:solidFill>
+                        </a:rPr>
+                        <a:t>vPointIndex</a:t>
+                      </a:r>
+                      <a:endParaRPr lang="zh-CN" altLang="en-US" dirty="0" smtClean="0">
+                        <a:solidFill>
+                          <a:schemeClr val="bg1"/>
+                        </a:solidFill>
+                      </a:endParaRPr>
+                    </a:p>
+                  </a:txBody>
+                  <a:tcPr>
+                    <a:solidFill>
+                      <a:schemeClr val="accent1"/>
+                    </a:solidFill>
+                  </a:tcPr>
+                </a:tc>
+                <a:extLst>
+                  <a:ext uri="{0D108BD9-81ED-4DB2-BD59-A6C34878D82A}">
+                    <a16:rowId xmlns:a16="http://schemas.microsoft.com/office/drawing/2014/main" val="243764074"/>
+                  </a:ext>
+                </a:extLst>
+              </a:tr>
+            </a:tbl>
+          </a:graphicData>
+        </a:graphic>
+      </p:graphicFrame>
+      <p:graphicFrame>
+        <p:nvGraphicFramePr>
+          <p:cNvPr id="5" name="表格 4"/>
+          <p:cNvGraphicFramePr>
+            <a:graphicFrameLocks noGrp="1"/>
+          </p:cNvGraphicFramePr>
+          <p:nvPr>
+            <p:extLst>
+              <p:ext uri="{D42A27DB-BD31-4B8C-83A1-F6EECF244321}">
+                <p14:modId xmlns:p14="http://schemas.microsoft.com/office/powerpoint/2010/main" val="1736087042"/>
+              </p:ext>
+            </p:extLst>
+          </p:nvPr>
+        </p:nvGraphicFramePr>
+        <p:xfrm>
+          <a:off x="2844800" y="2432963"/>
+          <a:ext cx="3661878" cy="1483360"/>
+        </p:xfrm>
+        <a:graphic>
+          <a:graphicData uri="http://schemas.openxmlformats.org/drawingml/2006/table">
+            <a:tbl>
+              <a:tblPr firstRow="1" bandRow="1">
+                <a:tableStyleId>{5C22544A-7EE6-4342-B048-85BDC9FD1C3A}</a:tableStyleId>
+              </a:tblPr>
+              <a:tblGrid>
+                <a:gridCol w="1650198">
+                  <a:extLst>
+                    <a:ext uri="{9D8B030D-6E8A-4147-A177-3AD203B41FA5}">
+                      <a16:colId xmlns:a16="http://schemas.microsoft.com/office/drawing/2014/main" val="1179199148"/>
+                    </a:ext>
+                  </a:extLst>
+                </a:gridCol>
+                <a:gridCol w="2011680">
+                  <a:extLst>
+                    <a:ext uri="{9D8B030D-6E8A-4147-A177-3AD203B41FA5}">
+                      <a16:colId xmlns:a16="http://schemas.microsoft.com/office/drawing/2014/main" val="1836536361"/>
+                    </a:ext>
+                  </a:extLst>
+                </a:gridCol>
+              </a:tblGrid>
+              <a:tr h="370840">
+                <a:tc>
+                  <a:txBody>
+                    <a:bodyPr/>
+                    <a:lstStyle/>
+                    <a:p>
+                      <a:r>
+                        <a:rPr lang="zh-CN" altLang="en-US" b="0" dirty="0" smtClean="0"/>
+                        <a:t>边数据结构</a:t>
+                      </a:r>
+                      <a:endParaRPr lang="zh-CN" altLang="en-US" b="0" dirty="0"/>
+                    </a:p>
+                  </a:txBody>
+                  <a:tcPr>
+                    <a:solidFill>
+                      <a:schemeClr val="accent2">
+                        <a:lumMod val="75000"/>
+                      </a:schemeClr>
+                    </a:solidFill>
+                  </a:tcPr>
+                </a:tc>
+                <a:tc>
+                  <a:txBody>
+                    <a:bodyPr/>
+                    <a:lstStyle/>
+                    <a:p>
+                      <a:r>
+                        <a:rPr lang="en-US" altLang="zh-CN" b="0" dirty="0" smtClean="0"/>
+                        <a:t>Edges</a:t>
+                      </a:r>
+                      <a:endParaRPr lang="zh-CN" altLang="en-US" b="0" dirty="0"/>
+                    </a:p>
+                  </a:txBody>
+                  <a:tcPr>
+                    <a:solidFill>
+                      <a:schemeClr val="accent2">
+                        <a:lumMod val="75000"/>
+                      </a:schemeClr>
+                    </a:solidFill>
+                  </a:tcPr>
+                </a:tc>
+                <a:extLst>
+                  <a:ext uri="{0D108BD9-81ED-4DB2-BD59-A6C34878D82A}">
+                    <a16:rowId xmlns:a16="http://schemas.microsoft.com/office/drawing/2014/main" val="3684230352"/>
+                  </a:ext>
+                </a:extLst>
+              </a:tr>
+              <a:tr h="370840">
+                <a:tc>
+                  <a:txBody>
+                    <a:bodyPr/>
+                    <a:lstStyle/>
+                    <a:p>
+                      <a:r>
+                        <a:rPr lang="zh-CN" altLang="en-US" dirty="0" smtClean="0">
+                          <a:solidFill>
+                            <a:schemeClr val="bg1"/>
+                          </a:solidFill>
+                        </a:rPr>
+                        <a:t>边索引</a:t>
+                      </a:r>
+                      <a:endParaRPr lang="zh-CN" altLang="en-US" dirty="0">
+                        <a:solidFill>
+                          <a:schemeClr val="bg1"/>
+                        </a:solidFill>
+                      </a:endParaRPr>
+                    </a:p>
+                  </a:txBody>
+                  <a:tcPr>
+                    <a:solidFill>
+                      <a:schemeClr val="accent2">
+                        <a:lumMod val="75000"/>
+                      </a:schemeClr>
+                    </a:solidFill>
+                  </a:tcPr>
+                </a:tc>
+                <a:tc>
+                  <a:txBody>
+                    <a:bodyPr/>
+                    <a:lstStyle/>
+                    <a:p>
+                      <a:r>
+                        <a:rPr lang="en-US" altLang="zh-CN" dirty="0" smtClean="0">
+                          <a:solidFill>
+                            <a:schemeClr val="bg1"/>
+                          </a:solidFill>
+                        </a:rPr>
+                        <a:t>edgeIndex</a:t>
+                      </a:r>
+                      <a:endParaRPr lang="zh-CN" altLang="en-US" dirty="0">
+                        <a:solidFill>
+                          <a:schemeClr val="bg1"/>
+                        </a:solidFill>
+                      </a:endParaRPr>
+                    </a:p>
+                  </a:txBody>
+                  <a:tcPr>
+                    <a:solidFill>
+                      <a:schemeClr val="accent2">
+                        <a:lumMod val="75000"/>
+                      </a:schemeClr>
+                    </a:solidFill>
+                  </a:tcPr>
+                </a:tc>
+                <a:extLst>
+                  <a:ext uri="{0D108BD9-81ED-4DB2-BD59-A6C34878D82A}">
+                    <a16:rowId xmlns:a16="http://schemas.microsoft.com/office/drawing/2014/main" val="2205396288"/>
+                  </a:ext>
+                </a:extLst>
+              </a:tr>
+              <a:tr h="370840">
+                <a:tc>
+                  <a:txBody>
+                    <a:bodyPr/>
+                    <a:lstStyle/>
+                    <a:p>
+                      <a:r>
+                        <a:rPr lang="zh-CN" altLang="en-US" dirty="0" smtClean="0">
+                          <a:solidFill>
+                            <a:schemeClr val="bg1"/>
+                          </a:solidFill>
+                        </a:rPr>
+                        <a:t>边的点索引</a:t>
+                      </a:r>
+                      <a:endParaRPr lang="zh-CN" altLang="en-US" dirty="0">
+                        <a:solidFill>
+                          <a:schemeClr val="bg1"/>
+                        </a:solidFill>
+                      </a:endParaRPr>
+                    </a:p>
+                  </a:txBody>
+                  <a:tcPr>
+                    <a:solidFill>
+                      <a:schemeClr val="accent2">
+                        <a:lumMod val="75000"/>
+                      </a:schemeClr>
+                    </a:solidFill>
+                  </a:tcPr>
+                </a:tc>
+                <a:tc>
+                  <a:txBody>
+                    <a:bodyPr/>
+                    <a:lstStyle/>
+                    <a:p>
+                      <a:r>
+                        <a:rPr lang="en-US" altLang="zh-CN" dirty="0" smtClean="0">
+                          <a:solidFill>
+                            <a:schemeClr val="bg1"/>
+                          </a:solidFill>
+                        </a:rPr>
+                        <a:t>eIncludePoints[2]</a:t>
+                      </a:r>
+                      <a:endParaRPr lang="zh-CN" altLang="en-US" dirty="0">
+                        <a:solidFill>
+                          <a:schemeClr val="bg1"/>
+                        </a:solidFill>
+                      </a:endParaRPr>
+                    </a:p>
+                  </a:txBody>
+                  <a:tcPr>
+                    <a:solidFill>
+                      <a:schemeClr val="accent2">
+                        <a:lumMod val="75000"/>
+                      </a:schemeClr>
+                    </a:solidFill>
+                  </a:tcPr>
+                </a:tc>
+                <a:extLst>
+                  <a:ext uri="{0D108BD9-81ED-4DB2-BD59-A6C34878D82A}">
+                    <a16:rowId xmlns:a16="http://schemas.microsoft.com/office/drawing/2014/main" val="3098802772"/>
+                  </a:ext>
+                </a:extLst>
+              </a:tr>
+              <a:tr h="370840">
+                <a:tc>
+                  <a:txBody>
+                    <a:bodyPr/>
+                    <a:lstStyle/>
+                    <a:p>
+                      <a:r>
+                        <a:rPr lang="zh-CN" altLang="en-US" dirty="0" smtClean="0">
+                          <a:solidFill>
+                            <a:schemeClr val="bg1"/>
+                          </a:solidFill>
+                        </a:rPr>
+                        <a:t>边的面索引</a:t>
+                      </a:r>
+                      <a:endParaRPr lang="zh-CN" altLang="en-US" dirty="0">
+                        <a:solidFill>
+                          <a:schemeClr val="bg1"/>
+                        </a:solidFill>
+                      </a:endParaRPr>
+                    </a:p>
+                  </a:txBody>
+                  <a:tcPr>
+                    <a:solidFill>
+                      <a:schemeClr val="accent2">
+                        <a:lumMod val="75000"/>
+                      </a:schemeClr>
+                    </a:solidFill>
+                  </a:tcPr>
+                </a:tc>
+                <a:tc>
+                  <a:txBody>
+                    <a:bodyPr/>
+                    <a:lstStyle/>
+                    <a:p>
+                      <a:r>
+                        <a:rPr lang="en-US" altLang="zh-CN" dirty="0" smtClean="0">
+                          <a:solidFill>
+                            <a:schemeClr val="bg1"/>
+                          </a:solidFill>
+                        </a:rPr>
+                        <a:t>eIncludeFaces[2]</a:t>
+                      </a:r>
+                      <a:endParaRPr lang="zh-CN" altLang="en-US" dirty="0">
+                        <a:solidFill>
+                          <a:schemeClr val="bg1"/>
+                        </a:solidFill>
+                      </a:endParaRPr>
+                    </a:p>
+                  </a:txBody>
+                  <a:tcPr>
+                    <a:solidFill>
+                      <a:schemeClr val="accent2">
+                        <a:lumMod val="75000"/>
+                      </a:schemeClr>
+                    </a:solidFill>
+                  </a:tcPr>
+                </a:tc>
+                <a:extLst>
+                  <a:ext uri="{0D108BD9-81ED-4DB2-BD59-A6C34878D82A}">
+                    <a16:rowId xmlns:a16="http://schemas.microsoft.com/office/drawing/2014/main" val="1342886247"/>
+                  </a:ext>
+                </a:extLst>
+              </a:tr>
+            </a:tbl>
+          </a:graphicData>
+        </a:graphic>
+      </p:graphicFrame>
+      <p:graphicFrame>
+        <p:nvGraphicFramePr>
+          <p:cNvPr id="6" name="表格 5"/>
+          <p:cNvGraphicFramePr>
+            <a:graphicFrameLocks noGrp="1"/>
+          </p:cNvGraphicFramePr>
+          <p:nvPr>
+            <p:extLst>
+              <p:ext uri="{D42A27DB-BD31-4B8C-83A1-F6EECF244321}">
+                <p14:modId xmlns:p14="http://schemas.microsoft.com/office/powerpoint/2010/main" val="4070415233"/>
+              </p:ext>
+            </p:extLst>
+          </p:nvPr>
+        </p:nvGraphicFramePr>
+        <p:xfrm>
+          <a:off x="2837414" y="4339300"/>
+          <a:ext cx="3676650" cy="1112520"/>
+        </p:xfrm>
+        <a:graphic>
+          <a:graphicData uri="http://schemas.openxmlformats.org/drawingml/2006/table">
+            <a:tbl>
+              <a:tblPr firstRow="1" bandRow="1">
+                <a:tableStyleId>{5C22544A-7EE6-4342-B048-85BDC9FD1C3A}</a:tableStyleId>
+              </a:tblPr>
+              <a:tblGrid>
+                <a:gridCol w="1650198">
+                  <a:extLst>
+                    <a:ext uri="{9D8B030D-6E8A-4147-A177-3AD203B41FA5}">
+                      <a16:colId xmlns:a16="http://schemas.microsoft.com/office/drawing/2014/main" val="1707869345"/>
+                    </a:ext>
+                  </a:extLst>
+                </a:gridCol>
+                <a:gridCol w="2026452">
+                  <a:extLst>
+                    <a:ext uri="{9D8B030D-6E8A-4147-A177-3AD203B41FA5}">
+                      <a16:colId xmlns:a16="http://schemas.microsoft.com/office/drawing/2014/main" val="2239812567"/>
+                    </a:ext>
+                  </a:extLst>
+                </a:gridCol>
+              </a:tblGrid>
+              <a:tr h="370840">
+                <a:tc>
+                  <a:txBody>
+                    <a:bodyPr/>
+                    <a:lstStyle/>
+                    <a:p>
+                      <a:r>
+                        <a:rPr lang="zh-CN" altLang="en-US" b="0" dirty="0" smtClean="0">
+                          <a:solidFill>
+                            <a:schemeClr val="bg1"/>
+                          </a:solidFill>
+                        </a:rPr>
+                        <a:t>面数据结构</a:t>
+                      </a:r>
+                      <a:endParaRPr lang="zh-CN" altLang="en-US" b="0" dirty="0" smtClean="0">
+                        <a:solidFill>
+                          <a:schemeClr val="bg1"/>
+                        </a:solidFill>
+                      </a:endParaRPr>
+                    </a:p>
+                  </a:txBody>
+                  <a:tcPr>
+                    <a:solidFill>
+                      <a:schemeClr val="accent6">
+                        <a:lumMod val="75000"/>
+                      </a:schemeClr>
+                    </a:solidFill>
+                  </a:tcPr>
+                </a:tc>
+                <a:tc>
+                  <a:txBody>
+                    <a:bodyPr/>
+                    <a:lstStyle/>
+                    <a:p>
+                      <a:pPr marL="0" marR="0" indent="0" algn="l" defTabSz="914400" rtl="0" eaLnBrk="1" fontAlgn="auto" latinLnBrk="0" hangingPunct="1">
+                        <a:lnSpc>
+                          <a:spcPct val="100000"/>
+                        </a:lnSpc>
+                        <a:spcBef>
+                          <a:spcPts val="0"/>
+                        </a:spcBef>
+                        <a:spcAft>
+                          <a:spcPts val="0"/>
+                        </a:spcAft>
+                        <a:buClrTx/>
+                        <a:buSzTx/>
+                        <a:buFontTx/>
+                        <a:buNone/>
+                        <a:tabLst/>
+                        <a:defRPr/>
+                      </a:pPr>
+                      <a:r>
+                        <a:rPr lang="en-US" altLang="zh-CN" b="0" dirty="0" smtClean="0">
+                          <a:solidFill>
+                            <a:schemeClr val="bg1"/>
+                          </a:solidFill>
+                        </a:rPr>
+                        <a:t>Faces</a:t>
+                      </a:r>
+                      <a:endParaRPr lang="zh-CN" altLang="en-US" dirty="0" smtClean="0">
+                        <a:solidFill>
+                          <a:schemeClr val="bg1"/>
+                        </a:solidFill>
+                      </a:endParaRPr>
+                    </a:p>
+                  </a:txBody>
+                  <a:tcPr>
+                    <a:solidFill>
+                      <a:schemeClr val="accent6">
+                        <a:lumMod val="75000"/>
+                      </a:schemeClr>
+                    </a:solidFill>
+                  </a:tcPr>
+                </a:tc>
+                <a:extLst>
+                  <a:ext uri="{0D108BD9-81ED-4DB2-BD59-A6C34878D82A}">
+                    <a16:rowId xmlns:a16="http://schemas.microsoft.com/office/drawing/2014/main" val="1523130781"/>
+                  </a:ext>
+                </a:extLst>
+              </a:tr>
+              <a:tr h="370840">
+                <a:tc>
+                  <a:txBody>
+                    <a:bodyPr/>
+                    <a:lstStyle/>
+                    <a:p>
+                      <a:pPr marL="0" marR="0" indent="0" algn="l" defTabSz="914400" rtl="0" eaLnBrk="1" fontAlgn="auto" latinLnBrk="0" hangingPunct="1">
+                        <a:lnSpc>
+                          <a:spcPct val="100000"/>
+                        </a:lnSpc>
+                        <a:spcBef>
+                          <a:spcPts val="0"/>
+                        </a:spcBef>
+                        <a:spcAft>
+                          <a:spcPts val="0"/>
+                        </a:spcAft>
+                        <a:buClrTx/>
+                        <a:buSzTx/>
+                        <a:buFontTx/>
+                        <a:buNone/>
+                        <a:tabLst/>
+                        <a:defRPr/>
+                      </a:pPr>
+                      <a:r>
+                        <a:rPr lang="zh-CN" altLang="en-US" dirty="0" smtClean="0">
+                          <a:solidFill>
+                            <a:schemeClr val="bg1"/>
+                          </a:solidFill>
+                        </a:rPr>
+                        <a:t>面的点索引</a:t>
+                      </a:r>
+                      <a:endParaRPr lang="zh-CN" altLang="en-US" dirty="0" smtClean="0">
+                        <a:solidFill>
+                          <a:schemeClr val="bg1"/>
+                        </a:solidFill>
+                      </a:endParaRPr>
+                    </a:p>
+                  </a:txBody>
+                  <a:tcPr>
+                    <a:solidFill>
+                      <a:schemeClr val="accent6">
+                        <a:lumMod val="75000"/>
+                      </a:schemeClr>
+                    </a:solidFill>
+                  </a:tcPr>
+                </a:tc>
+                <a:tc>
+                  <a:txBody>
+                    <a:bodyPr/>
+                    <a:lstStyle/>
+                    <a:p>
+                      <a:pPr marL="0" marR="0" indent="0" algn="l" defTabSz="914400" rtl="0" eaLnBrk="1" fontAlgn="auto" latinLnBrk="0" hangingPunct="1">
+                        <a:lnSpc>
+                          <a:spcPct val="100000"/>
+                        </a:lnSpc>
+                        <a:spcBef>
+                          <a:spcPts val="0"/>
+                        </a:spcBef>
+                        <a:spcAft>
+                          <a:spcPts val="0"/>
+                        </a:spcAft>
+                        <a:buClrTx/>
+                        <a:buSzTx/>
+                        <a:buFontTx/>
+                        <a:buNone/>
+                        <a:tabLst/>
+                        <a:defRPr/>
+                      </a:pPr>
+                      <a:r>
+                        <a:rPr lang="en-US" altLang="zh-CN" dirty="0" smtClean="0">
+                          <a:solidFill>
+                            <a:schemeClr val="bg1"/>
+                          </a:solidFill>
+                        </a:rPr>
+                        <a:t>fIncludePoint[3</a:t>
+                      </a:r>
+                      <a:r>
+                        <a:rPr lang="en-US" altLang="zh-CN" dirty="0" smtClean="0">
+                          <a:solidFill>
+                            <a:schemeClr val="bg1"/>
+                          </a:solidFill>
+                        </a:rPr>
+                        <a:t>]</a:t>
+                      </a:r>
+                      <a:endParaRPr lang="zh-CN" altLang="en-US" dirty="0" smtClean="0">
+                        <a:solidFill>
+                          <a:schemeClr val="bg1"/>
+                        </a:solidFill>
+                      </a:endParaRPr>
+                    </a:p>
+                  </a:txBody>
+                  <a:tcPr>
+                    <a:solidFill>
+                      <a:schemeClr val="accent6">
+                        <a:lumMod val="75000"/>
+                      </a:schemeClr>
+                    </a:solidFill>
+                  </a:tcPr>
+                </a:tc>
+                <a:extLst>
+                  <a:ext uri="{0D108BD9-81ED-4DB2-BD59-A6C34878D82A}">
+                    <a16:rowId xmlns:a16="http://schemas.microsoft.com/office/drawing/2014/main" val="1004533729"/>
+                  </a:ext>
+                </a:extLst>
+              </a:tr>
+              <a:tr h="370840">
+                <a:tc>
+                  <a:txBody>
+                    <a:bodyPr/>
+                    <a:lstStyle/>
+                    <a:p>
+                      <a:pPr marL="0" marR="0" indent="0" algn="l" defTabSz="914400" rtl="0" eaLnBrk="1" fontAlgn="auto" latinLnBrk="0" hangingPunct="1">
+                        <a:lnSpc>
+                          <a:spcPct val="100000"/>
+                        </a:lnSpc>
+                        <a:spcBef>
+                          <a:spcPts val="0"/>
+                        </a:spcBef>
+                        <a:spcAft>
+                          <a:spcPts val="0"/>
+                        </a:spcAft>
+                        <a:buClrTx/>
+                        <a:buSzTx/>
+                        <a:buFontTx/>
+                        <a:buNone/>
+                        <a:tabLst/>
+                        <a:defRPr/>
+                      </a:pPr>
+                      <a:r>
+                        <a:rPr lang="zh-CN" altLang="en-US" dirty="0" smtClean="0">
+                          <a:solidFill>
+                            <a:schemeClr val="bg1"/>
+                          </a:solidFill>
+                        </a:rPr>
+                        <a:t>面的边索引</a:t>
+                      </a:r>
+                      <a:endParaRPr lang="zh-CN" altLang="en-US" dirty="0" smtClean="0">
+                        <a:solidFill>
+                          <a:schemeClr val="bg1"/>
+                        </a:solidFill>
+                      </a:endParaRPr>
+                    </a:p>
+                  </a:txBody>
+                  <a:tcPr>
+                    <a:solidFill>
+                      <a:schemeClr val="accent6">
+                        <a:lumMod val="75000"/>
+                      </a:schemeClr>
+                    </a:solidFill>
+                  </a:tcPr>
+                </a:tc>
+                <a:tc>
+                  <a:txBody>
+                    <a:bodyPr/>
+                    <a:lstStyle/>
+                    <a:p>
+                      <a:pPr marL="0" marR="0" indent="0" algn="l" defTabSz="914400" rtl="0" eaLnBrk="1" fontAlgn="auto" latinLnBrk="0" hangingPunct="1">
+                        <a:lnSpc>
+                          <a:spcPct val="100000"/>
+                        </a:lnSpc>
+                        <a:spcBef>
+                          <a:spcPts val="0"/>
+                        </a:spcBef>
+                        <a:spcAft>
+                          <a:spcPts val="0"/>
+                        </a:spcAft>
+                        <a:buClrTx/>
+                        <a:buSzTx/>
+                        <a:buFontTx/>
+                        <a:buNone/>
+                        <a:tabLst/>
+                        <a:defRPr/>
+                      </a:pPr>
+                      <a:r>
+                        <a:rPr lang="en-US" altLang="zh-CN" dirty="0" smtClean="0">
+                          <a:solidFill>
+                            <a:schemeClr val="bg1"/>
+                          </a:solidFill>
+                        </a:rPr>
+                        <a:t>fIncludeEdges</a:t>
+                      </a:r>
+                      <a:endParaRPr lang="zh-CN" altLang="en-US" dirty="0" smtClean="0">
+                        <a:solidFill>
+                          <a:schemeClr val="bg1"/>
+                        </a:solidFill>
+                      </a:endParaRPr>
+                    </a:p>
+                  </a:txBody>
+                  <a:tcPr>
+                    <a:solidFill>
+                      <a:schemeClr val="accent6">
+                        <a:lumMod val="75000"/>
+                      </a:schemeClr>
+                    </a:solidFill>
+                  </a:tcPr>
+                </a:tc>
+                <a:extLst>
+                  <a:ext uri="{0D108BD9-81ED-4DB2-BD59-A6C34878D82A}">
+                    <a16:rowId xmlns:a16="http://schemas.microsoft.com/office/drawing/2014/main" val="1700014469"/>
+                  </a:ext>
+                </a:extLst>
+              </a:tr>
+            </a:tbl>
+          </a:graphicData>
+        </a:graphic>
+      </p:graphicFrame>
+      <p:sp>
+        <p:nvSpPr>
+          <p:cNvPr id="8" name="左弧形箭头 7"/>
+          <p:cNvSpPr/>
+          <p:nvPr/>
+        </p:nvSpPr>
+        <p:spPr>
+          <a:xfrm>
+            <a:off x="1472665" y="2945330"/>
+            <a:ext cx="1292557" cy="2637323"/>
+          </a:xfrm>
+          <a:prstGeom prst="curvedRightArrow">
+            <a:avLst>
+              <a:gd name="adj1" fmla="val 11380"/>
+              <a:gd name="adj2" fmla="val 50000"/>
+              <a:gd name="adj3" fmla="val 25000"/>
+            </a:avLst>
+          </a:prstGeom>
+        </p:spPr>
+        <p:style>
+          <a:lnRef idx="2">
+            <a:schemeClr val="dk1">
+              <a:shade val="50000"/>
+            </a:schemeClr>
+          </a:lnRef>
+          <a:fillRef idx="1">
+            <a:schemeClr val="dk1"/>
+          </a:fillRef>
+          <a:effectRef idx="0">
+            <a:schemeClr val="dk1"/>
+          </a:effectRef>
+          <a:fontRef idx="minor">
+            <a:schemeClr val="lt1"/>
+          </a:fontRef>
+        </p:style>
+        <p:txBody>
+          <a:bodyPr rtlCol="0" anchor="ctr"/>
+          <a:lstStyle/>
+          <a:p>
+            <a:pPr algn="ctr"/>
+            <a:endParaRPr lang="zh-CN" altLang="en-US">
+              <a:solidFill>
+                <a:schemeClr val="tx1"/>
+              </a:solidFill>
+            </a:endParaRPr>
+          </a:p>
+        </p:txBody>
+      </p:sp>
+      <p:sp>
+        <p:nvSpPr>
+          <p:cNvPr id="10" name="右弧形箭头 9"/>
+          <p:cNvSpPr/>
+          <p:nvPr/>
+        </p:nvSpPr>
+        <p:spPr>
+          <a:xfrm rot="10800000">
+            <a:off x="2033702" y="3615400"/>
+            <a:ext cx="731520" cy="985476"/>
+          </a:xfrm>
+          <a:prstGeom prst="curvedLeftArrow">
+            <a:avLst>
+              <a:gd name="adj1" fmla="val 19652"/>
+              <a:gd name="adj2" fmla="val 50000"/>
+              <a:gd name="adj3" fmla="val 25000"/>
+            </a:avLst>
+          </a:prstGeom>
+        </p:spPr>
+        <p:style>
+          <a:lnRef idx="2">
+            <a:schemeClr val="dk1">
+              <a:shade val="50000"/>
+            </a:schemeClr>
+          </a:lnRef>
+          <a:fillRef idx="1">
+            <a:schemeClr val="dk1"/>
+          </a:fillRef>
+          <a:effectRef idx="0">
+            <a:schemeClr val="dk1"/>
+          </a:effectRef>
+          <a:fontRef idx="minor">
+            <a:schemeClr val="lt1"/>
+          </a:fontRef>
+        </p:style>
+        <p:txBody>
+          <a:bodyPr rtlCol="0" anchor="ctr"/>
+          <a:lstStyle/>
+          <a:p>
+            <a:pPr algn="ctr"/>
+            <a:endParaRPr lang="zh-CN" altLang="en-US">
+              <a:solidFill>
+                <a:schemeClr val="tx1"/>
+              </a:solidFill>
+            </a:endParaRPr>
+          </a:p>
+        </p:txBody>
+      </p:sp>
+      <p:sp>
+        <p:nvSpPr>
+          <p:cNvPr id="11" name="右弧形箭头 10"/>
+          <p:cNvSpPr/>
+          <p:nvPr/>
+        </p:nvSpPr>
+        <p:spPr>
+          <a:xfrm>
+            <a:off x="6586256" y="1722922"/>
+            <a:ext cx="731520" cy="1830484"/>
+          </a:xfrm>
+          <a:prstGeom prst="curvedLeftArrow">
+            <a:avLst/>
+          </a:prstGeom>
+        </p:spPr>
+        <p:style>
+          <a:lnRef idx="2">
+            <a:schemeClr val="dk1">
+              <a:shade val="50000"/>
+            </a:schemeClr>
+          </a:lnRef>
+          <a:fillRef idx="1">
+            <a:schemeClr val="dk1"/>
+          </a:fillRef>
+          <a:effectRef idx="0">
+            <a:schemeClr val="dk1"/>
+          </a:effectRef>
+          <a:fontRef idx="minor">
+            <a:schemeClr val="lt1"/>
+          </a:fontRef>
+        </p:style>
+        <p:txBody>
+          <a:bodyPr rtlCol="0" anchor="ctr"/>
+          <a:lstStyle/>
+          <a:p>
+            <a:pPr algn="ctr"/>
+            <a:endParaRPr lang="zh-CN" altLang="en-US">
+              <a:solidFill>
+                <a:schemeClr val="tx1"/>
+              </a:solidFill>
+            </a:endParaRPr>
+          </a:p>
+        </p:txBody>
+      </p:sp>
+      <p:sp>
+        <p:nvSpPr>
+          <p:cNvPr id="12" name="右弧形箭头 11"/>
+          <p:cNvSpPr/>
+          <p:nvPr/>
+        </p:nvSpPr>
+        <p:spPr>
+          <a:xfrm>
+            <a:off x="6601028" y="1722921"/>
+            <a:ext cx="925928" cy="3378467"/>
+          </a:xfrm>
+          <a:prstGeom prst="curvedLeftArrow">
+            <a:avLst>
+              <a:gd name="adj1" fmla="val 16550"/>
+              <a:gd name="adj2" fmla="val 50000"/>
+              <a:gd name="adj3" fmla="val 25000"/>
+            </a:avLst>
+          </a:prstGeom>
+        </p:spPr>
+        <p:style>
+          <a:lnRef idx="2">
+            <a:schemeClr val="dk1">
+              <a:shade val="50000"/>
+            </a:schemeClr>
+          </a:lnRef>
+          <a:fillRef idx="1">
+            <a:schemeClr val="dk1"/>
+          </a:fillRef>
+          <a:effectRef idx="0">
+            <a:schemeClr val="dk1"/>
+          </a:effectRef>
+          <a:fontRef idx="minor">
+            <a:schemeClr val="lt1"/>
+          </a:fontRef>
+        </p:style>
+        <p:txBody>
+          <a:bodyPr rtlCol="0" anchor="ctr"/>
+          <a:lstStyle/>
+          <a:p>
+            <a:pPr algn="ctr"/>
+            <a:endParaRPr lang="zh-CN" altLang="en-US">
+              <a:solidFill>
+                <a:schemeClr val="tx1"/>
+              </a:solidFill>
+            </a:endParaRPr>
+          </a:p>
+        </p:txBody>
+      </p:sp>
+    </p:spTree>
+    <p:extLst>
+      <p:ext uri="{BB962C8B-B14F-4D97-AF65-F5344CB8AC3E}">
+        <p14:creationId xmlns:p14="http://schemas.microsoft.com/office/powerpoint/2010/main" val="3522423718"/>
+      </p:ext>
+    </p:extLst>
+  </p:cSld>
+  <p:clrMapOvr>
+    <a:masterClrMapping/>
+  </p:clrMapOvr>
+</p:sld>
+</file>
+
 <file path=ppt/theme/theme1.xml><?xml version="1.0" encoding="utf-8"?>
 <a:theme xmlns:a="http://schemas.openxmlformats.org/drawingml/2006/main" name="Office 主题​​">
   <a:themeElements>

--- a/论文涉及图片.pptx
+++ b/论文涉及图片.pptx
@@ -10,6 +10,8 @@
     <p:sldId id="258" r:id="rId4"/>
     <p:sldId id="259" r:id="rId5"/>
     <p:sldId id="260" r:id="rId6"/>
+    <p:sldId id="261" r:id="rId7"/>
+    <p:sldId id="262" r:id="rId8"/>
   </p:sldIdLst>
   <p:sldSz cx="12192000" cy="6858000"/>
   <p:notesSz cx="6858000" cy="9144000"/>
@@ -136,8 +138,15 @@
             <p14:sldId id="260"/>
           </p14:sldIdLst>
         </p14:section>
-        <p14:section name="无标题节" id="{2B295AB4-E1A8-4D31-8E66-6E78E6E0D5B0}">
-          <p14:sldIdLst/>
+        <p14:section name="STL模型等厚分层切片算法" id="{2B295AB4-E1A8-4D31-8E66-6E78E6E0D5B0}">
+          <p14:sldIdLst>
+            <p14:sldId id="261"/>
+          </p14:sldIdLst>
+        </p14:section>
+        <p14:section name="扫描线多边形填充算法" id="{F0B695A6-43B2-40CA-9DCE-47CB76DABACC}">
+          <p14:sldIdLst>
+            <p14:sldId id="262"/>
+          </p14:sldIdLst>
         </p14:section>
       </p14:sectionLst>
     </p:ext>
@@ -295,7 +304,7 @@
           <a:p>
             <a:fld id="{8286CD44-C64B-4896-9FF8-C2A31C4FFE40}" type="datetimeFigureOut">
               <a:rPr lang="zh-CN" altLang="en-US" smtClean="0"/>
-              <a:t>2021-03-09</a:t>
+              <a:t>2021-03-10</a:t>
             </a:fld>
             <a:endParaRPr lang="zh-CN" altLang="en-US"/>
           </a:p>
@@ -493,7 +502,7 @@
           <a:p>
             <a:fld id="{8286CD44-C64B-4896-9FF8-C2A31C4FFE40}" type="datetimeFigureOut">
               <a:rPr lang="zh-CN" altLang="en-US" smtClean="0"/>
-              <a:t>2021-03-09</a:t>
+              <a:t>2021-03-10</a:t>
             </a:fld>
             <a:endParaRPr lang="zh-CN" altLang="en-US"/>
           </a:p>
@@ -701,7 +710,7 @@
           <a:p>
             <a:fld id="{8286CD44-C64B-4896-9FF8-C2A31C4FFE40}" type="datetimeFigureOut">
               <a:rPr lang="zh-CN" altLang="en-US" smtClean="0"/>
-              <a:t>2021-03-09</a:t>
+              <a:t>2021-03-10</a:t>
             </a:fld>
             <a:endParaRPr lang="zh-CN" altLang="en-US"/>
           </a:p>
@@ -899,7 +908,7 @@
           <a:p>
             <a:fld id="{8286CD44-C64B-4896-9FF8-C2A31C4FFE40}" type="datetimeFigureOut">
               <a:rPr lang="zh-CN" altLang="en-US" smtClean="0"/>
-              <a:t>2021-03-09</a:t>
+              <a:t>2021-03-10</a:t>
             </a:fld>
             <a:endParaRPr lang="zh-CN" altLang="en-US"/>
           </a:p>
@@ -1174,7 +1183,7 @@
           <a:p>
             <a:fld id="{8286CD44-C64B-4896-9FF8-C2A31C4FFE40}" type="datetimeFigureOut">
               <a:rPr lang="zh-CN" altLang="en-US" smtClean="0"/>
-              <a:t>2021-03-09</a:t>
+              <a:t>2021-03-10</a:t>
             </a:fld>
             <a:endParaRPr lang="zh-CN" altLang="en-US"/>
           </a:p>
@@ -1439,7 +1448,7 @@
           <a:p>
             <a:fld id="{8286CD44-C64B-4896-9FF8-C2A31C4FFE40}" type="datetimeFigureOut">
               <a:rPr lang="zh-CN" altLang="en-US" smtClean="0"/>
-              <a:t>2021-03-09</a:t>
+              <a:t>2021-03-10</a:t>
             </a:fld>
             <a:endParaRPr lang="zh-CN" altLang="en-US"/>
           </a:p>
@@ -1851,7 +1860,7 @@
           <a:p>
             <a:fld id="{8286CD44-C64B-4896-9FF8-C2A31C4FFE40}" type="datetimeFigureOut">
               <a:rPr lang="zh-CN" altLang="en-US" smtClean="0"/>
-              <a:t>2021-03-09</a:t>
+              <a:t>2021-03-10</a:t>
             </a:fld>
             <a:endParaRPr lang="zh-CN" altLang="en-US"/>
           </a:p>
@@ -1992,7 +2001,7 @@
           <a:p>
             <a:fld id="{8286CD44-C64B-4896-9FF8-C2A31C4FFE40}" type="datetimeFigureOut">
               <a:rPr lang="zh-CN" altLang="en-US" smtClean="0"/>
-              <a:t>2021-03-09</a:t>
+              <a:t>2021-03-10</a:t>
             </a:fld>
             <a:endParaRPr lang="zh-CN" altLang="en-US"/>
           </a:p>
@@ -2105,7 +2114,7 @@
           <a:p>
             <a:fld id="{8286CD44-C64B-4896-9FF8-C2A31C4FFE40}" type="datetimeFigureOut">
               <a:rPr lang="zh-CN" altLang="en-US" smtClean="0"/>
-              <a:t>2021-03-09</a:t>
+              <a:t>2021-03-10</a:t>
             </a:fld>
             <a:endParaRPr lang="zh-CN" altLang="en-US"/>
           </a:p>
@@ -2416,7 +2425,7 @@
           <a:p>
             <a:fld id="{8286CD44-C64B-4896-9FF8-C2A31C4FFE40}" type="datetimeFigureOut">
               <a:rPr lang="zh-CN" altLang="en-US" smtClean="0"/>
-              <a:t>2021-03-09</a:t>
+              <a:t>2021-03-10</a:t>
             </a:fld>
             <a:endParaRPr lang="zh-CN" altLang="en-US"/>
           </a:p>
@@ -2704,7 +2713,7 @@
           <a:p>
             <a:fld id="{8286CD44-C64B-4896-9FF8-C2A31C4FFE40}" type="datetimeFigureOut">
               <a:rPr lang="zh-CN" altLang="en-US" smtClean="0"/>
-              <a:t>2021-03-09</a:t>
+              <a:t>2021-03-10</a:t>
             </a:fld>
             <a:endParaRPr lang="zh-CN" altLang="en-US"/>
           </a:p>
@@ -2945,7 +2954,7 @@
           <a:p>
             <a:fld id="{8286CD44-C64B-4896-9FF8-C2A31C4FFE40}" type="datetimeFigureOut">
               <a:rPr lang="zh-CN" altLang="en-US" smtClean="0"/>
-              <a:t>2021-03-09</a:t>
+              <a:t>2021-03-10</a:t>
             </a:fld>
             <a:endParaRPr lang="zh-CN" altLang="en-US"/>
           </a:p>
@@ -7316,11 +7325,6 @@
                         </a:rPr>
                         <a:t>面数据结构</a:t>
                       </a:r>
-                      <a:endParaRPr lang="zh-CN" altLang="en-US" b="0" dirty="0" smtClean="0">
-                        <a:solidFill>
-                          <a:schemeClr val="bg1"/>
-                        </a:solidFill>
-                      </a:endParaRPr>
                     </a:p>
                   </a:txBody>
                   <a:tcPr>
@@ -7413,11 +7417,6 @@
                         </a:rPr>
                         <a:t>面的点索引</a:t>
                       </a:r>
-                      <a:endParaRPr lang="zh-CN" altLang="en-US" dirty="0" smtClean="0">
-                        <a:solidFill>
-                          <a:schemeClr val="bg1"/>
-                        </a:solidFill>
-                      </a:endParaRPr>
                     </a:p>
                   </a:txBody>
                   <a:tcPr>
@@ -7456,15 +7455,7 @@
                             <a:schemeClr val="bg1"/>
                           </a:solidFill>
                         </a:rPr>
-                        <a:t>fIncludePoint[3</a:t>
-                      </a:r>
-                      <a:r>
-                        <a:rPr lang="en-US" altLang="zh-CN" dirty="0" smtClean="0">
-                          <a:solidFill>
-                            <a:schemeClr val="bg1"/>
-                          </a:solidFill>
-                        </a:rPr>
-                        <a:t>]</a:t>
+                        <a:t>fIncludePoint[3]</a:t>
                       </a:r>
                       <a:endParaRPr lang="zh-CN" altLang="en-US" dirty="0" smtClean="0">
                         <a:solidFill>
@@ -7518,11 +7509,6 @@
                         </a:rPr>
                         <a:t>面的边索引</a:t>
                       </a:r>
-                      <a:endParaRPr lang="zh-CN" altLang="en-US" dirty="0" smtClean="0">
-                        <a:solidFill>
-                          <a:schemeClr val="bg1"/>
-                        </a:solidFill>
-                      </a:endParaRPr>
                     </a:p>
                   </a:txBody>
                   <a:tcPr>
@@ -7786,6 +7772,4678 @@
   <p:clrMapOvr>
     <a:masterClrMapping/>
   </p:clrMapOvr>
+</p:sld>
+</file>
+
+<file path=ppt/slides/slide6.xml><?xml version="1.0" encoding="utf-8"?>
+<p:sld xmlns:a="http://schemas.openxmlformats.org/drawingml/2006/main" xmlns:r="http://schemas.openxmlformats.org/officeDocument/2006/relationships" xmlns:p="http://schemas.openxmlformats.org/presentationml/2006/main">
+  <p:cSld>
+    <p:spTree>
+      <p:nvGrpSpPr>
+        <p:cNvPr id="1" name=""/>
+        <p:cNvGrpSpPr/>
+        <p:nvPr/>
+      </p:nvGrpSpPr>
+      <p:grpSpPr>
+        <a:xfrm>
+          <a:off x="0" y="0"/>
+          <a:ext cx="0" cy="0"/>
+          <a:chOff x="0" y="0"/>
+          <a:chExt cx="0" cy="0"/>
+        </a:xfrm>
+      </p:grpSpPr>
+      <p:sp>
+        <p:nvSpPr>
+          <p:cNvPr id="5" name="椭圆 4"/>
+          <p:cNvSpPr/>
+          <p:nvPr/>
+        </p:nvSpPr>
+        <p:spPr>
+          <a:xfrm>
+            <a:off x="3240346" y="550416"/>
+            <a:ext cx="1127464" cy="363984"/>
+          </a:xfrm>
+          <a:prstGeom prst="ellipse">
+            <a:avLst/>
+          </a:prstGeom>
+          <a:solidFill>
+            <a:schemeClr val="bg1"/>
+          </a:solidFill>
+        </p:spPr>
+        <p:style>
+          <a:lnRef idx="2">
+            <a:schemeClr val="accent1">
+              <a:shade val="50000"/>
+            </a:schemeClr>
+          </a:lnRef>
+          <a:fillRef idx="1">
+            <a:schemeClr val="accent1"/>
+          </a:fillRef>
+          <a:effectRef idx="0">
+            <a:schemeClr val="accent1"/>
+          </a:effectRef>
+          <a:fontRef idx="minor">
+            <a:schemeClr val="lt1"/>
+          </a:fontRef>
+        </p:style>
+        <p:txBody>
+          <a:bodyPr rtlCol="0" anchor="ctr"/>
+          <a:lstStyle/>
+          <a:p>
+            <a:pPr algn="ctr"/>
+            <a:r>
+              <a:rPr lang="zh-CN" altLang="en-US" sz="1400" dirty="0" smtClean="0">
+                <a:solidFill>
+                  <a:schemeClr val="tx1"/>
+                </a:solidFill>
+              </a:rPr>
+              <a:t>开始</a:t>
+            </a:r>
+            <a:r>
+              <a:rPr lang="en-US" altLang="zh-CN" sz="1400" dirty="0" smtClean="0">
+                <a:solidFill>
+                  <a:schemeClr val="tx1"/>
+                </a:solidFill>
+              </a:rPr>
+              <a:t> </a:t>
+            </a:r>
+            <a:endParaRPr lang="zh-CN" altLang="en-US" sz="1400" dirty="0">
+              <a:solidFill>
+                <a:schemeClr val="tx1"/>
+              </a:solidFill>
+            </a:endParaRPr>
+          </a:p>
+        </p:txBody>
+      </p:sp>
+      <p:sp>
+        <p:nvSpPr>
+          <p:cNvPr id="7" name="圆角矩形 6"/>
+          <p:cNvSpPr/>
+          <p:nvPr/>
+        </p:nvSpPr>
+        <p:spPr>
+          <a:xfrm>
+            <a:off x="2991773" y="1136341"/>
+            <a:ext cx="1624613" cy="301840"/>
+          </a:xfrm>
+          <a:prstGeom prst="roundRect">
+            <a:avLst/>
+          </a:prstGeom>
+          <a:solidFill>
+            <a:schemeClr val="bg1"/>
+          </a:solidFill>
+        </p:spPr>
+        <p:style>
+          <a:lnRef idx="2">
+            <a:schemeClr val="accent1">
+              <a:shade val="50000"/>
+            </a:schemeClr>
+          </a:lnRef>
+          <a:fillRef idx="1">
+            <a:schemeClr val="accent1"/>
+          </a:fillRef>
+          <a:effectRef idx="0">
+            <a:schemeClr val="accent1"/>
+          </a:effectRef>
+          <a:fontRef idx="minor">
+            <a:schemeClr val="lt1"/>
+          </a:fontRef>
+        </p:style>
+        <p:txBody>
+          <a:bodyPr rtlCol="0" anchor="ctr"/>
+          <a:lstStyle/>
+          <a:p>
+            <a:pPr algn="ctr"/>
+            <a:r>
+              <a:rPr lang="zh-CN" altLang="en-US" sz="1400" dirty="0" smtClean="0">
+                <a:solidFill>
+                  <a:schemeClr val="tx1"/>
+                </a:solidFill>
+              </a:rPr>
+              <a:t>读取</a:t>
+            </a:r>
+            <a:r>
+              <a:rPr lang="en-US" altLang="zh-CN" sz="1400" dirty="0" smtClean="0">
+                <a:solidFill>
+                  <a:schemeClr val="tx1"/>
+                </a:solidFill>
+              </a:rPr>
+              <a:t>STL</a:t>
+            </a:r>
+            <a:r>
+              <a:rPr lang="zh-CN" altLang="en-US" sz="1400" dirty="0" smtClean="0">
+                <a:solidFill>
+                  <a:schemeClr val="tx1"/>
+                </a:solidFill>
+              </a:rPr>
+              <a:t>文件</a:t>
+            </a:r>
+          </a:p>
+        </p:txBody>
+      </p:sp>
+      <p:sp>
+        <p:nvSpPr>
+          <p:cNvPr id="8" name="圆角矩形 7"/>
+          <p:cNvSpPr/>
+          <p:nvPr/>
+        </p:nvSpPr>
+        <p:spPr>
+          <a:xfrm>
+            <a:off x="2991773" y="1660122"/>
+            <a:ext cx="1629054" cy="426129"/>
+          </a:xfrm>
+          <a:prstGeom prst="roundRect">
+            <a:avLst/>
+          </a:prstGeom>
+          <a:solidFill>
+            <a:schemeClr val="bg1"/>
+          </a:solidFill>
+        </p:spPr>
+        <p:style>
+          <a:lnRef idx="2">
+            <a:schemeClr val="accent1">
+              <a:shade val="50000"/>
+            </a:schemeClr>
+          </a:lnRef>
+          <a:fillRef idx="1">
+            <a:schemeClr val="accent1"/>
+          </a:fillRef>
+          <a:effectRef idx="0">
+            <a:schemeClr val="accent1"/>
+          </a:effectRef>
+          <a:fontRef idx="minor">
+            <a:schemeClr val="lt1"/>
+          </a:fontRef>
+        </p:style>
+        <p:txBody>
+          <a:bodyPr rtlCol="0" anchor="ctr"/>
+          <a:lstStyle/>
+          <a:p>
+            <a:pPr algn="ctr"/>
+            <a:r>
+              <a:rPr lang="zh-CN" altLang="en-US" sz="1400" dirty="0" smtClean="0">
+                <a:solidFill>
+                  <a:schemeClr val="tx1"/>
+                </a:solidFill>
+              </a:rPr>
+              <a:t>分层方向和层厚</a:t>
+            </a:r>
+            <a:r>
+              <a:rPr lang="en-US" altLang="zh-CN" sz="1400" dirty="0" smtClean="0">
+                <a:solidFill>
+                  <a:schemeClr val="tx1"/>
+                </a:solidFill>
+              </a:rPr>
+              <a:t>t</a:t>
+            </a:r>
+            <a:endParaRPr lang="zh-CN" altLang="en-US" sz="1400" dirty="0" smtClean="0">
+              <a:solidFill>
+                <a:schemeClr val="tx1"/>
+              </a:solidFill>
+            </a:endParaRPr>
+          </a:p>
+        </p:txBody>
+      </p:sp>
+      <p:sp>
+        <p:nvSpPr>
+          <p:cNvPr id="9" name="圆角矩形 8"/>
+          <p:cNvSpPr/>
+          <p:nvPr/>
+        </p:nvSpPr>
+        <p:spPr>
+          <a:xfrm>
+            <a:off x="2416941" y="2308192"/>
+            <a:ext cx="2774274" cy="426129"/>
+          </a:xfrm>
+          <a:prstGeom prst="roundRect">
+            <a:avLst/>
+          </a:prstGeom>
+          <a:solidFill>
+            <a:schemeClr val="bg1"/>
+          </a:solidFill>
+        </p:spPr>
+        <p:style>
+          <a:lnRef idx="2">
+            <a:schemeClr val="accent1">
+              <a:shade val="50000"/>
+            </a:schemeClr>
+          </a:lnRef>
+          <a:fillRef idx="1">
+            <a:schemeClr val="accent1"/>
+          </a:fillRef>
+          <a:effectRef idx="0">
+            <a:schemeClr val="accent1"/>
+          </a:effectRef>
+          <a:fontRef idx="minor">
+            <a:schemeClr val="lt1"/>
+          </a:fontRef>
+        </p:style>
+        <p:txBody>
+          <a:bodyPr rtlCol="0" anchor="ctr"/>
+          <a:lstStyle/>
+          <a:p>
+            <a:pPr algn="ctr"/>
+            <a:r>
+              <a:rPr lang="zh-CN" altLang="en-US" sz="1400" dirty="0" smtClean="0">
+                <a:solidFill>
+                  <a:schemeClr val="tx1"/>
+                </a:solidFill>
+              </a:rPr>
+              <a:t>起始高度</a:t>
+            </a:r>
+            <a:r>
+              <a:rPr lang="en-US" altLang="zh-CN" sz="1400" dirty="0" smtClean="0">
+                <a:solidFill>
+                  <a:schemeClr val="tx1"/>
+                </a:solidFill>
+              </a:rPr>
+              <a:t>startH</a:t>
+            </a:r>
+            <a:r>
+              <a:rPr lang="zh-CN" altLang="en-US" sz="1400" dirty="0" smtClean="0">
+                <a:solidFill>
+                  <a:schemeClr val="tx1"/>
+                </a:solidFill>
+              </a:rPr>
+              <a:t>和终止高度</a:t>
+            </a:r>
+            <a:r>
+              <a:rPr lang="en-US" altLang="zh-CN" sz="1400" dirty="0" smtClean="0">
+                <a:solidFill>
+                  <a:schemeClr val="tx1"/>
+                </a:solidFill>
+              </a:rPr>
+              <a:t>endH</a:t>
+            </a:r>
+            <a:endParaRPr lang="zh-CN" altLang="en-US" sz="1400" dirty="0" smtClean="0">
+              <a:solidFill>
+                <a:schemeClr val="tx1"/>
+              </a:solidFill>
+            </a:endParaRPr>
+          </a:p>
+        </p:txBody>
+      </p:sp>
+      <p:sp>
+        <p:nvSpPr>
+          <p:cNvPr id="11" name="圆角矩形 10"/>
+          <p:cNvSpPr/>
+          <p:nvPr/>
+        </p:nvSpPr>
+        <p:spPr>
+          <a:xfrm>
+            <a:off x="2762617" y="2956262"/>
+            <a:ext cx="2082921" cy="426129"/>
+          </a:xfrm>
+          <a:prstGeom prst="roundRect">
+            <a:avLst/>
+          </a:prstGeom>
+          <a:solidFill>
+            <a:schemeClr val="bg1"/>
+          </a:solidFill>
+        </p:spPr>
+        <p:style>
+          <a:lnRef idx="2">
+            <a:schemeClr val="accent1">
+              <a:shade val="50000"/>
+            </a:schemeClr>
+          </a:lnRef>
+          <a:fillRef idx="1">
+            <a:schemeClr val="accent1"/>
+          </a:fillRef>
+          <a:effectRef idx="0">
+            <a:schemeClr val="accent1"/>
+          </a:effectRef>
+          <a:fontRef idx="minor">
+            <a:schemeClr val="lt1"/>
+          </a:fontRef>
+        </p:style>
+        <p:txBody>
+          <a:bodyPr rtlCol="0" anchor="ctr"/>
+          <a:lstStyle/>
+          <a:p>
+            <a:pPr algn="ctr"/>
+            <a:r>
+              <a:rPr lang="zh-CN" altLang="en-US" sz="1400" dirty="0" smtClean="0">
+                <a:solidFill>
+                  <a:schemeClr val="tx1"/>
+                </a:solidFill>
+              </a:rPr>
+              <a:t>当前打印高度</a:t>
+            </a:r>
+            <a:r>
+              <a:rPr lang="en-US" altLang="zh-CN" sz="1400" dirty="0" smtClean="0">
+                <a:solidFill>
+                  <a:schemeClr val="tx1"/>
+                </a:solidFill>
+              </a:rPr>
+              <a:t>H=startH</a:t>
+            </a:r>
+            <a:endParaRPr lang="zh-CN" altLang="en-US" sz="1400" dirty="0" smtClean="0">
+              <a:solidFill>
+                <a:schemeClr val="tx1"/>
+              </a:solidFill>
+            </a:endParaRPr>
+          </a:p>
+        </p:txBody>
+      </p:sp>
+      <p:sp>
+        <p:nvSpPr>
+          <p:cNvPr id="12" name="菱形 11"/>
+          <p:cNvSpPr/>
+          <p:nvPr/>
+        </p:nvSpPr>
+        <p:spPr>
+          <a:xfrm>
+            <a:off x="2770381" y="3604332"/>
+            <a:ext cx="2067392" cy="754604"/>
+          </a:xfrm>
+          <a:prstGeom prst="diamond">
+            <a:avLst/>
+          </a:prstGeom>
+          <a:solidFill>
+            <a:schemeClr val="bg1"/>
+          </a:solidFill>
+        </p:spPr>
+        <p:style>
+          <a:lnRef idx="2">
+            <a:schemeClr val="accent1">
+              <a:shade val="50000"/>
+            </a:schemeClr>
+          </a:lnRef>
+          <a:fillRef idx="1">
+            <a:schemeClr val="accent1"/>
+          </a:fillRef>
+          <a:effectRef idx="0">
+            <a:schemeClr val="accent1"/>
+          </a:effectRef>
+          <a:fontRef idx="minor">
+            <a:schemeClr val="lt1"/>
+          </a:fontRef>
+        </p:style>
+        <p:txBody>
+          <a:bodyPr rtlCol="0" anchor="ctr"/>
+          <a:lstStyle/>
+          <a:p>
+            <a:pPr algn="ctr"/>
+            <a:r>
+              <a:rPr lang="en-US" altLang="zh-CN" sz="1400" dirty="0" smtClean="0">
+                <a:solidFill>
+                  <a:schemeClr val="tx1"/>
+                </a:solidFill>
+              </a:rPr>
+              <a:t>H&lt;=startH</a:t>
+            </a:r>
+            <a:endParaRPr lang="zh-CN" altLang="en-US" sz="1400" dirty="0">
+              <a:solidFill>
+                <a:schemeClr val="tx1"/>
+              </a:solidFill>
+            </a:endParaRPr>
+          </a:p>
+        </p:txBody>
+      </p:sp>
+      <p:sp>
+        <p:nvSpPr>
+          <p:cNvPr id="13" name="椭圆 12"/>
+          <p:cNvSpPr/>
+          <p:nvPr/>
+        </p:nvSpPr>
+        <p:spPr>
+          <a:xfrm>
+            <a:off x="1191083" y="3799642"/>
+            <a:ext cx="1127464" cy="363984"/>
+          </a:xfrm>
+          <a:prstGeom prst="ellipse">
+            <a:avLst/>
+          </a:prstGeom>
+          <a:solidFill>
+            <a:schemeClr val="bg1"/>
+          </a:solidFill>
+        </p:spPr>
+        <p:style>
+          <a:lnRef idx="2">
+            <a:schemeClr val="accent1">
+              <a:shade val="50000"/>
+            </a:schemeClr>
+          </a:lnRef>
+          <a:fillRef idx="1">
+            <a:schemeClr val="accent1"/>
+          </a:fillRef>
+          <a:effectRef idx="0">
+            <a:schemeClr val="accent1"/>
+          </a:effectRef>
+          <a:fontRef idx="minor">
+            <a:schemeClr val="lt1"/>
+          </a:fontRef>
+        </p:style>
+        <p:txBody>
+          <a:bodyPr rtlCol="0" anchor="ctr"/>
+          <a:lstStyle/>
+          <a:p>
+            <a:pPr algn="ctr"/>
+            <a:r>
+              <a:rPr lang="zh-CN" altLang="en-US" sz="1400" dirty="0">
+                <a:solidFill>
+                  <a:schemeClr val="tx1"/>
+                </a:solidFill>
+              </a:rPr>
+              <a:t>结束</a:t>
+            </a:r>
+            <a:r>
+              <a:rPr lang="en-US" altLang="zh-CN" sz="1400" dirty="0" smtClean="0">
+                <a:solidFill>
+                  <a:schemeClr val="tx1"/>
+                </a:solidFill>
+              </a:rPr>
+              <a:t> </a:t>
+            </a:r>
+            <a:endParaRPr lang="zh-CN" altLang="en-US" sz="1400" dirty="0">
+              <a:solidFill>
+                <a:schemeClr val="tx1"/>
+              </a:solidFill>
+            </a:endParaRPr>
+          </a:p>
+        </p:txBody>
+      </p:sp>
+      <p:sp>
+        <p:nvSpPr>
+          <p:cNvPr id="14" name="圆角矩形 13"/>
+          <p:cNvSpPr/>
+          <p:nvPr/>
+        </p:nvSpPr>
+        <p:spPr>
+          <a:xfrm>
+            <a:off x="2762617" y="4822045"/>
+            <a:ext cx="2082921" cy="426129"/>
+          </a:xfrm>
+          <a:prstGeom prst="roundRect">
+            <a:avLst/>
+          </a:prstGeom>
+          <a:solidFill>
+            <a:schemeClr val="bg1"/>
+          </a:solidFill>
+        </p:spPr>
+        <p:style>
+          <a:lnRef idx="2">
+            <a:schemeClr val="accent1">
+              <a:shade val="50000"/>
+            </a:schemeClr>
+          </a:lnRef>
+          <a:fillRef idx="1">
+            <a:schemeClr val="accent1"/>
+          </a:fillRef>
+          <a:effectRef idx="0">
+            <a:schemeClr val="accent1"/>
+          </a:effectRef>
+          <a:fontRef idx="minor">
+            <a:schemeClr val="lt1"/>
+          </a:fontRef>
+        </p:style>
+        <p:txBody>
+          <a:bodyPr rtlCol="0" anchor="ctr"/>
+          <a:lstStyle/>
+          <a:p>
+            <a:pPr algn="ctr"/>
+            <a:r>
+              <a:rPr lang="zh-CN" altLang="en-US" sz="1400" dirty="0" smtClean="0">
+                <a:solidFill>
+                  <a:schemeClr val="tx1"/>
+                </a:solidFill>
+              </a:rPr>
+              <a:t>三角面片和切平面交线</a:t>
+            </a:r>
+          </a:p>
+        </p:txBody>
+      </p:sp>
+      <p:sp>
+        <p:nvSpPr>
+          <p:cNvPr id="15" name="圆角矩形 14"/>
+          <p:cNvSpPr/>
+          <p:nvPr/>
+        </p:nvSpPr>
+        <p:spPr>
+          <a:xfrm>
+            <a:off x="5516172" y="4822045"/>
+            <a:ext cx="2082921" cy="426129"/>
+          </a:xfrm>
+          <a:prstGeom prst="roundRect">
+            <a:avLst/>
+          </a:prstGeom>
+          <a:solidFill>
+            <a:schemeClr val="bg1"/>
+          </a:solidFill>
+        </p:spPr>
+        <p:style>
+          <a:lnRef idx="2">
+            <a:schemeClr val="accent1">
+              <a:shade val="50000"/>
+            </a:schemeClr>
+          </a:lnRef>
+          <a:fillRef idx="1">
+            <a:schemeClr val="accent1"/>
+          </a:fillRef>
+          <a:effectRef idx="0">
+            <a:schemeClr val="accent1"/>
+          </a:effectRef>
+          <a:fontRef idx="minor">
+            <a:schemeClr val="lt1"/>
+          </a:fontRef>
+        </p:style>
+        <p:txBody>
+          <a:bodyPr rtlCol="0" anchor="ctr"/>
+          <a:lstStyle/>
+          <a:p>
+            <a:pPr algn="ctr"/>
+            <a:r>
+              <a:rPr lang="zh-CN" altLang="en-US" sz="1400" dirty="0" smtClean="0">
+                <a:solidFill>
+                  <a:schemeClr val="tx1"/>
+                </a:solidFill>
+              </a:rPr>
+              <a:t>交线首尾相连形成轮廓</a:t>
+            </a:r>
+          </a:p>
+        </p:txBody>
+      </p:sp>
+      <p:sp>
+        <p:nvSpPr>
+          <p:cNvPr id="16" name="圆角矩形 15"/>
+          <p:cNvSpPr/>
+          <p:nvPr/>
+        </p:nvSpPr>
+        <p:spPr>
+          <a:xfrm>
+            <a:off x="5516171" y="3768569"/>
+            <a:ext cx="2082921" cy="426129"/>
+          </a:xfrm>
+          <a:prstGeom prst="roundRect">
+            <a:avLst/>
+          </a:prstGeom>
+          <a:solidFill>
+            <a:schemeClr val="bg1"/>
+          </a:solidFill>
+        </p:spPr>
+        <p:style>
+          <a:lnRef idx="2">
+            <a:schemeClr val="accent1">
+              <a:shade val="50000"/>
+            </a:schemeClr>
+          </a:lnRef>
+          <a:fillRef idx="1">
+            <a:schemeClr val="accent1"/>
+          </a:fillRef>
+          <a:effectRef idx="0">
+            <a:schemeClr val="accent1"/>
+          </a:effectRef>
+          <a:fontRef idx="minor">
+            <a:schemeClr val="lt1"/>
+          </a:fontRef>
+        </p:style>
+        <p:txBody>
+          <a:bodyPr rtlCol="0" anchor="ctr"/>
+          <a:lstStyle/>
+          <a:p>
+            <a:pPr algn="ctr"/>
+            <a:r>
+              <a:rPr lang="en-US" altLang="zh-CN" sz="1400" dirty="0" smtClean="0">
+                <a:solidFill>
+                  <a:schemeClr val="tx1"/>
+                </a:solidFill>
+              </a:rPr>
+              <a:t>H=H + t</a:t>
+            </a:r>
+            <a:endParaRPr lang="zh-CN" altLang="en-US" sz="1400" dirty="0" smtClean="0">
+              <a:solidFill>
+                <a:schemeClr val="tx1"/>
+              </a:solidFill>
+            </a:endParaRPr>
+          </a:p>
+        </p:txBody>
+      </p:sp>
+      <p:cxnSp>
+        <p:nvCxnSpPr>
+          <p:cNvPr id="18" name="直接箭头连接符 17"/>
+          <p:cNvCxnSpPr>
+            <a:stCxn id="5" idx="4"/>
+            <a:endCxn id="7" idx="0"/>
+          </p:cNvCxnSpPr>
+          <p:nvPr/>
+        </p:nvCxnSpPr>
+        <p:spPr>
+          <a:xfrm>
+            <a:off x="3804078" y="914400"/>
+            <a:ext cx="2" cy="221941"/>
+          </a:xfrm>
+          <a:prstGeom prst="straightConnector1">
+            <a:avLst/>
+          </a:prstGeom>
+          <a:ln>
+            <a:tailEnd type="triangle"/>
+          </a:ln>
+        </p:spPr>
+        <p:style>
+          <a:lnRef idx="1">
+            <a:schemeClr val="accent1"/>
+          </a:lnRef>
+          <a:fillRef idx="0">
+            <a:schemeClr val="accent1"/>
+          </a:fillRef>
+          <a:effectRef idx="0">
+            <a:schemeClr val="accent1"/>
+          </a:effectRef>
+          <a:fontRef idx="minor">
+            <a:schemeClr val="tx1"/>
+          </a:fontRef>
+        </p:style>
+      </p:cxnSp>
+      <p:cxnSp>
+        <p:nvCxnSpPr>
+          <p:cNvPr id="20" name="直接箭头连接符 19"/>
+          <p:cNvCxnSpPr>
+            <a:stCxn id="7" idx="2"/>
+            <a:endCxn id="8" idx="0"/>
+          </p:cNvCxnSpPr>
+          <p:nvPr/>
+        </p:nvCxnSpPr>
+        <p:spPr>
+          <a:xfrm>
+            <a:off x="3804080" y="1438181"/>
+            <a:ext cx="2220" cy="221941"/>
+          </a:xfrm>
+          <a:prstGeom prst="straightConnector1">
+            <a:avLst/>
+          </a:prstGeom>
+          <a:ln>
+            <a:tailEnd type="triangle"/>
+          </a:ln>
+        </p:spPr>
+        <p:style>
+          <a:lnRef idx="1">
+            <a:schemeClr val="accent1"/>
+          </a:lnRef>
+          <a:fillRef idx="0">
+            <a:schemeClr val="accent1"/>
+          </a:fillRef>
+          <a:effectRef idx="0">
+            <a:schemeClr val="accent1"/>
+          </a:effectRef>
+          <a:fontRef idx="minor">
+            <a:schemeClr val="tx1"/>
+          </a:fontRef>
+        </p:style>
+      </p:cxnSp>
+      <p:cxnSp>
+        <p:nvCxnSpPr>
+          <p:cNvPr id="23" name="直接箭头连接符 22"/>
+          <p:cNvCxnSpPr>
+            <a:stCxn id="8" idx="2"/>
+            <a:endCxn id="9" idx="0"/>
+          </p:cNvCxnSpPr>
+          <p:nvPr/>
+        </p:nvCxnSpPr>
+        <p:spPr>
+          <a:xfrm flipH="1">
+            <a:off x="3804078" y="2086251"/>
+            <a:ext cx="2222" cy="221941"/>
+          </a:xfrm>
+          <a:prstGeom prst="straightConnector1">
+            <a:avLst/>
+          </a:prstGeom>
+          <a:ln>
+            <a:tailEnd type="triangle"/>
+          </a:ln>
+        </p:spPr>
+        <p:style>
+          <a:lnRef idx="1">
+            <a:schemeClr val="accent1"/>
+          </a:lnRef>
+          <a:fillRef idx="0">
+            <a:schemeClr val="accent1"/>
+          </a:fillRef>
+          <a:effectRef idx="0">
+            <a:schemeClr val="accent1"/>
+          </a:effectRef>
+          <a:fontRef idx="minor">
+            <a:schemeClr val="tx1"/>
+          </a:fontRef>
+        </p:style>
+      </p:cxnSp>
+      <p:cxnSp>
+        <p:nvCxnSpPr>
+          <p:cNvPr id="26" name="直接箭头连接符 25"/>
+          <p:cNvCxnSpPr>
+            <a:stCxn id="9" idx="2"/>
+            <a:endCxn id="11" idx="0"/>
+          </p:cNvCxnSpPr>
+          <p:nvPr/>
+        </p:nvCxnSpPr>
+        <p:spPr>
+          <a:xfrm>
+            <a:off x="3804078" y="2734321"/>
+            <a:ext cx="0" cy="221941"/>
+          </a:xfrm>
+          <a:prstGeom prst="straightConnector1">
+            <a:avLst/>
+          </a:prstGeom>
+          <a:ln>
+            <a:tailEnd type="triangle"/>
+          </a:ln>
+        </p:spPr>
+        <p:style>
+          <a:lnRef idx="1">
+            <a:schemeClr val="accent1"/>
+          </a:lnRef>
+          <a:fillRef idx="0">
+            <a:schemeClr val="accent1"/>
+          </a:fillRef>
+          <a:effectRef idx="0">
+            <a:schemeClr val="accent1"/>
+          </a:effectRef>
+          <a:fontRef idx="minor">
+            <a:schemeClr val="tx1"/>
+          </a:fontRef>
+        </p:style>
+      </p:cxnSp>
+      <p:cxnSp>
+        <p:nvCxnSpPr>
+          <p:cNvPr id="29" name="直接箭头连接符 28"/>
+          <p:cNvCxnSpPr>
+            <a:stCxn id="11" idx="2"/>
+            <a:endCxn id="12" idx="0"/>
+          </p:cNvCxnSpPr>
+          <p:nvPr/>
+        </p:nvCxnSpPr>
+        <p:spPr>
+          <a:xfrm flipH="1">
+            <a:off x="3804077" y="3382391"/>
+            <a:ext cx="1" cy="221941"/>
+          </a:xfrm>
+          <a:prstGeom prst="straightConnector1">
+            <a:avLst/>
+          </a:prstGeom>
+          <a:ln>
+            <a:tailEnd type="triangle"/>
+          </a:ln>
+        </p:spPr>
+        <p:style>
+          <a:lnRef idx="1">
+            <a:schemeClr val="accent1"/>
+          </a:lnRef>
+          <a:fillRef idx="0">
+            <a:schemeClr val="accent1"/>
+          </a:fillRef>
+          <a:effectRef idx="0">
+            <a:schemeClr val="accent1"/>
+          </a:effectRef>
+          <a:fontRef idx="minor">
+            <a:schemeClr val="tx1"/>
+          </a:fontRef>
+        </p:style>
+      </p:cxnSp>
+      <p:cxnSp>
+        <p:nvCxnSpPr>
+          <p:cNvPr id="32" name="直接箭头连接符 31"/>
+          <p:cNvCxnSpPr>
+            <a:stCxn id="12" idx="1"/>
+            <a:endCxn id="13" idx="6"/>
+          </p:cNvCxnSpPr>
+          <p:nvPr/>
+        </p:nvCxnSpPr>
+        <p:spPr>
+          <a:xfrm flipH="1">
+            <a:off x="2318547" y="3981634"/>
+            <a:ext cx="451834" cy="0"/>
+          </a:xfrm>
+          <a:prstGeom prst="straightConnector1">
+            <a:avLst/>
+          </a:prstGeom>
+          <a:ln>
+            <a:tailEnd type="triangle"/>
+          </a:ln>
+        </p:spPr>
+        <p:style>
+          <a:lnRef idx="1">
+            <a:schemeClr val="accent1"/>
+          </a:lnRef>
+          <a:fillRef idx="0">
+            <a:schemeClr val="accent1"/>
+          </a:fillRef>
+          <a:effectRef idx="0">
+            <a:schemeClr val="accent1"/>
+          </a:effectRef>
+          <a:fontRef idx="minor">
+            <a:schemeClr val="tx1"/>
+          </a:fontRef>
+        </p:style>
+      </p:cxnSp>
+      <p:cxnSp>
+        <p:nvCxnSpPr>
+          <p:cNvPr id="35" name="直接箭头连接符 34"/>
+          <p:cNvCxnSpPr>
+            <a:stCxn id="12" idx="2"/>
+            <a:endCxn id="14" idx="0"/>
+          </p:cNvCxnSpPr>
+          <p:nvPr/>
+        </p:nvCxnSpPr>
+        <p:spPr>
+          <a:xfrm>
+            <a:off x="3804077" y="4358936"/>
+            <a:ext cx="1" cy="463109"/>
+          </a:xfrm>
+          <a:prstGeom prst="straightConnector1">
+            <a:avLst/>
+          </a:prstGeom>
+          <a:ln>
+            <a:tailEnd type="triangle"/>
+          </a:ln>
+        </p:spPr>
+        <p:style>
+          <a:lnRef idx="1">
+            <a:schemeClr val="accent1"/>
+          </a:lnRef>
+          <a:fillRef idx="0">
+            <a:schemeClr val="accent1"/>
+          </a:fillRef>
+          <a:effectRef idx="0">
+            <a:schemeClr val="accent1"/>
+          </a:effectRef>
+          <a:fontRef idx="minor">
+            <a:schemeClr val="tx1"/>
+          </a:fontRef>
+        </p:style>
+      </p:cxnSp>
+      <p:cxnSp>
+        <p:nvCxnSpPr>
+          <p:cNvPr id="38" name="直接箭头连接符 37"/>
+          <p:cNvCxnSpPr>
+            <a:stCxn id="14" idx="3"/>
+            <a:endCxn id="15" idx="1"/>
+          </p:cNvCxnSpPr>
+          <p:nvPr/>
+        </p:nvCxnSpPr>
+        <p:spPr>
+          <a:xfrm>
+            <a:off x="4845538" y="5035110"/>
+            <a:ext cx="670634" cy="0"/>
+          </a:xfrm>
+          <a:prstGeom prst="straightConnector1">
+            <a:avLst/>
+          </a:prstGeom>
+          <a:ln>
+            <a:tailEnd type="triangle"/>
+          </a:ln>
+        </p:spPr>
+        <p:style>
+          <a:lnRef idx="1">
+            <a:schemeClr val="accent1"/>
+          </a:lnRef>
+          <a:fillRef idx="0">
+            <a:schemeClr val="accent1"/>
+          </a:fillRef>
+          <a:effectRef idx="0">
+            <a:schemeClr val="accent1"/>
+          </a:effectRef>
+          <a:fontRef idx="minor">
+            <a:schemeClr val="tx1"/>
+          </a:fontRef>
+        </p:style>
+      </p:cxnSp>
+      <p:cxnSp>
+        <p:nvCxnSpPr>
+          <p:cNvPr id="41" name="直接箭头连接符 40"/>
+          <p:cNvCxnSpPr>
+            <a:stCxn id="16" idx="1"/>
+            <a:endCxn id="12" idx="3"/>
+          </p:cNvCxnSpPr>
+          <p:nvPr/>
+        </p:nvCxnSpPr>
+        <p:spPr>
+          <a:xfrm flipH="1">
+            <a:off x="4837773" y="3981634"/>
+            <a:ext cx="678398" cy="0"/>
+          </a:xfrm>
+          <a:prstGeom prst="straightConnector1">
+            <a:avLst/>
+          </a:prstGeom>
+          <a:ln>
+            <a:tailEnd type="triangle"/>
+          </a:ln>
+        </p:spPr>
+        <p:style>
+          <a:lnRef idx="1">
+            <a:schemeClr val="accent1"/>
+          </a:lnRef>
+          <a:fillRef idx="0">
+            <a:schemeClr val="accent1"/>
+          </a:fillRef>
+          <a:effectRef idx="0">
+            <a:schemeClr val="accent1"/>
+          </a:effectRef>
+          <a:fontRef idx="minor">
+            <a:schemeClr val="tx1"/>
+          </a:fontRef>
+        </p:style>
+      </p:cxnSp>
+      <p:cxnSp>
+        <p:nvCxnSpPr>
+          <p:cNvPr id="44" name="直接箭头连接符 43"/>
+          <p:cNvCxnSpPr>
+            <a:stCxn id="15" idx="0"/>
+            <a:endCxn id="16" idx="2"/>
+          </p:cNvCxnSpPr>
+          <p:nvPr/>
+        </p:nvCxnSpPr>
+        <p:spPr>
+          <a:xfrm flipH="1" flipV="1">
+            <a:off x="6557632" y="4194698"/>
+            <a:ext cx="1" cy="627347"/>
+          </a:xfrm>
+          <a:prstGeom prst="straightConnector1">
+            <a:avLst/>
+          </a:prstGeom>
+          <a:ln>
+            <a:tailEnd type="triangle"/>
+          </a:ln>
+        </p:spPr>
+        <p:style>
+          <a:lnRef idx="1">
+            <a:schemeClr val="accent1"/>
+          </a:lnRef>
+          <a:fillRef idx="0">
+            <a:schemeClr val="accent1"/>
+          </a:fillRef>
+          <a:effectRef idx="0">
+            <a:schemeClr val="accent1"/>
+          </a:effectRef>
+          <a:fontRef idx="minor">
+            <a:schemeClr val="tx1"/>
+          </a:fontRef>
+        </p:style>
+      </p:cxnSp>
+    </p:spTree>
+    <p:extLst>
+      <p:ext uri="{BB962C8B-B14F-4D97-AF65-F5344CB8AC3E}">
+        <p14:creationId xmlns:p14="http://schemas.microsoft.com/office/powerpoint/2010/main" val="2944862388"/>
+      </p:ext>
+    </p:extLst>
+  </p:cSld>
+  <p:clrMapOvr>
+    <a:masterClrMapping/>
+  </p:clrMapOvr>
+</p:sld>
+</file>
+
+<file path=ppt/slides/slide7.xml><?xml version="1.0" encoding="utf-8"?>
+<p:sld xmlns:a="http://schemas.openxmlformats.org/drawingml/2006/main" xmlns:r="http://schemas.openxmlformats.org/officeDocument/2006/relationships" xmlns:p="http://schemas.openxmlformats.org/presentationml/2006/main">
+  <p:cSld>
+    <p:spTree>
+      <p:nvGrpSpPr>
+        <p:cNvPr id="1" name=""/>
+        <p:cNvGrpSpPr/>
+        <p:nvPr/>
+      </p:nvGrpSpPr>
+      <p:grpSpPr>
+        <a:xfrm>
+          <a:off x="0" y="0"/>
+          <a:ext cx="0" cy="0"/>
+          <a:chOff x="0" y="0"/>
+          <a:chExt cx="0" cy="0"/>
+        </a:xfrm>
+      </p:grpSpPr>
+      <p:cxnSp>
+        <p:nvCxnSpPr>
+          <p:cNvPr id="5" name="直接箭头连接符 4"/>
+          <p:cNvCxnSpPr/>
+          <p:nvPr/>
+        </p:nvCxnSpPr>
+        <p:spPr>
+          <a:xfrm>
+            <a:off x="3053918" y="4485443"/>
+            <a:ext cx="4229532" cy="0"/>
+          </a:xfrm>
+          <a:prstGeom prst="straightConnector1">
+            <a:avLst/>
+          </a:prstGeom>
+          <a:ln>
+            <a:tailEnd type="triangle"/>
+          </a:ln>
+        </p:spPr>
+        <p:style>
+          <a:lnRef idx="1">
+            <a:schemeClr val="accent1"/>
+          </a:lnRef>
+          <a:fillRef idx="0">
+            <a:schemeClr val="accent1"/>
+          </a:fillRef>
+          <a:effectRef idx="0">
+            <a:schemeClr val="accent1"/>
+          </a:effectRef>
+          <a:fontRef idx="minor">
+            <a:schemeClr val="tx1"/>
+          </a:fontRef>
+        </p:style>
+      </p:cxnSp>
+      <p:cxnSp>
+        <p:nvCxnSpPr>
+          <p:cNvPr id="9" name="直接箭头连接符 8"/>
+          <p:cNvCxnSpPr/>
+          <p:nvPr/>
+        </p:nvCxnSpPr>
+        <p:spPr>
+          <a:xfrm flipV="1">
+            <a:off x="4293831" y="2305050"/>
+            <a:ext cx="0" cy="3181349"/>
+          </a:xfrm>
+          <a:prstGeom prst="straightConnector1">
+            <a:avLst/>
+          </a:prstGeom>
+          <a:ln>
+            <a:tailEnd type="triangle"/>
+          </a:ln>
+        </p:spPr>
+        <p:style>
+          <a:lnRef idx="1">
+            <a:schemeClr val="accent1"/>
+          </a:lnRef>
+          <a:fillRef idx="0">
+            <a:schemeClr val="accent1"/>
+          </a:fillRef>
+          <a:effectRef idx="0">
+            <a:schemeClr val="accent1"/>
+          </a:effectRef>
+          <a:fontRef idx="minor">
+            <a:schemeClr val="tx1"/>
+          </a:fontRef>
+        </p:style>
+      </p:cxnSp>
+      <p:grpSp>
+        <p:nvGrpSpPr>
+          <p:cNvPr id="98" name="组合 97"/>
+          <p:cNvGrpSpPr/>
+          <p:nvPr/>
+        </p:nvGrpSpPr>
+        <p:grpSpPr>
+          <a:xfrm>
+            <a:off x="3071336" y="4343400"/>
+            <a:ext cx="3911600" cy="142043"/>
+            <a:chOff x="3151819" y="5473699"/>
+            <a:chExt cx="3911600" cy="142043"/>
+          </a:xfrm>
+        </p:grpSpPr>
+        <p:cxnSp>
+          <p:nvCxnSpPr>
+            <p:cNvPr id="13" name="直接连接符 12"/>
+            <p:cNvCxnSpPr/>
+            <p:nvPr/>
+          </p:nvCxnSpPr>
+          <p:spPr>
+            <a:xfrm>
+              <a:off x="3151819" y="5473699"/>
+              <a:ext cx="0" cy="142043"/>
+            </a:xfrm>
+            <a:prstGeom prst="line">
+              <a:avLst/>
+            </a:prstGeom>
+          </p:spPr>
+          <p:style>
+            <a:lnRef idx="1">
+              <a:schemeClr val="accent1"/>
+            </a:lnRef>
+            <a:fillRef idx="0">
+              <a:schemeClr val="accent1"/>
+            </a:fillRef>
+            <a:effectRef idx="0">
+              <a:schemeClr val="accent1"/>
+            </a:effectRef>
+            <a:fontRef idx="minor">
+              <a:schemeClr val="tx1"/>
+            </a:fontRef>
+          </p:style>
+        </p:cxnSp>
+        <p:cxnSp>
+          <p:nvCxnSpPr>
+            <p:cNvPr id="75" name="直接连接符 74"/>
+            <p:cNvCxnSpPr/>
+            <p:nvPr/>
+          </p:nvCxnSpPr>
+          <p:spPr>
+            <a:xfrm>
+              <a:off x="3396294" y="5473699"/>
+              <a:ext cx="0" cy="142043"/>
+            </a:xfrm>
+            <a:prstGeom prst="line">
+              <a:avLst/>
+            </a:prstGeom>
+          </p:spPr>
+          <p:style>
+            <a:lnRef idx="1">
+              <a:schemeClr val="accent1"/>
+            </a:lnRef>
+            <a:fillRef idx="0">
+              <a:schemeClr val="accent1"/>
+            </a:fillRef>
+            <a:effectRef idx="0">
+              <a:schemeClr val="accent1"/>
+            </a:effectRef>
+            <a:fontRef idx="minor">
+              <a:schemeClr val="tx1"/>
+            </a:fontRef>
+          </p:style>
+        </p:cxnSp>
+        <p:cxnSp>
+          <p:nvCxnSpPr>
+            <p:cNvPr id="76" name="直接连接符 75"/>
+            <p:cNvCxnSpPr/>
+            <p:nvPr/>
+          </p:nvCxnSpPr>
+          <p:spPr>
+            <a:xfrm>
+              <a:off x="3640769" y="5473699"/>
+              <a:ext cx="0" cy="142043"/>
+            </a:xfrm>
+            <a:prstGeom prst="line">
+              <a:avLst/>
+            </a:prstGeom>
+          </p:spPr>
+          <p:style>
+            <a:lnRef idx="1">
+              <a:schemeClr val="accent1"/>
+            </a:lnRef>
+            <a:fillRef idx="0">
+              <a:schemeClr val="accent1"/>
+            </a:fillRef>
+            <a:effectRef idx="0">
+              <a:schemeClr val="accent1"/>
+            </a:effectRef>
+            <a:fontRef idx="minor">
+              <a:schemeClr val="tx1"/>
+            </a:fontRef>
+          </p:style>
+        </p:cxnSp>
+        <p:cxnSp>
+          <p:nvCxnSpPr>
+            <p:cNvPr id="77" name="直接连接符 76"/>
+            <p:cNvCxnSpPr/>
+            <p:nvPr/>
+          </p:nvCxnSpPr>
+          <p:spPr>
+            <a:xfrm>
+              <a:off x="3885244" y="5473699"/>
+              <a:ext cx="0" cy="142043"/>
+            </a:xfrm>
+            <a:prstGeom prst="line">
+              <a:avLst/>
+            </a:prstGeom>
+          </p:spPr>
+          <p:style>
+            <a:lnRef idx="1">
+              <a:schemeClr val="accent1"/>
+            </a:lnRef>
+            <a:fillRef idx="0">
+              <a:schemeClr val="accent1"/>
+            </a:fillRef>
+            <a:effectRef idx="0">
+              <a:schemeClr val="accent1"/>
+            </a:effectRef>
+            <a:fontRef idx="minor">
+              <a:schemeClr val="tx1"/>
+            </a:fontRef>
+          </p:style>
+        </p:cxnSp>
+        <p:cxnSp>
+          <p:nvCxnSpPr>
+            <p:cNvPr id="78" name="直接连接符 77"/>
+            <p:cNvCxnSpPr/>
+            <p:nvPr/>
+          </p:nvCxnSpPr>
+          <p:spPr>
+            <a:xfrm>
+              <a:off x="4129719" y="5473699"/>
+              <a:ext cx="0" cy="142043"/>
+            </a:xfrm>
+            <a:prstGeom prst="line">
+              <a:avLst/>
+            </a:prstGeom>
+          </p:spPr>
+          <p:style>
+            <a:lnRef idx="1">
+              <a:schemeClr val="accent1"/>
+            </a:lnRef>
+            <a:fillRef idx="0">
+              <a:schemeClr val="accent1"/>
+            </a:fillRef>
+            <a:effectRef idx="0">
+              <a:schemeClr val="accent1"/>
+            </a:effectRef>
+            <a:fontRef idx="minor">
+              <a:schemeClr val="tx1"/>
+            </a:fontRef>
+          </p:style>
+        </p:cxnSp>
+        <p:cxnSp>
+          <p:nvCxnSpPr>
+            <p:cNvPr id="80" name="直接连接符 79"/>
+            <p:cNvCxnSpPr/>
+            <p:nvPr/>
+          </p:nvCxnSpPr>
+          <p:spPr>
+            <a:xfrm>
+              <a:off x="4618669" y="5473699"/>
+              <a:ext cx="0" cy="142043"/>
+            </a:xfrm>
+            <a:prstGeom prst="line">
+              <a:avLst/>
+            </a:prstGeom>
+          </p:spPr>
+          <p:style>
+            <a:lnRef idx="1">
+              <a:schemeClr val="accent1"/>
+            </a:lnRef>
+            <a:fillRef idx="0">
+              <a:schemeClr val="accent1"/>
+            </a:fillRef>
+            <a:effectRef idx="0">
+              <a:schemeClr val="accent1"/>
+            </a:effectRef>
+            <a:fontRef idx="minor">
+              <a:schemeClr val="tx1"/>
+            </a:fontRef>
+          </p:style>
+        </p:cxnSp>
+        <p:cxnSp>
+          <p:nvCxnSpPr>
+            <p:cNvPr id="81" name="直接连接符 80"/>
+            <p:cNvCxnSpPr/>
+            <p:nvPr/>
+          </p:nvCxnSpPr>
+          <p:spPr>
+            <a:xfrm>
+              <a:off x="4863144" y="5473699"/>
+              <a:ext cx="0" cy="142043"/>
+            </a:xfrm>
+            <a:prstGeom prst="line">
+              <a:avLst/>
+            </a:prstGeom>
+          </p:spPr>
+          <p:style>
+            <a:lnRef idx="1">
+              <a:schemeClr val="accent1"/>
+            </a:lnRef>
+            <a:fillRef idx="0">
+              <a:schemeClr val="accent1"/>
+            </a:fillRef>
+            <a:effectRef idx="0">
+              <a:schemeClr val="accent1"/>
+            </a:effectRef>
+            <a:fontRef idx="minor">
+              <a:schemeClr val="tx1"/>
+            </a:fontRef>
+          </p:style>
+        </p:cxnSp>
+        <p:cxnSp>
+          <p:nvCxnSpPr>
+            <p:cNvPr id="82" name="直接连接符 81"/>
+            <p:cNvCxnSpPr/>
+            <p:nvPr/>
+          </p:nvCxnSpPr>
+          <p:spPr>
+            <a:xfrm>
+              <a:off x="5107619" y="5473699"/>
+              <a:ext cx="0" cy="142043"/>
+            </a:xfrm>
+            <a:prstGeom prst="line">
+              <a:avLst/>
+            </a:prstGeom>
+          </p:spPr>
+          <p:style>
+            <a:lnRef idx="1">
+              <a:schemeClr val="accent1"/>
+            </a:lnRef>
+            <a:fillRef idx="0">
+              <a:schemeClr val="accent1"/>
+            </a:fillRef>
+            <a:effectRef idx="0">
+              <a:schemeClr val="accent1"/>
+            </a:effectRef>
+            <a:fontRef idx="minor">
+              <a:schemeClr val="tx1"/>
+            </a:fontRef>
+          </p:style>
+        </p:cxnSp>
+        <p:cxnSp>
+          <p:nvCxnSpPr>
+            <p:cNvPr id="83" name="直接连接符 82"/>
+            <p:cNvCxnSpPr/>
+            <p:nvPr/>
+          </p:nvCxnSpPr>
+          <p:spPr>
+            <a:xfrm>
+              <a:off x="5352094" y="5473699"/>
+              <a:ext cx="0" cy="142043"/>
+            </a:xfrm>
+            <a:prstGeom prst="line">
+              <a:avLst/>
+            </a:prstGeom>
+          </p:spPr>
+          <p:style>
+            <a:lnRef idx="1">
+              <a:schemeClr val="accent1"/>
+            </a:lnRef>
+            <a:fillRef idx="0">
+              <a:schemeClr val="accent1"/>
+            </a:fillRef>
+            <a:effectRef idx="0">
+              <a:schemeClr val="accent1"/>
+            </a:effectRef>
+            <a:fontRef idx="minor">
+              <a:schemeClr val="tx1"/>
+            </a:fontRef>
+          </p:style>
+        </p:cxnSp>
+        <p:cxnSp>
+          <p:nvCxnSpPr>
+            <p:cNvPr id="84" name="直接连接符 83"/>
+            <p:cNvCxnSpPr/>
+            <p:nvPr/>
+          </p:nvCxnSpPr>
+          <p:spPr>
+            <a:xfrm>
+              <a:off x="5596569" y="5473699"/>
+              <a:ext cx="0" cy="142043"/>
+            </a:xfrm>
+            <a:prstGeom prst="line">
+              <a:avLst/>
+            </a:prstGeom>
+          </p:spPr>
+          <p:style>
+            <a:lnRef idx="1">
+              <a:schemeClr val="accent1"/>
+            </a:lnRef>
+            <a:fillRef idx="0">
+              <a:schemeClr val="accent1"/>
+            </a:fillRef>
+            <a:effectRef idx="0">
+              <a:schemeClr val="accent1"/>
+            </a:effectRef>
+            <a:fontRef idx="minor">
+              <a:schemeClr val="tx1"/>
+            </a:fontRef>
+          </p:style>
+        </p:cxnSp>
+        <p:cxnSp>
+          <p:nvCxnSpPr>
+            <p:cNvPr id="85" name="直接连接符 84"/>
+            <p:cNvCxnSpPr/>
+            <p:nvPr/>
+          </p:nvCxnSpPr>
+          <p:spPr>
+            <a:xfrm>
+              <a:off x="5841044" y="5473699"/>
+              <a:ext cx="0" cy="142043"/>
+            </a:xfrm>
+            <a:prstGeom prst="line">
+              <a:avLst/>
+            </a:prstGeom>
+          </p:spPr>
+          <p:style>
+            <a:lnRef idx="1">
+              <a:schemeClr val="accent1"/>
+            </a:lnRef>
+            <a:fillRef idx="0">
+              <a:schemeClr val="accent1"/>
+            </a:fillRef>
+            <a:effectRef idx="0">
+              <a:schemeClr val="accent1"/>
+            </a:effectRef>
+            <a:fontRef idx="minor">
+              <a:schemeClr val="tx1"/>
+            </a:fontRef>
+          </p:style>
+        </p:cxnSp>
+        <p:cxnSp>
+          <p:nvCxnSpPr>
+            <p:cNvPr id="86" name="直接连接符 85"/>
+            <p:cNvCxnSpPr/>
+            <p:nvPr/>
+          </p:nvCxnSpPr>
+          <p:spPr>
+            <a:xfrm>
+              <a:off x="6085519" y="5473699"/>
+              <a:ext cx="0" cy="142043"/>
+            </a:xfrm>
+            <a:prstGeom prst="line">
+              <a:avLst/>
+            </a:prstGeom>
+          </p:spPr>
+          <p:style>
+            <a:lnRef idx="1">
+              <a:schemeClr val="accent1"/>
+            </a:lnRef>
+            <a:fillRef idx="0">
+              <a:schemeClr val="accent1"/>
+            </a:fillRef>
+            <a:effectRef idx="0">
+              <a:schemeClr val="accent1"/>
+            </a:effectRef>
+            <a:fontRef idx="minor">
+              <a:schemeClr val="tx1"/>
+            </a:fontRef>
+          </p:style>
+        </p:cxnSp>
+        <p:cxnSp>
+          <p:nvCxnSpPr>
+            <p:cNvPr id="87" name="直接连接符 86"/>
+            <p:cNvCxnSpPr/>
+            <p:nvPr/>
+          </p:nvCxnSpPr>
+          <p:spPr>
+            <a:xfrm>
+              <a:off x="6329994" y="5473699"/>
+              <a:ext cx="0" cy="142043"/>
+            </a:xfrm>
+            <a:prstGeom prst="line">
+              <a:avLst/>
+            </a:prstGeom>
+          </p:spPr>
+          <p:style>
+            <a:lnRef idx="1">
+              <a:schemeClr val="accent1"/>
+            </a:lnRef>
+            <a:fillRef idx="0">
+              <a:schemeClr val="accent1"/>
+            </a:fillRef>
+            <a:effectRef idx="0">
+              <a:schemeClr val="accent1"/>
+            </a:effectRef>
+            <a:fontRef idx="minor">
+              <a:schemeClr val="tx1"/>
+            </a:fontRef>
+          </p:style>
+        </p:cxnSp>
+        <p:cxnSp>
+          <p:nvCxnSpPr>
+            <p:cNvPr id="88" name="直接连接符 87"/>
+            <p:cNvCxnSpPr/>
+            <p:nvPr/>
+          </p:nvCxnSpPr>
+          <p:spPr>
+            <a:xfrm>
+              <a:off x="6574469" y="5473699"/>
+              <a:ext cx="0" cy="142043"/>
+            </a:xfrm>
+            <a:prstGeom prst="line">
+              <a:avLst/>
+            </a:prstGeom>
+          </p:spPr>
+          <p:style>
+            <a:lnRef idx="1">
+              <a:schemeClr val="accent1"/>
+            </a:lnRef>
+            <a:fillRef idx="0">
+              <a:schemeClr val="accent1"/>
+            </a:fillRef>
+            <a:effectRef idx="0">
+              <a:schemeClr val="accent1"/>
+            </a:effectRef>
+            <a:fontRef idx="minor">
+              <a:schemeClr val="tx1"/>
+            </a:fontRef>
+          </p:style>
+        </p:cxnSp>
+        <p:cxnSp>
+          <p:nvCxnSpPr>
+            <p:cNvPr id="89" name="直接连接符 88"/>
+            <p:cNvCxnSpPr/>
+            <p:nvPr/>
+          </p:nvCxnSpPr>
+          <p:spPr>
+            <a:xfrm>
+              <a:off x="6818944" y="5473699"/>
+              <a:ext cx="0" cy="142043"/>
+            </a:xfrm>
+            <a:prstGeom prst="line">
+              <a:avLst/>
+            </a:prstGeom>
+          </p:spPr>
+          <p:style>
+            <a:lnRef idx="1">
+              <a:schemeClr val="accent1"/>
+            </a:lnRef>
+            <a:fillRef idx="0">
+              <a:schemeClr val="accent1"/>
+            </a:fillRef>
+            <a:effectRef idx="0">
+              <a:schemeClr val="accent1"/>
+            </a:effectRef>
+            <a:fontRef idx="minor">
+              <a:schemeClr val="tx1"/>
+            </a:fontRef>
+          </p:style>
+        </p:cxnSp>
+        <p:cxnSp>
+          <p:nvCxnSpPr>
+            <p:cNvPr id="90" name="直接连接符 89"/>
+            <p:cNvCxnSpPr/>
+            <p:nvPr/>
+          </p:nvCxnSpPr>
+          <p:spPr>
+            <a:xfrm>
+              <a:off x="7063419" y="5473699"/>
+              <a:ext cx="0" cy="142043"/>
+            </a:xfrm>
+            <a:prstGeom prst="line">
+              <a:avLst/>
+            </a:prstGeom>
+          </p:spPr>
+          <p:style>
+            <a:lnRef idx="1">
+              <a:schemeClr val="accent1"/>
+            </a:lnRef>
+            <a:fillRef idx="0">
+              <a:schemeClr val="accent1"/>
+            </a:fillRef>
+            <a:effectRef idx="0">
+              <a:schemeClr val="accent1"/>
+            </a:effectRef>
+            <a:fontRef idx="minor">
+              <a:schemeClr val="tx1"/>
+            </a:fontRef>
+          </p:style>
+        </p:cxnSp>
+      </p:grpSp>
+      <p:grpSp>
+        <p:nvGrpSpPr>
+          <p:cNvPr id="99" name="组合 98"/>
+          <p:cNvGrpSpPr/>
+          <p:nvPr/>
+        </p:nvGrpSpPr>
+        <p:grpSpPr>
+          <a:xfrm rot="16200000">
+            <a:off x="3020002" y="3804857"/>
+            <a:ext cx="2689225" cy="142043"/>
+            <a:chOff x="4863144" y="5473699"/>
+            <a:chExt cx="2689225" cy="142043"/>
+          </a:xfrm>
+        </p:grpSpPr>
+        <p:cxnSp>
+          <p:nvCxnSpPr>
+            <p:cNvPr id="107" name="直接连接符 106"/>
+            <p:cNvCxnSpPr/>
+            <p:nvPr/>
+          </p:nvCxnSpPr>
+          <p:spPr>
+            <a:xfrm>
+              <a:off x="4863144" y="5473699"/>
+              <a:ext cx="0" cy="142043"/>
+            </a:xfrm>
+            <a:prstGeom prst="line">
+              <a:avLst/>
+            </a:prstGeom>
+          </p:spPr>
+          <p:style>
+            <a:lnRef idx="1">
+              <a:schemeClr val="accent1"/>
+            </a:lnRef>
+            <a:fillRef idx="0">
+              <a:schemeClr val="accent1"/>
+            </a:fillRef>
+            <a:effectRef idx="0">
+              <a:schemeClr val="accent1"/>
+            </a:effectRef>
+            <a:fontRef idx="minor">
+              <a:schemeClr val="tx1"/>
+            </a:fontRef>
+          </p:style>
+        </p:cxnSp>
+        <p:cxnSp>
+          <p:nvCxnSpPr>
+            <p:cNvPr id="108" name="直接连接符 107"/>
+            <p:cNvCxnSpPr/>
+            <p:nvPr/>
+          </p:nvCxnSpPr>
+          <p:spPr>
+            <a:xfrm>
+              <a:off x="5107619" y="5473699"/>
+              <a:ext cx="0" cy="142043"/>
+            </a:xfrm>
+            <a:prstGeom prst="line">
+              <a:avLst/>
+            </a:prstGeom>
+          </p:spPr>
+          <p:style>
+            <a:lnRef idx="1">
+              <a:schemeClr val="accent1"/>
+            </a:lnRef>
+            <a:fillRef idx="0">
+              <a:schemeClr val="accent1"/>
+            </a:fillRef>
+            <a:effectRef idx="0">
+              <a:schemeClr val="accent1"/>
+            </a:effectRef>
+            <a:fontRef idx="minor">
+              <a:schemeClr val="tx1"/>
+            </a:fontRef>
+          </p:style>
+        </p:cxnSp>
+        <p:cxnSp>
+          <p:nvCxnSpPr>
+            <p:cNvPr id="109" name="直接连接符 108"/>
+            <p:cNvCxnSpPr/>
+            <p:nvPr/>
+          </p:nvCxnSpPr>
+          <p:spPr>
+            <a:xfrm>
+              <a:off x="5352094" y="5473699"/>
+              <a:ext cx="0" cy="142043"/>
+            </a:xfrm>
+            <a:prstGeom prst="line">
+              <a:avLst/>
+            </a:prstGeom>
+          </p:spPr>
+          <p:style>
+            <a:lnRef idx="1">
+              <a:schemeClr val="accent1"/>
+            </a:lnRef>
+            <a:fillRef idx="0">
+              <a:schemeClr val="accent1"/>
+            </a:fillRef>
+            <a:effectRef idx="0">
+              <a:schemeClr val="accent1"/>
+            </a:effectRef>
+            <a:fontRef idx="minor">
+              <a:schemeClr val="tx1"/>
+            </a:fontRef>
+          </p:style>
+        </p:cxnSp>
+        <p:cxnSp>
+          <p:nvCxnSpPr>
+            <p:cNvPr id="111" name="直接连接符 110"/>
+            <p:cNvCxnSpPr/>
+            <p:nvPr/>
+          </p:nvCxnSpPr>
+          <p:spPr>
+            <a:xfrm>
+              <a:off x="5841044" y="5473699"/>
+              <a:ext cx="0" cy="142043"/>
+            </a:xfrm>
+            <a:prstGeom prst="line">
+              <a:avLst/>
+            </a:prstGeom>
+          </p:spPr>
+          <p:style>
+            <a:lnRef idx="1">
+              <a:schemeClr val="accent1"/>
+            </a:lnRef>
+            <a:fillRef idx="0">
+              <a:schemeClr val="accent1"/>
+            </a:fillRef>
+            <a:effectRef idx="0">
+              <a:schemeClr val="accent1"/>
+            </a:effectRef>
+            <a:fontRef idx="minor">
+              <a:schemeClr val="tx1"/>
+            </a:fontRef>
+          </p:style>
+        </p:cxnSp>
+        <p:cxnSp>
+          <p:nvCxnSpPr>
+            <p:cNvPr id="112" name="直接连接符 111"/>
+            <p:cNvCxnSpPr/>
+            <p:nvPr/>
+          </p:nvCxnSpPr>
+          <p:spPr>
+            <a:xfrm>
+              <a:off x="6085519" y="5473699"/>
+              <a:ext cx="0" cy="142043"/>
+            </a:xfrm>
+            <a:prstGeom prst="line">
+              <a:avLst/>
+            </a:prstGeom>
+          </p:spPr>
+          <p:style>
+            <a:lnRef idx="1">
+              <a:schemeClr val="accent1"/>
+            </a:lnRef>
+            <a:fillRef idx="0">
+              <a:schemeClr val="accent1"/>
+            </a:fillRef>
+            <a:effectRef idx="0">
+              <a:schemeClr val="accent1"/>
+            </a:effectRef>
+            <a:fontRef idx="minor">
+              <a:schemeClr val="tx1"/>
+            </a:fontRef>
+          </p:style>
+        </p:cxnSp>
+        <p:cxnSp>
+          <p:nvCxnSpPr>
+            <p:cNvPr id="113" name="直接连接符 112"/>
+            <p:cNvCxnSpPr/>
+            <p:nvPr/>
+          </p:nvCxnSpPr>
+          <p:spPr>
+            <a:xfrm>
+              <a:off x="6329994" y="5473699"/>
+              <a:ext cx="0" cy="142043"/>
+            </a:xfrm>
+            <a:prstGeom prst="line">
+              <a:avLst/>
+            </a:prstGeom>
+          </p:spPr>
+          <p:style>
+            <a:lnRef idx="1">
+              <a:schemeClr val="accent1"/>
+            </a:lnRef>
+            <a:fillRef idx="0">
+              <a:schemeClr val="accent1"/>
+            </a:fillRef>
+            <a:effectRef idx="0">
+              <a:schemeClr val="accent1"/>
+            </a:effectRef>
+            <a:fontRef idx="minor">
+              <a:schemeClr val="tx1"/>
+            </a:fontRef>
+          </p:style>
+        </p:cxnSp>
+        <p:cxnSp>
+          <p:nvCxnSpPr>
+            <p:cNvPr id="114" name="直接连接符 113"/>
+            <p:cNvCxnSpPr/>
+            <p:nvPr/>
+          </p:nvCxnSpPr>
+          <p:spPr>
+            <a:xfrm>
+              <a:off x="6574469" y="5473699"/>
+              <a:ext cx="0" cy="142043"/>
+            </a:xfrm>
+            <a:prstGeom prst="line">
+              <a:avLst/>
+            </a:prstGeom>
+          </p:spPr>
+          <p:style>
+            <a:lnRef idx="1">
+              <a:schemeClr val="accent1"/>
+            </a:lnRef>
+            <a:fillRef idx="0">
+              <a:schemeClr val="accent1"/>
+            </a:fillRef>
+            <a:effectRef idx="0">
+              <a:schemeClr val="accent1"/>
+            </a:effectRef>
+            <a:fontRef idx="minor">
+              <a:schemeClr val="tx1"/>
+            </a:fontRef>
+          </p:style>
+        </p:cxnSp>
+        <p:cxnSp>
+          <p:nvCxnSpPr>
+            <p:cNvPr id="115" name="直接连接符 114"/>
+            <p:cNvCxnSpPr/>
+            <p:nvPr/>
+          </p:nvCxnSpPr>
+          <p:spPr>
+            <a:xfrm>
+              <a:off x="6818944" y="5473699"/>
+              <a:ext cx="0" cy="142043"/>
+            </a:xfrm>
+            <a:prstGeom prst="line">
+              <a:avLst/>
+            </a:prstGeom>
+          </p:spPr>
+          <p:style>
+            <a:lnRef idx="1">
+              <a:schemeClr val="accent1"/>
+            </a:lnRef>
+            <a:fillRef idx="0">
+              <a:schemeClr val="accent1"/>
+            </a:fillRef>
+            <a:effectRef idx="0">
+              <a:schemeClr val="accent1"/>
+            </a:effectRef>
+            <a:fontRef idx="minor">
+              <a:schemeClr val="tx1"/>
+            </a:fontRef>
+          </p:style>
+        </p:cxnSp>
+        <p:cxnSp>
+          <p:nvCxnSpPr>
+            <p:cNvPr id="116" name="直接连接符 115"/>
+            <p:cNvCxnSpPr/>
+            <p:nvPr/>
+          </p:nvCxnSpPr>
+          <p:spPr>
+            <a:xfrm>
+              <a:off x="7063419" y="5473699"/>
+              <a:ext cx="0" cy="142043"/>
+            </a:xfrm>
+            <a:prstGeom prst="line">
+              <a:avLst/>
+            </a:prstGeom>
+          </p:spPr>
+          <p:style>
+            <a:lnRef idx="1">
+              <a:schemeClr val="accent1"/>
+            </a:lnRef>
+            <a:fillRef idx="0">
+              <a:schemeClr val="accent1"/>
+            </a:fillRef>
+            <a:effectRef idx="0">
+              <a:schemeClr val="accent1"/>
+            </a:effectRef>
+            <a:fontRef idx="minor">
+              <a:schemeClr val="tx1"/>
+            </a:fontRef>
+          </p:style>
+        </p:cxnSp>
+        <p:cxnSp>
+          <p:nvCxnSpPr>
+            <p:cNvPr id="117" name="直接连接符 116"/>
+            <p:cNvCxnSpPr/>
+            <p:nvPr/>
+          </p:nvCxnSpPr>
+          <p:spPr>
+            <a:xfrm>
+              <a:off x="7307894" y="5473699"/>
+              <a:ext cx="0" cy="142043"/>
+            </a:xfrm>
+            <a:prstGeom prst="line">
+              <a:avLst/>
+            </a:prstGeom>
+          </p:spPr>
+          <p:style>
+            <a:lnRef idx="1">
+              <a:schemeClr val="accent1"/>
+            </a:lnRef>
+            <a:fillRef idx="0">
+              <a:schemeClr val="accent1"/>
+            </a:fillRef>
+            <a:effectRef idx="0">
+              <a:schemeClr val="accent1"/>
+            </a:effectRef>
+            <a:fontRef idx="minor">
+              <a:schemeClr val="tx1"/>
+            </a:fontRef>
+          </p:style>
+        </p:cxnSp>
+        <p:cxnSp>
+          <p:nvCxnSpPr>
+            <p:cNvPr id="118" name="直接连接符 117"/>
+            <p:cNvCxnSpPr/>
+            <p:nvPr/>
+          </p:nvCxnSpPr>
+          <p:spPr>
+            <a:xfrm>
+              <a:off x="7552369" y="5473699"/>
+              <a:ext cx="0" cy="142043"/>
+            </a:xfrm>
+            <a:prstGeom prst="line">
+              <a:avLst/>
+            </a:prstGeom>
+          </p:spPr>
+          <p:style>
+            <a:lnRef idx="1">
+              <a:schemeClr val="accent1"/>
+            </a:lnRef>
+            <a:fillRef idx="0">
+              <a:schemeClr val="accent1"/>
+            </a:fillRef>
+            <a:effectRef idx="0">
+              <a:schemeClr val="accent1"/>
+            </a:effectRef>
+            <a:fontRef idx="minor">
+              <a:schemeClr val="tx1"/>
+            </a:fontRef>
+          </p:style>
+        </p:cxnSp>
+      </p:grpSp>
+      <p:sp>
+        <p:nvSpPr>
+          <p:cNvPr id="123" name="文本框 122"/>
+          <p:cNvSpPr txBox="1"/>
+          <p:nvPr/>
+        </p:nvSpPr>
+        <p:spPr>
+          <a:xfrm>
+            <a:off x="4098192" y="4433104"/>
+            <a:ext cx="266420" cy="276999"/>
+          </a:xfrm>
+          <a:prstGeom prst="rect">
+            <a:avLst/>
+          </a:prstGeom>
+          <a:noFill/>
+        </p:spPr>
+        <p:txBody>
+          <a:bodyPr wrap="none" rtlCol="0">
+            <a:spAutoFit/>
+          </a:bodyPr>
+          <a:lstStyle/>
+          <a:p>
+            <a:r>
+              <a:rPr lang="en-US" altLang="zh-CN" sz="1200" dirty="0" smtClean="0">
+                <a:solidFill>
+                  <a:schemeClr val="tx1">
+                    <a:lumMod val="65000"/>
+                    <a:lumOff val="35000"/>
+                  </a:schemeClr>
+                </a:solidFill>
+              </a:rPr>
+              <a:t>0</a:t>
+            </a:r>
+            <a:endParaRPr lang="zh-CN" altLang="en-US" sz="1200" dirty="0">
+              <a:solidFill>
+                <a:schemeClr val="tx1">
+                  <a:lumMod val="65000"/>
+                  <a:lumOff val="35000"/>
+                </a:schemeClr>
+              </a:solidFill>
+            </a:endParaRPr>
+          </a:p>
+        </p:txBody>
+      </p:sp>
+      <p:sp>
+        <p:nvSpPr>
+          <p:cNvPr id="124" name="文本框 123"/>
+          <p:cNvSpPr txBox="1"/>
+          <p:nvPr/>
+        </p:nvSpPr>
+        <p:spPr>
+          <a:xfrm>
+            <a:off x="4404101" y="4433103"/>
+            <a:ext cx="266420" cy="276999"/>
+          </a:xfrm>
+          <a:prstGeom prst="rect">
+            <a:avLst/>
+          </a:prstGeom>
+          <a:noFill/>
+        </p:spPr>
+        <p:txBody>
+          <a:bodyPr wrap="none" rtlCol="0">
+            <a:spAutoFit/>
+          </a:bodyPr>
+          <a:lstStyle/>
+          <a:p>
+            <a:r>
+              <a:rPr lang="en-US" altLang="zh-CN" sz="1200" dirty="0">
+                <a:solidFill>
+                  <a:schemeClr val="tx1">
+                    <a:lumMod val="65000"/>
+                    <a:lumOff val="35000"/>
+                  </a:schemeClr>
+                </a:solidFill>
+              </a:rPr>
+              <a:t>1</a:t>
+            </a:r>
+            <a:endParaRPr lang="zh-CN" altLang="en-US" sz="1200" dirty="0">
+              <a:solidFill>
+                <a:schemeClr val="tx1">
+                  <a:lumMod val="65000"/>
+                  <a:lumOff val="35000"/>
+                </a:schemeClr>
+              </a:solidFill>
+            </a:endParaRPr>
+          </a:p>
+        </p:txBody>
+      </p:sp>
+      <p:sp>
+        <p:nvSpPr>
+          <p:cNvPr id="125" name="文本框 124"/>
+          <p:cNvSpPr txBox="1"/>
+          <p:nvPr/>
+        </p:nvSpPr>
+        <p:spPr>
+          <a:xfrm>
+            <a:off x="4652278" y="4433103"/>
+            <a:ext cx="266420" cy="276999"/>
+          </a:xfrm>
+          <a:prstGeom prst="rect">
+            <a:avLst/>
+          </a:prstGeom>
+          <a:noFill/>
+        </p:spPr>
+        <p:txBody>
+          <a:bodyPr wrap="none" rtlCol="0">
+            <a:spAutoFit/>
+          </a:bodyPr>
+          <a:lstStyle/>
+          <a:p>
+            <a:r>
+              <a:rPr lang="en-US" altLang="zh-CN" sz="1200" dirty="0" smtClean="0">
+                <a:solidFill>
+                  <a:schemeClr val="tx1">
+                    <a:lumMod val="65000"/>
+                    <a:lumOff val="35000"/>
+                  </a:schemeClr>
+                </a:solidFill>
+              </a:rPr>
+              <a:t>2</a:t>
+            </a:r>
+            <a:endParaRPr lang="zh-CN" altLang="en-US" sz="1200" dirty="0">
+              <a:solidFill>
+                <a:schemeClr val="tx1">
+                  <a:lumMod val="65000"/>
+                  <a:lumOff val="35000"/>
+                </a:schemeClr>
+              </a:solidFill>
+            </a:endParaRPr>
+          </a:p>
+        </p:txBody>
+      </p:sp>
+      <p:sp>
+        <p:nvSpPr>
+          <p:cNvPr id="130" name="文本框 129"/>
+          <p:cNvSpPr txBox="1"/>
+          <p:nvPr/>
+        </p:nvSpPr>
+        <p:spPr>
+          <a:xfrm>
+            <a:off x="4893866" y="4433103"/>
+            <a:ext cx="266420" cy="276999"/>
+          </a:xfrm>
+          <a:prstGeom prst="rect">
+            <a:avLst/>
+          </a:prstGeom>
+          <a:noFill/>
+        </p:spPr>
+        <p:txBody>
+          <a:bodyPr wrap="none" rtlCol="0">
+            <a:spAutoFit/>
+          </a:bodyPr>
+          <a:lstStyle/>
+          <a:p>
+            <a:r>
+              <a:rPr lang="en-US" altLang="zh-CN" sz="1200" dirty="0">
+                <a:solidFill>
+                  <a:schemeClr val="tx1">
+                    <a:lumMod val="65000"/>
+                    <a:lumOff val="35000"/>
+                  </a:schemeClr>
+                </a:solidFill>
+              </a:rPr>
+              <a:t>3</a:t>
+            </a:r>
+            <a:endParaRPr lang="zh-CN" altLang="en-US" sz="1200" dirty="0">
+              <a:solidFill>
+                <a:schemeClr val="tx1">
+                  <a:lumMod val="65000"/>
+                  <a:lumOff val="35000"/>
+                </a:schemeClr>
+              </a:solidFill>
+            </a:endParaRPr>
+          </a:p>
+        </p:txBody>
+      </p:sp>
+      <p:sp>
+        <p:nvSpPr>
+          <p:cNvPr id="131" name="文本框 130"/>
+          <p:cNvSpPr txBox="1"/>
+          <p:nvPr/>
+        </p:nvSpPr>
+        <p:spPr>
+          <a:xfrm>
+            <a:off x="5135454" y="4433103"/>
+            <a:ext cx="266420" cy="276999"/>
+          </a:xfrm>
+          <a:prstGeom prst="rect">
+            <a:avLst/>
+          </a:prstGeom>
+          <a:noFill/>
+        </p:spPr>
+        <p:txBody>
+          <a:bodyPr wrap="none" rtlCol="0">
+            <a:spAutoFit/>
+          </a:bodyPr>
+          <a:lstStyle/>
+          <a:p>
+            <a:r>
+              <a:rPr lang="en-US" altLang="zh-CN" sz="1200" dirty="0" smtClean="0">
+                <a:solidFill>
+                  <a:schemeClr val="tx1">
+                    <a:lumMod val="65000"/>
+                    <a:lumOff val="35000"/>
+                  </a:schemeClr>
+                </a:solidFill>
+              </a:rPr>
+              <a:t>4</a:t>
+            </a:r>
+            <a:endParaRPr lang="zh-CN" altLang="en-US" sz="1200" dirty="0">
+              <a:solidFill>
+                <a:schemeClr val="tx1">
+                  <a:lumMod val="65000"/>
+                  <a:lumOff val="35000"/>
+                </a:schemeClr>
+              </a:solidFill>
+            </a:endParaRPr>
+          </a:p>
+        </p:txBody>
+      </p:sp>
+      <p:sp>
+        <p:nvSpPr>
+          <p:cNvPr id="132" name="文本框 131"/>
+          <p:cNvSpPr txBox="1"/>
+          <p:nvPr/>
+        </p:nvSpPr>
+        <p:spPr>
+          <a:xfrm>
+            <a:off x="5389742" y="4433103"/>
+            <a:ext cx="266420" cy="276999"/>
+          </a:xfrm>
+          <a:prstGeom prst="rect">
+            <a:avLst/>
+          </a:prstGeom>
+          <a:noFill/>
+        </p:spPr>
+        <p:txBody>
+          <a:bodyPr wrap="none" rtlCol="0">
+            <a:spAutoFit/>
+          </a:bodyPr>
+          <a:lstStyle/>
+          <a:p>
+            <a:r>
+              <a:rPr lang="en-US" altLang="zh-CN" sz="1200" dirty="0" smtClean="0">
+                <a:solidFill>
+                  <a:schemeClr val="tx1">
+                    <a:lumMod val="65000"/>
+                    <a:lumOff val="35000"/>
+                  </a:schemeClr>
+                </a:solidFill>
+              </a:rPr>
+              <a:t>5</a:t>
+            </a:r>
+            <a:endParaRPr lang="zh-CN" altLang="en-US" sz="1200" dirty="0">
+              <a:solidFill>
+                <a:schemeClr val="tx1">
+                  <a:lumMod val="65000"/>
+                  <a:lumOff val="35000"/>
+                </a:schemeClr>
+              </a:solidFill>
+            </a:endParaRPr>
+          </a:p>
+        </p:txBody>
+      </p:sp>
+      <p:sp>
+        <p:nvSpPr>
+          <p:cNvPr id="133" name="文本框 132"/>
+          <p:cNvSpPr txBox="1"/>
+          <p:nvPr/>
+        </p:nvSpPr>
+        <p:spPr>
+          <a:xfrm>
+            <a:off x="5631330" y="4433103"/>
+            <a:ext cx="266420" cy="276999"/>
+          </a:xfrm>
+          <a:prstGeom prst="rect">
+            <a:avLst/>
+          </a:prstGeom>
+          <a:noFill/>
+        </p:spPr>
+        <p:txBody>
+          <a:bodyPr wrap="none" rtlCol="0">
+            <a:spAutoFit/>
+          </a:bodyPr>
+          <a:lstStyle/>
+          <a:p>
+            <a:r>
+              <a:rPr lang="en-US" altLang="zh-CN" sz="1200" dirty="0" smtClean="0">
+                <a:solidFill>
+                  <a:schemeClr val="tx1">
+                    <a:lumMod val="65000"/>
+                    <a:lumOff val="35000"/>
+                  </a:schemeClr>
+                </a:solidFill>
+              </a:rPr>
+              <a:t>6</a:t>
+            </a:r>
+            <a:endParaRPr lang="zh-CN" altLang="en-US" sz="1200" dirty="0">
+              <a:solidFill>
+                <a:schemeClr val="tx1">
+                  <a:lumMod val="65000"/>
+                  <a:lumOff val="35000"/>
+                </a:schemeClr>
+              </a:solidFill>
+            </a:endParaRPr>
+          </a:p>
+        </p:txBody>
+      </p:sp>
+      <p:sp>
+        <p:nvSpPr>
+          <p:cNvPr id="134" name="文本框 133"/>
+          <p:cNvSpPr txBox="1"/>
+          <p:nvPr/>
+        </p:nvSpPr>
+        <p:spPr>
+          <a:xfrm>
+            <a:off x="5872918" y="4433103"/>
+            <a:ext cx="266420" cy="276999"/>
+          </a:xfrm>
+          <a:prstGeom prst="rect">
+            <a:avLst/>
+          </a:prstGeom>
+          <a:noFill/>
+        </p:spPr>
+        <p:txBody>
+          <a:bodyPr wrap="none" rtlCol="0">
+            <a:spAutoFit/>
+          </a:bodyPr>
+          <a:lstStyle/>
+          <a:p>
+            <a:r>
+              <a:rPr lang="en-US" altLang="zh-CN" sz="1200" dirty="0" smtClean="0">
+                <a:solidFill>
+                  <a:schemeClr val="tx1">
+                    <a:lumMod val="65000"/>
+                    <a:lumOff val="35000"/>
+                  </a:schemeClr>
+                </a:solidFill>
+              </a:rPr>
+              <a:t>7</a:t>
+            </a:r>
+            <a:endParaRPr lang="zh-CN" altLang="en-US" sz="1200" dirty="0">
+              <a:solidFill>
+                <a:schemeClr val="tx1">
+                  <a:lumMod val="65000"/>
+                  <a:lumOff val="35000"/>
+                </a:schemeClr>
+              </a:solidFill>
+            </a:endParaRPr>
+          </a:p>
+        </p:txBody>
+      </p:sp>
+      <p:sp>
+        <p:nvSpPr>
+          <p:cNvPr id="135" name="文本框 134"/>
+          <p:cNvSpPr txBox="1"/>
+          <p:nvPr/>
+        </p:nvSpPr>
+        <p:spPr>
+          <a:xfrm>
+            <a:off x="6114506" y="4433103"/>
+            <a:ext cx="266420" cy="276999"/>
+          </a:xfrm>
+          <a:prstGeom prst="rect">
+            <a:avLst/>
+          </a:prstGeom>
+          <a:noFill/>
+        </p:spPr>
+        <p:txBody>
+          <a:bodyPr wrap="none" rtlCol="0">
+            <a:spAutoFit/>
+          </a:bodyPr>
+          <a:lstStyle/>
+          <a:p>
+            <a:r>
+              <a:rPr lang="en-US" altLang="zh-CN" sz="1200" dirty="0" smtClean="0">
+                <a:solidFill>
+                  <a:schemeClr val="tx1">
+                    <a:lumMod val="65000"/>
+                    <a:lumOff val="35000"/>
+                  </a:schemeClr>
+                </a:solidFill>
+              </a:rPr>
+              <a:t>8</a:t>
+            </a:r>
+            <a:endParaRPr lang="zh-CN" altLang="en-US" sz="1200" dirty="0">
+              <a:solidFill>
+                <a:schemeClr val="tx1">
+                  <a:lumMod val="65000"/>
+                  <a:lumOff val="35000"/>
+                </a:schemeClr>
+              </a:solidFill>
+            </a:endParaRPr>
+          </a:p>
+        </p:txBody>
+      </p:sp>
+      <p:sp>
+        <p:nvSpPr>
+          <p:cNvPr id="136" name="文本框 135"/>
+          <p:cNvSpPr txBox="1"/>
+          <p:nvPr/>
+        </p:nvSpPr>
+        <p:spPr>
+          <a:xfrm>
+            <a:off x="6362444" y="4433103"/>
+            <a:ext cx="266420" cy="276999"/>
+          </a:xfrm>
+          <a:prstGeom prst="rect">
+            <a:avLst/>
+          </a:prstGeom>
+          <a:noFill/>
+        </p:spPr>
+        <p:txBody>
+          <a:bodyPr wrap="none" rtlCol="0">
+            <a:spAutoFit/>
+          </a:bodyPr>
+          <a:lstStyle/>
+          <a:p>
+            <a:r>
+              <a:rPr lang="en-US" altLang="zh-CN" sz="1200" dirty="0" smtClean="0">
+                <a:solidFill>
+                  <a:schemeClr val="tx1">
+                    <a:lumMod val="65000"/>
+                    <a:lumOff val="35000"/>
+                  </a:schemeClr>
+                </a:solidFill>
+              </a:rPr>
+              <a:t>9</a:t>
+            </a:r>
+            <a:endParaRPr lang="zh-CN" altLang="en-US" sz="1200" dirty="0">
+              <a:solidFill>
+                <a:schemeClr val="tx1">
+                  <a:lumMod val="65000"/>
+                  <a:lumOff val="35000"/>
+                </a:schemeClr>
+              </a:solidFill>
+            </a:endParaRPr>
+          </a:p>
+        </p:txBody>
+      </p:sp>
+      <p:sp>
+        <p:nvSpPr>
+          <p:cNvPr id="137" name="文本框 136"/>
+          <p:cNvSpPr txBox="1"/>
+          <p:nvPr/>
+        </p:nvSpPr>
+        <p:spPr>
+          <a:xfrm>
+            <a:off x="6578632" y="4433103"/>
+            <a:ext cx="348172" cy="276999"/>
+          </a:xfrm>
+          <a:prstGeom prst="rect">
+            <a:avLst/>
+          </a:prstGeom>
+          <a:noFill/>
+        </p:spPr>
+        <p:txBody>
+          <a:bodyPr wrap="none" rtlCol="0">
+            <a:spAutoFit/>
+          </a:bodyPr>
+          <a:lstStyle/>
+          <a:p>
+            <a:r>
+              <a:rPr lang="en-US" altLang="zh-CN" sz="1200" dirty="0" smtClean="0">
+                <a:solidFill>
+                  <a:schemeClr val="tx1">
+                    <a:lumMod val="65000"/>
+                    <a:lumOff val="35000"/>
+                  </a:schemeClr>
+                </a:solidFill>
+              </a:rPr>
+              <a:t>10</a:t>
+            </a:r>
+            <a:endParaRPr lang="zh-CN" altLang="en-US" sz="1200" dirty="0">
+              <a:solidFill>
+                <a:schemeClr val="tx1">
+                  <a:lumMod val="65000"/>
+                  <a:lumOff val="35000"/>
+                </a:schemeClr>
+              </a:solidFill>
+            </a:endParaRPr>
+          </a:p>
+        </p:txBody>
+      </p:sp>
+      <p:sp>
+        <p:nvSpPr>
+          <p:cNvPr id="138" name="文本框 137"/>
+          <p:cNvSpPr txBox="1"/>
+          <p:nvPr/>
+        </p:nvSpPr>
+        <p:spPr>
+          <a:xfrm>
+            <a:off x="6826570" y="4433103"/>
+            <a:ext cx="348172" cy="276999"/>
+          </a:xfrm>
+          <a:prstGeom prst="rect">
+            <a:avLst/>
+          </a:prstGeom>
+          <a:noFill/>
+        </p:spPr>
+        <p:txBody>
+          <a:bodyPr wrap="none" rtlCol="0">
+            <a:spAutoFit/>
+          </a:bodyPr>
+          <a:lstStyle/>
+          <a:p>
+            <a:r>
+              <a:rPr lang="en-US" altLang="zh-CN" sz="1200" dirty="0" smtClean="0">
+                <a:solidFill>
+                  <a:schemeClr val="tx1">
+                    <a:lumMod val="65000"/>
+                    <a:lumOff val="35000"/>
+                  </a:schemeClr>
+                </a:solidFill>
+              </a:rPr>
+              <a:t>11</a:t>
+            </a:r>
+            <a:endParaRPr lang="zh-CN" altLang="en-US" sz="1200" dirty="0">
+              <a:solidFill>
+                <a:schemeClr val="tx1">
+                  <a:lumMod val="65000"/>
+                  <a:lumOff val="35000"/>
+                </a:schemeClr>
+              </a:solidFill>
+            </a:endParaRPr>
+          </a:p>
+        </p:txBody>
+      </p:sp>
+      <p:sp>
+        <p:nvSpPr>
+          <p:cNvPr id="146" name="文本框 145"/>
+          <p:cNvSpPr txBox="1"/>
+          <p:nvPr/>
+        </p:nvSpPr>
+        <p:spPr>
+          <a:xfrm>
+            <a:off x="4100055" y="4109262"/>
+            <a:ext cx="266420" cy="276999"/>
+          </a:xfrm>
+          <a:prstGeom prst="rect">
+            <a:avLst/>
+          </a:prstGeom>
+          <a:noFill/>
+        </p:spPr>
+        <p:txBody>
+          <a:bodyPr wrap="none" rtlCol="0">
+            <a:spAutoFit/>
+          </a:bodyPr>
+          <a:lstStyle/>
+          <a:p>
+            <a:r>
+              <a:rPr lang="en-US" altLang="zh-CN" sz="1200" dirty="0">
+                <a:solidFill>
+                  <a:schemeClr val="tx1">
+                    <a:lumMod val="65000"/>
+                    <a:lumOff val="35000"/>
+                  </a:schemeClr>
+                </a:solidFill>
+              </a:rPr>
+              <a:t>1</a:t>
+            </a:r>
+            <a:endParaRPr lang="zh-CN" altLang="en-US" sz="1200" dirty="0">
+              <a:solidFill>
+                <a:schemeClr val="tx1">
+                  <a:lumMod val="65000"/>
+                  <a:lumOff val="35000"/>
+                </a:schemeClr>
+              </a:solidFill>
+            </a:endParaRPr>
+          </a:p>
+        </p:txBody>
+      </p:sp>
+      <p:sp>
+        <p:nvSpPr>
+          <p:cNvPr id="147" name="文本框 146"/>
+          <p:cNvSpPr txBox="1"/>
+          <p:nvPr/>
+        </p:nvSpPr>
+        <p:spPr>
+          <a:xfrm>
+            <a:off x="4101385" y="3863168"/>
+            <a:ext cx="266420" cy="276999"/>
+          </a:xfrm>
+          <a:prstGeom prst="rect">
+            <a:avLst/>
+          </a:prstGeom>
+          <a:noFill/>
+        </p:spPr>
+        <p:txBody>
+          <a:bodyPr wrap="none" rtlCol="0">
+            <a:spAutoFit/>
+          </a:bodyPr>
+          <a:lstStyle/>
+          <a:p>
+            <a:r>
+              <a:rPr lang="en-US" altLang="zh-CN" sz="1200" dirty="0" smtClean="0">
+                <a:solidFill>
+                  <a:schemeClr val="tx1">
+                    <a:lumMod val="65000"/>
+                    <a:lumOff val="35000"/>
+                  </a:schemeClr>
+                </a:solidFill>
+              </a:rPr>
+              <a:t>2</a:t>
+            </a:r>
+            <a:endParaRPr lang="zh-CN" altLang="en-US" sz="1200" dirty="0">
+              <a:solidFill>
+                <a:schemeClr val="tx1">
+                  <a:lumMod val="65000"/>
+                  <a:lumOff val="35000"/>
+                </a:schemeClr>
+              </a:solidFill>
+            </a:endParaRPr>
+          </a:p>
+        </p:txBody>
+      </p:sp>
+      <p:sp>
+        <p:nvSpPr>
+          <p:cNvPr id="148" name="文本框 147"/>
+          <p:cNvSpPr txBox="1"/>
+          <p:nvPr/>
+        </p:nvSpPr>
+        <p:spPr>
+          <a:xfrm>
+            <a:off x="4102715" y="3617074"/>
+            <a:ext cx="266420" cy="276999"/>
+          </a:xfrm>
+          <a:prstGeom prst="rect">
+            <a:avLst/>
+          </a:prstGeom>
+          <a:noFill/>
+        </p:spPr>
+        <p:txBody>
+          <a:bodyPr wrap="none" rtlCol="0">
+            <a:spAutoFit/>
+          </a:bodyPr>
+          <a:lstStyle/>
+          <a:p>
+            <a:r>
+              <a:rPr lang="en-US" altLang="zh-CN" sz="1200" dirty="0" smtClean="0">
+                <a:solidFill>
+                  <a:schemeClr val="tx1">
+                    <a:lumMod val="65000"/>
+                    <a:lumOff val="35000"/>
+                  </a:schemeClr>
+                </a:solidFill>
+              </a:rPr>
+              <a:t>3</a:t>
+            </a:r>
+            <a:endParaRPr lang="zh-CN" altLang="en-US" sz="1200" dirty="0">
+              <a:solidFill>
+                <a:schemeClr val="tx1">
+                  <a:lumMod val="65000"/>
+                  <a:lumOff val="35000"/>
+                </a:schemeClr>
+              </a:solidFill>
+            </a:endParaRPr>
+          </a:p>
+        </p:txBody>
+      </p:sp>
+      <p:sp>
+        <p:nvSpPr>
+          <p:cNvPr id="149" name="文本框 148"/>
+          <p:cNvSpPr txBox="1"/>
+          <p:nvPr/>
+        </p:nvSpPr>
+        <p:spPr>
+          <a:xfrm>
+            <a:off x="4104045" y="3370980"/>
+            <a:ext cx="266420" cy="276999"/>
+          </a:xfrm>
+          <a:prstGeom prst="rect">
+            <a:avLst/>
+          </a:prstGeom>
+          <a:noFill/>
+        </p:spPr>
+        <p:txBody>
+          <a:bodyPr wrap="none" rtlCol="0">
+            <a:spAutoFit/>
+          </a:bodyPr>
+          <a:lstStyle/>
+          <a:p>
+            <a:r>
+              <a:rPr lang="en-US" altLang="zh-CN" sz="1200" dirty="0" smtClean="0">
+                <a:solidFill>
+                  <a:schemeClr val="tx1">
+                    <a:lumMod val="65000"/>
+                    <a:lumOff val="35000"/>
+                  </a:schemeClr>
+                </a:solidFill>
+              </a:rPr>
+              <a:t>4</a:t>
+            </a:r>
+            <a:endParaRPr lang="zh-CN" altLang="en-US" sz="1200" dirty="0">
+              <a:solidFill>
+                <a:schemeClr val="tx1">
+                  <a:lumMod val="65000"/>
+                  <a:lumOff val="35000"/>
+                </a:schemeClr>
+              </a:solidFill>
+            </a:endParaRPr>
+          </a:p>
+        </p:txBody>
+      </p:sp>
+      <p:sp>
+        <p:nvSpPr>
+          <p:cNvPr id="150" name="文本框 149"/>
+          <p:cNvSpPr txBox="1"/>
+          <p:nvPr/>
+        </p:nvSpPr>
+        <p:spPr>
+          <a:xfrm>
+            <a:off x="4105375" y="3124886"/>
+            <a:ext cx="266420" cy="276999"/>
+          </a:xfrm>
+          <a:prstGeom prst="rect">
+            <a:avLst/>
+          </a:prstGeom>
+          <a:noFill/>
+        </p:spPr>
+        <p:txBody>
+          <a:bodyPr wrap="none" rtlCol="0">
+            <a:spAutoFit/>
+          </a:bodyPr>
+          <a:lstStyle/>
+          <a:p>
+            <a:r>
+              <a:rPr lang="en-US" altLang="zh-CN" sz="1200" dirty="0" smtClean="0">
+                <a:solidFill>
+                  <a:schemeClr val="tx1">
+                    <a:lumMod val="65000"/>
+                    <a:lumOff val="35000"/>
+                  </a:schemeClr>
+                </a:solidFill>
+              </a:rPr>
+              <a:t>5</a:t>
+            </a:r>
+            <a:endParaRPr lang="zh-CN" altLang="en-US" sz="1200" dirty="0">
+              <a:solidFill>
+                <a:schemeClr val="tx1">
+                  <a:lumMod val="65000"/>
+                  <a:lumOff val="35000"/>
+                </a:schemeClr>
+              </a:solidFill>
+            </a:endParaRPr>
+          </a:p>
+        </p:txBody>
+      </p:sp>
+      <p:sp>
+        <p:nvSpPr>
+          <p:cNvPr id="151" name="文本框 150"/>
+          <p:cNvSpPr txBox="1"/>
+          <p:nvPr/>
+        </p:nvSpPr>
+        <p:spPr>
+          <a:xfrm>
+            <a:off x="4106705" y="2878792"/>
+            <a:ext cx="266420" cy="276999"/>
+          </a:xfrm>
+          <a:prstGeom prst="rect">
+            <a:avLst/>
+          </a:prstGeom>
+          <a:noFill/>
+        </p:spPr>
+        <p:txBody>
+          <a:bodyPr wrap="none" rtlCol="0">
+            <a:spAutoFit/>
+          </a:bodyPr>
+          <a:lstStyle/>
+          <a:p>
+            <a:r>
+              <a:rPr lang="en-US" altLang="zh-CN" sz="1200" dirty="0" smtClean="0">
+                <a:solidFill>
+                  <a:schemeClr val="tx1">
+                    <a:lumMod val="65000"/>
+                    <a:lumOff val="35000"/>
+                  </a:schemeClr>
+                </a:solidFill>
+              </a:rPr>
+              <a:t>6</a:t>
+            </a:r>
+            <a:endParaRPr lang="zh-CN" altLang="en-US" sz="1200" dirty="0">
+              <a:solidFill>
+                <a:schemeClr val="tx1">
+                  <a:lumMod val="65000"/>
+                  <a:lumOff val="35000"/>
+                </a:schemeClr>
+              </a:solidFill>
+            </a:endParaRPr>
+          </a:p>
+        </p:txBody>
+      </p:sp>
+      <p:sp>
+        <p:nvSpPr>
+          <p:cNvPr id="152" name="文本框 151"/>
+          <p:cNvSpPr txBox="1"/>
+          <p:nvPr/>
+        </p:nvSpPr>
+        <p:spPr>
+          <a:xfrm>
+            <a:off x="4108035" y="2632698"/>
+            <a:ext cx="266420" cy="276999"/>
+          </a:xfrm>
+          <a:prstGeom prst="rect">
+            <a:avLst/>
+          </a:prstGeom>
+          <a:noFill/>
+        </p:spPr>
+        <p:txBody>
+          <a:bodyPr wrap="none" rtlCol="0">
+            <a:spAutoFit/>
+          </a:bodyPr>
+          <a:lstStyle/>
+          <a:p>
+            <a:r>
+              <a:rPr lang="en-US" altLang="zh-CN" sz="1200" dirty="0" smtClean="0">
+                <a:solidFill>
+                  <a:schemeClr val="tx1">
+                    <a:lumMod val="65000"/>
+                    <a:lumOff val="35000"/>
+                  </a:schemeClr>
+                </a:solidFill>
+              </a:rPr>
+              <a:t>7</a:t>
+            </a:r>
+            <a:endParaRPr lang="zh-CN" altLang="en-US" sz="1200" dirty="0">
+              <a:solidFill>
+                <a:schemeClr val="tx1">
+                  <a:lumMod val="65000"/>
+                  <a:lumOff val="35000"/>
+                </a:schemeClr>
+              </a:solidFill>
+            </a:endParaRPr>
+          </a:p>
+        </p:txBody>
+      </p:sp>
+      <p:sp>
+        <p:nvSpPr>
+          <p:cNvPr id="153" name="文本框 152"/>
+          <p:cNvSpPr txBox="1"/>
+          <p:nvPr/>
+        </p:nvSpPr>
+        <p:spPr>
+          <a:xfrm>
+            <a:off x="4109365" y="2386604"/>
+            <a:ext cx="266420" cy="276999"/>
+          </a:xfrm>
+          <a:prstGeom prst="rect">
+            <a:avLst/>
+          </a:prstGeom>
+          <a:noFill/>
+        </p:spPr>
+        <p:txBody>
+          <a:bodyPr wrap="none" rtlCol="0">
+            <a:spAutoFit/>
+          </a:bodyPr>
+          <a:lstStyle/>
+          <a:p>
+            <a:r>
+              <a:rPr lang="en-US" altLang="zh-CN" sz="1200" dirty="0" smtClean="0">
+                <a:solidFill>
+                  <a:schemeClr val="tx1">
+                    <a:lumMod val="65000"/>
+                    <a:lumOff val="35000"/>
+                  </a:schemeClr>
+                </a:solidFill>
+              </a:rPr>
+              <a:t>8</a:t>
+            </a:r>
+            <a:endParaRPr lang="zh-CN" altLang="en-US" sz="1200" dirty="0">
+              <a:solidFill>
+                <a:schemeClr val="tx1">
+                  <a:lumMod val="65000"/>
+                  <a:lumOff val="35000"/>
+                </a:schemeClr>
+              </a:solidFill>
+            </a:endParaRPr>
+          </a:p>
+        </p:txBody>
+      </p:sp>
+      <p:cxnSp>
+        <p:nvCxnSpPr>
+          <p:cNvPr id="160" name="直接连接符 159"/>
+          <p:cNvCxnSpPr/>
+          <p:nvPr/>
+        </p:nvCxnSpPr>
+        <p:spPr>
+          <a:xfrm flipV="1">
+            <a:off x="4782661" y="2771197"/>
+            <a:ext cx="0" cy="1226918"/>
+          </a:xfrm>
+          <a:prstGeom prst="line">
+            <a:avLst/>
+          </a:prstGeom>
+        </p:spPr>
+        <p:style>
+          <a:lnRef idx="1">
+            <a:schemeClr val="accent1"/>
+          </a:lnRef>
+          <a:fillRef idx="0">
+            <a:schemeClr val="accent1"/>
+          </a:fillRef>
+          <a:effectRef idx="0">
+            <a:schemeClr val="accent1"/>
+          </a:effectRef>
+          <a:fontRef idx="minor">
+            <a:schemeClr val="tx1"/>
+          </a:fontRef>
+        </p:style>
+      </p:cxnSp>
+      <p:cxnSp>
+        <p:nvCxnSpPr>
+          <p:cNvPr id="161" name="直接连接符 160"/>
+          <p:cNvCxnSpPr/>
+          <p:nvPr/>
+        </p:nvCxnSpPr>
+        <p:spPr>
+          <a:xfrm>
+            <a:off x="4782661" y="3998115"/>
+            <a:ext cx="740291" cy="241232"/>
+          </a:xfrm>
+          <a:prstGeom prst="line">
+            <a:avLst/>
+          </a:prstGeom>
+        </p:spPr>
+        <p:style>
+          <a:lnRef idx="1">
+            <a:schemeClr val="accent1"/>
+          </a:lnRef>
+          <a:fillRef idx="0">
+            <a:schemeClr val="accent1"/>
+          </a:fillRef>
+          <a:effectRef idx="0">
+            <a:schemeClr val="accent1"/>
+          </a:effectRef>
+          <a:fontRef idx="minor">
+            <a:schemeClr val="tx1"/>
+          </a:fontRef>
+        </p:style>
+      </p:cxnSp>
+      <p:cxnSp>
+        <p:nvCxnSpPr>
+          <p:cNvPr id="164" name="直接连接符 163"/>
+          <p:cNvCxnSpPr/>
+          <p:nvPr/>
+        </p:nvCxnSpPr>
+        <p:spPr>
+          <a:xfrm flipV="1">
+            <a:off x="5522952" y="3759991"/>
+            <a:ext cx="1477704" cy="479356"/>
+          </a:xfrm>
+          <a:prstGeom prst="line">
+            <a:avLst/>
+          </a:prstGeom>
+        </p:spPr>
+        <p:style>
+          <a:lnRef idx="1">
+            <a:schemeClr val="accent1"/>
+          </a:lnRef>
+          <a:fillRef idx="0">
+            <a:schemeClr val="accent1"/>
+          </a:fillRef>
+          <a:effectRef idx="0">
+            <a:schemeClr val="accent1"/>
+          </a:effectRef>
+          <a:fontRef idx="minor">
+            <a:schemeClr val="tx1"/>
+          </a:fontRef>
+        </p:style>
+      </p:cxnSp>
+      <p:cxnSp>
+        <p:nvCxnSpPr>
+          <p:cNvPr id="173" name="直接连接符 172"/>
+          <p:cNvCxnSpPr/>
+          <p:nvPr/>
+        </p:nvCxnSpPr>
+        <p:spPr>
+          <a:xfrm flipV="1">
+            <a:off x="6998811" y="2529897"/>
+            <a:ext cx="0" cy="1230094"/>
+          </a:xfrm>
+          <a:prstGeom prst="line">
+            <a:avLst/>
+          </a:prstGeom>
+        </p:spPr>
+        <p:style>
+          <a:lnRef idx="1">
+            <a:schemeClr val="accent1"/>
+          </a:lnRef>
+          <a:fillRef idx="0">
+            <a:schemeClr val="accent1"/>
+          </a:fillRef>
+          <a:effectRef idx="0">
+            <a:schemeClr val="accent1"/>
+          </a:effectRef>
+          <a:fontRef idx="minor">
+            <a:schemeClr val="tx1"/>
+          </a:fontRef>
+        </p:style>
+      </p:cxnSp>
+      <p:cxnSp>
+        <p:nvCxnSpPr>
+          <p:cNvPr id="174" name="直接连接符 173"/>
+          <p:cNvCxnSpPr/>
+          <p:nvPr/>
+        </p:nvCxnSpPr>
+        <p:spPr>
+          <a:xfrm flipH="1" flipV="1">
+            <a:off x="4783991" y="2771197"/>
+            <a:ext cx="668903" cy="492189"/>
+          </a:xfrm>
+          <a:prstGeom prst="line">
+            <a:avLst/>
+          </a:prstGeom>
+        </p:spPr>
+        <p:style>
+          <a:lnRef idx="1">
+            <a:schemeClr val="accent1"/>
+          </a:lnRef>
+          <a:fillRef idx="0">
+            <a:schemeClr val="accent1"/>
+          </a:fillRef>
+          <a:effectRef idx="0">
+            <a:schemeClr val="accent1"/>
+          </a:effectRef>
+          <a:fontRef idx="minor">
+            <a:schemeClr val="tx1"/>
+          </a:fontRef>
+        </p:style>
+      </p:cxnSp>
+      <p:cxnSp>
+        <p:nvCxnSpPr>
+          <p:cNvPr id="178" name="直接连接符 177"/>
+          <p:cNvCxnSpPr/>
+          <p:nvPr/>
+        </p:nvCxnSpPr>
+        <p:spPr>
+          <a:xfrm flipH="1">
+            <a:off x="5447483" y="2529897"/>
+            <a:ext cx="1551328" cy="733489"/>
+          </a:xfrm>
+          <a:prstGeom prst="line">
+            <a:avLst/>
+          </a:prstGeom>
+        </p:spPr>
+        <p:style>
+          <a:lnRef idx="1">
+            <a:schemeClr val="accent1"/>
+          </a:lnRef>
+          <a:fillRef idx="0">
+            <a:schemeClr val="accent1"/>
+          </a:fillRef>
+          <a:effectRef idx="0">
+            <a:schemeClr val="accent1"/>
+          </a:effectRef>
+          <a:fontRef idx="minor">
+            <a:schemeClr val="tx1"/>
+          </a:fontRef>
+        </p:style>
+      </p:cxnSp>
+      <p:cxnSp>
+        <p:nvCxnSpPr>
+          <p:cNvPr id="188" name="直接连接符 187"/>
+          <p:cNvCxnSpPr/>
+          <p:nvPr/>
+        </p:nvCxnSpPr>
+        <p:spPr>
+          <a:xfrm flipH="1">
+            <a:off x="4398552" y="2526468"/>
+            <a:ext cx="2884898" cy="0"/>
+          </a:xfrm>
+          <a:prstGeom prst="line">
+            <a:avLst/>
+          </a:prstGeom>
+        </p:spPr>
+        <p:style>
+          <a:lnRef idx="1">
+            <a:schemeClr val="accent4"/>
+          </a:lnRef>
+          <a:fillRef idx="0">
+            <a:schemeClr val="accent4"/>
+          </a:fillRef>
+          <a:effectRef idx="0">
+            <a:schemeClr val="accent4"/>
+          </a:effectRef>
+          <a:fontRef idx="minor">
+            <a:schemeClr val="tx1"/>
+          </a:fontRef>
+        </p:style>
+      </p:cxnSp>
+      <p:cxnSp>
+        <p:nvCxnSpPr>
+          <p:cNvPr id="228" name="直接连接符 227"/>
+          <p:cNvCxnSpPr/>
+          <p:nvPr/>
+        </p:nvCxnSpPr>
+        <p:spPr>
+          <a:xfrm flipH="1">
+            <a:off x="4398552" y="2632698"/>
+            <a:ext cx="2884898" cy="0"/>
+          </a:xfrm>
+          <a:prstGeom prst="line">
+            <a:avLst/>
+          </a:prstGeom>
+        </p:spPr>
+        <p:style>
+          <a:lnRef idx="1">
+            <a:schemeClr val="accent4"/>
+          </a:lnRef>
+          <a:fillRef idx="0">
+            <a:schemeClr val="accent4"/>
+          </a:fillRef>
+          <a:effectRef idx="0">
+            <a:schemeClr val="accent4"/>
+          </a:effectRef>
+          <a:fontRef idx="minor">
+            <a:schemeClr val="tx1"/>
+          </a:fontRef>
+        </p:style>
+      </p:cxnSp>
+      <p:cxnSp>
+        <p:nvCxnSpPr>
+          <p:cNvPr id="229" name="直接连接符 228"/>
+          <p:cNvCxnSpPr/>
+          <p:nvPr/>
+        </p:nvCxnSpPr>
+        <p:spPr>
+          <a:xfrm flipH="1">
+            <a:off x="4398552" y="2738928"/>
+            <a:ext cx="2884898" cy="0"/>
+          </a:xfrm>
+          <a:prstGeom prst="line">
+            <a:avLst/>
+          </a:prstGeom>
+        </p:spPr>
+        <p:style>
+          <a:lnRef idx="1">
+            <a:schemeClr val="accent4"/>
+          </a:lnRef>
+          <a:fillRef idx="0">
+            <a:schemeClr val="accent4"/>
+          </a:fillRef>
+          <a:effectRef idx="0">
+            <a:schemeClr val="accent4"/>
+          </a:effectRef>
+          <a:fontRef idx="minor">
+            <a:schemeClr val="tx1"/>
+          </a:fontRef>
+        </p:style>
+      </p:cxnSp>
+      <p:cxnSp>
+        <p:nvCxnSpPr>
+          <p:cNvPr id="230" name="直接连接符 229"/>
+          <p:cNvCxnSpPr/>
+          <p:nvPr/>
+        </p:nvCxnSpPr>
+        <p:spPr>
+          <a:xfrm flipH="1">
+            <a:off x="4398552" y="2845158"/>
+            <a:ext cx="2884898" cy="0"/>
+          </a:xfrm>
+          <a:prstGeom prst="line">
+            <a:avLst/>
+          </a:prstGeom>
+        </p:spPr>
+        <p:style>
+          <a:lnRef idx="1">
+            <a:schemeClr val="accent4"/>
+          </a:lnRef>
+          <a:fillRef idx="0">
+            <a:schemeClr val="accent4"/>
+          </a:fillRef>
+          <a:effectRef idx="0">
+            <a:schemeClr val="accent4"/>
+          </a:effectRef>
+          <a:fontRef idx="minor">
+            <a:schemeClr val="tx1"/>
+          </a:fontRef>
+        </p:style>
+      </p:cxnSp>
+      <p:cxnSp>
+        <p:nvCxnSpPr>
+          <p:cNvPr id="231" name="直接连接符 230"/>
+          <p:cNvCxnSpPr/>
+          <p:nvPr/>
+        </p:nvCxnSpPr>
+        <p:spPr>
+          <a:xfrm flipH="1">
+            <a:off x="4398552" y="2951388"/>
+            <a:ext cx="2884898" cy="0"/>
+          </a:xfrm>
+          <a:prstGeom prst="line">
+            <a:avLst/>
+          </a:prstGeom>
+        </p:spPr>
+        <p:style>
+          <a:lnRef idx="1">
+            <a:schemeClr val="accent4"/>
+          </a:lnRef>
+          <a:fillRef idx="0">
+            <a:schemeClr val="accent4"/>
+          </a:fillRef>
+          <a:effectRef idx="0">
+            <a:schemeClr val="accent4"/>
+          </a:effectRef>
+          <a:fontRef idx="minor">
+            <a:schemeClr val="tx1"/>
+          </a:fontRef>
+        </p:style>
+      </p:cxnSp>
+      <p:cxnSp>
+        <p:nvCxnSpPr>
+          <p:cNvPr id="232" name="直接连接符 231"/>
+          <p:cNvCxnSpPr/>
+          <p:nvPr/>
+        </p:nvCxnSpPr>
+        <p:spPr>
+          <a:xfrm flipH="1">
+            <a:off x="4398552" y="3057618"/>
+            <a:ext cx="2884898" cy="0"/>
+          </a:xfrm>
+          <a:prstGeom prst="line">
+            <a:avLst/>
+          </a:prstGeom>
+        </p:spPr>
+        <p:style>
+          <a:lnRef idx="1">
+            <a:schemeClr val="accent4"/>
+          </a:lnRef>
+          <a:fillRef idx="0">
+            <a:schemeClr val="accent4"/>
+          </a:fillRef>
+          <a:effectRef idx="0">
+            <a:schemeClr val="accent4"/>
+          </a:effectRef>
+          <a:fontRef idx="minor">
+            <a:schemeClr val="tx1"/>
+          </a:fontRef>
+        </p:style>
+      </p:cxnSp>
+      <p:cxnSp>
+        <p:nvCxnSpPr>
+          <p:cNvPr id="233" name="直接连接符 232"/>
+          <p:cNvCxnSpPr/>
+          <p:nvPr/>
+        </p:nvCxnSpPr>
+        <p:spPr>
+          <a:xfrm flipH="1">
+            <a:off x="4398552" y="3163848"/>
+            <a:ext cx="2884898" cy="0"/>
+          </a:xfrm>
+          <a:prstGeom prst="line">
+            <a:avLst/>
+          </a:prstGeom>
+        </p:spPr>
+        <p:style>
+          <a:lnRef idx="1">
+            <a:schemeClr val="accent4"/>
+          </a:lnRef>
+          <a:fillRef idx="0">
+            <a:schemeClr val="accent4"/>
+          </a:fillRef>
+          <a:effectRef idx="0">
+            <a:schemeClr val="accent4"/>
+          </a:effectRef>
+          <a:fontRef idx="minor">
+            <a:schemeClr val="tx1"/>
+          </a:fontRef>
+        </p:style>
+      </p:cxnSp>
+      <p:cxnSp>
+        <p:nvCxnSpPr>
+          <p:cNvPr id="234" name="直接连接符 233"/>
+          <p:cNvCxnSpPr/>
+          <p:nvPr/>
+        </p:nvCxnSpPr>
+        <p:spPr>
+          <a:xfrm flipH="1">
+            <a:off x="4398552" y="3270078"/>
+            <a:ext cx="2884898" cy="0"/>
+          </a:xfrm>
+          <a:prstGeom prst="line">
+            <a:avLst/>
+          </a:prstGeom>
+        </p:spPr>
+        <p:style>
+          <a:lnRef idx="1">
+            <a:schemeClr val="accent4"/>
+          </a:lnRef>
+          <a:fillRef idx="0">
+            <a:schemeClr val="accent4"/>
+          </a:fillRef>
+          <a:effectRef idx="0">
+            <a:schemeClr val="accent4"/>
+          </a:effectRef>
+          <a:fontRef idx="minor">
+            <a:schemeClr val="tx1"/>
+          </a:fontRef>
+        </p:style>
+      </p:cxnSp>
+      <p:cxnSp>
+        <p:nvCxnSpPr>
+          <p:cNvPr id="235" name="直接连接符 234"/>
+          <p:cNvCxnSpPr/>
+          <p:nvPr/>
+        </p:nvCxnSpPr>
+        <p:spPr>
+          <a:xfrm flipH="1">
+            <a:off x="4398552" y="3376308"/>
+            <a:ext cx="2884898" cy="0"/>
+          </a:xfrm>
+          <a:prstGeom prst="line">
+            <a:avLst/>
+          </a:prstGeom>
+        </p:spPr>
+        <p:style>
+          <a:lnRef idx="1">
+            <a:schemeClr val="accent4"/>
+          </a:lnRef>
+          <a:fillRef idx="0">
+            <a:schemeClr val="accent4"/>
+          </a:fillRef>
+          <a:effectRef idx="0">
+            <a:schemeClr val="accent4"/>
+          </a:effectRef>
+          <a:fontRef idx="minor">
+            <a:schemeClr val="tx1"/>
+          </a:fontRef>
+        </p:style>
+      </p:cxnSp>
+      <p:cxnSp>
+        <p:nvCxnSpPr>
+          <p:cNvPr id="236" name="直接连接符 235"/>
+          <p:cNvCxnSpPr/>
+          <p:nvPr/>
+        </p:nvCxnSpPr>
+        <p:spPr>
+          <a:xfrm flipH="1">
+            <a:off x="4398552" y="3482538"/>
+            <a:ext cx="2884898" cy="0"/>
+          </a:xfrm>
+          <a:prstGeom prst="line">
+            <a:avLst/>
+          </a:prstGeom>
+        </p:spPr>
+        <p:style>
+          <a:lnRef idx="1">
+            <a:schemeClr val="accent4"/>
+          </a:lnRef>
+          <a:fillRef idx="0">
+            <a:schemeClr val="accent4"/>
+          </a:fillRef>
+          <a:effectRef idx="0">
+            <a:schemeClr val="accent4"/>
+          </a:effectRef>
+          <a:fontRef idx="minor">
+            <a:schemeClr val="tx1"/>
+          </a:fontRef>
+        </p:style>
+      </p:cxnSp>
+      <p:cxnSp>
+        <p:nvCxnSpPr>
+          <p:cNvPr id="237" name="直接连接符 236"/>
+          <p:cNvCxnSpPr/>
+          <p:nvPr/>
+        </p:nvCxnSpPr>
+        <p:spPr>
+          <a:xfrm flipH="1">
+            <a:off x="4398552" y="3588768"/>
+            <a:ext cx="2884898" cy="0"/>
+          </a:xfrm>
+          <a:prstGeom prst="line">
+            <a:avLst/>
+          </a:prstGeom>
+        </p:spPr>
+        <p:style>
+          <a:lnRef idx="1">
+            <a:schemeClr val="accent4"/>
+          </a:lnRef>
+          <a:fillRef idx="0">
+            <a:schemeClr val="accent4"/>
+          </a:fillRef>
+          <a:effectRef idx="0">
+            <a:schemeClr val="accent4"/>
+          </a:effectRef>
+          <a:fontRef idx="minor">
+            <a:schemeClr val="tx1"/>
+          </a:fontRef>
+        </p:style>
+      </p:cxnSp>
+      <p:cxnSp>
+        <p:nvCxnSpPr>
+          <p:cNvPr id="238" name="直接连接符 237"/>
+          <p:cNvCxnSpPr/>
+          <p:nvPr/>
+        </p:nvCxnSpPr>
+        <p:spPr>
+          <a:xfrm flipH="1">
+            <a:off x="4398552" y="3694998"/>
+            <a:ext cx="2884898" cy="0"/>
+          </a:xfrm>
+          <a:prstGeom prst="line">
+            <a:avLst/>
+          </a:prstGeom>
+        </p:spPr>
+        <p:style>
+          <a:lnRef idx="1">
+            <a:schemeClr val="accent4"/>
+          </a:lnRef>
+          <a:fillRef idx="0">
+            <a:schemeClr val="accent4"/>
+          </a:fillRef>
+          <a:effectRef idx="0">
+            <a:schemeClr val="accent4"/>
+          </a:effectRef>
+          <a:fontRef idx="minor">
+            <a:schemeClr val="tx1"/>
+          </a:fontRef>
+        </p:style>
+      </p:cxnSp>
+      <p:cxnSp>
+        <p:nvCxnSpPr>
+          <p:cNvPr id="239" name="直接连接符 238"/>
+          <p:cNvCxnSpPr/>
+          <p:nvPr/>
+        </p:nvCxnSpPr>
+        <p:spPr>
+          <a:xfrm flipH="1">
+            <a:off x="4398552" y="3801228"/>
+            <a:ext cx="2884898" cy="0"/>
+          </a:xfrm>
+          <a:prstGeom prst="line">
+            <a:avLst/>
+          </a:prstGeom>
+        </p:spPr>
+        <p:style>
+          <a:lnRef idx="1">
+            <a:schemeClr val="accent4"/>
+          </a:lnRef>
+          <a:fillRef idx="0">
+            <a:schemeClr val="accent4"/>
+          </a:fillRef>
+          <a:effectRef idx="0">
+            <a:schemeClr val="accent4"/>
+          </a:effectRef>
+          <a:fontRef idx="minor">
+            <a:schemeClr val="tx1"/>
+          </a:fontRef>
+        </p:style>
+      </p:cxnSp>
+      <p:cxnSp>
+        <p:nvCxnSpPr>
+          <p:cNvPr id="240" name="直接连接符 239"/>
+          <p:cNvCxnSpPr/>
+          <p:nvPr/>
+        </p:nvCxnSpPr>
+        <p:spPr>
+          <a:xfrm flipH="1">
+            <a:off x="4398552" y="3907458"/>
+            <a:ext cx="2884898" cy="0"/>
+          </a:xfrm>
+          <a:prstGeom prst="line">
+            <a:avLst/>
+          </a:prstGeom>
+        </p:spPr>
+        <p:style>
+          <a:lnRef idx="1">
+            <a:schemeClr val="accent4"/>
+          </a:lnRef>
+          <a:fillRef idx="0">
+            <a:schemeClr val="accent4"/>
+          </a:fillRef>
+          <a:effectRef idx="0">
+            <a:schemeClr val="accent4"/>
+          </a:effectRef>
+          <a:fontRef idx="minor">
+            <a:schemeClr val="tx1"/>
+          </a:fontRef>
+        </p:style>
+      </p:cxnSp>
+      <p:cxnSp>
+        <p:nvCxnSpPr>
+          <p:cNvPr id="241" name="直接连接符 240"/>
+          <p:cNvCxnSpPr/>
+          <p:nvPr/>
+        </p:nvCxnSpPr>
+        <p:spPr>
+          <a:xfrm flipH="1">
+            <a:off x="4398552" y="4020038"/>
+            <a:ext cx="2884898" cy="0"/>
+          </a:xfrm>
+          <a:prstGeom prst="line">
+            <a:avLst/>
+          </a:prstGeom>
+        </p:spPr>
+        <p:style>
+          <a:lnRef idx="1">
+            <a:schemeClr val="accent4"/>
+          </a:lnRef>
+          <a:fillRef idx="0">
+            <a:schemeClr val="accent4"/>
+          </a:fillRef>
+          <a:effectRef idx="0">
+            <a:schemeClr val="accent4"/>
+          </a:effectRef>
+          <a:fontRef idx="minor">
+            <a:schemeClr val="tx1"/>
+          </a:fontRef>
+        </p:style>
+      </p:cxnSp>
+      <p:cxnSp>
+        <p:nvCxnSpPr>
+          <p:cNvPr id="242" name="直接连接符 241"/>
+          <p:cNvCxnSpPr/>
+          <p:nvPr/>
+        </p:nvCxnSpPr>
+        <p:spPr>
+          <a:xfrm flipH="1">
+            <a:off x="4398552" y="4126268"/>
+            <a:ext cx="2884898" cy="0"/>
+          </a:xfrm>
+          <a:prstGeom prst="line">
+            <a:avLst/>
+          </a:prstGeom>
+        </p:spPr>
+        <p:style>
+          <a:lnRef idx="1">
+            <a:schemeClr val="accent4"/>
+          </a:lnRef>
+          <a:fillRef idx="0">
+            <a:schemeClr val="accent4"/>
+          </a:fillRef>
+          <a:effectRef idx="0">
+            <a:schemeClr val="accent4"/>
+          </a:effectRef>
+          <a:fontRef idx="minor">
+            <a:schemeClr val="tx1"/>
+          </a:fontRef>
+        </p:style>
+      </p:cxnSp>
+      <p:cxnSp>
+        <p:nvCxnSpPr>
+          <p:cNvPr id="243" name="直接连接符 242"/>
+          <p:cNvCxnSpPr/>
+          <p:nvPr/>
+        </p:nvCxnSpPr>
+        <p:spPr>
+          <a:xfrm flipH="1">
+            <a:off x="4398552" y="4238848"/>
+            <a:ext cx="2884898" cy="0"/>
+          </a:xfrm>
+          <a:prstGeom prst="line">
+            <a:avLst/>
+          </a:prstGeom>
+        </p:spPr>
+        <p:style>
+          <a:lnRef idx="1">
+            <a:schemeClr val="accent4"/>
+          </a:lnRef>
+          <a:fillRef idx="0">
+            <a:schemeClr val="accent4"/>
+          </a:fillRef>
+          <a:effectRef idx="0">
+            <a:schemeClr val="accent4"/>
+          </a:effectRef>
+          <a:fontRef idx="minor">
+            <a:schemeClr val="tx1"/>
+          </a:fontRef>
+        </p:style>
+      </p:cxnSp>
+      <p:sp>
+        <p:nvSpPr>
+          <p:cNvPr id="244" name="矩形标注 243"/>
+          <p:cNvSpPr/>
+          <p:nvPr/>
+        </p:nvSpPr>
+        <p:spPr>
+          <a:xfrm>
+            <a:off x="7352958" y="2036331"/>
+            <a:ext cx="902041" cy="268719"/>
+          </a:xfrm>
+          <a:prstGeom prst="wedgeRectCallout">
+            <a:avLst>
+              <a:gd name="adj1" fmla="val -56031"/>
+              <a:gd name="adj2" fmla="val 128666"/>
+            </a:avLst>
+          </a:prstGeom>
+        </p:spPr>
+        <p:style>
+          <a:lnRef idx="2">
+            <a:schemeClr val="accent3">
+              <a:shade val="50000"/>
+            </a:schemeClr>
+          </a:lnRef>
+          <a:fillRef idx="1">
+            <a:schemeClr val="accent3"/>
+          </a:fillRef>
+          <a:effectRef idx="0">
+            <a:schemeClr val="accent3"/>
+          </a:effectRef>
+          <a:fontRef idx="minor">
+            <a:schemeClr val="lt1"/>
+          </a:fontRef>
+        </p:style>
+        <p:txBody>
+          <a:bodyPr rtlCol="0" anchor="ctr"/>
+          <a:lstStyle/>
+          <a:p>
+            <a:pPr algn="ctr"/>
+            <a:r>
+              <a:rPr lang="zh-CN" altLang="en-US" sz="1200" dirty="0" smtClean="0"/>
+              <a:t>扫描线</a:t>
+            </a:r>
+            <a:endParaRPr lang="zh-CN" altLang="en-US" sz="1200" dirty="0"/>
+          </a:p>
+        </p:txBody>
+      </p:sp>
+      <p:sp>
+        <p:nvSpPr>
+          <p:cNvPr id="245" name="矩形标注 244"/>
+          <p:cNvSpPr/>
+          <p:nvPr/>
+        </p:nvSpPr>
+        <p:spPr>
+          <a:xfrm>
+            <a:off x="7596721" y="2951388"/>
+            <a:ext cx="1102779" cy="268719"/>
+          </a:xfrm>
+          <a:prstGeom prst="wedgeRectCallout">
+            <a:avLst>
+              <a:gd name="adj1" fmla="val -98720"/>
+              <a:gd name="adj2" fmla="val 83768"/>
+            </a:avLst>
+          </a:prstGeom>
+        </p:spPr>
+        <p:style>
+          <a:lnRef idx="2">
+            <a:schemeClr val="accent3">
+              <a:shade val="50000"/>
+            </a:schemeClr>
+          </a:lnRef>
+          <a:fillRef idx="1">
+            <a:schemeClr val="accent3"/>
+          </a:fillRef>
+          <a:effectRef idx="0">
+            <a:schemeClr val="accent3"/>
+          </a:effectRef>
+          <a:fontRef idx="minor">
+            <a:schemeClr val="lt1"/>
+          </a:fontRef>
+        </p:style>
+        <p:txBody>
+          <a:bodyPr rtlCol="0" anchor="ctr"/>
+          <a:lstStyle/>
+          <a:p>
+            <a:pPr algn="ctr"/>
+            <a:r>
+              <a:rPr lang="zh-CN" altLang="en-US" sz="1200" dirty="0" smtClean="0"/>
+              <a:t>封闭轮廓</a:t>
+            </a:r>
+            <a:r>
+              <a:rPr lang="zh-CN" altLang="en-US" sz="1200" dirty="0"/>
+              <a:t>区域</a:t>
+            </a:r>
+          </a:p>
+        </p:txBody>
+      </p:sp>
+      <p:sp>
+        <p:nvSpPr>
+          <p:cNvPr id="246" name="矩形 245"/>
+          <p:cNvSpPr/>
+          <p:nvPr/>
+        </p:nvSpPr>
+        <p:spPr>
+          <a:xfrm>
+            <a:off x="6780863" y="2635294"/>
+            <a:ext cx="212400" cy="0"/>
+          </a:xfrm>
+          <a:prstGeom prst="rect">
+            <a:avLst/>
+          </a:prstGeom>
+          <a:solidFill>
+            <a:srgbClr val="FF0000"/>
+          </a:solidFill>
+          <a:ln>
+            <a:solidFill>
+              <a:srgbClr val="FF0000"/>
+            </a:solidFill>
+          </a:ln>
+        </p:spPr>
+        <p:style>
+          <a:lnRef idx="3">
+            <a:schemeClr val="lt1"/>
+          </a:lnRef>
+          <a:fillRef idx="1">
+            <a:schemeClr val="accent2"/>
+          </a:fillRef>
+          <a:effectRef idx="1">
+            <a:schemeClr val="accent2"/>
+          </a:effectRef>
+          <a:fontRef idx="minor">
+            <a:schemeClr val="lt1"/>
+          </a:fontRef>
+        </p:style>
+        <p:txBody>
+          <a:bodyPr rtlCol="0" anchor="ctr"/>
+          <a:lstStyle/>
+          <a:p>
+            <a:pPr algn="ctr"/>
+            <a:endParaRPr lang="zh-CN" altLang="en-US"/>
+          </a:p>
+        </p:txBody>
+      </p:sp>
+      <p:sp>
+        <p:nvSpPr>
+          <p:cNvPr id="247" name="矩形 246"/>
+          <p:cNvSpPr/>
+          <p:nvPr/>
+        </p:nvSpPr>
+        <p:spPr>
+          <a:xfrm>
+            <a:off x="6570777" y="2738972"/>
+            <a:ext cx="421200" cy="0"/>
+          </a:xfrm>
+          <a:prstGeom prst="rect">
+            <a:avLst/>
+          </a:prstGeom>
+          <a:solidFill>
+            <a:srgbClr val="FF0000"/>
+          </a:solidFill>
+          <a:ln>
+            <a:solidFill>
+              <a:srgbClr val="FF0000"/>
+            </a:solidFill>
+          </a:ln>
+        </p:spPr>
+        <p:style>
+          <a:lnRef idx="3">
+            <a:schemeClr val="lt1"/>
+          </a:lnRef>
+          <a:fillRef idx="1">
+            <a:schemeClr val="accent2"/>
+          </a:fillRef>
+          <a:effectRef idx="1">
+            <a:schemeClr val="accent2"/>
+          </a:effectRef>
+          <a:fontRef idx="minor">
+            <a:schemeClr val="lt1"/>
+          </a:fontRef>
+        </p:style>
+        <p:txBody>
+          <a:bodyPr rtlCol="0" anchor="ctr"/>
+          <a:lstStyle/>
+          <a:p>
+            <a:pPr algn="ctr"/>
+            <a:endParaRPr lang="zh-CN" altLang="en-US"/>
+          </a:p>
+        </p:txBody>
+      </p:sp>
+      <p:sp>
+        <p:nvSpPr>
+          <p:cNvPr id="248" name="矩形 247"/>
+          <p:cNvSpPr/>
+          <p:nvPr/>
+        </p:nvSpPr>
+        <p:spPr>
+          <a:xfrm>
+            <a:off x="6346963" y="2845158"/>
+            <a:ext cx="648000" cy="0"/>
+          </a:xfrm>
+          <a:prstGeom prst="rect">
+            <a:avLst/>
+          </a:prstGeom>
+          <a:solidFill>
+            <a:srgbClr val="FF0000"/>
+          </a:solidFill>
+          <a:ln>
+            <a:solidFill>
+              <a:srgbClr val="FF0000"/>
+            </a:solidFill>
+          </a:ln>
+        </p:spPr>
+        <p:style>
+          <a:lnRef idx="3">
+            <a:schemeClr val="lt1"/>
+          </a:lnRef>
+          <a:fillRef idx="1">
+            <a:schemeClr val="accent2"/>
+          </a:fillRef>
+          <a:effectRef idx="1">
+            <a:schemeClr val="accent2"/>
+          </a:effectRef>
+          <a:fontRef idx="minor">
+            <a:schemeClr val="lt1"/>
+          </a:fontRef>
+        </p:style>
+        <p:txBody>
+          <a:bodyPr rtlCol="0" anchor="ctr"/>
+          <a:lstStyle/>
+          <a:p>
+            <a:pPr algn="ctr"/>
+            <a:endParaRPr lang="zh-CN" altLang="en-US"/>
+          </a:p>
+        </p:txBody>
+      </p:sp>
+      <p:sp>
+        <p:nvSpPr>
+          <p:cNvPr id="249" name="矩形 248"/>
+          <p:cNvSpPr/>
+          <p:nvPr/>
+        </p:nvSpPr>
+        <p:spPr>
+          <a:xfrm>
+            <a:off x="6114506" y="2951746"/>
+            <a:ext cx="878400" cy="0"/>
+          </a:xfrm>
+          <a:prstGeom prst="rect">
+            <a:avLst/>
+          </a:prstGeom>
+          <a:solidFill>
+            <a:srgbClr val="FF0000"/>
+          </a:solidFill>
+          <a:ln>
+            <a:solidFill>
+              <a:srgbClr val="FF0000"/>
+            </a:solidFill>
+          </a:ln>
+        </p:spPr>
+        <p:style>
+          <a:lnRef idx="3">
+            <a:schemeClr val="lt1"/>
+          </a:lnRef>
+          <a:fillRef idx="1">
+            <a:schemeClr val="accent2"/>
+          </a:fillRef>
+          <a:effectRef idx="1">
+            <a:schemeClr val="accent2"/>
+          </a:effectRef>
+          <a:fontRef idx="minor">
+            <a:schemeClr val="lt1"/>
+          </a:fontRef>
+        </p:style>
+        <p:txBody>
+          <a:bodyPr rtlCol="0" anchor="ctr"/>
+          <a:lstStyle/>
+          <a:p>
+            <a:pPr algn="ctr"/>
+            <a:endParaRPr lang="zh-CN" altLang="en-US"/>
+          </a:p>
+        </p:txBody>
+      </p:sp>
+      <p:sp>
+        <p:nvSpPr>
+          <p:cNvPr id="250" name="矩形 249"/>
+          <p:cNvSpPr/>
+          <p:nvPr/>
+        </p:nvSpPr>
+        <p:spPr>
+          <a:xfrm>
+            <a:off x="4785836" y="2845158"/>
+            <a:ext cx="86400" cy="0"/>
+          </a:xfrm>
+          <a:prstGeom prst="rect">
+            <a:avLst/>
+          </a:prstGeom>
+          <a:solidFill>
+            <a:srgbClr val="FF0000"/>
+          </a:solidFill>
+          <a:ln>
+            <a:solidFill>
+              <a:srgbClr val="FF0000"/>
+            </a:solidFill>
+          </a:ln>
+        </p:spPr>
+        <p:style>
+          <a:lnRef idx="3">
+            <a:schemeClr val="lt1"/>
+          </a:lnRef>
+          <a:fillRef idx="1">
+            <a:schemeClr val="accent2"/>
+          </a:fillRef>
+          <a:effectRef idx="1">
+            <a:schemeClr val="accent2"/>
+          </a:effectRef>
+          <a:fontRef idx="minor">
+            <a:schemeClr val="lt1"/>
+          </a:fontRef>
+        </p:style>
+        <p:txBody>
+          <a:bodyPr rtlCol="0" anchor="ctr"/>
+          <a:lstStyle/>
+          <a:p>
+            <a:pPr algn="ctr"/>
+            <a:endParaRPr lang="zh-CN" altLang="en-US"/>
+          </a:p>
+        </p:txBody>
+      </p:sp>
+      <p:sp>
+        <p:nvSpPr>
+          <p:cNvPr id="251" name="矩形 250"/>
+          <p:cNvSpPr/>
+          <p:nvPr/>
+        </p:nvSpPr>
+        <p:spPr>
+          <a:xfrm>
+            <a:off x="4785836" y="2954921"/>
+            <a:ext cx="241200" cy="0"/>
+          </a:xfrm>
+          <a:prstGeom prst="rect">
+            <a:avLst/>
+          </a:prstGeom>
+          <a:solidFill>
+            <a:srgbClr val="FF0000"/>
+          </a:solidFill>
+          <a:ln>
+            <a:solidFill>
+              <a:srgbClr val="FF0000"/>
+            </a:solidFill>
+          </a:ln>
+        </p:spPr>
+        <p:style>
+          <a:lnRef idx="3">
+            <a:schemeClr val="lt1"/>
+          </a:lnRef>
+          <a:fillRef idx="1">
+            <a:schemeClr val="accent2"/>
+          </a:fillRef>
+          <a:effectRef idx="1">
+            <a:schemeClr val="accent2"/>
+          </a:effectRef>
+          <a:fontRef idx="minor">
+            <a:schemeClr val="lt1"/>
+          </a:fontRef>
+        </p:style>
+        <p:txBody>
+          <a:bodyPr rtlCol="0" anchor="ctr"/>
+          <a:lstStyle/>
+          <a:p>
+            <a:pPr algn="ctr"/>
+            <a:endParaRPr lang="zh-CN" altLang="en-US"/>
+          </a:p>
+        </p:txBody>
+      </p:sp>
+      <p:sp>
+        <p:nvSpPr>
+          <p:cNvPr id="252" name="矩形 251"/>
+          <p:cNvSpPr/>
+          <p:nvPr/>
+        </p:nvSpPr>
+        <p:spPr>
+          <a:xfrm>
+            <a:off x="4785836" y="3057618"/>
+            <a:ext cx="378000" cy="0"/>
+          </a:xfrm>
+          <a:prstGeom prst="rect">
+            <a:avLst/>
+          </a:prstGeom>
+          <a:solidFill>
+            <a:srgbClr val="FF0000"/>
+          </a:solidFill>
+          <a:ln>
+            <a:solidFill>
+              <a:srgbClr val="FF0000"/>
+            </a:solidFill>
+          </a:ln>
+        </p:spPr>
+        <p:style>
+          <a:lnRef idx="3">
+            <a:schemeClr val="lt1"/>
+          </a:lnRef>
+          <a:fillRef idx="1">
+            <a:schemeClr val="accent2"/>
+          </a:fillRef>
+          <a:effectRef idx="1">
+            <a:schemeClr val="accent2"/>
+          </a:effectRef>
+          <a:fontRef idx="minor">
+            <a:schemeClr val="lt1"/>
+          </a:fontRef>
+        </p:style>
+        <p:txBody>
+          <a:bodyPr rtlCol="0" anchor="ctr"/>
+          <a:lstStyle/>
+          <a:p>
+            <a:pPr algn="ctr"/>
+            <a:endParaRPr lang="zh-CN" altLang="en-US"/>
+          </a:p>
+        </p:txBody>
+      </p:sp>
+      <p:sp>
+        <p:nvSpPr>
+          <p:cNvPr id="253" name="矩形 252"/>
+          <p:cNvSpPr/>
+          <p:nvPr/>
+        </p:nvSpPr>
+        <p:spPr>
+          <a:xfrm>
+            <a:off x="5897750" y="3057618"/>
+            <a:ext cx="1094400" cy="0"/>
+          </a:xfrm>
+          <a:prstGeom prst="rect">
+            <a:avLst/>
+          </a:prstGeom>
+          <a:solidFill>
+            <a:srgbClr val="FF0000"/>
+          </a:solidFill>
+          <a:ln>
+            <a:solidFill>
+              <a:srgbClr val="FF0000"/>
+            </a:solidFill>
+          </a:ln>
+        </p:spPr>
+        <p:style>
+          <a:lnRef idx="3">
+            <a:schemeClr val="lt1"/>
+          </a:lnRef>
+          <a:fillRef idx="1">
+            <a:schemeClr val="accent2"/>
+          </a:fillRef>
+          <a:effectRef idx="1">
+            <a:schemeClr val="accent2"/>
+          </a:effectRef>
+          <a:fontRef idx="minor">
+            <a:schemeClr val="lt1"/>
+          </a:fontRef>
+        </p:style>
+        <p:txBody>
+          <a:bodyPr rtlCol="0" anchor="ctr"/>
+          <a:lstStyle/>
+          <a:p>
+            <a:pPr algn="ctr"/>
+            <a:endParaRPr lang="zh-CN" altLang="en-US"/>
+          </a:p>
+        </p:txBody>
+      </p:sp>
+      <p:sp>
+        <p:nvSpPr>
+          <p:cNvPr id="254" name="矩形 253"/>
+          <p:cNvSpPr/>
+          <p:nvPr/>
+        </p:nvSpPr>
+        <p:spPr>
+          <a:xfrm flipV="1">
+            <a:off x="4782661" y="3159497"/>
+            <a:ext cx="523017" cy="0"/>
+          </a:xfrm>
+          <a:prstGeom prst="rect">
+            <a:avLst/>
+          </a:prstGeom>
+          <a:solidFill>
+            <a:srgbClr val="FF0000"/>
+          </a:solidFill>
+          <a:ln>
+            <a:solidFill>
+              <a:srgbClr val="FF0000"/>
+            </a:solidFill>
+          </a:ln>
+        </p:spPr>
+        <p:style>
+          <a:lnRef idx="3">
+            <a:schemeClr val="lt1"/>
+          </a:lnRef>
+          <a:fillRef idx="1">
+            <a:schemeClr val="accent2"/>
+          </a:fillRef>
+          <a:effectRef idx="1">
+            <a:schemeClr val="accent2"/>
+          </a:effectRef>
+          <a:fontRef idx="minor">
+            <a:schemeClr val="lt1"/>
+          </a:fontRef>
+        </p:style>
+        <p:txBody>
+          <a:bodyPr rtlCol="0" anchor="ctr"/>
+          <a:lstStyle/>
+          <a:p>
+            <a:pPr algn="ctr"/>
+            <a:endParaRPr lang="zh-CN" altLang="en-US"/>
+          </a:p>
+        </p:txBody>
+      </p:sp>
+      <p:sp>
+        <p:nvSpPr>
+          <p:cNvPr id="255" name="矩形 254"/>
+          <p:cNvSpPr/>
+          <p:nvPr/>
+        </p:nvSpPr>
+        <p:spPr>
+          <a:xfrm flipV="1">
+            <a:off x="5678386" y="3161045"/>
+            <a:ext cx="1310400" cy="0"/>
+          </a:xfrm>
+          <a:prstGeom prst="rect">
+            <a:avLst/>
+          </a:prstGeom>
+          <a:solidFill>
+            <a:srgbClr val="FF0000"/>
+          </a:solidFill>
+          <a:ln>
+            <a:solidFill>
+              <a:srgbClr val="FF0000"/>
+            </a:solidFill>
+          </a:ln>
+        </p:spPr>
+        <p:style>
+          <a:lnRef idx="3">
+            <a:schemeClr val="lt1"/>
+          </a:lnRef>
+          <a:fillRef idx="1">
+            <a:schemeClr val="accent2"/>
+          </a:fillRef>
+          <a:effectRef idx="1">
+            <a:schemeClr val="accent2"/>
+          </a:effectRef>
+          <a:fontRef idx="minor">
+            <a:schemeClr val="lt1"/>
+          </a:fontRef>
+        </p:style>
+        <p:txBody>
+          <a:bodyPr rtlCol="0" anchor="ctr"/>
+          <a:lstStyle/>
+          <a:p>
+            <a:pPr algn="ctr"/>
+            <a:endParaRPr lang="zh-CN" altLang="en-US"/>
+          </a:p>
+        </p:txBody>
+      </p:sp>
+      <p:sp>
+        <p:nvSpPr>
+          <p:cNvPr id="256" name="矩形 255"/>
+          <p:cNvSpPr/>
+          <p:nvPr/>
+        </p:nvSpPr>
+        <p:spPr>
+          <a:xfrm flipV="1">
+            <a:off x="4782661" y="3270078"/>
+            <a:ext cx="2206800" cy="0"/>
+          </a:xfrm>
+          <a:prstGeom prst="rect">
+            <a:avLst/>
+          </a:prstGeom>
+          <a:solidFill>
+            <a:srgbClr val="FF0000"/>
+          </a:solidFill>
+          <a:ln>
+            <a:solidFill>
+              <a:srgbClr val="FF0000"/>
+            </a:solidFill>
+          </a:ln>
+        </p:spPr>
+        <p:style>
+          <a:lnRef idx="3">
+            <a:schemeClr val="lt1"/>
+          </a:lnRef>
+          <a:fillRef idx="1">
+            <a:schemeClr val="accent2"/>
+          </a:fillRef>
+          <a:effectRef idx="1">
+            <a:schemeClr val="accent2"/>
+          </a:effectRef>
+          <a:fontRef idx="minor">
+            <a:schemeClr val="lt1"/>
+          </a:fontRef>
+        </p:style>
+        <p:txBody>
+          <a:bodyPr rtlCol="0" anchor="ctr"/>
+          <a:lstStyle/>
+          <a:p>
+            <a:pPr algn="ctr"/>
+            <a:endParaRPr lang="zh-CN" altLang="en-US"/>
+          </a:p>
+        </p:txBody>
+      </p:sp>
+      <p:sp>
+        <p:nvSpPr>
+          <p:cNvPr id="257" name="矩形 256"/>
+          <p:cNvSpPr/>
+          <p:nvPr/>
+        </p:nvSpPr>
+        <p:spPr>
+          <a:xfrm flipV="1">
+            <a:off x="4782661" y="3370980"/>
+            <a:ext cx="2206800" cy="0"/>
+          </a:xfrm>
+          <a:prstGeom prst="rect">
+            <a:avLst/>
+          </a:prstGeom>
+          <a:solidFill>
+            <a:srgbClr val="FF0000"/>
+          </a:solidFill>
+          <a:ln>
+            <a:solidFill>
+              <a:srgbClr val="FF0000"/>
+            </a:solidFill>
+          </a:ln>
+        </p:spPr>
+        <p:style>
+          <a:lnRef idx="3">
+            <a:schemeClr val="lt1"/>
+          </a:lnRef>
+          <a:fillRef idx="1">
+            <a:schemeClr val="accent2"/>
+          </a:fillRef>
+          <a:effectRef idx="1">
+            <a:schemeClr val="accent2"/>
+          </a:effectRef>
+          <a:fontRef idx="minor">
+            <a:schemeClr val="lt1"/>
+          </a:fontRef>
+        </p:style>
+        <p:txBody>
+          <a:bodyPr rtlCol="0" anchor="ctr"/>
+          <a:lstStyle/>
+          <a:p>
+            <a:pPr algn="ctr"/>
+            <a:endParaRPr lang="zh-CN" altLang="en-US"/>
+          </a:p>
+        </p:txBody>
+      </p:sp>
+      <p:sp>
+        <p:nvSpPr>
+          <p:cNvPr id="258" name="矩形 257"/>
+          <p:cNvSpPr/>
+          <p:nvPr/>
+        </p:nvSpPr>
+        <p:spPr>
+          <a:xfrm flipV="1">
+            <a:off x="4782661" y="3478493"/>
+            <a:ext cx="2206800" cy="0"/>
+          </a:xfrm>
+          <a:prstGeom prst="rect">
+            <a:avLst/>
+          </a:prstGeom>
+          <a:solidFill>
+            <a:srgbClr val="FF0000"/>
+          </a:solidFill>
+          <a:ln>
+            <a:solidFill>
+              <a:srgbClr val="FF0000"/>
+            </a:solidFill>
+          </a:ln>
+        </p:spPr>
+        <p:style>
+          <a:lnRef idx="3">
+            <a:schemeClr val="lt1"/>
+          </a:lnRef>
+          <a:fillRef idx="1">
+            <a:schemeClr val="accent2"/>
+          </a:fillRef>
+          <a:effectRef idx="1">
+            <a:schemeClr val="accent2"/>
+          </a:effectRef>
+          <a:fontRef idx="minor">
+            <a:schemeClr val="lt1"/>
+          </a:fontRef>
+        </p:style>
+        <p:txBody>
+          <a:bodyPr rtlCol="0" anchor="ctr"/>
+          <a:lstStyle/>
+          <a:p>
+            <a:pPr algn="ctr"/>
+            <a:endParaRPr lang="zh-CN" altLang="en-US"/>
+          </a:p>
+        </p:txBody>
+      </p:sp>
+      <p:sp>
+        <p:nvSpPr>
+          <p:cNvPr id="259" name="矩形 258"/>
+          <p:cNvSpPr/>
+          <p:nvPr/>
+        </p:nvSpPr>
+        <p:spPr>
+          <a:xfrm flipV="1">
+            <a:off x="4782661" y="3586006"/>
+            <a:ext cx="2206800" cy="0"/>
+          </a:xfrm>
+          <a:prstGeom prst="rect">
+            <a:avLst/>
+          </a:prstGeom>
+          <a:solidFill>
+            <a:srgbClr val="FF0000"/>
+          </a:solidFill>
+          <a:ln>
+            <a:solidFill>
+              <a:srgbClr val="FF0000"/>
+            </a:solidFill>
+          </a:ln>
+        </p:spPr>
+        <p:style>
+          <a:lnRef idx="3">
+            <a:schemeClr val="lt1"/>
+          </a:lnRef>
+          <a:fillRef idx="1">
+            <a:schemeClr val="accent2"/>
+          </a:fillRef>
+          <a:effectRef idx="1">
+            <a:schemeClr val="accent2"/>
+          </a:effectRef>
+          <a:fontRef idx="minor">
+            <a:schemeClr val="lt1"/>
+          </a:fontRef>
+        </p:style>
+        <p:txBody>
+          <a:bodyPr rtlCol="0" anchor="ctr"/>
+          <a:lstStyle/>
+          <a:p>
+            <a:pPr algn="ctr"/>
+            <a:endParaRPr lang="zh-CN" altLang="en-US"/>
+          </a:p>
+        </p:txBody>
+      </p:sp>
+      <p:sp>
+        <p:nvSpPr>
+          <p:cNvPr id="260" name="矩形 259"/>
+          <p:cNvSpPr/>
+          <p:nvPr/>
+        </p:nvSpPr>
+        <p:spPr>
+          <a:xfrm flipV="1">
+            <a:off x="4782661" y="3693519"/>
+            <a:ext cx="2206800" cy="0"/>
+          </a:xfrm>
+          <a:prstGeom prst="rect">
+            <a:avLst/>
+          </a:prstGeom>
+          <a:solidFill>
+            <a:srgbClr val="FF0000"/>
+          </a:solidFill>
+          <a:ln>
+            <a:solidFill>
+              <a:srgbClr val="FF0000"/>
+            </a:solidFill>
+          </a:ln>
+        </p:spPr>
+        <p:style>
+          <a:lnRef idx="3">
+            <a:schemeClr val="lt1"/>
+          </a:lnRef>
+          <a:fillRef idx="1">
+            <a:schemeClr val="accent2"/>
+          </a:fillRef>
+          <a:effectRef idx="1">
+            <a:schemeClr val="accent2"/>
+          </a:effectRef>
+          <a:fontRef idx="minor">
+            <a:schemeClr val="lt1"/>
+          </a:fontRef>
+        </p:style>
+        <p:txBody>
+          <a:bodyPr rtlCol="0" anchor="ctr"/>
+          <a:lstStyle/>
+          <a:p>
+            <a:pPr algn="ctr"/>
+            <a:endParaRPr lang="zh-CN" altLang="en-US"/>
+          </a:p>
+        </p:txBody>
+      </p:sp>
+      <p:sp>
+        <p:nvSpPr>
+          <p:cNvPr id="261" name="矩形 260"/>
+          <p:cNvSpPr/>
+          <p:nvPr/>
+        </p:nvSpPr>
+        <p:spPr>
+          <a:xfrm flipV="1">
+            <a:off x="4782661" y="3801032"/>
+            <a:ext cx="2206800" cy="0"/>
+          </a:xfrm>
+          <a:prstGeom prst="rect">
+            <a:avLst/>
+          </a:prstGeom>
+          <a:solidFill>
+            <a:srgbClr val="FF0000"/>
+          </a:solidFill>
+          <a:ln>
+            <a:solidFill>
+              <a:srgbClr val="FF0000"/>
+            </a:solidFill>
+          </a:ln>
+        </p:spPr>
+        <p:style>
+          <a:lnRef idx="3">
+            <a:schemeClr val="lt1"/>
+          </a:lnRef>
+          <a:fillRef idx="1">
+            <a:schemeClr val="accent2"/>
+          </a:fillRef>
+          <a:effectRef idx="1">
+            <a:schemeClr val="accent2"/>
+          </a:effectRef>
+          <a:fontRef idx="minor">
+            <a:schemeClr val="lt1"/>
+          </a:fontRef>
+        </p:style>
+        <p:txBody>
+          <a:bodyPr rtlCol="0" anchor="ctr"/>
+          <a:lstStyle/>
+          <a:p>
+            <a:pPr algn="ctr"/>
+            <a:endParaRPr lang="zh-CN" altLang="en-US"/>
+          </a:p>
+        </p:txBody>
+      </p:sp>
+      <p:sp>
+        <p:nvSpPr>
+          <p:cNvPr id="262" name="矩形 261"/>
+          <p:cNvSpPr/>
+          <p:nvPr/>
+        </p:nvSpPr>
+        <p:spPr>
+          <a:xfrm flipV="1">
+            <a:off x="4782661" y="3908545"/>
+            <a:ext cx="2206800" cy="0"/>
+          </a:xfrm>
+          <a:prstGeom prst="rect">
+            <a:avLst/>
+          </a:prstGeom>
+          <a:solidFill>
+            <a:srgbClr val="FF0000"/>
+          </a:solidFill>
+          <a:ln>
+            <a:solidFill>
+              <a:srgbClr val="FF0000"/>
+            </a:solidFill>
+          </a:ln>
+        </p:spPr>
+        <p:style>
+          <a:lnRef idx="3">
+            <a:schemeClr val="lt1"/>
+          </a:lnRef>
+          <a:fillRef idx="1">
+            <a:schemeClr val="accent2"/>
+          </a:fillRef>
+          <a:effectRef idx="1">
+            <a:schemeClr val="accent2"/>
+          </a:effectRef>
+          <a:fontRef idx="minor">
+            <a:schemeClr val="lt1"/>
+          </a:fontRef>
+        </p:style>
+        <p:txBody>
+          <a:bodyPr rtlCol="0" anchor="ctr"/>
+          <a:lstStyle/>
+          <a:p>
+            <a:pPr algn="ctr"/>
+            <a:endParaRPr lang="zh-CN" altLang="en-US"/>
+          </a:p>
+        </p:txBody>
+      </p:sp>
+      <p:sp>
+        <p:nvSpPr>
+          <p:cNvPr id="263" name="矩形 262"/>
+          <p:cNvSpPr/>
+          <p:nvPr/>
+        </p:nvSpPr>
+        <p:spPr>
+          <a:xfrm>
+            <a:off x="4860018" y="4017964"/>
+            <a:ext cx="1331232" cy="0"/>
+          </a:xfrm>
+          <a:prstGeom prst="rect">
+            <a:avLst/>
+          </a:prstGeom>
+          <a:solidFill>
+            <a:srgbClr val="FF0000"/>
+          </a:solidFill>
+          <a:ln>
+            <a:solidFill>
+              <a:srgbClr val="FF0000"/>
+            </a:solidFill>
+          </a:ln>
+        </p:spPr>
+        <p:style>
+          <a:lnRef idx="3">
+            <a:schemeClr val="lt1"/>
+          </a:lnRef>
+          <a:fillRef idx="1">
+            <a:schemeClr val="accent2"/>
+          </a:fillRef>
+          <a:effectRef idx="1">
+            <a:schemeClr val="accent2"/>
+          </a:effectRef>
+          <a:fontRef idx="minor">
+            <a:schemeClr val="lt1"/>
+          </a:fontRef>
+        </p:style>
+        <p:txBody>
+          <a:bodyPr rtlCol="0" anchor="ctr"/>
+          <a:lstStyle/>
+          <a:p>
+            <a:pPr algn="ctr"/>
+            <a:endParaRPr lang="zh-CN" altLang="en-US"/>
+          </a:p>
+        </p:txBody>
+      </p:sp>
+      <p:sp>
+        <p:nvSpPr>
+          <p:cNvPr id="264" name="矩形 263"/>
+          <p:cNvSpPr/>
+          <p:nvPr/>
+        </p:nvSpPr>
+        <p:spPr>
+          <a:xfrm>
+            <a:off x="5188242" y="4125881"/>
+            <a:ext cx="673200" cy="0"/>
+          </a:xfrm>
+          <a:prstGeom prst="rect">
+            <a:avLst/>
+          </a:prstGeom>
+          <a:solidFill>
+            <a:srgbClr val="FF0000"/>
+          </a:solidFill>
+          <a:ln>
+            <a:solidFill>
+              <a:srgbClr val="FF0000"/>
+            </a:solidFill>
+          </a:ln>
+        </p:spPr>
+        <p:style>
+          <a:lnRef idx="3">
+            <a:schemeClr val="lt1"/>
+          </a:lnRef>
+          <a:fillRef idx="1">
+            <a:schemeClr val="accent2"/>
+          </a:fillRef>
+          <a:effectRef idx="1">
+            <a:schemeClr val="accent2"/>
+          </a:effectRef>
+          <a:fontRef idx="minor">
+            <a:schemeClr val="lt1"/>
+          </a:fontRef>
+        </p:style>
+        <p:txBody>
+          <a:bodyPr rtlCol="0" anchor="ctr"/>
+          <a:lstStyle/>
+          <a:p>
+            <a:pPr algn="ctr"/>
+            <a:endParaRPr lang="zh-CN" altLang="en-US"/>
+          </a:p>
+        </p:txBody>
+      </p:sp>
+      <p:sp>
+        <p:nvSpPr>
+          <p:cNvPr id="266" name="椭圆 265"/>
+          <p:cNvSpPr/>
+          <p:nvPr/>
+        </p:nvSpPr>
+        <p:spPr>
+          <a:xfrm>
+            <a:off x="5525723" y="4238845"/>
+            <a:ext cx="0" cy="0"/>
+          </a:xfrm>
+          <a:prstGeom prst="ellipse">
+            <a:avLst/>
+          </a:prstGeom>
+          <a:solidFill>
+            <a:srgbClr val="FF0000"/>
+          </a:solidFill>
+          <a:ln>
+            <a:solidFill>
+              <a:srgbClr val="FF0000"/>
+            </a:solidFill>
+          </a:ln>
+        </p:spPr>
+        <p:style>
+          <a:lnRef idx="2">
+            <a:schemeClr val="accent1">
+              <a:shade val="50000"/>
+            </a:schemeClr>
+          </a:lnRef>
+          <a:fillRef idx="1">
+            <a:schemeClr val="accent1"/>
+          </a:fillRef>
+          <a:effectRef idx="0">
+            <a:schemeClr val="accent1"/>
+          </a:effectRef>
+          <a:fontRef idx="minor">
+            <a:schemeClr val="lt1"/>
+          </a:fontRef>
+        </p:style>
+        <p:txBody>
+          <a:bodyPr rtlCol="0" anchor="ctr"/>
+          <a:lstStyle/>
+          <a:p>
+            <a:pPr algn="ctr"/>
+            <a:endParaRPr lang="zh-CN" altLang="en-US"/>
+          </a:p>
+        </p:txBody>
+      </p:sp>
+      <p:sp>
+        <p:nvSpPr>
+          <p:cNvPr id="268" name="椭圆 267"/>
+          <p:cNvSpPr/>
+          <p:nvPr/>
+        </p:nvSpPr>
+        <p:spPr>
+          <a:xfrm>
+            <a:off x="4782759" y="2776735"/>
+            <a:ext cx="0" cy="0"/>
+          </a:xfrm>
+          <a:prstGeom prst="ellipse">
+            <a:avLst/>
+          </a:prstGeom>
+          <a:solidFill>
+            <a:srgbClr val="FF0000"/>
+          </a:solidFill>
+          <a:ln>
+            <a:solidFill>
+              <a:srgbClr val="FF0000"/>
+            </a:solidFill>
+          </a:ln>
+        </p:spPr>
+        <p:style>
+          <a:lnRef idx="2">
+            <a:schemeClr val="accent1">
+              <a:shade val="50000"/>
+            </a:schemeClr>
+          </a:lnRef>
+          <a:fillRef idx="1">
+            <a:schemeClr val="accent1"/>
+          </a:fillRef>
+          <a:effectRef idx="0">
+            <a:schemeClr val="accent1"/>
+          </a:effectRef>
+          <a:fontRef idx="minor">
+            <a:schemeClr val="lt1"/>
+          </a:fontRef>
+        </p:style>
+        <p:txBody>
+          <a:bodyPr rtlCol="0" anchor="ctr"/>
+          <a:lstStyle/>
+          <a:p>
+            <a:pPr algn="ctr"/>
+            <a:endParaRPr lang="zh-CN" altLang="en-US"/>
+          </a:p>
+        </p:txBody>
+      </p:sp>
+      <p:sp>
+        <p:nvSpPr>
+          <p:cNvPr id="269" name="椭圆 268"/>
+          <p:cNvSpPr/>
+          <p:nvPr/>
+        </p:nvSpPr>
+        <p:spPr>
+          <a:xfrm>
+            <a:off x="6997360" y="2531463"/>
+            <a:ext cx="0" cy="0"/>
+          </a:xfrm>
+          <a:prstGeom prst="ellipse">
+            <a:avLst/>
+          </a:prstGeom>
+          <a:solidFill>
+            <a:srgbClr val="FF0000"/>
+          </a:solidFill>
+          <a:ln>
+            <a:solidFill>
+              <a:srgbClr val="FF0000"/>
+            </a:solidFill>
+          </a:ln>
+        </p:spPr>
+        <p:style>
+          <a:lnRef idx="2">
+            <a:schemeClr val="accent1">
+              <a:shade val="50000"/>
+            </a:schemeClr>
+          </a:lnRef>
+          <a:fillRef idx="1">
+            <a:schemeClr val="accent1"/>
+          </a:fillRef>
+          <a:effectRef idx="0">
+            <a:schemeClr val="accent1"/>
+          </a:effectRef>
+          <a:fontRef idx="minor">
+            <a:schemeClr val="lt1"/>
+          </a:fontRef>
+        </p:style>
+        <p:txBody>
+          <a:bodyPr rtlCol="0" anchor="ctr"/>
+          <a:lstStyle/>
+          <a:p>
+            <a:pPr algn="ctr"/>
+            <a:endParaRPr lang="zh-CN" altLang="en-US"/>
+          </a:p>
+        </p:txBody>
+      </p:sp>
+      <p:sp>
+        <p:nvSpPr>
+          <p:cNvPr id="270" name="矩形标注 269"/>
+          <p:cNvSpPr/>
+          <p:nvPr/>
+        </p:nvSpPr>
+        <p:spPr>
+          <a:xfrm>
+            <a:off x="4545442" y="2142313"/>
+            <a:ext cx="902041" cy="268719"/>
+          </a:xfrm>
+          <a:prstGeom prst="wedgeRectCallout">
+            <a:avLst>
+              <a:gd name="adj1" fmla="val -8866"/>
+              <a:gd name="adj2" fmla="val 246819"/>
+            </a:avLst>
+          </a:prstGeom>
+        </p:spPr>
+        <p:style>
+          <a:lnRef idx="2">
+            <a:schemeClr val="accent3">
+              <a:shade val="50000"/>
+            </a:schemeClr>
+          </a:lnRef>
+          <a:fillRef idx="1">
+            <a:schemeClr val="accent3"/>
+          </a:fillRef>
+          <a:effectRef idx="0">
+            <a:schemeClr val="accent3"/>
+          </a:effectRef>
+          <a:fontRef idx="minor">
+            <a:schemeClr val="lt1"/>
+          </a:fontRef>
+        </p:style>
+        <p:txBody>
+          <a:bodyPr rtlCol="0" anchor="ctr"/>
+          <a:lstStyle/>
+          <a:p>
+            <a:pPr algn="ctr"/>
+            <a:r>
+              <a:rPr lang="zh-CN" altLang="en-US" sz="1200" dirty="0" smtClean="0"/>
+              <a:t>填充路径</a:t>
+            </a:r>
+            <a:endParaRPr lang="zh-CN" altLang="en-US" sz="1200" dirty="0"/>
+          </a:p>
+        </p:txBody>
+      </p:sp>
+    </p:spTree>
+    <p:extLst>
+      <p:ext uri="{BB962C8B-B14F-4D97-AF65-F5344CB8AC3E}">
+        <p14:creationId xmlns:p14="http://schemas.microsoft.com/office/powerpoint/2010/main" val="3727646227"/>
+      </p:ext>
+    </p:extLst>
+  </p:cSld>
+  <p:clrMapOvr>
+    <a:masterClrMapping/>
+  </p:clrMapOvr>
+  <p:timing>
+    <p:tnLst>
+      <p:par>
+        <p:cTn id="1" dur="indefinite" restart="never" nodeType="tmRoot"/>
+      </p:par>
+    </p:tnLst>
+  </p:timing>
 </p:sld>
 </file>
 

--- a/论文涉及图片.pptx
+++ b/论文涉及图片.pptx
@@ -12,6 +12,7 @@
     <p:sldId id="260" r:id="rId6"/>
     <p:sldId id="261" r:id="rId7"/>
     <p:sldId id="262" r:id="rId8"/>
+    <p:sldId id="263" r:id="rId9"/>
   </p:sldIdLst>
   <p:sldSz cx="12192000" cy="6858000"/>
   <p:notesSz cx="6858000" cy="9144000"/>
@@ -148,6 +149,11 @@
             <p14:sldId id="262"/>
           </p14:sldIdLst>
         </p14:section>
+        <p14:section name="复杂模型内外轮廓区分" id="{A75B2C8F-21DA-47FF-88CB-792AD17664FC}">
+          <p14:sldIdLst>
+            <p14:sldId id="263"/>
+          </p14:sldIdLst>
+        </p14:section>
       </p14:sectionLst>
     </p:ext>
     <p:ext uri="{EFAFB233-063F-42B5-8137-9DF3F51BA10A}">
@@ -304,7 +310,7 @@
           <a:p>
             <a:fld id="{8286CD44-C64B-4896-9FF8-C2A31C4FFE40}" type="datetimeFigureOut">
               <a:rPr lang="zh-CN" altLang="en-US" smtClean="0"/>
-              <a:t>2021-03-10</a:t>
+              <a:t>2021-03-11</a:t>
             </a:fld>
             <a:endParaRPr lang="zh-CN" altLang="en-US"/>
           </a:p>
@@ -502,7 +508,7 @@
           <a:p>
             <a:fld id="{8286CD44-C64B-4896-9FF8-C2A31C4FFE40}" type="datetimeFigureOut">
               <a:rPr lang="zh-CN" altLang="en-US" smtClean="0"/>
-              <a:t>2021-03-10</a:t>
+              <a:t>2021-03-11</a:t>
             </a:fld>
             <a:endParaRPr lang="zh-CN" altLang="en-US"/>
           </a:p>
@@ -710,7 +716,7 @@
           <a:p>
             <a:fld id="{8286CD44-C64B-4896-9FF8-C2A31C4FFE40}" type="datetimeFigureOut">
               <a:rPr lang="zh-CN" altLang="en-US" smtClean="0"/>
-              <a:t>2021-03-10</a:t>
+              <a:t>2021-03-11</a:t>
             </a:fld>
             <a:endParaRPr lang="zh-CN" altLang="en-US"/>
           </a:p>
@@ -908,7 +914,7 @@
           <a:p>
             <a:fld id="{8286CD44-C64B-4896-9FF8-C2A31C4FFE40}" type="datetimeFigureOut">
               <a:rPr lang="zh-CN" altLang="en-US" smtClean="0"/>
-              <a:t>2021-03-10</a:t>
+              <a:t>2021-03-11</a:t>
             </a:fld>
             <a:endParaRPr lang="zh-CN" altLang="en-US"/>
           </a:p>
@@ -1183,7 +1189,7 @@
           <a:p>
             <a:fld id="{8286CD44-C64B-4896-9FF8-C2A31C4FFE40}" type="datetimeFigureOut">
               <a:rPr lang="zh-CN" altLang="en-US" smtClean="0"/>
-              <a:t>2021-03-10</a:t>
+              <a:t>2021-03-11</a:t>
             </a:fld>
             <a:endParaRPr lang="zh-CN" altLang="en-US"/>
           </a:p>
@@ -1448,7 +1454,7 @@
           <a:p>
             <a:fld id="{8286CD44-C64B-4896-9FF8-C2A31C4FFE40}" type="datetimeFigureOut">
               <a:rPr lang="zh-CN" altLang="en-US" smtClean="0"/>
-              <a:t>2021-03-10</a:t>
+              <a:t>2021-03-11</a:t>
             </a:fld>
             <a:endParaRPr lang="zh-CN" altLang="en-US"/>
           </a:p>
@@ -1860,7 +1866,7 @@
           <a:p>
             <a:fld id="{8286CD44-C64B-4896-9FF8-C2A31C4FFE40}" type="datetimeFigureOut">
               <a:rPr lang="zh-CN" altLang="en-US" smtClean="0"/>
-              <a:t>2021-03-10</a:t>
+              <a:t>2021-03-11</a:t>
             </a:fld>
             <a:endParaRPr lang="zh-CN" altLang="en-US"/>
           </a:p>
@@ -2001,7 +2007,7 @@
           <a:p>
             <a:fld id="{8286CD44-C64B-4896-9FF8-C2A31C4FFE40}" type="datetimeFigureOut">
               <a:rPr lang="zh-CN" altLang="en-US" smtClean="0"/>
-              <a:t>2021-03-10</a:t>
+              <a:t>2021-03-11</a:t>
             </a:fld>
             <a:endParaRPr lang="zh-CN" altLang="en-US"/>
           </a:p>
@@ -2114,7 +2120,7 @@
           <a:p>
             <a:fld id="{8286CD44-C64B-4896-9FF8-C2A31C4FFE40}" type="datetimeFigureOut">
               <a:rPr lang="zh-CN" altLang="en-US" smtClean="0"/>
-              <a:t>2021-03-10</a:t>
+              <a:t>2021-03-11</a:t>
             </a:fld>
             <a:endParaRPr lang="zh-CN" altLang="en-US"/>
           </a:p>
@@ -2425,7 +2431,7 @@
           <a:p>
             <a:fld id="{8286CD44-C64B-4896-9FF8-C2A31C4FFE40}" type="datetimeFigureOut">
               <a:rPr lang="zh-CN" altLang="en-US" smtClean="0"/>
-              <a:t>2021-03-10</a:t>
+              <a:t>2021-03-11</a:t>
             </a:fld>
             <a:endParaRPr lang="zh-CN" altLang="en-US"/>
           </a:p>
@@ -2713,7 +2719,7 @@
           <a:p>
             <a:fld id="{8286CD44-C64B-4896-9FF8-C2A31C4FFE40}" type="datetimeFigureOut">
               <a:rPr lang="zh-CN" altLang="en-US" smtClean="0"/>
-              <a:t>2021-03-10</a:t>
+              <a:t>2021-03-11</a:t>
             </a:fld>
             <a:endParaRPr lang="zh-CN" altLang="en-US"/>
           </a:p>
@@ -2954,7 +2960,7 @@
           <a:p>
             <a:fld id="{8286CD44-C64B-4896-9FF8-C2A31C4FFE40}" type="datetimeFigureOut">
               <a:rPr lang="zh-CN" altLang="en-US" smtClean="0"/>
-              <a:t>2021-03-10</a:t>
+              <a:t>2021-03-11</a:t>
             </a:fld>
             <a:endParaRPr lang="zh-CN" altLang="en-US"/>
           </a:p>
@@ -12447,6 +12453,683 @@
 </p:sld>
 </file>
 
+<file path=ppt/slides/slide8.xml><?xml version="1.0" encoding="utf-8"?>
+<p:sld xmlns:a="http://schemas.openxmlformats.org/drawingml/2006/main" xmlns:r="http://schemas.openxmlformats.org/officeDocument/2006/relationships" xmlns:p="http://schemas.openxmlformats.org/presentationml/2006/main">
+  <p:cSld>
+    <p:spTree>
+      <p:nvGrpSpPr>
+        <p:cNvPr id="1" name=""/>
+        <p:cNvGrpSpPr/>
+        <p:nvPr/>
+      </p:nvGrpSpPr>
+      <p:grpSpPr>
+        <a:xfrm>
+          <a:off x="0" y="0"/>
+          <a:ext cx="0" cy="0"/>
+          <a:chOff x="0" y="0"/>
+          <a:chExt cx="0" cy="0"/>
+        </a:xfrm>
+      </p:grpSpPr>
+      <p:sp>
+        <p:nvSpPr>
+          <p:cNvPr id="4" name="矩形 3"/>
+          <p:cNvSpPr/>
+          <p:nvPr/>
+        </p:nvSpPr>
+        <p:spPr>
+          <a:xfrm>
+            <a:off x="3888509" y="1838036"/>
+            <a:ext cx="5357092" cy="3325092"/>
+          </a:xfrm>
+          <a:prstGeom prst="rect">
+            <a:avLst/>
+          </a:prstGeom>
+          <a:solidFill>
+            <a:schemeClr val="bg1"/>
+          </a:solidFill>
+          <a:ln>
+            <a:solidFill>
+              <a:schemeClr val="tx1"/>
+            </a:solidFill>
+            <a:prstDash val="dash"/>
+          </a:ln>
+        </p:spPr>
+        <p:style>
+          <a:lnRef idx="2">
+            <a:schemeClr val="accent1">
+              <a:shade val="50000"/>
+            </a:schemeClr>
+          </a:lnRef>
+          <a:fillRef idx="1">
+            <a:schemeClr val="accent1"/>
+          </a:fillRef>
+          <a:effectRef idx="0">
+            <a:schemeClr val="accent1"/>
+          </a:effectRef>
+          <a:fontRef idx="minor">
+            <a:schemeClr val="lt1"/>
+          </a:fontRef>
+        </p:style>
+        <p:txBody>
+          <a:bodyPr rtlCol="0" anchor="ctr"/>
+          <a:lstStyle/>
+          <a:p>
+            <a:pPr algn="ctr"/>
+            <a:endParaRPr lang="zh-CN" altLang="en-US"/>
+          </a:p>
+        </p:txBody>
+      </p:sp>
+      <p:sp>
+        <p:nvSpPr>
+          <p:cNvPr id="5" name="椭圆 4"/>
+          <p:cNvSpPr/>
+          <p:nvPr/>
+        </p:nvSpPr>
+        <p:spPr>
+          <a:xfrm>
+            <a:off x="4027055" y="2355273"/>
+            <a:ext cx="1413163" cy="812800"/>
+          </a:xfrm>
+          <a:prstGeom prst="ellipse">
+            <a:avLst/>
+          </a:prstGeom>
+          <a:pattFill prst="dkUpDiag">
+            <a:fgClr>
+              <a:schemeClr val="accent1">
+                <a:lumMod val="40000"/>
+                <a:lumOff val="60000"/>
+              </a:schemeClr>
+            </a:fgClr>
+            <a:bgClr>
+              <a:schemeClr val="bg1"/>
+            </a:bgClr>
+          </a:pattFill>
+          <a:ln>
+            <a:solidFill>
+              <a:schemeClr val="accent6"/>
+            </a:solidFill>
+          </a:ln>
+        </p:spPr>
+        <p:style>
+          <a:lnRef idx="2">
+            <a:schemeClr val="accent1">
+              <a:shade val="50000"/>
+            </a:schemeClr>
+          </a:lnRef>
+          <a:fillRef idx="1">
+            <a:schemeClr val="accent1"/>
+          </a:fillRef>
+          <a:effectRef idx="0">
+            <a:schemeClr val="accent1"/>
+          </a:effectRef>
+          <a:fontRef idx="minor">
+            <a:schemeClr val="lt1"/>
+          </a:fontRef>
+        </p:style>
+        <p:txBody>
+          <a:bodyPr rtlCol="0" anchor="ctr"/>
+          <a:lstStyle/>
+          <a:p>
+            <a:pPr algn="ctr"/>
+            <a:endParaRPr lang="zh-CN" altLang="en-US"/>
+          </a:p>
+        </p:txBody>
+      </p:sp>
+      <p:sp>
+        <p:nvSpPr>
+          <p:cNvPr id="6" name="椭圆 5"/>
+          <p:cNvSpPr/>
+          <p:nvPr/>
+        </p:nvSpPr>
+        <p:spPr>
+          <a:xfrm>
+            <a:off x="6003636" y="2022764"/>
+            <a:ext cx="2937164" cy="2937164"/>
+          </a:xfrm>
+          <a:prstGeom prst="ellipse">
+            <a:avLst/>
+          </a:prstGeom>
+          <a:pattFill prst="dkUpDiag">
+            <a:fgClr>
+              <a:schemeClr val="accent1">
+                <a:lumMod val="40000"/>
+                <a:lumOff val="60000"/>
+              </a:schemeClr>
+            </a:fgClr>
+            <a:bgClr>
+              <a:schemeClr val="bg1"/>
+            </a:bgClr>
+          </a:pattFill>
+          <a:ln>
+            <a:solidFill>
+              <a:schemeClr val="accent6"/>
+            </a:solidFill>
+          </a:ln>
+        </p:spPr>
+        <p:style>
+          <a:lnRef idx="2">
+            <a:schemeClr val="accent1">
+              <a:shade val="50000"/>
+            </a:schemeClr>
+          </a:lnRef>
+          <a:fillRef idx="1">
+            <a:schemeClr val="accent1"/>
+          </a:fillRef>
+          <a:effectRef idx="0">
+            <a:schemeClr val="accent1"/>
+          </a:effectRef>
+          <a:fontRef idx="minor">
+            <a:schemeClr val="lt1"/>
+          </a:fontRef>
+        </p:style>
+        <p:txBody>
+          <a:bodyPr rtlCol="0" anchor="ctr"/>
+          <a:lstStyle/>
+          <a:p>
+            <a:pPr algn="ctr"/>
+            <a:endParaRPr lang="zh-CN" altLang="en-US"/>
+          </a:p>
+        </p:txBody>
+      </p:sp>
+      <p:sp>
+        <p:nvSpPr>
+          <p:cNvPr id="7" name="椭圆 6"/>
+          <p:cNvSpPr/>
+          <p:nvPr/>
+        </p:nvSpPr>
+        <p:spPr>
+          <a:xfrm>
+            <a:off x="7088909" y="2507673"/>
+            <a:ext cx="766618" cy="508000"/>
+          </a:xfrm>
+          <a:prstGeom prst="ellipse">
+            <a:avLst/>
+          </a:prstGeom>
+          <a:solidFill>
+            <a:schemeClr val="bg1"/>
+          </a:solidFill>
+          <a:ln>
+            <a:solidFill>
+              <a:srgbClr val="FF0000"/>
+            </a:solidFill>
+          </a:ln>
+        </p:spPr>
+        <p:style>
+          <a:lnRef idx="2">
+            <a:schemeClr val="accent1">
+              <a:shade val="50000"/>
+            </a:schemeClr>
+          </a:lnRef>
+          <a:fillRef idx="1">
+            <a:schemeClr val="accent1"/>
+          </a:fillRef>
+          <a:effectRef idx="0">
+            <a:schemeClr val="accent1"/>
+          </a:effectRef>
+          <a:fontRef idx="minor">
+            <a:schemeClr val="lt1"/>
+          </a:fontRef>
+        </p:style>
+        <p:txBody>
+          <a:bodyPr rtlCol="0" anchor="ctr"/>
+          <a:lstStyle/>
+          <a:p>
+            <a:pPr algn="ctr"/>
+            <a:endParaRPr lang="zh-CN" altLang="en-US"/>
+          </a:p>
+        </p:txBody>
+      </p:sp>
+      <p:sp>
+        <p:nvSpPr>
+          <p:cNvPr id="8" name="圆角矩形 7"/>
+          <p:cNvSpPr/>
+          <p:nvPr/>
+        </p:nvSpPr>
+        <p:spPr>
+          <a:xfrm>
+            <a:off x="6700981" y="3269673"/>
+            <a:ext cx="1542473" cy="997527"/>
+          </a:xfrm>
+          <a:prstGeom prst="roundRect">
+            <a:avLst/>
+          </a:prstGeom>
+          <a:solidFill>
+            <a:schemeClr val="bg1"/>
+          </a:solidFill>
+          <a:ln>
+            <a:solidFill>
+              <a:srgbClr val="FF0000"/>
+            </a:solidFill>
+          </a:ln>
+        </p:spPr>
+        <p:style>
+          <a:lnRef idx="2">
+            <a:schemeClr val="accent1">
+              <a:shade val="50000"/>
+            </a:schemeClr>
+          </a:lnRef>
+          <a:fillRef idx="1">
+            <a:schemeClr val="accent1"/>
+          </a:fillRef>
+          <a:effectRef idx="0">
+            <a:schemeClr val="accent1"/>
+          </a:effectRef>
+          <a:fontRef idx="minor">
+            <a:schemeClr val="lt1"/>
+          </a:fontRef>
+        </p:style>
+        <p:txBody>
+          <a:bodyPr rtlCol="0" anchor="ctr"/>
+          <a:lstStyle/>
+          <a:p>
+            <a:pPr algn="ctr"/>
+            <a:endParaRPr lang="zh-CN" altLang="en-US"/>
+          </a:p>
+        </p:txBody>
+      </p:sp>
+      <p:sp>
+        <p:nvSpPr>
+          <p:cNvPr id="9" name="椭圆 8"/>
+          <p:cNvSpPr/>
+          <p:nvPr/>
+        </p:nvSpPr>
+        <p:spPr>
+          <a:xfrm>
+            <a:off x="7296726" y="3592945"/>
+            <a:ext cx="350982" cy="350982"/>
+          </a:xfrm>
+          <a:prstGeom prst="ellipse">
+            <a:avLst/>
+          </a:prstGeom>
+          <a:pattFill prst="dkUpDiag">
+            <a:fgClr>
+              <a:schemeClr val="accent1">
+                <a:lumMod val="40000"/>
+                <a:lumOff val="60000"/>
+              </a:schemeClr>
+            </a:fgClr>
+            <a:bgClr>
+              <a:schemeClr val="bg1"/>
+            </a:bgClr>
+          </a:pattFill>
+          <a:ln>
+            <a:solidFill>
+              <a:schemeClr val="accent6"/>
+            </a:solidFill>
+          </a:ln>
+        </p:spPr>
+        <p:style>
+          <a:lnRef idx="2">
+            <a:schemeClr val="accent1">
+              <a:shade val="50000"/>
+            </a:schemeClr>
+          </a:lnRef>
+          <a:fillRef idx="1">
+            <a:schemeClr val="accent1"/>
+          </a:fillRef>
+          <a:effectRef idx="0">
+            <a:schemeClr val="accent1"/>
+          </a:effectRef>
+          <a:fontRef idx="minor">
+            <a:schemeClr val="lt1"/>
+          </a:fontRef>
+        </p:style>
+        <p:txBody>
+          <a:bodyPr rtlCol="0" anchor="ctr"/>
+          <a:lstStyle/>
+          <a:p>
+            <a:pPr algn="ctr"/>
+            <a:endParaRPr lang="zh-CN" altLang="en-US"/>
+          </a:p>
+        </p:txBody>
+      </p:sp>
+      <p:sp>
+        <p:nvSpPr>
+          <p:cNvPr id="10" name="圆角矩形标注 9"/>
+          <p:cNvSpPr/>
+          <p:nvPr/>
+        </p:nvSpPr>
+        <p:spPr>
+          <a:xfrm>
+            <a:off x="5116944" y="1080655"/>
+            <a:ext cx="979055" cy="612648"/>
+          </a:xfrm>
+          <a:prstGeom prst="wedgeRoundRectCallout">
+            <a:avLst>
+              <a:gd name="adj1" fmla="val -84469"/>
+              <a:gd name="adj2" fmla="val 155972"/>
+              <a:gd name="adj3" fmla="val 16667"/>
+            </a:avLst>
+          </a:prstGeom>
+        </p:spPr>
+        <p:style>
+          <a:lnRef idx="2">
+            <a:schemeClr val="accent6">
+              <a:shade val="50000"/>
+            </a:schemeClr>
+          </a:lnRef>
+          <a:fillRef idx="1">
+            <a:schemeClr val="accent6"/>
+          </a:fillRef>
+          <a:effectRef idx="0">
+            <a:schemeClr val="accent6"/>
+          </a:effectRef>
+          <a:fontRef idx="minor">
+            <a:schemeClr val="lt1"/>
+          </a:fontRef>
+        </p:style>
+        <p:txBody>
+          <a:bodyPr rtlCol="0" anchor="ctr"/>
+          <a:lstStyle/>
+          <a:p>
+            <a:pPr algn="ctr"/>
+            <a:r>
+              <a:rPr lang="zh-CN" altLang="en-US" sz="1200" dirty="0" smtClean="0"/>
+              <a:t>标记值为</a:t>
+            </a:r>
+            <a:r>
+              <a:rPr lang="en-US" altLang="zh-CN" sz="1200" dirty="0" smtClean="0"/>
+              <a:t>0</a:t>
+            </a:r>
+            <a:r>
+              <a:rPr lang="zh-CN" altLang="en-US" sz="1200" dirty="0" smtClean="0"/>
+              <a:t>是外轮廓</a:t>
+            </a:r>
+            <a:endParaRPr lang="zh-CN" altLang="en-US" sz="1200" dirty="0"/>
+          </a:p>
+        </p:txBody>
+      </p:sp>
+      <p:sp>
+        <p:nvSpPr>
+          <p:cNvPr id="11" name="圆角矩形标注 10"/>
+          <p:cNvSpPr/>
+          <p:nvPr/>
+        </p:nvSpPr>
+        <p:spPr>
+          <a:xfrm>
+            <a:off x="7855527" y="1225388"/>
+            <a:ext cx="979055" cy="612648"/>
+          </a:xfrm>
+          <a:prstGeom prst="wedgeRoundRectCallout">
+            <a:avLst>
+              <a:gd name="adj1" fmla="val -84469"/>
+              <a:gd name="adj2" fmla="val 155972"/>
+              <a:gd name="adj3" fmla="val 16667"/>
+            </a:avLst>
+          </a:prstGeom>
+          <a:solidFill>
+            <a:srgbClr val="FF0000"/>
+          </a:solidFill>
+        </p:spPr>
+        <p:style>
+          <a:lnRef idx="2">
+            <a:schemeClr val="accent6">
+              <a:shade val="50000"/>
+            </a:schemeClr>
+          </a:lnRef>
+          <a:fillRef idx="1">
+            <a:schemeClr val="accent6"/>
+          </a:fillRef>
+          <a:effectRef idx="0">
+            <a:schemeClr val="accent6"/>
+          </a:effectRef>
+          <a:fontRef idx="minor">
+            <a:schemeClr val="lt1"/>
+          </a:fontRef>
+        </p:style>
+        <p:txBody>
+          <a:bodyPr rtlCol="0" anchor="ctr"/>
+          <a:lstStyle/>
+          <a:p>
+            <a:pPr algn="ctr"/>
+            <a:r>
+              <a:rPr lang="zh-CN" altLang="en-US" sz="1200" dirty="0" smtClean="0"/>
+              <a:t>标记值为</a:t>
+            </a:r>
+            <a:r>
+              <a:rPr lang="en-US" altLang="zh-CN" sz="1200" dirty="0" smtClean="0"/>
+              <a:t>1</a:t>
+            </a:r>
+            <a:r>
+              <a:rPr lang="zh-CN" altLang="en-US" sz="1200" dirty="0" smtClean="0"/>
+              <a:t>是内轮廓</a:t>
+            </a:r>
+            <a:endParaRPr lang="zh-CN" altLang="en-US" sz="1200" dirty="0"/>
+          </a:p>
+        </p:txBody>
+      </p:sp>
+      <p:sp>
+        <p:nvSpPr>
+          <p:cNvPr id="12" name="圆角矩形标注 11"/>
+          <p:cNvSpPr/>
+          <p:nvPr/>
+        </p:nvSpPr>
+        <p:spPr>
+          <a:xfrm>
+            <a:off x="9384147" y="1838036"/>
+            <a:ext cx="979055" cy="612648"/>
+          </a:xfrm>
+          <a:prstGeom prst="wedgeRoundRectCallout">
+            <a:avLst>
+              <a:gd name="adj1" fmla="val -109941"/>
+              <a:gd name="adj2" fmla="val 107728"/>
+              <a:gd name="adj3" fmla="val 16667"/>
+            </a:avLst>
+          </a:prstGeom>
+        </p:spPr>
+        <p:style>
+          <a:lnRef idx="2">
+            <a:schemeClr val="accent6">
+              <a:shade val="50000"/>
+            </a:schemeClr>
+          </a:lnRef>
+          <a:fillRef idx="1">
+            <a:schemeClr val="accent6"/>
+          </a:fillRef>
+          <a:effectRef idx="0">
+            <a:schemeClr val="accent6"/>
+          </a:effectRef>
+          <a:fontRef idx="minor">
+            <a:schemeClr val="lt1"/>
+          </a:fontRef>
+        </p:style>
+        <p:txBody>
+          <a:bodyPr rtlCol="0" anchor="ctr"/>
+          <a:lstStyle/>
+          <a:p>
+            <a:pPr algn="ctr"/>
+            <a:r>
+              <a:rPr lang="zh-CN" altLang="en-US" sz="1200" dirty="0" smtClean="0"/>
+              <a:t>标记值为</a:t>
+            </a:r>
+            <a:r>
+              <a:rPr lang="en-US" altLang="zh-CN" sz="1200" dirty="0" smtClean="0"/>
+              <a:t>0</a:t>
+            </a:r>
+            <a:r>
+              <a:rPr lang="zh-CN" altLang="en-US" sz="1200" dirty="0" smtClean="0"/>
+              <a:t>是外轮廓</a:t>
+            </a:r>
+            <a:endParaRPr lang="zh-CN" altLang="en-US" sz="1200" dirty="0"/>
+          </a:p>
+        </p:txBody>
+      </p:sp>
+      <p:sp>
+        <p:nvSpPr>
+          <p:cNvPr id="13" name="圆角矩形标注 12"/>
+          <p:cNvSpPr/>
+          <p:nvPr/>
+        </p:nvSpPr>
+        <p:spPr>
+          <a:xfrm>
+            <a:off x="4742872" y="3462112"/>
+            <a:ext cx="979055" cy="612648"/>
+          </a:xfrm>
+          <a:prstGeom prst="wedgeRoundRectCallout">
+            <a:avLst>
+              <a:gd name="adj1" fmla="val 146663"/>
+              <a:gd name="adj2" fmla="val -8358"/>
+              <a:gd name="adj3" fmla="val 16667"/>
+            </a:avLst>
+          </a:prstGeom>
+          <a:solidFill>
+            <a:srgbClr val="FF0000"/>
+          </a:solidFill>
+        </p:spPr>
+        <p:style>
+          <a:lnRef idx="2">
+            <a:schemeClr val="accent6">
+              <a:shade val="50000"/>
+            </a:schemeClr>
+          </a:lnRef>
+          <a:fillRef idx="1">
+            <a:schemeClr val="accent6"/>
+          </a:fillRef>
+          <a:effectRef idx="0">
+            <a:schemeClr val="accent6"/>
+          </a:effectRef>
+          <a:fontRef idx="minor">
+            <a:schemeClr val="lt1"/>
+          </a:fontRef>
+        </p:style>
+        <p:txBody>
+          <a:bodyPr rtlCol="0" anchor="ctr"/>
+          <a:lstStyle/>
+          <a:p>
+            <a:pPr algn="ctr"/>
+            <a:r>
+              <a:rPr lang="zh-CN" altLang="en-US" sz="1200" dirty="0" smtClean="0"/>
+              <a:t>标记值为</a:t>
+            </a:r>
+            <a:r>
+              <a:rPr lang="en-US" altLang="zh-CN" sz="1200" dirty="0" smtClean="0"/>
+              <a:t>1</a:t>
+            </a:r>
+            <a:r>
+              <a:rPr lang="zh-CN" altLang="en-US" sz="1200" dirty="0" smtClean="0"/>
+              <a:t>是内轮廓</a:t>
+            </a:r>
+            <a:endParaRPr lang="zh-CN" altLang="en-US" sz="1200" dirty="0"/>
+          </a:p>
+        </p:txBody>
+      </p:sp>
+      <p:sp>
+        <p:nvSpPr>
+          <p:cNvPr id="14" name="圆角矩形标注 13"/>
+          <p:cNvSpPr/>
+          <p:nvPr/>
+        </p:nvSpPr>
+        <p:spPr>
+          <a:xfrm>
+            <a:off x="9319491" y="3194258"/>
+            <a:ext cx="979055" cy="612648"/>
+          </a:xfrm>
+          <a:prstGeom prst="wedgeRoundRectCallout">
+            <a:avLst>
+              <a:gd name="adj1" fmla="val -217488"/>
+              <a:gd name="adj2" fmla="val 42900"/>
+              <a:gd name="adj3" fmla="val 16667"/>
+            </a:avLst>
+          </a:prstGeom>
+        </p:spPr>
+        <p:style>
+          <a:lnRef idx="2">
+            <a:schemeClr val="accent6">
+              <a:shade val="50000"/>
+            </a:schemeClr>
+          </a:lnRef>
+          <a:fillRef idx="1">
+            <a:schemeClr val="accent6"/>
+          </a:fillRef>
+          <a:effectRef idx="0">
+            <a:schemeClr val="accent6"/>
+          </a:effectRef>
+          <a:fontRef idx="minor">
+            <a:schemeClr val="lt1"/>
+          </a:fontRef>
+        </p:style>
+        <p:txBody>
+          <a:bodyPr rtlCol="0" anchor="ctr"/>
+          <a:lstStyle/>
+          <a:p>
+            <a:pPr algn="ctr"/>
+            <a:r>
+              <a:rPr lang="zh-CN" altLang="en-US" sz="1200" dirty="0" smtClean="0"/>
+              <a:t>标记值为</a:t>
+            </a:r>
+            <a:r>
+              <a:rPr lang="en-US" altLang="zh-CN" sz="1200" dirty="0" smtClean="0"/>
+              <a:t>2</a:t>
+            </a:r>
+            <a:r>
+              <a:rPr lang="zh-CN" altLang="en-US" sz="1200" dirty="0" smtClean="0"/>
+              <a:t>是外轮廓</a:t>
+            </a:r>
+            <a:endParaRPr lang="zh-CN" altLang="en-US" sz="1200" dirty="0"/>
+          </a:p>
+        </p:txBody>
+      </p:sp>
+      <p:sp>
+        <p:nvSpPr>
+          <p:cNvPr id="15" name="圆角矩形标注 14"/>
+          <p:cNvSpPr/>
+          <p:nvPr/>
+        </p:nvSpPr>
+        <p:spPr>
+          <a:xfrm>
+            <a:off x="2803235" y="3462112"/>
+            <a:ext cx="979055" cy="612648"/>
+          </a:xfrm>
+          <a:prstGeom prst="wedgeRoundRectCallout">
+            <a:avLst>
+              <a:gd name="adj1" fmla="val 134399"/>
+              <a:gd name="adj2" fmla="val -148567"/>
+              <a:gd name="adj3" fmla="val 16667"/>
+            </a:avLst>
+          </a:prstGeom>
+        </p:spPr>
+        <p:style>
+          <a:lnRef idx="2">
+            <a:schemeClr val="accent5">
+              <a:shade val="50000"/>
+            </a:schemeClr>
+          </a:lnRef>
+          <a:fillRef idx="1">
+            <a:schemeClr val="accent5"/>
+          </a:fillRef>
+          <a:effectRef idx="0">
+            <a:schemeClr val="accent5"/>
+          </a:effectRef>
+          <a:fontRef idx="minor">
+            <a:schemeClr val="lt1"/>
+          </a:fontRef>
+        </p:style>
+        <p:txBody>
+          <a:bodyPr rtlCol="0" anchor="ctr"/>
+          <a:lstStyle/>
+          <a:p>
+            <a:pPr algn="ctr"/>
+            <a:r>
+              <a:rPr lang="zh-CN" altLang="en-US" sz="1200" dirty="0" smtClean="0"/>
+              <a:t>轨迹填充区域</a:t>
+            </a:r>
+            <a:endParaRPr lang="zh-CN" altLang="en-US" sz="1200" dirty="0"/>
+          </a:p>
+        </p:txBody>
+      </p:sp>
+    </p:spTree>
+    <p:extLst>
+      <p:ext uri="{BB962C8B-B14F-4D97-AF65-F5344CB8AC3E}">
+        <p14:creationId xmlns:p14="http://schemas.microsoft.com/office/powerpoint/2010/main" val="387448282"/>
+      </p:ext>
+    </p:extLst>
+  </p:cSld>
+  <p:clrMapOvr>
+    <a:masterClrMapping/>
+  </p:clrMapOvr>
+</p:sld>
+</file>
+
 <file path=ppt/theme/theme1.xml><?xml version="1.0" encoding="utf-8"?>
 <a:theme xmlns:a="http://schemas.openxmlformats.org/drawingml/2006/main" name="Office 主题​​">
   <a:themeElements>

--- a/论文涉及图片.pptx
+++ b/论文涉及图片.pptx
@@ -13,6 +13,10 @@
     <p:sldId id="261" r:id="rId7"/>
     <p:sldId id="262" r:id="rId8"/>
     <p:sldId id="263" r:id="rId9"/>
+    <p:sldId id="264" r:id="rId10"/>
+    <p:sldId id="265" r:id="rId11"/>
+    <p:sldId id="266" r:id="rId12"/>
+    <p:sldId id="267" r:id="rId13"/>
   </p:sldIdLst>
   <p:sldSz cx="12192000" cy="6858000"/>
   <p:notesSz cx="6858000" cy="9144000"/>
@@ -152,6 +156,26 @@
         <p14:section name="复杂模型内外轮廓区分" id="{A75B2C8F-21DA-47FF-88CB-792AD17664FC}">
           <p14:sldIdLst>
             <p14:sldId id="263"/>
+          </p14:sldIdLst>
+        </p14:section>
+        <p14:section name="MVC模式" id="{0AF963E8-223A-4DB9-B8C5-5B6DF7EE807E}">
+          <p14:sldIdLst>
+            <p14:sldId id="264"/>
+          </p14:sldIdLst>
+        </p14:section>
+        <p14:section name="MVVM模式" id="{8B494170-C777-4124-B121-EC0AA348AEE5}">
+          <p14:sldIdLst>
+            <p14:sldId id="265"/>
+          </p14:sldIdLst>
+        </p14:section>
+        <p14:section name="Three.js程序结构示意图" id="{A8F0FD8F-3810-45C7-BCDE-D20E0760C2FB}">
+          <p14:sldIdLst>
+            <p14:sldId id="266"/>
+          </p14:sldIdLst>
+        </p14:section>
+        <p14:section name="事件驱动模式" id="{C46D2642-C4EF-4941-9B48-6E607B4C32B7}">
+          <p14:sldIdLst>
+            <p14:sldId id="267"/>
           </p14:sldIdLst>
         </p14:section>
       </p14:sectionLst>
@@ -3717,6 +3741,1060 @@
     <p:extLst>
       <p:ext uri="{BB962C8B-B14F-4D97-AF65-F5344CB8AC3E}">
         <p14:creationId xmlns:p14="http://schemas.microsoft.com/office/powerpoint/2010/main" val="292779822"/>
+      </p:ext>
+    </p:extLst>
+  </p:cSld>
+  <p:clrMapOvr>
+    <a:masterClrMapping/>
+  </p:clrMapOvr>
+</p:sld>
+</file>
+
+<file path=ppt/slides/slide10.xml><?xml version="1.0" encoding="utf-8"?>
+<p:sld xmlns:a="http://schemas.openxmlformats.org/drawingml/2006/main" xmlns:r="http://schemas.openxmlformats.org/officeDocument/2006/relationships" xmlns:p="http://schemas.openxmlformats.org/presentationml/2006/main">
+  <p:cSld>
+    <p:spTree>
+      <p:nvGrpSpPr>
+        <p:cNvPr id="1" name=""/>
+        <p:cNvGrpSpPr/>
+        <p:nvPr/>
+      </p:nvGrpSpPr>
+      <p:grpSpPr>
+        <a:xfrm>
+          <a:off x="0" y="0"/>
+          <a:ext cx="0" cy="0"/>
+          <a:chOff x="0" y="0"/>
+          <a:chExt cx="0" cy="0"/>
+        </a:xfrm>
+      </p:grpSpPr>
+      <p:sp>
+        <p:nvSpPr>
+          <p:cNvPr id="4" name="圆角矩形 3"/>
+          <p:cNvSpPr/>
+          <p:nvPr/>
+        </p:nvSpPr>
+        <p:spPr>
+          <a:xfrm>
+            <a:off x="1977888" y="934278"/>
+            <a:ext cx="2077278" cy="1154877"/>
+          </a:xfrm>
+          <a:prstGeom prst="roundRect">
+            <a:avLst/>
+          </a:prstGeom>
+          <a:solidFill>
+            <a:schemeClr val="accent6">
+              <a:lumMod val="60000"/>
+              <a:lumOff val="40000"/>
+            </a:schemeClr>
+          </a:solidFill>
+        </p:spPr>
+        <p:style>
+          <a:lnRef idx="3">
+            <a:schemeClr val="lt1"/>
+          </a:lnRef>
+          <a:fillRef idx="1">
+            <a:schemeClr val="accent6"/>
+          </a:fillRef>
+          <a:effectRef idx="1">
+            <a:schemeClr val="accent6"/>
+          </a:effectRef>
+          <a:fontRef idx="minor">
+            <a:schemeClr val="lt1"/>
+          </a:fontRef>
+        </p:style>
+        <p:txBody>
+          <a:bodyPr rtlCol="0" anchor="ctr"/>
+          <a:lstStyle/>
+          <a:p>
+            <a:pPr algn="ctr"/>
+            <a:r>
+              <a:rPr lang="en-US" altLang="zh-CN" sz="2800" dirty="0" smtClean="0"/>
+              <a:t>View</a:t>
+            </a:r>
+            <a:endParaRPr lang="zh-CN" altLang="en-US" sz="2800" dirty="0"/>
+          </a:p>
+        </p:txBody>
+      </p:sp>
+      <p:sp>
+        <p:nvSpPr>
+          <p:cNvPr id="5" name="圆角矩形 4"/>
+          <p:cNvSpPr/>
+          <p:nvPr/>
+        </p:nvSpPr>
+        <p:spPr>
+          <a:xfrm>
+            <a:off x="4909587" y="2665012"/>
+            <a:ext cx="2077278" cy="1154877"/>
+          </a:xfrm>
+          <a:prstGeom prst="roundRect">
+            <a:avLst/>
+          </a:prstGeom>
+          <a:solidFill>
+            <a:schemeClr val="accent5">
+              <a:lumMod val="60000"/>
+              <a:lumOff val="40000"/>
+            </a:schemeClr>
+          </a:solidFill>
+        </p:spPr>
+        <p:style>
+          <a:lnRef idx="3">
+            <a:schemeClr val="lt1"/>
+          </a:lnRef>
+          <a:fillRef idx="1">
+            <a:schemeClr val="accent6"/>
+          </a:fillRef>
+          <a:effectRef idx="1">
+            <a:schemeClr val="accent6"/>
+          </a:effectRef>
+          <a:fontRef idx="minor">
+            <a:schemeClr val="lt1"/>
+          </a:fontRef>
+        </p:style>
+        <p:txBody>
+          <a:bodyPr rtlCol="0" anchor="ctr"/>
+          <a:lstStyle/>
+          <a:p>
+            <a:pPr algn="ctr"/>
+            <a:r>
+              <a:rPr lang="en-US" altLang="zh-CN" sz="2800" dirty="0" smtClean="0"/>
+              <a:t>ViewModel</a:t>
+            </a:r>
+            <a:endParaRPr lang="zh-CN" altLang="en-US" sz="2800" dirty="0"/>
+          </a:p>
+        </p:txBody>
+      </p:sp>
+      <p:sp>
+        <p:nvSpPr>
+          <p:cNvPr id="6" name="圆角矩形 5"/>
+          <p:cNvSpPr/>
+          <p:nvPr/>
+        </p:nvSpPr>
+        <p:spPr>
+          <a:xfrm>
+            <a:off x="1977888" y="4352676"/>
+            <a:ext cx="2077278" cy="1154877"/>
+          </a:xfrm>
+          <a:prstGeom prst="roundRect">
+            <a:avLst/>
+          </a:prstGeom>
+          <a:solidFill>
+            <a:schemeClr val="accent2">
+              <a:lumMod val="60000"/>
+              <a:lumOff val="40000"/>
+            </a:schemeClr>
+          </a:solidFill>
+        </p:spPr>
+        <p:style>
+          <a:lnRef idx="3">
+            <a:schemeClr val="lt1"/>
+          </a:lnRef>
+          <a:fillRef idx="1">
+            <a:schemeClr val="accent6"/>
+          </a:fillRef>
+          <a:effectRef idx="1">
+            <a:schemeClr val="accent6"/>
+          </a:effectRef>
+          <a:fontRef idx="minor">
+            <a:schemeClr val="lt1"/>
+          </a:fontRef>
+        </p:style>
+        <p:txBody>
+          <a:bodyPr rtlCol="0" anchor="ctr"/>
+          <a:lstStyle/>
+          <a:p>
+            <a:pPr algn="ctr"/>
+            <a:r>
+              <a:rPr lang="en-US" altLang="zh-CN" sz="2800" dirty="0" smtClean="0"/>
+              <a:t>Model</a:t>
+            </a:r>
+            <a:endParaRPr lang="zh-CN" altLang="en-US" sz="2800" dirty="0"/>
+          </a:p>
+        </p:txBody>
+      </p:sp>
+      <p:cxnSp>
+        <p:nvCxnSpPr>
+          <p:cNvPr id="9" name="直接箭头连接符 8"/>
+          <p:cNvCxnSpPr>
+            <a:stCxn id="10" idx="1"/>
+            <a:endCxn id="4" idx="3"/>
+          </p:cNvCxnSpPr>
+          <p:nvPr/>
+        </p:nvCxnSpPr>
+        <p:spPr>
+          <a:xfrm flipH="1">
+            <a:off x="4055166" y="1511716"/>
+            <a:ext cx="2057742" cy="1"/>
+          </a:xfrm>
+          <a:prstGeom prst="straightConnector1">
+            <a:avLst/>
+          </a:prstGeom>
+          <a:ln>
+            <a:tailEnd type="triangle"/>
+          </a:ln>
+        </p:spPr>
+        <p:style>
+          <a:lnRef idx="1">
+            <a:schemeClr val="accent1"/>
+          </a:lnRef>
+          <a:fillRef idx="0">
+            <a:schemeClr val="accent1"/>
+          </a:fillRef>
+          <a:effectRef idx="0">
+            <a:schemeClr val="accent1"/>
+          </a:effectRef>
+          <a:fontRef idx="minor">
+            <a:schemeClr val="tx1"/>
+          </a:fontRef>
+        </p:style>
+      </p:cxnSp>
+      <p:sp>
+        <p:nvSpPr>
+          <p:cNvPr id="10" name="文本框 9"/>
+          <p:cNvSpPr txBox="1"/>
+          <p:nvPr/>
+        </p:nvSpPr>
+        <p:spPr>
+          <a:xfrm>
+            <a:off x="6112908" y="1280883"/>
+            <a:ext cx="873957" cy="461665"/>
+          </a:xfrm>
+          <a:prstGeom prst="rect">
+            <a:avLst/>
+          </a:prstGeom>
+          <a:noFill/>
+        </p:spPr>
+        <p:txBody>
+          <a:bodyPr wrap="none" rtlCol="0">
+            <a:spAutoFit/>
+          </a:bodyPr>
+          <a:lstStyle/>
+          <a:p>
+            <a:r>
+              <a:rPr lang="en-US" altLang="zh-CN" sz="2400" dirty="0" smtClean="0">
+                <a:solidFill>
+                  <a:schemeClr val="accent5">
+                    <a:lumMod val="60000"/>
+                    <a:lumOff val="40000"/>
+                  </a:schemeClr>
+                </a:solidFill>
+              </a:rPr>
+              <a:t>Input</a:t>
+            </a:r>
+            <a:endParaRPr lang="zh-CN" altLang="en-US" sz="2400" dirty="0">
+              <a:solidFill>
+                <a:schemeClr val="accent5">
+                  <a:lumMod val="60000"/>
+                  <a:lumOff val="40000"/>
+                </a:schemeClr>
+              </a:solidFill>
+            </a:endParaRPr>
+          </a:p>
+        </p:txBody>
+      </p:sp>
+      <p:cxnSp>
+        <p:nvCxnSpPr>
+          <p:cNvPr id="15" name="直接箭头连接符 14"/>
+          <p:cNvCxnSpPr>
+            <a:stCxn id="4" idx="3"/>
+            <a:endCxn id="5" idx="0"/>
+          </p:cNvCxnSpPr>
+          <p:nvPr/>
+        </p:nvCxnSpPr>
+        <p:spPr>
+          <a:xfrm>
+            <a:off x="4055166" y="1511717"/>
+            <a:ext cx="1893060" cy="1153295"/>
+          </a:xfrm>
+          <a:prstGeom prst="straightConnector1">
+            <a:avLst/>
+          </a:prstGeom>
+          <a:ln>
+            <a:tailEnd type="triangle"/>
+          </a:ln>
+        </p:spPr>
+        <p:style>
+          <a:lnRef idx="1">
+            <a:schemeClr val="accent1"/>
+          </a:lnRef>
+          <a:fillRef idx="0">
+            <a:schemeClr val="accent1"/>
+          </a:fillRef>
+          <a:effectRef idx="0">
+            <a:schemeClr val="accent1"/>
+          </a:effectRef>
+          <a:fontRef idx="minor">
+            <a:schemeClr val="tx1"/>
+          </a:fontRef>
+        </p:style>
+      </p:cxnSp>
+      <p:cxnSp>
+        <p:nvCxnSpPr>
+          <p:cNvPr id="18" name="直接箭头连接符 17"/>
+          <p:cNvCxnSpPr>
+            <a:stCxn id="6" idx="3"/>
+            <a:endCxn id="5" idx="2"/>
+          </p:cNvCxnSpPr>
+          <p:nvPr/>
+        </p:nvCxnSpPr>
+        <p:spPr>
+          <a:xfrm flipV="1">
+            <a:off x="4055166" y="3819889"/>
+            <a:ext cx="1893060" cy="1110226"/>
+          </a:xfrm>
+          <a:prstGeom prst="straightConnector1">
+            <a:avLst/>
+          </a:prstGeom>
+          <a:ln>
+            <a:headEnd type="triangle"/>
+            <a:tailEnd type="triangle"/>
+          </a:ln>
+        </p:spPr>
+        <p:style>
+          <a:lnRef idx="1">
+            <a:schemeClr val="accent1"/>
+          </a:lnRef>
+          <a:fillRef idx="0">
+            <a:schemeClr val="accent1"/>
+          </a:fillRef>
+          <a:effectRef idx="0">
+            <a:schemeClr val="accent1"/>
+          </a:effectRef>
+          <a:fontRef idx="minor">
+            <a:schemeClr val="tx1"/>
+          </a:fontRef>
+        </p:style>
+      </p:cxnSp>
+    </p:spTree>
+    <p:extLst>
+      <p:ext uri="{BB962C8B-B14F-4D97-AF65-F5344CB8AC3E}">
+        <p14:creationId xmlns:p14="http://schemas.microsoft.com/office/powerpoint/2010/main" val="2008103992"/>
+      </p:ext>
+    </p:extLst>
+  </p:cSld>
+  <p:clrMapOvr>
+    <a:masterClrMapping/>
+  </p:clrMapOvr>
+</p:sld>
+</file>
+
+<file path=ppt/slides/slide11.xml><?xml version="1.0" encoding="utf-8"?>
+<p:sld xmlns:a="http://schemas.openxmlformats.org/drawingml/2006/main" xmlns:r="http://schemas.openxmlformats.org/officeDocument/2006/relationships" xmlns:p="http://schemas.openxmlformats.org/presentationml/2006/main">
+  <p:cSld>
+    <p:spTree>
+      <p:nvGrpSpPr>
+        <p:cNvPr id="1" name=""/>
+        <p:cNvGrpSpPr/>
+        <p:nvPr/>
+      </p:nvGrpSpPr>
+      <p:grpSpPr>
+        <a:xfrm>
+          <a:off x="0" y="0"/>
+          <a:ext cx="0" cy="0"/>
+          <a:chOff x="0" y="0"/>
+          <a:chExt cx="0" cy="0"/>
+        </a:xfrm>
+      </p:grpSpPr>
+      <p:pic>
+        <p:nvPicPr>
+          <p:cNvPr id="4" name="图片 3"/>
+          <p:cNvPicPr>
+            <a:picLocks noChangeAspect="1"/>
+          </p:cNvPicPr>
+          <p:nvPr/>
+        </p:nvPicPr>
+        <p:blipFill>
+          <a:blip r:embed="rId2"/>
+          <a:stretch>
+            <a:fillRect/>
+          </a:stretch>
+        </p:blipFill>
+        <p:spPr>
+          <a:xfrm>
+            <a:off x="2097916" y="609601"/>
+            <a:ext cx="7353638" cy="5708746"/>
+          </a:xfrm>
+          <a:prstGeom prst="rect">
+            <a:avLst/>
+          </a:prstGeom>
+        </p:spPr>
+      </p:pic>
+    </p:spTree>
+    <p:extLst>
+      <p:ext uri="{BB962C8B-B14F-4D97-AF65-F5344CB8AC3E}">
+        <p14:creationId xmlns:p14="http://schemas.microsoft.com/office/powerpoint/2010/main" val="3454130862"/>
+      </p:ext>
+    </p:extLst>
+  </p:cSld>
+  <p:clrMapOvr>
+    <a:masterClrMapping/>
+  </p:clrMapOvr>
+</p:sld>
+</file>
+
+<file path=ppt/slides/slide12.xml><?xml version="1.0" encoding="utf-8"?>
+<p:sld xmlns:a="http://schemas.openxmlformats.org/drawingml/2006/main" xmlns:r="http://schemas.openxmlformats.org/officeDocument/2006/relationships" xmlns:p="http://schemas.openxmlformats.org/presentationml/2006/main">
+  <p:cSld>
+    <p:spTree>
+      <p:nvGrpSpPr>
+        <p:cNvPr id="1" name=""/>
+        <p:cNvGrpSpPr/>
+        <p:nvPr/>
+      </p:nvGrpSpPr>
+      <p:grpSpPr>
+        <a:xfrm>
+          <a:off x="0" y="0"/>
+          <a:ext cx="0" cy="0"/>
+          <a:chOff x="0" y="0"/>
+          <a:chExt cx="0" cy="0"/>
+        </a:xfrm>
+      </p:grpSpPr>
+      <p:sp>
+        <p:nvSpPr>
+          <p:cNvPr id="4" name="矩形 3"/>
+          <p:cNvSpPr/>
+          <p:nvPr/>
+        </p:nvSpPr>
+        <p:spPr>
+          <a:xfrm>
+            <a:off x="2275840" y="1402080"/>
+            <a:ext cx="1412240" cy="772160"/>
+          </a:xfrm>
+          <a:prstGeom prst="rect">
+            <a:avLst/>
+          </a:prstGeom>
+        </p:spPr>
+        <p:style>
+          <a:lnRef idx="2">
+            <a:schemeClr val="accent6">
+              <a:shade val="50000"/>
+            </a:schemeClr>
+          </a:lnRef>
+          <a:fillRef idx="1">
+            <a:schemeClr val="accent6"/>
+          </a:fillRef>
+          <a:effectRef idx="0">
+            <a:schemeClr val="accent6"/>
+          </a:effectRef>
+          <a:fontRef idx="minor">
+            <a:schemeClr val="lt1"/>
+          </a:fontRef>
+        </p:style>
+        <p:txBody>
+          <a:bodyPr rtlCol="0" anchor="ctr"/>
+          <a:lstStyle/>
+          <a:p>
+            <a:pPr algn="ctr"/>
+            <a:r>
+              <a:rPr lang="zh-CN" altLang="en-US" dirty="0" smtClean="0"/>
+              <a:t>回调函数</a:t>
+            </a:r>
+            <a:endParaRPr lang="zh-CN" altLang="en-US" dirty="0"/>
+          </a:p>
+        </p:txBody>
+      </p:sp>
+      <p:sp>
+        <p:nvSpPr>
+          <p:cNvPr id="5" name="椭圆 4"/>
+          <p:cNvSpPr/>
+          <p:nvPr/>
+        </p:nvSpPr>
+        <p:spPr>
+          <a:xfrm>
+            <a:off x="6685280" y="990600"/>
+            <a:ext cx="1595120" cy="1595120"/>
+          </a:xfrm>
+          <a:prstGeom prst="ellipse">
+            <a:avLst/>
+          </a:prstGeom>
+        </p:spPr>
+        <p:style>
+          <a:lnRef idx="2">
+            <a:schemeClr val="accent6">
+              <a:shade val="50000"/>
+            </a:schemeClr>
+          </a:lnRef>
+          <a:fillRef idx="1">
+            <a:schemeClr val="accent6"/>
+          </a:fillRef>
+          <a:effectRef idx="0">
+            <a:schemeClr val="accent6"/>
+          </a:effectRef>
+          <a:fontRef idx="minor">
+            <a:schemeClr val="lt1"/>
+          </a:fontRef>
+        </p:style>
+        <p:txBody>
+          <a:bodyPr rtlCol="0" anchor="ctr"/>
+          <a:lstStyle/>
+          <a:p>
+            <a:pPr algn="ctr"/>
+            <a:r>
+              <a:rPr lang="zh-CN" altLang="en-US" dirty="0"/>
+              <a:t>事件循环</a:t>
+            </a:r>
+          </a:p>
+        </p:txBody>
+      </p:sp>
+      <p:grpSp>
+        <p:nvGrpSpPr>
+          <p:cNvPr id="9" name="组合 8"/>
+          <p:cNvGrpSpPr/>
+          <p:nvPr/>
+        </p:nvGrpSpPr>
+        <p:grpSpPr>
+          <a:xfrm>
+            <a:off x="1259840" y="3134360"/>
+            <a:ext cx="3434080" cy="2340000"/>
+            <a:chOff x="1381760" y="3246120"/>
+            <a:chExt cx="3434080" cy="2340000"/>
+          </a:xfrm>
+        </p:grpSpPr>
+        <p:sp>
+          <p:nvSpPr>
+            <p:cNvPr id="6" name="矩形 5"/>
+            <p:cNvSpPr/>
+            <p:nvPr/>
+          </p:nvSpPr>
+          <p:spPr>
+            <a:xfrm>
+              <a:off x="1381760" y="3246120"/>
+              <a:ext cx="756000" cy="2340000"/>
+            </a:xfrm>
+            <a:prstGeom prst="rect">
+              <a:avLst/>
+            </a:prstGeom>
+          </p:spPr>
+          <p:style>
+            <a:lnRef idx="2">
+              <a:schemeClr val="accent6">
+                <a:shade val="50000"/>
+              </a:schemeClr>
+            </a:lnRef>
+            <a:fillRef idx="1">
+              <a:schemeClr val="accent6"/>
+            </a:fillRef>
+            <a:effectRef idx="0">
+              <a:schemeClr val="accent6"/>
+            </a:effectRef>
+            <a:fontRef idx="minor">
+              <a:schemeClr val="lt1"/>
+            </a:fontRef>
+          </p:style>
+          <p:txBody>
+            <a:bodyPr rtlCol="0" anchor="ctr"/>
+            <a:lstStyle/>
+            <a:p>
+              <a:pPr algn="ctr"/>
+              <a:r>
+                <a:rPr lang="zh-CN" altLang="en-US" dirty="0" smtClean="0"/>
+                <a:t>磁盘</a:t>
+              </a:r>
+              <a:r>
+                <a:rPr lang="en-US" altLang="zh-CN" dirty="0" smtClean="0"/>
+                <a:t>I/O</a:t>
+              </a:r>
+              <a:endParaRPr lang="zh-CN" altLang="en-US" dirty="0"/>
+            </a:p>
+          </p:txBody>
+        </p:sp>
+        <p:sp>
+          <p:nvSpPr>
+            <p:cNvPr id="7" name="矩形 6"/>
+            <p:cNvSpPr/>
+            <p:nvPr/>
+          </p:nvSpPr>
+          <p:spPr>
+            <a:xfrm>
+              <a:off x="2720800" y="3246120"/>
+              <a:ext cx="756000" cy="2340000"/>
+            </a:xfrm>
+            <a:prstGeom prst="rect">
+              <a:avLst/>
+            </a:prstGeom>
+          </p:spPr>
+          <p:style>
+            <a:lnRef idx="2">
+              <a:schemeClr val="accent6">
+                <a:shade val="50000"/>
+              </a:schemeClr>
+            </a:lnRef>
+            <a:fillRef idx="1">
+              <a:schemeClr val="accent6"/>
+            </a:fillRef>
+            <a:effectRef idx="0">
+              <a:schemeClr val="accent6"/>
+            </a:effectRef>
+            <a:fontRef idx="minor">
+              <a:schemeClr val="lt1"/>
+            </a:fontRef>
+          </p:style>
+          <p:txBody>
+            <a:bodyPr rtlCol="0" anchor="ctr"/>
+            <a:lstStyle/>
+            <a:p>
+              <a:pPr algn="ctr"/>
+              <a:r>
+                <a:rPr lang="zh-CN" altLang="en-US" dirty="0" smtClean="0"/>
+                <a:t>网络通信</a:t>
+              </a:r>
+              <a:endParaRPr lang="zh-CN" altLang="en-US" dirty="0"/>
+            </a:p>
+          </p:txBody>
+        </p:sp>
+        <p:sp>
+          <p:nvSpPr>
+            <p:cNvPr id="8" name="矩形 7"/>
+            <p:cNvSpPr/>
+            <p:nvPr/>
+          </p:nvSpPr>
+          <p:spPr>
+            <a:xfrm>
+              <a:off x="4059840" y="3246120"/>
+              <a:ext cx="756000" cy="2340000"/>
+            </a:xfrm>
+            <a:prstGeom prst="rect">
+              <a:avLst/>
+            </a:prstGeom>
+          </p:spPr>
+          <p:style>
+            <a:lnRef idx="2">
+              <a:schemeClr val="accent6">
+                <a:shade val="50000"/>
+              </a:schemeClr>
+            </a:lnRef>
+            <a:fillRef idx="1">
+              <a:schemeClr val="accent6"/>
+            </a:fillRef>
+            <a:effectRef idx="0">
+              <a:schemeClr val="accent6"/>
+            </a:effectRef>
+            <a:fontRef idx="minor">
+              <a:schemeClr val="lt1"/>
+            </a:fontRef>
+          </p:style>
+          <p:txBody>
+            <a:bodyPr rtlCol="0" anchor="ctr"/>
+            <a:lstStyle/>
+            <a:p>
+              <a:pPr algn="ctr"/>
+              <a:r>
+                <a:rPr lang="zh-CN" altLang="en-US" dirty="0" smtClean="0"/>
+                <a:t>数据库查询</a:t>
+              </a:r>
+              <a:endParaRPr lang="zh-CN" altLang="en-US" dirty="0"/>
+            </a:p>
+          </p:txBody>
+        </p:sp>
+      </p:grpSp>
+      <p:sp>
+        <p:nvSpPr>
+          <p:cNvPr id="10" name="矩形 9"/>
+          <p:cNvSpPr/>
+          <p:nvPr/>
+        </p:nvSpPr>
+        <p:spPr>
+          <a:xfrm>
+            <a:off x="6913880" y="3134360"/>
+            <a:ext cx="1137920" cy="2340000"/>
+          </a:xfrm>
+          <a:prstGeom prst="rect">
+            <a:avLst/>
+          </a:prstGeom>
+        </p:spPr>
+        <p:style>
+          <a:lnRef idx="2">
+            <a:schemeClr val="accent6">
+              <a:shade val="50000"/>
+            </a:schemeClr>
+          </a:lnRef>
+          <a:fillRef idx="1">
+            <a:schemeClr val="accent6"/>
+          </a:fillRef>
+          <a:effectRef idx="0">
+            <a:schemeClr val="accent6"/>
+          </a:effectRef>
+          <a:fontRef idx="minor">
+            <a:schemeClr val="lt1"/>
+          </a:fontRef>
+        </p:style>
+        <p:txBody>
+          <a:bodyPr rtlCol="0" anchor="ctr"/>
+          <a:lstStyle/>
+          <a:p>
+            <a:pPr algn="ctr"/>
+            <a:r>
+              <a:rPr lang="zh-CN" altLang="en-US" dirty="0" smtClean="0"/>
+              <a:t>事件</a:t>
+            </a:r>
+            <a:endParaRPr lang="en-US" altLang="zh-CN" dirty="0" smtClean="0"/>
+          </a:p>
+          <a:p>
+            <a:pPr algn="ctr"/>
+            <a:r>
+              <a:rPr lang="zh-CN" altLang="en-US" dirty="0"/>
+              <a:t>事件</a:t>
+            </a:r>
+          </a:p>
+          <a:p>
+            <a:pPr algn="ctr"/>
+            <a:r>
+              <a:rPr lang="zh-CN" altLang="en-US" dirty="0"/>
+              <a:t>事件</a:t>
+            </a:r>
+          </a:p>
+          <a:p>
+            <a:pPr algn="ctr"/>
+            <a:r>
+              <a:rPr lang="zh-CN" altLang="en-US" dirty="0"/>
+              <a:t>事件</a:t>
+            </a:r>
+          </a:p>
+          <a:p>
+            <a:pPr algn="ctr"/>
+            <a:r>
+              <a:rPr lang="en-US" altLang="zh-CN" dirty="0" smtClean="0"/>
+              <a:t>……</a:t>
+            </a:r>
+            <a:endParaRPr lang="zh-CN" altLang="en-US" dirty="0"/>
+          </a:p>
+        </p:txBody>
+      </p:sp>
+      <p:cxnSp>
+        <p:nvCxnSpPr>
+          <p:cNvPr id="12" name="肘形连接符 11"/>
+          <p:cNvCxnSpPr>
+            <a:stCxn id="5" idx="0"/>
+            <a:endCxn id="4" idx="0"/>
+          </p:cNvCxnSpPr>
+          <p:nvPr/>
+        </p:nvCxnSpPr>
+        <p:spPr>
+          <a:xfrm rot="16200000" flipH="1" flipV="1">
+            <a:off x="5026660" y="-1054100"/>
+            <a:ext cx="411480" cy="4500880"/>
+          </a:xfrm>
+          <a:prstGeom prst="bentConnector3">
+            <a:avLst>
+              <a:gd name="adj1" fmla="val -55556"/>
+            </a:avLst>
+          </a:prstGeom>
+          <a:ln>
+            <a:tailEnd type="triangle"/>
+          </a:ln>
+        </p:spPr>
+        <p:style>
+          <a:lnRef idx="1">
+            <a:schemeClr val="accent1"/>
+          </a:lnRef>
+          <a:fillRef idx="0">
+            <a:schemeClr val="accent1"/>
+          </a:fillRef>
+          <a:effectRef idx="0">
+            <a:schemeClr val="accent1"/>
+          </a:effectRef>
+          <a:fontRef idx="minor">
+            <a:schemeClr val="tx1"/>
+          </a:fontRef>
+        </p:style>
+      </p:cxnSp>
+      <p:cxnSp>
+        <p:nvCxnSpPr>
+          <p:cNvPr id="20" name="直接箭头连接符 19"/>
+          <p:cNvCxnSpPr>
+            <a:stCxn id="4" idx="3"/>
+            <a:endCxn id="5" idx="2"/>
+          </p:cNvCxnSpPr>
+          <p:nvPr/>
+        </p:nvCxnSpPr>
+        <p:spPr>
+          <a:xfrm>
+            <a:off x="3688080" y="1788160"/>
+            <a:ext cx="2997200" cy="0"/>
+          </a:xfrm>
+          <a:prstGeom prst="straightConnector1">
+            <a:avLst/>
+          </a:prstGeom>
+          <a:ln>
+            <a:tailEnd type="triangle"/>
+          </a:ln>
+        </p:spPr>
+        <p:style>
+          <a:lnRef idx="1">
+            <a:schemeClr val="accent1"/>
+          </a:lnRef>
+          <a:fillRef idx="0">
+            <a:schemeClr val="accent1"/>
+          </a:fillRef>
+          <a:effectRef idx="0">
+            <a:schemeClr val="accent1"/>
+          </a:effectRef>
+          <a:fontRef idx="minor">
+            <a:schemeClr val="tx1"/>
+          </a:fontRef>
+        </p:style>
+      </p:cxnSp>
+      <p:cxnSp>
+        <p:nvCxnSpPr>
+          <p:cNvPr id="23" name="直接箭头连接符 22"/>
+          <p:cNvCxnSpPr>
+            <a:stCxn id="10" idx="0"/>
+            <a:endCxn id="5" idx="4"/>
+          </p:cNvCxnSpPr>
+          <p:nvPr/>
+        </p:nvCxnSpPr>
+        <p:spPr>
+          <a:xfrm flipV="1">
+            <a:off x="7482840" y="2585720"/>
+            <a:ext cx="0" cy="548640"/>
+          </a:xfrm>
+          <a:prstGeom prst="straightConnector1">
+            <a:avLst/>
+          </a:prstGeom>
+          <a:ln>
+            <a:tailEnd type="triangle"/>
+          </a:ln>
+        </p:spPr>
+        <p:style>
+          <a:lnRef idx="1">
+            <a:schemeClr val="accent1"/>
+          </a:lnRef>
+          <a:fillRef idx="0">
+            <a:schemeClr val="accent1"/>
+          </a:fillRef>
+          <a:effectRef idx="0">
+            <a:schemeClr val="accent1"/>
+          </a:effectRef>
+          <a:fontRef idx="minor">
+            <a:schemeClr val="tx1"/>
+          </a:fontRef>
+        </p:style>
+      </p:cxnSp>
+      <p:cxnSp>
+        <p:nvCxnSpPr>
+          <p:cNvPr id="27" name="肘形连接符 26"/>
+          <p:cNvCxnSpPr>
+            <a:stCxn id="4" idx="2"/>
+            <a:endCxn id="6" idx="0"/>
+          </p:cNvCxnSpPr>
+          <p:nvPr/>
+        </p:nvCxnSpPr>
+        <p:spPr>
+          <a:xfrm rot="5400000">
+            <a:off x="1829840" y="1982240"/>
+            <a:ext cx="960120" cy="1344120"/>
+          </a:xfrm>
+          <a:prstGeom prst="bentConnector3">
+            <a:avLst/>
+          </a:prstGeom>
+          <a:ln>
+            <a:tailEnd type="triangle"/>
+          </a:ln>
+        </p:spPr>
+        <p:style>
+          <a:lnRef idx="1">
+            <a:schemeClr val="accent1"/>
+          </a:lnRef>
+          <a:fillRef idx="0">
+            <a:schemeClr val="accent1"/>
+          </a:fillRef>
+          <a:effectRef idx="0">
+            <a:schemeClr val="accent1"/>
+          </a:effectRef>
+          <a:fontRef idx="minor">
+            <a:schemeClr val="tx1"/>
+          </a:fontRef>
+        </p:style>
+      </p:cxnSp>
+      <p:cxnSp>
+        <p:nvCxnSpPr>
+          <p:cNvPr id="30" name="肘形连接符 29"/>
+          <p:cNvCxnSpPr>
+            <a:stCxn id="4" idx="2"/>
+            <a:endCxn id="7" idx="0"/>
+          </p:cNvCxnSpPr>
+          <p:nvPr/>
+        </p:nvCxnSpPr>
+        <p:spPr>
+          <a:xfrm rot="5400000">
+            <a:off x="2499360" y="2651760"/>
+            <a:ext cx="960120" cy="5080"/>
+          </a:xfrm>
+          <a:prstGeom prst="bentConnector3">
+            <a:avLst/>
+          </a:prstGeom>
+          <a:ln>
+            <a:tailEnd type="triangle"/>
+          </a:ln>
+        </p:spPr>
+        <p:style>
+          <a:lnRef idx="1">
+            <a:schemeClr val="accent1"/>
+          </a:lnRef>
+          <a:fillRef idx="0">
+            <a:schemeClr val="accent1"/>
+          </a:fillRef>
+          <a:effectRef idx="0">
+            <a:schemeClr val="accent1"/>
+          </a:effectRef>
+          <a:fontRef idx="minor">
+            <a:schemeClr val="tx1"/>
+          </a:fontRef>
+        </p:style>
+      </p:cxnSp>
+      <p:cxnSp>
+        <p:nvCxnSpPr>
+          <p:cNvPr id="33" name="肘形连接符 32"/>
+          <p:cNvCxnSpPr>
+            <a:stCxn id="4" idx="2"/>
+            <a:endCxn id="8" idx="0"/>
+          </p:cNvCxnSpPr>
+          <p:nvPr/>
+        </p:nvCxnSpPr>
+        <p:spPr>
+          <a:xfrm rot="16200000" flipH="1">
+            <a:off x="3168880" y="1987320"/>
+            <a:ext cx="960120" cy="1333960"/>
+          </a:xfrm>
+          <a:prstGeom prst="bentConnector3">
+            <a:avLst/>
+          </a:prstGeom>
+          <a:ln>
+            <a:tailEnd type="triangle"/>
+          </a:ln>
+        </p:spPr>
+        <p:style>
+          <a:lnRef idx="1">
+            <a:schemeClr val="accent1"/>
+          </a:lnRef>
+          <a:fillRef idx="0">
+            <a:schemeClr val="accent1"/>
+          </a:fillRef>
+          <a:effectRef idx="0">
+            <a:schemeClr val="accent1"/>
+          </a:effectRef>
+          <a:fontRef idx="minor">
+            <a:schemeClr val="tx1"/>
+          </a:fontRef>
+        </p:style>
+      </p:cxnSp>
+      <p:cxnSp>
+        <p:nvCxnSpPr>
+          <p:cNvPr id="36" name="肘形连接符 35"/>
+          <p:cNvCxnSpPr>
+            <a:stCxn id="6" idx="2"/>
+            <a:endCxn id="10" idx="2"/>
+          </p:cNvCxnSpPr>
+          <p:nvPr/>
+        </p:nvCxnSpPr>
+        <p:spPr>
+          <a:xfrm rot="16200000" flipH="1">
+            <a:off x="4560340" y="2551860"/>
+            <a:ext cx="12700" cy="5845000"/>
+          </a:xfrm>
+          <a:prstGeom prst="bentConnector3">
+            <a:avLst>
+              <a:gd name="adj1" fmla="val 7480000"/>
+            </a:avLst>
+          </a:prstGeom>
+          <a:ln>
+            <a:tailEnd type="triangle"/>
+          </a:ln>
+        </p:spPr>
+        <p:style>
+          <a:lnRef idx="1">
+            <a:schemeClr val="accent1"/>
+          </a:lnRef>
+          <a:fillRef idx="0">
+            <a:schemeClr val="accent1"/>
+          </a:fillRef>
+          <a:effectRef idx="0">
+            <a:schemeClr val="accent1"/>
+          </a:effectRef>
+          <a:fontRef idx="minor">
+            <a:schemeClr val="tx1"/>
+          </a:fontRef>
+        </p:style>
+      </p:cxnSp>
+      <p:cxnSp>
+        <p:nvCxnSpPr>
+          <p:cNvPr id="40" name="肘形连接符 39"/>
+          <p:cNvCxnSpPr>
+            <a:stCxn id="7" idx="2"/>
+            <a:endCxn id="10" idx="2"/>
+          </p:cNvCxnSpPr>
+          <p:nvPr/>
+        </p:nvCxnSpPr>
+        <p:spPr>
+          <a:xfrm rot="16200000" flipH="1">
+            <a:off x="5229860" y="3221380"/>
+            <a:ext cx="12700" cy="4505960"/>
+          </a:xfrm>
+          <a:prstGeom prst="bentConnector3">
+            <a:avLst>
+              <a:gd name="adj1" fmla="val 5000000"/>
+            </a:avLst>
+          </a:prstGeom>
+          <a:ln>
+            <a:tailEnd type="triangle"/>
+          </a:ln>
+        </p:spPr>
+        <p:style>
+          <a:lnRef idx="1">
+            <a:schemeClr val="accent1"/>
+          </a:lnRef>
+          <a:fillRef idx="0">
+            <a:schemeClr val="accent1"/>
+          </a:fillRef>
+          <a:effectRef idx="0">
+            <a:schemeClr val="accent1"/>
+          </a:effectRef>
+          <a:fontRef idx="minor">
+            <a:schemeClr val="tx1"/>
+          </a:fontRef>
+        </p:style>
+      </p:cxnSp>
+      <p:cxnSp>
+        <p:nvCxnSpPr>
+          <p:cNvPr id="44" name="肘形连接符 43"/>
+          <p:cNvCxnSpPr>
+            <a:stCxn id="8" idx="2"/>
+            <a:endCxn id="10" idx="2"/>
+          </p:cNvCxnSpPr>
+          <p:nvPr/>
+        </p:nvCxnSpPr>
+        <p:spPr>
+          <a:xfrm rot="16200000" flipH="1">
+            <a:off x="5899380" y="3890900"/>
+            <a:ext cx="12700" cy="3166920"/>
+          </a:xfrm>
+          <a:prstGeom prst="bentConnector3">
+            <a:avLst>
+              <a:gd name="adj1" fmla="val 2760000"/>
+            </a:avLst>
+          </a:prstGeom>
+          <a:ln>
+            <a:tailEnd type="triangle"/>
+          </a:ln>
+        </p:spPr>
+        <p:style>
+          <a:lnRef idx="1">
+            <a:schemeClr val="accent1"/>
+          </a:lnRef>
+          <a:fillRef idx="0">
+            <a:schemeClr val="accent1"/>
+          </a:fillRef>
+          <a:effectRef idx="0">
+            <a:schemeClr val="accent1"/>
+          </a:effectRef>
+          <a:fontRef idx="minor">
+            <a:schemeClr val="tx1"/>
+          </a:fontRef>
+        </p:style>
+      </p:cxnSp>
+    </p:spTree>
+    <p:extLst>
+      <p:ext uri="{BB962C8B-B14F-4D97-AF65-F5344CB8AC3E}">
+        <p14:creationId xmlns:p14="http://schemas.microsoft.com/office/powerpoint/2010/main" val="2069699226"/>
       </p:ext>
     </p:extLst>
   </p:cSld>
@@ -13130,6 +14208,369 @@
 </p:sld>
 </file>
 
+<file path=ppt/slides/slide9.xml><?xml version="1.0" encoding="utf-8"?>
+<p:sld xmlns:a="http://schemas.openxmlformats.org/drawingml/2006/main" xmlns:r="http://schemas.openxmlformats.org/officeDocument/2006/relationships" xmlns:p="http://schemas.openxmlformats.org/presentationml/2006/main">
+  <p:cSld>
+    <p:spTree>
+      <p:nvGrpSpPr>
+        <p:cNvPr id="1" name=""/>
+        <p:cNvGrpSpPr/>
+        <p:nvPr/>
+      </p:nvGrpSpPr>
+      <p:grpSpPr>
+        <a:xfrm>
+          <a:off x="0" y="0"/>
+          <a:ext cx="0" cy="0"/>
+          <a:chOff x="0" y="0"/>
+          <a:chExt cx="0" cy="0"/>
+        </a:xfrm>
+      </p:grpSpPr>
+      <p:sp>
+        <p:nvSpPr>
+          <p:cNvPr id="4" name="圆角矩形 3"/>
+          <p:cNvSpPr/>
+          <p:nvPr/>
+        </p:nvSpPr>
+        <p:spPr>
+          <a:xfrm>
+            <a:off x="1977888" y="934278"/>
+            <a:ext cx="2077278" cy="1154877"/>
+          </a:xfrm>
+          <a:prstGeom prst="roundRect">
+            <a:avLst/>
+          </a:prstGeom>
+          <a:solidFill>
+            <a:schemeClr val="accent6">
+              <a:lumMod val="60000"/>
+              <a:lumOff val="40000"/>
+            </a:schemeClr>
+          </a:solidFill>
+        </p:spPr>
+        <p:style>
+          <a:lnRef idx="3">
+            <a:schemeClr val="lt1"/>
+          </a:lnRef>
+          <a:fillRef idx="1">
+            <a:schemeClr val="accent6"/>
+          </a:fillRef>
+          <a:effectRef idx="1">
+            <a:schemeClr val="accent6"/>
+          </a:effectRef>
+          <a:fontRef idx="minor">
+            <a:schemeClr val="lt1"/>
+          </a:fontRef>
+        </p:style>
+        <p:txBody>
+          <a:bodyPr rtlCol="0" anchor="ctr"/>
+          <a:lstStyle/>
+          <a:p>
+            <a:pPr algn="ctr"/>
+            <a:r>
+              <a:rPr lang="en-US" altLang="zh-CN" sz="2800" dirty="0" smtClean="0"/>
+              <a:t>View</a:t>
+            </a:r>
+            <a:endParaRPr lang="zh-CN" altLang="en-US" sz="2800" dirty="0"/>
+          </a:p>
+        </p:txBody>
+      </p:sp>
+      <p:sp>
+        <p:nvSpPr>
+          <p:cNvPr id="5" name="圆角矩形 4"/>
+          <p:cNvSpPr/>
+          <p:nvPr/>
+        </p:nvSpPr>
+        <p:spPr>
+          <a:xfrm>
+            <a:off x="4972879" y="2756452"/>
+            <a:ext cx="2077278" cy="1154877"/>
+          </a:xfrm>
+          <a:prstGeom prst="roundRect">
+            <a:avLst/>
+          </a:prstGeom>
+          <a:solidFill>
+            <a:schemeClr val="accent5">
+              <a:lumMod val="60000"/>
+              <a:lumOff val="40000"/>
+            </a:schemeClr>
+          </a:solidFill>
+        </p:spPr>
+        <p:style>
+          <a:lnRef idx="3">
+            <a:schemeClr val="lt1"/>
+          </a:lnRef>
+          <a:fillRef idx="1">
+            <a:schemeClr val="accent6"/>
+          </a:fillRef>
+          <a:effectRef idx="1">
+            <a:schemeClr val="accent6"/>
+          </a:effectRef>
+          <a:fontRef idx="minor">
+            <a:schemeClr val="lt1"/>
+          </a:fontRef>
+        </p:style>
+        <p:txBody>
+          <a:bodyPr rtlCol="0" anchor="ctr"/>
+          <a:lstStyle/>
+          <a:p>
+            <a:pPr algn="ctr"/>
+            <a:r>
+              <a:rPr lang="en-US" altLang="zh-CN" sz="2800" dirty="0" smtClean="0"/>
+              <a:t>Controller</a:t>
+            </a:r>
+            <a:endParaRPr lang="zh-CN" altLang="en-US" sz="2800" dirty="0"/>
+          </a:p>
+        </p:txBody>
+      </p:sp>
+      <p:sp>
+        <p:nvSpPr>
+          <p:cNvPr id="6" name="圆角矩形 5"/>
+          <p:cNvSpPr/>
+          <p:nvPr/>
+        </p:nvSpPr>
+        <p:spPr>
+          <a:xfrm>
+            <a:off x="1977888" y="4687956"/>
+            <a:ext cx="2077278" cy="1154877"/>
+          </a:xfrm>
+          <a:prstGeom prst="roundRect">
+            <a:avLst/>
+          </a:prstGeom>
+          <a:solidFill>
+            <a:schemeClr val="accent2">
+              <a:lumMod val="60000"/>
+              <a:lumOff val="40000"/>
+            </a:schemeClr>
+          </a:solidFill>
+        </p:spPr>
+        <p:style>
+          <a:lnRef idx="3">
+            <a:schemeClr val="lt1"/>
+          </a:lnRef>
+          <a:fillRef idx="1">
+            <a:schemeClr val="accent6"/>
+          </a:fillRef>
+          <a:effectRef idx="1">
+            <a:schemeClr val="accent6"/>
+          </a:effectRef>
+          <a:fontRef idx="minor">
+            <a:schemeClr val="lt1"/>
+          </a:fontRef>
+        </p:style>
+        <p:txBody>
+          <a:bodyPr rtlCol="0" anchor="ctr"/>
+          <a:lstStyle/>
+          <a:p>
+            <a:pPr algn="ctr"/>
+            <a:r>
+              <a:rPr lang="en-US" altLang="zh-CN" sz="2800" dirty="0" smtClean="0"/>
+              <a:t>Model</a:t>
+            </a:r>
+            <a:endParaRPr lang="zh-CN" altLang="en-US" sz="2800" dirty="0"/>
+          </a:p>
+        </p:txBody>
+      </p:sp>
+      <p:cxnSp>
+        <p:nvCxnSpPr>
+          <p:cNvPr id="8" name="直接箭头连接符 7"/>
+          <p:cNvCxnSpPr>
+            <a:stCxn id="5" idx="0"/>
+            <a:endCxn id="4" idx="3"/>
+          </p:cNvCxnSpPr>
+          <p:nvPr/>
+        </p:nvCxnSpPr>
+        <p:spPr>
+          <a:xfrm flipH="1" flipV="1">
+            <a:off x="4055166" y="1511717"/>
+            <a:ext cx="1956352" cy="1244735"/>
+          </a:xfrm>
+          <a:prstGeom prst="straightConnector1">
+            <a:avLst/>
+          </a:prstGeom>
+          <a:ln>
+            <a:tailEnd type="triangle"/>
+          </a:ln>
+        </p:spPr>
+        <p:style>
+          <a:lnRef idx="1">
+            <a:schemeClr val="accent1"/>
+          </a:lnRef>
+          <a:fillRef idx="0">
+            <a:schemeClr val="accent1"/>
+          </a:fillRef>
+          <a:effectRef idx="0">
+            <a:schemeClr val="accent1"/>
+          </a:effectRef>
+          <a:fontRef idx="minor">
+            <a:schemeClr val="tx1"/>
+          </a:fontRef>
+        </p:style>
+      </p:cxnSp>
+      <p:cxnSp>
+        <p:nvCxnSpPr>
+          <p:cNvPr id="10" name="直接箭头连接符 9"/>
+          <p:cNvCxnSpPr>
+            <a:stCxn id="5" idx="2"/>
+            <a:endCxn id="6" idx="3"/>
+          </p:cNvCxnSpPr>
+          <p:nvPr/>
+        </p:nvCxnSpPr>
+        <p:spPr>
+          <a:xfrm flipH="1">
+            <a:off x="4055166" y="3911329"/>
+            <a:ext cx="1956352" cy="1354066"/>
+          </a:xfrm>
+          <a:prstGeom prst="straightConnector1">
+            <a:avLst/>
+          </a:prstGeom>
+          <a:ln>
+            <a:tailEnd type="triangle"/>
+          </a:ln>
+        </p:spPr>
+        <p:style>
+          <a:lnRef idx="1">
+            <a:schemeClr val="accent1"/>
+          </a:lnRef>
+          <a:fillRef idx="0">
+            <a:schemeClr val="accent1"/>
+          </a:fillRef>
+          <a:effectRef idx="0">
+            <a:schemeClr val="accent1"/>
+          </a:effectRef>
+          <a:fontRef idx="minor">
+            <a:schemeClr val="tx1"/>
+          </a:fontRef>
+        </p:style>
+      </p:cxnSp>
+      <p:cxnSp>
+        <p:nvCxnSpPr>
+          <p:cNvPr id="16" name="直接箭头连接符 15"/>
+          <p:cNvCxnSpPr/>
+          <p:nvPr/>
+        </p:nvCxnSpPr>
+        <p:spPr>
+          <a:xfrm>
+            <a:off x="6549887" y="2089155"/>
+            <a:ext cx="0" cy="667297"/>
+          </a:xfrm>
+          <a:prstGeom prst="straightConnector1">
+            <a:avLst/>
+          </a:prstGeom>
+          <a:ln>
+            <a:tailEnd type="triangle"/>
+          </a:ln>
+        </p:spPr>
+        <p:style>
+          <a:lnRef idx="1">
+            <a:schemeClr val="accent1"/>
+          </a:lnRef>
+          <a:fillRef idx="0">
+            <a:schemeClr val="accent1"/>
+          </a:fillRef>
+          <a:effectRef idx="0">
+            <a:schemeClr val="accent1"/>
+          </a:effectRef>
+          <a:fontRef idx="minor">
+            <a:schemeClr val="tx1"/>
+          </a:fontRef>
+        </p:style>
+      </p:cxnSp>
+      <p:sp>
+        <p:nvSpPr>
+          <p:cNvPr id="18" name="文本框 17"/>
+          <p:cNvSpPr txBox="1"/>
+          <p:nvPr/>
+        </p:nvSpPr>
+        <p:spPr>
+          <a:xfrm>
+            <a:off x="6112908" y="1627490"/>
+            <a:ext cx="873957" cy="461665"/>
+          </a:xfrm>
+          <a:prstGeom prst="rect">
+            <a:avLst/>
+          </a:prstGeom>
+          <a:noFill/>
+        </p:spPr>
+        <p:txBody>
+          <a:bodyPr wrap="none" rtlCol="0">
+            <a:spAutoFit/>
+          </a:bodyPr>
+          <a:lstStyle/>
+          <a:p>
+            <a:r>
+              <a:rPr lang="en-US" altLang="zh-CN" sz="2400" dirty="0" smtClean="0">
+                <a:solidFill>
+                  <a:schemeClr val="accent5">
+                    <a:lumMod val="60000"/>
+                    <a:lumOff val="40000"/>
+                  </a:schemeClr>
+                </a:solidFill>
+              </a:rPr>
+              <a:t>Input</a:t>
+            </a:r>
+            <a:endParaRPr lang="zh-CN" altLang="en-US" sz="2400" dirty="0">
+              <a:solidFill>
+                <a:schemeClr val="accent5">
+                  <a:lumMod val="60000"/>
+                  <a:lumOff val="40000"/>
+                </a:schemeClr>
+              </a:solidFill>
+            </a:endParaRPr>
+          </a:p>
+        </p:txBody>
+      </p:sp>
+      <p:cxnSp>
+        <p:nvCxnSpPr>
+          <p:cNvPr id="20" name="直接箭头连接符 19"/>
+          <p:cNvCxnSpPr>
+            <a:stCxn id="6" idx="0"/>
+            <a:endCxn id="4" idx="2"/>
+          </p:cNvCxnSpPr>
+          <p:nvPr/>
+        </p:nvCxnSpPr>
+        <p:spPr>
+          <a:xfrm flipV="1">
+            <a:off x="3016527" y="2089155"/>
+            <a:ext cx="0" cy="2598801"/>
+          </a:xfrm>
+          <a:prstGeom prst="straightConnector1">
+            <a:avLst/>
+          </a:prstGeom>
+          <a:ln>
+            <a:solidFill>
+              <a:schemeClr val="accent1"/>
+            </a:solidFill>
+            <a:prstDash val="dash"/>
+            <a:tailEnd type="triangle"/>
+          </a:ln>
+        </p:spPr>
+        <p:style>
+          <a:lnRef idx="1">
+            <a:schemeClr val="accent1"/>
+          </a:lnRef>
+          <a:fillRef idx="0">
+            <a:schemeClr val="accent1"/>
+          </a:fillRef>
+          <a:effectRef idx="0">
+            <a:schemeClr val="accent1"/>
+          </a:effectRef>
+          <a:fontRef idx="minor">
+            <a:schemeClr val="tx1"/>
+          </a:fontRef>
+        </p:style>
+      </p:cxnSp>
+    </p:spTree>
+    <p:extLst>
+      <p:ext uri="{BB962C8B-B14F-4D97-AF65-F5344CB8AC3E}">
+        <p14:creationId xmlns:p14="http://schemas.microsoft.com/office/powerpoint/2010/main" val="2260682096"/>
+      </p:ext>
+    </p:extLst>
+  </p:cSld>
+  <p:clrMapOvr>
+    <a:masterClrMapping/>
+  </p:clrMapOvr>
+</p:sld>
+</file>
+
 <file path=ppt/theme/theme1.xml><?xml version="1.0" encoding="utf-8"?>
 <a:theme xmlns:a="http://schemas.openxmlformats.org/drawingml/2006/main" name="Office 主题​​">
   <a:themeElements>

--- a/论文涉及图片.pptx
+++ b/论文涉及图片.pptx
@@ -17,6 +17,7 @@
     <p:sldId id="265" r:id="rId11"/>
     <p:sldId id="266" r:id="rId12"/>
     <p:sldId id="267" r:id="rId13"/>
+    <p:sldId id="268" r:id="rId14"/>
   </p:sldIdLst>
   <p:sldSz cx="12192000" cy="6858000"/>
   <p:notesSz cx="6858000" cy="9144000"/>
@@ -178,6 +179,11 @@
             <p14:sldId id="267"/>
           </p14:sldIdLst>
         </p14:section>
+        <p14:section name="系统主要流程示意图" id="{22F80E27-7906-42F5-A062-EDECCABA0610}">
+          <p14:sldIdLst>
+            <p14:sldId id="268"/>
+          </p14:sldIdLst>
+        </p14:section>
       </p14:sectionLst>
     </p:ext>
     <p:ext uri="{EFAFB233-063F-42B5-8137-9DF3F51BA10A}">
@@ -334,7 +340,7 @@
           <a:p>
             <a:fld id="{8286CD44-C64B-4896-9FF8-C2A31C4FFE40}" type="datetimeFigureOut">
               <a:rPr lang="zh-CN" altLang="en-US" smtClean="0"/>
-              <a:t>2021-03-11</a:t>
+              <a:t>2021-03-12</a:t>
             </a:fld>
             <a:endParaRPr lang="zh-CN" altLang="en-US"/>
           </a:p>
@@ -532,7 +538,7 @@
           <a:p>
             <a:fld id="{8286CD44-C64B-4896-9FF8-C2A31C4FFE40}" type="datetimeFigureOut">
               <a:rPr lang="zh-CN" altLang="en-US" smtClean="0"/>
-              <a:t>2021-03-11</a:t>
+              <a:t>2021-03-12</a:t>
             </a:fld>
             <a:endParaRPr lang="zh-CN" altLang="en-US"/>
           </a:p>
@@ -740,7 +746,7 @@
           <a:p>
             <a:fld id="{8286CD44-C64B-4896-9FF8-C2A31C4FFE40}" type="datetimeFigureOut">
               <a:rPr lang="zh-CN" altLang="en-US" smtClean="0"/>
-              <a:t>2021-03-11</a:t>
+              <a:t>2021-03-12</a:t>
             </a:fld>
             <a:endParaRPr lang="zh-CN" altLang="en-US"/>
           </a:p>
@@ -938,7 +944,7 @@
           <a:p>
             <a:fld id="{8286CD44-C64B-4896-9FF8-C2A31C4FFE40}" type="datetimeFigureOut">
               <a:rPr lang="zh-CN" altLang="en-US" smtClean="0"/>
-              <a:t>2021-03-11</a:t>
+              <a:t>2021-03-12</a:t>
             </a:fld>
             <a:endParaRPr lang="zh-CN" altLang="en-US"/>
           </a:p>
@@ -1213,7 +1219,7 @@
           <a:p>
             <a:fld id="{8286CD44-C64B-4896-9FF8-C2A31C4FFE40}" type="datetimeFigureOut">
               <a:rPr lang="zh-CN" altLang="en-US" smtClean="0"/>
-              <a:t>2021-03-11</a:t>
+              <a:t>2021-03-12</a:t>
             </a:fld>
             <a:endParaRPr lang="zh-CN" altLang="en-US"/>
           </a:p>
@@ -1478,7 +1484,7 @@
           <a:p>
             <a:fld id="{8286CD44-C64B-4896-9FF8-C2A31C4FFE40}" type="datetimeFigureOut">
               <a:rPr lang="zh-CN" altLang="en-US" smtClean="0"/>
-              <a:t>2021-03-11</a:t>
+              <a:t>2021-03-12</a:t>
             </a:fld>
             <a:endParaRPr lang="zh-CN" altLang="en-US"/>
           </a:p>
@@ -1890,7 +1896,7 @@
           <a:p>
             <a:fld id="{8286CD44-C64B-4896-9FF8-C2A31C4FFE40}" type="datetimeFigureOut">
               <a:rPr lang="zh-CN" altLang="en-US" smtClean="0"/>
-              <a:t>2021-03-11</a:t>
+              <a:t>2021-03-12</a:t>
             </a:fld>
             <a:endParaRPr lang="zh-CN" altLang="en-US"/>
           </a:p>
@@ -2031,7 +2037,7 @@
           <a:p>
             <a:fld id="{8286CD44-C64B-4896-9FF8-C2A31C4FFE40}" type="datetimeFigureOut">
               <a:rPr lang="zh-CN" altLang="en-US" smtClean="0"/>
-              <a:t>2021-03-11</a:t>
+              <a:t>2021-03-12</a:t>
             </a:fld>
             <a:endParaRPr lang="zh-CN" altLang="en-US"/>
           </a:p>
@@ -2144,7 +2150,7 @@
           <a:p>
             <a:fld id="{8286CD44-C64B-4896-9FF8-C2A31C4FFE40}" type="datetimeFigureOut">
               <a:rPr lang="zh-CN" altLang="en-US" smtClean="0"/>
-              <a:t>2021-03-11</a:t>
+              <a:t>2021-03-12</a:t>
             </a:fld>
             <a:endParaRPr lang="zh-CN" altLang="en-US"/>
           </a:p>
@@ -2455,7 +2461,7 @@
           <a:p>
             <a:fld id="{8286CD44-C64B-4896-9FF8-C2A31C4FFE40}" type="datetimeFigureOut">
               <a:rPr lang="zh-CN" altLang="en-US" smtClean="0"/>
-              <a:t>2021-03-11</a:t>
+              <a:t>2021-03-12</a:t>
             </a:fld>
             <a:endParaRPr lang="zh-CN" altLang="en-US"/>
           </a:p>
@@ -2743,7 +2749,7 @@
           <a:p>
             <a:fld id="{8286CD44-C64B-4896-9FF8-C2A31C4FFE40}" type="datetimeFigureOut">
               <a:rPr lang="zh-CN" altLang="en-US" smtClean="0"/>
-              <a:t>2021-03-11</a:t>
+              <a:t>2021-03-12</a:t>
             </a:fld>
             <a:endParaRPr lang="zh-CN" altLang="en-US"/>
           </a:p>
@@ -2984,7 +2990,7 @@
           <a:p>
             <a:fld id="{8286CD44-C64B-4896-9FF8-C2A31C4FFE40}" type="datetimeFigureOut">
               <a:rPr lang="zh-CN" altLang="en-US" smtClean="0"/>
-              <a:t>2021-03-11</a:t>
+              <a:t>2021-03-12</a:t>
             </a:fld>
             <a:endParaRPr lang="zh-CN" altLang="en-US"/>
           </a:p>
@@ -4804,6 +4810,1108 @@
 </p:sld>
 </file>
 
+<file path=ppt/slides/slide13.xml><?xml version="1.0" encoding="utf-8"?>
+<p:sld xmlns:a="http://schemas.openxmlformats.org/drawingml/2006/main" xmlns:r="http://schemas.openxmlformats.org/officeDocument/2006/relationships" xmlns:p="http://schemas.openxmlformats.org/presentationml/2006/main">
+  <p:cSld>
+    <p:spTree>
+      <p:nvGrpSpPr>
+        <p:cNvPr id="1" name=""/>
+        <p:cNvGrpSpPr/>
+        <p:nvPr/>
+      </p:nvGrpSpPr>
+      <p:grpSpPr>
+        <a:xfrm>
+          <a:off x="0" y="0"/>
+          <a:ext cx="0" cy="0"/>
+          <a:chOff x="0" y="0"/>
+          <a:chExt cx="0" cy="0"/>
+        </a:xfrm>
+      </p:grpSpPr>
+      <p:sp>
+        <p:nvSpPr>
+          <p:cNvPr id="5" name="圆角矩形 4"/>
+          <p:cNvSpPr/>
+          <p:nvPr/>
+        </p:nvSpPr>
+        <p:spPr>
+          <a:xfrm>
+            <a:off x="5138530" y="824947"/>
+            <a:ext cx="1302027" cy="397565"/>
+          </a:xfrm>
+          <a:prstGeom prst="roundRect">
+            <a:avLst/>
+          </a:prstGeom>
+        </p:spPr>
+        <p:style>
+          <a:lnRef idx="2">
+            <a:schemeClr val="accent3">
+              <a:shade val="50000"/>
+            </a:schemeClr>
+          </a:lnRef>
+          <a:fillRef idx="1">
+            <a:schemeClr val="accent3"/>
+          </a:fillRef>
+          <a:effectRef idx="0">
+            <a:schemeClr val="accent3"/>
+          </a:effectRef>
+          <a:fontRef idx="minor">
+            <a:schemeClr val="lt1"/>
+          </a:fontRef>
+        </p:style>
+        <p:txBody>
+          <a:bodyPr rtlCol="0" anchor="ctr"/>
+          <a:lstStyle/>
+          <a:p>
+            <a:pPr algn="ctr"/>
+            <a:r>
+              <a:rPr lang="zh-CN" altLang="en-US" dirty="0" smtClean="0"/>
+              <a:t>注册账号</a:t>
+            </a:r>
+            <a:endParaRPr lang="zh-CN" altLang="en-US" dirty="0"/>
+          </a:p>
+        </p:txBody>
+      </p:sp>
+      <p:cxnSp>
+        <p:nvCxnSpPr>
+          <p:cNvPr id="8" name="直接箭头连接符 7"/>
+          <p:cNvCxnSpPr>
+            <a:stCxn id="5" idx="2"/>
+            <a:endCxn id="14" idx="0"/>
+          </p:cNvCxnSpPr>
+          <p:nvPr/>
+        </p:nvCxnSpPr>
+        <p:spPr>
+          <a:xfrm>
+            <a:off x="5789544" y="1222512"/>
+            <a:ext cx="0" cy="337931"/>
+          </a:xfrm>
+          <a:prstGeom prst="straightConnector1">
+            <a:avLst/>
+          </a:prstGeom>
+          <a:ln>
+            <a:tailEnd type="triangle"/>
+          </a:ln>
+        </p:spPr>
+        <p:style>
+          <a:lnRef idx="1">
+            <a:schemeClr val="accent1"/>
+          </a:lnRef>
+          <a:fillRef idx="0">
+            <a:schemeClr val="accent1"/>
+          </a:fillRef>
+          <a:effectRef idx="0">
+            <a:schemeClr val="accent1"/>
+          </a:effectRef>
+          <a:fontRef idx="minor">
+            <a:schemeClr val="tx1"/>
+          </a:fontRef>
+        </p:style>
+      </p:cxnSp>
+      <p:sp>
+        <p:nvSpPr>
+          <p:cNvPr id="14" name="圆角矩形 13"/>
+          <p:cNvSpPr/>
+          <p:nvPr/>
+        </p:nvSpPr>
+        <p:spPr>
+          <a:xfrm>
+            <a:off x="5138530" y="1560443"/>
+            <a:ext cx="1302027" cy="397565"/>
+          </a:xfrm>
+          <a:prstGeom prst="roundRect">
+            <a:avLst/>
+          </a:prstGeom>
+        </p:spPr>
+        <p:style>
+          <a:lnRef idx="2">
+            <a:schemeClr val="accent3">
+              <a:shade val="50000"/>
+            </a:schemeClr>
+          </a:lnRef>
+          <a:fillRef idx="1">
+            <a:schemeClr val="accent3"/>
+          </a:fillRef>
+          <a:effectRef idx="0">
+            <a:schemeClr val="accent3"/>
+          </a:effectRef>
+          <a:fontRef idx="minor">
+            <a:schemeClr val="lt1"/>
+          </a:fontRef>
+        </p:style>
+        <p:txBody>
+          <a:bodyPr rtlCol="0" anchor="ctr"/>
+          <a:lstStyle/>
+          <a:p>
+            <a:pPr algn="ctr"/>
+            <a:r>
+              <a:rPr lang="zh-CN" altLang="en-US" dirty="0" smtClean="0"/>
+              <a:t>登录系统</a:t>
+            </a:r>
+            <a:endParaRPr lang="zh-CN" altLang="en-US" dirty="0"/>
+          </a:p>
+        </p:txBody>
+      </p:sp>
+      <p:sp>
+        <p:nvSpPr>
+          <p:cNvPr id="17" name="圆角矩形 16"/>
+          <p:cNvSpPr/>
+          <p:nvPr/>
+        </p:nvSpPr>
+        <p:spPr>
+          <a:xfrm>
+            <a:off x="5138529" y="2295939"/>
+            <a:ext cx="1302027" cy="397565"/>
+          </a:xfrm>
+          <a:prstGeom prst="roundRect">
+            <a:avLst/>
+          </a:prstGeom>
+        </p:spPr>
+        <p:style>
+          <a:lnRef idx="2">
+            <a:schemeClr val="accent3">
+              <a:shade val="50000"/>
+            </a:schemeClr>
+          </a:lnRef>
+          <a:fillRef idx="1">
+            <a:schemeClr val="accent3"/>
+          </a:fillRef>
+          <a:effectRef idx="0">
+            <a:schemeClr val="accent3"/>
+          </a:effectRef>
+          <a:fontRef idx="minor">
+            <a:schemeClr val="lt1"/>
+          </a:fontRef>
+        </p:style>
+        <p:txBody>
+          <a:bodyPr rtlCol="0" anchor="ctr"/>
+          <a:lstStyle/>
+          <a:p>
+            <a:pPr algn="ctr"/>
+            <a:r>
+              <a:rPr lang="zh-CN" altLang="en-US" dirty="0" smtClean="0"/>
+              <a:t>上传模型</a:t>
+            </a:r>
+            <a:endParaRPr lang="zh-CN" altLang="en-US" dirty="0"/>
+          </a:p>
+        </p:txBody>
+      </p:sp>
+      <p:cxnSp>
+        <p:nvCxnSpPr>
+          <p:cNvPr id="18" name="直接箭头连接符 17"/>
+          <p:cNvCxnSpPr>
+            <a:stCxn id="14" idx="2"/>
+            <a:endCxn id="17" idx="0"/>
+          </p:cNvCxnSpPr>
+          <p:nvPr/>
+        </p:nvCxnSpPr>
+        <p:spPr>
+          <a:xfrm flipH="1">
+            <a:off x="5789543" y="1958008"/>
+            <a:ext cx="1" cy="337931"/>
+          </a:xfrm>
+          <a:prstGeom prst="straightConnector1">
+            <a:avLst/>
+          </a:prstGeom>
+          <a:ln>
+            <a:tailEnd type="triangle"/>
+          </a:ln>
+        </p:spPr>
+        <p:style>
+          <a:lnRef idx="1">
+            <a:schemeClr val="accent1"/>
+          </a:lnRef>
+          <a:fillRef idx="0">
+            <a:schemeClr val="accent1"/>
+          </a:fillRef>
+          <a:effectRef idx="0">
+            <a:schemeClr val="accent1"/>
+          </a:effectRef>
+          <a:fontRef idx="minor">
+            <a:schemeClr val="tx1"/>
+          </a:fontRef>
+        </p:style>
+      </p:cxnSp>
+      <p:sp>
+        <p:nvSpPr>
+          <p:cNvPr id="21" name="圆角矩形 20"/>
+          <p:cNvSpPr/>
+          <p:nvPr/>
+        </p:nvSpPr>
+        <p:spPr>
+          <a:xfrm>
+            <a:off x="3193774" y="3533358"/>
+            <a:ext cx="1302027" cy="397565"/>
+          </a:xfrm>
+          <a:prstGeom prst="roundRect">
+            <a:avLst/>
+          </a:prstGeom>
+        </p:spPr>
+        <p:style>
+          <a:lnRef idx="2">
+            <a:schemeClr val="accent3">
+              <a:shade val="50000"/>
+            </a:schemeClr>
+          </a:lnRef>
+          <a:fillRef idx="1">
+            <a:schemeClr val="accent3"/>
+          </a:fillRef>
+          <a:effectRef idx="0">
+            <a:schemeClr val="accent3"/>
+          </a:effectRef>
+          <a:fontRef idx="minor">
+            <a:schemeClr val="lt1"/>
+          </a:fontRef>
+        </p:style>
+        <p:txBody>
+          <a:bodyPr rtlCol="0" anchor="ctr"/>
+          <a:lstStyle/>
+          <a:p>
+            <a:pPr algn="ctr"/>
+            <a:r>
+              <a:rPr lang="zh-CN" altLang="en-US" dirty="0" smtClean="0"/>
+              <a:t>修改模型</a:t>
+            </a:r>
+            <a:endParaRPr lang="zh-CN" altLang="en-US" dirty="0"/>
+          </a:p>
+        </p:txBody>
+      </p:sp>
+      <p:sp>
+        <p:nvSpPr>
+          <p:cNvPr id="22" name="圆角矩形 21"/>
+          <p:cNvSpPr/>
+          <p:nvPr/>
+        </p:nvSpPr>
+        <p:spPr>
+          <a:xfrm>
+            <a:off x="6884502" y="2017645"/>
+            <a:ext cx="1941446" cy="944215"/>
+          </a:xfrm>
+          <a:prstGeom prst="roundRect">
+            <a:avLst/>
+          </a:prstGeom>
+        </p:spPr>
+        <p:style>
+          <a:lnRef idx="2">
+            <a:schemeClr val="accent3">
+              <a:shade val="50000"/>
+            </a:schemeClr>
+          </a:lnRef>
+          <a:fillRef idx="1">
+            <a:schemeClr val="accent3"/>
+          </a:fillRef>
+          <a:effectRef idx="0">
+            <a:schemeClr val="accent3"/>
+          </a:effectRef>
+          <a:fontRef idx="minor">
+            <a:schemeClr val="lt1"/>
+          </a:fontRef>
+        </p:style>
+        <p:txBody>
+          <a:bodyPr rtlCol="0" anchor="ctr"/>
+          <a:lstStyle/>
+          <a:p>
+            <a:pPr algn="ctr"/>
+            <a:r>
+              <a:rPr lang="zh-CN" altLang="en-US" dirty="0"/>
+              <a:t>从</a:t>
+            </a:r>
+            <a:r>
+              <a:rPr lang="zh-CN" altLang="en-US" dirty="0" smtClean="0"/>
+              <a:t>所有模型库中选择模型加入到我的模型库</a:t>
+            </a:r>
+            <a:endParaRPr lang="zh-CN" altLang="en-US" dirty="0"/>
+          </a:p>
+        </p:txBody>
+      </p:sp>
+      <p:sp>
+        <p:nvSpPr>
+          <p:cNvPr id="23" name="圆角矩形 22"/>
+          <p:cNvSpPr/>
+          <p:nvPr/>
+        </p:nvSpPr>
+        <p:spPr>
+          <a:xfrm>
+            <a:off x="4979503" y="3230216"/>
+            <a:ext cx="1620077" cy="1003850"/>
+          </a:xfrm>
+          <a:prstGeom prst="roundRect">
+            <a:avLst/>
+          </a:prstGeom>
+        </p:spPr>
+        <p:style>
+          <a:lnRef idx="2">
+            <a:schemeClr val="accent3">
+              <a:shade val="50000"/>
+            </a:schemeClr>
+          </a:lnRef>
+          <a:fillRef idx="1">
+            <a:schemeClr val="accent3"/>
+          </a:fillRef>
+          <a:effectRef idx="0">
+            <a:schemeClr val="accent3"/>
+          </a:effectRef>
+          <a:fontRef idx="minor">
+            <a:schemeClr val="lt1"/>
+          </a:fontRef>
+        </p:style>
+        <p:txBody>
+          <a:bodyPr rtlCol="0" anchor="ctr"/>
+          <a:lstStyle/>
+          <a:p>
+            <a:pPr algn="ctr"/>
+            <a:r>
+              <a:rPr lang="zh-CN" altLang="en-US" dirty="0" smtClean="0"/>
+              <a:t>选择模型进入工作页面</a:t>
+            </a:r>
+            <a:endParaRPr lang="zh-CN" altLang="en-US" dirty="0"/>
+          </a:p>
+        </p:txBody>
+      </p:sp>
+      <p:cxnSp>
+        <p:nvCxnSpPr>
+          <p:cNvPr id="24" name="直接箭头连接符 23"/>
+          <p:cNvCxnSpPr>
+            <a:stCxn id="17" idx="1"/>
+            <a:endCxn id="21" idx="3"/>
+          </p:cNvCxnSpPr>
+          <p:nvPr/>
+        </p:nvCxnSpPr>
+        <p:spPr>
+          <a:xfrm flipH="1">
+            <a:off x="4495801" y="2494722"/>
+            <a:ext cx="642728" cy="1237419"/>
+          </a:xfrm>
+          <a:prstGeom prst="straightConnector1">
+            <a:avLst/>
+          </a:prstGeom>
+          <a:ln>
+            <a:tailEnd type="triangle"/>
+          </a:ln>
+        </p:spPr>
+        <p:style>
+          <a:lnRef idx="1">
+            <a:schemeClr val="accent1"/>
+          </a:lnRef>
+          <a:fillRef idx="0">
+            <a:schemeClr val="accent1"/>
+          </a:fillRef>
+          <a:effectRef idx="0">
+            <a:schemeClr val="accent1"/>
+          </a:effectRef>
+          <a:fontRef idx="minor">
+            <a:schemeClr val="tx1"/>
+          </a:fontRef>
+        </p:style>
+      </p:cxnSp>
+      <p:cxnSp>
+        <p:nvCxnSpPr>
+          <p:cNvPr id="27" name="直接箭头连接符 26"/>
+          <p:cNvCxnSpPr>
+            <a:stCxn id="14" idx="2"/>
+            <a:endCxn id="22" idx="1"/>
+          </p:cNvCxnSpPr>
+          <p:nvPr/>
+        </p:nvCxnSpPr>
+        <p:spPr>
+          <a:xfrm>
+            <a:off x="5789544" y="1958008"/>
+            <a:ext cx="1094958" cy="531745"/>
+          </a:xfrm>
+          <a:prstGeom prst="straightConnector1">
+            <a:avLst/>
+          </a:prstGeom>
+          <a:ln>
+            <a:tailEnd type="triangle"/>
+          </a:ln>
+        </p:spPr>
+        <p:style>
+          <a:lnRef idx="1">
+            <a:schemeClr val="accent1"/>
+          </a:lnRef>
+          <a:fillRef idx="0">
+            <a:schemeClr val="accent1"/>
+          </a:fillRef>
+          <a:effectRef idx="0">
+            <a:schemeClr val="accent1"/>
+          </a:effectRef>
+          <a:fontRef idx="minor">
+            <a:schemeClr val="tx1"/>
+          </a:fontRef>
+        </p:style>
+      </p:cxnSp>
+      <p:cxnSp>
+        <p:nvCxnSpPr>
+          <p:cNvPr id="32" name="直接箭头连接符 31"/>
+          <p:cNvCxnSpPr>
+            <a:stCxn id="17" idx="2"/>
+            <a:endCxn id="23" idx="0"/>
+          </p:cNvCxnSpPr>
+          <p:nvPr/>
+        </p:nvCxnSpPr>
+        <p:spPr>
+          <a:xfrm flipH="1">
+            <a:off x="5789542" y="2693504"/>
+            <a:ext cx="1" cy="536712"/>
+          </a:xfrm>
+          <a:prstGeom prst="straightConnector1">
+            <a:avLst/>
+          </a:prstGeom>
+          <a:ln>
+            <a:tailEnd type="triangle"/>
+          </a:ln>
+        </p:spPr>
+        <p:style>
+          <a:lnRef idx="1">
+            <a:schemeClr val="accent1"/>
+          </a:lnRef>
+          <a:fillRef idx="0">
+            <a:schemeClr val="accent1"/>
+          </a:fillRef>
+          <a:effectRef idx="0">
+            <a:schemeClr val="accent1"/>
+          </a:effectRef>
+          <a:fontRef idx="minor">
+            <a:schemeClr val="tx1"/>
+          </a:fontRef>
+        </p:style>
+      </p:cxnSp>
+      <p:cxnSp>
+        <p:nvCxnSpPr>
+          <p:cNvPr id="39" name="直接箭头连接符 38"/>
+          <p:cNvCxnSpPr>
+            <a:stCxn id="22" idx="2"/>
+            <a:endCxn id="23" idx="3"/>
+          </p:cNvCxnSpPr>
+          <p:nvPr/>
+        </p:nvCxnSpPr>
+        <p:spPr>
+          <a:xfrm flipH="1">
+            <a:off x="6599580" y="2961860"/>
+            <a:ext cx="1255645" cy="770281"/>
+          </a:xfrm>
+          <a:prstGeom prst="straightConnector1">
+            <a:avLst/>
+          </a:prstGeom>
+          <a:ln>
+            <a:tailEnd type="triangle"/>
+          </a:ln>
+        </p:spPr>
+        <p:style>
+          <a:lnRef idx="1">
+            <a:schemeClr val="accent1"/>
+          </a:lnRef>
+          <a:fillRef idx="0">
+            <a:schemeClr val="accent1"/>
+          </a:fillRef>
+          <a:effectRef idx="0">
+            <a:schemeClr val="accent1"/>
+          </a:effectRef>
+          <a:fontRef idx="minor">
+            <a:schemeClr val="tx1"/>
+          </a:fontRef>
+        </p:style>
+      </p:cxnSp>
+      <p:sp>
+        <p:nvSpPr>
+          <p:cNvPr id="44" name="圆角矩形 43"/>
+          <p:cNvSpPr/>
+          <p:nvPr/>
+        </p:nvSpPr>
+        <p:spPr>
+          <a:xfrm>
+            <a:off x="3193774" y="4770776"/>
+            <a:ext cx="1302027" cy="397565"/>
+          </a:xfrm>
+          <a:prstGeom prst="roundRect">
+            <a:avLst/>
+          </a:prstGeom>
+        </p:spPr>
+        <p:style>
+          <a:lnRef idx="2">
+            <a:schemeClr val="accent3">
+              <a:shade val="50000"/>
+            </a:schemeClr>
+          </a:lnRef>
+          <a:fillRef idx="1">
+            <a:schemeClr val="accent3"/>
+          </a:fillRef>
+          <a:effectRef idx="0">
+            <a:schemeClr val="accent3"/>
+          </a:effectRef>
+          <a:fontRef idx="minor">
+            <a:schemeClr val="lt1"/>
+          </a:fontRef>
+        </p:style>
+        <p:txBody>
+          <a:bodyPr rtlCol="0" anchor="ctr"/>
+          <a:lstStyle/>
+          <a:p>
+            <a:pPr algn="ctr"/>
+            <a:r>
+              <a:rPr lang="zh-CN" altLang="en-US" dirty="0" smtClean="0"/>
+              <a:t>分层切片</a:t>
+            </a:r>
+            <a:endParaRPr lang="zh-CN" altLang="en-US" dirty="0"/>
+          </a:p>
+        </p:txBody>
+      </p:sp>
+      <p:sp>
+        <p:nvSpPr>
+          <p:cNvPr id="45" name="圆角矩形 44"/>
+          <p:cNvSpPr/>
+          <p:nvPr/>
+        </p:nvSpPr>
+        <p:spPr>
+          <a:xfrm>
+            <a:off x="5138527" y="4770775"/>
+            <a:ext cx="1302027" cy="397565"/>
+          </a:xfrm>
+          <a:prstGeom prst="roundRect">
+            <a:avLst/>
+          </a:prstGeom>
+        </p:spPr>
+        <p:style>
+          <a:lnRef idx="2">
+            <a:schemeClr val="accent3">
+              <a:shade val="50000"/>
+            </a:schemeClr>
+          </a:lnRef>
+          <a:fillRef idx="1">
+            <a:schemeClr val="accent3"/>
+          </a:fillRef>
+          <a:effectRef idx="0">
+            <a:schemeClr val="accent3"/>
+          </a:effectRef>
+          <a:fontRef idx="minor">
+            <a:schemeClr val="lt1"/>
+          </a:fontRef>
+        </p:style>
+        <p:txBody>
+          <a:bodyPr rtlCol="0" anchor="ctr"/>
+          <a:lstStyle/>
+          <a:p>
+            <a:pPr algn="ctr"/>
+            <a:r>
+              <a:rPr lang="zh-CN" altLang="en-US" dirty="0" smtClean="0"/>
+              <a:t>轨迹规划</a:t>
+            </a:r>
+            <a:endParaRPr lang="zh-CN" altLang="en-US" dirty="0"/>
+          </a:p>
+        </p:txBody>
+      </p:sp>
+      <p:sp>
+        <p:nvSpPr>
+          <p:cNvPr id="46" name="圆角矩形 45"/>
+          <p:cNvSpPr/>
+          <p:nvPr/>
+        </p:nvSpPr>
+        <p:spPr>
+          <a:xfrm>
+            <a:off x="7083280" y="4770774"/>
+            <a:ext cx="1302027" cy="397565"/>
+          </a:xfrm>
+          <a:prstGeom prst="roundRect">
+            <a:avLst/>
+          </a:prstGeom>
+        </p:spPr>
+        <p:style>
+          <a:lnRef idx="2">
+            <a:schemeClr val="accent3">
+              <a:shade val="50000"/>
+            </a:schemeClr>
+          </a:lnRef>
+          <a:fillRef idx="1">
+            <a:schemeClr val="accent3"/>
+          </a:fillRef>
+          <a:effectRef idx="0">
+            <a:schemeClr val="accent3"/>
+          </a:effectRef>
+          <a:fontRef idx="minor">
+            <a:schemeClr val="lt1"/>
+          </a:fontRef>
+        </p:style>
+        <p:txBody>
+          <a:bodyPr rtlCol="0" anchor="ctr"/>
+          <a:lstStyle/>
+          <a:p>
+            <a:pPr algn="ctr"/>
+            <a:r>
+              <a:rPr lang="en-US" altLang="zh-CN" dirty="0" err="1" smtClean="0"/>
+              <a:t>GCode</a:t>
+            </a:r>
+            <a:endParaRPr lang="zh-CN" altLang="en-US" dirty="0"/>
+          </a:p>
+        </p:txBody>
+      </p:sp>
+      <p:cxnSp>
+        <p:nvCxnSpPr>
+          <p:cNvPr id="47" name="直接箭头连接符 46"/>
+          <p:cNvCxnSpPr>
+            <a:stCxn id="23" idx="2"/>
+            <a:endCxn id="44" idx="0"/>
+          </p:cNvCxnSpPr>
+          <p:nvPr/>
+        </p:nvCxnSpPr>
+        <p:spPr>
+          <a:xfrm flipH="1">
+            <a:off x="3844788" y="4234066"/>
+            <a:ext cx="1944754" cy="536710"/>
+          </a:xfrm>
+          <a:prstGeom prst="straightConnector1">
+            <a:avLst/>
+          </a:prstGeom>
+          <a:ln>
+            <a:tailEnd type="triangle"/>
+          </a:ln>
+        </p:spPr>
+        <p:style>
+          <a:lnRef idx="1">
+            <a:schemeClr val="accent1"/>
+          </a:lnRef>
+          <a:fillRef idx="0">
+            <a:schemeClr val="accent1"/>
+          </a:fillRef>
+          <a:effectRef idx="0">
+            <a:schemeClr val="accent1"/>
+          </a:effectRef>
+          <a:fontRef idx="minor">
+            <a:schemeClr val="tx1"/>
+          </a:fontRef>
+        </p:style>
+      </p:cxnSp>
+      <p:cxnSp>
+        <p:nvCxnSpPr>
+          <p:cNvPr id="50" name="直接箭头连接符 49"/>
+          <p:cNvCxnSpPr>
+            <a:stCxn id="44" idx="3"/>
+            <a:endCxn id="45" idx="1"/>
+          </p:cNvCxnSpPr>
+          <p:nvPr/>
+        </p:nvCxnSpPr>
+        <p:spPr>
+          <a:xfrm flipV="1">
+            <a:off x="4495801" y="4969558"/>
+            <a:ext cx="642726" cy="1"/>
+          </a:xfrm>
+          <a:prstGeom prst="straightConnector1">
+            <a:avLst/>
+          </a:prstGeom>
+          <a:ln>
+            <a:tailEnd type="triangle"/>
+          </a:ln>
+        </p:spPr>
+        <p:style>
+          <a:lnRef idx="1">
+            <a:schemeClr val="accent1"/>
+          </a:lnRef>
+          <a:fillRef idx="0">
+            <a:schemeClr val="accent1"/>
+          </a:fillRef>
+          <a:effectRef idx="0">
+            <a:schemeClr val="accent1"/>
+          </a:effectRef>
+          <a:fontRef idx="minor">
+            <a:schemeClr val="tx1"/>
+          </a:fontRef>
+        </p:style>
+      </p:cxnSp>
+      <p:cxnSp>
+        <p:nvCxnSpPr>
+          <p:cNvPr id="53" name="直接箭头连接符 52"/>
+          <p:cNvCxnSpPr>
+            <a:stCxn id="45" idx="3"/>
+            <a:endCxn id="46" idx="1"/>
+          </p:cNvCxnSpPr>
+          <p:nvPr/>
+        </p:nvCxnSpPr>
+        <p:spPr>
+          <a:xfrm flipV="1">
+            <a:off x="6440554" y="4969557"/>
+            <a:ext cx="642726" cy="1"/>
+          </a:xfrm>
+          <a:prstGeom prst="straightConnector1">
+            <a:avLst/>
+          </a:prstGeom>
+          <a:ln>
+            <a:tailEnd type="triangle"/>
+          </a:ln>
+        </p:spPr>
+        <p:style>
+          <a:lnRef idx="1">
+            <a:schemeClr val="accent1"/>
+          </a:lnRef>
+          <a:fillRef idx="0">
+            <a:schemeClr val="accent1"/>
+          </a:fillRef>
+          <a:effectRef idx="0">
+            <a:schemeClr val="accent1"/>
+          </a:effectRef>
+          <a:fontRef idx="minor">
+            <a:schemeClr val="tx1"/>
+          </a:fontRef>
+        </p:style>
+      </p:cxnSp>
+      <p:sp>
+        <p:nvSpPr>
+          <p:cNvPr id="56" name="圆角矩形 55"/>
+          <p:cNvSpPr/>
+          <p:nvPr/>
+        </p:nvSpPr>
+        <p:spPr>
+          <a:xfrm>
+            <a:off x="5138527" y="5705048"/>
+            <a:ext cx="1302027" cy="397565"/>
+          </a:xfrm>
+          <a:prstGeom prst="roundRect">
+            <a:avLst/>
+          </a:prstGeom>
+        </p:spPr>
+        <p:style>
+          <a:lnRef idx="2">
+            <a:schemeClr val="accent3">
+              <a:shade val="50000"/>
+            </a:schemeClr>
+          </a:lnRef>
+          <a:fillRef idx="1">
+            <a:schemeClr val="accent3"/>
+          </a:fillRef>
+          <a:effectRef idx="0">
+            <a:schemeClr val="accent3"/>
+          </a:effectRef>
+          <a:fontRef idx="minor">
+            <a:schemeClr val="lt1"/>
+          </a:fontRef>
+        </p:style>
+        <p:txBody>
+          <a:bodyPr rtlCol="0" anchor="ctr"/>
+          <a:lstStyle/>
+          <a:p>
+            <a:pPr algn="ctr"/>
+            <a:r>
+              <a:rPr lang="zh-CN" altLang="en-US" dirty="0" smtClean="0"/>
+              <a:t>日志记录</a:t>
+            </a:r>
+            <a:endParaRPr lang="zh-CN" altLang="en-US" dirty="0"/>
+          </a:p>
+        </p:txBody>
+      </p:sp>
+      <p:cxnSp>
+        <p:nvCxnSpPr>
+          <p:cNvPr id="58" name="直接连接符 57"/>
+          <p:cNvCxnSpPr>
+            <a:stCxn id="44" idx="2"/>
+            <a:endCxn id="56" idx="0"/>
+          </p:cNvCxnSpPr>
+          <p:nvPr/>
+        </p:nvCxnSpPr>
+        <p:spPr>
+          <a:xfrm>
+            <a:off x="3844788" y="5168341"/>
+            <a:ext cx="1944753" cy="536707"/>
+          </a:xfrm>
+          <a:prstGeom prst="line">
+            <a:avLst/>
+          </a:prstGeom>
+          <a:ln>
+            <a:prstDash val="lgDash"/>
+          </a:ln>
+        </p:spPr>
+        <p:style>
+          <a:lnRef idx="1">
+            <a:schemeClr val="accent1"/>
+          </a:lnRef>
+          <a:fillRef idx="0">
+            <a:schemeClr val="accent1"/>
+          </a:fillRef>
+          <a:effectRef idx="0">
+            <a:schemeClr val="accent1"/>
+          </a:effectRef>
+          <a:fontRef idx="minor">
+            <a:schemeClr val="tx1"/>
+          </a:fontRef>
+        </p:style>
+      </p:cxnSp>
+      <p:cxnSp>
+        <p:nvCxnSpPr>
+          <p:cNvPr id="62" name="直接连接符 61"/>
+          <p:cNvCxnSpPr>
+            <a:stCxn id="45" idx="2"/>
+            <a:endCxn id="56" idx="0"/>
+          </p:cNvCxnSpPr>
+          <p:nvPr/>
+        </p:nvCxnSpPr>
+        <p:spPr>
+          <a:xfrm>
+            <a:off x="5789541" y="5168340"/>
+            <a:ext cx="0" cy="536708"/>
+          </a:xfrm>
+          <a:prstGeom prst="line">
+            <a:avLst/>
+          </a:prstGeom>
+          <a:ln>
+            <a:prstDash val="lgDash"/>
+          </a:ln>
+        </p:spPr>
+        <p:style>
+          <a:lnRef idx="1">
+            <a:schemeClr val="accent1"/>
+          </a:lnRef>
+          <a:fillRef idx="0">
+            <a:schemeClr val="accent1"/>
+          </a:fillRef>
+          <a:effectRef idx="0">
+            <a:schemeClr val="accent1"/>
+          </a:effectRef>
+          <a:fontRef idx="minor">
+            <a:schemeClr val="tx1"/>
+          </a:fontRef>
+        </p:style>
+      </p:cxnSp>
+      <p:cxnSp>
+        <p:nvCxnSpPr>
+          <p:cNvPr id="65" name="直接连接符 64"/>
+          <p:cNvCxnSpPr>
+            <a:stCxn id="46" idx="2"/>
+            <a:endCxn id="56" idx="0"/>
+          </p:cNvCxnSpPr>
+          <p:nvPr/>
+        </p:nvCxnSpPr>
+        <p:spPr>
+          <a:xfrm flipH="1">
+            <a:off x="5789541" y="5168339"/>
+            <a:ext cx="1944753" cy="536709"/>
+          </a:xfrm>
+          <a:prstGeom prst="line">
+            <a:avLst/>
+          </a:prstGeom>
+          <a:ln>
+            <a:prstDash val="lgDash"/>
+          </a:ln>
+        </p:spPr>
+        <p:style>
+          <a:lnRef idx="1">
+            <a:schemeClr val="accent1"/>
+          </a:lnRef>
+          <a:fillRef idx="0">
+            <a:schemeClr val="accent1"/>
+          </a:fillRef>
+          <a:effectRef idx="0">
+            <a:schemeClr val="accent1"/>
+          </a:effectRef>
+          <a:fontRef idx="minor">
+            <a:schemeClr val="tx1"/>
+          </a:fontRef>
+        </p:style>
+      </p:cxnSp>
+      <p:sp>
+        <p:nvSpPr>
+          <p:cNvPr id="68" name="圆角矩形 67"/>
+          <p:cNvSpPr/>
+          <p:nvPr/>
+        </p:nvSpPr>
+        <p:spPr>
+          <a:xfrm>
+            <a:off x="9028031" y="4770773"/>
+            <a:ext cx="1302027" cy="397565"/>
+          </a:xfrm>
+          <a:prstGeom prst="roundRect">
+            <a:avLst/>
+          </a:prstGeom>
+        </p:spPr>
+        <p:style>
+          <a:lnRef idx="2">
+            <a:schemeClr val="accent3">
+              <a:shade val="50000"/>
+            </a:schemeClr>
+          </a:lnRef>
+          <a:fillRef idx="1">
+            <a:schemeClr val="accent3"/>
+          </a:fillRef>
+          <a:effectRef idx="0">
+            <a:schemeClr val="accent3"/>
+          </a:effectRef>
+          <a:fontRef idx="minor">
+            <a:schemeClr val="lt1"/>
+          </a:fontRef>
+        </p:style>
+        <p:txBody>
+          <a:bodyPr rtlCol="0" anchor="ctr"/>
+          <a:lstStyle/>
+          <a:p>
+            <a:pPr algn="ctr"/>
+            <a:r>
+              <a:rPr lang="zh-CN" altLang="en-US" dirty="0" smtClean="0"/>
+              <a:t>退出系统</a:t>
+            </a:r>
+            <a:endParaRPr lang="zh-CN" altLang="en-US" dirty="0"/>
+          </a:p>
+        </p:txBody>
+      </p:sp>
+      <p:cxnSp>
+        <p:nvCxnSpPr>
+          <p:cNvPr id="69" name="直接箭头连接符 68"/>
+          <p:cNvCxnSpPr>
+            <a:stCxn id="46" idx="3"/>
+            <a:endCxn id="68" idx="1"/>
+          </p:cNvCxnSpPr>
+          <p:nvPr/>
+        </p:nvCxnSpPr>
+        <p:spPr>
+          <a:xfrm flipV="1">
+            <a:off x="8385307" y="4969556"/>
+            <a:ext cx="642724" cy="1"/>
+          </a:xfrm>
+          <a:prstGeom prst="straightConnector1">
+            <a:avLst/>
+          </a:prstGeom>
+          <a:ln>
+            <a:tailEnd type="triangle"/>
+          </a:ln>
+        </p:spPr>
+        <p:style>
+          <a:lnRef idx="1">
+            <a:schemeClr val="accent1"/>
+          </a:lnRef>
+          <a:fillRef idx="0">
+            <a:schemeClr val="accent1"/>
+          </a:fillRef>
+          <a:effectRef idx="0">
+            <a:schemeClr val="accent1"/>
+          </a:effectRef>
+          <a:fontRef idx="minor">
+            <a:schemeClr val="tx1"/>
+          </a:fontRef>
+        </p:style>
+      </p:cxnSp>
+      <p:cxnSp>
+        <p:nvCxnSpPr>
+          <p:cNvPr id="73" name="肘形连接符 72"/>
+          <p:cNvCxnSpPr>
+            <a:stCxn id="68" idx="0"/>
+            <a:endCxn id="14" idx="3"/>
+          </p:cNvCxnSpPr>
+          <p:nvPr/>
+        </p:nvCxnSpPr>
+        <p:spPr>
+          <a:xfrm rot="16200000" flipV="1">
+            <a:off x="6554028" y="1645756"/>
+            <a:ext cx="3011547" cy="3238488"/>
+          </a:xfrm>
+          <a:prstGeom prst="bentConnector2">
+            <a:avLst/>
+          </a:prstGeom>
+          <a:ln>
+            <a:tailEnd type="triangle"/>
+          </a:ln>
+        </p:spPr>
+        <p:style>
+          <a:lnRef idx="1">
+            <a:schemeClr val="accent1"/>
+          </a:lnRef>
+          <a:fillRef idx="0">
+            <a:schemeClr val="accent1"/>
+          </a:fillRef>
+          <a:effectRef idx="0">
+            <a:schemeClr val="accent1"/>
+          </a:effectRef>
+          <a:fontRef idx="minor">
+            <a:schemeClr val="tx1"/>
+          </a:fontRef>
+        </p:style>
+      </p:cxnSp>
+      <p:sp>
+        <p:nvSpPr>
+          <p:cNvPr id="75" name="圆角矩形 74"/>
+          <p:cNvSpPr/>
+          <p:nvPr/>
+        </p:nvSpPr>
+        <p:spPr>
+          <a:xfrm>
+            <a:off x="7083278" y="4051727"/>
+            <a:ext cx="1296000" cy="397565"/>
+          </a:xfrm>
+          <a:prstGeom prst="roundRect">
+            <a:avLst/>
+          </a:prstGeom>
+        </p:spPr>
+        <p:style>
+          <a:lnRef idx="2">
+            <a:schemeClr val="accent3">
+              <a:shade val="50000"/>
+            </a:schemeClr>
+          </a:lnRef>
+          <a:fillRef idx="1">
+            <a:schemeClr val="accent3"/>
+          </a:fillRef>
+          <a:effectRef idx="0">
+            <a:schemeClr val="accent3"/>
+          </a:effectRef>
+          <a:fontRef idx="minor">
+            <a:schemeClr val="lt1"/>
+          </a:fontRef>
+        </p:style>
+        <p:txBody>
+          <a:bodyPr rtlCol="0" anchor="ctr"/>
+          <a:lstStyle/>
+          <a:p>
+            <a:pPr algn="ctr"/>
+            <a:r>
+              <a:rPr lang="zh-CN" altLang="en-US" dirty="0"/>
+              <a:t>轨迹动画</a:t>
+            </a:r>
+            <a:endParaRPr lang="zh-CN" altLang="en-US" dirty="0"/>
+          </a:p>
+        </p:txBody>
+      </p:sp>
+      <p:cxnSp>
+        <p:nvCxnSpPr>
+          <p:cNvPr id="76" name="直接箭头连接符 75"/>
+          <p:cNvCxnSpPr>
+            <a:stCxn id="45" idx="3"/>
+            <a:endCxn id="75" idx="1"/>
+          </p:cNvCxnSpPr>
+          <p:nvPr/>
+        </p:nvCxnSpPr>
+        <p:spPr>
+          <a:xfrm flipV="1">
+            <a:off x="6440554" y="4250510"/>
+            <a:ext cx="642724" cy="719048"/>
+          </a:xfrm>
+          <a:prstGeom prst="straightConnector1">
+            <a:avLst/>
+          </a:prstGeom>
+          <a:ln>
+            <a:tailEnd type="triangle"/>
+          </a:ln>
+        </p:spPr>
+        <p:style>
+          <a:lnRef idx="1">
+            <a:schemeClr val="accent1"/>
+          </a:lnRef>
+          <a:fillRef idx="0">
+            <a:schemeClr val="accent1"/>
+          </a:fillRef>
+          <a:effectRef idx="0">
+            <a:schemeClr val="accent1"/>
+          </a:effectRef>
+          <a:fontRef idx="minor">
+            <a:schemeClr val="tx1"/>
+          </a:fontRef>
+        </p:style>
+      </p:cxnSp>
+    </p:spTree>
+    <p:extLst>
+      <p:ext uri="{BB962C8B-B14F-4D97-AF65-F5344CB8AC3E}">
+        <p14:creationId xmlns:p14="http://schemas.microsoft.com/office/powerpoint/2010/main" val="2309183796"/>
+      </p:ext>
+    </p:extLst>
+  </p:cSld>
+  <p:clrMapOvr>
+    <a:masterClrMapping/>
+  </p:clrMapOvr>
+</p:sld>
+</file>
+
 <file path=ppt/slides/slide2.xml><?xml version="1.0" encoding="utf-8"?>
 <p:sld xmlns:a="http://schemas.openxmlformats.org/drawingml/2006/main" xmlns:r="http://schemas.openxmlformats.org/officeDocument/2006/relationships" xmlns:p="http://schemas.openxmlformats.org/presentationml/2006/main">
   <p:cSld>
@@ -6935,7 +8043,7 @@
           <a:p>
             <a:pPr algn="ctr"/>
             <a:r>
-              <a:rPr lang="en-US" altLang="zh-CN" sz="2400" dirty="0" smtClean="0"/>
+              <a:rPr lang="en-US" altLang="zh-CN" sz="2400" dirty="0" err="1" smtClean="0"/>
               <a:t>GCode</a:t>
             </a:r>
             <a:endParaRPr lang="zh-CN" altLang="en-US" sz="2400" dirty="0"/>

--- a/论文涉及图片.pptx
+++ b/论文涉及图片.pptx
@@ -18,6 +18,10 @@
     <p:sldId id="266" r:id="rId12"/>
     <p:sldId id="267" r:id="rId13"/>
     <p:sldId id="268" r:id="rId14"/>
+    <p:sldId id="269" r:id="rId15"/>
+    <p:sldId id="270" r:id="rId16"/>
+    <p:sldId id="271" r:id="rId17"/>
+    <p:sldId id="272" r:id="rId18"/>
   </p:sldIdLst>
   <p:sldSz cx="12192000" cy="6858000"/>
   <p:notesSz cx="6858000" cy="9144000"/>
@@ -184,6 +188,26 @@
             <p14:sldId id="268"/>
           </p14:sldIdLst>
         </p14:section>
+        <p14:section name="模型管理功能分布图" id="{0DB94F36-4DAA-4E74-88E5-266974E837DB}">
+          <p14:sldIdLst>
+            <p14:sldId id="269"/>
+          </p14:sldIdLst>
+        </p14:section>
+        <p14:section name="模型显示交互模块" id="{07B6CA13-B1E9-41DB-B660-B8F8066CA7F1}">
+          <p14:sldIdLst>
+            <p14:sldId id="270"/>
+          </p14:sldIdLst>
+        </p14:section>
+        <p14:section name="增材制造预处理模块设计" id="{1C8DBCE7-464D-409F-AA67-DA0647ABE4FE}">
+          <p14:sldIdLst>
+            <p14:sldId id="271"/>
+          </p14:sldIdLst>
+        </p14:section>
+        <p14:section name="导入STL模型数据流图" id="{7A3E6B9D-2FA9-4BCD-B8B3-985A8E50C127}">
+          <p14:sldIdLst>
+            <p14:sldId id="272"/>
+          </p14:sldIdLst>
+        </p14:section>
       </p14:sectionLst>
     </p:ext>
     <p:ext uri="{EFAFB233-063F-42B5-8137-9DF3F51BA10A}">
@@ -340,7 +364,7 @@
           <a:p>
             <a:fld id="{8286CD44-C64B-4896-9FF8-C2A31C4FFE40}" type="datetimeFigureOut">
               <a:rPr lang="zh-CN" altLang="en-US" smtClean="0"/>
-              <a:t>2021-03-12</a:t>
+              <a:t>2021-03-15</a:t>
             </a:fld>
             <a:endParaRPr lang="zh-CN" altLang="en-US"/>
           </a:p>
@@ -538,7 +562,7 @@
           <a:p>
             <a:fld id="{8286CD44-C64B-4896-9FF8-C2A31C4FFE40}" type="datetimeFigureOut">
               <a:rPr lang="zh-CN" altLang="en-US" smtClean="0"/>
-              <a:t>2021-03-12</a:t>
+              <a:t>2021-03-15</a:t>
             </a:fld>
             <a:endParaRPr lang="zh-CN" altLang="en-US"/>
           </a:p>
@@ -746,7 +770,7 @@
           <a:p>
             <a:fld id="{8286CD44-C64B-4896-9FF8-C2A31C4FFE40}" type="datetimeFigureOut">
               <a:rPr lang="zh-CN" altLang="en-US" smtClean="0"/>
-              <a:t>2021-03-12</a:t>
+              <a:t>2021-03-15</a:t>
             </a:fld>
             <a:endParaRPr lang="zh-CN" altLang="en-US"/>
           </a:p>
@@ -944,7 +968,7 @@
           <a:p>
             <a:fld id="{8286CD44-C64B-4896-9FF8-C2A31C4FFE40}" type="datetimeFigureOut">
               <a:rPr lang="zh-CN" altLang="en-US" smtClean="0"/>
-              <a:t>2021-03-12</a:t>
+              <a:t>2021-03-15</a:t>
             </a:fld>
             <a:endParaRPr lang="zh-CN" altLang="en-US"/>
           </a:p>
@@ -1219,7 +1243,7 @@
           <a:p>
             <a:fld id="{8286CD44-C64B-4896-9FF8-C2A31C4FFE40}" type="datetimeFigureOut">
               <a:rPr lang="zh-CN" altLang="en-US" smtClean="0"/>
-              <a:t>2021-03-12</a:t>
+              <a:t>2021-03-15</a:t>
             </a:fld>
             <a:endParaRPr lang="zh-CN" altLang="en-US"/>
           </a:p>
@@ -1484,7 +1508,7 @@
           <a:p>
             <a:fld id="{8286CD44-C64B-4896-9FF8-C2A31C4FFE40}" type="datetimeFigureOut">
               <a:rPr lang="zh-CN" altLang="en-US" smtClean="0"/>
-              <a:t>2021-03-12</a:t>
+              <a:t>2021-03-15</a:t>
             </a:fld>
             <a:endParaRPr lang="zh-CN" altLang="en-US"/>
           </a:p>
@@ -1896,7 +1920,7 @@
           <a:p>
             <a:fld id="{8286CD44-C64B-4896-9FF8-C2A31C4FFE40}" type="datetimeFigureOut">
               <a:rPr lang="zh-CN" altLang="en-US" smtClean="0"/>
-              <a:t>2021-03-12</a:t>
+              <a:t>2021-03-15</a:t>
             </a:fld>
             <a:endParaRPr lang="zh-CN" altLang="en-US"/>
           </a:p>
@@ -2037,7 +2061,7 @@
           <a:p>
             <a:fld id="{8286CD44-C64B-4896-9FF8-C2A31C4FFE40}" type="datetimeFigureOut">
               <a:rPr lang="zh-CN" altLang="en-US" smtClean="0"/>
-              <a:t>2021-03-12</a:t>
+              <a:t>2021-03-15</a:t>
             </a:fld>
             <a:endParaRPr lang="zh-CN" altLang="en-US"/>
           </a:p>
@@ -2150,7 +2174,7 @@
           <a:p>
             <a:fld id="{8286CD44-C64B-4896-9FF8-C2A31C4FFE40}" type="datetimeFigureOut">
               <a:rPr lang="zh-CN" altLang="en-US" smtClean="0"/>
-              <a:t>2021-03-12</a:t>
+              <a:t>2021-03-15</a:t>
             </a:fld>
             <a:endParaRPr lang="zh-CN" altLang="en-US"/>
           </a:p>
@@ -2461,7 +2485,7 @@
           <a:p>
             <a:fld id="{8286CD44-C64B-4896-9FF8-C2A31C4FFE40}" type="datetimeFigureOut">
               <a:rPr lang="zh-CN" altLang="en-US" smtClean="0"/>
-              <a:t>2021-03-12</a:t>
+              <a:t>2021-03-15</a:t>
             </a:fld>
             <a:endParaRPr lang="zh-CN" altLang="en-US"/>
           </a:p>
@@ -2749,7 +2773,7 @@
           <a:p>
             <a:fld id="{8286CD44-C64B-4896-9FF8-C2A31C4FFE40}" type="datetimeFigureOut">
               <a:rPr lang="zh-CN" altLang="en-US" smtClean="0"/>
-              <a:t>2021-03-12</a:t>
+              <a:t>2021-03-15</a:t>
             </a:fld>
             <a:endParaRPr lang="zh-CN" altLang="en-US"/>
           </a:p>
@@ -2990,7 +3014,7 @@
           <a:p>
             <a:fld id="{8286CD44-C64B-4896-9FF8-C2A31C4FFE40}" type="datetimeFigureOut">
               <a:rPr lang="zh-CN" altLang="en-US" smtClean="0"/>
-              <a:t>2021-03-12</a:t>
+              <a:t>2021-03-15</a:t>
             </a:fld>
             <a:endParaRPr lang="zh-CN" altLang="en-US"/>
           </a:p>
@@ -5436,7 +5460,7 @@
           <a:p>
             <a:pPr algn="ctr"/>
             <a:r>
-              <a:rPr lang="en-US" altLang="zh-CN" dirty="0" err="1" smtClean="0"/>
+              <a:rPr lang="en-US" altLang="zh-CN" dirty="0" smtClean="0"/>
               <a:t>GCode</a:t>
             </a:r>
             <a:endParaRPr lang="zh-CN" altLang="en-US" dirty="0"/>
@@ -5859,7 +5883,6 @@
               <a:rPr lang="zh-CN" altLang="en-US" dirty="0"/>
               <a:t>轨迹动画</a:t>
             </a:r>
-            <a:endParaRPr lang="zh-CN" altLang="en-US" dirty="0"/>
           </a:p>
         </p:txBody>
       </p:sp>
@@ -5909,6 +5932,4940 @@
   <p:clrMapOvr>
     <a:masterClrMapping/>
   </p:clrMapOvr>
+</p:sld>
+</file>
+
+<file path=ppt/slides/slide14.xml><?xml version="1.0" encoding="utf-8"?>
+<p:sld xmlns:a="http://schemas.openxmlformats.org/drawingml/2006/main" xmlns:r="http://schemas.openxmlformats.org/officeDocument/2006/relationships" xmlns:p="http://schemas.openxmlformats.org/presentationml/2006/main">
+  <p:cSld>
+    <p:spTree>
+      <p:nvGrpSpPr>
+        <p:cNvPr id="1" name=""/>
+        <p:cNvGrpSpPr/>
+        <p:nvPr/>
+      </p:nvGrpSpPr>
+      <p:grpSpPr>
+        <a:xfrm>
+          <a:off x="0" y="0"/>
+          <a:ext cx="0" cy="0"/>
+          <a:chOff x="0" y="0"/>
+          <a:chExt cx="0" cy="0"/>
+        </a:xfrm>
+      </p:grpSpPr>
+      <p:sp>
+        <p:nvSpPr>
+          <p:cNvPr id="4" name="矩形 3"/>
+          <p:cNvSpPr/>
+          <p:nvPr/>
+        </p:nvSpPr>
+        <p:spPr>
+          <a:xfrm>
+            <a:off x="4316896" y="298176"/>
+            <a:ext cx="3597965" cy="685799"/>
+          </a:xfrm>
+          <a:prstGeom prst="rect">
+            <a:avLst/>
+          </a:prstGeom>
+        </p:spPr>
+        <p:style>
+          <a:lnRef idx="2">
+            <a:schemeClr val="accent1">
+              <a:shade val="50000"/>
+            </a:schemeClr>
+          </a:lnRef>
+          <a:fillRef idx="1">
+            <a:schemeClr val="accent1"/>
+          </a:fillRef>
+          <a:effectRef idx="0">
+            <a:schemeClr val="accent1"/>
+          </a:effectRef>
+          <a:fontRef idx="minor">
+            <a:schemeClr val="lt1"/>
+          </a:fontRef>
+        </p:style>
+        <p:txBody>
+          <a:bodyPr rtlCol="0" anchor="ctr"/>
+          <a:lstStyle/>
+          <a:p>
+            <a:pPr algn="ctr"/>
+            <a:r>
+              <a:rPr lang="zh-CN" altLang="en-US" dirty="0" smtClean="0"/>
+              <a:t>模型管理模块</a:t>
+            </a:r>
+            <a:endParaRPr lang="zh-CN" altLang="en-US" dirty="0"/>
+          </a:p>
+        </p:txBody>
+      </p:sp>
+      <p:grpSp>
+        <p:nvGrpSpPr>
+          <p:cNvPr id="7" name="组合 6"/>
+          <p:cNvGrpSpPr/>
+          <p:nvPr/>
+        </p:nvGrpSpPr>
+        <p:grpSpPr>
+          <a:xfrm>
+            <a:off x="2475672" y="1455251"/>
+            <a:ext cx="7280412" cy="546653"/>
+            <a:chOff x="4015409" y="2246243"/>
+            <a:chExt cx="7280412" cy="695740"/>
+          </a:xfrm>
+        </p:grpSpPr>
+        <p:sp>
+          <p:nvSpPr>
+            <p:cNvPr id="5" name="圆角矩形 4"/>
+            <p:cNvSpPr/>
+            <p:nvPr/>
+          </p:nvSpPr>
+          <p:spPr>
+            <a:xfrm>
+              <a:off x="4015409" y="2246243"/>
+              <a:ext cx="2991679" cy="695740"/>
+            </a:xfrm>
+            <a:prstGeom prst="roundRect">
+              <a:avLst/>
+            </a:prstGeom>
+          </p:spPr>
+          <p:style>
+            <a:lnRef idx="2">
+              <a:schemeClr val="accent6">
+                <a:shade val="50000"/>
+              </a:schemeClr>
+            </a:lnRef>
+            <a:fillRef idx="1">
+              <a:schemeClr val="accent6"/>
+            </a:fillRef>
+            <a:effectRef idx="0">
+              <a:schemeClr val="accent6"/>
+            </a:effectRef>
+            <a:fontRef idx="minor">
+              <a:schemeClr val="lt1"/>
+            </a:fontRef>
+          </p:style>
+          <p:txBody>
+            <a:bodyPr rtlCol="0" anchor="ctr"/>
+            <a:lstStyle/>
+            <a:p>
+              <a:pPr algn="ctr"/>
+              <a:r>
+                <a:rPr lang="zh-CN" altLang="en-US" dirty="0" smtClean="0"/>
+                <a:t>我的模型库</a:t>
+              </a:r>
+              <a:endParaRPr lang="zh-CN" altLang="en-US" dirty="0"/>
+            </a:p>
+          </p:txBody>
+        </p:sp>
+        <p:sp>
+          <p:nvSpPr>
+            <p:cNvPr id="6" name="圆角矩形 5"/>
+            <p:cNvSpPr/>
+            <p:nvPr/>
+          </p:nvSpPr>
+          <p:spPr>
+            <a:xfrm>
+              <a:off x="8304142" y="2246243"/>
+              <a:ext cx="2991679" cy="695740"/>
+            </a:xfrm>
+            <a:prstGeom prst="roundRect">
+              <a:avLst/>
+            </a:prstGeom>
+          </p:spPr>
+          <p:style>
+            <a:lnRef idx="2">
+              <a:schemeClr val="accent6">
+                <a:shade val="50000"/>
+              </a:schemeClr>
+            </a:lnRef>
+            <a:fillRef idx="1">
+              <a:schemeClr val="accent6"/>
+            </a:fillRef>
+            <a:effectRef idx="0">
+              <a:schemeClr val="accent6"/>
+            </a:effectRef>
+            <a:fontRef idx="minor">
+              <a:schemeClr val="lt1"/>
+            </a:fontRef>
+          </p:style>
+          <p:txBody>
+            <a:bodyPr rtlCol="0" anchor="ctr"/>
+            <a:lstStyle/>
+            <a:p>
+              <a:pPr algn="ctr"/>
+              <a:r>
+                <a:rPr lang="zh-CN" altLang="en-US" dirty="0"/>
+                <a:t>所有</a:t>
+              </a:r>
+              <a:r>
+                <a:rPr lang="zh-CN" altLang="en-US" dirty="0" smtClean="0"/>
+                <a:t>模型库</a:t>
+              </a:r>
+              <a:endParaRPr lang="zh-CN" altLang="en-US" dirty="0"/>
+            </a:p>
+          </p:txBody>
+        </p:sp>
+      </p:grpSp>
+      <p:grpSp>
+        <p:nvGrpSpPr>
+          <p:cNvPr id="14" name="组合 13"/>
+          <p:cNvGrpSpPr/>
+          <p:nvPr/>
+        </p:nvGrpSpPr>
+        <p:grpSpPr>
+          <a:xfrm>
+            <a:off x="2093428" y="2721657"/>
+            <a:ext cx="3756166" cy="357809"/>
+            <a:chOff x="2497202" y="2932041"/>
+            <a:chExt cx="3756166" cy="357809"/>
+          </a:xfrm>
+        </p:grpSpPr>
+        <p:sp>
+          <p:nvSpPr>
+            <p:cNvPr id="12" name="圆角矩形 11"/>
+            <p:cNvSpPr/>
+            <p:nvPr/>
+          </p:nvSpPr>
+          <p:spPr>
+            <a:xfrm>
+              <a:off x="2497202" y="2932041"/>
+              <a:ext cx="1630846" cy="357809"/>
+            </a:xfrm>
+            <a:prstGeom prst="roundRect">
+              <a:avLst/>
+            </a:prstGeom>
+          </p:spPr>
+          <p:style>
+            <a:lnRef idx="2">
+              <a:schemeClr val="accent2">
+                <a:shade val="50000"/>
+              </a:schemeClr>
+            </a:lnRef>
+            <a:fillRef idx="1">
+              <a:schemeClr val="accent2"/>
+            </a:fillRef>
+            <a:effectRef idx="0">
+              <a:schemeClr val="accent2"/>
+            </a:effectRef>
+            <a:fontRef idx="minor">
+              <a:schemeClr val="lt1"/>
+            </a:fontRef>
+          </p:style>
+          <p:txBody>
+            <a:bodyPr rtlCol="0" anchor="ctr"/>
+            <a:lstStyle/>
+            <a:p>
+              <a:pPr algn="ctr"/>
+              <a:r>
+                <a:rPr lang="zh-CN" altLang="en-US" dirty="0"/>
+                <a:t>我的</a:t>
+              </a:r>
+              <a:r>
+                <a:rPr lang="zh-CN" altLang="en-US" dirty="0" smtClean="0"/>
+                <a:t>模型</a:t>
+              </a:r>
+              <a:endParaRPr lang="zh-CN" altLang="en-US" dirty="0"/>
+            </a:p>
+          </p:txBody>
+        </p:sp>
+        <p:sp>
+          <p:nvSpPr>
+            <p:cNvPr id="13" name="圆角矩形 12"/>
+            <p:cNvSpPr/>
+            <p:nvPr/>
+          </p:nvSpPr>
+          <p:spPr>
+            <a:xfrm>
+              <a:off x="4622522" y="2932041"/>
+              <a:ext cx="1630846" cy="357809"/>
+            </a:xfrm>
+            <a:prstGeom prst="roundRect">
+              <a:avLst/>
+            </a:prstGeom>
+          </p:spPr>
+          <p:style>
+            <a:lnRef idx="2">
+              <a:schemeClr val="accent2">
+                <a:shade val="50000"/>
+              </a:schemeClr>
+            </a:lnRef>
+            <a:fillRef idx="1">
+              <a:schemeClr val="accent2"/>
+            </a:fillRef>
+            <a:effectRef idx="0">
+              <a:schemeClr val="accent2"/>
+            </a:effectRef>
+            <a:fontRef idx="minor">
+              <a:schemeClr val="lt1"/>
+            </a:fontRef>
+          </p:style>
+          <p:txBody>
+            <a:bodyPr rtlCol="0" anchor="ctr"/>
+            <a:lstStyle/>
+            <a:p>
+              <a:pPr algn="ctr"/>
+              <a:r>
+                <a:rPr lang="zh-CN" altLang="en-US" dirty="0"/>
+                <a:t>他人</a:t>
+              </a:r>
+              <a:r>
+                <a:rPr lang="zh-CN" altLang="en-US" dirty="0" smtClean="0"/>
+                <a:t>模型</a:t>
+              </a:r>
+              <a:endParaRPr lang="zh-CN" altLang="en-US" dirty="0"/>
+            </a:p>
+          </p:txBody>
+        </p:sp>
+      </p:grpSp>
+      <p:grpSp>
+        <p:nvGrpSpPr>
+          <p:cNvPr id="29" name="组合 28"/>
+          <p:cNvGrpSpPr/>
+          <p:nvPr/>
+        </p:nvGrpSpPr>
+        <p:grpSpPr>
+          <a:xfrm>
+            <a:off x="6382161" y="2721657"/>
+            <a:ext cx="3756166" cy="357809"/>
+            <a:chOff x="2497202" y="2932041"/>
+            <a:chExt cx="3756166" cy="357809"/>
+          </a:xfrm>
+        </p:grpSpPr>
+        <p:sp>
+          <p:nvSpPr>
+            <p:cNvPr id="30" name="圆角矩形 29"/>
+            <p:cNvSpPr/>
+            <p:nvPr/>
+          </p:nvSpPr>
+          <p:spPr>
+            <a:xfrm>
+              <a:off x="2497202" y="2932041"/>
+              <a:ext cx="1630846" cy="357809"/>
+            </a:xfrm>
+            <a:prstGeom prst="roundRect">
+              <a:avLst/>
+            </a:prstGeom>
+          </p:spPr>
+          <p:style>
+            <a:lnRef idx="2">
+              <a:schemeClr val="accent2">
+                <a:shade val="50000"/>
+              </a:schemeClr>
+            </a:lnRef>
+            <a:fillRef idx="1">
+              <a:schemeClr val="accent2"/>
+            </a:fillRef>
+            <a:effectRef idx="0">
+              <a:schemeClr val="accent2"/>
+            </a:effectRef>
+            <a:fontRef idx="minor">
+              <a:schemeClr val="lt1"/>
+            </a:fontRef>
+          </p:style>
+          <p:txBody>
+            <a:bodyPr rtlCol="0" anchor="ctr"/>
+            <a:lstStyle/>
+            <a:p>
+              <a:pPr algn="ctr"/>
+              <a:r>
+                <a:rPr lang="zh-CN" altLang="en-US" dirty="0"/>
+                <a:t>公有</a:t>
+              </a:r>
+              <a:r>
+                <a:rPr lang="zh-CN" altLang="en-US" dirty="0" smtClean="0"/>
+                <a:t>模型</a:t>
+              </a:r>
+              <a:endParaRPr lang="zh-CN" altLang="en-US" dirty="0"/>
+            </a:p>
+          </p:txBody>
+        </p:sp>
+        <p:sp>
+          <p:nvSpPr>
+            <p:cNvPr id="31" name="圆角矩形 30"/>
+            <p:cNvSpPr/>
+            <p:nvPr/>
+          </p:nvSpPr>
+          <p:spPr>
+            <a:xfrm>
+              <a:off x="4622522" y="2932041"/>
+              <a:ext cx="1630846" cy="357809"/>
+            </a:xfrm>
+            <a:prstGeom prst="roundRect">
+              <a:avLst/>
+            </a:prstGeom>
+          </p:spPr>
+          <p:style>
+            <a:lnRef idx="2">
+              <a:schemeClr val="accent2">
+                <a:shade val="50000"/>
+              </a:schemeClr>
+            </a:lnRef>
+            <a:fillRef idx="1">
+              <a:schemeClr val="accent2"/>
+            </a:fillRef>
+            <a:effectRef idx="0">
+              <a:schemeClr val="accent2"/>
+            </a:effectRef>
+            <a:fontRef idx="minor">
+              <a:schemeClr val="lt1"/>
+            </a:fontRef>
+          </p:style>
+          <p:txBody>
+            <a:bodyPr rtlCol="0" anchor="ctr"/>
+            <a:lstStyle/>
+            <a:p>
+              <a:pPr algn="ctr"/>
+              <a:r>
+                <a:rPr lang="zh-CN" altLang="en-US" dirty="0" smtClean="0"/>
+                <a:t>私有模型</a:t>
+              </a:r>
+              <a:endParaRPr lang="zh-CN" altLang="en-US" dirty="0"/>
+            </a:p>
+          </p:txBody>
+        </p:sp>
+      </p:grpSp>
+      <p:cxnSp>
+        <p:nvCxnSpPr>
+          <p:cNvPr id="36" name="直接箭头连接符 35"/>
+          <p:cNvCxnSpPr>
+            <a:stCxn id="4" idx="2"/>
+            <a:endCxn id="5" idx="0"/>
+          </p:cNvCxnSpPr>
+          <p:nvPr/>
+        </p:nvCxnSpPr>
+        <p:spPr>
+          <a:xfrm flipH="1">
+            <a:off x="3971512" y="983975"/>
+            <a:ext cx="2144367" cy="471276"/>
+          </a:xfrm>
+          <a:prstGeom prst="straightConnector1">
+            <a:avLst/>
+          </a:prstGeom>
+          <a:ln>
+            <a:tailEnd type="triangle"/>
+          </a:ln>
+        </p:spPr>
+        <p:style>
+          <a:lnRef idx="1">
+            <a:schemeClr val="accent1"/>
+          </a:lnRef>
+          <a:fillRef idx="0">
+            <a:schemeClr val="accent1"/>
+          </a:fillRef>
+          <a:effectRef idx="0">
+            <a:schemeClr val="accent1"/>
+          </a:effectRef>
+          <a:fontRef idx="minor">
+            <a:schemeClr val="tx1"/>
+          </a:fontRef>
+        </p:style>
+      </p:cxnSp>
+      <p:cxnSp>
+        <p:nvCxnSpPr>
+          <p:cNvPr id="38" name="直接箭头连接符 37"/>
+          <p:cNvCxnSpPr>
+            <a:stCxn id="4" idx="2"/>
+            <a:endCxn id="6" idx="0"/>
+          </p:cNvCxnSpPr>
+          <p:nvPr/>
+        </p:nvCxnSpPr>
+        <p:spPr>
+          <a:xfrm>
+            <a:off x="6115879" y="983975"/>
+            <a:ext cx="2144366" cy="471276"/>
+          </a:xfrm>
+          <a:prstGeom prst="straightConnector1">
+            <a:avLst/>
+          </a:prstGeom>
+          <a:ln>
+            <a:tailEnd type="triangle"/>
+          </a:ln>
+        </p:spPr>
+        <p:style>
+          <a:lnRef idx="1">
+            <a:schemeClr val="accent1"/>
+          </a:lnRef>
+          <a:fillRef idx="0">
+            <a:schemeClr val="accent1"/>
+          </a:fillRef>
+          <a:effectRef idx="0">
+            <a:schemeClr val="accent1"/>
+          </a:effectRef>
+          <a:fontRef idx="minor">
+            <a:schemeClr val="tx1"/>
+          </a:fontRef>
+        </p:style>
+      </p:cxnSp>
+      <p:cxnSp>
+        <p:nvCxnSpPr>
+          <p:cNvPr id="41" name="直接箭头连接符 40"/>
+          <p:cNvCxnSpPr>
+            <a:stCxn id="5" idx="2"/>
+            <a:endCxn id="12" idx="0"/>
+          </p:cNvCxnSpPr>
+          <p:nvPr/>
+        </p:nvCxnSpPr>
+        <p:spPr>
+          <a:xfrm flipH="1">
+            <a:off x="2908851" y="2001904"/>
+            <a:ext cx="1062661" cy="719753"/>
+          </a:xfrm>
+          <a:prstGeom prst="straightConnector1">
+            <a:avLst/>
+          </a:prstGeom>
+          <a:ln>
+            <a:tailEnd type="triangle"/>
+          </a:ln>
+        </p:spPr>
+        <p:style>
+          <a:lnRef idx="1">
+            <a:schemeClr val="accent1"/>
+          </a:lnRef>
+          <a:fillRef idx="0">
+            <a:schemeClr val="accent1"/>
+          </a:fillRef>
+          <a:effectRef idx="0">
+            <a:schemeClr val="accent1"/>
+          </a:effectRef>
+          <a:fontRef idx="minor">
+            <a:schemeClr val="tx1"/>
+          </a:fontRef>
+        </p:style>
+      </p:cxnSp>
+      <p:cxnSp>
+        <p:nvCxnSpPr>
+          <p:cNvPr id="44" name="直接箭头连接符 43"/>
+          <p:cNvCxnSpPr>
+            <a:stCxn id="5" idx="2"/>
+            <a:endCxn id="13" idx="0"/>
+          </p:cNvCxnSpPr>
+          <p:nvPr/>
+        </p:nvCxnSpPr>
+        <p:spPr>
+          <a:xfrm>
+            <a:off x="3971512" y="2001904"/>
+            <a:ext cx="1062659" cy="719753"/>
+          </a:xfrm>
+          <a:prstGeom prst="straightConnector1">
+            <a:avLst/>
+          </a:prstGeom>
+          <a:ln>
+            <a:tailEnd type="triangle"/>
+          </a:ln>
+        </p:spPr>
+        <p:style>
+          <a:lnRef idx="1">
+            <a:schemeClr val="accent1"/>
+          </a:lnRef>
+          <a:fillRef idx="0">
+            <a:schemeClr val="accent1"/>
+          </a:fillRef>
+          <a:effectRef idx="0">
+            <a:schemeClr val="accent1"/>
+          </a:effectRef>
+          <a:fontRef idx="minor">
+            <a:schemeClr val="tx1"/>
+          </a:fontRef>
+        </p:style>
+      </p:cxnSp>
+      <p:cxnSp>
+        <p:nvCxnSpPr>
+          <p:cNvPr id="47" name="直接箭头连接符 46"/>
+          <p:cNvCxnSpPr>
+            <a:stCxn id="6" idx="2"/>
+            <a:endCxn id="30" idx="0"/>
+          </p:cNvCxnSpPr>
+          <p:nvPr/>
+        </p:nvCxnSpPr>
+        <p:spPr>
+          <a:xfrm flipH="1">
+            <a:off x="7197584" y="2001904"/>
+            <a:ext cx="1062661" cy="719753"/>
+          </a:xfrm>
+          <a:prstGeom prst="straightConnector1">
+            <a:avLst/>
+          </a:prstGeom>
+          <a:ln>
+            <a:tailEnd type="triangle"/>
+          </a:ln>
+        </p:spPr>
+        <p:style>
+          <a:lnRef idx="1">
+            <a:schemeClr val="accent1"/>
+          </a:lnRef>
+          <a:fillRef idx="0">
+            <a:schemeClr val="accent1"/>
+          </a:fillRef>
+          <a:effectRef idx="0">
+            <a:schemeClr val="accent1"/>
+          </a:effectRef>
+          <a:fontRef idx="minor">
+            <a:schemeClr val="tx1"/>
+          </a:fontRef>
+        </p:style>
+      </p:cxnSp>
+      <p:cxnSp>
+        <p:nvCxnSpPr>
+          <p:cNvPr id="50" name="直接箭头连接符 49"/>
+          <p:cNvCxnSpPr>
+            <a:stCxn id="6" idx="2"/>
+            <a:endCxn id="31" idx="0"/>
+          </p:cNvCxnSpPr>
+          <p:nvPr/>
+        </p:nvCxnSpPr>
+        <p:spPr>
+          <a:xfrm>
+            <a:off x="8260245" y="2001904"/>
+            <a:ext cx="1062659" cy="719753"/>
+          </a:xfrm>
+          <a:prstGeom prst="straightConnector1">
+            <a:avLst/>
+          </a:prstGeom>
+          <a:ln>
+            <a:tailEnd type="triangle"/>
+          </a:ln>
+        </p:spPr>
+        <p:style>
+          <a:lnRef idx="1">
+            <a:schemeClr val="accent1"/>
+          </a:lnRef>
+          <a:fillRef idx="0">
+            <a:schemeClr val="accent1"/>
+          </a:fillRef>
+          <a:effectRef idx="0">
+            <a:schemeClr val="accent1"/>
+          </a:effectRef>
+          <a:fontRef idx="minor">
+            <a:schemeClr val="tx1"/>
+          </a:fontRef>
+        </p:style>
+      </p:cxnSp>
+      <p:cxnSp>
+        <p:nvCxnSpPr>
+          <p:cNvPr id="53" name="直接箭头连接符 52"/>
+          <p:cNvCxnSpPr>
+            <a:stCxn id="12" idx="2"/>
+            <a:endCxn id="22" idx="0"/>
+          </p:cNvCxnSpPr>
+          <p:nvPr/>
+        </p:nvCxnSpPr>
+        <p:spPr>
+          <a:xfrm flipH="1">
+            <a:off x="1255129" y="3079466"/>
+            <a:ext cx="1653722" cy="921442"/>
+          </a:xfrm>
+          <a:prstGeom prst="straightConnector1">
+            <a:avLst/>
+          </a:prstGeom>
+          <a:ln>
+            <a:tailEnd type="triangle"/>
+          </a:ln>
+        </p:spPr>
+        <p:style>
+          <a:lnRef idx="1">
+            <a:schemeClr val="accent1"/>
+          </a:lnRef>
+          <a:fillRef idx="0">
+            <a:schemeClr val="accent1"/>
+          </a:fillRef>
+          <a:effectRef idx="0">
+            <a:schemeClr val="accent1"/>
+          </a:effectRef>
+          <a:fontRef idx="minor">
+            <a:schemeClr val="tx1"/>
+          </a:fontRef>
+        </p:style>
+      </p:cxnSp>
+      <p:cxnSp>
+        <p:nvCxnSpPr>
+          <p:cNvPr id="56" name="直接箭头连接符 55"/>
+          <p:cNvCxnSpPr>
+            <a:stCxn id="12" idx="2"/>
+            <a:endCxn id="23" idx="0"/>
+          </p:cNvCxnSpPr>
+          <p:nvPr/>
+        </p:nvCxnSpPr>
+        <p:spPr>
+          <a:xfrm flipH="1">
+            <a:off x="2463767" y="3079466"/>
+            <a:ext cx="445084" cy="921441"/>
+          </a:xfrm>
+          <a:prstGeom prst="straightConnector1">
+            <a:avLst/>
+          </a:prstGeom>
+          <a:ln>
+            <a:tailEnd type="triangle"/>
+          </a:ln>
+        </p:spPr>
+        <p:style>
+          <a:lnRef idx="1">
+            <a:schemeClr val="accent1"/>
+          </a:lnRef>
+          <a:fillRef idx="0">
+            <a:schemeClr val="accent1"/>
+          </a:fillRef>
+          <a:effectRef idx="0">
+            <a:schemeClr val="accent1"/>
+          </a:effectRef>
+          <a:fontRef idx="minor">
+            <a:schemeClr val="tx1"/>
+          </a:fontRef>
+        </p:style>
+      </p:cxnSp>
+      <p:cxnSp>
+        <p:nvCxnSpPr>
+          <p:cNvPr id="59" name="直接箭头连接符 58"/>
+          <p:cNvCxnSpPr>
+            <a:stCxn id="12" idx="2"/>
+            <a:endCxn id="24" idx="0"/>
+          </p:cNvCxnSpPr>
+          <p:nvPr/>
+        </p:nvCxnSpPr>
+        <p:spPr>
+          <a:xfrm>
+            <a:off x="2908851" y="3079466"/>
+            <a:ext cx="763554" cy="921441"/>
+          </a:xfrm>
+          <a:prstGeom prst="straightConnector1">
+            <a:avLst/>
+          </a:prstGeom>
+          <a:ln>
+            <a:tailEnd type="triangle"/>
+          </a:ln>
+        </p:spPr>
+        <p:style>
+          <a:lnRef idx="1">
+            <a:schemeClr val="accent1"/>
+          </a:lnRef>
+          <a:fillRef idx="0">
+            <a:schemeClr val="accent1"/>
+          </a:fillRef>
+          <a:effectRef idx="0">
+            <a:schemeClr val="accent1"/>
+          </a:effectRef>
+          <a:fontRef idx="minor">
+            <a:schemeClr val="tx1"/>
+          </a:fontRef>
+        </p:style>
+      </p:cxnSp>
+      <p:cxnSp>
+        <p:nvCxnSpPr>
+          <p:cNvPr id="62" name="直接箭头连接符 61"/>
+          <p:cNvCxnSpPr>
+            <a:stCxn id="12" idx="2"/>
+            <a:endCxn id="25" idx="0"/>
+          </p:cNvCxnSpPr>
+          <p:nvPr/>
+        </p:nvCxnSpPr>
+        <p:spPr>
+          <a:xfrm>
+            <a:off x="2908851" y="3079466"/>
+            <a:ext cx="1972192" cy="921440"/>
+          </a:xfrm>
+          <a:prstGeom prst="straightConnector1">
+            <a:avLst/>
+          </a:prstGeom>
+          <a:ln>
+            <a:tailEnd type="triangle"/>
+          </a:ln>
+        </p:spPr>
+        <p:style>
+          <a:lnRef idx="1">
+            <a:schemeClr val="accent1"/>
+          </a:lnRef>
+          <a:fillRef idx="0">
+            <a:schemeClr val="accent1"/>
+          </a:fillRef>
+          <a:effectRef idx="0">
+            <a:schemeClr val="accent1"/>
+          </a:effectRef>
+          <a:fontRef idx="minor">
+            <a:schemeClr val="tx1"/>
+          </a:fontRef>
+        </p:style>
+      </p:cxnSp>
+      <p:cxnSp>
+        <p:nvCxnSpPr>
+          <p:cNvPr id="65" name="直接箭头连接符 64"/>
+          <p:cNvCxnSpPr>
+            <a:stCxn id="13" idx="2"/>
+            <a:endCxn id="27" idx="0"/>
+          </p:cNvCxnSpPr>
+          <p:nvPr/>
+        </p:nvCxnSpPr>
+        <p:spPr>
+          <a:xfrm>
+            <a:off x="5034171" y="3079466"/>
+            <a:ext cx="2266017" cy="923918"/>
+          </a:xfrm>
+          <a:prstGeom prst="straightConnector1">
+            <a:avLst/>
+          </a:prstGeom>
+          <a:ln>
+            <a:tailEnd type="triangle"/>
+          </a:ln>
+        </p:spPr>
+        <p:style>
+          <a:lnRef idx="1">
+            <a:schemeClr val="accent1"/>
+          </a:lnRef>
+          <a:fillRef idx="0">
+            <a:schemeClr val="accent1"/>
+          </a:fillRef>
+          <a:effectRef idx="0">
+            <a:schemeClr val="accent1"/>
+          </a:effectRef>
+          <a:fontRef idx="minor">
+            <a:schemeClr val="tx1"/>
+          </a:fontRef>
+        </p:style>
+      </p:cxnSp>
+      <p:cxnSp>
+        <p:nvCxnSpPr>
+          <p:cNvPr id="68" name="直接箭头连接符 67"/>
+          <p:cNvCxnSpPr>
+            <a:stCxn id="13" idx="2"/>
+            <a:endCxn id="28" idx="0"/>
+          </p:cNvCxnSpPr>
+          <p:nvPr/>
+        </p:nvCxnSpPr>
+        <p:spPr>
+          <a:xfrm>
+            <a:off x="5034171" y="3079466"/>
+            <a:ext cx="3480040" cy="921441"/>
+          </a:xfrm>
+          <a:prstGeom prst="straightConnector1">
+            <a:avLst/>
+          </a:prstGeom>
+          <a:ln>
+            <a:tailEnd type="triangle"/>
+          </a:ln>
+        </p:spPr>
+        <p:style>
+          <a:lnRef idx="1">
+            <a:schemeClr val="accent1"/>
+          </a:lnRef>
+          <a:fillRef idx="0">
+            <a:schemeClr val="accent1"/>
+          </a:fillRef>
+          <a:effectRef idx="0">
+            <a:schemeClr val="accent1"/>
+          </a:effectRef>
+          <a:fontRef idx="minor">
+            <a:schemeClr val="tx1"/>
+          </a:fontRef>
+        </p:style>
+      </p:cxnSp>
+      <p:cxnSp>
+        <p:nvCxnSpPr>
+          <p:cNvPr id="71" name="直接箭头连接符 70"/>
+          <p:cNvCxnSpPr>
+            <a:stCxn id="30" idx="2"/>
+            <a:endCxn id="32" idx="0"/>
+          </p:cNvCxnSpPr>
+          <p:nvPr/>
+        </p:nvCxnSpPr>
+        <p:spPr>
+          <a:xfrm>
+            <a:off x="7197584" y="3079466"/>
+            <a:ext cx="2530650" cy="921441"/>
+          </a:xfrm>
+          <a:prstGeom prst="straightConnector1">
+            <a:avLst/>
+          </a:prstGeom>
+          <a:ln>
+            <a:tailEnd type="triangle"/>
+          </a:ln>
+        </p:spPr>
+        <p:style>
+          <a:lnRef idx="1">
+            <a:schemeClr val="accent1"/>
+          </a:lnRef>
+          <a:fillRef idx="0">
+            <a:schemeClr val="accent1"/>
+          </a:fillRef>
+          <a:effectRef idx="0">
+            <a:schemeClr val="accent1"/>
+          </a:effectRef>
+          <a:fontRef idx="minor">
+            <a:schemeClr val="tx1"/>
+          </a:fontRef>
+        </p:style>
+      </p:cxnSp>
+      <p:cxnSp>
+        <p:nvCxnSpPr>
+          <p:cNvPr id="74" name="直接箭头连接符 73"/>
+          <p:cNvCxnSpPr>
+            <a:stCxn id="31" idx="2"/>
+            <a:endCxn id="33" idx="0"/>
+          </p:cNvCxnSpPr>
+          <p:nvPr/>
+        </p:nvCxnSpPr>
+        <p:spPr>
+          <a:xfrm>
+            <a:off x="9322904" y="3079466"/>
+            <a:ext cx="1613968" cy="921441"/>
+          </a:xfrm>
+          <a:prstGeom prst="straightConnector1">
+            <a:avLst/>
+          </a:prstGeom>
+          <a:ln>
+            <a:tailEnd type="triangle"/>
+          </a:ln>
+        </p:spPr>
+        <p:style>
+          <a:lnRef idx="1">
+            <a:schemeClr val="accent1"/>
+          </a:lnRef>
+          <a:fillRef idx="0">
+            <a:schemeClr val="accent1"/>
+          </a:fillRef>
+          <a:effectRef idx="0">
+            <a:schemeClr val="accent1"/>
+          </a:effectRef>
+          <a:fontRef idx="minor">
+            <a:schemeClr val="tx1"/>
+          </a:fontRef>
+        </p:style>
+      </p:cxnSp>
+      <p:grpSp>
+        <p:nvGrpSpPr>
+          <p:cNvPr id="87" name="组合 86"/>
+          <p:cNvGrpSpPr/>
+          <p:nvPr/>
+        </p:nvGrpSpPr>
+        <p:grpSpPr>
+          <a:xfrm>
+            <a:off x="751129" y="4000906"/>
+            <a:ext cx="10689743" cy="360287"/>
+            <a:chOff x="603074" y="4000906"/>
+            <a:chExt cx="10689743" cy="360287"/>
+          </a:xfrm>
+        </p:grpSpPr>
+        <p:sp>
+          <p:nvSpPr>
+            <p:cNvPr id="27" name="矩形 26"/>
+            <p:cNvSpPr/>
+            <p:nvPr/>
+          </p:nvSpPr>
+          <p:spPr>
+            <a:xfrm>
+              <a:off x="6648133" y="4003384"/>
+              <a:ext cx="1008000" cy="357809"/>
+            </a:xfrm>
+            <a:prstGeom prst="rect">
+              <a:avLst/>
+            </a:prstGeom>
+          </p:spPr>
+          <p:style>
+            <a:lnRef idx="2">
+              <a:schemeClr val="accent5">
+                <a:shade val="50000"/>
+              </a:schemeClr>
+            </a:lnRef>
+            <a:fillRef idx="1">
+              <a:schemeClr val="accent5"/>
+            </a:fillRef>
+            <a:effectRef idx="0">
+              <a:schemeClr val="accent5"/>
+            </a:effectRef>
+            <a:fontRef idx="minor">
+              <a:schemeClr val="lt1"/>
+            </a:fontRef>
+          </p:style>
+          <p:txBody>
+            <a:bodyPr rot="0" spcFirstLastPara="0" vert="horz" wrap="square" lIns="91440" tIns="45720" rIns="91440" bIns="45720" numCol="1" spcCol="0" rtlCol="0" fromWordArt="0" anchor="ctr" anchorCtr="0" forceAA="0" compatLnSpc="1">
+              <a:prstTxWarp prst="textNoShape">
+                <a:avLst/>
+              </a:prstTxWarp>
+              <a:noAutofit/>
+            </a:bodyPr>
+            <a:lstStyle>
+              <a:defPPr>
+                <a:defRPr lang="zh-CN"/>
+              </a:defPPr>
+              <a:lvl1pPr marL="0" algn="l" defTabSz="914400" rtl="0" eaLnBrk="1" latinLnBrk="0" hangingPunct="1">
+                <a:defRPr sz="1800" kern="1200">
+                  <a:solidFill>
+                    <a:schemeClr val="lt1"/>
+                  </a:solidFill>
+                  <a:latin typeface="+mn-lt"/>
+                  <a:ea typeface="+mn-ea"/>
+                  <a:cs typeface="+mn-cs"/>
+                </a:defRPr>
+              </a:lvl1pPr>
+              <a:lvl2pPr marL="457200" algn="l" defTabSz="914400" rtl="0" eaLnBrk="1" latinLnBrk="0" hangingPunct="1">
+                <a:defRPr sz="1800" kern="1200">
+                  <a:solidFill>
+                    <a:schemeClr val="lt1"/>
+                  </a:solidFill>
+                  <a:latin typeface="+mn-lt"/>
+                  <a:ea typeface="+mn-ea"/>
+                  <a:cs typeface="+mn-cs"/>
+                </a:defRPr>
+              </a:lvl2pPr>
+              <a:lvl3pPr marL="914400" algn="l" defTabSz="914400" rtl="0" eaLnBrk="1" latinLnBrk="0" hangingPunct="1">
+                <a:defRPr sz="1800" kern="1200">
+                  <a:solidFill>
+                    <a:schemeClr val="lt1"/>
+                  </a:solidFill>
+                  <a:latin typeface="+mn-lt"/>
+                  <a:ea typeface="+mn-ea"/>
+                  <a:cs typeface="+mn-cs"/>
+                </a:defRPr>
+              </a:lvl3pPr>
+              <a:lvl4pPr marL="1371600" algn="l" defTabSz="914400" rtl="0" eaLnBrk="1" latinLnBrk="0" hangingPunct="1">
+                <a:defRPr sz="1800" kern="1200">
+                  <a:solidFill>
+                    <a:schemeClr val="lt1"/>
+                  </a:solidFill>
+                  <a:latin typeface="+mn-lt"/>
+                  <a:ea typeface="+mn-ea"/>
+                  <a:cs typeface="+mn-cs"/>
+                </a:defRPr>
+              </a:lvl4pPr>
+              <a:lvl5pPr marL="1828800" algn="l" defTabSz="914400" rtl="0" eaLnBrk="1" latinLnBrk="0" hangingPunct="1">
+                <a:defRPr sz="1800" kern="1200">
+                  <a:solidFill>
+                    <a:schemeClr val="lt1"/>
+                  </a:solidFill>
+                  <a:latin typeface="+mn-lt"/>
+                  <a:ea typeface="+mn-ea"/>
+                  <a:cs typeface="+mn-cs"/>
+                </a:defRPr>
+              </a:lvl5pPr>
+              <a:lvl6pPr marL="2286000" algn="l" defTabSz="914400" rtl="0" eaLnBrk="1" latinLnBrk="0" hangingPunct="1">
+                <a:defRPr sz="1800" kern="1200">
+                  <a:solidFill>
+                    <a:schemeClr val="lt1"/>
+                  </a:solidFill>
+                  <a:latin typeface="+mn-lt"/>
+                  <a:ea typeface="+mn-ea"/>
+                  <a:cs typeface="+mn-cs"/>
+                </a:defRPr>
+              </a:lvl6pPr>
+              <a:lvl7pPr marL="2743200" algn="l" defTabSz="914400" rtl="0" eaLnBrk="1" latinLnBrk="0" hangingPunct="1">
+                <a:defRPr sz="1800" kern="1200">
+                  <a:solidFill>
+                    <a:schemeClr val="lt1"/>
+                  </a:solidFill>
+                  <a:latin typeface="+mn-lt"/>
+                  <a:ea typeface="+mn-ea"/>
+                  <a:cs typeface="+mn-cs"/>
+                </a:defRPr>
+              </a:lvl7pPr>
+              <a:lvl8pPr marL="3200400" algn="l" defTabSz="914400" rtl="0" eaLnBrk="1" latinLnBrk="0" hangingPunct="1">
+                <a:defRPr sz="1800" kern="1200">
+                  <a:solidFill>
+                    <a:schemeClr val="lt1"/>
+                  </a:solidFill>
+                  <a:latin typeface="+mn-lt"/>
+                  <a:ea typeface="+mn-ea"/>
+                  <a:cs typeface="+mn-cs"/>
+                </a:defRPr>
+              </a:lvl8pPr>
+              <a:lvl9pPr marL="3657600" algn="l" defTabSz="914400" rtl="0" eaLnBrk="1" latinLnBrk="0" hangingPunct="1">
+                <a:defRPr sz="1800" kern="1200">
+                  <a:solidFill>
+                    <a:schemeClr val="lt1"/>
+                  </a:solidFill>
+                  <a:latin typeface="+mn-lt"/>
+                  <a:ea typeface="+mn-ea"/>
+                  <a:cs typeface="+mn-cs"/>
+                </a:defRPr>
+              </a:lvl9pPr>
+            </a:lstStyle>
+            <a:p>
+              <a:pPr algn="ctr"/>
+              <a:r>
+                <a:rPr lang="zh-CN" altLang="en-US" sz="1600" dirty="0" smtClean="0"/>
+                <a:t>选择模型</a:t>
+              </a:r>
+              <a:endParaRPr lang="zh-CN" altLang="en-US" sz="1600" dirty="0"/>
+            </a:p>
+          </p:txBody>
+        </p:sp>
+        <p:sp>
+          <p:nvSpPr>
+            <p:cNvPr id="28" name="矩形 27"/>
+            <p:cNvSpPr/>
+            <p:nvPr/>
+          </p:nvSpPr>
+          <p:spPr>
+            <a:xfrm>
+              <a:off x="7862156" y="4000907"/>
+              <a:ext cx="1008000" cy="357809"/>
+            </a:xfrm>
+            <a:prstGeom prst="rect">
+              <a:avLst/>
+            </a:prstGeom>
+          </p:spPr>
+          <p:style>
+            <a:lnRef idx="2">
+              <a:schemeClr val="accent5">
+                <a:shade val="50000"/>
+              </a:schemeClr>
+            </a:lnRef>
+            <a:fillRef idx="1">
+              <a:schemeClr val="accent5"/>
+            </a:fillRef>
+            <a:effectRef idx="0">
+              <a:schemeClr val="accent5"/>
+            </a:effectRef>
+            <a:fontRef idx="minor">
+              <a:schemeClr val="lt1"/>
+            </a:fontRef>
+          </p:style>
+          <p:txBody>
+            <a:bodyPr rot="0" spcFirstLastPara="0" vert="horz" wrap="square" lIns="91440" tIns="45720" rIns="91440" bIns="45720" numCol="1" spcCol="0" rtlCol="0" fromWordArt="0" anchor="ctr" anchorCtr="0" forceAA="0" compatLnSpc="1">
+              <a:prstTxWarp prst="textNoShape">
+                <a:avLst/>
+              </a:prstTxWarp>
+              <a:noAutofit/>
+            </a:bodyPr>
+            <a:lstStyle>
+              <a:defPPr>
+                <a:defRPr lang="zh-CN"/>
+              </a:defPPr>
+              <a:lvl1pPr marL="0" algn="l" defTabSz="914400" rtl="0" eaLnBrk="1" latinLnBrk="0" hangingPunct="1">
+                <a:defRPr sz="1800" kern="1200">
+                  <a:solidFill>
+                    <a:schemeClr val="lt1"/>
+                  </a:solidFill>
+                  <a:latin typeface="+mn-lt"/>
+                  <a:ea typeface="+mn-ea"/>
+                  <a:cs typeface="+mn-cs"/>
+                </a:defRPr>
+              </a:lvl1pPr>
+              <a:lvl2pPr marL="457200" algn="l" defTabSz="914400" rtl="0" eaLnBrk="1" latinLnBrk="0" hangingPunct="1">
+                <a:defRPr sz="1800" kern="1200">
+                  <a:solidFill>
+                    <a:schemeClr val="lt1"/>
+                  </a:solidFill>
+                  <a:latin typeface="+mn-lt"/>
+                  <a:ea typeface="+mn-ea"/>
+                  <a:cs typeface="+mn-cs"/>
+                </a:defRPr>
+              </a:lvl2pPr>
+              <a:lvl3pPr marL="914400" algn="l" defTabSz="914400" rtl="0" eaLnBrk="1" latinLnBrk="0" hangingPunct="1">
+                <a:defRPr sz="1800" kern="1200">
+                  <a:solidFill>
+                    <a:schemeClr val="lt1"/>
+                  </a:solidFill>
+                  <a:latin typeface="+mn-lt"/>
+                  <a:ea typeface="+mn-ea"/>
+                  <a:cs typeface="+mn-cs"/>
+                </a:defRPr>
+              </a:lvl3pPr>
+              <a:lvl4pPr marL="1371600" algn="l" defTabSz="914400" rtl="0" eaLnBrk="1" latinLnBrk="0" hangingPunct="1">
+                <a:defRPr sz="1800" kern="1200">
+                  <a:solidFill>
+                    <a:schemeClr val="lt1"/>
+                  </a:solidFill>
+                  <a:latin typeface="+mn-lt"/>
+                  <a:ea typeface="+mn-ea"/>
+                  <a:cs typeface="+mn-cs"/>
+                </a:defRPr>
+              </a:lvl4pPr>
+              <a:lvl5pPr marL="1828800" algn="l" defTabSz="914400" rtl="0" eaLnBrk="1" latinLnBrk="0" hangingPunct="1">
+                <a:defRPr sz="1800" kern="1200">
+                  <a:solidFill>
+                    <a:schemeClr val="lt1"/>
+                  </a:solidFill>
+                  <a:latin typeface="+mn-lt"/>
+                  <a:ea typeface="+mn-ea"/>
+                  <a:cs typeface="+mn-cs"/>
+                </a:defRPr>
+              </a:lvl5pPr>
+              <a:lvl6pPr marL="2286000" algn="l" defTabSz="914400" rtl="0" eaLnBrk="1" latinLnBrk="0" hangingPunct="1">
+                <a:defRPr sz="1800" kern="1200">
+                  <a:solidFill>
+                    <a:schemeClr val="lt1"/>
+                  </a:solidFill>
+                  <a:latin typeface="+mn-lt"/>
+                  <a:ea typeface="+mn-ea"/>
+                  <a:cs typeface="+mn-cs"/>
+                </a:defRPr>
+              </a:lvl6pPr>
+              <a:lvl7pPr marL="2743200" algn="l" defTabSz="914400" rtl="0" eaLnBrk="1" latinLnBrk="0" hangingPunct="1">
+                <a:defRPr sz="1800" kern="1200">
+                  <a:solidFill>
+                    <a:schemeClr val="lt1"/>
+                  </a:solidFill>
+                  <a:latin typeface="+mn-lt"/>
+                  <a:ea typeface="+mn-ea"/>
+                  <a:cs typeface="+mn-cs"/>
+                </a:defRPr>
+              </a:lvl7pPr>
+              <a:lvl8pPr marL="3200400" algn="l" defTabSz="914400" rtl="0" eaLnBrk="1" latinLnBrk="0" hangingPunct="1">
+                <a:defRPr sz="1800" kern="1200">
+                  <a:solidFill>
+                    <a:schemeClr val="lt1"/>
+                  </a:solidFill>
+                  <a:latin typeface="+mn-lt"/>
+                  <a:ea typeface="+mn-ea"/>
+                  <a:cs typeface="+mn-cs"/>
+                </a:defRPr>
+              </a:lvl8pPr>
+              <a:lvl9pPr marL="3657600" algn="l" defTabSz="914400" rtl="0" eaLnBrk="1" latinLnBrk="0" hangingPunct="1">
+                <a:defRPr sz="1800" kern="1200">
+                  <a:solidFill>
+                    <a:schemeClr val="lt1"/>
+                  </a:solidFill>
+                  <a:latin typeface="+mn-lt"/>
+                  <a:ea typeface="+mn-ea"/>
+                  <a:cs typeface="+mn-cs"/>
+                </a:defRPr>
+              </a:lvl9pPr>
+            </a:lstStyle>
+            <a:p>
+              <a:pPr algn="ctr"/>
+              <a:r>
+                <a:rPr lang="zh-CN" altLang="en-US" sz="1600" dirty="0" smtClean="0"/>
+                <a:t>移除模型</a:t>
+              </a:r>
+              <a:endParaRPr lang="zh-CN" altLang="en-US" sz="1600" dirty="0"/>
+            </a:p>
+          </p:txBody>
+        </p:sp>
+        <p:sp>
+          <p:nvSpPr>
+            <p:cNvPr id="32" name="矩形 31"/>
+            <p:cNvSpPr/>
+            <p:nvPr/>
+          </p:nvSpPr>
+          <p:spPr>
+            <a:xfrm>
+              <a:off x="9076179" y="4000907"/>
+              <a:ext cx="1008000" cy="357809"/>
+            </a:xfrm>
+            <a:prstGeom prst="rect">
+              <a:avLst/>
+            </a:prstGeom>
+          </p:spPr>
+          <p:style>
+            <a:lnRef idx="2">
+              <a:schemeClr val="accent5">
+                <a:shade val="50000"/>
+              </a:schemeClr>
+            </a:lnRef>
+            <a:fillRef idx="1">
+              <a:schemeClr val="accent5"/>
+            </a:fillRef>
+            <a:effectRef idx="0">
+              <a:schemeClr val="accent5"/>
+            </a:effectRef>
+            <a:fontRef idx="minor">
+              <a:schemeClr val="lt1"/>
+            </a:fontRef>
+          </p:style>
+          <p:txBody>
+            <a:bodyPr rot="0" spcFirstLastPara="0" vert="horz" wrap="square" lIns="91440" tIns="45720" rIns="91440" bIns="45720" numCol="1" spcCol="0" rtlCol="0" fromWordArt="0" anchor="ctr" anchorCtr="0" forceAA="0" compatLnSpc="1">
+              <a:prstTxWarp prst="textNoShape">
+                <a:avLst/>
+              </a:prstTxWarp>
+              <a:noAutofit/>
+            </a:bodyPr>
+            <a:lstStyle>
+              <a:defPPr>
+                <a:defRPr lang="zh-CN"/>
+              </a:defPPr>
+              <a:lvl1pPr marL="0" algn="l" defTabSz="914400" rtl="0" eaLnBrk="1" latinLnBrk="0" hangingPunct="1">
+                <a:defRPr sz="1800" kern="1200">
+                  <a:solidFill>
+                    <a:schemeClr val="lt1"/>
+                  </a:solidFill>
+                  <a:latin typeface="+mn-lt"/>
+                  <a:ea typeface="+mn-ea"/>
+                  <a:cs typeface="+mn-cs"/>
+                </a:defRPr>
+              </a:lvl1pPr>
+              <a:lvl2pPr marL="457200" algn="l" defTabSz="914400" rtl="0" eaLnBrk="1" latinLnBrk="0" hangingPunct="1">
+                <a:defRPr sz="1800" kern="1200">
+                  <a:solidFill>
+                    <a:schemeClr val="lt1"/>
+                  </a:solidFill>
+                  <a:latin typeface="+mn-lt"/>
+                  <a:ea typeface="+mn-ea"/>
+                  <a:cs typeface="+mn-cs"/>
+                </a:defRPr>
+              </a:lvl2pPr>
+              <a:lvl3pPr marL="914400" algn="l" defTabSz="914400" rtl="0" eaLnBrk="1" latinLnBrk="0" hangingPunct="1">
+                <a:defRPr sz="1800" kern="1200">
+                  <a:solidFill>
+                    <a:schemeClr val="lt1"/>
+                  </a:solidFill>
+                  <a:latin typeface="+mn-lt"/>
+                  <a:ea typeface="+mn-ea"/>
+                  <a:cs typeface="+mn-cs"/>
+                </a:defRPr>
+              </a:lvl3pPr>
+              <a:lvl4pPr marL="1371600" algn="l" defTabSz="914400" rtl="0" eaLnBrk="1" latinLnBrk="0" hangingPunct="1">
+                <a:defRPr sz="1800" kern="1200">
+                  <a:solidFill>
+                    <a:schemeClr val="lt1"/>
+                  </a:solidFill>
+                  <a:latin typeface="+mn-lt"/>
+                  <a:ea typeface="+mn-ea"/>
+                  <a:cs typeface="+mn-cs"/>
+                </a:defRPr>
+              </a:lvl4pPr>
+              <a:lvl5pPr marL="1828800" algn="l" defTabSz="914400" rtl="0" eaLnBrk="1" latinLnBrk="0" hangingPunct="1">
+                <a:defRPr sz="1800" kern="1200">
+                  <a:solidFill>
+                    <a:schemeClr val="lt1"/>
+                  </a:solidFill>
+                  <a:latin typeface="+mn-lt"/>
+                  <a:ea typeface="+mn-ea"/>
+                  <a:cs typeface="+mn-cs"/>
+                </a:defRPr>
+              </a:lvl5pPr>
+              <a:lvl6pPr marL="2286000" algn="l" defTabSz="914400" rtl="0" eaLnBrk="1" latinLnBrk="0" hangingPunct="1">
+                <a:defRPr sz="1800" kern="1200">
+                  <a:solidFill>
+                    <a:schemeClr val="lt1"/>
+                  </a:solidFill>
+                  <a:latin typeface="+mn-lt"/>
+                  <a:ea typeface="+mn-ea"/>
+                  <a:cs typeface="+mn-cs"/>
+                </a:defRPr>
+              </a:lvl6pPr>
+              <a:lvl7pPr marL="2743200" algn="l" defTabSz="914400" rtl="0" eaLnBrk="1" latinLnBrk="0" hangingPunct="1">
+                <a:defRPr sz="1800" kern="1200">
+                  <a:solidFill>
+                    <a:schemeClr val="lt1"/>
+                  </a:solidFill>
+                  <a:latin typeface="+mn-lt"/>
+                  <a:ea typeface="+mn-ea"/>
+                  <a:cs typeface="+mn-cs"/>
+                </a:defRPr>
+              </a:lvl7pPr>
+              <a:lvl8pPr marL="3200400" algn="l" defTabSz="914400" rtl="0" eaLnBrk="1" latinLnBrk="0" hangingPunct="1">
+                <a:defRPr sz="1800" kern="1200">
+                  <a:solidFill>
+                    <a:schemeClr val="lt1"/>
+                  </a:solidFill>
+                  <a:latin typeface="+mn-lt"/>
+                  <a:ea typeface="+mn-ea"/>
+                  <a:cs typeface="+mn-cs"/>
+                </a:defRPr>
+              </a:lvl8pPr>
+              <a:lvl9pPr marL="3657600" algn="l" defTabSz="914400" rtl="0" eaLnBrk="1" latinLnBrk="0" hangingPunct="1">
+                <a:defRPr sz="1800" kern="1200">
+                  <a:solidFill>
+                    <a:schemeClr val="lt1"/>
+                  </a:solidFill>
+                  <a:latin typeface="+mn-lt"/>
+                  <a:ea typeface="+mn-ea"/>
+                  <a:cs typeface="+mn-cs"/>
+                </a:defRPr>
+              </a:lvl9pPr>
+            </a:lstStyle>
+            <a:p>
+              <a:pPr algn="ctr"/>
+              <a:r>
+                <a:rPr lang="zh-CN" altLang="en-US" sz="1600" dirty="0" smtClean="0"/>
+                <a:t>加入仓库</a:t>
+              </a:r>
+              <a:endParaRPr lang="zh-CN" altLang="en-US" sz="1600" dirty="0"/>
+            </a:p>
+          </p:txBody>
+        </p:sp>
+        <p:sp>
+          <p:nvSpPr>
+            <p:cNvPr id="33" name="矩形 32"/>
+            <p:cNvSpPr/>
+            <p:nvPr/>
+          </p:nvSpPr>
+          <p:spPr>
+            <a:xfrm>
+              <a:off x="10284817" y="4000907"/>
+              <a:ext cx="1008000" cy="357809"/>
+            </a:xfrm>
+            <a:prstGeom prst="rect">
+              <a:avLst/>
+            </a:prstGeom>
+          </p:spPr>
+          <p:style>
+            <a:lnRef idx="2">
+              <a:schemeClr val="accent5">
+                <a:shade val="50000"/>
+              </a:schemeClr>
+            </a:lnRef>
+            <a:fillRef idx="1">
+              <a:schemeClr val="accent5"/>
+            </a:fillRef>
+            <a:effectRef idx="0">
+              <a:schemeClr val="accent5"/>
+            </a:effectRef>
+            <a:fontRef idx="minor">
+              <a:schemeClr val="lt1"/>
+            </a:fontRef>
+          </p:style>
+          <p:txBody>
+            <a:bodyPr rot="0" spcFirstLastPara="0" vert="horz" wrap="square" lIns="91440" tIns="45720" rIns="91440" bIns="45720" numCol="1" spcCol="0" rtlCol="0" fromWordArt="0" anchor="ctr" anchorCtr="0" forceAA="0" compatLnSpc="1">
+              <a:prstTxWarp prst="textNoShape">
+                <a:avLst/>
+              </a:prstTxWarp>
+              <a:noAutofit/>
+            </a:bodyPr>
+            <a:lstStyle>
+              <a:defPPr>
+                <a:defRPr lang="zh-CN"/>
+              </a:defPPr>
+              <a:lvl1pPr marL="0" algn="l" defTabSz="914400" rtl="0" eaLnBrk="1" latinLnBrk="0" hangingPunct="1">
+                <a:defRPr sz="1800" kern="1200">
+                  <a:solidFill>
+                    <a:schemeClr val="lt1"/>
+                  </a:solidFill>
+                  <a:latin typeface="+mn-lt"/>
+                  <a:ea typeface="+mn-ea"/>
+                  <a:cs typeface="+mn-cs"/>
+                </a:defRPr>
+              </a:lvl1pPr>
+              <a:lvl2pPr marL="457200" algn="l" defTabSz="914400" rtl="0" eaLnBrk="1" latinLnBrk="0" hangingPunct="1">
+                <a:defRPr sz="1800" kern="1200">
+                  <a:solidFill>
+                    <a:schemeClr val="lt1"/>
+                  </a:solidFill>
+                  <a:latin typeface="+mn-lt"/>
+                  <a:ea typeface="+mn-ea"/>
+                  <a:cs typeface="+mn-cs"/>
+                </a:defRPr>
+              </a:lvl2pPr>
+              <a:lvl3pPr marL="914400" algn="l" defTabSz="914400" rtl="0" eaLnBrk="1" latinLnBrk="0" hangingPunct="1">
+                <a:defRPr sz="1800" kern="1200">
+                  <a:solidFill>
+                    <a:schemeClr val="lt1"/>
+                  </a:solidFill>
+                  <a:latin typeface="+mn-lt"/>
+                  <a:ea typeface="+mn-ea"/>
+                  <a:cs typeface="+mn-cs"/>
+                </a:defRPr>
+              </a:lvl3pPr>
+              <a:lvl4pPr marL="1371600" algn="l" defTabSz="914400" rtl="0" eaLnBrk="1" latinLnBrk="0" hangingPunct="1">
+                <a:defRPr sz="1800" kern="1200">
+                  <a:solidFill>
+                    <a:schemeClr val="lt1"/>
+                  </a:solidFill>
+                  <a:latin typeface="+mn-lt"/>
+                  <a:ea typeface="+mn-ea"/>
+                  <a:cs typeface="+mn-cs"/>
+                </a:defRPr>
+              </a:lvl4pPr>
+              <a:lvl5pPr marL="1828800" algn="l" defTabSz="914400" rtl="0" eaLnBrk="1" latinLnBrk="0" hangingPunct="1">
+                <a:defRPr sz="1800" kern="1200">
+                  <a:solidFill>
+                    <a:schemeClr val="lt1"/>
+                  </a:solidFill>
+                  <a:latin typeface="+mn-lt"/>
+                  <a:ea typeface="+mn-ea"/>
+                  <a:cs typeface="+mn-cs"/>
+                </a:defRPr>
+              </a:lvl5pPr>
+              <a:lvl6pPr marL="2286000" algn="l" defTabSz="914400" rtl="0" eaLnBrk="1" latinLnBrk="0" hangingPunct="1">
+                <a:defRPr sz="1800" kern="1200">
+                  <a:solidFill>
+                    <a:schemeClr val="lt1"/>
+                  </a:solidFill>
+                  <a:latin typeface="+mn-lt"/>
+                  <a:ea typeface="+mn-ea"/>
+                  <a:cs typeface="+mn-cs"/>
+                </a:defRPr>
+              </a:lvl6pPr>
+              <a:lvl7pPr marL="2743200" algn="l" defTabSz="914400" rtl="0" eaLnBrk="1" latinLnBrk="0" hangingPunct="1">
+                <a:defRPr sz="1800" kern="1200">
+                  <a:solidFill>
+                    <a:schemeClr val="lt1"/>
+                  </a:solidFill>
+                  <a:latin typeface="+mn-lt"/>
+                  <a:ea typeface="+mn-ea"/>
+                  <a:cs typeface="+mn-cs"/>
+                </a:defRPr>
+              </a:lvl7pPr>
+              <a:lvl8pPr marL="3200400" algn="l" defTabSz="914400" rtl="0" eaLnBrk="1" latinLnBrk="0" hangingPunct="1">
+                <a:defRPr sz="1800" kern="1200">
+                  <a:solidFill>
+                    <a:schemeClr val="lt1"/>
+                  </a:solidFill>
+                  <a:latin typeface="+mn-lt"/>
+                  <a:ea typeface="+mn-ea"/>
+                  <a:cs typeface="+mn-cs"/>
+                </a:defRPr>
+              </a:lvl8pPr>
+              <a:lvl9pPr marL="3657600" algn="l" defTabSz="914400" rtl="0" eaLnBrk="1" latinLnBrk="0" hangingPunct="1">
+                <a:defRPr sz="1800" kern="1200">
+                  <a:solidFill>
+                    <a:schemeClr val="lt1"/>
+                  </a:solidFill>
+                  <a:latin typeface="+mn-lt"/>
+                  <a:ea typeface="+mn-ea"/>
+                  <a:cs typeface="+mn-cs"/>
+                </a:defRPr>
+              </a:lvl9pPr>
+            </a:lstStyle>
+            <a:p>
+              <a:pPr algn="ctr"/>
+              <a:r>
+                <a:rPr lang="zh-CN" altLang="en-US" sz="1600" dirty="0" smtClean="0"/>
+                <a:t>申请使用</a:t>
+              </a:r>
+              <a:endParaRPr lang="zh-CN" altLang="en-US" sz="1600" dirty="0"/>
+            </a:p>
+          </p:txBody>
+        </p:sp>
+        <p:grpSp>
+          <p:nvGrpSpPr>
+            <p:cNvPr id="86" name="组合 85"/>
+            <p:cNvGrpSpPr/>
+            <p:nvPr/>
+          </p:nvGrpSpPr>
+          <p:grpSpPr>
+            <a:xfrm>
+              <a:off x="603074" y="4000906"/>
+              <a:ext cx="5839036" cy="357811"/>
+              <a:chOff x="220211" y="4000907"/>
+              <a:chExt cx="5839036" cy="357811"/>
+            </a:xfrm>
+          </p:grpSpPr>
+          <p:sp>
+            <p:nvSpPr>
+              <p:cNvPr id="22" name="矩形 21"/>
+              <p:cNvSpPr/>
+              <p:nvPr/>
+            </p:nvSpPr>
+            <p:spPr>
+              <a:xfrm>
+                <a:off x="220211" y="4000909"/>
+                <a:ext cx="1008000" cy="357809"/>
+              </a:xfrm>
+              <a:prstGeom prst="rect">
+                <a:avLst/>
+              </a:prstGeom>
+            </p:spPr>
+            <p:style>
+              <a:lnRef idx="2">
+                <a:schemeClr val="accent5">
+                  <a:shade val="50000"/>
+                </a:schemeClr>
+              </a:lnRef>
+              <a:fillRef idx="1">
+                <a:schemeClr val="accent5"/>
+              </a:fillRef>
+              <a:effectRef idx="0">
+                <a:schemeClr val="accent5"/>
+              </a:effectRef>
+              <a:fontRef idx="minor">
+                <a:schemeClr val="lt1"/>
+              </a:fontRef>
+            </p:style>
+            <p:txBody>
+              <a:bodyPr rtlCol="0" anchor="ctr"/>
+              <a:lstStyle/>
+              <a:p>
+                <a:pPr algn="ctr"/>
+                <a:r>
+                  <a:rPr lang="zh-CN" altLang="en-US" sz="1600" dirty="0" smtClean="0"/>
+                  <a:t>上传模型</a:t>
+                </a:r>
+                <a:endParaRPr lang="zh-CN" altLang="en-US" sz="1600" dirty="0"/>
+              </a:p>
+            </p:txBody>
+          </p:sp>
+          <p:sp>
+            <p:nvSpPr>
+              <p:cNvPr id="23" name="矩形 22"/>
+              <p:cNvSpPr/>
+              <p:nvPr/>
+            </p:nvSpPr>
+            <p:spPr>
+              <a:xfrm>
+                <a:off x="1428849" y="4000908"/>
+                <a:ext cx="1008000" cy="357809"/>
+              </a:xfrm>
+              <a:prstGeom prst="rect">
+                <a:avLst/>
+              </a:prstGeom>
+            </p:spPr>
+            <p:style>
+              <a:lnRef idx="2">
+                <a:schemeClr val="accent5">
+                  <a:shade val="50000"/>
+                </a:schemeClr>
+              </a:lnRef>
+              <a:fillRef idx="1">
+                <a:schemeClr val="accent5"/>
+              </a:fillRef>
+              <a:effectRef idx="0">
+                <a:schemeClr val="accent5"/>
+              </a:effectRef>
+              <a:fontRef idx="minor">
+                <a:schemeClr val="lt1"/>
+              </a:fontRef>
+            </p:style>
+            <p:txBody>
+              <a:bodyPr rtlCol="0" anchor="ctr"/>
+              <a:lstStyle/>
+              <a:p>
+                <a:pPr algn="ctr"/>
+                <a:r>
+                  <a:rPr lang="zh-CN" altLang="en-US" sz="1600" dirty="0" smtClean="0"/>
+                  <a:t>修改模型</a:t>
+                </a:r>
+                <a:endParaRPr lang="zh-CN" altLang="en-US" sz="1600" dirty="0"/>
+              </a:p>
+            </p:txBody>
+          </p:sp>
+          <p:sp>
+            <p:nvSpPr>
+              <p:cNvPr id="24" name="矩形 23"/>
+              <p:cNvSpPr/>
+              <p:nvPr/>
+            </p:nvSpPr>
+            <p:spPr>
+              <a:xfrm>
+                <a:off x="2637487" y="4000908"/>
+                <a:ext cx="1008000" cy="357809"/>
+              </a:xfrm>
+              <a:prstGeom prst="rect">
+                <a:avLst/>
+              </a:prstGeom>
+            </p:spPr>
+            <p:style>
+              <a:lnRef idx="2">
+                <a:schemeClr val="accent5">
+                  <a:shade val="50000"/>
+                </a:schemeClr>
+              </a:lnRef>
+              <a:fillRef idx="1">
+                <a:schemeClr val="accent5"/>
+              </a:fillRef>
+              <a:effectRef idx="0">
+                <a:schemeClr val="accent5"/>
+              </a:effectRef>
+              <a:fontRef idx="minor">
+                <a:schemeClr val="lt1"/>
+              </a:fontRef>
+            </p:style>
+            <p:txBody>
+              <a:bodyPr rot="0" spcFirstLastPara="0" vert="horz" wrap="square" lIns="91440" tIns="45720" rIns="91440" bIns="45720" numCol="1" spcCol="0" rtlCol="0" fromWordArt="0" anchor="ctr" anchorCtr="0" forceAA="0" compatLnSpc="1">
+                <a:prstTxWarp prst="textNoShape">
+                  <a:avLst/>
+                </a:prstTxWarp>
+                <a:noAutofit/>
+              </a:bodyPr>
+              <a:lstStyle>
+                <a:defPPr>
+                  <a:defRPr lang="zh-CN"/>
+                </a:defPPr>
+                <a:lvl1pPr marL="0" algn="l" defTabSz="914400" rtl="0" eaLnBrk="1" latinLnBrk="0" hangingPunct="1">
+                  <a:defRPr sz="1800" kern="1200">
+                    <a:solidFill>
+                      <a:schemeClr val="lt1"/>
+                    </a:solidFill>
+                    <a:latin typeface="+mn-lt"/>
+                    <a:ea typeface="+mn-ea"/>
+                    <a:cs typeface="+mn-cs"/>
+                  </a:defRPr>
+                </a:lvl1pPr>
+                <a:lvl2pPr marL="457200" algn="l" defTabSz="914400" rtl="0" eaLnBrk="1" latinLnBrk="0" hangingPunct="1">
+                  <a:defRPr sz="1800" kern="1200">
+                    <a:solidFill>
+                      <a:schemeClr val="lt1"/>
+                    </a:solidFill>
+                    <a:latin typeface="+mn-lt"/>
+                    <a:ea typeface="+mn-ea"/>
+                    <a:cs typeface="+mn-cs"/>
+                  </a:defRPr>
+                </a:lvl2pPr>
+                <a:lvl3pPr marL="914400" algn="l" defTabSz="914400" rtl="0" eaLnBrk="1" latinLnBrk="0" hangingPunct="1">
+                  <a:defRPr sz="1800" kern="1200">
+                    <a:solidFill>
+                      <a:schemeClr val="lt1"/>
+                    </a:solidFill>
+                    <a:latin typeface="+mn-lt"/>
+                    <a:ea typeface="+mn-ea"/>
+                    <a:cs typeface="+mn-cs"/>
+                  </a:defRPr>
+                </a:lvl3pPr>
+                <a:lvl4pPr marL="1371600" algn="l" defTabSz="914400" rtl="0" eaLnBrk="1" latinLnBrk="0" hangingPunct="1">
+                  <a:defRPr sz="1800" kern="1200">
+                    <a:solidFill>
+                      <a:schemeClr val="lt1"/>
+                    </a:solidFill>
+                    <a:latin typeface="+mn-lt"/>
+                    <a:ea typeface="+mn-ea"/>
+                    <a:cs typeface="+mn-cs"/>
+                  </a:defRPr>
+                </a:lvl4pPr>
+                <a:lvl5pPr marL="1828800" algn="l" defTabSz="914400" rtl="0" eaLnBrk="1" latinLnBrk="0" hangingPunct="1">
+                  <a:defRPr sz="1800" kern="1200">
+                    <a:solidFill>
+                      <a:schemeClr val="lt1"/>
+                    </a:solidFill>
+                    <a:latin typeface="+mn-lt"/>
+                    <a:ea typeface="+mn-ea"/>
+                    <a:cs typeface="+mn-cs"/>
+                  </a:defRPr>
+                </a:lvl5pPr>
+                <a:lvl6pPr marL="2286000" algn="l" defTabSz="914400" rtl="0" eaLnBrk="1" latinLnBrk="0" hangingPunct="1">
+                  <a:defRPr sz="1800" kern="1200">
+                    <a:solidFill>
+                      <a:schemeClr val="lt1"/>
+                    </a:solidFill>
+                    <a:latin typeface="+mn-lt"/>
+                    <a:ea typeface="+mn-ea"/>
+                    <a:cs typeface="+mn-cs"/>
+                  </a:defRPr>
+                </a:lvl6pPr>
+                <a:lvl7pPr marL="2743200" algn="l" defTabSz="914400" rtl="0" eaLnBrk="1" latinLnBrk="0" hangingPunct="1">
+                  <a:defRPr sz="1800" kern="1200">
+                    <a:solidFill>
+                      <a:schemeClr val="lt1"/>
+                    </a:solidFill>
+                    <a:latin typeface="+mn-lt"/>
+                    <a:ea typeface="+mn-ea"/>
+                    <a:cs typeface="+mn-cs"/>
+                  </a:defRPr>
+                </a:lvl7pPr>
+                <a:lvl8pPr marL="3200400" algn="l" defTabSz="914400" rtl="0" eaLnBrk="1" latinLnBrk="0" hangingPunct="1">
+                  <a:defRPr sz="1800" kern="1200">
+                    <a:solidFill>
+                      <a:schemeClr val="lt1"/>
+                    </a:solidFill>
+                    <a:latin typeface="+mn-lt"/>
+                    <a:ea typeface="+mn-ea"/>
+                    <a:cs typeface="+mn-cs"/>
+                  </a:defRPr>
+                </a:lvl8pPr>
+                <a:lvl9pPr marL="3657600" algn="l" defTabSz="914400" rtl="0" eaLnBrk="1" latinLnBrk="0" hangingPunct="1">
+                  <a:defRPr sz="1800" kern="1200">
+                    <a:solidFill>
+                      <a:schemeClr val="lt1"/>
+                    </a:solidFill>
+                    <a:latin typeface="+mn-lt"/>
+                    <a:ea typeface="+mn-ea"/>
+                    <a:cs typeface="+mn-cs"/>
+                  </a:defRPr>
+                </a:lvl9pPr>
+              </a:lstStyle>
+              <a:p>
+                <a:pPr algn="ctr"/>
+                <a:r>
+                  <a:rPr lang="zh-CN" altLang="en-US" sz="1600" dirty="0" smtClean="0"/>
+                  <a:t>删除模型</a:t>
+                </a:r>
+                <a:endParaRPr lang="zh-CN" altLang="en-US" sz="1600" dirty="0"/>
+              </a:p>
+            </p:txBody>
+          </p:sp>
+          <p:sp>
+            <p:nvSpPr>
+              <p:cNvPr id="25" name="矩形 24"/>
+              <p:cNvSpPr/>
+              <p:nvPr/>
+            </p:nvSpPr>
+            <p:spPr>
+              <a:xfrm>
+                <a:off x="3846125" y="4000907"/>
+                <a:ext cx="1008000" cy="357809"/>
+              </a:xfrm>
+              <a:prstGeom prst="rect">
+                <a:avLst/>
+              </a:prstGeom>
+            </p:spPr>
+            <p:style>
+              <a:lnRef idx="2">
+                <a:schemeClr val="accent5">
+                  <a:shade val="50000"/>
+                </a:schemeClr>
+              </a:lnRef>
+              <a:fillRef idx="1">
+                <a:schemeClr val="accent5"/>
+              </a:fillRef>
+              <a:effectRef idx="0">
+                <a:schemeClr val="accent5"/>
+              </a:effectRef>
+              <a:fontRef idx="minor">
+                <a:schemeClr val="lt1"/>
+              </a:fontRef>
+            </p:style>
+            <p:txBody>
+              <a:bodyPr rot="0" spcFirstLastPara="0" vert="horz" wrap="square" lIns="91440" tIns="45720" rIns="91440" bIns="45720" numCol="1" spcCol="0" rtlCol="0" fromWordArt="0" anchor="ctr" anchorCtr="0" forceAA="0" compatLnSpc="1">
+                <a:prstTxWarp prst="textNoShape">
+                  <a:avLst/>
+                </a:prstTxWarp>
+                <a:noAutofit/>
+              </a:bodyPr>
+              <a:lstStyle>
+                <a:defPPr>
+                  <a:defRPr lang="zh-CN"/>
+                </a:defPPr>
+                <a:lvl1pPr marL="0" algn="l" defTabSz="914400" rtl="0" eaLnBrk="1" latinLnBrk="0" hangingPunct="1">
+                  <a:defRPr sz="1800" kern="1200">
+                    <a:solidFill>
+                      <a:schemeClr val="lt1"/>
+                    </a:solidFill>
+                    <a:latin typeface="+mn-lt"/>
+                    <a:ea typeface="+mn-ea"/>
+                    <a:cs typeface="+mn-cs"/>
+                  </a:defRPr>
+                </a:lvl1pPr>
+                <a:lvl2pPr marL="457200" algn="l" defTabSz="914400" rtl="0" eaLnBrk="1" latinLnBrk="0" hangingPunct="1">
+                  <a:defRPr sz="1800" kern="1200">
+                    <a:solidFill>
+                      <a:schemeClr val="lt1"/>
+                    </a:solidFill>
+                    <a:latin typeface="+mn-lt"/>
+                    <a:ea typeface="+mn-ea"/>
+                    <a:cs typeface="+mn-cs"/>
+                  </a:defRPr>
+                </a:lvl2pPr>
+                <a:lvl3pPr marL="914400" algn="l" defTabSz="914400" rtl="0" eaLnBrk="1" latinLnBrk="0" hangingPunct="1">
+                  <a:defRPr sz="1800" kern="1200">
+                    <a:solidFill>
+                      <a:schemeClr val="lt1"/>
+                    </a:solidFill>
+                    <a:latin typeface="+mn-lt"/>
+                    <a:ea typeface="+mn-ea"/>
+                    <a:cs typeface="+mn-cs"/>
+                  </a:defRPr>
+                </a:lvl3pPr>
+                <a:lvl4pPr marL="1371600" algn="l" defTabSz="914400" rtl="0" eaLnBrk="1" latinLnBrk="0" hangingPunct="1">
+                  <a:defRPr sz="1800" kern="1200">
+                    <a:solidFill>
+                      <a:schemeClr val="lt1"/>
+                    </a:solidFill>
+                    <a:latin typeface="+mn-lt"/>
+                    <a:ea typeface="+mn-ea"/>
+                    <a:cs typeface="+mn-cs"/>
+                  </a:defRPr>
+                </a:lvl4pPr>
+                <a:lvl5pPr marL="1828800" algn="l" defTabSz="914400" rtl="0" eaLnBrk="1" latinLnBrk="0" hangingPunct="1">
+                  <a:defRPr sz="1800" kern="1200">
+                    <a:solidFill>
+                      <a:schemeClr val="lt1"/>
+                    </a:solidFill>
+                    <a:latin typeface="+mn-lt"/>
+                    <a:ea typeface="+mn-ea"/>
+                    <a:cs typeface="+mn-cs"/>
+                  </a:defRPr>
+                </a:lvl5pPr>
+                <a:lvl6pPr marL="2286000" algn="l" defTabSz="914400" rtl="0" eaLnBrk="1" latinLnBrk="0" hangingPunct="1">
+                  <a:defRPr sz="1800" kern="1200">
+                    <a:solidFill>
+                      <a:schemeClr val="lt1"/>
+                    </a:solidFill>
+                    <a:latin typeface="+mn-lt"/>
+                    <a:ea typeface="+mn-ea"/>
+                    <a:cs typeface="+mn-cs"/>
+                  </a:defRPr>
+                </a:lvl6pPr>
+                <a:lvl7pPr marL="2743200" algn="l" defTabSz="914400" rtl="0" eaLnBrk="1" latinLnBrk="0" hangingPunct="1">
+                  <a:defRPr sz="1800" kern="1200">
+                    <a:solidFill>
+                      <a:schemeClr val="lt1"/>
+                    </a:solidFill>
+                    <a:latin typeface="+mn-lt"/>
+                    <a:ea typeface="+mn-ea"/>
+                    <a:cs typeface="+mn-cs"/>
+                  </a:defRPr>
+                </a:lvl7pPr>
+                <a:lvl8pPr marL="3200400" algn="l" defTabSz="914400" rtl="0" eaLnBrk="1" latinLnBrk="0" hangingPunct="1">
+                  <a:defRPr sz="1800" kern="1200">
+                    <a:solidFill>
+                      <a:schemeClr val="lt1"/>
+                    </a:solidFill>
+                    <a:latin typeface="+mn-lt"/>
+                    <a:ea typeface="+mn-ea"/>
+                    <a:cs typeface="+mn-cs"/>
+                  </a:defRPr>
+                </a:lvl8pPr>
+                <a:lvl9pPr marL="3657600" algn="l" defTabSz="914400" rtl="0" eaLnBrk="1" latinLnBrk="0" hangingPunct="1">
+                  <a:defRPr sz="1800" kern="1200">
+                    <a:solidFill>
+                      <a:schemeClr val="lt1"/>
+                    </a:solidFill>
+                    <a:latin typeface="+mn-lt"/>
+                    <a:ea typeface="+mn-ea"/>
+                    <a:cs typeface="+mn-cs"/>
+                  </a:defRPr>
+                </a:lvl9pPr>
+              </a:lstStyle>
+              <a:p>
+                <a:pPr algn="ctr"/>
+                <a:r>
+                  <a:rPr lang="zh-CN" altLang="en-US" sz="1600" dirty="0" smtClean="0"/>
+                  <a:t>选择模型</a:t>
+                </a:r>
+                <a:endParaRPr lang="zh-CN" altLang="en-US" sz="1600" dirty="0"/>
+              </a:p>
+            </p:txBody>
+          </p:sp>
+          <p:sp>
+            <p:nvSpPr>
+              <p:cNvPr id="83" name="矩形 82"/>
+              <p:cNvSpPr/>
+              <p:nvPr/>
+            </p:nvSpPr>
+            <p:spPr>
+              <a:xfrm>
+                <a:off x="5051247" y="4000907"/>
+                <a:ext cx="1008000" cy="357809"/>
+              </a:xfrm>
+              <a:prstGeom prst="rect">
+                <a:avLst/>
+              </a:prstGeom>
+            </p:spPr>
+            <p:style>
+              <a:lnRef idx="2">
+                <a:schemeClr val="accent5">
+                  <a:shade val="50000"/>
+                </a:schemeClr>
+              </a:lnRef>
+              <a:fillRef idx="1">
+                <a:schemeClr val="accent5"/>
+              </a:fillRef>
+              <a:effectRef idx="0">
+                <a:schemeClr val="accent5"/>
+              </a:effectRef>
+              <a:fontRef idx="minor">
+                <a:schemeClr val="lt1"/>
+              </a:fontRef>
+            </p:style>
+            <p:txBody>
+              <a:bodyPr rot="0" spcFirstLastPara="0" vert="horz" wrap="square" lIns="91440" tIns="45720" rIns="91440" bIns="45720" numCol="1" spcCol="0" rtlCol="0" fromWordArt="0" anchor="ctr" anchorCtr="0" forceAA="0" compatLnSpc="1">
+                <a:prstTxWarp prst="textNoShape">
+                  <a:avLst/>
+                </a:prstTxWarp>
+                <a:noAutofit/>
+              </a:bodyPr>
+              <a:lstStyle>
+                <a:defPPr>
+                  <a:defRPr lang="zh-CN"/>
+                </a:defPPr>
+                <a:lvl1pPr marL="0" algn="l" defTabSz="914400" rtl="0" eaLnBrk="1" latinLnBrk="0" hangingPunct="1">
+                  <a:defRPr sz="1800" kern="1200">
+                    <a:solidFill>
+                      <a:schemeClr val="lt1"/>
+                    </a:solidFill>
+                    <a:latin typeface="+mn-lt"/>
+                    <a:ea typeface="+mn-ea"/>
+                    <a:cs typeface="+mn-cs"/>
+                  </a:defRPr>
+                </a:lvl1pPr>
+                <a:lvl2pPr marL="457200" algn="l" defTabSz="914400" rtl="0" eaLnBrk="1" latinLnBrk="0" hangingPunct="1">
+                  <a:defRPr sz="1800" kern="1200">
+                    <a:solidFill>
+                      <a:schemeClr val="lt1"/>
+                    </a:solidFill>
+                    <a:latin typeface="+mn-lt"/>
+                    <a:ea typeface="+mn-ea"/>
+                    <a:cs typeface="+mn-cs"/>
+                  </a:defRPr>
+                </a:lvl2pPr>
+                <a:lvl3pPr marL="914400" algn="l" defTabSz="914400" rtl="0" eaLnBrk="1" latinLnBrk="0" hangingPunct="1">
+                  <a:defRPr sz="1800" kern="1200">
+                    <a:solidFill>
+                      <a:schemeClr val="lt1"/>
+                    </a:solidFill>
+                    <a:latin typeface="+mn-lt"/>
+                    <a:ea typeface="+mn-ea"/>
+                    <a:cs typeface="+mn-cs"/>
+                  </a:defRPr>
+                </a:lvl3pPr>
+                <a:lvl4pPr marL="1371600" algn="l" defTabSz="914400" rtl="0" eaLnBrk="1" latinLnBrk="0" hangingPunct="1">
+                  <a:defRPr sz="1800" kern="1200">
+                    <a:solidFill>
+                      <a:schemeClr val="lt1"/>
+                    </a:solidFill>
+                    <a:latin typeface="+mn-lt"/>
+                    <a:ea typeface="+mn-ea"/>
+                    <a:cs typeface="+mn-cs"/>
+                  </a:defRPr>
+                </a:lvl4pPr>
+                <a:lvl5pPr marL="1828800" algn="l" defTabSz="914400" rtl="0" eaLnBrk="1" latinLnBrk="0" hangingPunct="1">
+                  <a:defRPr sz="1800" kern="1200">
+                    <a:solidFill>
+                      <a:schemeClr val="lt1"/>
+                    </a:solidFill>
+                    <a:latin typeface="+mn-lt"/>
+                    <a:ea typeface="+mn-ea"/>
+                    <a:cs typeface="+mn-cs"/>
+                  </a:defRPr>
+                </a:lvl5pPr>
+                <a:lvl6pPr marL="2286000" algn="l" defTabSz="914400" rtl="0" eaLnBrk="1" latinLnBrk="0" hangingPunct="1">
+                  <a:defRPr sz="1800" kern="1200">
+                    <a:solidFill>
+                      <a:schemeClr val="lt1"/>
+                    </a:solidFill>
+                    <a:latin typeface="+mn-lt"/>
+                    <a:ea typeface="+mn-ea"/>
+                    <a:cs typeface="+mn-cs"/>
+                  </a:defRPr>
+                </a:lvl6pPr>
+                <a:lvl7pPr marL="2743200" algn="l" defTabSz="914400" rtl="0" eaLnBrk="1" latinLnBrk="0" hangingPunct="1">
+                  <a:defRPr sz="1800" kern="1200">
+                    <a:solidFill>
+                      <a:schemeClr val="lt1"/>
+                    </a:solidFill>
+                    <a:latin typeface="+mn-lt"/>
+                    <a:ea typeface="+mn-ea"/>
+                    <a:cs typeface="+mn-cs"/>
+                  </a:defRPr>
+                </a:lvl7pPr>
+                <a:lvl8pPr marL="3200400" algn="l" defTabSz="914400" rtl="0" eaLnBrk="1" latinLnBrk="0" hangingPunct="1">
+                  <a:defRPr sz="1800" kern="1200">
+                    <a:solidFill>
+                      <a:schemeClr val="lt1"/>
+                    </a:solidFill>
+                    <a:latin typeface="+mn-lt"/>
+                    <a:ea typeface="+mn-ea"/>
+                    <a:cs typeface="+mn-cs"/>
+                  </a:defRPr>
+                </a:lvl8pPr>
+                <a:lvl9pPr marL="3657600" algn="l" defTabSz="914400" rtl="0" eaLnBrk="1" latinLnBrk="0" hangingPunct="1">
+                  <a:defRPr sz="1800" kern="1200">
+                    <a:solidFill>
+                      <a:schemeClr val="lt1"/>
+                    </a:solidFill>
+                    <a:latin typeface="+mn-lt"/>
+                    <a:ea typeface="+mn-ea"/>
+                    <a:cs typeface="+mn-cs"/>
+                  </a:defRPr>
+                </a:lvl9pPr>
+              </a:lstStyle>
+              <a:p>
+                <a:pPr algn="ctr"/>
+                <a:r>
+                  <a:rPr lang="zh-CN" altLang="en-US" sz="1600" dirty="0" smtClean="0"/>
+                  <a:t>下载数据</a:t>
+                </a:r>
+                <a:endParaRPr lang="zh-CN" altLang="en-US" sz="1600" dirty="0"/>
+              </a:p>
+            </p:txBody>
+          </p:sp>
+        </p:grpSp>
+      </p:grpSp>
+      <p:cxnSp>
+        <p:nvCxnSpPr>
+          <p:cNvPr id="84" name="直接箭头连接符 83"/>
+          <p:cNvCxnSpPr>
+            <a:stCxn id="12" idx="2"/>
+            <a:endCxn id="83" idx="0"/>
+          </p:cNvCxnSpPr>
+          <p:nvPr/>
+        </p:nvCxnSpPr>
+        <p:spPr>
+          <a:xfrm>
+            <a:off x="2908851" y="3079466"/>
+            <a:ext cx="3177314" cy="921440"/>
+          </a:xfrm>
+          <a:prstGeom prst="straightConnector1">
+            <a:avLst/>
+          </a:prstGeom>
+          <a:ln>
+            <a:tailEnd type="triangle"/>
+          </a:ln>
+        </p:spPr>
+        <p:style>
+          <a:lnRef idx="1">
+            <a:schemeClr val="accent1"/>
+          </a:lnRef>
+          <a:fillRef idx="0">
+            <a:schemeClr val="accent1"/>
+          </a:fillRef>
+          <a:effectRef idx="0">
+            <a:schemeClr val="accent1"/>
+          </a:effectRef>
+          <a:fontRef idx="minor">
+            <a:schemeClr val="tx1"/>
+          </a:fontRef>
+        </p:style>
+      </p:cxnSp>
+    </p:spTree>
+    <p:extLst>
+      <p:ext uri="{BB962C8B-B14F-4D97-AF65-F5344CB8AC3E}">
+        <p14:creationId xmlns:p14="http://schemas.microsoft.com/office/powerpoint/2010/main" val="204632546"/>
+      </p:ext>
+    </p:extLst>
+  </p:cSld>
+  <p:clrMapOvr>
+    <a:masterClrMapping/>
+  </p:clrMapOvr>
+  <p:timing>
+    <p:tnLst>
+      <p:par>
+        <p:cTn id="1" dur="indefinite" restart="never" nodeType="tmRoot"/>
+      </p:par>
+    </p:tnLst>
+  </p:timing>
+</p:sld>
+</file>
+
+<file path=ppt/slides/slide15.xml><?xml version="1.0" encoding="utf-8"?>
+<p:sld xmlns:a="http://schemas.openxmlformats.org/drawingml/2006/main" xmlns:r="http://schemas.openxmlformats.org/officeDocument/2006/relationships" xmlns:p="http://schemas.openxmlformats.org/presentationml/2006/main">
+  <p:cSld>
+    <p:spTree>
+      <p:nvGrpSpPr>
+        <p:cNvPr id="1" name=""/>
+        <p:cNvGrpSpPr/>
+        <p:nvPr/>
+      </p:nvGrpSpPr>
+      <p:grpSpPr>
+        <a:xfrm>
+          <a:off x="0" y="0"/>
+          <a:ext cx="0" cy="0"/>
+          <a:chOff x="0" y="0"/>
+          <a:chExt cx="0" cy="0"/>
+        </a:xfrm>
+      </p:grpSpPr>
+      <p:sp>
+        <p:nvSpPr>
+          <p:cNvPr id="4" name="矩形 3"/>
+          <p:cNvSpPr/>
+          <p:nvPr/>
+        </p:nvSpPr>
+        <p:spPr>
+          <a:xfrm>
+            <a:off x="4297018" y="278298"/>
+            <a:ext cx="3597965" cy="685799"/>
+          </a:xfrm>
+          <a:prstGeom prst="rect">
+            <a:avLst/>
+          </a:prstGeom>
+        </p:spPr>
+        <p:style>
+          <a:lnRef idx="2">
+            <a:schemeClr val="accent1">
+              <a:shade val="50000"/>
+            </a:schemeClr>
+          </a:lnRef>
+          <a:fillRef idx="1">
+            <a:schemeClr val="accent1"/>
+          </a:fillRef>
+          <a:effectRef idx="0">
+            <a:schemeClr val="accent1"/>
+          </a:effectRef>
+          <a:fontRef idx="minor">
+            <a:schemeClr val="lt1"/>
+          </a:fontRef>
+        </p:style>
+        <p:txBody>
+          <a:bodyPr rtlCol="0" anchor="ctr"/>
+          <a:lstStyle/>
+          <a:p>
+            <a:pPr algn="ctr"/>
+            <a:r>
+              <a:rPr lang="zh-CN" altLang="en-US" dirty="0" smtClean="0"/>
+              <a:t>模型展示交互模块</a:t>
+            </a:r>
+            <a:endParaRPr lang="zh-CN" altLang="en-US" dirty="0"/>
+          </a:p>
+        </p:txBody>
+      </p:sp>
+      <p:sp>
+        <p:nvSpPr>
+          <p:cNvPr id="5" name="圆角矩形 4"/>
+          <p:cNvSpPr/>
+          <p:nvPr/>
+        </p:nvSpPr>
+        <p:spPr>
+          <a:xfrm>
+            <a:off x="208722" y="1689651"/>
+            <a:ext cx="1222513" cy="576470"/>
+          </a:xfrm>
+          <a:prstGeom prst="roundRect">
+            <a:avLst/>
+          </a:prstGeom>
+        </p:spPr>
+        <p:style>
+          <a:lnRef idx="2">
+            <a:schemeClr val="accent6">
+              <a:shade val="50000"/>
+            </a:schemeClr>
+          </a:lnRef>
+          <a:fillRef idx="1">
+            <a:schemeClr val="accent6"/>
+          </a:fillRef>
+          <a:effectRef idx="0">
+            <a:schemeClr val="accent6"/>
+          </a:effectRef>
+          <a:fontRef idx="minor">
+            <a:schemeClr val="lt1"/>
+          </a:fontRef>
+        </p:style>
+        <p:txBody>
+          <a:bodyPr rtlCol="0" anchor="ctr"/>
+          <a:lstStyle/>
+          <a:p>
+            <a:pPr algn="ctr"/>
+            <a:r>
+              <a:rPr lang="zh-CN" altLang="en-US" dirty="0" smtClean="0"/>
+              <a:t>基础显示</a:t>
+            </a:r>
+            <a:endParaRPr lang="zh-CN" altLang="en-US" dirty="0"/>
+          </a:p>
+        </p:txBody>
+      </p:sp>
+      <p:sp>
+        <p:nvSpPr>
+          <p:cNvPr id="6" name="圆角矩形 5"/>
+          <p:cNvSpPr/>
+          <p:nvPr/>
+        </p:nvSpPr>
+        <p:spPr>
+          <a:xfrm>
+            <a:off x="1792357" y="1689651"/>
+            <a:ext cx="1222513" cy="576470"/>
+          </a:xfrm>
+          <a:prstGeom prst="roundRect">
+            <a:avLst/>
+          </a:prstGeom>
+        </p:spPr>
+        <p:style>
+          <a:lnRef idx="2">
+            <a:schemeClr val="accent6">
+              <a:shade val="50000"/>
+            </a:schemeClr>
+          </a:lnRef>
+          <a:fillRef idx="1">
+            <a:schemeClr val="accent6"/>
+          </a:fillRef>
+          <a:effectRef idx="0">
+            <a:schemeClr val="accent6"/>
+          </a:effectRef>
+          <a:fontRef idx="minor">
+            <a:schemeClr val="lt1"/>
+          </a:fontRef>
+        </p:style>
+        <p:txBody>
+          <a:bodyPr rtlCol="0" anchor="ctr"/>
+          <a:lstStyle/>
+          <a:p>
+            <a:pPr algn="ctr"/>
+            <a:r>
+              <a:rPr lang="zh-CN" altLang="en-US" dirty="0" smtClean="0"/>
+              <a:t>视窗放缩</a:t>
+            </a:r>
+            <a:endParaRPr lang="zh-CN" altLang="en-US" dirty="0"/>
+          </a:p>
+        </p:txBody>
+      </p:sp>
+      <p:sp>
+        <p:nvSpPr>
+          <p:cNvPr id="7" name="圆角矩形 6"/>
+          <p:cNvSpPr/>
+          <p:nvPr/>
+        </p:nvSpPr>
+        <p:spPr>
+          <a:xfrm>
+            <a:off x="3375992" y="1689651"/>
+            <a:ext cx="1222513" cy="576470"/>
+          </a:xfrm>
+          <a:prstGeom prst="roundRect">
+            <a:avLst/>
+          </a:prstGeom>
+        </p:spPr>
+        <p:style>
+          <a:lnRef idx="2">
+            <a:schemeClr val="accent6">
+              <a:shade val="50000"/>
+            </a:schemeClr>
+          </a:lnRef>
+          <a:fillRef idx="1">
+            <a:schemeClr val="accent6"/>
+          </a:fillRef>
+          <a:effectRef idx="0">
+            <a:schemeClr val="accent6"/>
+          </a:effectRef>
+          <a:fontRef idx="minor">
+            <a:schemeClr val="lt1"/>
+          </a:fontRef>
+        </p:style>
+        <p:txBody>
+          <a:bodyPr rtlCol="0" anchor="ctr"/>
+          <a:lstStyle/>
+          <a:p>
+            <a:pPr algn="ctr"/>
+            <a:r>
+              <a:rPr lang="zh-CN" altLang="en-US" dirty="0" smtClean="0"/>
+              <a:t>视窗回中</a:t>
+            </a:r>
+            <a:endParaRPr lang="zh-CN" altLang="en-US" dirty="0"/>
+          </a:p>
+        </p:txBody>
+      </p:sp>
+      <p:sp>
+        <p:nvSpPr>
+          <p:cNvPr id="8" name="圆角矩形 7"/>
+          <p:cNvSpPr/>
+          <p:nvPr/>
+        </p:nvSpPr>
+        <p:spPr>
+          <a:xfrm>
+            <a:off x="4959627" y="1689651"/>
+            <a:ext cx="1292088" cy="576470"/>
+          </a:xfrm>
+          <a:prstGeom prst="roundRect">
+            <a:avLst/>
+          </a:prstGeom>
+        </p:spPr>
+        <p:style>
+          <a:lnRef idx="2">
+            <a:schemeClr val="accent6">
+              <a:shade val="50000"/>
+            </a:schemeClr>
+          </a:lnRef>
+          <a:fillRef idx="1">
+            <a:schemeClr val="accent6"/>
+          </a:fillRef>
+          <a:effectRef idx="0">
+            <a:schemeClr val="accent6"/>
+          </a:effectRef>
+          <a:fontRef idx="minor">
+            <a:schemeClr val="lt1"/>
+          </a:fontRef>
+        </p:style>
+        <p:txBody>
+          <a:bodyPr rtlCol="0" anchor="ctr"/>
+          <a:lstStyle/>
+          <a:p>
+            <a:pPr algn="ctr"/>
+            <a:r>
+              <a:rPr lang="zh-CN" altLang="en-US" dirty="0"/>
+              <a:t>图</a:t>
+            </a:r>
+            <a:r>
+              <a:rPr lang="zh-CN" altLang="en-US" dirty="0" smtClean="0"/>
+              <a:t>层显</a:t>
+            </a:r>
+            <a:r>
+              <a:rPr lang="en-US" altLang="zh-CN" dirty="0" smtClean="0"/>
+              <a:t>/</a:t>
+            </a:r>
+            <a:r>
+              <a:rPr lang="zh-CN" altLang="en-US" dirty="0" smtClean="0"/>
+              <a:t>隐</a:t>
+            </a:r>
+            <a:endParaRPr lang="zh-CN" altLang="en-US" dirty="0"/>
+          </a:p>
+        </p:txBody>
+      </p:sp>
+      <p:sp>
+        <p:nvSpPr>
+          <p:cNvPr id="9" name="圆角矩形 8"/>
+          <p:cNvSpPr/>
+          <p:nvPr/>
+        </p:nvSpPr>
+        <p:spPr>
+          <a:xfrm>
+            <a:off x="6612837" y="1689651"/>
+            <a:ext cx="1686340" cy="576470"/>
+          </a:xfrm>
+          <a:prstGeom prst="roundRect">
+            <a:avLst/>
+          </a:prstGeom>
+        </p:spPr>
+        <p:style>
+          <a:lnRef idx="2">
+            <a:schemeClr val="accent6">
+              <a:shade val="50000"/>
+            </a:schemeClr>
+          </a:lnRef>
+          <a:fillRef idx="1">
+            <a:schemeClr val="accent6"/>
+          </a:fillRef>
+          <a:effectRef idx="0">
+            <a:schemeClr val="accent6"/>
+          </a:effectRef>
+          <a:fontRef idx="minor">
+            <a:schemeClr val="lt1"/>
+          </a:fontRef>
+        </p:style>
+        <p:txBody>
+          <a:bodyPr rtlCol="0" anchor="ctr"/>
+          <a:lstStyle/>
+          <a:p>
+            <a:pPr algn="ctr"/>
+            <a:r>
+              <a:rPr lang="zh-CN" altLang="en-US" dirty="0" smtClean="0"/>
+              <a:t>算法处理结果</a:t>
+            </a:r>
+            <a:endParaRPr lang="zh-CN" altLang="en-US" dirty="0"/>
+          </a:p>
+        </p:txBody>
+      </p:sp>
+      <p:sp>
+        <p:nvSpPr>
+          <p:cNvPr id="10" name="圆角矩形 9"/>
+          <p:cNvSpPr/>
+          <p:nvPr/>
+        </p:nvSpPr>
+        <p:spPr>
+          <a:xfrm>
+            <a:off x="8660299" y="1689651"/>
+            <a:ext cx="1686340" cy="576470"/>
+          </a:xfrm>
+          <a:prstGeom prst="roundRect">
+            <a:avLst/>
+          </a:prstGeom>
+        </p:spPr>
+        <p:style>
+          <a:lnRef idx="2">
+            <a:schemeClr val="accent6">
+              <a:shade val="50000"/>
+            </a:schemeClr>
+          </a:lnRef>
+          <a:fillRef idx="1">
+            <a:schemeClr val="accent6"/>
+          </a:fillRef>
+          <a:effectRef idx="0">
+            <a:schemeClr val="accent6"/>
+          </a:effectRef>
+          <a:fontRef idx="minor">
+            <a:schemeClr val="lt1"/>
+          </a:fontRef>
+        </p:style>
+        <p:txBody>
+          <a:bodyPr rtlCol="0" anchor="ctr"/>
+          <a:lstStyle/>
+          <a:p>
+            <a:pPr algn="ctr"/>
+            <a:r>
+              <a:rPr lang="zh-CN" altLang="en-US" dirty="0" smtClean="0"/>
+              <a:t>页面性能面板</a:t>
+            </a:r>
+            <a:endParaRPr lang="zh-CN" altLang="en-US" dirty="0"/>
+          </a:p>
+        </p:txBody>
+      </p:sp>
+      <p:sp>
+        <p:nvSpPr>
+          <p:cNvPr id="17" name="圆角矩形 16"/>
+          <p:cNvSpPr/>
+          <p:nvPr/>
+        </p:nvSpPr>
+        <p:spPr>
+          <a:xfrm>
+            <a:off x="10707761" y="1689651"/>
+            <a:ext cx="1222513" cy="576470"/>
+          </a:xfrm>
+          <a:prstGeom prst="roundRect">
+            <a:avLst/>
+          </a:prstGeom>
+        </p:spPr>
+        <p:style>
+          <a:lnRef idx="2">
+            <a:schemeClr val="accent6">
+              <a:shade val="50000"/>
+            </a:schemeClr>
+          </a:lnRef>
+          <a:fillRef idx="1">
+            <a:schemeClr val="accent6"/>
+          </a:fillRef>
+          <a:effectRef idx="0">
+            <a:schemeClr val="accent6"/>
+          </a:effectRef>
+          <a:fontRef idx="minor">
+            <a:schemeClr val="lt1"/>
+          </a:fontRef>
+        </p:style>
+        <p:txBody>
+          <a:bodyPr rtlCol="0" anchor="ctr"/>
+          <a:lstStyle/>
+          <a:p>
+            <a:pPr algn="ctr"/>
+            <a:r>
+              <a:rPr lang="zh-CN" altLang="en-US" dirty="0" smtClean="0"/>
+              <a:t>动画演示</a:t>
+            </a:r>
+            <a:endParaRPr lang="zh-CN" altLang="en-US" dirty="0"/>
+          </a:p>
+        </p:txBody>
+      </p:sp>
+      <p:grpSp>
+        <p:nvGrpSpPr>
+          <p:cNvPr id="44" name="组合 43"/>
+          <p:cNvGrpSpPr/>
+          <p:nvPr/>
+        </p:nvGrpSpPr>
+        <p:grpSpPr>
+          <a:xfrm>
+            <a:off x="509380" y="2975534"/>
+            <a:ext cx="11173241" cy="2830162"/>
+            <a:chOff x="602974" y="3243889"/>
+            <a:chExt cx="11173241" cy="2830162"/>
+          </a:xfrm>
+        </p:grpSpPr>
+        <p:grpSp>
+          <p:nvGrpSpPr>
+            <p:cNvPr id="26" name="组合 25"/>
+            <p:cNvGrpSpPr/>
+            <p:nvPr/>
+          </p:nvGrpSpPr>
+          <p:grpSpPr>
+            <a:xfrm>
+              <a:off x="602974" y="3243889"/>
+              <a:ext cx="3995531" cy="2830162"/>
+              <a:chOff x="2932043" y="2884838"/>
+              <a:chExt cx="3995531" cy="2830162"/>
+            </a:xfrm>
+          </p:grpSpPr>
+          <p:sp>
+            <p:nvSpPr>
+              <p:cNvPr id="25" name="矩形 24"/>
+              <p:cNvSpPr/>
+              <p:nvPr/>
+            </p:nvSpPr>
+            <p:spPr>
+              <a:xfrm>
+                <a:off x="2932043" y="2884838"/>
+                <a:ext cx="3995531" cy="2830162"/>
+              </a:xfrm>
+              <a:prstGeom prst="rect">
+                <a:avLst/>
+              </a:prstGeom>
+              <a:solidFill>
+                <a:schemeClr val="bg1"/>
+              </a:solidFill>
+              <a:ln>
+                <a:solidFill>
+                  <a:schemeClr val="accent1"/>
+                </a:solidFill>
+              </a:ln>
+              <a:effectLst>
+                <a:outerShdw blurRad="63500" sx="102000" sy="102000" algn="ctr" rotWithShape="0">
+                  <a:prstClr val="black">
+                    <a:alpha val="40000"/>
+                  </a:prstClr>
+                </a:outerShdw>
+              </a:effectLst>
+            </p:spPr>
+            <p:style>
+              <a:lnRef idx="2">
+                <a:schemeClr val="accent1">
+                  <a:shade val="50000"/>
+                </a:schemeClr>
+              </a:lnRef>
+              <a:fillRef idx="1">
+                <a:schemeClr val="accent1"/>
+              </a:fillRef>
+              <a:effectRef idx="0">
+                <a:schemeClr val="accent1"/>
+              </a:effectRef>
+              <a:fontRef idx="minor">
+                <a:schemeClr val="lt1"/>
+              </a:fontRef>
+            </p:style>
+            <p:txBody>
+              <a:bodyPr rtlCol="0" anchor="ctr"/>
+              <a:lstStyle/>
+              <a:p>
+                <a:pPr algn="ctr"/>
+                <a:endParaRPr lang="zh-CN" altLang="en-US"/>
+              </a:p>
+            </p:txBody>
+          </p:sp>
+          <p:sp>
+            <p:nvSpPr>
+              <p:cNvPr id="18" name="椭圆 17"/>
+              <p:cNvSpPr/>
+              <p:nvPr/>
+            </p:nvSpPr>
+            <p:spPr>
+              <a:xfrm>
+                <a:off x="3397529" y="3192950"/>
+                <a:ext cx="1265583" cy="496956"/>
+              </a:xfrm>
+              <a:prstGeom prst="ellipse">
+                <a:avLst/>
+              </a:prstGeom>
+            </p:spPr>
+            <p:style>
+              <a:lnRef idx="2">
+                <a:schemeClr val="accent3">
+                  <a:shade val="50000"/>
+                </a:schemeClr>
+              </a:lnRef>
+              <a:fillRef idx="1">
+                <a:schemeClr val="accent3"/>
+              </a:fillRef>
+              <a:effectRef idx="0">
+                <a:schemeClr val="accent3"/>
+              </a:effectRef>
+              <a:fontRef idx="minor">
+                <a:schemeClr val="lt1"/>
+              </a:fontRef>
+            </p:style>
+            <p:txBody>
+              <a:bodyPr rtlCol="0" anchor="ctr"/>
+              <a:lstStyle/>
+              <a:p>
+                <a:pPr algn="ctr"/>
+                <a:r>
+                  <a:rPr lang="zh-CN" altLang="en-US" dirty="0" smtClean="0"/>
+                  <a:t>包络盒</a:t>
+                </a:r>
+                <a:endParaRPr lang="zh-CN" altLang="en-US" dirty="0"/>
+              </a:p>
+            </p:txBody>
+          </p:sp>
+          <p:sp>
+            <p:nvSpPr>
+              <p:cNvPr id="19" name="椭圆 18"/>
+              <p:cNvSpPr/>
+              <p:nvPr/>
+            </p:nvSpPr>
+            <p:spPr>
+              <a:xfrm>
+                <a:off x="4906619" y="3192950"/>
+                <a:ext cx="1567070" cy="496956"/>
+              </a:xfrm>
+              <a:prstGeom prst="ellipse">
+                <a:avLst/>
+              </a:prstGeom>
+            </p:spPr>
+            <p:style>
+              <a:lnRef idx="2">
+                <a:schemeClr val="accent3">
+                  <a:shade val="50000"/>
+                </a:schemeClr>
+              </a:lnRef>
+              <a:fillRef idx="1">
+                <a:schemeClr val="accent3"/>
+              </a:fillRef>
+              <a:effectRef idx="0">
+                <a:schemeClr val="accent3"/>
+              </a:effectRef>
+              <a:fontRef idx="minor">
+                <a:schemeClr val="lt1"/>
+              </a:fontRef>
+            </p:style>
+            <p:txBody>
+              <a:bodyPr rtlCol="0" anchor="ctr"/>
+              <a:lstStyle/>
+              <a:p>
+                <a:pPr algn="ctr"/>
+                <a:r>
+                  <a:rPr lang="zh-CN" altLang="en-US" dirty="0" smtClean="0"/>
+                  <a:t>目标模型</a:t>
+                </a:r>
+                <a:endParaRPr lang="zh-CN" altLang="en-US" dirty="0"/>
+              </a:p>
+            </p:txBody>
+          </p:sp>
+          <p:sp>
+            <p:nvSpPr>
+              <p:cNvPr id="20" name="椭圆 19"/>
+              <p:cNvSpPr/>
+              <p:nvPr/>
+            </p:nvSpPr>
+            <p:spPr>
+              <a:xfrm>
+                <a:off x="3203713" y="3998018"/>
+                <a:ext cx="1567070" cy="496956"/>
+              </a:xfrm>
+              <a:prstGeom prst="ellipse">
+                <a:avLst/>
+              </a:prstGeom>
+            </p:spPr>
+            <p:style>
+              <a:lnRef idx="2">
+                <a:schemeClr val="accent3">
+                  <a:shade val="50000"/>
+                </a:schemeClr>
+              </a:lnRef>
+              <a:fillRef idx="1">
+                <a:schemeClr val="accent3"/>
+              </a:fillRef>
+              <a:effectRef idx="0">
+                <a:schemeClr val="accent3"/>
+              </a:effectRef>
+              <a:fontRef idx="minor">
+                <a:schemeClr val="lt1"/>
+              </a:fontRef>
+            </p:style>
+            <p:txBody>
+              <a:bodyPr rtlCol="0" anchor="ctr"/>
+              <a:lstStyle/>
+              <a:p>
+                <a:pPr algn="ctr"/>
+                <a:r>
+                  <a:rPr lang="zh-CN" altLang="en-US" dirty="0" smtClean="0"/>
+                  <a:t>底部网格</a:t>
+                </a:r>
+                <a:endParaRPr lang="zh-CN" altLang="en-US" dirty="0"/>
+              </a:p>
+            </p:txBody>
+          </p:sp>
+          <p:sp>
+            <p:nvSpPr>
+              <p:cNvPr id="21" name="椭圆 20"/>
+              <p:cNvSpPr/>
+              <p:nvPr/>
+            </p:nvSpPr>
+            <p:spPr>
+              <a:xfrm>
+                <a:off x="4908278" y="3998018"/>
+                <a:ext cx="1567070" cy="496956"/>
+              </a:xfrm>
+              <a:prstGeom prst="ellipse">
+                <a:avLst/>
+              </a:prstGeom>
+            </p:spPr>
+            <p:style>
+              <a:lnRef idx="2">
+                <a:schemeClr val="accent3">
+                  <a:shade val="50000"/>
+                </a:schemeClr>
+              </a:lnRef>
+              <a:fillRef idx="1">
+                <a:schemeClr val="accent3"/>
+              </a:fillRef>
+              <a:effectRef idx="0">
+                <a:schemeClr val="accent3"/>
+              </a:effectRef>
+              <a:fontRef idx="minor">
+                <a:schemeClr val="lt1"/>
+              </a:fontRef>
+            </p:style>
+            <p:txBody>
+              <a:bodyPr rtlCol="0" anchor="ctr"/>
+              <a:lstStyle/>
+              <a:p>
+                <a:pPr algn="ctr"/>
+                <a:r>
+                  <a:rPr lang="zh-CN" altLang="en-US" dirty="0" smtClean="0"/>
+                  <a:t>坐标轴</a:t>
+                </a:r>
+                <a:endParaRPr lang="zh-CN" altLang="en-US" dirty="0"/>
+              </a:p>
+            </p:txBody>
+          </p:sp>
+          <p:sp>
+            <p:nvSpPr>
+              <p:cNvPr id="22" name="椭圆 21"/>
+              <p:cNvSpPr/>
+              <p:nvPr/>
+            </p:nvSpPr>
+            <p:spPr>
+              <a:xfrm>
+                <a:off x="3203713" y="4803086"/>
+                <a:ext cx="1567070" cy="496956"/>
+              </a:xfrm>
+              <a:prstGeom prst="ellipse">
+                <a:avLst/>
+              </a:prstGeom>
+            </p:spPr>
+            <p:style>
+              <a:lnRef idx="2">
+                <a:schemeClr val="accent3">
+                  <a:shade val="50000"/>
+                </a:schemeClr>
+              </a:lnRef>
+              <a:fillRef idx="1">
+                <a:schemeClr val="accent3"/>
+              </a:fillRef>
+              <a:effectRef idx="0">
+                <a:schemeClr val="accent3"/>
+              </a:effectRef>
+              <a:fontRef idx="minor">
+                <a:schemeClr val="lt1"/>
+              </a:fontRef>
+            </p:style>
+            <p:txBody>
+              <a:bodyPr rtlCol="0" anchor="ctr"/>
+              <a:lstStyle/>
+              <a:p>
+                <a:pPr algn="ctr"/>
+                <a:r>
+                  <a:rPr lang="zh-CN" altLang="en-US" dirty="0" smtClean="0"/>
+                  <a:t>水平切片</a:t>
+                </a:r>
+                <a:endParaRPr lang="zh-CN" altLang="en-US" dirty="0"/>
+              </a:p>
+            </p:txBody>
+          </p:sp>
+          <p:sp>
+            <p:nvSpPr>
+              <p:cNvPr id="23" name="椭圆 22"/>
+              <p:cNvSpPr/>
+              <p:nvPr/>
+            </p:nvSpPr>
+            <p:spPr>
+              <a:xfrm>
+                <a:off x="4906619" y="4803086"/>
+                <a:ext cx="1567070" cy="496956"/>
+              </a:xfrm>
+              <a:prstGeom prst="ellipse">
+                <a:avLst/>
+              </a:prstGeom>
+            </p:spPr>
+            <p:style>
+              <a:lnRef idx="2">
+                <a:schemeClr val="accent3">
+                  <a:shade val="50000"/>
+                </a:schemeClr>
+              </a:lnRef>
+              <a:fillRef idx="1">
+                <a:schemeClr val="accent3"/>
+              </a:fillRef>
+              <a:effectRef idx="0">
+                <a:schemeClr val="accent3"/>
+              </a:effectRef>
+              <a:fontRef idx="minor">
+                <a:schemeClr val="lt1"/>
+              </a:fontRef>
+            </p:style>
+            <p:txBody>
+              <a:bodyPr rtlCol="0" anchor="ctr"/>
+              <a:lstStyle/>
+              <a:p>
+                <a:pPr algn="ctr"/>
+                <a:r>
+                  <a:rPr lang="zh-CN" altLang="en-US" dirty="0" smtClean="0"/>
+                  <a:t>切片轨迹</a:t>
+                </a:r>
+                <a:endParaRPr lang="zh-CN" altLang="en-US" dirty="0"/>
+              </a:p>
+            </p:txBody>
+          </p:sp>
+        </p:grpSp>
+        <p:grpSp>
+          <p:nvGrpSpPr>
+            <p:cNvPr id="36" name="组合 35"/>
+            <p:cNvGrpSpPr/>
+            <p:nvPr/>
+          </p:nvGrpSpPr>
+          <p:grpSpPr>
+            <a:xfrm>
+              <a:off x="9503469" y="3243889"/>
+              <a:ext cx="2272746" cy="2561805"/>
+              <a:chOff x="6612838" y="3163134"/>
+              <a:chExt cx="2272746" cy="2561805"/>
+            </a:xfrm>
+          </p:grpSpPr>
+          <p:sp>
+            <p:nvSpPr>
+              <p:cNvPr id="28" name="矩形 27"/>
+              <p:cNvSpPr/>
+              <p:nvPr/>
+            </p:nvSpPr>
+            <p:spPr>
+              <a:xfrm>
+                <a:off x="6612838" y="3163134"/>
+                <a:ext cx="2272746" cy="2561805"/>
+              </a:xfrm>
+              <a:prstGeom prst="rect">
+                <a:avLst/>
+              </a:prstGeom>
+              <a:solidFill>
+                <a:schemeClr val="bg1"/>
+              </a:solidFill>
+              <a:ln>
+                <a:solidFill>
+                  <a:schemeClr val="accent1"/>
+                </a:solidFill>
+              </a:ln>
+              <a:effectLst>
+                <a:outerShdw blurRad="63500" sx="102000" sy="102000" algn="ctr" rotWithShape="0">
+                  <a:prstClr val="black">
+                    <a:alpha val="40000"/>
+                  </a:prstClr>
+                </a:outerShdw>
+              </a:effectLst>
+            </p:spPr>
+            <p:style>
+              <a:lnRef idx="2">
+                <a:schemeClr val="accent1">
+                  <a:shade val="50000"/>
+                </a:schemeClr>
+              </a:lnRef>
+              <a:fillRef idx="1">
+                <a:schemeClr val="accent1"/>
+              </a:fillRef>
+              <a:effectRef idx="0">
+                <a:schemeClr val="accent1"/>
+              </a:effectRef>
+              <a:fontRef idx="minor">
+                <a:schemeClr val="lt1"/>
+              </a:fontRef>
+            </p:style>
+            <p:txBody>
+              <a:bodyPr rtlCol="0" anchor="ctr"/>
+              <a:lstStyle/>
+              <a:p>
+                <a:pPr algn="ctr"/>
+                <a:endParaRPr lang="zh-CN" altLang="en-US"/>
+              </a:p>
+            </p:txBody>
+          </p:sp>
+          <p:grpSp>
+            <p:nvGrpSpPr>
+              <p:cNvPr id="35" name="组合 34"/>
+              <p:cNvGrpSpPr/>
+              <p:nvPr/>
+            </p:nvGrpSpPr>
+            <p:grpSpPr>
+              <a:xfrm>
+                <a:off x="6780975" y="3390490"/>
+                <a:ext cx="1936472" cy="2107092"/>
+                <a:chOff x="6793399" y="3364400"/>
+                <a:chExt cx="1936472" cy="2107092"/>
+              </a:xfrm>
+            </p:grpSpPr>
+            <p:sp>
+              <p:nvSpPr>
+                <p:cNvPr id="31" name="椭圆 30"/>
+                <p:cNvSpPr/>
+                <p:nvPr/>
+              </p:nvSpPr>
+              <p:spPr>
+                <a:xfrm>
+                  <a:off x="6793399" y="3364400"/>
+                  <a:ext cx="1936472" cy="496956"/>
+                </a:xfrm>
+                <a:prstGeom prst="ellipse">
+                  <a:avLst/>
+                </a:prstGeom>
+              </p:spPr>
+              <p:style>
+                <a:lnRef idx="2">
+                  <a:schemeClr val="accent3">
+                    <a:shade val="50000"/>
+                  </a:schemeClr>
+                </a:lnRef>
+                <a:fillRef idx="1">
+                  <a:schemeClr val="accent3"/>
+                </a:fillRef>
+                <a:effectRef idx="0">
+                  <a:schemeClr val="accent3"/>
+                </a:effectRef>
+                <a:fontRef idx="minor">
+                  <a:schemeClr val="lt1"/>
+                </a:fontRef>
+              </p:style>
+              <p:txBody>
+                <a:bodyPr rtlCol="0" anchor="ctr"/>
+                <a:lstStyle/>
+                <a:p>
+                  <a:pPr algn="ctr"/>
+                  <a:r>
+                    <a:rPr lang="zh-CN" altLang="en-US" dirty="0" smtClean="0"/>
+                    <a:t>刷新率</a:t>
+                  </a:r>
+                  <a:r>
+                    <a:rPr lang="en-US" altLang="zh-CN" dirty="0" smtClean="0"/>
+                    <a:t>(FPS)</a:t>
+                  </a:r>
+                  <a:endParaRPr lang="zh-CN" altLang="en-US" dirty="0"/>
+                </a:p>
+              </p:txBody>
+            </p:sp>
+            <p:sp>
+              <p:nvSpPr>
+                <p:cNvPr id="32" name="椭圆 31"/>
+                <p:cNvSpPr/>
+                <p:nvPr/>
+              </p:nvSpPr>
+              <p:spPr>
+                <a:xfrm>
+                  <a:off x="6978100" y="4169468"/>
+                  <a:ext cx="1567070" cy="496956"/>
+                </a:xfrm>
+                <a:prstGeom prst="ellipse">
+                  <a:avLst/>
+                </a:prstGeom>
+              </p:spPr>
+              <p:style>
+                <a:lnRef idx="2">
+                  <a:schemeClr val="accent3">
+                    <a:shade val="50000"/>
+                  </a:schemeClr>
+                </a:lnRef>
+                <a:fillRef idx="1">
+                  <a:schemeClr val="accent3"/>
+                </a:fillRef>
+                <a:effectRef idx="0">
+                  <a:schemeClr val="accent3"/>
+                </a:effectRef>
+                <a:fontRef idx="minor">
+                  <a:schemeClr val="lt1"/>
+                </a:fontRef>
+              </p:style>
+              <p:txBody>
+                <a:bodyPr rtlCol="0" anchor="ctr"/>
+                <a:lstStyle/>
+                <a:p>
+                  <a:pPr algn="ctr"/>
+                  <a:r>
+                    <a:rPr lang="zh-CN" altLang="en-US" dirty="0" smtClean="0"/>
+                    <a:t>延迟</a:t>
+                  </a:r>
+                  <a:r>
+                    <a:rPr lang="en-US" altLang="zh-CN" dirty="0" smtClean="0"/>
+                    <a:t>(MS)</a:t>
+                  </a:r>
+                  <a:endParaRPr lang="zh-CN" altLang="en-US" dirty="0"/>
+                </a:p>
+              </p:txBody>
+            </p:sp>
+            <p:sp>
+              <p:nvSpPr>
+                <p:cNvPr id="33" name="椭圆 32"/>
+                <p:cNvSpPr/>
+                <p:nvPr/>
+              </p:nvSpPr>
+              <p:spPr>
+                <a:xfrm>
+                  <a:off x="6978100" y="4974536"/>
+                  <a:ext cx="1567070" cy="496956"/>
+                </a:xfrm>
+                <a:prstGeom prst="ellipse">
+                  <a:avLst/>
+                </a:prstGeom>
+              </p:spPr>
+              <p:style>
+                <a:lnRef idx="2">
+                  <a:schemeClr val="accent3">
+                    <a:shade val="50000"/>
+                  </a:schemeClr>
+                </a:lnRef>
+                <a:fillRef idx="1">
+                  <a:schemeClr val="accent3"/>
+                </a:fillRef>
+                <a:effectRef idx="0">
+                  <a:schemeClr val="accent3"/>
+                </a:effectRef>
+                <a:fontRef idx="minor">
+                  <a:schemeClr val="lt1"/>
+                </a:fontRef>
+              </p:style>
+              <p:txBody>
+                <a:bodyPr rtlCol="0" anchor="ctr"/>
+                <a:lstStyle/>
+                <a:p>
+                  <a:pPr algn="ctr"/>
+                  <a:r>
+                    <a:rPr lang="zh-CN" altLang="en-US" dirty="0" smtClean="0"/>
+                    <a:t>内存</a:t>
+                  </a:r>
+                  <a:r>
+                    <a:rPr lang="en-US" altLang="zh-CN" dirty="0" smtClean="0"/>
+                    <a:t>(MB)</a:t>
+                  </a:r>
+                  <a:endParaRPr lang="zh-CN" altLang="en-US" dirty="0"/>
+                </a:p>
+              </p:txBody>
+            </p:sp>
+          </p:grpSp>
+        </p:grpSp>
+        <p:grpSp>
+          <p:nvGrpSpPr>
+            <p:cNvPr id="43" name="组合 42"/>
+            <p:cNvGrpSpPr/>
+            <p:nvPr/>
+          </p:nvGrpSpPr>
+          <p:grpSpPr>
+            <a:xfrm>
+              <a:off x="5771740" y="3243889"/>
+              <a:ext cx="2558494" cy="2561805"/>
+              <a:chOff x="5628866" y="3243889"/>
+              <a:chExt cx="2558494" cy="2561805"/>
+            </a:xfrm>
+          </p:grpSpPr>
+          <p:sp>
+            <p:nvSpPr>
+              <p:cNvPr id="38" name="矩形 37"/>
+              <p:cNvSpPr/>
+              <p:nvPr/>
+            </p:nvSpPr>
+            <p:spPr>
+              <a:xfrm>
+                <a:off x="5628866" y="3243889"/>
+                <a:ext cx="2558494" cy="2561805"/>
+              </a:xfrm>
+              <a:prstGeom prst="rect">
+                <a:avLst/>
+              </a:prstGeom>
+              <a:solidFill>
+                <a:schemeClr val="bg1"/>
+              </a:solidFill>
+              <a:ln>
+                <a:solidFill>
+                  <a:schemeClr val="accent1"/>
+                </a:solidFill>
+              </a:ln>
+              <a:effectLst>
+                <a:outerShdw blurRad="63500" sx="102000" sy="102000" algn="ctr" rotWithShape="0">
+                  <a:prstClr val="black">
+                    <a:alpha val="40000"/>
+                  </a:prstClr>
+                </a:outerShdw>
+              </a:effectLst>
+            </p:spPr>
+            <p:style>
+              <a:lnRef idx="2">
+                <a:schemeClr val="accent1">
+                  <a:shade val="50000"/>
+                </a:schemeClr>
+              </a:lnRef>
+              <a:fillRef idx="1">
+                <a:schemeClr val="accent1"/>
+              </a:fillRef>
+              <a:effectRef idx="0">
+                <a:schemeClr val="accent1"/>
+              </a:effectRef>
+              <a:fontRef idx="minor">
+                <a:schemeClr val="lt1"/>
+              </a:fontRef>
+            </p:style>
+            <p:txBody>
+              <a:bodyPr rtlCol="0" anchor="ctr"/>
+              <a:lstStyle/>
+              <a:p>
+                <a:pPr algn="ctr"/>
+                <a:endParaRPr lang="zh-CN" altLang="en-US"/>
+              </a:p>
+            </p:txBody>
+          </p:sp>
+          <p:grpSp>
+            <p:nvGrpSpPr>
+              <p:cNvPr id="39" name="组合 38"/>
+              <p:cNvGrpSpPr/>
+              <p:nvPr/>
+            </p:nvGrpSpPr>
+            <p:grpSpPr>
+              <a:xfrm>
+                <a:off x="5771740" y="3839926"/>
+                <a:ext cx="2272746" cy="1369730"/>
+                <a:chOff x="6625262" y="3364400"/>
+                <a:chExt cx="2272746" cy="1369730"/>
+              </a:xfrm>
+            </p:grpSpPr>
+            <p:sp>
+              <p:nvSpPr>
+                <p:cNvPr id="40" name="椭圆 39"/>
+                <p:cNvSpPr/>
+                <p:nvPr/>
+              </p:nvSpPr>
+              <p:spPr>
+                <a:xfrm>
+                  <a:off x="6793399" y="3364400"/>
+                  <a:ext cx="1936472" cy="496956"/>
+                </a:xfrm>
+                <a:prstGeom prst="ellipse">
+                  <a:avLst/>
+                </a:prstGeom>
+              </p:spPr>
+              <p:style>
+                <a:lnRef idx="2">
+                  <a:schemeClr val="accent3">
+                    <a:shade val="50000"/>
+                  </a:schemeClr>
+                </a:lnRef>
+                <a:fillRef idx="1">
+                  <a:schemeClr val="accent3"/>
+                </a:fillRef>
+                <a:effectRef idx="0">
+                  <a:schemeClr val="accent3"/>
+                </a:effectRef>
+                <a:fontRef idx="minor">
+                  <a:schemeClr val="lt1"/>
+                </a:fontRef>
+              </p:style>
+              <p:txBody>
+                <a:bodyPr rtlCol="0" anchor="ctr"/>
+                <a:lstStyle/>
+                <a:p>
+                  <a:pPr algn="ctr"/>
+                  <a:r>
+                    <a:rPr lang="zh-CN" altLang="en-US" dirty="0"/>
+                    <a:t>轮廓线信息</a:t>
+                  </a:r>
+                </a:p>
+              </p:txBody>
+            </p:sp>
+            <p:sp>
+              <p:nvSpPr>
+                <p:cNvPr id="41" name="椭圆 40"/>
+                <p:cNvSpPr/>
+                <p:nvPr/>
+              </p:nvSpPr>
+              <p:spPr>
+                <a:xfrm>
+                  <a:off x="6625262" y="4237174"/>
+                  <a:ext cx="2272746" cy="496956"/>
+                </a:xfrm>
+                <a:prstGeom prst="ellipse">
+                  <a:avLst/>
+                </a:prstGeom>
+              </p:spPr>
+              <p:style>
+                <a:lnRef idx="2">
+                  <a:schemeClr val="accent3">
+                    <a:shade val="50000"/>
+                  </a:schemeClr>
+                </a:lnRef>
+                <a:fillRef idx="1">
+                  <a:schemeClr val="accent3"/>
+                </a:fillRef>
+                <a:effectRef idx="0">
+                  <a:schemeClr val="accent3"/>
+                </a:effectRef>
+                <a:fontRef idx="minor">
+                  <a:schemeClr val="lt1"/>
+                </a:fontRef>
+              </p:style>
+              <p:txBody>
+                <a:bodyPr rtlCol="0" anchor="ctr"/>
+                <a:lstStyle/>
+                <a:p>
+                  <a:pPr algn="ctr"/>
+                  <a:r>
+                    <a:rPr lang="zh-CN" altLang="en-US" dirty="0"/>
+                    <a:t>填充轨迹信息</a:t>
+                  </a:r>
+                </a:p>
+              </p:txBody>
+            </p:sp>
+          </p:grpSp>
+        </p:grpSp>
+      </p:grpSp>
+      <p:cxnSp>
+        <p:nvCxnSpPr>
+          <p:cNvPr id="46" name="直接箭头连接符 45"/>
+          <p:cNvCxnSpPr>
+            <a:stCxn id="8" idx="2"/>
+            <a:endCxn id="25" idx="0"/>
+          </p:cNvCxnSpPr>
+          <p:nvPr/>
+        </p:nvCxnSpPr>
+        <p:spPr>
+          <a:xfrm flipH="1">
+            <a:off x="2507146" y="2266121"/>
+            <a:ext cx="3098525" cy="709413"/>
+          </a:xfrm>
+          <a:prstGeom prst="straightConnector1">
+            <a:avLst/>
+          </a:prstGeom>
+          <a:ln>
+            <a:tailEnd type="triangle"/>
+          </a:ln>
+        </p:spPr>
+        <p:style>
+          <a:lnRef idx="1">
+            <a:schemeClr val="accent1"/>
+          </a:lnRef>
+          <a:fillRef idx="0">
+            <a:schemeClr val="accent1"/>
+          </a:fillRef>
+          <a:effectRef idx="0">
+            <a:schemeClr val="accent1"/>
+          </a:effectRef>
+          <a:fontRef idx="minor">
+            <a:schemeClr val="tx1"/>
+          </a:fontRef>
+        </p:style>
+      </p:cxnSp>
+      <p:cxnSp>
+        <p:nvCxnSpPr>
+          <p:cNvPr id="48" name="直接箭头连接符 47"/>
+          <p:cNvCxnSpPr>
+            <a:stCxn id="9" idx="2"/>
+            <a:endCxn id="38" idx="0"/>
+          </p:cNvCxnSpPr>
+          <p:nvPr/>
+        </p:nvCxnSpPr>
+        <p:spPr>
+          <a:xfrm flipH="1">
+            <a:off x="6957393" y="2266121"/>
+            <a:ext cx="498614" cy="709413"/>
+          </a:xfrm>
+          <a:prstGeom prst="straightConnector1">
+            <a:avLst/>
+          </a:prstGeom>
+          <a:ln>
+            <a:tailEnd type="triangle"/>
+          </a:ln>
+        </p:spPr>
+        <p:style>
+          <a:lnRef idx="1">
+            <a:schemeClr val="accent1"/>
+          </a:lnRef>
+          <a:fillRef idx="0">
+            <a:schemeClr val="accent1"/>
+          </a:fillRef>
+          <a:effectRef idx="0">
+            <a:schemeClr val="accent1"/>
+          </a:effectRef>
+          <a:fontRef idx="minor">
+            <a:schemeClr val="tx1"/>
+          </a:fontRef>
+        </p:style>
+      </p:cxnSp>
+      <p:cxnSp>
+        <p:nvCxnSpPr>
+          <p:cNvPr id="51" name="直接箭头连接符 50"/>
+          <p:cNvCxnSpPr>
+            <a:stCxn id="10" idx="2"/>
+            <a:endCxn id="28" idx="0"/>
+          </p:cNvCxnSpPr>
+          <p:nvPr/>
+        </p:nvCxnSpPr>
+        <p:spPr>
+          <a:xfrm>
+            <a:off x="9503469" y="2266121"/>
+            <a:ext cx="1042779" cy="709413"/>
+          </a:xfrm>
+          <a:prstGeom prst="straightConnector1">
+            <a:avLst/>
+          </a:prstGeom>
+          <a:ln>
+            <a:tailEnd type="triangle"/>
+          </a:ln>
+        </p:spPr>
+        <p:style>
+          <a:lnRef idx="1">
+            <a:schemeClr val="accent1"/>
+          </a:lnRef>
+          <a:fillRef idx="0">
+            <a:schemeClr val="accent1"/>
+          </a:fillRef>
+          <a:effectRef idx="0">
+            <a:schemeClr val="accent1"/>
+          </a:effectRef>
+          <a:fontRef idx="minor">
+            <a:schemeClr val="tx1"/>
+          </a:fontRef>
+        </p:style>
+      </p:cxnSp>
+      <p:cxnSp>
+        <p:nvCxnSpPr>
+          <p:cNvPr id="61" name="肘形连接符 60"/>
+          <p:cNvCxnSpPr>
+            <a:stCxn id="4" idx="2"/>
+            <a:endCxn id="5" idx="0"/>
+          </p:cNvCxnSpPr>
+          <p:nvPr/>
+        </p:nvCxnSpPr>
+        <p:spPr>
+          <a:xfrm rot="5400000">
+            <a:off x="3095213" y="-1311137"/>
+            <a:ext cx="725554" cy="5276022"/>
+          </a:xfrm>
+          <a:prstGeom prst="bentConnector3">
+            <a:avLst/>
+          </a:prstGeom>
+          <a:ln>
+            <a:tailEnd type="triangle"/>
+          </a:ln>
+        </p:spPr>
+        <p:style>
+          <a:lnRef idx="1">
+            <a:schemeClr val="accent1"/>
+          </a:lnRef>
+          <a:fillRef idx="0">
+            <a:schemeClr val="accent1"/>
+          </a:fillRef>
+          <a:effectRef idx="0">
+            <a:schemeClr val="accent1"/>
+          </a:effectRef>
+          <a:fontRef idx="minor">
+            <a:schemeClr val="tx1"/>
+          </a:fontRef>
+        </p:style>
+      </p:cxnSp>
+      <p:cxnSp>
+        <p:nvCxnSpPr>
+          <p:cNvPr id="63" name="肘形连接符 62"/>
+          <p:cNvCxnSpPr>
+            <a:stCxn id="4" idx="2"/>
+            <a:endCxn id="6" idx="0"/>
+          </p:cNvCxnSpPr>
+          <p:nvPr/>
+        </p:nvCxnSpPr>
+        <p:spPr>
+          <a:xfrm rot="5400000">
+            <a:off x="3887031" y="-519319"/>
+            <a:ext cx="725554" cy="3692387"/>
+          </a:xfrm>
+          <a:prstGeom prst="bentConnector3">
+            <a:avLst>
+              <a:gd name="adj1" fmla="val 50000"/>
+            </a:avLst>
+          </a:prstGeom>
+          <a:ln>
+            <a:tailEnd type="triangle"/>
+          </a:ln>
+        </p:spPr>
+        <p:style>
+          <a:lnRef idx="1">
+            <a:schemeClr val="accent1"/>
+          </a:lnRef>
+          <a:fillRef idx="0">
+            <a:schemeClr val="accent1"/>
+          </a:fillRef>
+          <a:effectRef idx="0">
+            <a:schemeClr val="accent1"/>
+          </a:effectRef>
+          <a:fontRef idx="minor">
+            <a:schemeClr val="tx1"/>
+          </a:fontRef>
+        </p:style>
+      </p:cxnSp>
+      <p:cxnSp>
+        <p:nvCxnSpPr>
+          <p:cNvPr id="66" name="肘形连接符 65"/>
+          <p:cNvCxnSpPr>
+            <a:stCxn id="4" idx="2"/>
+            <a:endCxn id="7" idx="0"/>
+          </p:cNvCxnSpPr>
+          <p:nvPr/>
+        </p:nvCxnSpPr>
+        <p:spPr>
+          <a:xfrm rot="5400000">
+            <a:off x="4678848" y="272498"/>
+            <a:ext cx="725554" cy="2108752"/>
+          </a:xfrm>
+          <a:prstGeom prst="bentConnector3">
+            <a:avLst>
+              <a:gd name="adj1" fmla="val 50000"/>
+            </a:avLst>
+          </a:prstGeom>
+          <a:ln>
+            <a:tailEnd type="triangle"/>
+          </a:ln>
+        </p:spPr>
+        <p:style>
+          <a:lnRef idx="1">
+            <a:schemeClr val="accent1"/>
+          </a:lnRef>
+          <a:fillRef idx="0">
+            <a:schemeClr val="accent1"/>
+          </a:fillRef>
+          <a:effectRef idx="0">
+            <a:schemeClr val="accent1"/>
+          </a:effectRef>
+          <a:fontRef idx="minor">
+            <a:schemeClr val="tx1"/>
+          </a:fontRef>
+        </p:style>
+      </p:cxnSp>
+      <p:cxnSp>
+        <p:nvCxnSpPr>
+          <p:cNvPr id="69" name="肘形连接符 68"/>
+          <p:cNvCxnSpPr>
+            <a:stCxn id="4" idx="2"/>
+            <a:endCxn id="8" idx="0"/>
+          </p:cNvCxnSpPr>
+          <p:nvPr/>
+        </p:nvCxnSpPr>
+        <p:spPr>
+          <a:xfrm rot="5400000">
+            <a:off x="5488059" y="1081709"/>
+            <a:ext cx="725554" cy="490330"/>
+          </a:xfrm>
+          <a:prstGeom prst="bentConnector3">
+            <a:avLst>
+              <a:gd name="adj1" fmla="val 50000"/>
+            </a:avLst>
+          </a:prstGeom>
+          <a:ln>
+            <a:tailEnd type="triangle"/>
+          </a:ln>
+        </p:spPr>
+        <p:style>
+          <a:lnRef idx="1">
+            <a:schemeClr val="accent1"/>
+          </a:lnRef>
+          <a:fillRef idx="0">
+            <a:schemeClr val="accent1"/>
+          </a:fillRef>
+          <a:effectRef idx="0">
+            <a:schemeClr val="accent1"/>
+          </a:effectRef>
+          <a:fontRef idx="minor">
+            <a:schemeClr val="tx1"/>
+          </a:fontRef>
+        </p:style>
+      </p:cxnSp>
+      <p:cxnSp>
+        <p:nvCxnSpPr>
+          <p:cNvPr id="72" name="肘形连接符 71"/>
+          <p:cNvCxnSpPr>
+            <a:stCxn id="4" idx="2"/>
+            <a:endCxn id="9" idx="0"/>
+          </p:cNvCxnSpPr>
+          <p:nvPr/>
+        </p:nvCxnSpPr>
+        <p:spPr>
+          <a:xfrm rot="16200000" flipH="1">
+            <a:off x="6413227" y="646871"/>
+            <a:ext cx="725554" cy="1360006"/>
+          </a:xfrm>
+          <a:prstGeom prst="bentConnector3">
+            <a:avLst>
+              <a:gd name="adj1" fmla="val 50000"/>
+            </a:avLst>
+          </a:prstGeom>
+          <a:ln>
+            <a:tailEnd type="triangle"/>
+          </a:ln>
+        </p:spPr>
+        <p:style>
+          <a:lnRef idx="1">
+            <a:schemeClr val="accent1"/>
+          </a:lnRef>
+          <a:fillRef idx="0">
+            <a:schemeClr val="accent1"/>
+          </a:fillRef>
+          <a:effectRef idx="0">
+            <a:schemeClr val="accent1"/>
+          </a:effectRef>
+          <a:fontRef idx="minor">
+            <a:schemeClr val="tx1"/>
+          </a:fontRef>
+        </p:style>
+      </p:cxnSp>
+      <p:cxnSp>
+        <p:nvCxnSpPr>
+          <p:cNvPr id="75" name="肘形连接符 74"/>
+          <p:cNvCxnSpPr>
+            <a:stCxn id="4" idx="2"/>
+            <a:endCxn id="10" idx="0"/>
+          </p:cNvCxnSpPr>
+          <p:nvPr/>
+        </p:nvCxnSpPr>
+        <p:spPr>
+          <a:xfrm rot="16200000" flipH="1">
+            <a:off x="7436958" y="-376860"/>
+            <a:ext cx="725554" cy="3407468"/>
+          </a:xfrm>
+          <a:prstGeom prst="bentConnector3">
+            <a:avLst>
+              <a:gd name="adj1" fmla="val 50000"/>
+            </a:avLst>
+          </a:prstGeom>
+          <a:ln>
+            <a:tailEnd type="triangle"/>
+          </a:ln>
+        </p:spPr>
+        <p:style>
+          <a:lnRef idx="1">
+            <a:schemeClr val="accent1"/>
+          </a:lnRef>
+          <a:fillRef idx="0">
+            <a:schemeClr val="accent1"/>
+          </a:fillRef>
+          <a:effectRef idx="0">
+            <a:schemeClr val="accent1"/>
+          </a:effectRef>
+          <a:fontRef idx="minor">
+            <a:schemeClr val="tx1"/>
+          </a:fontRef>
+        </p:style>
+      </p:cxnSp>
+      <p:cxnSp>
+        <p:nvCxnSpPr>
+          <p:cNvPr id="78" name="肘形连接符 77"/>
+          <p:cNvCxnSpPr>
+            <a:stCxn id="4" idx="2"/>
+            <a:endCxn id="17" idx="0"/>
+          </p:cNvCxnSpPr>
+          <p:nvPr/>
+        </p:nvCxnSpPr>
+        <p:spPr>
+          <a:xfrm rot="16200000" flipH="1">
+            <a:off x="8344732" y="-1284635"/>
+            <a:ext cx="725554" cy="5223017"/>
+          </a:xfrm>
+          <a:prstGeom prst="bentConnector3">
+            <a:avLst>
+              <a:gd name="adj1" fmla="val 50000"/>
+            </a:avLst>
+          </a:prstGeom>
+          <a:ln>
+            <a:tailEnd type="triangle"/>
+          </a:ln>
+        </p:spPr>
+        <p:style>
+          <a:lnRef idx="1">
+            <a:schemeClr val="accent1"/>
+          </a:lnRef>
+          <a:fillRef idx="0">
+            <a:schemeClr val="accent1"/>
+          </a:fillRef>
+          <a:effectRef idx="0">
+            <a:schemeClr val="accent1"/>
+          </a:effectRef>
+          <a:fontRef idx="minor">
+            <a:schemeClr val="tx1"/>
+          </a:fontRef>
+        </p:style>
+      </p:cxnSp>
+    </p:spTree>
+    <p:extLst>
+      <p:ext uri="{BB962C8B-B14F-4D97-AF65-F5344CB8AC3E}">
+        <p14:creationId xmlns:p14="http://schemas.microsoft.com/office/powerpoint/2010/main" val="1329729544"/>
+      </p:ext>
+    </p:extLst>
+  </p:cSld>
+  <p:clrMapOvr>
+    <a:masterClrMapping/>
+  </p:clrMapOvr>
+  <p:timing>
+    <p:tnLst>
+      <p:par>
+        <p:cTn id="1" dur="indefinite" restart="never" nodeType="tmRoot"/>
+      </p:par>
+    </p:tnLst>
+  </p:timing>
+</p:sld>
+</file>
+
+<file path=ppt/slides/slide16.xml><?xml version="1.0" encoding="utf-8"?>
+<p:sld xmlns:a="http://schemas.openxmlformats.org/drawingml/2006/main" xmlns:r="http://schemas.openxmlformats.org/officeDocument/2006/relationships" xmlns:p="http://schemas.openxmlformats.org/presentationml/2006/main">
+  <p:cSld>
+    <p:spTree>
+      <p:nvGrpSpPr>
+        <p:cNvPr id="1" name=""/>
+        <p:cNvGrpSpPr/>
+        <p:nvPr/>
+      </p:nvGrpSpPr>
+      <p:grpSpPr>
+        <a:xfrm>
+          <a:off x="0" y="0"/>
+          <a:ext cx="0" cy="0"/>
+          <a:chOff x="0" y="0"/>
+          <a:chExt cx="0" cy="0"/>
+        </a:xfrm>
+      </p:grpSpPr>
+      <p:sp>
+        <p:nvSpPr>
+          <p:cNvPr id="4" name="矩形 3"/>
+          <p:cNvSpPr/>
+          <p:nvPr/>
+        </p:nvSpPr>
+        <p:spPr>
+          <a:xfrm>
+            <a:off x="4224130" y="924339"/>
+            <a:ext cx="3061253" cy="1103244"/>
+          </a:xfrm>
+          <a:prstGeom prst="rect">
+            <a:avLst/>
+          </a:prstGeom>
+        </p:spPr>
+        <p:style>
+          <a:lnRef idx="2">
+            <a:schemeClr val="accent1">
+              <a:shade val="50000"/>
+            </a:schemeClr>
+          </a:lnRef>
+          <a:fillRef idx="1">
+            <a:schemeClr val="accent1"/>
+          </a:fillRef>
+          <a:effectRef idx="0">
+            <a:schemeClr val="accent1"/>
+          </a:effectRef>
+          <a:fontRef idx="minor">
+            <a:schemeClr val="lt1"/>
+          </a:fontRef>
+        </p:style>
+        <p:txBody>
+          <a:bodyPr rtlCol="0" anchor="ctr"/>
+          <a:lstStyle/>
+          <a:p>
+            <a:pPr algn="ctr"/>
+            <a:r>
+              <a:rPr lang="zh-CN" altLang="en-US" dirty="0" smtClean="0"/>
+              <a:t>增材制造预处理模块</a:t>
+            </a:r>
+            <a:endParaRPr lang="zh-CN" altLang="en-US" dirty="0"/>
+          </a:p>
+        </p:txBody>
+      </p:sp>
+      <p:sp>
+        <p:nvSpPr>
+          <p:cNvPr id="5" name="矩形 4"/>
+          <p:cNvSpPr/>
+          <p:nvPr/>
+        </p:nvSpPr>
+        <p:spPr>
+          <a:xfrm>
+            <a:off x="715617" y="3289850"/>
+            <a:ext cx="1510747" cy="655983"/>
+          </a:xfrm>
+          <a:prstGeom prst="rect">
+            <a:avLst/>
+          </a:prstGeom>
+        </p:spPr>
+        <p:style>
+          <a:lnRef idx="2">
+            <a:schemeClr val="accent6">
+              <a:shade val="50000"/>
+            </a:schemeClr>
+          </a:lnRef>
+          <a:fillRef idx="1">
+            <a:schemeClr val="accent6"/>
+          </a:fillRef>
+          <a:effectRef idx="0">
+            <a:schemeClr val="accent6"/>
+          </a:effectRef>
+          <a:fontRef idx="minor">
+            <a:schemeClr val="lt1"/>
+          </a:fontRef>
+        </p:style>
+        <p:txBody>
+          <a:bodyPr rtlCol="0" anchor="ctr"/>
+          <a:lstStyle/>
+          <a:p>
+            <a:pPr algn="ctr"/>
+            <a:r>
+              <a:rPr lang="zh-CN" altLang="en-US" dirty="0" smtClean="0"/>
+              <a:t>导入</a:t>
+            </a:r>
+            <a:r>
+              <a:rPr lang="en-US" altLang="zh-CN" dirty="0" smtClean="0"/>
+              <a:t>STL</a:t>
+            </a:r>
+            <a:r>
+              <a:rPr lang="zh-CN" altLang="en-US" dirty="0" smtClean="0"/>
+              <a:t>模型</a:t>
+            </a:r>
+            <a:endParaRPr lang="zh-CN" altLang="en-US" dirty="0"/>
+          </a:p>
+        </p:txBody>
+      </p:sp>
+      <p:sp>
+        <p:nvSpPr>
+          <p:cNvPr id="6" name="矩形 5"/>
+          <p:cNvSpPr/>
+          <p:nvPr/>
+        </p:nvSpPr>
+        <p:spPr>
+          <a:xfrm>
+            <a:off x="2865783" y="3289849"/>
+            <a:ext cx="1510747" cy="655983"/>
+          </a:xfrm>
+          <a:prstGeom prst="rect">
+            <a:avLst/>
+          </a:prstGeom>
+        </p:spPr>
+        <p:style>
+          <a:lnRef idx="2">
+            <a:schemeClr val="accent6">
+              <a:shade val="50000"/>
+            </a:schemeClr>
+          </a:lnRef>
+          <a:fillRef idx="1">
+            <a:schemeClr val="accent6"/>
+          </a:fillRef>
+          <a:effectRef idx="0">
+            <a:schemeClr val="accent6"/>
+          </a:effectRef>
+          <a:fontRef idx="minor">
+            <a:schemeClr val="lt1"/>
+          </a:fontRef>
+        </p:style>
+        <p:txBody>
+          <a:bodyPr rtlCol="0" anchor="ctr"/>
+          <a:lstStyle/>
+          <a:p>
+            <a:pPr algn="ctr"/>
+            <a:r>
+              <a:rPr lang="zh-CN" altLang="en-US" dirty="0"/>
+              <a:t>冗余去除和拓扑重建</a:t>
+            </a:r>
+          </a:p>
+        </p:txBody>
+      </p:sp>
+      <p:sp>
+        <p:nvSpPr>
+          <p:cNvPr id="7" name="矩形 6"/>
+          <p:cNvSpPr/>
+          <p:nvPr/>
+        </p:nvSpPr>
+        <p:spPr>
+          <a:xfrm>
+            <a:off x="5015949" y="3289848"/>
+            <a:ext cx="1510747" cy="655983"/>
+          </a:xfrm>
+          <a:prstGeom prst="rect">
+            <a:avLst/>
+          </a:prstGeom>
+        </p:spPr>
+        <p:style>
+          <a:lnRef idx="2">
+            <a:schemeClr val="accent6">
+              <a:shade val="50000"/>
+            </a:schemeClr>
+          </a:lnRef>
+          <a:fillRef idx="1">
+            <a:schemeClr val="accent6"/>
+          </a:fillRef>
+          <a:effectRef idx="0">
+            <a:schemeClr val="accent6"/>
+          </a:effectRef>
+          <a:fontRef idx="minor">
+            <a:schemeClr val="lt1"/>
+          </a:fontRef>
+        </p:style>
+        <p:txBody>
+          <a:bodyPr rtlCol="0" anchor="ctr"/>
+          <a:lstStyle/>
+          <a:p>
+            <a:pPr algn="ctr"/>
+            <a:r>
+              <a:rPr lang="zh-CN" altLang="en-US" dirty="0" smtClean="0"/>
+              <a:t>切片生成</a:t>
+            </a:r>
+            <a:endParaRPr lang="zh-CN" altLang="en-US" dirty="0"/>
+          </a:p>
+        </p:txBody>
+      </p:sp>
+      <p:sp>
+        <p:nvSpPr>
+          <p:cNvPr id="8" name="矩形 7"/>
+          <p:cNvSpPr/>
+          <p:nvPr/>
+        </p:nvSpPr>
+        <p:spPr>
+          <a:xfrm>
+            <a:off x="7166115" y="3289848"/>
+            <a:ext cx="1510747" cy="655983"/>
+          </a:xfrm>
+          <a:prstGeom prst="rect">
+            <a:avLst/>
+          </a:prstGeom>
+        </p:spPr>
+        <p:style>
+          <a:lnRef idx="2">
+            <a:schemeClr val="accent6">
+              <a:shade val="50000"/>
+            </a:schemeClr>
+          </a:lnRef>
+          <a:fillRef idx="1">
+            <a:schemeClr val="accent6"/>
+          </a:fillRef>
+          <a:effectRef idx="0">
+            <a:schemeClr val="accent6"/>
+          </a:effectRef>
+          <a:fontRef idx="minor">
+            <a:schemeClr val="lt1"/>
+          </a:fontRef>
+        </p:style>
+        <p:txBody>
+          <a:bodyPr rtlCol="0" anchor="ctr"/>
+          <a:lstStyle/>
+          <a:p>
+            <a:pPr algn="ctr"/>
+            <a:r>
+              <a:rPr lang="zh-CN" altLang="en-US" dirty="0" smtClean="0"/>
+              <a:t>轮廓填充轨迹规划</a:t>
+            </a:r>
+            <a:endParaRPr lang="zh-CN" altLang="en-US" dirty="0"/>
+          </a:p>
+        </p:txBody>
+      </p:sp>
+      <p:sp>
+        <p:nvSpPr>
+          <p:cNvPr id="9" name="矩形 8"/>
+          <p:cNvSpPr/>
+          <p:nvPr/>
+        </p:nvSpPr>
+        <p:spPr>
+          <a:xfrm>
+            <a:off x="9316281" y="3289848"/>
+            <a:ext cx="1510747" cy="655983"/>
+          </a:xfrm>
+          <a:prstGeom prst="rect">
+            <a:avLst/>
+          </a:prstGeom>
+        </p:spPr>
+        <p:style>
+          <a:lnRef idx="2">
+            <a:schemeClr val="accent6">
+              <a:shade val="50000"/>
+            </a:schemeClr>
+          </a:lnRef>
+          <a:fillRef idx="1">
+            <a:schemeClr val="accent6"/>
+          </a:fillRef>
+          <a:effectRef idx="0">
+            <a:schemeClr val="accent6"/>
+          </a:effectRef>
+          <a:fontRef idx="minor">
+            <a:schemeClr val="lt1"/>
+          </a:fontRef>
+        </p:style>
+        <p:txBody>
+          <a:bodyPr rtlCol="0" anchor="ctr"/>
+          <a:lstStyle/>
+          <a:p>
+            <a:pPr algn="ctr"/>
+            <a:r>
+              <a:rPr lang="en-US" altLang="zh-CN" dirty="0" smtClean="0"/>
+              <a:t>GCode</a:t>
+            </a:r>
+            <a:r>
+              <a:rPr lang="zh-CN" altLang="en-US" dirty="0" smtClean="0"/>
+              <a:t>生成</a:t>
+            </a:r>
+            <a:endParaRPr lang="zh-CN" altLang="en-US" dirty="0"/>
+          </a:p>
+        </p:txBody>
+      </p:sp>
+      <p:cxnSp>
+        <p:nvCxnSpPr>
+          <p:cNvPr id="11" name="肘形连接符 10"/>
+          <p:cNvCxnSpPr>
+            <a:stCxn id="4" idx="2"/>
+            <a:endCxn id="5" idx="0"/>
+          </p:cNvCxnSpPr>
+          <p:nvPr/>
+        </p:nvCxnSpPr>
+        <p:spPr>
+          <a:xfrm rot="5400000">
+            <a:off x="2981741" y="516833"/>
+            <a:ext cx="1262267" cy="4283766"/>
+          </a:xfrm>
+          <a:prstGeom prst="bentConnector3">
+            <a:avLst/>
+          </a:prstGeom>
+        </p:spPr>
+        <p:style>
+          <a:lnRef idx="1">
+            <a:schemeClr val="accent1"/>
+          </a:lnRef>
+          <a:fillRef idx="0">
+            <a:schemeClr val="accent1"/>
+          </a:fillRef>
+          <a:effectRef idx="0">
+            <a:schemeClr val="accent1"/>
+          </a:effectRef>
+          <a:fontRef idx="minor">
+            <a:schemeClr val="tx1"/>
+          </a:fontRef>
+        </p:style>
+      </p:cxnSp>
+      <p:cxnSp>
+        <p:nvCxnSpPr>
+          <p:cNvPr id="13" name="肘形连接符 12"/>
+          <p:cNvCxnSpPr>
+            <a:stCxn id="4" idx="2"/>
+            <a:endCxn id="6" idx="0"/>
+          </p:cNvCxnSpPr>
+          <p:nvPr/>
+        </p:nvCxnSpPr>
+        <p:spPr>
+          <a:xfrm rot="5400000">
+            <a:off x="4056824" y="1591916"/>
+            <a:ext cx="1262266" cy="2133600"/>
+          </a:xfrm>
+          <a:prstGeom prst="bentConnector3">
+            <a:avLst>
+              <a:gd name="adj1" fmla="val 50000"/>
+            </a:avLst>
+          </a:prstGeom>
+        </p:spPr>
+        <p:style>
+          <a:lnRef idx="1">
+            <a:schemeClr val="accent1"/>
+          </a:lnRef>
+          <a:fillRef idx="0">
+            <a:schemeClr val="accent1"/>
+          </a:fillRef>
+          <a:effectRef idx="0">
+            <a:schemeClr val="accent1"/>
+          </a:effectRef>
+          <a:fontRef idx="minor">
+            <a:schemeClr val="tx1"/>
+          </a:fontRef>
+        </p:style>
+      </p:cxnSp>
+      <p:cxnSp>
+        <p:nvCxnSpPr>
+          <p:cNvPr id="16" name="肘形连接符 15"/>
+          <p:cNvCxnSpPr>
+            <a:stCxn id="4" idx="2"/>
+            <a:endCxn id="7" idx="0"/>
+          </p:cNvCxnSpPr>
+          <p:nvPr/>
+        </p:nvCxnSpPr>
+        <p:spPr>
+          <a:xfrm rot="16200000" flipH="1">
+            <a:off x="5131908" y="2650432"/>
+            <a:ext cx="1262265" cy="16566"/>
+          </a:xfrm>
+          <a:prstGeom prst="bentConnector3">
+            <a:avLst>
+              <a:gd name="adj1" fmla="val 50000"/>
+            </a:avLst>
+          </a:prstGeom>
+        </p:spPr>
+        <p:style>
+          <a:lnRef idx="1">
+            <a:schemeClr val="accent1"/>
+          </a:lnRef>
+          <a:fillRef idx="0">
+            <a:schemeClr val="accent1"/>
+          </a:fillRef>
+          <a:effectRef idx="0">
+            <a:schemeClr val="accent1"/>
+          </a:effectRef>
+          <a:fontRef idx="minor">
+            <a:schemeClr val="tx1"/>
+          </a:fontRef>
+        </p:style>
+      </p:cxnSp>
+      <p:cxnSp>
+        <p:nvCxnSpPr>
+          <p:cNvPr id="19" name="肘形连接符 18"/>
+          <p:cNvCxnSpPr>
+            <a:stCxn id="4" idx="2"/>
+            <a:endCxn id="8" idx="0"/>
+          </p:cNvCxnSpPr>
+          <p:nvPr/>
+        </p:nvCxnSpPr>
+        <p:spPr>
+          <a:xfrm rot="16200000" flipH="1">
+            <a:off x="6206991" y="1575349"/>
+            <a:ext cx="1262265" cy="2166732"/>
+          </a:xfrm>
+          <a:prstGeom prst="bentConnector3">
+            <a:avLst>
+              <a:gd name="adj1" fmla="val 50000"/>
+            </a:avLst>
+          </a:prstGeom>
+        </p:spPr>
+        <p:style>
+          <a:lnRef idx="1">
+            <a:schemeClr val="accent1"/>
+          </a:lnRef>
+          <a:fillRef idx="0">
+            <a:schemeClr val="accent1"/>
+          </a:fillRef>
+          <a:effectRef idx="0">
+            <a:schemeClr val="accent1"/>
+          </a:effectRef>
+          <a:fontRef idx="minor">
+            <a:schemeClr val="tx1"/>
+          </a:fontRef>
+        </p:style>
+      </p:cxnSp>
+      <p:cxnSp>
+        <p:nvCxnSpPr>
+          <p:cNvPr id="22" name="肘形连接符 21"/>
+          <p:cNvCxnSpPr>
+            <a:stCxn id="4" idx="2"/>
+            <a:endCxn id="9" idx="0"/>
+          </p:cNvCxnSpPr>
+          <p:nvPr/>
+        </p:nvCxnSpPr>
+        <p:spPr>
+          <a:xfrm rot="16200000" flipH="1">
+            <a:off x="7282074" y="500266"/>
+            <a:ext cx="1262265" cy="4316898"/>
+          </a:xfrm>
+          <a:prstGeom prst="bentConnector3">
+            <a:avLst>
+              <a:gd name="adj1" fmla="val 50000"/>
+            </a:avLst>
+          </a:prstGeom>
+        </p:spPr>
+        <p:style>
+          <a:lnRef idx="1">
+            <a:schemeClr val="accent1"/>
+          </a:lnRef>
+          <a:fillRef idx="0">
+            <a:schemeClr val="accent1"/>
+          </a:fillRef>
+          <a:effectRef idx="0">
+            <a:schemeClr val="accent1"/>
+          </a:effectRef>
+          <a:fontRef idx="minor">
+            <a:schemeClr val="tx1"/>
+          </a:fontRef>
+        </p:style>
+      </p:cxnSp>
+      <p:cxnSp>
+        <p:nvCxnSpPr>
+          <p:cNvPr id="26" name="直接箭头连接符 25"/>
+          <p:cNvCxnSpPr>
+            <a:stCxn id="5" idx="3"/>
+            <a:endCxn id="6" idx="1"/>
+          </p:cNvCxnSpPr>
+          <p:nvPr/>
+        </p:nvCxnSpPr>
+        <p:spPr>
+          <a:xfrm flipV="1">
+            <a:off x="2226364" y="3617841"/>
+            <a:ext cx="639419" cy="1"/>
+          </a:xfrm>
+          <a:prstGeom prst="straightConnector1">
+            <a:avLst/>
+          </a:prstGeom>
+          <a:ln>
+            <a:tailEnd type="triangle"/>
+          </a:ln>
+        </p:spPr>
+        <p:style>
+          <a:lnRef idx="1">
+            <a:schemeClr val="accent1"/>
+          </a:lnRef>
+          <a:fillRef idx="0">
+            <a:schemeClr val="accent1"/>
+          </a:fillRef>
+          <a:effectRef idx="0">
+            <a:schemeClr val="accent1"/>
+          </a:effectRef>
+          <a:fontRef idx="minor">
+            <a:schemeClr val="tx1"/>
+          </a:fontRef>
+        </p:style>
+      </p:cxnSp>
+      <p:cxnSp>
+        <p:nvCxnSpPr>
+          <p:cNvPr id="28" name="直接箭头连接符 27"/>
+          <p:cNvCxnSpPr>
+            <a:stCxn id="6" idx="3"/>
+            <a:endCxn id="7" idx="1"/>
+          </p:cNvCxnSpPr>
+          <p:nvPr/>
+        </p:nvCxnSpPr>
+        <p:spPr>
+          <a:xfrm flipV="1">
+            <a:off x="4376530" y="3617840"/>
+            <a:ext cx="639419" cy="1"/>
+          </a:xfrm>
+          <a:prstGeom prst="straightConnector1">
+            <a:avLst/>
+          </a:prstGeom>
+          <a:ln>
+            <a:tailEnd type="triangle"/>
+          </a:ln>
+        </p:spPr>
+        <p:style>
+          <a:lnRef idx="1">
+            <a:schemeClr val="accent1"/>
+          </a:lnRef>
+          <a:fillRef idx="0">
+            <a:schemeClr val="accent1"/>
+          </a:fillRef>
+          <a:effectRef idx="0">
+            <a:schemeClr val="accent1"/>
+          </a:effectRef>
+          <a:fontRef idx="minor">
+            <a:schemeClr val="tx1"/>
+          </a:fontRef>
+        </p:style>
+      </p:cxnSp>
+      <p:cxnSp>
+        <p:nvCxnSpPr>
+          <p:cNvPr id="31" name="直接箭头连接符 30"/>
+          <p:cNvCxnSpPr>
+            <a:stCxn id="7" idx="3"/>
+            <a:endCxn id="8" idx="1"/>
+          </p:cNvCxnSpPr>
+          <p:nvPr/>
+        </p:nvCxnSpPr>
+        <p:spPr>
+          <a:xfrm>
+            <a:off x="6526696" y="3617840"/>
+            <a:ext cx="639419" cy="0"/>
+          </a:xfrm>
+          <a:prstGeom prst="straightConnector1">
+            <a:avLst/>
+          </a:prstGeom>
+          <a:ln>
+            <a:tailEnd type="triangle"/>
+          </a:ln>
+        </p:spPr>
+        <p:style>
+          <a:lnRef idx="1">
+            <a:schemeClr val="accent1"/>
+          </a:lnRef>
+          <a:fillRef idx="0">
+            <a:schemeClr val="accent1"/>
+          </a:fillRef>
+          <a:effectRef idx="0">
+            <a:schemeClr val="accent1"/>
+          </a:effectRef>
+          <a:fontRef idx="minor">
+            <a:schemeClr val="tx1"/>
+          </a:fontRef>
+        </p:style>
+      </p:cxnSp>
+      <p:cxnSp>
+        <p:nvCxnSpPr>
+          <p:cNvPr id="34" name="直接箭头连接符 33"/>
+          <p:cNvCxnSpPr>
+            <a:stCxn id="8" idx="3"/>
+            <a:endCxn id="9" idx="1"/>
+          </p:cNvCxnSpPr>
+          <p:nvPr/>
+        </p:nvCxnSpPr>
+        <p:spPr>
+          <a:xfrm>
+            <a:off x="8676862" y="3617840"/>
+            <a:ext cx="639419" cy="0"/>
+          </a:xfrm>
+          <a:prstGeom prst="straightConnector1">
+            <a:avLst/>
+          </a:prstGeom>
+          <a:ln>
+            <a:tailEnd type="triangle"/>
+          </a:ln>
+        </p:spPr>
+        <p:style>
+          <a:lnRef idx="1">
+            <a:schemeClr val="accent1"/>
+          </a:lnRef>
+          <a:fillRef idx="0">
+            <a:schemeClr val="accent1"/>
+          </a:fillRef>
+          <a:effectRef idx="0">
+            <a:schemeClr val="accent1"/>
+          </a:effectRef>
+          <a:fontRef idx="minor">
+            <a:schemeClr val="tx1"/>
+          </a:fontRef>
+        </p:style>
+      </p:cxnSp>
+    </p:spTree>
+    <p:extLst>
+      <p:ext uri="{BB962C8B-B14F-4D97-AF65-F5344CB8AC3E}">
+        <p14:creationId xmlns:p14="http://schemas.microsoft.com/office/powerpoint/2010/main" val="1411169638"/>
+      </p:ext>
+    </p:extLst>
+  </p:cSld>
+  <p:clrMapOvr>
+    <a:masterClrMapping/>
+  </p:clrMapOvr>
+  <p:timing>
+    <p:tnLst>
+      <p:par>
+        <p:cTn id="1" dur="indefinite" restart="never" nodeType="tmRoot"/>
+      </p:par>
+    </p:tnLst>
+  </p:timing>
+</p:sld>
+</file>
+
+<file path=ppt/slides/slide17.xml><?xml version="1.0" encoding="utf-8"?>
+<p:sld xmlns:a="http://schemas.openxmlformats.org/drawingml/2006/main" xmlns:r="http://schemas.openxmlformats.org/officeDocument/2006/relationships" xmlns:p="http://schemas.openxmlformats.org/presentationml/2006/main">
+  <p:cSld>
+    <p:spTree>
+      <p:nvGrpSpPr>
+        <p:cNvPr id="1" name=""/>
+        <p:cNvGrpSpPr/>
+        <p:nvPr/>
+      </p:nvGrpSpPr>
+      <p:grpSpPr>
+        <a:xfrm>
+          <a:off x="0" y="0"/>
+          <a:ext cx="0" cy="0"/>
+          <a:chOff x="0" y="0"/>
+          <a:chExt cx="0" cy="0"/>
+        </a:xfrm>
+      </p:grpSpPr>
+      <p:pic>
+        <p:nvPicPr>
+          <p:cNvPr id="6" name="图片 5"/>
+          <p:cNvPicPr>
+            <a:picLocks noChangeAspect="1"/>
+          </p:cNvPicPr>
+          <p:nvPr/>
+        </p:nvPicPr>
+        <p:blipFill>
+          <a:blip r:embed="rId2"/>
+          <a:stretch>
+            <a:fillRect/>
+          </a:stretch>
+        </p:blipFill>
+        <p:spPr>
+          <a:xfrm>
+            <a:off x="1028398" y="1252696"/>
+            <a:ext cx="1017065" cy="831900"/>
+          </a:xfrm>
+          <a:prstGeom prst="rect">
+            <a:avLst/>
+          </a:prstGeom>
+        </p:spPr>
+      </p:pic>
+      <p:sp>
+        <p:nvSpPr>
+          <p:cNvPr id="7" name="矩形 6"/>
+          <p:cNvSpPr/>
+          <p:nvPr/>
+        </p:nvSpPr>
+        <p:spPr>
+          <a:xfrm>
+            <a:off x="4081110" y="1211446"/>
+            <a:ext cx="914400" cy="914400"/>
+          </a:xfrm>
+          <a:prstGeom prst="rect">
+            <a:avLst/>
+          </a:prstGeom>
+        </p:spPr>
+        <p:style>
+          <a:lnRef idx="3">
+            <a:schemeClr val="lt1"/>
+          </a:lnRef>
+          <a:fillRef idx="1">
+            <a:schemeClr val="accent5"/>
+          </a:fillRef>
+          <a:effectRef idx="1">
+            <a:schemeClr val="accent5"/>
+          </a:effectRef>
+          <a:fontRef idx="minor">
+            <a:schemeClr val="lt1"/>
+          </a:fontRef>
+        </p:style>
+        <p:txBody>
+          <a:bodyPr rtlCol="0" anchor="ctr"/>
+          <a:lstStyle/>
+          <a:p>
+            <a:pPr algn="ctr"/>
+            <a:r>
+              <a:rPr lang="zh-CN" altLang="en-US" dirty="0" smtClean="0"/>
+              <a:t>服务器</a:t>
+            </a:r>
+            <a:endParaRPr lang="zh-CN" altLang="en-US" dirty="0"/>
+          </a:p>
+        </p:txBody>
+      </p:sp>
+      <p:sp>
+        <p:nvSpPr>
+          <p:cNvPr id="8" name="矩形 7"/>
+          <p:cNvSpPr/>
+          <p:nvPr/>
+        </p:nvSpPr>
+        <p:spPr>
+          <a:xfrm>
+            <a:off x="7031157" y="1211446"/>
+            <a:ext cx="1131065" cy="914400"/>
+          </a:xfrm>
+          <a:prstGeom prst="rect">
+            <a:avLst/>
+          </a:prstGeom>
+        </p:spPr>
+        <p:style>
+          <a:lnRef idx="3">
+            <a:schemeClr val="lt1"/>
+          </a:lnRef>
+          <a:fillRef idx="1">
+            <a:schemeClr val="accent5"/>
+          </a:fillRef>
+          <a:effectRef idx="1">
+            <a:schemeClr val="accent5"/>
+          </a:effectRef>
+          <a:fontRef idx="minor">
+            <a:schemeClr val="lt1"/>
+          </a:fontRef>
+        </p:style>
+        <p:txBody>
+          <a:bodyPr rtlCol="0" anchor="ctr"/>
+          <a:lstStyle/>
+          <a:p>
+            <a:pPr algn="ctr"/>
+            <a:r>
+              <a:rPr lang="zh-CN" altLang="en-US" dirty="0" smtClean="0"/>
+              <a:t>静态文件数据库</a:t>
+            </a:r>
+            <a:endParaRPr lang="zh-CN" altLang="en-US" dirty="0"/>
+          </a:p>
+        </p:txBody>
+      </p:sp>
+      <p:sp>
+        <p:nvSpPr>
+          <p:cNvPr id="9" name="矩形 8"/>
+          <p:cNvSpPr/>
+          <p:nvPr/>
+        </p:nvSpPr>
+        <p:spPr>
+          <a:xfrm>
+            <a:off x="7031157" y="3486887"/>
+            <a:ext cx="1131065" cy="914400"/>
+          </a:xfrm>
+          <a:prstGeom prst="rect">
+            <a:avLst/>
+          </a:prstGeom>
+        </p:spPr>
+        <p:style>
+          <a:lnRef idx="3">
+            <a:schemeClr val="lt1"/>
+          </a:lnRef>
+          <a:fillRef idx="1">
+            <a:schemeClr val="accent5"/>
+          </a:fillRef>
+          <a:effectRef idx="1">
+            <a:schemeClr val="accent5"/>
+          </a:effectRef>
+          <a:fontRef idx="minor">
+            <a:schemeClr val="lt1"/>
+          </a:fontRef>
+        </p:style>
+        <p:txBody>
+          <a:bodyPr rtlCol="0" anchor="ctr"/>
+          <a:lstStyle/>
+          <a:p>
+            <a:pPr algn="ctr"/>
+            <a:r>
+              <a:rPr lang="zh-CN" altLang="en-US" dirty="0" smtClean="0"/>
+              <a:t>服务器</a:t>
+            </a:r>
+            <a:endParaRPr lang="zh-CN" altLang="en-US" dirty="0"/>
+          </a:p>
+        </p:txBody>
+      </p:sp>
+      <p:sp>
+        <p:nvSpPr>
+          <p:cNvPr id="10" name="矩形 9"/>
+          <p:cNvSpPr/>
+          <p:nvPr/>
+        </p:nvSpPr>
+        <p:spPr>
+          <a:xfrm>
+            <a:off x="3877751" y="3486887"/>
+            <a:ext cx="1321117" cy="914400"/>
+          </a:xfrm>
+          <a:prstGeom prst="rect">
+            <a:avLst/>
+          </a:prstGeom>
+        </p:spPr>
+        <p:style>
+          <a:lnRef idx="3">
+            <a:schemeClr val="lt1"/>
+          </a:lnRef>
+          <a:fillRef idx="1">
+            <a:schemeClr val="accent5"/>
+          </a:fillRef>
+          <a:effectRef idx="1">
+            <a:schemeClr val="accent5"/>
+          </a:effectRef>
+          <a:fontRef idx="minor">
+            <a:schemeClr val="lt1"/>
+          </a:fontRef>
+        </p:style>
+        <p:txBody>
+          <a:bodyPr rtlCol="0" anchor="ctr"/>
+          <a:lstStyle/>
+          <a:p>
+            <a:pPr algn="ctr"/>
+            <a:r>
+              <a:rPr lang="en-US" altLang="zh-CN" dirty="0" smtClean="0"/>
+              <a:t>STLLoader</a:t>
+            </a:r>
+            <a:endParaRPr lang="zh-CN" altLang="en-US" dirty="0"/>
+          </a:p>
+        </p:txBody>
+      </p:sp>
+      <p:sp>
+        <p:nvSpPr>
+          <p:cNvPr id="11" name="矩形 10"/>
+          <p:cNvSpPr/>
+          <p:nvPr/>
+        </p:nvSpPr>
+        <p:spPr>
+          <a:xfrm>
+            <a:off x="893644" y="3486887"/>
+            <a:ext cx="1321117" cy="914400"/>
+          </a:xfrm>
+          <a:prstGeom prst="rect">
+            <a:avLst/>
+          </a:prstGeom>
+        </p:spPr>
+        <p:style>
+          <a:lnRef idx="3">
+            <a:schemeClr val="lt1"/>
+          </a:lnRef>
+          <a:fillRef idx="1">
+            <a:schemeClr val="accent5"/>
+          </a:fillRef>
+          <a:effectRef idx="1">
+            <a:schemeClr val="accent5"/>
+          </a:effectRef>
+          <a:fontRef idx="minor">
+            <a:schemeClr val="lt1"/>
+          </a:fontRef>
+        </p:style>
+        <p:txBody>
+          <a:bodyPr rtlCol="0" anchor="ctr"/>
+          <a:lstStyle/>
+          <a:p>
+            <a:pPr algn="ctr"/>
+            <a:r>
+              <a:rPr lang="en-US" altLang="zh-CN" dirty="0" smtClean="0"/>
+              <a:t>WebGL</a:t>
+            </a:r>
+            <a:r>
+              <a:rPr lang="zh-CN" altLang="en-US" dirty="0" smtClean="0"/>
+              <a:t>渲染引擎</a:t>
+            </a:r>
+            <a:endParaRPr lang="zh-CN" altLang="en-US" dirty="0"/>
+          </a:p>
+        </p:txBody>
+      </p:sp>
+      <p:cxnSp>
+        <p:nvCxnSpPr>
+          <p:cNvPr id="13" name="直接箭头连接符 12"/>
+          <p:cNvCxnSpPr>
+            <a:stCxn id="6" idx="3"/>
+            <a:endCxn id="7" idx="1"/>
+          </p:cNvCxnSpPr>
+          <p:nvPr/>
+        </p:nvCxnSpPr>
+        <p:spPr>
+          <a:xfrm>
+            <a:off x="2045463" y="1668646"/>
+            <a:ext cx="2035647" cy="0"/>
+          </a:xfrm>
+          <a:prstGeom prst="straightConnector1">
+            <a:avLst/>
+          </a:prstGeom>
+          <a:ln>
+            <a:tailEnd type="triangle"/>
+          </a:ln>
+        </p:spPr>
+        <p:style>
+          <a:lnRef idx="1">
+            <a:schemeClr val="accent1"/>
+          </a:lnRef>
+          <a:fillRef idx="0">
+            <a:schemeClr val="accent1"/>
+          </a:fillRef>
+          <a:effectRef idx="0">
+            <a:schemeClr val="accent1"/>
+          </a:effectRef>
+          <a:fontRef idx="minor">
+            <a:schemeClr val="tx1"/>
+          </a:fontRef>
+        </p:style>
+      </p:cxnSp>
+      <p:sp>
+        <p:nvSpPr>
+          <p:cNvPr id="15" name="文本框 14"/>
+          <p:cNvSpPr txBox="1"/>
+          <p:nvPr/>
+        </p:nvSpPr>
+        <p:spPr>
+          <a:xfrm>
+            <a:off x="2049785" y="1608334"/>
+            <a:ext cx="2031325" cy="584775"/>
+          </a:xfrm>
+          <a:prstGeom prst="rect">
+            <a:avLst/>
+          </a:prstGeom>
+          <a:noFill/>
+        </p:spPr>
+        <p:txBody>
+          <a:bodyPr wrap="none" rtlCol="0">
+            <a:spAutoFit/>
+          </a:bodyPr>
+          <a:lstStyle/>
+          <a:p>
+            <a:r>
+              <a:rPr lang="zh-CN" altLang="en-US" sz="1600" dirty="0"/>
+              <a:t>选择</a:t>
+            </a:r>
+            <a:r>
+              <a:rPr lang="zh-CN" altLang="en-US" sz="1600" dirty="0" smtClean="0"/>
+              <a:t>模型数据向</a:t>
+            </a:r>
+            <a:endParaRPr lang="en-US" altLang="zh-CN" sz="1600" dirty="0" smtClean="0"/>
+          </a:p>
+          <a:p>
+            <a:r>
+              <a:rPr lang="zh-CN" altLang="en-US" sz="1600" dirty="0" smtClean="0"/>
+              <a:t>服务器发送资源请求</a:t>
+            </a:r>
+            <a:endParaRPr lang="zh-CN" altLang="en-US" sz="1600" dirty="0"/>
+          </a:p>
+        </p:txBody>
+      </p:sp>
+      <p:cxnSp>
+        <p:nvCxnSpPr>
+          <p:cNvPr id="16" name="直接箭头连接符 15"/>
+          <p:cNvCxnSpPr>
+            <a:stCxn id="7" idx="3"/>
+            <a:endCxn id="8" idx="1"/>
+          </p:cNvCxnSpPr>
+          <p:nvPr/>
+        </p:nvCxnSpPr>
+        <p:spPr>
+          <a:xfrm>
+            <a:off x="4995510" y="1668646"/>
+            <a:ext cx="2035647" cy="0"/>
+          </a:xfrm>
+          <a:prstGeom prst="straightConnector1">
+            <a:avLst/>
+          </a:prstGeom>
+          <a:ln>
+            <a:tailEnd type="triangle"/>
+          </a:ln>
+        </p:spPr>
+        <p:style>
+          <a:lnRef idx="1">
+            <a:schemeClr val="accent1"/>
+          </a:lnRef>
+          <a:fillRef idx="0">
+            <a:schemeClr val="accent1"/>
+          </a:fillRef>
+          <a:effectRef idx="0">
+            <a:schemeClr val="accent1"/>
+          </a:effectRef>
+          <a:fontRef idx="minor">
+            <a:schemeClr val="tx1"/>
+          </a:fontRef>
+        </p:style>
+      </p:cxnSp>
+      <p:cxnSp>
+        <p:nvCxnSpPr>
+          <p:cNvPr id="20" name="直接箭头连接符 19"/>
+          <p:cNvCxnSpPr>
+            <a:stCxn id="8" idx="2"/>
+            <a:endCxn id="9" idx="0"/>
+          </p:cNvCxnSpPr>
+          <p:nvPr/>
+        </p:nvCxnSpPr>
+        <p:spPr>
+          <a:xfrm>
+            <a:off x="7596690" y="2125846"/>
+            <a:ext cx="0" cy="1361041"/>
+          </a:xfrm>
+          <a:prstGeom prst="straightConnector1">
+            <a:avLst/>
+          </a:prstGeom>
+          <a:ln>
+            <a:tailEnd type="triangle"/>
+          </a:ln>
+        </p:spPr>
+        <p:style>
+          <a:lnRef idx="1">
+            <a:schemeClr val="accent1"/>
+          </a:lnRef>
+          <a:fillRef idx="0">
+            <a:schemeClr val="accent1"/>
+          </a:fillRef>
+          <a:effectRef idx="0">
+            <a:schemeClr val="accent1"/>
+          </a:effectRef>
+          <a:fontRef idx="minor">
+            <a:schemeClr val="tx1"/>
+          </a:fontRef>
+        </p:style>
+      </p:cxnSp>
+      <p:cxnSp>
+        <p:nvCxnSpPr>
+          <p:cNvPr id="23" name="直接箭头连接符 22"/>
+          <p:cNvCxnSpPr>
+            <a:stCxn id="9" idx="1"/>
+            <a:endCxn id="10" idx="3"/>
+          </p:cNvCxnSpPr>
+          <p:nvPr/>
+        </p:nvCxnSpPr>
+        <p:spPr>
+          <a:xfrm flipH="1">
+            <a:off x="5198868" y="3944087"/>
+            <a:ext cx="1832289" cy="0"/>
+          </a:xfrm>
+          <a:prstGeom prst="straightConnector1">
+            <a:avLst/>
+          </a:prstGeom>
+          <a:ln>
+            <a:tailEnd type="triangle"/>
+          </a:ln>
+        </p:spPr>
+        <p:style>
+          <a:lnRef idx="1">
+            <a:schemeClr val="accent1"/>
+          </a:lnRef>
+          <a:fillRef idx="0">
+            <a:schemeClr val="accent1"/>
+          </a:fillRef>
+          <a:effectRef idx="0">
+            <a:schemeClr val="accent1"/>
+          </a:effectRef>
+          <a:fontRef idx="minor">
+            <a:schemeClr val="tx1"/>
+          </a:fontRef>
+        </p:style>
+      </p:cxnSp>
+      <p:cxnSp>
+        <p:nvCxnSpPr>
+          <p:cNvPr id="26" name="直接箭头连接符 25"/>
+          <p:cNvCxnSpPr>
+            <a:stCxn id="10" idx="1"/>
+            <a:endCxn id="11" idx="3"/>
+          </p:cNvCxnSpPr>
+          <p:nvPr/>
+        </p:nvCxnSpPr>
+        <p:spPr>
+          <a:xfrm flipH="1">
+            <a:off x="2214761" y="3944087"/>
+            <a:ext cx="1662990" cy="0"/>
+          </a:xfrm>
+          <a:prstGeom prst="straightConnector1">
+            <a:avLst/>
+          </a:prstGeom>
+          <a:ln>
+            <a:tailEnd type="triangle"/>
+          </a:ln>
+        </p:spPr>
+        <p:style>
+          <a:lnRef idx="1">
+            <a:schemeClr val="accent1"/>
+          </a:lnRef>
+          <a:fillRef idx="0">
+            <a:schemeClr val="accent1"/>
+          </a:fillRef>
+          <a:effectRef idx="0">
+            <a:schemeClr val="accent1"/>
+          </a:effectRef>
+          <a:fontRef idx="minor">
+            <a:schemeClr val="tx1"/>
+          </a:fontRef>
+        </p:style>
+      </p:cxnSp>
+      <p:cxnSp>
+        <p:nvCxnSpPr>
+          <p:cNvPr id="29" name="直接箭头连接符 28"/>
+          <p:cNvCxnSpPr>
+            <a:stCxn id="11" idx="0"/>
+            <a:endCxn id="6" idx="2"/>
+          </p:cNvCxnSpPr>
+          <p:nvPr/>
+        </p:nvCxnSpPr>
+        <p:spPr>
+          <a:xfrm flipH="1" flipV="1">
+            <a:off x="1536931" y="2084596"/>
+            <a:ext cx="17272" cy="1402291"/>
+          </a:xfrm>
+          <a:prstGeom prst="straightConnector1">
+            <a:avLst/>
+          </a:prstGeom>
+          <a:ln>
+            <a:tailEnd type="triangle"/>
+          </a:ln>
+        </p:spPr>
+        <p:style>
+          <a:lnRef idx="1">
+            <a:schemeClr val="accent1"/>
+          </a:lnRef>
+          <a:fillRef idx="0">
+            <a:schemeClr val="accent1"/>
+          </a:fillRef>
+          <a:effectRef idx="0">
+            <a:schemeClr val="accent1"/>
+          </a:effectRef>
+          <a:fontRef idx="minor">
+            <a:schemeClr val="tx1"/>
+          </a:fontRef>
+        </p:style>
+      </p:cxnSp>
+      <p:sp>
+        <p:nvSpPr>
+          <p:cNvPr id="34" name="文本框 33"/>
+          <p:cNvSpPr txBox="1"/>
+          <p:nvPr/>
+        </p:nvSpPr>
+        <p:spPr>
+          <a:xfrm>
+            <a:off x="5031778" y="1608334"/>
+            <a:ext cx="1826141" cy="584775"/>
+          </a:xfrm>
+          <a:prstGeom prst="rect">
+            <a:avLst/>
+          </a:prstGeom>
+          <a:noFill/>
+        </p:spPr>
+        <p:txBody>
+          <a:bodyPr wrap="none" rtlCol="0">
+            <a:spAutoFit/>
+          </a:bodyPr>
+          <a:lstStyle/>
+          <a:p>
+            <a:r>
+              <a:rPr lang="zh-CN" altLang="en-US" sz="1600" dirty="0" smtClean="0"/>
+              <a:t>向数据库请求静态</a:t>
+            </a:r>
+            <a:endParaRPr lang="en-US" altLang="zh-CN" sz="1600" dirty="0" smtClean="0"/>
+          </a:p>
+          <a:p>
+            <a:r>
+              <a:rPr lang="zh-CN" altLang="en-US" sz="1600" dirty="0" smtClean="0"/>
+              <a:t>文件资源</a:t>
+            </a:r>
+            <a:endParaRPr lang="zh-CN" altLang="en-US" sz="1600" dirty="0"/>
+          </a:p>
+        </p:txBody>
+      </p:sp>
+      <p:sp>
+        <p:nvSpPr>
+          <p:cNvPr id="35" name="文本框 34"/>
+          <p:cNvSpPr txBox="1"/>
+          <p:nvPr/>
+        </p:nvSpPr>
+        <p:spPr>
+          <a:xfrm>
+            <a:off x="7596689" y="2637089"/>
+            <a:ext cx="2031325" cy="338554"/>
+          </a:xfrm>
+          <a:prstGeom prst="rect">
+            <a:avLst/>
+          </a:prstGeom>
+          <a:noFill/>
+        </p:spPr>
+        <p:txBody>
+          <a:bodyPr wrap="none" rtlCol="0">
+            <a:spAutoFit/>
+          </a:bodyPr>
+          <a:lstStyle/>
+          <a:p>
+            <a:r>
+              <a:rPr lang="zh-CN" altLang="en-US" sz="1600" dirty="0" smtClean="0"/>
+              <a:t>将数据返回给服务器</a:t>
+            </a:r>
+            <a:endParaRPr lang="zh-CN" altLang="en-US" sz="1600" dirty="0"/>
+          </a:p>
+        </p:txBody>
+      </p:sp>
+      <p:sp>
+        <p:nvSpPr>
+          <p:cNvPr id="36" name="文本框 35"/>
+          <p:cNvSpPr txBox="1"/>
+          <p:nvPr/>
+        </p:nvSpPr>
+        <p:spPr>
+          <a:xfrm>
+            <a:off x="5198868" y="3944086"/>
+            <a:ext cx="1826141" cy="584775"/>
+          </a:xfrm>
+          <a:prstGeom prst="rect">
+            <a:avLst/>
+          </a:prstGeom>
+          <a:noFill/>
+        </p:spPr>
+        <p:txBody>
+          <a:bodyPr wrap="none" rtlCol="0">
+            <a:spAutoFit/>
+          </a:bodyPr>
+          <a:lstStyle/>
+          <a:p>
+            <a:r>
+              <a:rPr lang="zh-CN" altLang="en-US" sz="1600" dirty="0" smtClean="0"/>
+              <a:t>服务器将数据发送</a:t>
+            </a:r>
+            <a:endParaRPr lang="en-US" altLang="zh-CN" sz="1600" dirty="0" smtClean="0"/>
+          </a:p>
+          <a:p>
+            <a:r>
+              <a:rPr lang="zh-CN" altLang="en-US" sz="1600" dirty="0" smtClean="0"/>
+              <a:t>给前端</a:t>
+            </a:r>
+            <a:endParaRPr lang="zh-CN" altLang="en-US" sz="1600" dirty="0"/>
+          </a:p>
+        </p:txBody>
+      </p:sp>
+      <p:sp>
+        <p:nvSpPr>
+          <p:cNvPr id="37" name="文本框 36"/>
+          <p:cNvSpPr txBox="1"/>
+          <p:nvPr/>
+        </p:nvSpPr>
+        <p:spPr>
+          <a:xfrm>
+            <a:off x="2133185" y="3942999"/>
+            <a:ext cx="1792478" cy="584775"/>
+          </a:xfrm>
+          <a:prstGeom prst="rect">
+            <a:avLst/>
+          </a:prstGeom>
+          <a:noFill/>
+        </p:spPr>
+        <p:txBody>
+          <a:bodyPr wrap="none" rtlCol="0">
+            <a:spAutoFit/>
+          </a:bodyPr>
+          <a:lstStyle/>
+          <a:p>
+            <a:r>
+              <a:rPr lang="zh-CN" altLang="en-US" sz="1600" dirty="0" smtClean="0"/>
+              <a:t>对</a:t>
+            </a:r>
+            <a:r>
+              <a:rPr lang="en-US" altLang="zh-CN" sz="1600" dirty="0" smtClean="0"/>
+              <a:t>ArrayBuffer</a:t>
+            </a:r>
+            <a:r>
+              <a:rPr lang="zh-CN" altLang="en-US" sz="1600" dirty="0" smtClean="0"/>
+              <a:t>数据</a:t>
+            </a:r>
+            <a:endParaRPr lang="en-US" altLang="zh-CN" sz="1600" dirty="0" smtClean="0"/>
+          </a:p>
+          <a:p>
+            <a:r>
+              <a:rPr lang="zh-CN" altLang="en-US" sz="1600" dirty="0" smtClean="0"/>
+              <a:t>进行解析</a:t>
+            </a:r>
+            <a:endParaRPr lang="zh-CN" altLang="en-US" sz="1600" dirty="0"/>
+          </a:p>
+        </p:txBody>
+      </p:sp>
+      <p:sp>
+        <p:nvSpPr>
+          <p:cNvPr id="38" name="文本框 37"/>
+          <p:cNvSpPr txBox="1"/>
+          <p:nvPr/>
+        </p:nvSpPr>
+        <p:spPr>
+          <a:xfrm>
+            <a:off x="1545567" y="2513978"/>
+            <a:ext cx="1620957" cy="584775"/>
+          </a:xfrm>
+          <a:prstGeom prst="rect">
+            <a:avLst/>
+          </a:prstGeom>
+          <a:noFill/>
+        </p:spPr>
+        <p:txBody>
+          <a:bodyPr wrap="none" rtlCol="0">
+            <a:spAutoFit/>
+          </a:bodyPr>
+          <a:lstStyle/>
+          <a:p>
+            <a:r>
+              <a:rPr lang="zh-CN" altLang="en-US" sz="1600" dirty="0" smtClean="0"/>
+              <a:t>将解析后的数据</a:t>
+            </a:r>
+            <a:endParaRPr lang="en-US" altLang="zh-CN" sz="1600" dirty="0" smtClean="0"/>
+          </a:p>
+          <a:p>
+            <a:r>
+              <a:rPr lang="zh-CN" altLang="en-US" sz="1600" dirty="0" smtClean="0"/>
+              <a:t>渲染到网页上</a:t>
+            </a:r>
+            <a:endParaRPr lang="zh-CN" altLang="en-US" sz="1600" dirty="0"/>
+          </a:p>
+        </p:txBody>
+      </p:sp>
+    </p:spTree>
+    <p:extLst>
+      <p:ext uri="{BB962C8B-B14F-4D97-AF65-F5344CB8AC3E}">
+        <p14:creationId xmlns:p14="http://schemas.microsoft.com/office/powerpoint/2010/main" val="1935126282"/>
+      </p:ext>
+    </p:extLst>
+  </p:cSld>
+  <p:clrMapOvr>
+    <a:masterClrMapping/>
+  </p:clrMapOvr>
+  <p:timing>
+    <p:tnLst>
+      <p:par>
+        <p:cTn id="1" dur="indefinite" restart="never" nodeType="tmRoot"/>
+      </p:par>
+    </p:tnLst>
+  </p:timing>
 </p:sld>
 </file>
 
@@ -8043,7 +13000,7 @@
           <a:p>
             <a:pPr algn="ctr"/>
             <a:r>
-              <a:rPr lang="en-US" altLang="zh-CN" sz="2400" dirty="0" err="1" smtClean="0"/>
+              <a:rPr lang="en-US" altLang="zh-CN" sz="2400" dirty="0" smtClean="0"/>
               <a:t>GCode</a:t>
             </a:r>
             <a:endParaRPr lang="zh-CN" altLang="en-US" sz="2400" dirty="0"/>

--- a/论文涉及图片.pptx
+++ b/论文涉及图片.pptx
@@ -22,6 +22,9 @@
     <p:sldId id="270" r:id="rId16"/>
     <p:sldId id="271" r:id="rId17"/>
     <p:sldId id="272" r:id="rId18"/>
+    <p:sldId id="273" r:id="rId19"/>
+    <p:sldId id="274" r:id="rId20"/>
+    <p:sldId id="275" r:id="rId21"/>
   </p:sldIdLst>
   <p:sldSz cx="12192000" cy="6858000"/>
   <p:notesSz cx="6858000" cy="9144000"/>
@@ -208,6 +211,17 @@
             <p14:sldId id="272"/>
           </p14:sldIdLst>
         </p14:section>
+        <p14:section name="冗余去除和拓扑重建算法流程" id="{E1DC3786-011C-4853-9AC3-B8E38B91A813}">
+          <p14:sldIdLst>
+            <p14:sldId id="273"/>
+          </p14:sldIdLst>
+        </p14:section>
+        <p14:section name="分层切片实际处理流程" id="{775412AF-6909-4AFA-81FC-452ADB6649A0}">
+          <p14:sldIdLst>
+            <p14:sldId id="274"/>
+            <p14:sldId id="275"/>
+          </p14:sldIdLst>
+        </p14:section>
       </p14:sectionLst>
     </p:ext>
     <p:ext uri="{EFAFB233-063F-42B5-8137-9DF3F51BA10A}">
@@ -364,7 +378,7 @@
           <a:p>
             <a:fld id="{8286CD44-C64B-4896-9FF8-C2A31C4FFE40}" type="datetimeFigureOut">
               <a:rPr lang="zh-CN" altLang="en-US" smtClean="0"/>
-              <a:t>2021-03-15</a:t>
+              <a:t>2021-03-16</a:t>
             </a:fld>
             <a:endParaRPr lang="zh-CN" altLang="en-US"/>
           </a:p>
@@ -562,7 +576,7 @@
           <a:p>
             <a:fld id="{8286CD44-C64B-4896-9FF8-C2A31C4FFE40}" type="datetimeFigureOut">
               <a:rPr lang="zh-CN" altLang="en-US" smtClean="0"/>
-              <a:t>2021-03-15</a:t>
+              <a:t>2021-03-16</a:t>
             </a:fld>
             <a:endParaRPr lang="zh-CN" altLang="en-US"/>
           </a:p>
@@ -770,7 +784,7 @@
           <a:p>
             <a:fld id="{8286CD44-C64B-4896-9FF8-C2A31C4FFE40}" type="datetimeFigureOut">
               <a:rPr lang="zh-CN" altLang="en-US" smtClean="0"/>
-              <a:t>2021-03-15</a:t>
+              <a:t>2021-03-16</a:t>
             </a:fld>
             <a:endParaRPr lang="zh-CN" altLang="en-US"/>
           </a:p>
@@ -968,7 +982,7 @@
           <a:p>
             <a:fld id="{8286CD44-C64B-4896-9FF8-C2A31C4FFE40}" type="datetimeFigureOut">
               <a:rPr lang="zh-CN" altLang="en-US" smtClean="0"/>
-              <a:t>2021-03-15</a:t>
+              <a:t>2021-03-16</a:t>
             </a:fld>
             <a:endParaRPr lang="zh-CN" altLang="en-US"/>
           </a:p>
@@ -1243,7 +1257,7 @@
           <a:p>
             <a:fld id="{8286CD44-C64B-4896-9FF8-C2A31C4FFE40}" type="datetimeFigureOut">
               <a:rPr lang="zh-CN" altLang="en-US" smtClean="0"/>
-              <a:t>2021-03-15</a:t>
+              <a:t>2021-03-16</a:t>
             </a:fld>
             <a:endParaRPr lang="zh-CN" altLang="en-US"/>
           </a:p>
@@ -1508,7 +1522,7 @@
           <a:p>
             <a:fld id="{8286CD44-C64B-4896-9FF8-C2A31C4FFE40}" type="datetimeFigureOut">
               <a:rPr lang="zh-CN" altLang="en-US" smtClean="0"/>
-              <a:t>2021-03-15</a:t>
+              <a:t>2021-03-16</a:t>
             </a:fld>
             <a:endParaRPr lang="zh-CN" altLang="en-US"/>
           </a:p>
@@ -1920,7 +1934,7 @@
           <a:p>
             <a:fld id="{8286CD44-C64B-4896-9FF8-C2A31C4FFE40}" type="datetimeFigureOut">
               <a:rPr lang="zh-CN" altLang="en-US" smtClean="0"/>
-              <a:t>2021-03-15</a:t>
+              <a:t>2021-03-16</a:t>
             </a:fld>
             <a:endParaRPr lang="zh-CN" altLang="en-US"/>
           </a:p>
@@ -2061,7 +2075,7 @@
           <a:p>
             <a:fld id="{8286CD44-C64B-4896-9FF8-C2A31C4FFE40}" type="datetimeFigureOut">
               <a:rPr lang="zh-CN" altLang="en-US" smtClean="0"/>
-              <a:t>2021-03-15</a:t>
+              <a:t>2021-03-16</a:t>
             </a:fld>
             <a:endParaRPr lang="zh-CN" altLang="en-US"/>
           </a:p>
@@ -2174,7 +2188,7 @@
           <a:p>
             <a:fld id="{8286CD44-C64B-4896-9FF8-C2A31C4FFE40}" type="datetimeFigureOut">
               <a:rPr lang="zh-CN" altLang="en-US" smtClean="0"/>
-              <a:t>2021-03-15</a:t>
+              <a:t>2021-03-16</a:t>
             </a:fld>
             <a:endParaRPr lang="zh-CN" altLang="en-US"/>
           </a:p>
@@ -2485,7 +2499,7 @@
           <a:p>
             <a:fld id="{8286CD44-C64B-4896-9FF8-C2A31C4FFE40}" type="datetimeFigureOut">
               <a:rPr lang="zh-CN" altLang="en-US" smtClean="0"/>
-              <a:t>2021-03-15</a:t>
+              <a:t>2021-03-16</a:t>
             </a:fld>
             <a:endParaRPr lang="zh-CN" altLang="en-US"/>
           </a:p>
@@ -2773,7 +2787,7 @@
           <a:p>
             <a:fld id="{8286CD44-C64B-4896-9FF8-C2A31C4FFE40}" type="datetimeFigureOut">
               <a:rPr lang="zh-CN" altLang="en-US" smtClean="0"/>
-              <a:t>2021-03-15</a:t>
+              <a:t>2021-03-16</a:t>
             </a:fld>
             <a:endParaRPr lang="zh-CN" altLang="en-US"/>
           </a:p>
@@ -3014,7 +3028,7 @@
           <a:p>
             <a:fld id="{8286CD44-C64B-4896-9FF8-C2A31C4FFE40}" type="datetimeFigureOut">
               <a:rPr lang="zh-CN" altLang="en-US" smtClean="0"/>
-              <a:t>2021-03-15</a:t>
+              <a:t>2021-03-16</a:t>
             </a:fld>
             <a:endParaRPr lang="zh-CN" altLang="en-US"/>
           </a:p>
@@ -10869,6 +10883,2052 @@
 </p:sld>
 </file>
 
+<file path=ppt/slides/slide18.xml><?xml version="1.0" encoding="utf-8"?>
+<p:sld xmlns:a="http://schemas.openxmlformats.org/drawingml/2006/main" xmlns:r="http://schemas.openxmlformats.org/officeDocument/2006/relationships" xmlns:p="http://schemas.openxmlformats.org/presentationml/2006/main">
+  <p:cSld>
+    <p:spTree>
+      <p:nvGrpSpPr>
+        <p:cNvPr id="1" name=""/>
+        <p:cNvGrpSpPr/>
+        <p:nvPr/>
+      </p:nvGrpSpPr>
+      <p:grpSpPr>
+        <a:xfrm>
+          <a:off x="0" y="0"/>
+          <a:ext cx="0" cy="0"/>
+          <a:chOff x="0" y="0"/>
+          <a:chExt cx="0" cy="0"/>
+        </a:xfrm>
+      </p:grpSpPr>
+      <p:sp>
+        <p:nvSpPr>
+          <p:cNvPr id="4" name="圆角矩形 3"/>
+          <p:cNvSpPr/>
+          <p:nvPr/>
+        </p:nvSpPr>
+        <p:spPr>
+          <a:xfrm>
+            <a:off x="2819401" y="558248"/>
+            <a:ext cx="1878496" cy="526774"/>
+          </a:xfrm>
+          <a:prstGeom prst="roundRect">
+            <a:avLst/>
+          </a:prstGeom>
+        </p:spPr>
+        <p:style>
+          <a:lnRef idx="1">
+            <a:schemeClr val="accent3"/>
+          </a:lnRef>
+          <a:fillRef idx="2">
+            <a:schemeClr val="accent3"/>
+          </a:fillRef>
+          <a:effectRef idx="1">
+            <a:schemeClr val="accent3"/>
+          </a:effectRef>
+          <a:fontRef idx="minor">
+            <a:schemeClr val="dk1"/>
+          </a:fontRef>
+        </p:style>
+        <p:txBody>
+          <a:bodyPr rtlCol="0" anchor="ctr"/>
+          <a:lstStyle/>
+          <a:p>
+            <a:pPr algn="ctr"/>
+            <a:r>
+              <a:rPr lang="zh-CN" altLang="en-US" dirty="0" smtClean="0"/>
+              <a:t>读入模型数据</a:t>
+            </a:r>
+            <a:endParaRPr lang="zh-CN" altLang="en-US" dirty="0"/>
+          </a:p>
+        </p:txBody>
+      </p:sp>
+      <p:sp>
+        <p:nvSpPr>
+          <p:cNvPr id="5" name="圆角矩形 4"/>
+          <p:cNvSpPr/>
+          <p:nvPr/>
+        </p:nvSpPr>
+        <p:spPr>
+          <a:xfrm>
+            <a:off x="5111199" y="409161"/>
+            <a:ext cx="2999960" cy="824948"/>
+          </a:xfrm>
+          <a:prstGeom prst="roundRect">
+            <a:avLst/>
+          </a:prstGeom>
+        </p:spPr>
+        <p:style>
+          <a:lnRef idx="1">
+            <a:schemeClr val="accent3"/>
+          </a:lnRef>
+          <a:fillRef idx="2">
+            <a:schemeClr val="accent3"/>
+          </a:fillRef>
+          <a:effectRef idx="1">
+            <a:schemeClr val="accent3"/>
+          </a:effectRef>
+          <a:fontRef idx="minor">
+            <a:schemeClr val="dk1"/>
+          </a:fontRef>
+        </p:style>
+        <p:txBody>
+          <a:bodyPr rtlCol="0" anchor="ctr"/>
+          <a:lstStyle/>
+          <a:p>
+            <a:pPr algn="ctr"/>
+            <a:r>
+              <a:rPr lang="zh-CN" altLang="en-US" dirty="0" smtClean="0"/>
+              <a:t>初始化</a:t>
+            </a:r>
+            <a:r>
+              <a:rPr lang="en-US" altLang="zh-CN" dirty="0" smtClean="0"/>
+              <a:t>resPoints</a:t>
+            </a:r>
+            <a:r>
+              <a:rPr lang="zh-CN" altLang="en-US" dirty="0" smtClean="0"/>
+              <a:t>、</a:t>
+            </a:r>
+            <a:r>
+              <a:rPr lang="en-US" altLang="zh-CN" dirty="0" smtClean="0"/>
+              <a:t>resEdges</a:t>
+            </a:r>
+            <a:r>
+              <a:rPr lang="zh-CN" altLang="en-US" dirty="0" smtClean="0"/>
+              <a:t>、</a:t>
+            </a:r>
+            <a:r>
+              <a:rPr lang="en-US" altLang="zh-CN" dirty="0" smtClean="0"/>
+              <a:t>resFaces</a:t>
+            </a:r>
+            <a:r>
+              <a:rPr lang="zh-CN" altLang="en-US" dirty="0" smtClean="0"/>
+              <a:t>、阈值</a:t>
+            </a:r>
+            <a:r>
+              <a:rPr lang="en-US" altLang="zh-CN" dirty="0" smtClean="0"/>
+              <a:t>T</a:t>
+            </a:r>
+            <a:endParaRPr lang="zh-CN" altLang="en-US" dirty="0"/>
+          </a:p>
+        </p:txBody>
+      </p:sp>
+      <p:sp>
+        <p:nvSpPr>
+          <p:cNvPr id="6" name="圆角矩形 5"/>
+          <p:cNvSpPr/>
+          <p:nvPr/>
+        </p:nvSpPr>
+        <p:spPr>
+          <a:xfrm>
+            <a:off x="5671931" y="1650723"/>
+            <a:ext cx="1878496" cy="526774"/>
+          </a:xfrm>
+          <a:prstGeom prst="roundRect">
+            <a:avLst/>
+          </a:prstGeom>
+        </p:spPr>
+        <p:style>
+          <a:lnRef idx="1">
+            <a:schemeClr val="accent3"/>
+          </a:lnRef>
+          <a:fillRef idx="2">
+            <a:schemeClr val="accent3"/>
+          </a:fillRef>
+          <a:effectRef idx="1">
+            <a:schemeClr val="accent3"/>
+          </a:effectRef>
+          <a:fontRef idx="minor">
+            <a:schemeClr val="dk1"/>
+          </a:fontRef>
+        </p:style>
+        <p:txBody>
+          <a:bodyPr rtlCol="0" anchor="ctr"/>
+          <a:lstStyle/>
+          <a:p>
+            <a:pPr algn="ctr"/>
+            <a:r>
+              <a:rPr lang="zh-CN" altLang="en-US" dirty="0" smtClean="0"/>
+              <a:t>按顺序输入面片</a:t>
+            </a:r>
+            <a:endParaRPr lang="zh-CN" altLang="en-US" dirty="0"/>
+          </a:p>
+        </p:txBody>
+      </p:sp>
+      <p:sp>
+        <p:nvSpPr>
+          <p:cNvPr id="7" name="圆角矩形 6"/>
+          <p:cNvSpPr/>
+          <p:nvPr/>
+        </p:nvSpPr>
+        <p:spPr>
+          <a:xfrm>
+            <a:off x="3688246" y="2611500"/>
+            <a:ext cx="1878496" cy="526774"/>
+          </a:xfrm>
+          <a:prstGeom prst="roundRect">
+            <a:avLst/>
+          </a:prstGeom>
+        </p:spPr>
+        <p:style>
+          <a:lnRef idx="1">
+            <a:schemeClr val="accent3"/>
+          </a:lnRef>
+          <a:fillRef idx="2">
+            <a:schemeClr val="accent3"/>
+          </a:fillRef>
+          <a:effectRef idx="1">
+            <a:schemeClr val="accent3"/>
+          </a:effectRef>
+          <a:fontRef idx="minor">
+            <a:schemeClr val="dk1"/>
+          </a:fontRef>
+        </p:style>
+        <p:txBody>
+          <a:bodyPr rtlCol="0" anchor="ctr"/>
+          <a:lstStyle/>
+          <a:p>
+            <a:pPr algn="ctr"/>
+            <a:r>
+              <a:rPr lang="zh-CN" altLang="en-US" dirty="0" smtClean="0"/>
+              <a:t>判断三点距离</a:t>
+            </a:r>
+            <a:endParaRPr lang="zh-CN" altLang="en-US" dirty="0"/>
+          </a:p>
+        </p:txBody>
+      </p:sp>
+      <p:sp>
+        <p:nvSpPr>
+          <p:cNvPr id="8" name="圆角矩形 7"/>
+          <p:cNvSpPr/>
+          <p:nvPr/>
+        </p:nvSpPr>
+        <p:spPr>
+          <a:xfrm>
+            <a:off x="3579744" y="3892802"/>
+            <a:ext cx="2092187" cy="993914"/>
+          </a:xfrm>
+          <a:prstGeom prst="roundRect">
+            <a:avLst/>
+          </a:prstGeom>
+        </p:spPr>
+        <p:style>
+          <a:lnRef idx="1">
+            <a:schemeClr val="accent3"/>
+          </a:lnRef>
+          <a:fillRef idx="2">
+            <a:schemeClr val="accent3"/>
+          </a:fillRef>
+          <a:effectRef idx="1">
+            <a:schemeClr val="accent3"/>
+          </a:effectRef>
+          <a:fontRef idx="minor">
+            <a:schemeClr val="dk1"/>
+          </a:fontRef>
+        </p:style>
+        <p:txBody>
+          <a:bodyPr rtlCol="0" anchor="ctr"/>
+          <a:lstStyle/>
+          <a:p>
+            <a:pPr algn="ctr"/>
+            <a:r>
+              <a:rPr lang="zh-CN" altLang="en-US" dirty="0" smtClean="0"/>
+              <a:t>判断面片绝对高度是否大于阈值</a:t>
+            </a:r>
+            <a:endParaRPr lang="zh-CN" altLang="en-US" dirty="0"/>
+          </a:p>
+        </p:txBody>
+      </p:sp>
+      <p:sp>
+        <p:nvSpPr>
+          <p:cNvPr id="9" name="圆角矩形 8"/>
+          <p:cNvSpPr/>
+          <p:nvPr/>
+        </p:nvSpPr>
+        <p:spPr>
+          <a:xfrm>
+            <a:off x="6961948" y="2611500"/>
+            <a:ext cx="1878496" cy="526774"/>
+          </a:xfrm>
+          <a:prstGeom prst="roundRect">
+            <a:avLst/>
+          </a:prstGeom>
+        </p:spPr>
+        <p:style>
+          <a:lnRef idx="1">
+            <a:schemeClr val="accent3"/>
+          </a:lnRef>
+          <a:fillRef idx="2">
+            <a:schemeClr val="accent3"/>
+          </a:fillRef>
+          <a:effectRef idx="1">
+            <a:schemeClr val="accent3"/>
+          </a:effectRef>
+          <a:fontRef idx="minor">
+            <a:schemeClr val="dk1"/>
+          </a:fontRef>
+        </p:style>
+        <p:txBody>
+          <a:bodyPr rtlCol="0" anchor="ctr"/>
+          <a:lstStyle/>
+          <a:p>
+            <a:pPr algn="ctr"/>
+            <a:r>
+              <a:rPr lang="zh-CN" altLang="en-US" dirty="0" smtClean="0"/>
+              <a:t>合并小于阈值点</a:t>
+            </a:r>
+            <a:endParaRPr lang="zh-CN" altLang="en-US" dirty="0"/>
+          </a:p>
+        </p:txBody>
+      </p:sp>
+      <p:sp>
+        <p:nvSpPr>
+          <p:cNvPr id="10" name="圆角矩形 9"/>
+          <p:cNvSpPr/>
+          <p:nvPr/>
+        </p:nvSpPr>
+        <p:spPr>
+          <a:xfrm>
+            <a:off x="6961948" y="4126372"/>
+            <a:ext cx="1878496" cy="526774"/>
+          </a:xfrm>
+          <a:prstGeom prst="roundRect">
+            <a:avLst/>
+          </a:prstGeom>
+        </p:spPr>
+        <p:style>
+          <a:lnRef idx="1">
+            <a:schemeClr val="accent3"/>
+          </a:lnRef>
+          <a:fillRef idx="2">
+            <a:schemeClr val="accent3"/>
+          </a:fillRef>
+          <a:effectRef idx="1">
+            <a:schemeClr val="accent3"/>
+          </a:effectRef>
+          <a:fontRef idx="minor">
+            <a:schemeClr val="dk1"/>
+          </a:fontRef>
+        </p:style>
+        <p:txBody>
+          <a:bodyPr rtlCol="0" anchor="ctr"/>
+          <a:lstStyle/>
+          <a:p>
+            <a:pPr algn="ctr"/>
+            <a:r>
+              <a:rPr lang="zh-CN" altLang="en-US" dirty="0" smtClean="0"/>
+              <a:t>存储点，存储边</a:t>
+            </a:r>
+            <a:endParaRPr lang="zh-CN" altLang="en-US" dirty="0"/>
+          </a:p>
+        </p:txBody>
+      </p:sp>
+      <p:sp>
+        <p:nvSpPr>
+          <p:cNvPr id="12" name="圆角矩形 11"/>
+          <p:cNvSpPr/>
+          <p:nvPr/>
+        </p:nvSpPr>
+        <p:spPr>
+          <a:xfrm>
+            <a:off x="3686589" y="5638729"/>
+            <a:ext cx="1878496" cy="699043"/>
+          </a:xfrm>
+          <a:prstGeom prst="roundRect">
+            <a:avLst/>
+          </a:prstGeom>
+        </p:spPr>
+        <p:style>
+          <a:lnRef idx="1">
+            <a:schemeClr val="accent3"/>
+          </a:lnRef>
+          <a:fillRef idx="2">
+            <a:schemeClr val="accent3"/>
+          </a:fillRef>
+          <a:effectRef idx="1">
+            <a:schemeClr val="accent3"/>
+          </a:effectRef>
+          <a:fontRef idx="minor">
+            <a:schemeClr val="dk1"/>
+          </a:fontRef>
+        </p:style>
+        <p:txBody>
+          <a:bodyPr rtlCol="0" anchor="ctr"/>
+          <a:lstStyle/>
+          <a:p>
+            <a:pPr algn="ctr"/>
+            <a:r>
+              <a:rPr lang="zh-CN" altLang="en-US" dirty="0" smtClean="0"/>
+              <a:t>存储点，存储边，存储面</a:t>
+            </a:r>
+            <a:endParaRPr lang="zh-CN" altLang="en-US" dirty="0"/>
+          </a:p>
+        </p:txBody>
+      </p:sp>
+      <p:cxnSp>
+        <p:nvCxnSpPr>
+          <p:cNvPr id="14" name="直接箭头连接符 13"/>
+          <p:cNvCxnSpPr>
+            <a:stCxn id="4" idx="3"/>
+            <a:endCxn id="5" idx="1"/>
+          </p:cNvCxnSpPr>
+          <p:nvPr/>
+        </p:nvCxnSpPr>
+        <p:spPr>
+          <a:xfrm>
+            <a:off x="4697897" y="821635"/>
+            <a:ext cx="413302" cy="0"/>
+          </a:xfrm>
+          <a:prstGeom prst="straightConnector1">
+            <a:avLst/>
+          </a:prstGeom>
+          <a:ln>
+            <a:tailEnd type="triangle"/>
+          </a:ln>
+        </p:spPr>
+        <p:style>
+          <a:lnRef idx="1">
+            <a:schemeClr val="accent1"/>
+          </a:lnRef>
+          <a:fillRef idx="0">
+            <a:schemeClr val="accent1"/>
+          </a:fillRef>
+          <a:effectRef idx="0">
+            <a:schemeClr val="accent1"/>
+          </a:effectRef>
+          <a:fontRef idx="minor">
+            <a:schemeClr val="tx1"/>
+          </a:fontRef>
+        </p:style>
+      </p:cxnSp>
+      <p:cxnSp>
+        <p:nvCxnSpPr>
+          <p:cNvPr id="16" name="直接箭头连接符 15"/>
+          <p:cNvCxnSpPr>
+            <a:stCxn id="5" idx="2"/>
+            <a:endCxn id="6" idx="0"/>
+          </p:cNvCxnSpPr>
+          <p:nvPr/>
+        </p:nvCxnSpPr>
+        <p:spPr>
+          <a:xfrm>
+            <a:off x="6611179" y="1234109"/>
+            <a:ext cx="0" cy="416614"/>
+          </a:xfrm>
+          <a:prstGeom prst="straightConnector1">
+            <a:avLst/>
+          </a:prstGeom>
+          <a:ln>
+            <a:tailEnd type="triangle"/>
+          </a:ln>
+        </p:spPr>
+        <p:style>
+          <a:lnRef idx="1">
+            <a:schemeClr val="accent1"/>
+          </a:lnRef>
+          <a:fillRef idx="0">
+            <a:schemeClr val="accent1"/>
+          </a:fillRef>
+          <a:effectRef idx="0">
+            <a:schemeClr val="accent1"/>
+          </a:effectRef>
+          <a:fontRef idx="minor">
+            <a:schemeClr val="tx1"/>
+          </a:fontRef>
+        </p:style>
+      </p:cxnSp>
+      <p:cxnSp>
+        <p:nvCxnSpPr>
+          <p:cNvPr id="20" name="直接箭头连接符 19"/>
+          <p:cNvCxnSpPr>
+            <a:stCxn id="6" idx="2"/>
+            <a:endCxn id="7" idx="0"/>
+          </p:cNvCxnSpPr>
+          <p:nvPr/>
+        </p:nvCxnSpPr>
+        <p:spPr>
+          <a:xfrm flipH="1">
+            <a:off x="4627494" y="2177497"/>
+            <a:ext cx="1983685" cy="434003"/>
+          </a:xfrm>
+          <a:prstGeom prst="straightConnector1">
+            <a:avLst/>
+          </a:prstGeom>
+          <a:ln>
+            <a:tailEnd type="triangle"/>
+          </a:ln>
+        </p:spPr>
+        <p:style>
+          <a:lnRef idx="1">
+            <a:schemeClr val="accent1"/>
+          </a:lnRef>
+          <a:fillRef idx="0">
+            <a:schemeClr val="accent1"/>
+          </a:fillRef>
+          <a:effectRef idx="0">
+            <a:schemeClr val="accent1"/>
+          </a:effectRef>
+          <a:fontRef idx="minor">
+            <a:schemeClr val="tx1"/>
+          </a:fontRef>
+        </p:style>
+      </p:cxnSp>
+      <p:cxnSp>
+        <p:nvCxnSpPr>
+          <p:cNvPr id="23" name="直接箭头连接符 22"/>
+          <p:cNvCxnSpPr>
+            <a:stCxn id="7" idx="2"/>
+            <a:endCxn id="8" idx="0"/>
+          </p:cNvCxnSpPr>
+          <p:nvPr/>
+        </p:nvCxnSpPr>
+        <p:spPr>
+          <a:xfrm flipH="1">
+            <a:off x="4625838" y="3138274"/>
+            <a:ext cx="1656" cy="754528"/>
+          </a:xfrm>
+          <a:prstGeom prst="straightConnector1">
+            <a:avLst/>
+          </a:prstGeom>
+          <a:ln>
+            <a:tailEnd type="triangle"/>
+          </a:ln>
+        </p:spPr>
+        <p:style>
+          <a:lnRef idx="1">
+            <a:schemeClr val="accent1"/>
+          </a:lnRef>
+          <a:fillRef idx="0">
+            <a:schemeClr val="accent1"/>
+          </a:fillRef>
+          <a:effectRef idx="0">
+            <a:schemeClr val="accent1"/>
+          </a:effectRef>
+          <a:fontRef idx="minor">
+            <a:schemeClr val="tx1"/>
+          </a:fontRef>
+        </p:style>
+      </p:cxnSp>
+      <p:sp>
+        <p:nvSpPr>
+          <p:cNvPr id="25" name="文本框 24"/>
+          <p:cNvSpPr txBox="1"/>
+          <p:nvPr/>
+        </p:nvSpPr>
+        <p:spPr>
+          <a:xfrm>
+            <a:off x="3859280" y="3334643"/>
+            <a:ext cx="766557" cy="369332"/>
+          </a:xfrm>
+          <a:prstGeom prst="rect">
+            <a:avLst/>
+          </a:prstGeom>
+          <a:noFill/>
+        </p:spPr>
+        <p:txBody>
+          <a:bodyPr wrap="none" rtlCol="0">
+            <a:spAutoFit/>
+          </a:bodyPr>
+          <a:lstStyle/>
+          <a:p>
+            <a:r>
+              <a:rPr lang="zh-CN" altLang="en-US" dirty="0" smtClean="0"/>
+              <a:t>大于</a:t>
+            </a:r>
+            <a:r>
+              <a:rPr lang="en-US" altLang="zh-CN" dirty="0" smtClean="0"/>
+              <a:t>T</a:t>
+            </a:r>
+            <a:endParaRPr lang="zh-CN" altLang="en-US" dirty="0"/>
+          </a:p>
+        </p:txBody>
+      </p:sp>
+      <p:cxnSp>
+        <p:nvCxnSpPr>
+          <p:cNvPr id="26" name="直接箭头连接符 25"/>
+          <p:cNvCxnSpPr>
+            <a:stCxn id="7" idx="3"/>
+            <a:endCxn id="9" idx="1"/>
+          </p:cNvCxnSpPr>
+          <p:nvPr/>
+        </p:nvCxnSpPr>
+        <p:spPr>
+          <a:xfrm>
+            <a:off x="5566742" y="2874887"/>
+            <a:ext cx="1395206" cy="0"/>
+          </a:xfrm>
+          <a:prstGeom prst="straightConnector1">
+            <a:avLst/>
+          </a:prstGeom>
+          <a:ln>
+            <a:tailEnd type="triangle"/>
+          </a:ln>
+        </p:spPr>
+        <p:style>
+          <a:lnRef idx="1">
+            <a:schemeClr val="accent1"/>
+          </a:lnRef>
+          <a:fillRef idx="0">
+            <a:schemeClr val="accent1"/>
+          </a:fillRef>
+          <a:effectRef idx="0">
+            <a:schemeClr val="accent1"/>
+          </a:effectRef>
+          <a:fontRef idx="minor">
+            <a:schemeClr val="tx1"/>
+          </a:fontRef>
+        </p:style>
+      </p:cxnSp>
+      <p:sp>
+        <p:nvSpPr>
+          <p:cNvPr id="30" name="文本框 29"/>
+          <p:cNvSpPr txBox="1"/>
+          <p:nvPr/>
+        </p:nvSpPr>
+        <p:spPr>
+          <a:xfrm>
+            <a:off x="5917511" y="2560153"/>
+            <a:ext cx="766557" cy="369332"/>
+          </a:xfrm>
+          <a:prstGeom prst="rect">
+            <a:avLst/>
+          </a:prstGeom>
+          <a:noFill/>
+        </p:spPr>
+        <p:txBody>
+          <a:bodyPr wrap="none" rtlCol="0">
+            <a:spAutoFit/>
+          </a:bodyPr>
+          <a:lstStyle/>
+          <a:p>
+            <a:r>
+              <a:rPr lang="zh-CN" altLang="en-US" dirty="0"/>
+              <a:t>小</a:t>
+            </a:r>
+            <a:r>
+              <a:rPr lang="zh-CN" altLang="en-US" dirty="0" smtClean="0"/>
+              <a:t>于</a:t>
+            </a:r>
+            <a:r>
+              <a:rPr lang="en-US" altLang="zh-CN" dirty="0" smtClean="0"/>
+              <a:t>T</a:t>
+            </a:r>
+            <a:endParaRPr lang="zh-CN" altLang="en-US" dirty="0"/>
+          </a:p>
+        </p:txBody>
+      </p:sp>
+      <p:cxnSp>
+        <p:nvCxnSpPr>
+          <p:cNvPr id="31" name="直接箭头连接符 30"/>
+          <p:cNvCxnSpPr>
+            <a:stCxn id="9" idx="2"/>
+            <a:endCxn id="10" idx="0"/>
+          </p:cNvCxnSpPr>
+          <p:nvPr/>
+        </p:nvCxnSpPr>
+        <p:spPr>
+          <a:xfrm>
+            <a:off x="7901196" y="3138274"/>
+            <a:ext cx="0" cy="988098"/>
+          </a:xfrm>
+          <a:prstGeom prst="straightConnector1">
+            <a:avLst/>
+          </a:prstGeom>
+          <a:ln>
+            <a:tailEnd type="triangle"/>
+          </a:ln>
+        </p:spPr>
+        <p:style>
+          <a:lnRef idx="1">
+            <a:schemeClr val="accent1"/>
+          </a:lnRef>
+          <a:fillRef idx="0">
+            <a:schemeClr val="accent1"/>
+          </a:fillRef>
+          <a:effectRef idx="0">
+            <a:schemeClr val="accent1"/>
+          </a:effectRef>
+          <a:fontRef idx="minor">
+            <a:schemeClr val="tx1"/>
+          </a:fontRef>
+        </p:style>
+      </p:cxnSp>
+      <p:cxnSp>
+        <p:nvCxnSpPr>
+          <p:cNvPr id="37" name="直接箭头连接符 36"/>
+          <p:cNvCxnSpPr>
+            <a:stCxn id="8" idx="2"/>
+            <a:endCxn id="12" idx="0"/>
+          </p:cNvCxnSpPr>
+          <p:nvPr/>
+        </p:nvCxnSpPr>
+        <p:spPr>
+          <a:xfrm flipH="1">
+            <a:off x="4625837" y="4886716"/>
+            <a:ext cx="1" cy="752013"/>
+          </a:xfrm>
+          <a:prstGeom prst="straightConnector1">
+            <a:avLst/>
+          </a:prstGeom>
+          <a:ln>
+            <a:tailEnd type="triangle"/>
+          </a:ln>
+        </p:spPr>
+        <p:style>
+          <a:lnRef idx="1">
+            <a:schemeClr val="accent1"/>
+          </a:lnRef>
+          <a:fillRef idx="0">
+            <a:schemeClr val="accent1"/>
+          </a:fillRef>
+          <a:effectRef idx="0">
+            <a:schemeClr val="accent1"/>
+          </a:effectRef>
+          <a:fontRef idx="minor">
+            <a:schemeClr val="tx1"/>
+          </a:fontRef>
+        </p:style>
+      </p:cxnSp>
+      <p:sp>
+        <p:nvSpPr>
+          <p:cNvPr id="38" name="文本框 37"/>
+          <p:cNvSpPr txBox="1"/>
+          <p:nvPr/>
+        </p:nvSpPr>
+        <p:spPr>
+          <a:xfrm>
+            <a:off x="3859280" y="5078056"/>
+            <a:ext cx="766557" cy="369332"/>
+          </a:xfrm>
+          <a:prstGeom prst="rect">
+            <a:avLst/>
+          </a:prstGeom>
+          <a:noFill/>
+        </p:spPr>
+        <p:txBody>
+          <a:bodyPr wrap="square" rtlCol="0">
+            <a:spAutoFit/>
+          </a:bodyPr>
+          <a:lstStyle/>
+          <a:p>
+            <a:r>
+              <a:rPr lang="zh-CN" altLang="en-US" dirty="0" smtClean="0"/>
+              <a:t>大于</a:t>
+            </a:r>
+            <a:r>
+              <a:rPr lang="en-US" altLang="zh-CN" dirty="0" smtClean="0"/>
+              <a:t>T</a:t>
+            </a:r>
+            <a:endParaRPr lang="zh-CN" altLang="en-US" dirty="0"/>
+          </a:p>
+        </p:txBody>
+      </p:sp>
+      <p:sp>
+        <p:nvSpPr>
+          <p:cNvPr id="46" name="圆角矩形 45"/>
+          <p:cNvSpPr/>
+          <p:nvPr/>
+        </p:nvSpPr>
+        <p:spPr>
+          <a:xfrm>
+            <a:off x="6961948" y="5724863"/>
+            <a:ext cx="1878496" cy="526774"/>
+          </a:xfrm>
+          <a:prstGeom prst="roundRect">
+            <a:avLst/>
+          </a:prstGeom>
+        </p:spPr>
+        <p:style>
+          <a:lnRef idx="1">
+            <a:schemeClr val="accent3"/>
+          </a:lnRef>
+          <a:fillRef idx="2">
+            <a:schemeClr val="accent3"/>
+          </a:fillRef>
+          <a:effectRef idx="1">
+            <a:schemeClr val="accent3"/>
+          </a:effectRef>
+          <a:fontRef idx="minor">
+            <a:schemeClr val="dk1"/>
+          </a:fontRef>
+        </p:style>
+        <p:txBody>
+          <a:bodyPr rtlCol="0" anchor="ctr"/>
+          <a:lstStyle/>
+          <a:p>
+            <a:pPr algn="ctr"/>
+            <a:r>
+              <a:rPr lang="zh-CN" altLang="en-US" dirty="0" smtClean="0"/>
+              <a:t>结束拓扑重建</a:t>
+            </a:r>
+            <a:endParaRPr lang="zh-CN" altLang="en-US" dirty="0"/>
+          </a:p>
+        </p:txBody>
+      </p:sp>
+      <p:cxnSp>
+        <p:nvCxnSpPr>
+          <p:cNvPr id="47" name="直接箭头连接符 46"/>
+          <p:cNvCxnSpPr>
+            <a:stCxn id="10" idx="2"/>
+            <a:endCxn id="46" idx="0"/>
+          </p:cNvCxnSpPr>
+          <p:nvPr/>
+        </p:nvCxnSpPr>
+        <p:spPr>
+          <a:xfrm>
+            <a:off x="7901196" y="4653146"/>
+            <a:ext cx="0" cy="1071717"/>
+          </a:xfrm>
+          <a:prstGeom prst="straightConnector1">
+            <a:avLst/>
+          </a:prstGeom>
+          <a:ln>
+            <a:tailEnd type="triangle"/>
+          </a:ln>
+        </p:spPr>
+        <p:style>
+          <a:lnRef idx="1">
+            <a:schemeClr val="accent1"/>
+          </a:lnRef>
+          <a:fillRef idx="0">
+            <a:schemeClr val="accent1"/>
+          </a:fillRef>
+          <a:effectRef idx="0">
+            <a:schemeClr val="accent1"/>
+          </a:effectRef>
+          <a:fontRef idx="minor">
+            <a:schemeClr val="tx1"/>
+          </a:fontRef>
+        </p:style>
+      </p:cxnSp>
+      <p:sp>
+        <p:nvSpPr>
+          <p:cNvPr id="50" name="文本框 49"/>
+          <p:cNvSpPr txBox="1"/>
+          <p:nvPr/>
+        </p:nvSpPr>
+        <p:spPr>
+          <a:xfrm>
+            <a:off x="7895814" y="5004338"/>
+            <a:ext cx="1481344" cy="369332"/>
+          </a:xfrm>
+          <a:prstGeom prst="rect">
+            <a:avLst/>
+          </a:prstGeom>
+          <a:noFill/>
+        </p:spPr>
+        <p:txBody>
+          <a:bodyPr wrap="square" rtlCol="0">
+            <a:spAutoFit/>
+          </a:bodyPr>
+          <a:lstStyle/>
+          <a:p>
+            <a:r>
+              <a:rPr lang="zh-CN" altLang="en-US" dirty="0"/>
+              <a:t>最后</a:t>
+            </a:r>
+            <a:r>
+              <a:rPr lang="zh-CN" altLang="en-US" dirty="0" smtClean="0"/>
+              <a:t>面片</a:t>
+            </a:r>
+            <a:endParaRPr lang="zh-CN" altLang="en-US" dirty="0"/>
+          </a:p>
+        </p:txBody>
+      </p:sp>
+      <p:cxnSp>
+        <p:nvCxnSpPr>
+          <p:cNvPr id="52" name="肘形连接符 51"/>
+          <p:cNvCxnSpPr>
+            <a:stCxn id="10" idx="3"/>
+            <a:endCxn id="6" idx="3"/>
+          </p:cNvCxnSpPr>
+          <p:nvPr/>
+        </p:nvCxnSpPr>
+        <p:spPr>
+          <a:xfrm flipH="1" flipV="1">
+            <a:off x="7550427" y="1914110"/>
+            <a:ext cx="1290017" cy="2475649"/>
+          </a:xfrm>
+          <a:prstGeom prst="bentConnector3">
+            <a:avLst>
+              <a:gd name="adj1" fmla="val -17721"/>
+            </a:avLst>
+          </a:prstGeom>
+          <a:ln>
+            <a:tailEnd type="triangle"/>
+          </a:ln>
+        </p:spPr>
+        <p:style>
+          <a:lnRef idx="1">
+            <a:schemeClr val="accent1"/>
+          </a:lnRef>
+          <a:fillRef idx="0">
+            <a:schemeClr val="accent1"/>
+          </a:fillRef>
+          <a:effectRef idx="0">
+            <a:schemeClr val="accent1"/>
+          </a:effectRef>
+          <a:fontRef idx="minor">
+            <a:schemeClr val="tx1"/>
+          </a:fontRef>
+        </p:style>
+      </p:cxnSp>
+      <p:sp>
+        <p:nvSpPr>
+          <p:cNvPr id="54" name="文本框 53"/>
+          <p:cNvSpPr txBox="1"/>
+          <p:nvPr/>
+        </p:nvSpPr>
+        <p:spPr>
+          <a:xfrm>
+            <a:off x="9039020" y="2965311"/>
+            <a:ext cx="1481344" cy="369332"/>
+          </a:xfrm>
+          <a:prstGeom prst="rect">
+            <a:avLst/>
+          </a:prstGeom>
+          <a:noFill/>
+        </p:spPr>
+        <p:txBody>
+          <a:bodyPr wrap="square" rtlCol="0">
+            <a:spAutoFit/>
+          </a:bodyPr>
+          <a:lstStyle/>
+          <a:p>
+            <a:r>
+              <a:rPr lang="zh-CN" altLang="en-US" dirty="0" smtClean="0"/>
+              <a:t>非最后面片</a:t>
+            </a:r>
+            <a:endParaRPr lang="zh-CN" altLang="en-US" dirty="0"/>
+          </a:p>
+        </p:txBody>
+      </p:sp>
+      <p:cxnSp>
+        <p:nvCxnSpPr>
+          <p:cNvPr id="55" name="直接箭头连接符 54"/>
+          <p:cNvCxnSpPr>
+            <a:stCxn id="12" idx="3"/>
+            <a:endCxn id="46" idx="1"/>
+          </p:cNvCxnSpPr>
+          <p:nvPr/>
+        </p:nvCxnSpPr>
+        <p:spPr>
+          <a:xfrm flipV="1">
+            <a:off x="5565085" y="5988250"/>
+            <a:ext cx="1396863" cy="1"/>
+          </a:xfrm>
+          <a:prstGeom prst="straightConnector1">
+            <a:avLst/>
+          </a:prstGeom>
+          <a:ln>
+            <a:tailEnd type="triangle"/>
+          </a:ln>
+        </p:spPr>
+        <p:style>
+          <a:lnRef idx="1">
+            <a:schemeClr val="accent1"/>
+          </a:lnRef>
+          <a:fillRef idx="0">
+            <a:schemeClr val="accent1"/>
+          </a:fillRef>
+          <a:effectRef idx="0">
+            <a:schemeClr val="accent1"/>
+          </a:effectRef>
+          <a:fontRef idx="minor">
+            <a:schemeClr val="tx1"/>
+          </a:fontRef>
+        </p:style>
+      </p:cxnSp>
+      <p:sp>
+        <p:nvSpPr>
+          <p:cNvPr id="58" name="文本框 57"/>
+          <p:cNvSpPr txBox="1"/>
+          <p:nvPr/>
+        </p:nvSpPr>
+        <p:spPr>
+          <a:xfrm>
+            <a:off x="5684267" y="5968440"/>
+            <a:ext cx="1481344" cy="369332"/>
+          </a:xfrm>
+          <a:prstGeom prst="rect">
+            <a:avLst/>
+          </a:prstGeom>
+          <a:noFill/>
+        </p:spPr>
+        <p:txBody>
+          <a:bodyPr wrap="square" rtlCol="0">
+            <a:spAutoFit/>
+          </a:bodyPr>
+          <a:lstStyle/>
+          <a:p>
+            <a:r>
+              <a:rPr lang="zh-CN" altLang="en-US" dirty="0"/>
+              <a:t>最后</a:t>
+            </a:r>
+            <a:r>
+              <a:rPr lang="zh-CN" altLang="en-US" dirty="0" smtClean="0"/>
+              <a:t>面片</a:t>
+            </a:r>
+            <a:endParaRPr lang="zh-CN" altLang="en-US" dirty="0"/>
+          </a:p>
+        </p:txBody>
+      </p:sp>
+      <p:cxnSp>
+        <p:nvCxnSpPr>
+          <p:cNvPr id="59" name="肘形连接符 58"/>
+          <p:cNvCxnSpPr>
+            <a:stCxn id="12" idx="1"/>
+            <a:endCxn id="6" idx="1"/>
+          </p:cNvCxnSpPr>
+          <p:nvPr/>
+        </p:nvCxnSpPr>
+        <p:spPr>
+          <a:xfrm rot="10800000" flipH="1">
+            <a:off x="3686589" y="1914111"/>
+            <a:ext cx="1985342" cy="4074141"/>
+          </a:xfrm>
+          <a:prstGeom prst="bentConnector3">
+            <a:avLst>
+              <a:gd name="adj1" fmla="val -11514"/>
+            </a:avLst>
+          </a:prstGeom>
+          <a:ln>
+            <a:tailEnd type="triangle"/>
+          </a:ln>
+        </p:spPr>
+        <p:style>
+          <a:lnRef idx="1">
+            <a:schemeClr val="accent1"/>
+          </a:lnRef>
+          <a:fillRef idx="0">
+            <a:schemeClr val="accent1"/>
+          </a:fillRef>
+          <a:effectRef idx="0">
+            <a:schemeClr val="accent1"/>
+          </a:effectRef>
+          <a:fontRef idx="minor">
+            <a:schemeClr val="tx1"/>
+          </a:fontRef>
+        </p:style>
+      </p:cxnSp>
+      <p:sp>
+        <p:nvSpPr>
+          <p:cNvPr id="62" name="文本框 61"/>
+          <p:cNvSpPr txBox="1"/>
+          <p:nvPr/>
+        </p:nvSpPr>
+        <p:spPr>
+          <a:xfrm>
+            <a:off x="2098400" y="3447657"/>
+            <a:ext cx="1481344" cy="369332"/>
+          </a:xfrm>
+          <a:prstGeom prst="rect">
+            <a:avLst/>
+          </a:prstGeom>
+          <a:noFill/>
+        </p:spPr>
+        <p:txBody>
+          <a:bodyPr wrap="square" rtlCol="0">
+            <a:spAutoFit/>
+          </a:bodyPr>
+          <a:lstStyle/>
+          <a:p>
+            <a:r>
+              <a:rPr lang="zh-CN" altLang="en-US" dirty="0" smtClean="0"/>
+              <a:t>非最后面片</a:t>
+            </a:r>
+            <a:endParaRPr lang="zh-CN" altLang="en-US" dirty="0"/>
+          </a:p>
+        </p:txBody>
+      </p:sp>
+    </p:spTree>
+    <p:extLst>
+      <p:ext uri="{BB962C8B-B14F-4D97-AF65-F5344CB8AC3E}">
+        <p14:creationId xmlns:p14="http://schemas.microsoft.com/office/powerpoint/2010/main" val="400708142"/>
+      </p:ext>
+    </p:extLst>
+  </p:cSld>
+  <p:clrMapOvr>
+    <a:masterClrMapping/>
+  </p:clrMapOvr>
+</p:sld>
+</file>
+
+<file path=ppt/slides/slide19.xml><?xml version="1.0" encoding="utf-8"?>
+<p:sld xmlns:a="http://schemas.openxmlformats.org/drawingml/2006/main" xmlns:r="http://schemas.openxmlformats.org/officeDocument/2006/relationships" xmlns:p="http://schemas.openxmlformats.org/presentationml/2006/main">
+  <p:cSld>
+    <p:spTree>
+      <p:nvGrpSpPr>
+        <p:cNvPr id="1" name=""/>
+        <p:cNvGrpSpPr/>
+        <p:nvPr/>
+      </p:nvGrpSpPr>
+      <p:grpSpPr>
+        <a:xfrm>
+          <a:off x="0" y="0"/>
+          <a:ext cx="0" cy="0"/>
+          <a:chOff x="0" y="0"/>
+          <a:chExt cx="0" cy="0"/>
+        </a:xfrm>
+      </p:grpSpPr>
+      <p:sp>
+        <p:nvSpPr>
+          <p:cNvPr id="4" name="圆角矩形 3"/>
+          <p:cNvSpPr/>
+          <p:nvPr/>
+        </p:nvSpPr>
+        <p:spPr>
+          <a:xfrm>
+            <a:off x="516835" y="596348"/>
+            <a:ext cx="1620078" cy="596348"/>
+          </a:xfrm>
+          <a:prstGeom prst="roundRect">
+            <a:avLst/>
+          </a:prstGeom>
+        </p:spPr>
+        <p:style>
+          <a:lnRef idx="1">
+            <a:schemeClr val="accent3"/>
+          </a:lnRef>
+          <a:fillRef idx="2">
+            <a:schemeClr val="accent3"/>
+          </a:fillRef>
+          <a:effectRef idx="1">
+            <a:schemeClr val="accent3"/>
+          </a:effectRef>
+          <a:fontRef idx="minor">
+            <a:schemeClr val="dk1"/>
+          </a:fontRef>
+        </p:style>
+        <p:txBody>
+          <a:bodyPr rtlCol="0" anchor="ctr"/>
+          <a:lstStyle/>
+          <a:p>
+            <a:pPr algn="ctr"/>
+            <a:r>
+              <a:rPr lang="zh-CN" altLang="en-US" dirty="0" smtClean="0"/>
+              <a:t>输入</a:t>
+            </a:r>
+            <a:r>
+              <a:rPr lang="en-US" altLang="zh-CN" dirty="0" smtClean="0"/>
+              <a:t>resFaces</a:t>
+            </a:r>
+            <a:r>
+              <a:rPr lang="zh-CN" altLang="en-US" dirty="0" smtClean="0"/>
+              <a:t>和高度</a:t>
+            </a:r>
+            <a:r>
+              <a:rPr lang="en-US" altLang="zh-CN" dirty="0" smtClean="0"/>
+              <a:t>H</a:t>
+            </a:r>
+            <a:endParaRPr lang="zh-CN" altLang="en-US" dirty="0"/>
+          </a:p>
+        </p:txBody>
+      </p:sp>
+      <p:sp>
+        <p:nvSpPr>
+          <p:cNvPr id="6" name="圆角矩形 5"/>
+          <p:cNvSpPr/>
+          <p:nvPr/>
+        </p:nvSpPr>
+        <p:spPr>
+          <a:xfrm>
+            <a:off x="3087757" y="596348"/>
+            <a:ext cx="1620078" cy="596348"/>
+          </a:xfrm>
+          <a:prstGeom prst="roundRect">
+            <a:avLst/>
+          </a:prstGeom>
+        </p:spPr>
+        <p:style>
+          <a:lnRef idx="1">
+            <a:schemeClr val="accent3"/>
+          </a:lnRef>
+          <a:fillRef idx="2">
+            <a:schemeClr val="accent3"/>
+          </a:fillRef>
+          <a:effectRef idx="1">
+            <a:schemeClr val="accent3"/>
+          </a:effectRef>
+          <a:fontRef idx="minor">
+            <a:schemeClr val="dk1"/>
+          </a:fontRef>
+        </p:style>
+        <p:txBody>
+          <a:bodyPr rtlCol="0" anchor="ctr"/>
+          <a:lstStyle/>
+          <a:p>
+            <a:pPr algn="ctr"/>
+            <a:r>
+              <a:rPr lang="zh-CN" altLang="en-US" dirty="0" smtClean="0"/>
+              <a:t>初始化结果数组</a:t>
+            </a:r>
+            <a:r>
+              <a:rPr lang="en-US" altLang="zh-CN" dirty="0" smtClean="0"/>
+              <a:t>resultPoints</a:t>
+            </a:r>
+            <a:endParaRPr lang="zh-CN" altLang="en-US" dirty="0"/>
+          </a:p>
+        </p:txBody>
+      </p:sp>
+      <p:sp>
+        <p:nvSpPr>
+          <p:cNvPr id="7" name="圆角矩形 6"/>
+          <p:cNvSpPr/>
+          <p:nvPr/>
+        </p:nvSpPr>
+        <p:spPr>
+          <a:xfrm>
+            <a:off x="5658679" y="260902"/>
+            <a:ext cx="2256182" cy="1267239"/>
+          </a:xfrm>
+          <a:prstGeom prst="roundRect">
+            <a:avLst/>
+          </a:prstGeom>
+        </p:spPr>
+        <p:style>
+          <a:lnRef idx="1">
+            <a:schemeClr val="accent3"/>
+          </a:lnRef>
+          <a:fillRef idx="2">
+            <a:schemeClr val="accent3"/>
+          </a:fillRef>
+          <a:effectRef idx="1">
+            <a:schemeClr val="accent3"/>
+          </a:effectRef>
+          <a:fontRef idx="minor">
+            <a:schemeClr val="dk1"/>
+          </a:fontRef>
+        </p:style>
+        <p:txBody>
+          <a:bodyPr rtlCol="0" anchor="ctr"/>
+          <a:lstStyle/>
+          <a:p>
+            <a:pPr algn="ctr"/>
+            <a:r>
+              <a:rPr lang="zh-CN" altLang="en-US" dirty="0" smtClean="0"/>
+              <a:t>任意选取符合高度且未被搜索的面片作为初始面片并记录索引</a:t>
+            </a:r>
+            <a:r>
+              <a:rPr lang="en-US" altLang="zh-CN" dirty="0" smtClean="0"/>
+              <a:t>IndexFirst</a:t>
+            </a:r>
+            <a:endParaRPr lang="zh-CN" altLang="en-US" dirty="0"/>
+          </a:p>
+        </p:txBody>
+      </p:sp>
+      <p:sp>
+        <p:nvSpPr>
+          <p:cNvPr id="9" name="圆角矩形 8"/>
+          <p:cNvSpPr/>
+          <p:nvPr/>
+        </p:nvSpPr>
+        <p:spPr>
+          <a:xfrm>
+            <a:off x="6026427" y="2199864"/>
+            <a:ext cx="1520686" cy="745435"/>
+          </a:xfrm>
+          <a:prstGeom prst="roundRect">
+            <a:avLst/>
+          </a:prstGeom>
+        </p:spPr>
+        <p:style>
+          <a:lnRef idx="1">
+            <a:schemeClr val="accent3"/>
+          </a:lnRef>
+          <a:fillRef idx="2">
+            <a:schemeClr val="accent3"/>
+          </a:fillRef>
+          <a:effectRef idx="1">
+            <a:schemeClr val="accent3"/>
+          </a:effectRef>
+          <a:fontRef idx="minor">
+            <a:schemeClr val="dk1"/>
+          </a:fontRef>
+        </p:style>
+        <p:txBody>
+          <a:bodyPr rtlCol="0" anchor="ctr"/>
+          <a:lstStyle/>
+          <a:p>
+            <a:pPr algn="ctr"/>
+            <a:r>
+              <a:rPr lang="zh-CN" altLang="en-US" dirty="0" smtClean="0"/>
+              <a:t>遍历面片三边求交点</a:t>
+            </a:r>
+            <a:endParaRPr lang="zh-CN" altLang="en-US" dirty="0"/>
+          </a:p>
+        </p:txBody>
+      </p:sp>
+      <p:sp>
+        <p:nvSpPr>
+          <p:cNvPr id="11" name="圆角矩形 10"/>
+          <p:cNvSpPr/>
+          <p:nvPr/>
+        </p:nvSpPr>
+        <p:spPr>
+          <a:xfrm>
+            <a:off x="5983357" y="4186034"/>
+            <a:ext cx="1606826" cy="745435"/>
+          </a:xfrm>
+          <a:prstGeom prst="roundRect">
+            <a:avLst/>
+          </a:prstGeom>
+        </p:spPr>
+        <p:style>
+          <a:lnRef idx="1">
+            <a:schemeClr val="accent3"/>
+          </a:lnRef>
+          <a:fillRef idx="2">
+            <a:schemeClr val="accent3"/>
+          </a:fillRef>
+          <a:effectRef idx="1">
+            <a:schemeClr val="accent3"/>
+          </a:effectRef>
+          <a:fontRef idx="minor">
+            <a:schemeClr val="dk1"/>
+          </a:fontRef>
+        </p:style>
+        <p:txBody>
+          <a:bodyPr rtlCol="0" anchor="ctr"/>
+          <a:lstStyle/>
+          <a:p>
+            <a:pPr algn="ctr"/>
+            <a:r>
+              <a:rPr lang="zh-CN" altLang="en-US" dirty="0" smtClean="0"/>
+              <a:t>顶点存入</a:t>
+            </a:r>
+            <a:r>
+              <a:rPr lang="en-US" altLang="zh-CN" dirty="0" smtClean="0"/>
+              <a:t>resultPoints</a:t>
+            </a:r>
+            <a:endParaRPr lang="zh-CN" altLang="en-US" dirty="0"/>
+          </a:p>
+        </p:txBody>
+      </p:sp>
+      <p:sp>
+        <p:nvSpPr>
+          <p:cNvPr id="12" name="圆角矩形 11"/>
+          <p:cNvSpPr/>
+          <p:nvPr/>
+        </p:nvSpPr>
+        <p:spPr>
+          <a:xfrm>
+            <a:off x="3087757" y="2199863"/>
+            <a:ext cx="1606826" cy="745435"/>
+          </a:xfrm>
+          <a:prstGeom prst="roundRect">
+            <a:avLst/>
+          </a:prstGeom>
+        </p:spPr>
+        <p:style>
+          <a:lnRef idx="1">
+            <a:schemeClr val="accent3"/>
+          </a:lnRef>
+          <a:fillRef idx="2">
+            <a:schemeClr val="accent3"/>
+          </a:fillRef>
+          <a:effectRef idx="1">
+            <a:schemeClr val="accent3"/>
+          </a:effectRef>
+          <a:fontRef idx="minor">
+            <a:schemeClr val="dk1"/>
+          </a:fontRef>
+        </p:style>
+        <p:txBody>
+          <a:bodyPr rtlCol="0" anchor="ctr"/>
+          <a:lstStyle/>
+          <a:p>
+            <a:pPr algn="ctr"/>
+            <a:r>
+              <a:rPr lang="zh-CN" altLang="en-US" dirty="0" smtClean="0"/>
+              <a:t>交点存入</a:t>
+            </a:r>
+            <a:r>
+              <a:rPr lang="en-US" altLang="zh-CN" dirty="0" smtClean="0"/>
+              <a:t>resultPoints</a:t>
+            </a:r>
+            <a:endParaRPr lang="zh-CN" altLang="en-US" dirty="0"/>
+          </a:p>
+        </p:txBody>
+      </p:sp>
+      <p:cxnSp>
+        <p:nvCxnSpPr>
+          <p:cNvPr id="14" name="直接箭头连接符 13"/>
+          <p:cNvCxnSpPr>
+            <a:stCxn id="4" idx="3"/>
+            <a:endCxn id="6" idx="1"/>
+          </p:cNvCxnSpPr>
+          <p:nvPr/>
+        </p:nvCxnSpPr>
+        <p:spPr>
+          <a:xfrm>
+            <a:off x="2136913" y="894522"/>
+            <a:ext cx="950844" cy="0"/>
+          </a:xfrm>
+          <a:prstGeom prst="straightConnector1">
+            <a:avLst/>
+          </a:prstGeom>
+          <a:ln>
+            <a:tailEnd type="triangle"/>
+          </a:ln>
+        </p:spPr>
+        <p:style>
+          <a:lnRef idx="1">
+            <a:schemeClr val="accent1"/>
+          </a:lnRef>
+          <a:fillRef idx="0">
+            <a:schemeClr val="accent1"/>
+          </a:fillRef>
+          <a:effectRef idx="0">
+            <a:schemeClr val="accent1"/>
+          </a:effectRef>
+          <a:fontRef idx="minor">
+            <a:schemeClr val="tx1"/>
+          </a:fontRef>
+        </p:style>
+      </p:cxnSp>
+      <p:cxnSp>
+        <p:nvCxnSpPr>
+          <p:cNvPr id="16" name="直接箭头连接符 15"/>
+          <p:cNvCxnSpPr>
+            <a:stCxn id="6" idx="3"/>
+            <a:endCxn id="7" idx="1"/>
+          </p:cNvCxnSpPr>
+          <p:nvPr/>
+        </p:nvCxnSpPr>
+        <p:spPr>
+          <a:xfrm>
+            <a:off x="4707835" y="894522"/>
+            <a:ext cx="950844" cy="0"/>
+          </a:xfrm>
+          <a:prstGeom prst="straightConnector1">
+            <a:avLst/>
+          </a:prstGeom>
+          <a:ln>
+            <a:tailEnd type="triangle"/>
+          </a:ln>
+        </p:spPr>
+        <p:style>
+          <a:lnRef idx="1">
+            <a:schemeClr val="accent1"/>
+          </a:lnRef>
+          <a:fillRef idx="0">
+            <a:schemeClr val="accent1"/>
+          </a:fillRef>
+          <a:effectRef idx="0">
+            <a:schemeClr val="accent1"/>
+          </a:effectRef>
+          <a:fontRef idx="minor">
+            <a:schemeClr val="tx1"/>
+          </a:fontRef>
+        </p:style>
+      </p:cxnSp>
+      <p:cxnSp>
+        <p:nvCxnSpPr>
+          <p:cNvPr id="19" name="直接箭头连接符 18"/>
+          <p:cNvCxnSpPr>
+            <a:stCxn id="7" idx="2"/>
+            <a:endCxn id="9" idx="0"/>
+          </p:cNvCxnSpPr>
+          <p:nvPr/>
+        </p:nvCxnSpPr>
+        <p:spPr>
+          <a:xfrm>
+            <a:off x="6786770" y="1528141"/>
+            <a:ext cx="0" cy="671723"/>
+          </a:xfrm>
+          <a:prstGeom prst="straightConnector1">
+            <a:avLst/>
+          </a:prstGeom>
+          <a:ln>
+            <a:tailEnd type="triangle"/>
+          </a:ln>
+        </p:spPr>
+        <p:style>
+          <a:lnRef idx="1">
+            <a:schemeClr val="accent1"/>
+          </a:lnRef>
+          <a:fillRef idx="0">
+            <a:schemeClr val="accent1"/>
+          </a:fillRef>
+          <a:effectRef idx="0">
+            <a:schemeClr val="accent1"/>
+          </a:effectRef>
+          <a:fontRef idx="minor">
+            <a:schemeClr val="tx1"/>
+          </a:fontRef>
+        </p:style>
+      </p:cxnSp>
+      <p:cxnSp>
+        <p:nvCxnSpPr>
+          <p:cNvPr id="23" name="直接箭头连接符 22"/>
+          <p:cNvCxnSpPr>
+            <a:stCxn id="9" idx="2"/>
+            <a:endCxn id="11" idx="0"/>
+          </p:cNvCxnSpPr>
+          <p:nvPr/>
+        </p:nvCxnSpPr>
+        <p:spPr>
+          <a:xfrm>
+            <a:off x="6786770" y="2945299"/>
+            <a:ext cx="0" cy="1240735"/>
+          </a:xfrm>
+          <a:prstGeom prst="straightConnector1">
+            <a:avLst/>
+          </a:prstGeom>
+          <a:ln>
+            <a:tailEnd type="triangle"/>
+          </a:ln>
+        </p:spPr>
+        <p:style>
+          <a:lnRef idx="1">
+            <a:schemeClr val="accent1"/>
+          </a:lnRef>
+          <a:fillRef idx="0">
+            <a:schemeClr val="accent1"/>
+          </a:fillRef>
+          <a:effectRef idx="0">
+            <a:schemeClr val="accent1"/>
+          </a:effectRef>
+          <a:fontRef idx="minor">
+            <a:schemeClr val="tx1"/>
+          </a:fontRef>
+        </p:style>
+      </p:cxnSp>
+      <p:sp>
+        <p:nvSpPr>
+          <p:cNvPr id="27" name="文本框 26"/>
+          <p:cNvSpPr txBox="1"/>
+          <p:nvPr/>
+        </p:nvSpPr>
+        <p:spPr>
+          <a:xfrm>
+            <a:off x="5784574" y="3323022"/>
+            <a:ext cx="2262158" cy="369332"/>
+          </a:xfrm>
+          <a:prstGeom prst="rect">
+            <a:avLst/>
+          </a:prstGeom>
+          <a:noFill/>
+        </p:spPr>
+        <p:txBody>
+          <a:bodyPr wrap="none" rtlCol="0">
+            <a:spAutoFit/>
+          </a:bodyPr>
+          <a:lstStyle/>
+          <a:p>
+            <a:r>
+              <a:rPr lang="zh-CN" altLang="en-US" dirty="0" smtClean="0"/>
+              <a:t>交点为边的一个顶点</a:t>
+            </a:r>
+            <a:endParaRPr lang="zh-CN" altLang="en-US" dirty="0"/>
+          </a:p>
+        </p:txBody>
+      </p:sp>
+      <p:cxnSp>
+        <p:nvCxnSpPr>
+          <p:cNvPr id="28" name="直接箭头连接符 27"/>
+          <p:cNvCxnSpPr>
+            <a:stCxn id="9" idx="1"/>
+            <a:endCxn id="12" idx="3"/>
+          </p:cNvCxnSpPr>
+          <p:nvPr/>
+        </p:nvCxnSpPr>
+        <p:spPr>
+          <a:xfrm flipH="1" flipV="1">
+            <a:off x="4694583" y="2572581"/>
+            <a:ext cx="1331844" cy="1"/>
+          </a:xfrm>
+          <a:prstGeom prst="straightConnector1">
+            <a:avLst/>
+          </a:prstGeom>
+          <a:ln>
+            <a:tailEnd type="triangle"/>
+          </a:ln>
+        </p:spPr>
+        <p:style>
+          <a:lnRef idx="1">
+            <a:schemeClr val="accent1"/>
+          </a:lnRef>
+          <a:fillRef idx="0">
+            <a:schemeClr val="accent1"/>
+          </a:fillRef>
+          <a:effectRef idx="0">
+            <a:schemeClr val="accent1"/>
+          </a:effectRef>
+          <a:fontRef idx="minor">
+            <a:schemeClr val="tx1"/>
+          </a:fontRef>
+        </p:style>
+      </p:cxnSp>
+      <p:sp>
+        <p:nvSpPr>
+          <p:cNvPr id="31" name="文本框 30"/>
+          <p:cNvSpPr txBox="1"/>
+          <p:nvPr/>
+        </p:nvSpPr>
+        <p:spPr>
+          <a:xfrm>
+            <a:off x="4707835" y="2203248"/>
+            <a:ext cx="1338828" cy="369332"/>
+          </a:xfrm>
+          <a:prstGeom prst="rect">
+            <a:avLst/>
+          </a:prstGeom>
+          <a:noFill/>
+        </p:spPr>
+        <p:txBody>
+          <a:bodyPr wrap="none" rtlCol="0">
+            <a:spAutoFit/>
+          </a:bodyPr>
+          <a:lstStyle/>
+          <a:p>
+            <a:r>
+              <a:rPr lang="zh-CN" altLang="en-US" dirty="0" smtClean="0"/>
+              <a:t>交点在边内</a:t>
+            </a:r>
+            <a:endParaRPr lang="zh-CN" altLang="en-US" dirty="0"/>
+          </a:p>
+        </p:txBody>
+      </p:sp>
+      <p:sp>
+        <p:nvSpPr>
+          <p:cNvPr id="32" name="文本框 31"/>
+          <p:cNvSpPr txBox="1"/>
+          <p:nvPr/>
+        </p:nvSpPr>
+        <p:spPr>
+          <a:xfrm>
+            <a:off x="2449786" y="3184522"/>
+            <a:ext cx="1569660" cy="646331"/>
+          </a:xfrm>
+          <a:prstGeom prst="rect">
+            <a:avLst/>
+          </a:prstGeom>
+          <a:noFill/>
+        </p:spPr>
+        <p:txBody>
+          <a:bodyPr wrap="none" rtlCol="0">
+            <a:spAutoFit/>
+          </a:bodyPr>
+          <a:lstStyle/>
+          <a:p>
+            <a:r>
+              <a:rPr lang="zh-CN" altLang="en-US" dirty="0" smtClean="0"/>
+              <a:t>当前面打上已</a:t>
+            </a:r>
+            <a:endParaRPr lang="en-US" altLang="zh-CN" dirty="0" smtClean="0"/>
+          </a:p>
+          <a:p>
+            <a:r>
+              <a:rPr lang="zh-CN" altLang="en-US" dirty="0" smtClean="0"/>
+              <a:t>被搜索标记</a:t>
+            </a:r>
+            <a:endParaRPr lang="zh-CN" altLang="en-US" dirty="0"/>
+          </a:p>
+        </p:txBody>
+      </p:sp>
+      <p:cxnSp>
+        <p:nvCxnSpPr>
+          <p:cNvPr id="33" name="直接箭头连接符 32"/>
+          <p:cNvCxnSpPr>
+            <a:stCxn id="12" idx="2"/>
+            <a:endCxn id="10" idx="0"/>
+          </p:cNvCxnSpPr>
+          <p:nvPr/>
+        </p:nvCxnSpPr>
+        <p:spPr>
+          <a:xfrm>
+            <a:off x="3891170" y="2945298"/>
+            <a:ext cx="6626" cy="1240736"/>
+          </a:xfrm>
+          <a:prstGeom prst="straightConnector1">
+            <a:avLst/>
+          </a:prstGeom>
+          <a:ln>
+            <a:tailEnd type="triangle"/>
+          </a:ln>
+        </p:spPr>
+        <p:style>
+          <a:lnRef idx="1">
+            <a:schemeClr val="accent1"/>
+          </a:lnRef>
+          <a:fillRef idx="0">
+            <a:schemeClr val="accent1"/>
+          </a:fillRef>
+          <a:effectRef idx="0">
+            <a:schemeClr val="accent1"/>
+          </a:effectRef>
+          <a:fontRef idx="minor">
+            <a:schemeClr val="tx1"/>
+          </a:fontRef>
+        </p:style>
+      </p:cxnSp>
+      <p:cxnSp>
+        <p:nvCxnSpPr>
+          <p:cNvPr id="36" name="直接箭头连接符 35"/>
+          <p:cNvCxnSpPr>
+            <a:stCxn id="11" idx="1"/>
+            <a:endCxn id="10" idx="3"/>
+          </p:cNvCxnSpPr>
+          <p:nvPr/>
+        </p:nvCxnSpPr>
+        <p:spPr>
+          <a:xfrm flipH="1">
+            <a:off x="4765813" y="4558752"/>
+            <a:ext cx="1217544" cy="0"/>
+          </a:xfrm>
+          <a:prstGeom prst="straightConnector1">
+            <a:avLst/>
+          </a:prstGeom>
+          <a:ln>
+            <a:tailEnd type="triangle"/>
+          </a:ln>
+        </p:spPr>
+        <p:style>
+          <a:lnRef idx="1">
+            <a:schemeClr val="accent1"/>
+          </a:lnRef>
+          <a:fillRef idx="0">
+            <a:schemeClr val="accent1"/>
+          </a:fillRef>
+          <a:effectRef idx="0">
+            <a:schemeClr val="accent1"/>
+          </a:effectRef>
+          <a:fontRef idx="minor">
+            <a:schemeClr val="tx1"/>
+          </a:fontRef>
+        </p:style>
+      </p:cxnSp>
+      <p:sp>
+        <p:nvSpPr>
+          <p:cNvPr id="39" name="文本框 38"/>
+          <p:cNvSpPr txBox="1"/>
+          <p:nvPr/>
+        </p:nvSpPr>
+        <p:spPr>
+          <a:xfrm>
+            <a:off x="4863242" y="4238897"/>
+            <a:ext cx="1101226" cy="923330"/>
+          </a:xfrm>
+          <a:prstGeom prst="rect">
+            <a:avLst/>
+          </a:prstGeom>
+          <a:noFill/>
+        </p:spPr>
+        <p:txBody>
+          <a:bodyPr wrap="square" rtlCol="0">
+            <a:spAutoFit/>
+          </a:bodyPr>
+          <a:lstStyle/>
+          <a:p>
+            <a:r>
+              <a:rPr lang="zh-CN" altLang="en-US" dirty="0" smtClean="0"/>
+              <a:t>当前面打上已被搜索标记</a:t>
+            </a:r>
+            <a:endParaRPr lang="zh-CN" altLang="en-US" dirty="0"/>
+          </a:p>
+        </p:txBody>
+      </p:sp>
+      <p:cxnSp>
+        <p:nvCxnSpPr>
+          <p:cNvPr id="41" name="直接箭头连接符 40"/>
+          <p:cNvCxnSpPr/>
+          <p:nvPr/>
+        </p:nvCxnSpPr>
+        <p:spPr>
+          <a:xfrm flipV="1">
+            <a:off x="4732362" y="2886350"/>
+            <a:ext cx="1314301" cy="1377540"/>
+          </a:xfrm>
+          <a:prstGeom prst="straightConnector1">
+            <a:avLst/>
+          </a:prstGeom>
+          <a:ln>
+            <a:tailEnd type="triangle"/>
+          </a:ln>
+        </p:spPr>
+        <p:style>
+          <a:lnRef idx="1">
+            <a:schemeClr val="accent1"/>
+          </a:lnRef>
+          <a:fillRef idx="0">
+            <a:schemeClr val="accent1"/>
+          </a:fillRef>
+          <a:effectRef idx="0">
+            <a:schemeClr val="accent1"/>
+          </a:effectRef>
+          <a:fontRef idx="minor">
+            <a:schemeClr val="tx1"/>
+          </a:fontRef>
+        </p:style>
+      </p:cxnSp>
+      <p:sp>
+        <p:nvSpPr>
+          <p:cNvPr id="10" name="圆角矩形 9"/>
+          <p:cNvSpPr/>
+          <p:nvPr/>
+        </p:nvSpPr>
+        <p:spPr>
+          <a:xfrm>
+            <a:off x="3029778" y="4186034"/>
+            <a:ext cx="1736035" cy="745435"/>
+          </a:xfrm>
+          <a:prstGeom prst="roundRect">
+            <a:avLst/>
+          </a:prstGeom>
+        </p:spPr>
+        <p:style>
+          <a:lnRef idx="1">
+            <a:schemeClr val="accent3"/>
+          </a:lnRef>
+          <a:fillRef idx="2">
+            <a:schemeClr val="accent3"/>
+          </a:fillRef>
+          <a:effectRef idx="1">
+            <a:schemeClr val="accent3"/>
+          </a:effectRef>
+          <a:fontRef idx="minor">
+            <a:schemeClr val="dk1"/>
+          </a:fontRef>
+        </p:style>
+        <p:txBody>
+          <a:bodyPr rtlCol="0" anchor="ctr"/>
+          <a:lstStyle/>
+          <a:p>
+            <a:pPr algn="ctr"/>
+            <a:r>
+              <a:rPr lang="zh-CN" altLang="en-US" dirty="0" smtClean="0"/>
+              <a:t>寻找交点边的非当前临接面</a:t>
+            </a:r>
+            <a:endParaRPr lang="zh-CN" altLang="en-US" dirty="0"/>
+          </a:p>
+        </p:txBody>
+      </p:sp>
+      <p:sp>
+        <p:nvSpPr>
+          <p:cNvPr id="47" name="圆角矩形 46"/>
+          <p:cNvSpPr/>
+          <p:nvPr/>
+        </p:nvSpPr>
+        <p:spPr>
+          <a:xfrm>
+            <a:off x="9761882" y="521803"/>
+            <a:ext cx="1736035" cy="745435"/>
+          </a:xfrm>
+          <a:prstGeom prst="roundRect">
+            <a:avLst/>
+          </a:prstGeom>
+        </p:spPr>
+        <p:style>
+          <a:lnRef idx="1">
+            <a:schemeClr val="accent3"/>
+          </a:lnRef>
+          <a:fillRef idx="2">
+            <a:schemeClr val="accent3"/>
+          </a:fillRef>
+          <a:effectRef idx="1">
+            <a:schemeClr val="accent3"/>
+          </a:effectRef>
+          <a:fontRef idx="minor">
+            <a:schemeClr val="dk1"/>
+          </a:fontRef>
+        </p:style>
+        <p:txBody>
+          <a:bodyPr rtlCol="0" anchor="ctr"/>
+          <a:lstStyle/>
+          <a:p>
+            <a:pPr algn="ctr"/>
+            <a:r>
+              <a:rPr lang="zh-CN" altLang="en-US" dirty="0" smtClean="0"/>
+              <a:t>结束分层切片</a:t>
+            </a:r>
+            <a:endParaRPr lang="zh-CN" altLang="en-US" dirty="0"/>
+          </a:p>
+        </p:txBody>
+      </p:sp>
+      <p:cxnSp>
+        <p:nvCxnSpPr>
+          <p:cNvPr id="49" name="肘形连接符 48"/>
+          <p:cNvCxnSpPr/>
+          <p:nvPr/>
+        </p:nvCxnSpPr>
+        <p:spPr>
+          <a:xfrm rot="5400000" flipH="1" flipV="1">
+            <a:off x="3982276" y="810042"/>
+            <a:ext cx="3848106" cy="4017065"/>
+          </a:xfrm>
+          <a:prstGeom prst="bentConnector4">
+            <a:avLst>
+              <a:gd name="adj1" fmla="val -16789"/>
+              <a:gd name="adj2" fmla="val 105691"/>
+            </a:avLst>
+          </a:prstGeom>
+          <a:ln>
+            <a:tailEnd type="triangle"/>
+          </a:ln>
+        </p:spPr>
+        <p:style>
+          <a:lnRef idx="1">
+            <a:schemeClr val="accent1"/>
+          </a:lnRef>
+          <a:fillRef idx="0">
+            <a:schemeClr val="accent1"/>
+          </a:fillRef>
+          <a:effectRef idx="0">
+            <a:schemeClr val="accent1"/>
+          </a:effectRef>
+          <a:fontRef idx="minor">
+            <a:schemeClr val="tx1"/>
+          </a:fontRef>
+        </p:style>
+      </p:cxnSp>
+      <p:sp>
+        <p:nvSpPr>
+          <p:cNvPr id="52" name="文本框 51"/>
+          <p:cNvSpPr txBox="1"/>
+          <p:nvPr/>
+        </p:nvSpPr>
+        <p:spPr>
+          <a:xfrm>
+            <a:off x="4533196" y="5395226"/>
+            <a:ext cx="2746265" cy="369332"/>
+          </a:xfrm>
+          <a:prstGeom prst="rect">
+            <a:avLst/>
+          </a:prstGeom>
+          <a:noFill/>
+        </p:spPr>
+        <p:txBody>
+          <a:bodyPr wrap="none" rtlCol="0">
+            <a:spAutoFit/>
+          </a:bodyPr>
+          <a:lstStyle/>
+          <a:p>
+            <a:r>
+              <a:rPr lang="zh-CN" altLang="en-US" dirty="0" smtClean="0"/>
+              <a:t>临接面索引等于</a:t>
+            </a:r>
+            <a:r>
+              <a:rPr lang="en-US" altLang="zh-CN" dirty="0" smtClean="0"/>
+              <a:t>IndexFirst</a:t>
+            </a:r>
+            <a:endParaRPr lang="zh-CN" altLang="en-US" dirty="0"/>
+          </a:p>
+        </p:txBody>
+      </p:sp>
+      <p:cxnSp>
+        <p:nvCxnSpPr>
+          <p:cNvPr id="61" name="直接箭头连接符 60"/>
+          <p:cNvCxnSpPr>
+            <a:stCxn id="7" idx="3"/>
+            <a:endCxn id="47" idx="1"/>
+          </p:cNvCxnSpPr>
+          <p:nvPr/>
+        </p:nvCxnSpPr>
+        <p:spPr>
+          <a:xfrm flipV="1">
+            <a:off x="7914861" y="894521"/>
+            <a:ext cx="1847021" cy="1"/>
+          </a:xfrm>
+          <a:prstGeom prst="straightConnector1">
+            <a:avLst/>
+          </a:prstGeom>
+          <a:ln>
+            <a:tailEnd type="triangle"/>
+          </a:ln>
+        </p:spPr>
+        <p:style>
+          <a:lnRef idx="1">
+            <a:schemeClr val="accent1"/>
+          </a:lnRef>
+          <a:fillRef idx="0">
+            <a:schemeClr val="accent1"/>
+          </a:fillRef>
+          <a:effectRef idx="0">
+            <a:schemeClr val="accent1"/>
+          </a:effectRef>
+          <a:fontRef idx="minor">
+            <a:schemeClr val="tx1"/>
+          </a:fontRef>
+        </p:style>
+      </p:cxnSp>
+      <p:sp>
+        <p:nvSpPr>
+          <p:cNvPr id="63" name="文本框 62"/>
+          <p:cNvSpPr txBox="1"/>
+          <p:nvPr/>
+        </p:nvSpPr>
+        <p:spPr>
+          <a:xfrm>
+            <a:off x="5960041" y="1679014"/>
+            <a:ext cx="1800493" cy="369332"/>
+          </a:xfrm>
+          <a:prstGeom prst="rect">
+            <a:avLst/>
+          </a:prstGeom>
+          <a:noFill/>
+        </p:spPr>
+        <p:txBody>
+          <a:bodyPr wrap="none" rtlCol="0">
+            <a:spAutoFit/>
+          </a:bodyPr>
+          <a:lstStyle/>
+          <a:p>
+            <a:r>
+              <a:rPr lang="zh-CN" altLang="en-US" dirty="0" smtClean="0"/>
+              <a:t>有符合条件面片</a:t>
+            </a:r>
+            <a:endParaRPr lang="zh-CN" altLang="en-US" dirty="0"/>
+          </a:p>
+        </p:txBody>
+      </p:sp>
+      <p:sp>
+        <p:nvSpPr>
+          <p:cNvPr id="65" name="文本框 64"/>
+          <p:cNvSpPr txBox="1"/>
+          <p:nvPr/>
+        </p:nvSpPr>
+        <p:spPr>
+          <a:xfrm>
+            <a:off x="7938125" y="525188"/>
+            <a:ext cx="1800493" cy="369332"/>
+          </a:xfrm>
+          <a:prstGeom prst="rect">
+            <a:avLst/>
+          </a:prstGeom>
+          <a:noFill/>
+        </p:spPr>
+        <p:txBody>
+          <a:bodyPr wrap="none" rtlCol="0">
+            <a:spAutoFit/>
+          </a:bodyPr>
+          <a:lstStyle/>
+          <a:p>
+            <a:r>
+              <a:rPr lang="zh-CN" altLang="en-US" dirty="0"/>
+              <a:t>无</a:t>
+            </a:r>
+            <a:r>
+              <a:rPr lang="zh-CN" altLang="en-US" dirty="0" smtClean="0"/>
+              <a:t>符合条件面片</a:t>
+            </a:r>
+            <a:endParaRPr lang="zh-CN" altLang="en-US" dirty="0"/>
+          </a:p>
+        </p:txBody>
+      </p:sp>
+    </p:spTree>
+    <p:extLst>
+      <p:ext uri="{BB962C8B-B14F-4D97-AF65-F5344CB8AC3E}">
+        <p14:creationId xmlns:p14="http://schemas.microsoft.com/office/powerpoint/2010/main" val="4176560373"/>
+      </p:ext>
+    </p:extLst>
+  </p:cSld>
+  <p:clrMapOvr>
+    <a:masterClrMapping/>
+  </p:clrMapOvr>
+</p:sld>
+</file>
+
 <file path=ppt/slides/slide2.xml><?xml version="1.0" encoding="utf-8"?>
 <p:sld xmlns:a="http://schemas.openxmlformats.org/drawingml/2006/main" xmlns:r="http://schemas.openxmlformats.org/officeDocument/2006/relationships" xmlns:p="http://schemas.openxmlformats.org/presentationml/2006/main">
   <p:cSld>
@@ -11746,6 +13806,588 @@
     <p:extLst>
       <p:ext uri="{BB962C8B-B14F-4D97-AF65-F5344CB8AC3E}">
         <p14:creationId xmlns:p14="http://schemas.microsoft.com/office/powerpoint/2010/main" val="3881197886"/>
+      </p:ext>
+    </p:extLst>
+  </p:cSld>
+  <p:clrMapOvr>
+    <a:masterClrMapping/>
+  </p:clrMapOvr>
+</p:sld>
+</file>
+
+<file path=ppt/slides/slide20.xml><?xml version="1.0" encoding="utf-8"?>
+<p:sld xmlns:a="http://schemas.openxmlformats.org/drawingml/2006/main" xmlns:r="http://schemas.openxmlformats.org/officeDocument/2006/relationships" xmlns:p="http://schemas.openxmlformats.org/presentationml/2006/main">
+  <p:cSld>
+    <p:spTree>
+      <p:nvGrpSpPr>
+        <p:cNvPr id="1" name=""/>
+        <p:cNvGrpSpPr/>
+        <p:nvPr/>
+      </p:nvGrpSpPr>
+      <p:grpSpPr>
+        <a:xfrm>
+          <a:off x="0" y="0"/>
+          <a:ext cx="0" cy="0"/>
+          <a:chOff x="0" y="0"/>
+          <a:chExt cx="0" cy="0"/>
+        </a:xfrm>
+      </p:grpSpPr>
+      <p:sp>
+        <p:nvSpPr>
+          <p:cNvPr id="4" name="矩形 3"/>
+          <p:cNvSpPr/>
+          <p:nvPr/>
+        </p:nvSpPr>
+        <p:spPr>
+          <a:xfrm>
+            <a:off x="3429001" y="347869"/>
+            <a:ext cx="2157574" cy="626165"/>
+          </a:xfrm>
+          <a:prstGeom prst="rect">
+            <a:avLst/>
+          </a:prstGeom>
+        </p:spPr>
+        <p:style>
+          <a:lnRef idx="2">
+            <a:schemeClr val="accent5">
+              <a:shade val="50000"/>
+            </a:schemeClr>
+          </a:lnRef>
+          <a:fillRef idx="1">
+            <a:schemeClr val="accent5"/>
+          </a:fillRef>
+          <a:effectRef idx="0">
+            <a:schemeClr val="accent5"/>
+          </a:effectRef>
+          <a:fontRef idx="minor">
+            <a:schemeClr val="lt1"/>
+          </a:fontRef>
+        </p:style>
+        <p:txBody>
+          <a:bodyPr rtlCol="0" anchor="ctr"/>
+          <a:lstStyle/>
+          <a:p>
+            <a:pPr algn="ctr"/>
+            <a:r>
+              <a:rPr lang="zh-CN" altLang="en-US" dirty="0" smtClean="0"/>
+              <a:t>输入分层切片参数</a:t>
+            </a:r>
+            <a:endParaRPr lang="zh-CN" altLang="en-US" dirty="0"/>
+          </a:p>
+        </p:txBody>
+      </p:sp>
+      <p:sp>
+        <p:nvSpPr>
+          <p:cNvPr id="6" name="矩形 5"/>
+          <p:cNvSpPr/>
+          <p:nvPr/>
+        </p:nvSpPr>
+        <p:spPr>
+          <a:xfrm>
+            <a:off x="7100874" y="1518614"/>
+            <a:ext cx="2782959" cy="626165"/>
+          </a:xfrm>
+          <a:prstGeom prst="rect">
+            <a:avLst/>
+          </a:prstGeom>
+        </p:spPr>
+        <p:style>
+          <a:lnRef idx="2">
+            <a:schemeClr val="accent5">
+              <a:shade val="50000"/>
+            </a:schemeClr>
+          </a:lnRef>
+          <a:fillRef idx="1">
+            <a:schemeClr val="accent5"/>
+          </a:fillRef>
+          <a:effectRef idx="0">
+            <a:schemeClr val="accent5"/>
+          </a:effectRef>
+          <a:fontRef idx="minor">
+            <a:schemeClr val="lt1"/>
+          </a:fontRef>
+        </p:style>
+        <p:txBody>
+          <a:bodyPr rtlCol="0" anchor="ctr"/>
+          <a:lstStyle/>
+          <a:p>
+            <a:pPr algn="ctr"/>
+            <a:r>
+              <a:rPr lang="zh-CN" altLang="en-US" dirty="0" smtClean="0"/>
+              <a:t>绘制切片分层中的示意背景矩形</a:t>
+            </a:r>
+            <a:endParaRPr lang="zh-CN" altLang="en-US" dirty="0"/>
+          </a:p>
+        </p:txBody>
+      </p:sp>
+      <p:sp>
+        <p:nvSpPr>
+          <p:cNvPr id="8" name="矩形 7"/>
+          <p:cNvSpPr/>
+          <p:nvPr/>
+        </p:nvSpPr>
+        <p:spPr>
+          <a:xfrm>
+            <a:off x="2987319" y="2689355"/>
+            <a:ext cx="3040931" cy="626165"/>
+          </a:xfrm>
+          <a:prstGeom prst="rect">
+            <a:avLst/>
+          </a:prstGeom>
+        </p:spPr>
+        <p:style>
+          <a:lnRef idx="2">
+            <a:schemeClr val="accent5">
+              <a:shade val="50000"/>
+            </a:schemeClr>
+          </a:lnRef>
+          <a:fillRef idx="1">
+            <a:schemeClr val="accent5"/>
+          </a:fillRef>
+          <a:effectRef idx="0">
+            <a:schemeClr val="accent5"/>
+          </a:effectRef>
+          <a:fontRef idx="minor">
+            <a:schemeClr val="lt1"/>
+          </a:fontRef>
+        </p:style>
+        <p:txBody>
+          <a:bodyPr rtlCol="0" anchor="ctr"/>
+          <a:lstStyle/>
+          <a:p>
+            <a:pPr algn="ctr"/>
+            <a:r>
+              <a:rPr lang="zh-CN" altLang="en-US" dirty="0" smtClean="0"/>
+              <a:t>将得到的轮廓数据点加入</a:t>
+            </a:r>
+            <a:r>
+              <a:rPr lang="en-US" altLang="zh-CN" dirty="0" smtClean="0"/>
+              <a:t>Points</a:t>
+            </a:r>
+            <a:r>
+              <a:rPr lang="zh-CN" altLang="en-US" dirty="0" smtClean="0"/>
+              <a:t>对象</a:t>
+            </a:r>
+            <a:endParaRPr lang="zh-CN" altLang="en-US" dirty="0"/>
+          </a:p>
+        </p:txBody>
+      </p:sp>
+      <p:sp>
+        <p:nvSpPr>
+          <p:cNvPr id="9" name="矩形 8"/>
+          <p:cNvSpPr/>
+          <p:nvPr/>
+        </p:nvSpPr>
+        <p:spPr>
+          <a:xfrm>
+            <a:off x="6971887" y="2689354"/>
+            <a:ext cx="3040931" cy="626165"/>
+          </a:xfrm>
+          <a:prstGeom prst="rect">
+            <a:avLst/>
+          </a:prstGeom>
+        </p:spPr>
+        <p:style>
+          <a:lnRef idx="2">
+            <a:schemeClr val="accent5">
+              <a:shade val="50000"/>
+            </a:schemeClr>
+          </a:lnRef>
+          <a:fillRef idx="1">
+            <a:schemeClr val="accent5"/>
+          </a:fillRef>
+          <a:effectRef idx="0">
+            <a:schemeClr val="accent5"/>
+          </a:effectRef>
+          <a:fontRef idx="minor">
+            <a:schemeClr val="lt1"/>
+          </a:fontRef>
+        </p:style>
+        <p:txBody>
+          <a:bodyPr rtlCol="0" anchor="ctr"/>
+          <a:lstStyle/>
+          <a:p>
+            <a:pPr algn="ctr"/>
+            <a:r>
+              <a:rPr lang="zh-CN" altLang="en-US" dirty="0" smtClean="0"/>
+              <a:t>将轮廓点按顺序连接，得到线数据并加入</a:t>
+            </a:r>
+            <a:r>
+              <a:rPr lang="en-US" altLang="zh-CN" dirty="0" smtClean="0"/>
+              <a:t>Line</a:t>
+            </a:r>
+            <a:r>
+              <a:rPr lang="zh-CN" altLang="en-US" dirty="0" smtClean="0"/>
+              <a:t>对象</a:t>
+            </a:r>
+            <a:endParaRPr lang="zh-CN" altLang="en-US" dirty="0"/>
+          </a:p>
+        </p:txBody>
+      </p:sp>
+      <p:sp>
+        <p:nvSpPr>
+          <p:cNvPr id="10" name="矩形 9"/>
+          <p:cNvSpPr/>
+          <p:nvPr/>
+        </p:nvSpPr>
+        <p:spPr>
+          <a:xfrm>
+            <a:off x="5019240" y="3860908"/>
+            <a:ext cx="3040931" cy="626165"/>
+          </a:xfrm>
+          <a:prstGeom prst="rect">
+            <a:avLst/>
+          </a:prstGeom>
+        </p:spPr>
+        <p:style>
+          <a:lnRef idx="2">
+            <a:schemeClr val="accent5">
+              <a:shade val="50000"/>
+            </a:schemeClr>
+          </a:lnRef>
+          <a:fillRef idx="1">
+            <a:schemeClr val="accent5"/>
+          </a:fillRef>
+          <a:effectRef idx="0">
+            <a:schemeClr val="accent5"/>
+          </a:effectRef>
+          <a:fontRef idx="minor">
+            <a:schemeClr val="lt1"/>
+          </a:fontRef>
+        </p:style>
+        <p:txBody>
+          <a:bodyPr rtlCol="0" anchor="ctr"/>
+          <a:lstStyle/>
+          <a:p>
+            <a:pPr algn="ctr"/>
+            <a:r>
+              <a:rPr lang="zh-CN" altLang="en-US" dirty="0" smtClean="0"/>
+              <a:t>执行渲染</a:t>
+            </a:r>
+            <a:endParaRPr lang="zh-CN" altLang="en-US" dirty="0"/>
+          </a:p>
+        </p:txBody>
+      </p:sp>
+      <p:sp>
+        <p:nvSpPr>
+          <p:cNvPr id="11" name="矩形 10"/>
+          <p:cNvSpPr/>
+          <p:nvPr/>
+        </p:nvSpPr>
+        <p:spPr>
+          <a:xfrm>
+            <a:off x="7492838" y="347869"/>
+            <a:ext cx="1999033" cy="626165"/>
+          </a:xfrm>
+          <a:prstGeom prst="rect">
+            <a:avLst/>
+          </a:prstGeom>
+        </p:spPr>
+        <p:style>
+          <a:lnRef idx="2">
+            <a:schemeClr val="accent5">
+              <a:shade val="50000"/>
+            </a:schemeClr>
+          </a:lnRef>
+          <a:fillRef idx="1">
+            <a:schemeClr val="accent5"/>
+          </a:fillRef>
+          <a:effectRef idx="0">
+            <a:schemeClr val="accent5"/>
+          </a:effectRef>
+          <a:fontRef idx="minor">
+            <a:schemeClr val="lt1"/>
+          </a:fontRef>
+        </p:style>
+        <p:txBody>
+          <a:bodyPr rtlCol="0" anchor="ctr"/>
+          <a:lstStyle/>
+          <a:p>
+            <a:pPr algn="ctr"/>
+            <a:r>
+              <a:rPr lang="zh-CN" altLang="en-US" dirty="0" smtClean="0"/>
+              <a:t>清除历史切片数据与渲染数据</a:t>
+            </a:r>
+            <a:endParaRPr lang="zh-CN" altLang="en-US" dirty="0"/>
+          </a:p>
+        </p:txBody>
+      </p:sp>
+      <p:cxnSp>
+        <p:nvCxnSpPr>
+          <p:cNvPr id="13" name="直接箭头连接符 12"/>
+          <p:cNvCxnSpPr>
+            <a:stCxn id="4" idx="3"/>
+            <a:endCxn id="11" idx="1"/>
+          </p:cNvCxnSpPr>
+          <p:nvPr/>
+        </p:nvCxnSpPr>
+        <p:spPr>
+          <a:xfrm>
+            <a:off x="5586575" y="660952"/>
+            <a:ext cx="1906263" cy="0"/>
+          </a:xfrm>
+          <a:prstGeom prst="straightConnector1">
+            <a:avLst/>
+          </a:prstGeom>
+          <a:ln>
+            <a:tailEnd type="triangle"/>
+          </a:ln>
+        </p:spPr>
+        <p:style>
+          <a:lnRef idx="2">
+            <a:schemeClr val="accent5">
+              <a:shade val="50000"/>
+            </a:schemeClr>
+          </a:lnRef>
+          <a:fillRef idx="1">
+            <a:schemeClr val="accent5"/>
+          </a:fillRef>
+          <a:effectRef idx="0">
+            <a:schemeClr val="accent5"/>
+          </a:effectRef>
+          <a:fontRef idx="minor">
+            <a:schemeClr val="lt1"/>
+          </a:fontRef>
+        </p:style>
+      </p:cxnSp>
+      <p:cxnSp>
+        <p:nvCxnSpPr>
+          <p:cNvPr id="16" name="直接箭头连接符 15"/>
+          <p:cNvCxnSpPr>
+            <a:stCxn id="11" idx="2"/>
+            <a:endCxn id="6" idx="0"/>
+          </p:cNvCxnSpPr>
+          <p:nvPr/>
+        </p:nvCxnSpPr>
+        <p:spPr>
+          <a:xfrm flipH="1">
+            <a:off x="8492354" y="974034"/>
+            <a:ext cx="1" cy="544580"/>
+          </a:xfrm>
+          <a:prstGeom prst="straightConnector1">
+            <a:avLst/>
+          </a:prstGeom>
+          <a:ln>
+            <a:tailEnd type="triangle"/>
+          </a:ln>
+        </p:spPr>
+        <p:style>
+          <a:lnRef idx="2">
+            <a:schemeClr val="accent5">
+              <a:shade val="50000"/>
+            </a:schemeClr>
+          </a:lnRef>
+          <a:fillRef idx="1">
+            <a:schemeClr val="accent5"/>
+          </a:fillRef>
+          <a:effectRef idx="0">
+            <a:schemeClr val="accent5"/>
+          </a:effectRef>
+          <a:fontRef idx="minor">
+            <a:schemeClr val="lt1"/>
+          </a:fontRef>
+        </p:style>
+      </p:cxnSp>
+      <p:sp>
+        <p:nvSpPr>
+          <p:cNvPr id="22" name="矩形 21"/>
+          <p:cNvSpPr/>
+          <p:nvPr/>
+        </p:nvSpPr>
+        <p:spPr>
+          <a:xfrm>
+            <a:off x="3116304" y="1518613"/>
+            <a:ext cx="2782959" cy="626165"/>
+          </a:xfrm>
+          <a:prstGeom prst="rect">
+            <a:avLst/>
+          </a:prstGeom>
+        </p:spPr>
+        <p:style>
+          <a:lnRef idx="2">
+            <a:schemeClr val="accent5">
+              <a:shade val="50000"/>
+            </a:schemeClr>
+          </a:lnRef>
+          <a:fillRef idx="1">
+            <a:schemeClr val="accent5"/>
+          </a:fillRef>
+          <a:effectRef idx="0">
+            <a:schemeClr val="accent5"/>
+          </a:effectRef>
+          <a:fontRef idx="minor">
+            <a:schemeClr val="lt1"/>
+          </a:fontRef>
+        </p:style>
+        <p:txBody>
+          <a:bodyPr rtlCol="0" anchor="ctr"/>
+          <a:lstStyle/>
+          <a:p>
+            <a:pPr algn="ctr"/>
+            <a:r>
+              <a:rPr lang="zh-CN" altLang="en-US" dirty="0"/>
+              <a:t>根据相应算法计算出每层的轮廓数据</a:t>
+            </a:r>
+            <a:endParaRPr lang="zh-CN" altLang="en-US" dirty="0"/>
+          </a:p>
+        </p:txBody>
+      </p:sp>
+      <p:cxnSp>
+        <p:nvCxnSpPr>
+          <p:cNvPr id="23" name="直接箭头连接符 22"/>
+          <p:cNvCxnSpPr>
+            <a:stCxn id="6" idx="1"/>
+            <a:endCxn id="22" idx="3"/>
+          </p:cNvCxnSpPr>
+          <p:nvPr/>
+        </p:nvCxnSpPr>
+        <p:spPr>
+          <a:xfrm flipH="1" flipV="1">
+            <a:off x="5899263" y="1831696"/>
+            <a:ext cx="1201611" cy="1"/>
+          </a:xfrm>
+          <a:prstGeom prst="straightConnector1">
+            <a:avLst/>
+          </a:prstGeom>
+          <a:ln>
+            <a:tailEnd type="triangle"/>
+          </a:ln>
+        </p:spPr>
+        <p:style>
+          <a:lnRef idx="2">
+            <a:schemeClr val="accent5">
+              <a:shade val="50000"/>
+            </a:schemeClr>
+          </a:lnRef>
+          <a:fillRef idx="1">
+            <a:schemeClr val="accent5"/>
+          </a:fillRef>
+          <a:effectRef idx="0">
+            <a:schemeClr val="accent5"/>
+          </a:effectRef>
+          <a:fontRef idx="minor">
+            <a:schemeClr val="lt1"/>
+          </a:fontRef>
+        </p:style>
+      </p:cxnSp>
+      <p:cxnSp>
+        <p:nvCxnSpPr>
+          <p:cNvPr id="26" name="直接箭头连接符 25"/>
+          <p:cNvCxnSpPr>
+            <a:stCxn id="22" idx="2"/>
+            <a:endCxn id="8" idx="0"/>
+          </p:cNvCxnSpPr>
+          <p:nvPr/>
+        </p:nvCxnSpPr>
+        <p:spPr>
+          <a:xfrm>
+            <a:off x="4507784" y="2144778"/>
+            <a:ext cx="1" cy="544577"/>
+          </a:xfrm>
+          <a:prstGeom prst="straightConnector1">
+            <a:avLst/>
+          </a:prstGeom>
+          <a:ln>
+            <a:tailEnd type="triangle"/>
+          </a:ln>
+        </p:spPr>
+        <p:style>
+          <a:lnRef idx="2">
+            <a:schemeClr val="accent5">
+              <a:shade val="50000"/>
+            </a:schemeClr>
+          </a:lnRef>
+          <a:fillRef idx="1">
+            <a:schemeClr val="accent5"/>
+          </a:fillRef>
+          <a:effectRef idx="0">
+            <a:schemeClr val="accent5"/>
+          </a:effectRef>
+          <a:fontRef idx="minor">
+            <a:schemeClr val="lt1"/>
+          </a:fontRef>
+        </p:style>
+      </p:cxnSp>
+      <p:cxnSp>
+        <p:nvCxnSpPr>
+          <p:cNvPr id="29" name="直接箭头连接符 28"/>
+          <p:cNvCxnSpPr>
+            <a:stCxn id="8" idx="3"/>
+            <a:endCxn id="9" idx="1"/>
+          </p:cNvCxnSpPr>
+          <p:nvPr/>
+        </p:nvCxnSpPr>
+        <p:spPr>
+          <a:xfrm flipV="1">
+            <a:off x="6028250" y="3002437"/>
+            <a:ext cx="943637" cy="1"/>
+          </a:xfrm>
+          <a:prstGeom prst="straightConnector1">
+            <a:avLst/>
+          </a:prstGeom>
+          <a:ln>
+            <a:tailEnd type="triangle"/>
+          </a:ln>
+        </p:spPr>
+        <p:style>
+          <a:lnRef idx="2">
+            <a:schemeClr val="accent5">
+              <a:shade val="50000"/>
+            </a:schemeClr>
+          </a:lnRef>
+          <a:fillRef idx="1">
+            <a:schemeClr val="accent5"/>
+          </a:fillRef>
+          <a:effectRef idx="0">
+            <a:schemeClr val="accent5"/>
+          </a:effectRef>
+          <a:fontRef idx="minor">
+            <a:schemeClr val="lt1"/>
+          </a:fontRef>
+        </p:style>
+      </p:cxnSp>
+      <p:cxnSp>
+        <p:nvCxnSpPr>
+          <p:cNvPr id="34" name="肘形连接符 33"/>
+          <p:cNvCxnSpPr>
+            <a:stCxn id="9" idx="2"/>
+            <a:endCxn id="10" idx="3"/>
+          </p:cNvCxnSpPr>
+          <p:nvPr/>
+        </p:nvCxnSpPr>
+        <p:spPr>
+          <a:xfrm rot="5400000">
+            <a:off x="7847026" y="3528664"/>
+            <a:ext cx="858472" cy="432182"/>
+          </a:xfrm>
+          <a:prstGeom prst="bentConnector2">
+            <a:avLst/>
+          </a:prstGeom>
+          <a:ln>
+            <a:tailEnd type="triangle"/>
+          </a:ln>
+        </p:spPr>
+        <p:style>
+          <a:lnRef idx="2">
+            <a:schemeClr val="accent5">
+              <a:shade val="50000"/>
+            </a:schemeClr>
+          </a:lnRef>
+          <a:fillRef idx="1">
+            <a:schemeClr val="accent5"/>
+          </a:fillRef>
+          <a:effectRef idx="0">
+            <a:schemeClr val="accent5"/>
+          </a:effectRef>
+          <a:fontRef idx="minor">
+            <a:schemeClr val="lt1"/>
+          </a:fontRef>
+        </p:style>
+      </p:cxnSp>
+    </p:spTree>
+    <p:extLst>
+      <p:ext uri="{BB962C8B-B14F-4D97-AF65-F5344CB8AC3E}">
+        <p14:creationId xmlns:p14="http://schemas.microsoft.com/office/powerpoint/2010/main" val="1188882280"/>
       </p:ext>
     </p:extLst>
   </p:cSld>

--- a/论文涉及图片.pptx
+++ b/论文涉及图片.pptx
@@ -25,6 +25,9 @@
     <p:sldId id="273" r:id="rId19"/>
     <p:sldId id="274" r:id="rId20"/>
     <p:sldId id="275" r:id="rId21"/>
+    <p:sldId id="276" r:id="rId22"/>
+    <p:sldId id="277" r:id="rId23"/>
+    <p:sldId id="278" r:id="rId24"/>
   </p:sldIdLst>
   <p:sldSz cx="12192000" cy="6858000"/>
   <p:notesSz cx="6858000" cy="9144000"/>
@@ -220,6 +223,21 @@
           <p14:sldIdLst>
             <p14:sldId id="274"/>
             <p14:sldId id="275"/>
+          </p14:sldIdLst>
+        </p14:section>
+        <p14:section name="新旧轮廓存储格式" id="{0A5EEDA3-7A09-4488-A870-4D746AC0F12A}">
+          <p14:sldIdLst>
+            <p14:sldId id="276"/>
+          </p14:sldIdLst>
+        </p14:section>
+        <p14:section name="内外轮廓判别过程" id="{04B5D407-862D-4F31-81E5-A7238F9ACE5A}">
+          <p14:sldIdLst>
+            <p14:sldId id="277"/>
+          </p14:sldIdLst>
+        </p14:section>
+        <p14:section name="水平扫描填充算法实际流程" id="{1818DD55-B4FB-48A8-9675-77FE1423188A}">
+          <p14:sldIdLst>
+            <p14:sldId id="278"/>
           </p14:sldIdLst>
         </p14:section>
       </p14:sectionLst>
@@ -14228,7 +14246,6 @@
               <a:rPr lang="zh-CN" altLang="en-US" dirty="0"/>
               <a:t>根据相应算法计算出每层的轮廓数据</a:t>
             </a:r>
-            <a:endParaRPr lang="zh-CN" altLang="en-US" dirty="0"/>
           </a:p>
         </p:txBody>
       </p:sp>
@@ -14388,6 +14405,2758 @@
     <p:extLst>
       <p:ext uri="{BB962C8B-B14F-4D97-AF65-F5344CB8AC3E}">
         <p14:creationId xmlns:p14="http://schemas.microsoft.com/office/powerpoint/2010/main" val="1188882280"/>
+      </p:ext>
+    </p:extLst>
+  </p:cSld>
+  <p:clrMapOvr>
+    <a:masterClrMapping/>
+  </p:clrMapOvr>
+</p:sld>
+</file>
+
+<file path=ppt/slides/slide21.xml><?xml version="1.0" encoding="utf-8"?>
+<p:sld xmlns:a="http://schemas.openxmlformats.org/drawingml/2006/main" xmlns:r="http://schemas.openxmlformats.org/officeDocument/2006/relationships" xmlns:p="http://schemas.openxmlformats.org/presentationml/2006/main">
+  <p:cSld>
+    <p:spTree>
+      <p:nvGrpSpPr>
+        <p:cNvPr id="1" name=""/>
+        <p:cNvGrpSpPr/>
+        <p:nvPr/>
+      </p:nvGrpSpPr>
+      <p:grpSpPr>
+        <a:xfrm>
+          <a:off x="0" y="0"/>
+          <a:ext cx="0" cy="0"/>
+          <a:chOff x="0" y="0"/>
+          <a:chExt cx="0" cy="0"/>
+        </a:xfrm>
+      </p:grpSpPr>
+      <p:sp>
+        <p:nvSpPr>
+          <p:cNvPr id="4" name="剪去单角的矩形 3"/>
+          <p:cNvSpPr/>
+          <p:nvPr/>
+        </p:nvSpPr>
+        <p:spPr>
+          <a:xfrm>
+            <a:off x="2107094" y="1470991"/>
+            <a:ext cx="3081132" cy="1789043"/>
+          </a:xfrm>
+          <a:prstGeom prst="snip1Rect">
+            <a:avLst/>
+          </a:prstGeom>
+        </p:spPr>
+        <p:style>
+          <a:lnRef idx="2">
+            <a:schemeClr val="accent3">
+              <a:shade val="50000"/>
+            </a:schemeClr>
+          </a:lnRef>
+          <a:fillRef idx="1">
+            <a:schemeClr val="accent3"/>
+          </a:fillRef>
+          <a:effectRef idx="0">
+            <a:schemeClr val="accent3"/>
+          </a:effectRef>
+          <a:fontRef idx="minor">
+            <a:schemeClr val="lt1"/>
+          </a:fontRef>
+        </p:style>
+        <p:txBody>
+          <a:bodyPr rtlCol="0" anchor="ctr"/>
+          <a:lstStyle/>
+          <a:p>
+            <a:pPr algn="just"/>
+            <a:r>
+              <a:rPr lang="zh-CN" altLang="en-US" dirty="0" smtClean="0"/>
+              <a:t>旧轮廓数据：</a:t>
+            </a:r>
+            <a:endParaRPr lang="en-US" altLang="zh-CN" dirty="0" smtClean="0"/>
+          </a:p>
+          <a:p>
+            <a:pPr algn="just"/>
+            <a:r>
+              <a:rPr lang="en-US" altLang="zh-CN" dirty="0" smtClean="0"/>
+              <a:t>[</a:t>
+            </a:r>
+            <a:r>
+              <a:rPr lang="zh-CN" altLang="en-US" dirty="0" smtClean="0"/>
+              <a:t>轮廓</a:t>
+            </a:r>
+            <a:r>
+              <a:rPr lang="en-US" altLang="zh-CN" dirty="0" smtClean="0"/>
+              <a:t>1</a:t>
+            </a:r>
+            <a:r>
+              <a:rPr lang="en-US" altLang="zh-CN" dirty="0"/>
+              <a:t>:</a:t>
+            </a:r>
+            <a:r>
+              <a:rPr lang="en-US" altLang="zh-CN" dirty="0" smtClean="0"/>
+              <a:t>[</a:t>
+            </a:r>
+            <a:r>
+              <a:rPr lang="zh-CN" altLang="en-US" dirty="0" smtClean="0"/>
+              <a:t>点</a:t>
+            </a:r>
+            <a:r>
+              <a:rPr lang="en-US" altLang="zh-CN" dirty="0" smtClean="0"/>
+              <a:t>1</a:t>
+            </a:r>
+            <a:r>
+              <a:rPr lang="en-US" altLang="zh-CN" dirty="0"/>
+              <a:t>,</a:t>
+            </a:r>
+            <a:r>
+              <a:rPr lang="zh-CN" altLang="en-US" dirty="0" smtClean="0"/>
+              <a:t>点</a:t>
+            </a:r>
+            <a:r>
+              <a:rPr lang="en-US" altLang="zh-CN" dirty="0" smtClean="0"/>
+              <a:t>2</a:t>
+            </a:r>
+            <a:r>
+              <a:rPr lang="en-US" altLang="zh-CN" dirty="0"/>
+              <a:t>,</a:t>
+            </a:r>
+            <a:r>
+              <a:rPr lang="zh-CN" altLang="en-US" dirty="0" smtClean="0"/>
+              <a:t>点</a:t>
+            </a:r>
+            <a:r>
+              <a:rPr lang="en-US" altLang="zh-CN" dirty="0" smtClean="0"/>
+              <a:t>3……],</a:t>
+            </a:r>
+          </a:p>
+          <a:p>
+            <a:pPr algn="just"/>
+            <a:r>
+              <a:rPr lang="zh-CN" altLang="en-US" dirty="0" smtClean="0"/>
+              <a:t>轮廓</a:t>
+            </a:r>
+            <a:r>
+              <a:rPr lang="en-US" altLang="zh-CN" dirty="0" smtClean="0"/>
+              <a:t>2:[</a:t>
+            </a:r>
+            <a:r>
+              <a:rPr lang="zh-CN" altLang="en-US" dirty="0" smtClean="0"/>
+              <a:t>点</a:t>
+            </a:r>
+            <a:r>
+              <a:rPr lang="en-US" altLang="zh-CN" dirty="0" smtClean="0"/>
+              <a:t>1,</a:t>
+            </a:r>
+            <a:r>
+              <a:rPr lang="zh-CN" altLang="en-US" dirty="0" smtClean="0"/>
+              <a:t>点</a:t>
+            </a:r>
+            <a:r>
+              <a:rPr lang="en-US" altLang="zh-CN" dirty="0" smtClean="0"/>
+              <a:t>2,</a:t>
+            </a:r>
+            <a:r>
+              <a:rPr lang="zh-CN" altLang="en-US" dirty="0" smtClean="0"/>
+              <a:t>点</a:t>
+            </a:r>
+            <a:r>
+              <a:rPr lang="en-US" altLang="zh-CN" dirty="0" smtClean="0"/>
+              <a:t>3……]……]</a:t>
+            </a:r>
+          </a:p>
+        </p:txBody>
+      </p:sp>
+      <p:sp>
+        <p:nvSpPr>
+          <p:cNvPr id="5" name="剪去单角的矩形 4"/>
+          <p:cNvSpPr/>
+          <p:nvPr/>
+        </p:nvSpPr>
+        <p:spPr>
+          <a:xfrm>
+            <a:off x="5519528" y="1470991"/>
+            <a:ext cx="4598507" cy="1789043"/>
+          </a:xfrm>
+          <a:prstGeom prst="snip1Rect">
+            <a:avLst/>
+          </a:prstGeom>
+        </p:spPr>
+        <p:style>
+          <a:lnRef idx="2">
+            <a:schemeClr val="accent6">
+              <a:shade val="50000"/>
+            </a:schemeClr>
+          </a:lnRef>
+          <a:fillRef idx="1">
+            <a:schemeClr val="accent6"/>
+          </a:fillRef>
+          <a:effectRef idx="0">
+            <a:schemeClr val="accent6"/>
+          </a:effectRef>
+          <a:fontRef idx="minor">
+            <a:schemeClr val="lt1"/>
+          </a:fontRef>
+        </p:style>
+        <p:txBody>
+          <a:bodyPr rtlCol="0" anchor="ctr"/>
+          <a:lstStyle/>
+          <a:p>
+            <a:pPr algn="just"/>
+            <a:r>
+              <a:rPr lang="zh-CN" altLang="en-US" dirty="0"/>
+              <a:t>新</a:t>
+            </a:r>
+            <a:r>
+              <a:rPr lang="zh-CN" altLang="en-US" dirty="0" smtClean="0"/>
+              <a:t>轮廓数据：</a:t>
+            </a:r>
+            <a:endParaRPr lang="en-US" altLang="zh-CN" dirty="0" smtClean="0"/>
+          </a:p>
+          <a:p>
+            <a:pPr algn="just"/>
+            <a:r>
+              <a:rPr lang="en-US" altLang="zh-CN" dirty="0" smtClean="0"/>
+              <a:t>[</a:t>
+            </a:r>
+            <a:r>
+              <a:rPr lang="zh-CN" altLang="en-US" dirty="0" smtClean="0"/>
+              <a:t>轮廓</a:t>
+            </a:r>
+            <a:r>
+              <a:rPr lang="en-US" altLang="zh-CN" dirty="0" smtClean="0"/>
+              <a:t>1:{xMin,xMax,yMin,yMax,</a:t>
+            </a:r>
+            <a:r>
+              <a:rPr lang="zh-CN" altLang="en-US" dirty="0" smtClean="0"/>
+              <a:t>轮廓边数据</a:t>
+            </a:r>
+            <a:r>
+              <a:rPr lang="en-US" altLang="zh-CN" dirty="0" smtClean="0"/>
+              <a:t>},</a:t>
+            </a:r>
+            <a:r>
+              <a:rPr lang="zh-CN" altLang="en-US" dirty="0" smtClean="0"/>
+              <a:t>轮廓</a:t>
+            </a:r>
+            <a:r>
+              <a:rPr lang="en-US" altLang="zh-CN" dirty="0" smtClean="0"/>
+              <a:t>2</a:t>
+            </a:r>
+            <a:r>
+              <a:rPr lang="en-US" altLang="zh-CN" dirty="0"/>
+              <a:t> :{xMin,xMax,yMin,yMax,</a:t>
+            </a:r>
+            <a:r>
+              <a:rPr lang="zh-CN" altLang="en-US" dirty="0"/>
+              <a:t>轮廓边数据</a:t>
+            </a:r>
+            <a:r>
+              <a:rPr lang="en-US" altLang="zh-CN" dirty="0" smtClean="0"/>
+              <a:t>}</a:t>
+            </a:r>
+          </a:p>
+          <a:p>
+            <a:pPr algn="just"/>
+            <a:r>
+              <a:rPr lang="en-US" altLang="zh-CN" dirty="0" smtClean="0"/>
+              <a:t>……]</a:t>
+            </a:r>
+          </a:p>
+        </p:txBody>
+      </p:sp>
+    </p:spTree>
+    <p:extLst>
+      <p:ext uri="{BB962C8B-B14F-4D97-AF65-F5344CB8AC3E}">
+        <p14:creationId xmlns:p14="http://schemas.microsoft.com/office/powerpoint/2010/main" val="3616750005"/>
+      </p:ext>
+    </p:extLst>
+  </p:cSld>
+  <p:clrMapOvr>
+    <a:masterClrMapping/>
+  </p:clrMapOvr>
+</p:sld>
+</file>
+
+<file path=ppt/slides/slide22.xml><?xml version="1.0" encoding="utf-8"?>
+<p:sld xmlns:a="http://schemas.openxmlformats.org/drawingml/2006/main" xmlns:r="http://schemas.openxmlformats.org/officeDocument/2006/relationships" xmlns:p="http://schemas.openxmlformats.org/presentationml/2006/main">
+  <p:cSld>
+    <p:spTree>
+      <p:nvGrpSpPr>
+        <p:cNvPr id="1" name=""/>
+        <p:cNvGrpSpPr/>
+        <p:nvPr/>
+      </p:nvGrpSpPr>
+      <p:grpSpPr>
+        <a:xfrm>
+          <a:off x="0" y="0"/>
+          <a:ext cx="0" cy="0"/>
+          <a:chOff x="0" y="0"/>
+          <a:chExt cx="0" cy="0"/>
+        </a:xfrm>
+      </p:grpSpPr>
+      <p:sp>
+        <p:nvSpPr>
+          <p:cNvPr id="4" name="圆角矩形 3"/>
+          <p:cNvSpPr/>
+          <p:nvPr/>
+        </p:nvSpPr>
+        <p:spPr>
+          <a:xfrm>
+            <a:off x="93587" y="566529"/>
+            <a:ext cx="2345635" cy="1172817"/>
+          </a:xfrm>
+          <a:prstGeom prst="roundRect">
+            <a:avLst/>
+          </a:prstGeom>
+        </p:spPr>
+        <p:style>
+          <a:lnRef idx="2">
+            <a:schemeClr val="accent5">
+              <a:shade val="50000"/>
+            </a:schemeClr>
+          </a:lnRef>
+          <a:fillRef idx="1">
+            <a:schemeClr val="accent5"/>
+          </a:fillRef>
+          <a:effectRef idx="0">
+            <a:schemeClr val="accent5"/>
+          </a:effectRef>
+          <a:fontRef idx="minor">
+            <a:schemeClr val="lt1"/>
+          </a:fontRef>
+        </p:style>
+        <p:txBody>
+          <a:bodyPr rtlCol="0" anchor="ctr"/>
+          <a:lstStyle/>
+          <a:p>
+            <a:pPr algn="ctr"/>
+            <a:r>
+              <a:rPr lang="zh-CN" altLang="en-US" dirty="0" smtClean="0"/>
+              <a:t>重建轮廓存储结构</a:t>
+            </a:r>
+            <a:endParaRPr lang="zh-CN" altLang="en-US" dirty="0"/>
+          </a:p>
+        </p:txBody>
+      </p:sp>
+      <p:sp>
+        <p:nvSpPr>
+          <p:cNvPr id="5" name="圆角矩形 4"/>
+          <p:cNvSpPr/>
+          <p:nvPr/>
+        </p:nvSpPr>
+        <p:spPr>
+          <a:xfrm>
+            <a:off x="93587" y="2299252"/>
+            <a:ext cx="2773018" cy="1172817"/>
+          </a:xfrm>
+          <a:prstGeom prst="roundRect">
+            <a:avLst/>
+          </a:prstGeom>
+        </p:spPr>
+        <p:style>
+          <a:lnRef idx="2">
+            <a:schemeClr val="accent5">
+              <a:shade val="50000"/>
+            </a:schemeClr>
+          </a:lnRef>
+          <a:fillRef idx="1">
+            <a:schemeClr val="accent5"/>
+          </a:fillRef>
+          <a:effectRef idx="0">
+            <a:schemeClr val="accent5"/>
+          </a:effectRef>
+          <a:fontRef idx="minor">
+            <a:schemeClr val="lt1"/>
+          </a:fontRef>
+        </p:style>
+        <p:txBody>
+          <a:bodyPr rtlCol="0" anchor="ctr"/>
+          <a:lstStyle/>
+          <a:p>
+            <a:pPr algn="ctr"/>
+            <a:r>
+              <a:rPr lang="zh-CN" altLang="en-US" dirty="0" smtClean="0"/>
+              <a:t>遍历新轮廓数据，计算得到内外轮廓判别矩阵</a:t>
+            </a:r>
+            <a:r>
+              <a:rPr lang="en-US" altLang="zh-CN" dirty="0"/>
+              <a:t>distinguishMatrix</a:t>
+            </a:r>
+            <a:endParaRPr lang="zh-CN" altLang="en-US" dirty="0"/>
+          </a:p>
+        </p:txBody>
+      </p:sp>
+      <p:sp>
+        <p:nvSpPr>
+          <p:cNvPr id="6" name="圆角矩形 5"/>
+          <p:cNvSpPr/>
+          <p:nvPr/>
+        </p:nvSpPr>
+        <p:spPr>
+          <a:xfrm>
+            <a:off x="93583" y="4031975"/>
+            <a:ext cx="2773018" cy="1172817"/>
+          </a:xfrm>
+          <a:prstGeom prst="roundRect">
+            <a:avLst/>
+          </a:prstGeom>
+        </p:spPr>
+        <p:style>
+          <a:lnRef idx="2">
+            <a:schemeClr val="accent5">
+              <a:shade val="50000"/>
+            </a:schemeClr>
+          </a:lnRef>
+          <a:fillRef idx="1">
+            <a:schemeClr val="accent5"/>
+          </a:fillRef>
+          <a:effectRef idx="0">
+            <a:schemeClr val="accent5"/>
+          </a:effectRef>
+          <a:fontRef idx="minor">
+            <a:schemeClr val="lt1"/>
+          </a:fontRef>
+        </p:style>
+        <p:txBody>
+          <a:bodyPr rtlCol="0" anchor="ctr"/>
+          <a:lstStyle/>
+          <a:p>
+            <a:pPr algn="ctr"/>
+            <a:r>
+              <a:rPr lang="zh-CN" altLang="en-US" dirty="0" smtClean="0"/>
+              <a:t>遍历判别矩阵对轮廓数据进行合并</a:t>
+            </a:r>
+            <a:endParaRPr lang="zh-CN" altLang="en-US" dirty="0"/>
+          </a:p>
+        </p:txBody>
+      </p:sp>
+      <p:grpSp>
+        <p:nvGrpSpPr>
+          <p:cNvPr id="12" name="组合 11"/>
+          <p:cNvGrpSpPr/>
+          <p:nvPr/>
+        </p:nvGrpSpPr>
+        <p:grpSpPr>
+          <a:xfrm>
+            <a:off x="2932039" y="685796"/>
+            <a:ext cx="8942748" cy="924342"/>
+            <a:chOff x="2932039" y="685796"/>
+            <a:chExt cx="8942748" cy="924342"/>
+          </a:xfrm>
+        </p:grpSpPr>
+        <p:sp>
+          <p:nvSpPr>
+            <p:cNvPr id="7" name="矩形 6"/>
+            <p:cNvSpPr/>
+            <p:nvPr/>
+          </p:nvSpPr>
+          <p:spPr>
+            <a:xfrm>
+              <a:off x="2932039" y="695738"/>
+              <a:ext cx="914400" cy="914400"/>
+            </a:xfrm>
+            <a:prstGeom prst="rect">
+              <a:avLst/>
+            </a:prstGeom>
+          </p:spPr>
+          <p:style>
+            <a:lnRef idx="2">
+              <a:schemeClr val="accent3">
+                <a:shade val="50000"/>
+              </a:schemeClr>
+            </a:lnRef>
+            <a:fillRef idx="1">
+              <a:schemeClr val="accent3"/>
+            </a:fillRef>
+            <a:effectRef idx="0">
+              <a:schemeClr val="accent3"/>
+            </a:effectRef>
+            <a:fontRef idx="minor">
+              <a:schemeClr val="lt1"/>
+            </a:fontRef>
+          </p:style>
+          <p:txBody>
+            <a:bodyPr rtlCol="0" anchor="ctr"/>
+            <a:lstStyle/>
+            <a:p>
+              <a:pPr algn="ctr"/>
+              <a:r>
+                <a:rPr lang="zh-CN" altLang="en-US" dirty="0" smtClean="0"/>
+                <a:t>输入原始轮廓数据</a:t>
+              </a:r>
+              <a:endParaRPr lang="zh-CN" altLang="en-US" dirty="0"/>
+            </a:p>
+          </p:txBody>
+        </p:sp>
+        <p:sp>
+          <p:nvSpPr>
+            <p:cNvPr id="8" name="矩形 7"/>
+            <p:cNvSpPr/>
+            <p:nvPr/>
+          </p:nvSpPr>
+          <p:spPr>
+            <a:xfrm>
+              <a:off x="4440306" y="695737"/>
+              <a:ext cx="914400" cy="914400"/>
+            </a:xfrm>
+            <a:prstGeom prst="rect">
+              <a:avLst/>
+            </a:prstGeom>
+          </p:spPr>
+          <p:style>
+            <a:lnRef idx="2">
+              <a:schemeClr val="accent3">
+                <a:shade val="50000"/>
+              </a:schemeClr>
+            </a:lnRef>
+            <a:fillRef idx="1">
+              <a:schemeClr val="accent3"/>
+            </a:fillRef>
+            <a:effectRef idx="0">
+              <a:schemeClr val="accent3"/>
+            </a:effectRef>
+            <a:fontRef idx="minor">
+              <a:schemeClr val="lt1"/>
+            </a:fontRef>
+          </p:style>
+          <p:txBody>
+            <a:bodyPr rtlCol="0" anchor="ctr"/>
+            <a:lstStyle/>
+            <a:p>
+              <a:pPr algn="ctr"/>
+              <a:r>
+                <a:rPr lang="zh-CN" altLang="en-US" dirty="0" smtClean="0"/>
+                <a:t>遍历每个轮廓</a:t>
+              </a:r>
+              <a:endParaRPr lang="zh-CN" altLang="en-US" dirty="0"/>
+            </a:p>
+          </p:txBody>
+        </p:sp>
+        <p:sp>
+          <p:nvSpPr>
+            <p:cNvPr id="9" name="矩形 8"/>
+            <p:cNvSpPr/>
+            <p:nvPr/>
+          </p:nvSpPr>
+          <p:spPr>
+            <a:xfrm>
+              <a:off x="5948573" y="695737"/>
+              <a:ext cx="1097447" cy="914400"/>
+            </a:xfrm>
+            <a:prstGeom prst="rect">
+              <a:avLst/>
+            </a:prstGeom>
+          </p:spPr>
+          <p:style>
+            <a:lnRef idx="2">
+              <a:schemeClr val="accent3">
+                <a:shade val="50000"/>
+              </a:schemeClr>
+            </a:lnRef>
+            <a:fillRef idx="1">
+              <a:schemeClr val="accent3"/>
+            </a:fillRef>
+            <a:effectRef idx="0">
+              <a:schemeClr val="accent3"/>
+            </a:effectRef>
+            <a:fontRef idx="minor">
+              <a:schemeClr val="lt1"/>
+            </a:fontRef>
+          </p:style>
+          <p:txBody>
+            <a:bodyPr rtlCol="0" anchor="ctr"/>
+            <a:lstStyle/>
+            <a:p>
+              <a:pPr algn="ctr"/>
+              <a:r>
+                <a:rPr lang="zh-CN" altLang="en-US" dirty="0" smtClean="0"/>
+                <a:t>遍历轮廓中的点</a:t>
+              </a:r>
+              <a:endParaRPr lang="zh-CN" altLang="en-US" dirty="0"/>
+            </a:p>
+          </p:txBody>
+        </p:sp>
+        <p:sp>
+          <p:nvSpPr>
+            <p:cNvPr id="10" name="矩形 9"/>
+            <p:cNvSpPr/>
+            <p:nvPr/>
+          </p:nvSpPr>
+          <p:spPr>
+            <a:xfrm>
+              <a:off x="7639887" y="685796"/>
+              <a:ext cx="2448339" cy="914400"/>
+            </a:xfrm>
+            <a:prstGeom prst="rect">
+              <a:avLst/>
+            </a:prstGeom>
+          </p:spPr>
+          <p:style>
+            <a:lnRef idx="2">
+              <a:schemeClr val="accent3">
+                <a:shade val="50000"/>
+              </a:schemeClr>
+            </a:lnRef>
+            <a:fillRef idx="1">
+              <a:schemeClr val="accent3"/>
+            </a:fillRef>
+            <a:effectRef idx="0">
+              <a:schemeClr val="accent3"/>
+            </a:effectRef>
+            <a:fontRef idx="minor">
+              <a:schemeClr val="lt1"/>
+            </a:fontRef>
+          </p:style>
+          <p:txBody>
+            <a:bodyPr rtlCol="0" anchor="ctr"/>
+            <a:lstStyle/>
+            <a:p>
+              <a:pPr algn="ctr"/>
+              <a:r>
+                <a:rPr lang="zh-CN" altLang="en-US" dirty="0" smtClean="0"/>
+                <a:t>记录轮廓范围的</a:t>
+              </a:r>
+              <a:r>
+                <a:rPr lang="en-US" altLang="zh-CN" dirty="0" smtClean="0"/>
+                <a:t>xMin</a:t>
+              </a:r>
+              <a:r>
+                <a:rPr lang="zh-CN" altLang="en-US" dirty="0" smtClean="0"/>
+                <a:t>、</a:t>
+              </a:r>
+              <a:r>
+                <a:rPr lang="en-US" altLang="zh-CN" dirty="0" smtClean="0"/>
+                <a:t>xMax</a:t>
+              </a:r>
+              <a:r>
+                <a:rPr lang="zh-CN" altLang="en-US" dirty="0" smtClean="0"/>
+                <a:t>、</a:t>
+              </a:r>
+              <a:r>
+                <a:rPr lang="en-US" altLang="zh-CN" dirty="0" smtClean="0"/>
+                <a:t>yMin</a:t>
+              </a:r>
+              <a:r>
+                <a:rPr lang="zh-CN" altLang="en-US" dirty="0" smtClean="0"/>
+                <a:t>、</a:t>
+              </a:r>
+              <a:r>
+                <a:rPr lang="en-US" altLang="zh-CN" dirty="0" smtClean="0"/>
+                <a:t>yMax</a:t>
+              </a:r>
+              <a:r>
+                <a:rPr lang="zh-CN" altLang="en-US" dirty="0" smtClean="0"/>
+                <a:t>，同时记录轮廓边数据</a:t>
+              </a:r>
+              <a:endParaRPr lang="zh-CN" altLang="en-US" dirty="0"/>
+            </a:p>
+          </p:txBody>
+        </p:sp>
+        <p:sp>
+          <p:nvSpPr>
+            <p:cNvPr id="11" name="矩形 10"/>
+            <p:cNvSpPr/>
+            <p:nvPr/>
+          </p:nvSpPr>
+          <p:spPr>
+            <a:xfrm>
+              <a:off x="10682093" y="695737"/>
+              <a:ext cx="1192694" cy="914400"/>
+            </a:xfrm>
+            <a:prstGeom prst="rect">
+              <a:avLst/>
+            </a:prstGeom>
+          </p:spPr>
+          <p:style>
+            <a:lnRef idx="2">
+              <a:schemeClr val="accent3">
+                <a:shade val="50000"/>
+              </a:schemeClr>
+            </a:lnRef>
+            <a:fillRef idx="1">
+              <a:schemeClr val="accent3"/>
+            </a:fillRef>
+            <a:effectRef idx="0">
+              <a:schemeClr val="accent3"/>
+            </a:effectRef>
+            <a:fontRef idx="minor">
+              <a:schemeClr val="lt1"/>
+            </a:fontRef>
+          </p:style>
+          <p:txBody>
+            <a:bodyPr rtlCol="0" anchor="ctr"/>
+            <a:lstStyle/>
+            <a:p>
+              <a:pPr algn="ctr"/>
+              <a:r>
+                <a:rPr lang="zh-CN" altLang="en-US" dirty="0" smtClean="0"/>
+                <a:t>得到新的轮廓结构</a:t>
+              </a:r>
+              <a:endParaRPr lang="zh-CN" altLang="en-US" dirty="0"/>
+            </a:p>
+          </p:txBody>
+        </p:sp>
+      </p:grpSp>
+      <p:sp>
+        <p:nvSpPr>
+          <p:cNvPr id="13" name="矩形 12"/>
+          <p:cNvSpPr/>
+          <p:nvPr/>
+        </p:nvSpPr>
+        <p:spPr>
+          <a:xfrm>
+            <a:off x="3536256" y="2428460"/>
+            <a:ext cx="1145489" cy="914400"/>
+          </a:xfrm>
+          <a:prstGeom prst="rect">
+            <a:avLst/>
+          </a:prstGeom>
+        </p:spPr>
+        <p:style>
+          <a:lnRef idx="2">
+            <a:schemeClr val="accent3">
+              <a:shade val="50000"/>
+            </a:schemeClr>
+          </a:lnRef>
+          <a:fillRef idx="1">
+            <a:schemeClr val="accent3"/>
+          </a:fillRef>
+          <a:effectRef idx="0">
+            <a:schemeClr val="accent3"/>
+          </a:effectRef>
+          <a:fontRef idx="minor">
+            <a:schemeClr val="lt1"/>
+          </a:fontRef>
+        </p:style>
+        <p:txBody>
+          <a:bodyPr rtlCol="0" anchor="ctr"/>
+          <a:lstStyle/>
+          <a:p>
+            <a:pPr algn="ctr"/>
+            <a:r>
+              <a:rPr lang="zh-CN" altLang="en-US" dirty="0" smtClean="0"/>
+              <a:t>双层循环遍历新轮廓数据</a:t>
+            </a:r>
+            <a:endParaRPr lang="zh-CN" altLang="en-US" dirty="0"/>
+          </a:p>
+        </p:txBody>
+      </p:sp>
+      <p:sp>
+        <p:nvSpPr>
+          <p:cNvPr id="14" name="矩形 13"/>
+          <p:cNvSpPr/>
+          <p:nvPr/>
+        </p:nvSpPr>
+        <p:spPr>
+          <a:xfrm>
+            <a:off x="5351396" y="2428460"/>
+            <a:ext cx="2601569" cy="914400"/>
+          </a:xfrm>
+          <a:prstGeom prst="rect">
+            <a:avLst/>
+          </a:prstGeom>
+        </p:spPr>
+        <p:style>
+          <a:lnRef idx="2">
+            <a:schemeClr val="accent3">
+              <a:shade val="50000"/>
+            </a:schemeClr>
+          </a:lnRef>
+          <a:fillRef idx="1">
+            <a:schemeClr val="accent3"/>
+          </a:fillRef>
+          <a:effectRef idx="0">
+            <a:schemeClr val="accent3"/>
+          </a:effectRef>
+          <a:fontRef idx="minor">
+            <a:schemeClr val="lt1"/>
+          </a:fontRef>
+        </p:style>
+        <p:txBody>
+          <a:bodyPr rtlCol="0" anchor="ctr"/>
+          <a:lstStyle/>
+          <a:p>
+            <a:pPr algn="ctr"/>
+            <a:r>
+              <a:rPr lang="zh-CN" altLang="en-US" dirty="0" smtClean="0"/>
+              <a:t>计算每个轮廓被包含得次数同时记录被包含轮廓的索引值和</a:t>
+            </a:r>
+            <a:r>
+              <a:rPr lang="en-US" altLang="zh-CN" dirty="0" smtClean="0"/>
+              <a:t>xMin</a:t>
+            </a:r>
+            <a:r>
+              <a:rPr lang="zh-CN" altLang="en-US" dirty="0" smtClean="0"/>
+              <a:t>值</a:t>
+            </a:r>
+            <a:endParaRPr lang="zh-CN" altLang="en-US" dirty="0"/>
+          </a:p>
+        </p:txBody>
+      </p:sp>
+      <p:sp>
+        <p:nvSpPr>
+          <p:cNvPr id="15" name="矩形 14"/>
+          <p:cNvSpPr/>
+          <p:nvPr/>
+        </p:nvSpPr>
+        <p:spPr>
+          <a:xfrm>
+            <a:off x="8622616" y="2428460"/>
+            <a:ext cx="2601569" cy="914400"/>
+          </a:xfrm>
+          <a:prstGeom prst="rect">
+            <a:avLst/>
+          </a:prstGeom>
+        </p:spPr>
+        <p:style>
+          <a:lnRef idx="2">
+            <a:schemeClr val="accent3">
+              <a:shade val="50000"/>
+            </a:schemeClr>
+          </a:lnRef>
+          <a:fillRef idx="1">
+            <a:schemeClr val="accent3"/>
+          </a:fillRef>
+          <a:effectRef idx="0">
+            <a:schemeClr val="accent3"/>
+          </a:effectRef>
+          <a:fontRef idx="minor">
+            <a:schemeClr val="lt1"/>
+          </a:fontRef>
+        </p:style>
+        <p:txBody>
+          <a:bodyPr rtlCol="0" anchor="ctr"/>
+          <a:lstStyle/>
+          <a:p>
+            <a:pPr algn="ctr"/>
+            <a:r>
+              <a:rPr lang="zh-CN" altLang="en-US" dirty="0" smtClean="0"/>
+              <a:t>将数据存入</a:t>
+            </a:r>
+            <a:r>
+              <a:rPr lang="en-US" altLang="zh-CN" dirty="0" smtClean="0"/>
+              <a:t>distinguishMatrix</a:t>
+            </a:r>
+            <a:r>
+              <a:rPr lang="zh-CN" altLang="en-US" dirty="0" smtClean="0"/>
+              <a:t>矩阵中</a:t>
+            </a:r>
+            <a:endParaRPr lang="zh-CN" altLang="en-US" dirty="0"/>
+          </a:p>
+        </p:txBody>
+      </p:sp>
+      <p:sp>
+        <p:nvSpPr>
+          <p:cNvPr id="16" name="矩形 15"/>
+          <p:cNvSpPr/>
+          <p:nvPr/>
+        </p:nvSpPr>
+        <p:spPr>
+          <a:xfrm>
+            <a:off x="3536256" y="4161182"/>
+            <a:ext cx="1145489" cy="914400"/>
+          </a:xfrm>
+          <a:prstGeom prst="rect">
+            <a:avLst/>
+          </a:prstGeom>
+        </p:spPr>
+        <p:style>
+          <a:lnRef idx="2">
+            <a:schemeClr val="accent3">
+              <a:shade val="50000"/>
+            </a:schemeClr>
+          </a:lnRef>
+          <a:fillRef idx="1">
+            <a:schemeClr val="accent3"/>
+          </a:fillRef>
+          <a:effectRef idx="0">
+            <a:schemeClr val="accent3"/>
+          </a:effectRef>
+          <a:fontRef idx="minor">
+            <a:schemeClr val="lt1"/>
+          </a:fontRef>
+        </p:style>
+        <p:txBody>
+          <a:bodyPr rtlCol="0" anchor="ctr"/>
+          <a:lstStyle/>
+          <a:p>
+            <a:pPr algn="ctr"/>
+            <a:r>
+              <a:rPr lang="zh-CN" altLang="en-US" dirty="0" smtClean="0"/>
+              <a:t>遍历判别矩阵</a:t>
+            </a:r>
+            <a:endParaRPr lang="zh-CN" altLang="en-US" dirty="0"/>
+          </a:p>
+        </p:txBody>
+      </p:sp>
+      <p:sp>
+        <p:nvSpPr>
+          <p:cNvPr id="17" name="矩形 16"/>
+          <p:cNvSpPr/>
+          <p:nvPr/>
+        </p:nvSpPr>
+        <p:spPr>
+          <a:xfrm>
+            <a:off x="5229220" y="4161182"/>
+            <a:ext cx="1816799" cy="914400"/>
+          </a:xfrm>
+          <a:prstGeom prst="rect">
+            <a:avLst/>
+          </a:prstGeom>
+        </p:spPr>
+        <p:style>
+          <a:lnRef idx="2">
+            <a:schemeClr val="accent3">
+              <a:shade val="50000"/>
+            </a:schemeClr>
+          </a:lnRef>
+          <a:fillRef idx="1">
+            <a:schemeClr val="accent3"/>
+          </a:fillRef>
+          <a:effectRef idx="0">
+            <a:schemeClr val="accent3"/>
+          </a:effectRef>
+          <a:fontRef idx="minor">
+            <a:schemeClr val="lt1"/>
+          </a:fontRef>
+        </p:style>
+        <p:txBody>
+          <a:bodyPr rtlCol="0" anchor="ctr"/>
+          <a:lstStyle/>
+          <a:p>
+            <a:pPr algn="ctr"/>
+            <a:r>
+              <a:rPr lang="zh-CN" altLang="en-US" dirty="0" smtClean="0"/>
+              <a:t>计算每个轮廓在判别矩阵中对应存储数组的长度</a:t>
+            </a:r>
+            <a:endParaRPr lang="zh-CN" altLang="en-US" dirty="0"/>
+          </a:p>
+        </p:txBody>
+      </p:sp>
+      <p:sp>
+        <p:nvSpPr>
+          <p:cNvPr id="18" name="矩形 17"/>
+          <p:cNvSpPr/>
+          <p:nvPr/>
+        </p:nvSpPr>
+        <p:spPr>
+          <a:xfrm>
+            <a:off x="7593494" y="4161182"/>
+            <a:ext cx="1816799" cy="914400"/>
+          </a:xfrm>
+          <a:prstGeom prst="rect">
+            <a:avLst/>
+          </a:prstGeom>
+        </p:spPr>
+        <p:style>
+          <a:lnRef idx="2">
+            <a:schemeClr val="accent3">
+              <a:shade val="50000"/>
+            </a:schemeClr>
+          </a:lnRef>
+          <a:fillRef idx="1">
+            <a:schemeClr val="accent3"/>
+          </a:fillRef>
+          <a:effectRef idx="0">
+            <a:schemeClr val="accent3"/>
+          </a:effectRef>
+          <a:fontRef idx="minor">
+            <a:schemeClr val="lt1"/>
+          </a:fontRef>
+        </p:style>
+        <p:txBody>
+          <a:bodyPr rtlCol="0" anchor="ctr"/>
+          <a:lstStyle/>
+          <a:p>
+            <a:pPr algn="ctr"/>
+            <a:r>
+              <a:rPr lang="zh-CN" altLang="en-US" dirty="0" smtClean="0"/>
+              <a:t>将内部轮廓数据合并到外部轮廓数据中</a:t>
+            </a:r>
+            <a:endParaRPr lang="zh-CN" altLang="en-US" dirty="0"/>
+          </a:p>
+        </p:txBody>
+      </p:sp>
+      <p:sp>
+        <p:nvSpPr>
+          <p:cNvPr id="20" name="矩形 19"/>
+          <p:cNvSpPr/>
+          <p:nvPr/>
+        </p:nvSpPr>
+        <p:spPr>
+          <a:xfrm>
+            <a:off x="5436391" y="5585791"/>
+            <a:ext cx="1402456" cy="616226"/>
+          </a:xfrm>
+          <a:prstGeom prst="rect">
+            <a:avLst/>
+          </a:prstGeom>
+        </p:spPr>
+        <p:style>
+          <a:lnRef idx="2">
+            <a:schemeClr val="accent3">
+              <a:shade val="50000"/>
+            </a:schemeClr>
+          </a:lnRef>
+          <a:fillRef idx="1">
+            <a:schemeClr val="accent3"/>
+          </a:fillRef>
+          <a:effectRef idx="0">
+            <a:schemeClr val="accent3"/>
+          </a:effectRef>
+          <a:fontRef idx="minor">
+            <a:schemeClr val="lt1"/>
+          </a:fontRef>
+        </p:style>
+        <p:txBody>
+          <a:bodyPr rtlCol="0" anchor="ctr"/>
+          <a:lstStyle/>
+          <a:p>
+            <a:pPr algn="ctr"/>
+            <a:r>
+              <a:rPr lang="zh-CN" altLang="en-US" dirty="0"/>
+              <a:t>跳</a:t>
+            </a:r>
+            <a:r>
+              <a:rPr lang="zh-CN" altLang="en-US" dirty="0" smtClean="0"/>
+              <a:t>过该轮廓</a:t>
+            </a:r>
+            <a:endParaRPr lang="zh-CN" altLang="en-US" dirty="0"/>
+          </a:p>
+        </p:txBody>
+      </p:sp>
+      <p:sp>
+        <p:nvSpPr>
+          <p:cNvPr id="21" name="矩形 20"/>
+          <p:cNvSpPr/>
+          <p:nvPr/>
+        </p:nvSpPr>
+        <p:spPr>
+          <a:xfrm>
+            <a:off x="9957768" y="4161182"/>
+            <a:ext cx="1816799" cy="914400"/>
+          </a:xfrm>
+          <a:prstGeom prst="rect">
+            <a:avLst/>
+          </a:prstGeom>
+        </p:spPr>
+        <p:style>
+          <a:lnRef idx="2">
+            <a:schemeClr val="accent3">
+              <a:shade val="50000"/>
+            </a:schemeClr>
+          </a:lnRef>
+          <a:fillRef idx="1">
+            <a:schemeClr val="accent3"/>
+          </a:fillRef>
+          <a:effectRef idx="0">
+            <a:schemeClr val="accent3"/>
+          </a:effectRef>
+          <a:fontRef idx="minor">
+            <a:schemeClr val="lt1"/>
+          </a:fontRef>
+        </p:style>
+        <p:txBody>
+          <a:bodyPr rtlCol="0" anchor="ctr"/>
+          <a:lstStyle/>
+          <a:p>
+            <a:pPr algn="ctr"/>
+            <a:r>
+              <a:rPr lang="zh-CN" altLang="en-US" dirty="0" smtClean="0"/>
+              <a:t>得到合并后的轮廓数据</a:t>
+            </a:r>
+            <a:endParaRPr lang="zh-CN" altLang="en-US" dirty="0"/>
+          </a:p>
+        </p:txBody>
+      </p:sp>
+      <p:cxnSp>
+        <p:nvCxnSpPr>
+          <p:cNvPr id="23" name="直接箭头连接符 22"/>
+          <p:cNvCxnSpPr>
+            <a:stCxn id="7" idx="3"/>
+            <a:endCxn id="8" idx="1"/>
+          </p:cNvCxnSpPr>
+          <p:nvPr/>
+        </p:nvCxnSpPr>
+        <p:spPr>
+          <a:xfrm flipV="1">
+            <a:off x="3846439" y="1152937"/>
+            <a:ext cx="593867" cy="1"/>
+          </a:xfrm>
+          <a:prstGeom prst="straightConnector1">
+            <a:avLst/>
+          </a:prstGeom>
+          <a:ln>
+            <a:tailEnd type="triangle"/>
+          </a:ln>
+        </p:spPr>
+        <p:style>
+          <a:lnRef idx="1">
+            <a:schemeClr val="accent1"/>
+          </a:lnRef>
+          <a:fillRef idx="0">
+            <a:schemeClr val="accent1"/>
+          </a:fillRef>
+          <a:effectRef idx="0">
+            <a:schemeClr val="accent1"/>
+          </a:effectRef>
+          <a:fontRef idx="minor">
+            <a:schemeClr val="tx1"/>
+          </a:fontRef>
+        </p:style>
+      </p:cxnSp>
+      <p:cxnSp>
+        <p:nvCxnSpPr>
+          <p:cNvPr id="26" name="直接箭头连接符 25"/>
+          <p:cNvCxnSpPr>
+            <a:stCxn id="8" idx="3"/>
+            <a:endCxn id="9" idx="1"/>
+          </p:cNvCxnSpPr>
+          <p:nvPr/>
+        </p:nvCxnSpPr>
+        <p:spPr>
+          <a:xfrm>
+            <a:off x="5354706" y="1152937"/>
+            <a:ext cx="593867" cy="0"/>
+          </a:xfrm>
+          <a:prstGeom prst="straightConnector1">
+            <a:avLst/>
+          </a:prstGeom>
+          <a:ln>
+            <a:tailEnd type="triangle"/>
+          </a:ln>
+        </p:spPr>
+        <p:style>
+          <a:lnRef idx="1">
+            <a:schemeClr val="accent1"/>
+          </a:lnRef>
+          <a:fillRef idx="0">
+            <a:schemeClr val="accent1"/>
+          </a:fillRef>
+          <a:effectRef idx="0">
+            <a:schemeClr val="accent1"/>
+          </a:effectRef>
+          <a:fontRef idx="minor">
+            <a:schemeClr val="tx1"/>
+          </a:fontRef>
+        </p:style>
+      </p:cxnSp>
+      <p:cxnSp>
+        <p:nvCxnSpPr>
+          <p:cNvPr id="29" name="直接箭头连接符 28"/>
+          <p:cNvCxnSpPr>
+            <a:stCxn id="9" idx="3"/>
+            <a:endCxn id="10" idx="1"/>
+          </p:cNvCxnSpPr>
+          <p:nvPr/>
+        </p:nvCxnSpPr>
+        <p:spPr>
+          <a:xfrm flipV="1">
+            <a:off x="7046020" y="1142996"/>
+            <a:ext cx="593867" cy="9941"/>
+          </a:xfrm>
+          <a:prstGeom prst="straightConnector1">
+            <a:avLst/>
+          </a:prstGeom>
+          <a:ln>
+            <a:tailEnd type="triangle"/>
+          </a:ln>
+        </p:spPr>
+        <p:style>
+          <a:lnRef idx="1">
+            <a:schemeClr val="accent1"/>
+          </a:lnRef>
+          <a:fillRef idx="0">
+            <a:schemeClr val="accent1"/>
+          </a:fillRef>
+          <a:effectRef idx="0">
+            <a:schemeClr val="accent1"/>
+          </a:effectRef>
+          <a:fontRef idx="minor">
+            <a:schemeClr val="tx1"/>
+          </a:fontRef>
+        </p:style>
+      </p:cxnSp>
+      <p:cxnSp>
+        <p:nvCxnSpPr>
+          <p:cNvPr id="32" name="直接箭头连接符 31"/>
+          <p:cNvCxnSpPr>
+            <a:stCxn id="10" idx="3"/>
+            <a:endCxn id="11" idx="1"/>
+          </p:cNvCxnSpPr>
+          <p:nvPr/>
+        </p:nvCxnSpPr>
+        <p:spPr>
+          <a:xfrm>
+            <a:off x="10088226" y="1142996"/>
+            <a:ext cx="593867" cy="9941"/>
+          </a:xfrm>
+          <a:prstGeom prst="straightConnector1">
+            <a:avLst/>
+          </a:prstGeom>
+          <a:ln>
+            <a:tailEnd type="triangle"/>
+          </a:ln>
+        </p:spPr>
+        <p:style>
+          <a:lnRef idx="1">
+            <a:schemeClr val="accent1"/>
+          </a:lnRef>
+          <a:fillRef idx="0">
+            <a:schemeClr val="accent1"/>
+          </a:fillRef>
+          <a:effectRef idx="0">
+            <a:schemeClr val="accent1"/>
+          </a:effectRef>
+          <a:fontRef idx="minor">
+            <a:schemeClr val="tx1"/>
+          </a:fontRef>
+        </p:style>
+      </p:cxnSp>
+      <p:cxnSp>
+        <p:nvCxnSpPr>
+          <p:cNvPr id="36" name="直接箭头连接符 35"/>
+          <p:cNvCxnSpPr>
+            <a:stCxn id="13" idx="3"/>
+            <a:endCxn id="14" idx="1"/>
+          </p:cNvCxnSpPr>
+          <p:nvPr/>
+        </p:nvCxnSpPr>
+        <p:spPr>
+          <a:xfrm>
+            <a:off x="4681745" y="2885660"/>
+            <a:ext cx="669651" cy="0"/>
+          </a:xfrm>
+          <a:prstGeom prst="straightConnector1">
+            <a:avLst/>
+          </a:prstGeom>
+          <a:ln>
+            <a:tailEnd type="triangle"/>
+          </a:ln>
+        </p:spPr>
+        <p:style>
+          <a:lnRef idx="1">
+            <a:schemeClr val="accent1"/>
+          </a:lnRef>
+          <a:fillRef idx="0">
+            <a:schemeClr val="accent1"/>
+          </a:fillRef>
+          <a:effectRef idx="0">
+            <a:schemeClr val="accent1"/>
+          </a:effectRef>
+          <a:fontRef idx="minor">
+            <a:schemeClr val="tx1"/>
+          </a:fontRef>
+        </p:style>
+      </p:cxnSp>
+      <p:cxnSp>
+        <p:nvCxnSpPr>
+          <p:cNvPr id="39" name="直接箭头连接符 38"/>
+          <p:cNvCxnSpPr>
+            <a:stCxn id="14" idx="3"/>
+            <a:endCxn id="15" idx="1"/>
+          </p:cNvCxnSpPr>
+          <p:nvPr/>
+        </p:nvCxnSpPr>
+        <p:spPr>
+          <a:xfrm>
+            <a:off x="7952965" y="2885660"/>
+            <a:ext cx="669651" cy="0"/>
+          </a:xfrm>
+          <a:prstGeom prst="straightConnector1">
+            <a:avLst/>
+          </a:prstGeom>
+          <a:ln>
+            <a:tailEnd type="triangle"/>
+          </a:ln>
+        </p:spPr>
+        <p:style>
+          <a:lnRef idx="1">
+            <a:schemeClr val="accent1"/>
+          </a:lnRef>
+          <a:fillRef idx="0">
+            <a:schemeClr val="accent1"/>
+          </a:fillRef>
+          <a:effectRef idx="0">
+            <a:schemeClr val="accent1"/>
+          </a:effectRef>
+          <a:fontRef idx="minor">
+            <a:schemeClr val="tx1"/>
+          </a:fontRef>
+        </p:style>
+      </p:cxnSp>
+      <p:sp>
+        <p:nvSpPr>
+          <p:cNvPr id="42" name="右箭头 41"/>
+          <p:cNvSpPr/>
+          <p:nvPr/>
+        </p:nvSpPr>
+        <p:spPr>
+          <a:xfrm>
+            <a:off x="2462705" y="910622"/>
+            <a:ext cx="443662" cy="484632"/>
+          </a:xfrm>
+          <a:prstGeom prst="rightArrow">
+            <a:avLst/>
+          </a:prstGeom>
+        </p:spPr>
+        <p:style>
+          <a:lnRef idx="2">
+            <a:schemeClr val="accent1">
+              <a:shade val="50000"/>
+            </a:schemeClr>
+          </a:lnRef>
+          <a:fillRef idx="1">
+            <a:schemeClr val="accent1"/>
+          </a:fillRef>
+          <a:effectRef idx="0">
+            <a:schemeClr val="accent1"/>
+          </a:effectRef>
+          <a:fontRef idx="minor">
+            <a:schemeClr val="lt1"/>
+          </a:fontRef>
+        </p:style>
+        <p:txBody>
+          <a:bodyPr rtlCol="0" anchor="ctr"/>
+          <a:lstStyle/>
+          <a:p>
+            <a:pPr algn="ctr"/>
+            <a:endParaRPr lang="zh-CN" altLang="en-US"/>
+          </a:p>
+        </p:txBody>
+      </p:sp>
+      <p:sp>
+        <p:nvSpPr>
+          <p:cNvPr id="43" name="右箭头 42"/>
+          <p:cNvSpPr/>
+          <p:nvPr/>
+        </p:nvSpPr>
+        <p:spPr>
+          <a:xfrm>
+            <a:off x="2906366" y="2643344"/>
+            <a:ext cx="588673" cy="484632"/>
+          </a:xfrm>
+          <a:prstGeom prst="rightArrow">
+            <a:avLst/>
+          </a:prstGeom>
+        </p:spPr>
+        <p:style>
+          <a:lnRef idx="2">
+            <a:schemeClr val="accent1">
+              <a:shade val="50000"/>
+            </a:schemeClr>
+          </a:lnRef>
+          <a:fillRef idx="1">
+            <a:schemeClr val="accent1"/>
+          </a:fillRef>
+          <a:effectRef idx="0">
+            <a:schemeClr val="accent1"/>
+          </a:effectRef>
+          <a:fontRef idx="minor">
+            <a:schemeClr val="lt1"/>
+          </a:fontRef>
+        </p:style>
+        <p:txBody>
+          <a:bodyPr rtlCol="0" anchor="ctr"/>
+          <a:lstStyle/>
+          <a:p>
+            <a:pPr algn="ctr"/>
+            <a:endParaRPr lang="zh-CN" altLang="en-US"/>
+          </a:p>
+        </p:txBody>
+      </p:sp>
+      <p:sp>
+        <p:nvSpPr>
+          <p:cNvPr id="44" name="右箭头 43"/>
+          <p:cNvSpPr/>
+          <p:nvPr/>
+        </p:nvSpPr>
+        <p:spPr>
+          <a:xfrm>
+            <a:off x="2906366" y="4376066"/>
+            <a:ext cx="588673" cy="484632"/>
+          </a:xfrm>
+          <a:prstGeom prst="rightArrow">
+            <a:avLst/>
+          </a:prstGeom>
+        </p:spPr>
+        <p:style>
+          <a:lnRef idx="2">
+            <a:schemeClr val="accent1">
+              <a:shade val="50000"/>
+            </a:schemeClr>
+          </a:lnRef>
+          <a:fillRef idx="1">
+            <a:schemeClr val="accent1"/>
+          </a:fillRef>
+          <a:effectRef idx="0">
+            <a:schemeClr val="accent1"/>
+          </a:effectRef>
+          <a:fontRef idx="minor">
+            <a:schemeClr val="lt1"/>
+          </a:fontRef>
+        </p:style>
+        <p:txBody>
+          <a:bodyPr rtlCol="0" anchor="ctr"/>
+          <a:lstStyle/>
+          <a:p>
+            <a:pPr algn="ctr"/>
+            <a:endParaRPr lang="zh-CN" altLang="en-US"/>
+          </a:p>
+        </p:txBody>
+      </p:sp>
+      <p:cxnSp>
+        <p:nvCxnSpPr>
+          <p:cNvPr id="45" name="直接箭头连接符 44"/>
+          <p:cNvCxnSpPr>
+            <a:stCxn id="16" idx="3"/>
+            <a:endCxn id="17" idx="1"/>
+          </p:cNvCxnSpPr>
+          <p:nvPr/>
+        </p:nvCxnSpPr>
+        <p:spPr>
+          <a:xfrm>
+            <a:off x="4681745" y="4618382"/>
+            <a:ext cx="547475" cy="0"/>
+          </a:xfrm>
+          <a:prstGeom prst="straightConnector1">
+            <a:avLst/>
+          </a:prstGeom>
+          <a:ln>
+            <a:tailEnd type="triangle"/>
+          </a:ln>
+        </p:spPr>
+        <p:style>
+          <a:lnRef idx="1">
+            <a:schemeClr val="accent1"/>
+          </a:lnRef>
+          <a:fillRef idx="0">
+            <a:schemeClr val="accent1"/>
+          </a:fillRef>
+          <a:effectRef idx="0">
+            <a:schemeClr val="accent1"/>
+          </a:effectRef>
+          <a:fontRef idx="minor">
+            <a:schemeClr val="tx1"/>
+          </a:fontRef>
+        </p:style>
+      </p:cxnSp>
+      <p:cxnSp>
+        <p:nvCxnSpPr>
+          <p:cNvPr id="48" name="直接箭头连接符 47"/>
+          <p:cNvCxnSpPr>
+            <a:stCxn id="17" idx="2"/>
+            <a:endCxn id="20" idx="0"/>
+          </p:cNvCxnSpPr>
+          <p:nvPr/>
+        </p:nvCxnSpPr>
+        <p:spPr>
+          <a:xfrm flipH="1">
+            <a:off x="6137619" y="5075582"/>
+            <a:ext cx="1" cy="510209"/>
+          </a:xfrm>
+          <a:prstGeom prst="straightConnector1">
+            <a:avLst/>
+          </a:prstGeom>
+          <a:ln>
+            <a:tailEnd type="triangle"/>
+          </a:ln>
+        </p:spPr>
+        <p:style>
+          <a:lnRef idx="1">
+            <a:schemeClr val="accent1"/>
+          </a:lnRef>
+          <a:fillRef idx="0">
+            <a:schemeClr val="accent1"/>
+          </a:fillRef>
+          <a:effectRef idx="0">
+            <a:schemeClr val="accent1"/>
+          </a:effectRef>
+          <a:fontRef idx="minor">
+            <a:schemeClr val="tx1"/>
+          </a:fontRef>
+        </p:style>
+      </p:cxnSp>
+      <p:sp>
+        <p:nvSpPr>
+          <p:cNvPr id="51" name="文本框 50"/>
+          <p:cNvSpPr txBox="1"/>
+          <p:nvPr/>
+        </p:nvSpPr>
+        <p:spPr>
+          <a:xfrm>
+            <a:off x="5371770" y="5146020"/>
+            <a:ext cx="1338828" cy="369332"/>
+          </a:xfrm>
+          <a:prstGeom prst="rect">
+            <a:avLst/>
+          </a:prstGeom>
+          <a:noFill/>
+        </p:spPr>
+        <p:txBody>
+          <a:bodyPr wrap="none" rtlCol="0">
+            <a:spAutoFit/>
+          </a:bodyPr>
+          <a:lstStyle/>
+          <a:p>
+            <a:r>
+              <a:rPr lang="zh-CN" altLang="en-US" dirty="0" smtClean="0"/>
+              <a:t>长度为偶数</a:t>
+            </a:r>
+            <a:endParaRPr lang="zh-CN" altLang="en-US" dirty="0"/>
+          </a:p>
+        </p:txBody>
+      </p:sp>
+      <p:cxnSp>
+        <p:nvCxnSpPr>
+          <p:cNvPr id="53" name="直接箭头连接符 52"/>
+          <p:cNvCxnSpPr>
+            <a:stCxn id="17" idx="3"/>
+            <a:endCxn id="18" idx="1"/>
+          </p:cNvCxnSpPr>
+          <p:nvPr/>
+        </p:nvCxnSpPr>
+        <p:spPr>
+          <a:xfrm>
+            <a:off x="7046019" y="4618382"/>
+            <a:ext cx="547475" cy="0"/>
+          </a:xfrm>
+          <a:prstGeom prst="straightConnector1">
+            <a:avLst/>
+          </a:prstGeom>
+          <a:ln>
+            <a:tailEnd type="triangle"/>
+          </a:ln>
+        </p:spPr>
+        <p:style>
+          <a:lnRef idx="1">
+            <a:schemeClr val="accent1"/>
+          </a:lnRef>
+          <a:fillRef idx="0">
+            <a:schemeClr val="accent1"/>
+          </a:fillRef>
+          <a:effectRef idx="0">
+            <a:schemeClr val="accent1"/>
+          </a:effectRef>
+          <a:fontRef idx="minor">
+            <a:schemeClr val="tx1"/>
+          </a:fontRef>
+        </p:style>
+      </p:cxnSp>
+      <p:cxnSp>
+        <p:nvCxnSpPr>
+          <p:cNvPr id="56" name="直接箭头连接符 55"/>
+          <p:cNvCxnSpPr>
+            <a:stCxn id="18" idx="3"/>
+            <a:endCxn id="21" idx="1"/>
+          </p:cNvCxnSpPr>
+          <p:nvPr/>
+        </p:nvCxnSpPr>
+        <p:spPr>
+          <a:xfrm>
+            <a:off x="9410293" y="4618382"/>
+            <a:ext cx="547475" cy="0"/>
+          </a:xfrm>
+          <a:prstGeom prst="straightConnector1">
+            <a:avLst/>
+          </a:prstGeom>
+          <a:ln>
+            <a:tailEnd type="triangle"/>
+          </a:ln>
+        </p:spPr>
+        <p:style>
+          <a:lnRef idx="1">
+            <a:schemeClr val="accent1"/>
+          </a:lnRef>
+          <a:fillRef idx="0">
+            <a:schemeClr val="accent1"/>
+          </a:fillRef>
+          <a:effectRef idx="0">
+            <a:schemeClr val="accent1"/>
+          </a:effectRef>
+          <a:fontRef idx="minor">
+            <a:schemeClr val="tx1"/>
+          </a:fontRef>
+        </p:style>
+      </p:cxnSp>
+      <p:sp>
+        <p:nvSpPr>
+          <p:cNvPr id="59" name="文本框 58"/>
+          <p:cNvSpPr txBox="1"/>
+          <p:nvPr/>
+        </p:nvSpPr>
+        <p:spPr>
+          <a:xfrm>
+            <a:off x="7064964" y="3899525"/>
+            <a:ext cx="461665" cy="1246495"/>
+          </a:xfrm>
+          <a:prstGeom prst="rect">
+            <a:avLst/>
+          </a:prstGeom>
+          <a:noFill/>
+        </p:spPr>
+        <p:txBody>
+          <a:bodyPr vert="eaVert" wrap="none" rtlCol="0">
+            <a:spAutoFit/>
+          </a:bodyPr>
+          <a:lstStyle/>
+          <a:p>
+            <a:r>
+              <a:rPr lang="zh-CN" altLang="en-US" dirty="0" smtClean="0"/>
+              <a:t>长度为奇数</a:t>
+            </a:r>
+            <a:endParaRPr lang="zh-CN" altLang="en-US" dirty="0"/>
+          </a:p>
+        </p:txBody>
+      </p:sp>
+    </p:spTree>
+    <p:extLst>
+      <p:ext uri="{BB962C8B-B14F-4D97-AF65-F5344CB8AC3E}">
+        <p14:creationId xmlns:p14="http://schemas.microsoft.com/office/powerpoint/2010/main" val="490179405"/>
+      </p:ext>
+    </p:extLst>
+  </p:cSld>
+  <p:clrMapOvr>
+    <a:masterClrMapping/>
+  </p:clrMapOvr>
+</p:sld>
+</file>
+
+<file path=ppt/slides/slide23.xml><?xml version="1.0" encoding="utf-8"?>
+<p:sld xmlns:a="http://schemas.openxmlformats.org/drawingml/2006/main" xmlns:r="http://schemas.openxmlformats.org/officeDocument/2006/relationships" xmlns:p="http://schemas.openxmlformats.org/presentationml/2006/main">
+  <p:cSld>
+    <p:spTree>
+      <p:nvGrpSpPr>
+        <p:cNvPr id="1" name=""/>
+        <p:cNvGrpSpPr/>
+        <p:nvPr/>
+      </p:nvGrpSpPr>
+      <p:grpSpPr>
+        <a:xfrm>
+          <a:off x="0" y="0"/>
+          <a:ext cx="0" cy="0"/>
+          <a:chOff x="0" y="0"/>
+          <a:chExt cx="0" cy="0"/>
+        </a:xfrm>
+      </p:grpSpPr>
+      <p:sp>
+        <p:nvSpPr>
+          <p:cNvPr id="4" name="圆角矩形 3"/>
+          <p:cNvSpPr/>
+          <p:nvPr/>
+        </p:nvSpPr>
+        <p:spPr>
+          <a:xfrm>
+            <a:off x="2387796" y="178904"/>
+            <a:ext cx="2117558" cy="625222"/>
+          </a:xfrm>
+          <a:prstGeom prst="roundRect">
+            <a:avLst/>
+          </a:prstGeom>
+        </p:spPr>
+        <p:style>
+          <a:lnRef idx="2">
+            <a:schemeClr val="accent3">
+              <a:shade val="50000"/>
+            </a:schemeClr>
+          </a:lnRef>
+          <a:fillRef idx="1">
+            <a:schemeClr val="accent3"/>
+          </a:fillRef>
+          <a:effectRef idx="0">
+            <a:schemeClr val="accent3"/>
+          </a:effectRef>
+          <a:fontRef idx="minor">
+            <a:schemeClr val="lt1"/>
+          </a:fontRef>
+        </p:style>
+        <p:txBody>
+          <a:bodyPr rtlCol="0" anchor="ctr"/>
+          <a:lstStyle/>
+          <a:p>
+            <a:pPr algn="ctr"/>
+            <a:r>
+              <a:rPr lang="zh-CN" altLang="en-US" dirty="0"/>
+              <a:t>遍历轮廓</a:t>
+            </a:r>
+            <a:r>
+              <a:rPr lang="zh-CN" altLang="en-US" dirty="0" smtClean="0"/>
+              <a:t>数据</a:t>
+            </a:r>
+            <a:endParaRPr lang="zh-CN" altLang="en-US" dirty="0"/>
+          </a:p>
+        </p:txBody>
+      </p:sp>
+      <p:sp>
+        <p:nvSpPr>
+          <p:cNvPr id="5" name="圆角矩形 4"/>
+          <p:cNvSpPr/>
+          <p:nvPr/>
+        </p:nvSpPr>
+        <p:spPr>
+          <a:xfrm>
+            <a:off x="6693441" y="199448"/>
+            <a:ext cx="1715428" cy="580967"/>
+          </a:xfrm>
+          <a:prstGeom prst="roundRect">
+            <a:avLst/>
+          </a:prstGeom>
+        </p:spPr>
+        <p:style>
+          <a:lnRef idx="2">
+            <a:schemeClr val="accent3">
+              <a:shade val="50000"/>
+            </a:schemeClr>
+          </a:lnRef>
+          <a:fillRef idx="1">
+            <a:schemeClr val="accent3"/>
+          </a:fillRef>
+          <a:effectRef idx="0">
+            <a:schemeClr val="accent3"/>
+          </a:effectRef>
+          <a:fontRef idx="minor">
+            <a:schemeClr val="lt1"/>
+          </a:fontRef>
+        </p:style>
+        <p:txBody>
+          <a:bodyPr rtlCol="0" anchor="ctr"/>
+          <a:lstStyle/>
+          <a:p>
+            <a:pPr algn="ctr"/>
+            <a:r>
+              <a:rPr lang="zh-CN" altLang="en-US" dirty="0" smtClean="0"/>
+              <a:t>结束轨迹填充</a:t>
+            </a:r>
+            <a:endParaRPr lang="zh-CN" altLang="en-US" dirty="0"/>
+          </a:p>
+        </p:txBody>
+      </p:sp>
+      <p:sp>
+        <p:nvSpPr>
+          <p:cNvPr id="6" name="圆角矩形 5"/>
+          <p:cNvSpPr/>
+          <p:nvPr/>
+        </p:nvSpPr>
+        <p:spPr>
+          <a:xfrm>
+            <a:off x="2387796" y="1414274"/>
+            <a:ext cx="2117558" cy="930757"/>
+          </a:xfrm>
+          <a:prstGeom prst="roundRect">
+            <a:avLst/>
+          </a:prstGeom>
+        </p:spPr>
+        <p:style>
+          <a:lnRef idx="2">
+            <a:schemeClr val="accent3">
+              <a:shade val="50000"/>
+            </a:schemeClr>
+          </a:lnRef>
+          <a:fillRef idx="1">
+            <a:schemeClr val="accent3"/>
+          </a:fillRef>
+          <a:effectRef idx="0">
+            <a:schemeClr val="accent3"/>
+          </a:effectRef>
+          <a:fontRef idx="minor">
+            <a:schemeClr val="lt1"/>
+          </a:fontRef>
+        </p:style>
+        <p:txBody>
+          <a:bodyPr rtlCol="0" anchor="ctr"/>
+          <a:lstStyle/>
+          <a:p>
+            <a:pPr algn="ctr"/>
+            <a:r>
+              <a:rPr lang="zh-CN" altLang="en-US" dirty="0"/>
+              <a:t>扫描线初始高度</a:t>
+            </a:r>
+            <a:r>
+              <a:rPr lang="en-US" altLang="zh-CN" dirty="0"/>
+              <a:t>H</a:t>
+            </a:r>
+            <a:r>
+              <a:rPr lang="zh-CN" altLang="en-US" dirty="0"/>
+              <a:t>，轮廓密度</a:t>
+            </a:r>
+            <a:r>
+              <a:rPr lang="en-US" altLang="zh-CN" dirty="0" smtClean="0"/>
+              <a:t>D</a:t>
+            </a:r>
+            <a:r>
+              <a:rPr lang="zh-CN" altLang="en-US" dirty="0" smtClean="0"/>
+              <a:t>，扫描线截止高度</a:t>
+            </a:r>
+            <a:r>
+              <a:rPr lang="en-US" altLang="zh-CN" dirty="0" smtClean="0"/>
+              <a:t>EH</a:t>
+            </a:r>
+            <a:endParaRPr lang="zh-CN" altLang="en-US" dirty="0"/>
+          </a:p>
+        </p:txBody>
+      </p:sp>
+      <p:sp>
+        <p:nvSpPr>
+          <p:cNvPr id="7" name="圆角矩形 6"/>
+          <p:cNvSpPr/>
+          <p:nvPr/>
+        </p:nvSpPr>
+        <p:spPr>
+          <a:xfrm>
+            <a:off x="2594739" y="2841893"/>
+            <a:ext cx="1703672" cy="651308"/>
+          </a:xfrm>
+          <a:prstGeom prst="roundRect">
+            <a:avLst/>
+          </a:prstGeom>
+        </p:spPr>
+        <p:style>
+          <a:lnRef idx="2">
+            <a:schemeClr val="accent3">
+              <a:shade val="50000"/>
+            </a:schemeClr>
+          </a:lnRef>
+          <a:fillRef idx="1">
+            <a:schemeClr val="accent3"/>
+          </a:fillRef>
+          <a:effectRef idx="0">
+            <a:schemeClr val="accent3"/>
+          </a:effectRef>
+          <a:fontRef idx="minor">
+            <a:schemeClr val="lt1"/>
+          </a:fontRef>
+        </p:style>
+        <p:txBody>
+          <a:bodyPr rtlCol="0" anchor="ctr"/>
+          <a:lstStyle/>
+          <a:p>
+            <a:pPr algn="ctr"/>
+            <a:r>
+              <a:rPr lang="zh-CN" altLang="en-US" dirty="0" smtClean="0"/>
+              <a:t>当前高度</a:t>
+            </a:r>
+            <a:r>
+              <a:rPr lang="en-US" altLang="zh-CN" dirty="0" smtClean="0"/>
+              <a:t>H</a:t>
+            </a:r>
+            <a:r>
+              <a:rPr lang="zh-CN" altLang="en-US" dirty="0" smtClean="0"/>
+              <a:t>与轮廓求交点</a:t>
+            </a:r>
+            <a:endParaRPr lang="zh-CN" altLang="en-US" dirty="0"/>
+          </a:p>
+        </p:txBody>
+      </p:sp>
+      <p:sp>
+        <p:nvSpPr>
+          <p:cNvPr id="8" name="圆角矩形 7"/>
+          <p:cNvSpPr/>
+          <p:nvPr/>
+        </p:nvSpPr>
+        <p:spPr>
+          <a:xfrm>
+            <a:off x="2594739" y="4466958"/>
+            <a:ext cx="1703672" cy="651308"/>
+          </a:xfrm>
+          <a:prstGeom prst="roundRect">
+            <a:avLst/>
+          </a:prstGeom>
+        </p:spPr>
+        <p:style>
+          <a:lnRef idx="2">
+            <a:schemeClr val="accent3">
+              <a:shade val="50000"/>
+            </a:schemeClr>
+          </a:lnRef>
+          <a:fillRef idx="1">
+            <a:schemeClr val="accent3"/>
+          </a:fillRef>
+          <a:effectRef idx="0">
+            <a:schemeClr val="accent3"/>
+          </a:effectRef>
+          <a:fontRef idx="minor">
+            <a:schemeClr val="lt1"/>
+          </a:fontRef>
+        </p:style>
+        <p:txBody>
+          <a:bodyPr rtlCol="0" anchor="ctr"/>
+          <a:lstStyle/>
+          <a:p>
+            <a:pPr algn="ctr"/>
+            <a:r>
+              <a:rPr lang="zh-CN" altLang="en-US" dirty="0" smtClean="0"/>
+              <a:t>将交点存入交点数组中</a:t>
+            </a:r>
+            <a:endParaRPr lang="zh-CN" altLang="en-US" dirty="0"/>
+          </a:p>
+        </p:txBody>
+      </p:sp>
+      <p:cxnSp>
+        <p:nvCxnSpPr>
+          <p:cNvPr id="10" name="直接箭头连接符 9"/>
+          <p:cNvCxnSpPr>
+            <a:stCxn id="7" idx="2"/>
+            <a:endCxn id="8" idx="0"/>
+          </p:cNvCxnSpPr>
+          <p:nvPr/>
+        </p:nvCxnSpPr>
+        <p:spPr>
+          <a:xfrm>
+            <a:off x="3446575" y="3493201"/>
+            <a:ext cx="0" cy="973757"/>
+          </a:xfrm>
+          <a:prstGeom prst="straightConnector1">
+            <a:avLst/>
+          </a:prstGeom>
+          <a:ln>
+            <a:tailEnd type="triangle"/>
+          </a:ln>
+        </p:spPr>
+        <p:style>
+          <a:lnRef idx="1">
+            <a:schemeClr val="accent1"/>
+          </a:lnRef>
+          <a:fillRef idx="0">
+            <a:schemeClr val="accent1"/>
+          </a:fillRef>
+          <a:effectRef idx="0">
+            <a:schemeClr val="accent1"/>
+          </a:effectRef>
+          <a:fontRef idx="minor">
+            <a:schemeClr val="tx1"/>
+          </a:fontRef>
+        </p:style>
+      </p:cxnSp>
+      <p:sp>
+        <p:nvSpPr>
+          <p:cNvPr id="13" name="文本框 12"/>
+          <p:cNvSpPr txBox="1"/>
+          <p:nvPr/>
+        </p:nvSpPr>
+        <p:spPr>
+          <a:xfrm>
+            <a:off x="2282029" y="3795413"/>
+            <a:ext cx="2031325" cy="369332"/>
+          </a:xfrm>
+          <a:prstGeom prst="rect">
+            <a:avLst/>
+          </a:prstGeom>
+          <a:noFill/>
+        </p:spPr>
+        <p:txBody>
+          <a:bodyPr wrap="none" rtlCol="0">
+            <a:spAutoFit/>
+          </a:bodyPr>
+          <a:lstStyle/>
+          <a:p>
+            <a:r>
+              <a:rPr lang="zh-CN" altLang="en-US" dirty="0" smtClean="0"/>
+              <a:t>交点在轮廓边之间</a:t>
+            </a:r>
+            <a:endParaRPr lang="zh-CN" altLang="en-US" dirty="0"/>
+          </a:p>
+        </p:txBody>
+      </p:sp>
+      <p:sp>
+        <p:nvSpPr>
+          <p:cNvPr id="14" name="圆角矩形 13"/>
+          <p:cNvSpPr/>
+          <p:nvPr/>
+        </p:nvSpPr>
+        <p:spPr>
+          <a:xfrm>
+            <a:off x="6404738" y="2841893"/>
+            <a:ext cx="1941095" cy="651308"/>
+          </a:xfrm>
+          <a:prstGeom prst="roundRect">
+            <a:avLst/>
+          </a:prstGeom>
+        </p:spPr>
+        <p:style>
+          <a:lnRef idx="2">
+            <a:schemeClr val="accent3">
+              <a:shade val="50000"/>
+            </a:schemeClr>
+          </a:lnRef>
+          <a:fillRef idx="1">
+            <a:schemeClr val="accent3"/>
+          </a:fillRef>
+          <a:effectRef idx="0">
+            <a:schemeClr val="accent3"/>
+          </a:effectRef>
+          <a:fontRef idx="minor">
+            <a:schemeClr val="lt1"/>
+          </a:fontRef>
+        </p:style>
+        <p:txBody>
+          <a:bodyPr rtlCol="0" anchor="ctr"/>
+          <a:lstStyle/>
+          <a:p>
+            <a:pPr algn="ctr"/>
+            <a:r>
+              <a:rPr lang="zh-CN" altLang="en-US" dirty="0" smtClean="0"/>
+              <a:t>在交点数组中存入两个相同交点</a:t>
+            </a:r>
+            <a:endParaRPr lang="zh-CN" altLang="en-US" dirty="0"/>
+          </a:p>
+        </p:txBody>
+      </p:sp>
+      <p:cxnSp>
+        <p:nvCxnSpPr>
+          <p:cNvPr id="16" name="直接箭头连接符 15"/>
+          <p:cNvCxnSpPr>
+            <a:stCxn id="7" idx="3"/>
+            <a:endCxn id="14" idx="1"/>
+          </p:cNvCxnSpPr>
+          <p:nvPr/>
+        </p:nvCxnSpPr>
+        <p:spPr>
+          <a:xfrm>
+            <a:off x="4298411" y="3167547"/>
+            <a:ext cx="2106327" cy="0"/>
+          </a:xfrm>
+          <a:prstGeom prst="straightConnector1">
+            <a:avLst/>
+          </a:prstGeom>
+          <a:ln>
+            <a:tailEnd type="triangle"/>
+          </a:ln>
+        </p:spPr>
+        <p:style>
+          <a:lnRef idx="1">
+            <a:schemeClr val="accent1"/>
+          </a:lnRef>
+          <a:fillRef idx="0">
+            <a:schemeClr val="accent1"/>
+          </a:fillRef>
+          <a:effectRef idx="0">
+            <a:schemeClr val="accent1"/>
+          </a:effectRef>
+          <a:fontRef idx="minor">
+            <a:schemeClr val="tx1"/>
+          </a:fontRef>
+        </p:style>
+      </p:cxnSp>
+      <p:sp>
+        <p:nvSpPr>
+          <p:cNvPr id="19" name="文本框 18"/>
+          <p:cNvSpPr txBox="1"/>
+          <p:nvPr/>
+        </p:nvSpPr>
+        <p:spPr>
+          <a:xfrm>
+            <a:off x="4335912" y="2813581"/>
+            <a:ext cx="2031325" cy="369332"/>
+          </a:xfrm>
+          <a:prstGeom prst="rect">
+            <a:avLst/>
+          </a:prstGeom>
+          <a:noFill/>
+        </p:spPr>
+        <p:txBody>
+          <a:bodyPr wrap="none" rtlCol="0">
+            <a:spAutoFit/>
+          </a:bodyPr>
+          <a:lstStyle/>
+          <a:p>
+            <a:r>
+              <a:rPr lang="zh-CN" altLang="en-US" dirty="0" smtClean="0"/>
+              <a:t>交点在两边最低处</a:t>
+            </a:r>
+            <a:endParaRPr lang="zh-CN" altLang="en-US" dirty="0"/>
+          </a:p>
+        </p:txBody>
+      </p:sp>
+      <p:sp>
+        <p:nvSpPr>
+          <p:cNvPr id="22" name="圆角矩形 21"/>
+          <p:cNvSpPr/>
+          <p:nvPr/>
+        </p:nvSpPr>
+        <p:spPr>
+          <a:xfrm>
+            <a:off x="6404738" y="4466958"/>
+            <a:ext cx="1941095" cy="651308"/>
+          </a:xfrm>
+          <a:prstGeom prst="roundRect">
+            <a:avLst/>
+          </a:prstGeom>
+        </p:spPr>
+        <p:style>
+          <a:lnRef idx="2">
+            <a:schemeClr val="accent3">
+              <a:shade val="50000"/>
+            </a:schemeClr>
+          </a:lnRef>
+          <a:fillRef idx="1">
+            <a:schemeClr val="accent3"/>
+          </a:fillRef>
+          <a:effectRef idx="0">
+            <a:schemeClr val="accent3"/>
+          </a:effectRef>
+          <a:fontRef idx="minor">
+            <a:schemeClr val="lt1"/>
+          </a:fontRef>
+        </p:style>
+        <p:txBody>
+          <a:bodyPr rtlCol="0" anchor="ctr"/>
+          <a:lstStyle/>
+          <a:p>
+            <a:pPr algn="ctr"/>
+            <a:r>
+              <a:rPr lang="zh-CN" altLang="en-US" dirty="0" smtClean="0"/>
+              <a:t>跳过该点</a:t>
+            </a:r>
+            <a:endParaRPr lang="zh-CN" altLang="en-US" dirty="0"/>
+          </a:p>
+        </p:txBody>
+      </p:sp>
+      <p:sp>
+        <p:nvSpPr>
+          <p:cNvPr id="23" name="文本框 22"/>
+          <p:cNvSpPr txBox="1"/>
+          <p:nvPr/>
+        </p:nvSpPr>
+        <p:spPr>
+          <a:xfrm>
+            <a:off x="4313354" y="3795413"/>
+            <a:ext cx="2031325" cy="369332"/>
+          </a:xfrm>
+          <a:prstGeom prst="rect">
+            <a:avLst/>
+          </a:prstGeom>
+          <a:noFill/>
+        </p:spPr>
+        <p:txBody>
+          <a:bodyPr wrap="none" rtlCol="0">
+            <a:spAutoFit/>
+          </a:bodyPr>
+          <a:lstStyle/>
+          <a:p>
+            <a:r>
+              <a:rPr lang="zh-CN" altLang="en-US" dirty="0" smtClean="0"/>
+              <a:t>交点在两边最高处</a:t>
+            </a:r>
+            <a:endParaRPr lang="zh-CN" altLang="en-US" dirty="0"/>
+          </a:p>
+        </p:txBody>
+      </p:sp>
+      <p:cxnSp>
+        <p:nvCxnSpPr>
+          <p:cNvPr id="25" name="直接箭头连接符 24"/>
+          <p:cNvCxnSpPr>
+            <a:endCxn id="22" idx="1"/>
+          </p:cNvCxnSpPr>
+          <p:nvPr/>
+        </p:nvCxnSpPr>
+        <p:spPr>
+          <a:xfrm>
+            <a:off x="4253296" y="3459641"/>
+            <a:ext cx="2151442" cy="1332971"/>
+          </a:xfrm>
+          <a:prstGeom prst="straightConnector1">
+            <a:avLst/>
+          </a:prstGeom>
+          <a:ln>
+            <a:tailEnd type="triangle"/>
+          </a:ln>
+        </p:spPr>
+        <p:style>
+          <a:lnRef idx="1">
+            <a:schemeClr val="accent1"/>
+          </a:lnRef>
+          <a:fillRef idx="0">
+            <a:schemeClr val="accent1"/>
+          </a:fillRef>
+          <a:effectRef idx="0">
+            <a:schemeClr val="accent1"/>
+          </a:effectRef>
+          <a:fontRef idx="minor">
+            <a:schemeClr val="tx1"/>
+          </a:fontRef>
+        </p:style>
+      </p:cxnSp>
+      <p:cxnSp>
+        <p:nvCxnSpPr>
+          <p:cNvPr id="27" name="直接箭头连接符 26"/>
+          <p:cNvCxnSpPr>
+            <a:stCxn id="4" idx="2"/>
+            <a:endCxn id="6" idx="0"/>
+          </p:cNvCxnSpPr>
+          <p:nvPr/>
+        </p:nvCxnSpPr>
+        <p:spPr>
+          <a:xfrm>
+            <a:off x="3446575" y="804126"/>
+            <a:ext cx="0" cy="610148"/>
+          </a:xfrm>
+          <a:prstGeom prst="straightConnector1">
+            <a:avLst/>
+          </a:prstGeom>
+          <a:ln>
+            <a:tailEnd type="triangle"/>
+          </a:ln>
+        </p:spPr>
+        <p:style>
+          <a:lnRef idx="1">
+            <a:schemeClr val="accent1"/>
+          </a:lnRef>
+          <a:fillRef idx="0">
+            <a:schemeClr val="accent1"/>
+          </a:fillRef>
+          <a:effectRef idx="0">
+            <a:schemeClr val="accent1"/>
+          </a:effectRef>
+          <a:fontRef idx="minor">
+            <a:schemeClr val="tx1"/>
+          </a:fontRef>
+        </p:style>
+      </p:cxnSp>
+      <p:cxnSp>
+        <p:nvCxnSpPr>
+          <p:cNvPr id="30" name="直接箭头连接符 29"/>
+          <p:cNvCxnSpPr>
+            <a:stCxn id="6" idx="2"/>
+            <a:endCxn id="7" idx="0"/>
+          </p:cNvCxnSpPr>
+          <p:nvPr/>
+        </p:nvCxnSpPr>
+        <p:spPr>
+          <a:xfrm>
+            <a:off x="3446575" y="2345031"/>
+            <a:ext cx="0" cy="496862"/>
+          </a:xfrm>
+          <a:prstGeom prst="straightConnector1">
+            <a:avLst/>
+          </a:prstGeom>
+          <a:ln>
+            <a:tailEnd type="triangle"/>
+          </a:ln>
+        </p:spPr>
+        <p:style>
+          <a:lnRef idx="1">
+            <a:schemeClr val="accent1"/>
+          </a:lnRef>
+          <a:fillRef idx="0">
+            <a:schemeClr val="accent1"/>
+          </a:fillRef>
+          <a:effectRef idx="0">
+            <a:schemeClr val="accent1"/>
+          </a:effectRef>
+          <a:fontRef idx="minor">
+            <a:schemeClr val="tx1"/>
+          </a:fontRef>
+        </p:style>
+      </p:cxnSp>
+      <p:sp>
+        <p:nvSpPr>
+          <p:cNvPr id="33" name="圆角矩形 32"/>
+          <p:cNvSpPr/>
+          <p:nvPr/>
+        </p:nvSpPr>
+        <p:spPr>
+          <a:xfrm>
+            <a:off x="2165691" y="5481816"/>
+            <a:ext cx="2561769" cy="914400"/>
+          </a:xfrm>
+          <a:prstGeom prst="roundRect">
+            <a:avLst/>
+          </a:prstGeom>
+        </p:spPr>
+        <p:style>
+          <a:lnRef idx="2">
+            <a:schemeClr val="accent3">
+              <a:shade val="50000"/>
+            </a:schemeClr>
+          </a:lnRef>
+          <a:fillRef idx="1">
+            <a:schemeClr val="accent3"/>
+          </a:fillRef>
+          <a:effectRef idx="0">
+            <a:schemeClr val="accent3"/>
+          </a:effectRef>
+          <a:fontRef idx="minor">
+            <a:schemeClr val="lt1"/>
+          </a:fontRef>
+        </p:style>
+        <p:txBody>
+          <a:bodyPr rtlCol="0" anchor="ctr"/>
+          <a:lstStyle/>
+          <a:p>
+            <a:pPr algn="ctr"/>
+            <a:r>
+              <a:rPr lang="zh-CN" altLang="en-US" dirty="0" smtClean="0"/>
+              <a:t>按照</a:t>
+            </a:r>
+            <a:r>
+              <a:rPr lang="en-US" altLang="zh-CN" dirty="0" smtClean="0"/>
+              <a:t>A-B</a:t>
+            </a:r>
+            <a:r>
+              <a:rPr lang="zh-CN" altLang="en-US" dirty="0" smtClean="0"/>
+              <a:t>、</a:t>
+            </a:r>
+            <a:r>
+              <a:rPr lang="en-US" altLang="zh-CN" dirty="0" smtClean="0"/>
+              <a:t>C-D</a:t>
+            </a:r>
+            <a:r>
+              <a:rPr lang="zh-CN" altLang="en-US" dirty="0" smtClean="0"/>
+              <a:t>、</a:t>
+            </a:r>
+            <a:r>
+              <a:rPr lang="en-US" altLang="zh-CN" dirty="0" smtClean="0"/>
+              <a:t>E-F</a:t>
+            </a:r>
+            <a:r>
+              <a:rPr lang="zh-CN" altLang="en-US" dirty="0" smtClean="0"/>
+              <a:t>格式连接交点数组生成当前轮廓填充轨迹</a:t>
+            </a:r>
+            <a:endParaRPr lang="zh-CN" altLang="en-US" dirty="0"/>
+          </a:p>
+        </p:txBody>
+      </p:sp>
+      <p:cxnSp>
+        <p:nvCxnSpPr>
+          <p:cNvPr id="47" name="肘形连接符 46"/>
+          <p:cNvCxnSpPr>
+            <a:stCxn id="33" idx="2"/>
+            <a:endCxn id="4" idx="1"/>
+          </p:cNvCxnSpPr>
+          <p:nvPr/>
+        </p:nvCxnSpPr>
+        <p:spPr>
+          <a:xfrm rot="5400000" flipH="1">
+            <a:off x="-35165" y="2914476"/>
+            <a:ext cx="5904701" cy="1058780"/>
+          </a:xfrm>
+          <a:prstGeom prst="bentConnector4">
+            <a:avLst>
+              <a:gd name="adj1" fmla="val -3871"/>
+              <a:gd name="adj2" fmla="val 224238"/>
+            </a:avLst>
+          </a:prstGeom>
+          <a:ln>
+            <a:tailEnd type="triangle"/>
+          </a:ln>
+        </p:spPr>
+        <p:style>
+          <a:lnRef idx="1">
+            <a:schemeClr val="accent1"/>
+          </a:lnRef>
+          <a:fillRef idx="0">
+            <a:schemeClr val="accent1"/>
+          </a:fillRef>
+          <a:effectRef idx="0">
+            <a:schemeClr val="accent1"/>
+          </a:effectRef>
+          <a:fontRef idx="minor">
+            <a:schemeClr val="tx1"/>
+          </a:fontRef>
+        </p:style>
+      </p:cxnSp>
+      <p:cxnSp>
+        <p:nvCxnSpPr>
+          <p:cNvPr id="56" name="直接箭头连接符 55"/>
+          <p:cNvCxnSpPr>
+            <a:stCxn id="4" idx="3"/>
+            <a:endCxn id="5" idx="1"/>
+          </p:cNvCxnSpPr>
+          <p:nvPr/>
+        </p:nvCxnSpPr>
+        <p:spPr>
+          <a:xfrm flipV="1">
+            <a:off x="4505354" y="489932"/>
+            <a:ext cx="2188087" cy="1583"/>
+          </a:xfrm>
+          <a:prstGeom prst="straightConnector1">
+            <a:avLst/>
+          </a:prstGeom>
+          <a:ln>
+            <a:tailEnd type="triangle"/>
+          </a:ln>
+        </p:spPr>
+        <p:style>
+          <a:lnRef idx="1">
+            <a:schemeClr val="accent1"/>
+          </a:lnRef>
+          <a:fillRef idx="0">
+            <a:schemeClr val="accent1"/>
+          </a:fillRef>
+          <a:effectRef idx="0">
+            <a:schemeClr val="accent1"/>
+          </a:effectRef>
+          <a:fontRef idx="minor">
+            <a:schemeClr val="tx1"/>
+          </a:fontRef>
+        </p:style>
+      </p:cxnSp>
+      <p:sp>
+        <p:nvSpPr>
+          <p:cNvPr id="58" name="文本框 57"/>
+          <p:cNvSpPr txBox="1"/>
+          <p:nvPr/>
+        </p:nvSpPr>
+        <p:spPr>
+          <a:xfrm>
+            <a:off x="4699151" y="120600"/>
+            <a:ext cx="1800493" cy="369332"/>
+          </a:xfrm>
+          <a:prstGeom prst="rect">
+            <a:avLst/>
+          </a:prstGeom>
+          <a:noFill/>
+        </p:spPr>
+        <p:txBody>
+          <a:bodyPr wrap="none" rtlCol="0">
+            <a:spAutoFit/>
+          </a:bodyPr>
+          <a:lstStyle/>
+          <a:p>
+            <a:r>
+              <a:rPr lang="zh-CN" altLang="en-US" dirty="0"/>
+              <a:t>遍历完轮廓数组</a:t>
+            </a:r>
+            <a:endParaRPr lang="zh-CN" altLang="en-US" dirty="0"/>
+          </a:p>
+        </p:txBody>
+      </p:sp>
+      <p:sp>
+        <p:nvSpPr>
+          <p:cNvPr id="59" name="文本框 58"/>
+          <p:cNvSpPr txBox="1"/>
+          <p:nvPr/>
+        </p:nvSpPr>
+        <p:spPr>
+          <a:xfrm>
+            <a:off x="3059288" y="2405076"/>
+            <a:ext cx="774571" cy="369332"/>
+          </a:xfrm>
+          <a:prstGeom prst="rect">
+            <a:avLst/>
+          </a:prstGeom>
+          <a:noFill/>
+        </p:spPr>
+        <p:txBody>
+          <a:bodyPr wrap="none" rtlCol="0">
+            <a:spAutoFit/>
+          </a:bodyPr>
+          <a:lstStyle/>
+          <a:p>
+            <a:r>
+              <a:rPr lang="en-US" altLang="zh-CN" dirty="0" smtClean="0"/>
+              <a:t>H&gt;EH</a:t>
+            </a:r>
+            <a:endParaRPr lang="zh-CN" altLang="en-US" dirty="0"/>
+          </a:p>
+        </p:txBody>
+      </p:sp>
+      <p:cxnSp>
+        <p:nvCxnSpPr>
+          <p:cNvPr id="61" name="直接箭头连接符 60"/>
+          <p:cNvCxnSpPr>
+            <a:stCxn id="8" idx="3"/>
+            <a:endCxn id="69" idx="0"/>
+          </p:cNvCxnSpPr>
+          <p:nvPr/>
+        </p:nvCxnSpPr>
+        <p:spPr>
+          <a:xfrm>
+            <a:off x="4298411" y="4792612"/>
+            <a:ext cx="3076875" cy="820750"/>
+          </a:xfrm>
+          <a:prstGeom prst="straightConnector1">
+            <a:avLst/>
+          </a:prstGeom>
+          <a:ln>
+            <a:tailEnd type="triangle"/>
+          </a:ln>
+        </p:spPr>
+        <p:style>
+          <a:lnRef idx="1">
+            <a:schemeClr val="accent1"/>
+          </a:lnRef>
+          <a:fillRef idx="0">
+            <a:schemeClr val="accent1"/>
+          </a:fillRef>
+          <a:effectRef idx="0">
+            <a:schemeClr val="accent1"/>
+          </a:effectRef>
+          <a:fontRef idx="minor">
+            <a:schemeClr val="tx1"/>
+          </a:fontRef>
+        </p:style>
+      </p:cxnSp>
+      <p:sp>
+        <p:nvSpPr>
+          <p:cNvPr id="69" name="圆角矩形 68"/>
+          <p:cNvSpPr/>
+          <p:nvPr/>
+        </p:nvSpPr>
+        <p:spPr>
+          <a:xfrm>
+            <a:off x="6404738" y="5613362"/>
+            <a:ext cx="1941095" cy="651308"/>
+          </a:xfrm>
+          <a:prstGeom prst="roundRect">
+            <a:avLst/>
+          </a:prstGeom>
+        </p:spPr>
+        <p:style>
+          <a:lnRef idx="2">
+            <a:schemeClr val="accent3">
+              <a:shade val="50000"/>
+            </a:schemeClr>
+          </a:lnRef>
+          <a:fillRef idx="1">
+            <a:schemeClr val="accent3"/>
+          </a:fillRef>
+          <a:effectRef idx="0">
+            <a:schemeClr val="accent3"/>
+          </a:effectRef>
+          <a:fontRef idx="minor">
+            <a:schemeClr val="lt1"/>
+          </a:fontRef>
+        </p:style>
+        <p:txBody>
+          <a:bodyPr rtlCol="0" anchor="ctr"/>
+          <a:lstStyle/>
+          <a:p>
+            <a:pPr algn="ctr"/>
+            <a:r>
+              <a:rPr lang="en-US" altLang="zh-CN" dirty="0"/>
+              <a:t>H=H+D</a:t>
+            </a:r>
+            <a:endParaRPr lang="zh-CN" altLang="en-US" dirty="0"/>
+          </a:p>
+        </p:txBody>
+      </p:sp>
+      <p:cxnSp>
+        <p:nvCxnSpPr>
+          <p:cNvPr id="72" name="直接箭头连接符 71"/>
+          <p:cNvCxnSpPr>
+            <a:stCxn id="22" idx="2"/>
+            <a:endCxn id="69" idx="0"/>
+          </p:cNvCxnSpPr>
+          <p:nvPr/>
+        </p:nvCxnSpPr>
+        <p:spPr>
+          <a:xfrm>
+            <a:off x="7375286" y="5118266"/>
+            <a:ext cx="0" cy="495096"/>
+          </a:xfrm>
+          <a:prstGeom prst="straightConnector1">
+            <a:avLst/>
+          </a:prstGeom>
+          <a:ln>
+            <a:tailEnd type="triangle"/>
+          </a:ln>
+        </p:spPr>
+        <p:style>
+          <a:lnRef idx="1">
+            <a:schemeClr val="accent1"/>
+          </a:lnRef>
+          <a:fillRef idx="0">
+            <a:schemeClr val="accent1"/>
+          </a:fillRef>
+          <a:effectRef idx="0">
+            <a:schemeClr val="accent1"/>
+          </a:effectRef>
+          <a:fontRef idx="minor">
+            <a:schemeClr val="tx1"/>
+          </a:fontRef>
+        </p:style>
+      </p:cxnSp>
+      <p:cxnSp>
+        <p:nvCxnSpPr>
+          <p:cNvPr id="76" name="肘形连接符 75"/>
+          <p:cNvCxnSpPr>
+            <a:stCxn id="14" idx="3"/>
+            <a:endCxn id="69" idx="0"/>
+          </p:cNvCxnSpPr>
+          <p:nvPr/>
+        </p:nvCxnSpPr>
+        <p:spPr>
+          <a:xfrm flipH="1">
+            <a:off x="7375286" y="3167547"/>
+            <a:ext cx="970547" cy="2445815"/>
+          </a:xfrm>
+          <a:prstGeom prst="bentConnector4">
+            <a:avLst>
+              <a:gd name="adj1" fmla="val -23554"/>
+              <a:gd name="adj2" fmla="val 89980"/>
+            </a:avLst>
+          </a:prstGeom>
+          <a:ln>
+            <a:tailEnd type="triangle"/>
+          </a:ln>
+        </p:spPr>
+        <p:style>
+          <a:lnRef idx="1">
+            <a:schemeClr val="accent1"/>
+          </a:lnRef>
+          <a:fillRef idx="0">
+            <a:schemeClr val="accent1"/>
+          </a:fillRef>
+          <a:effectRef idx="0">
+            <a:schemeClr val="accent1"/>
+          </a:effectRef>
+          <a:fontRef idx="minor">
+            <a:schemeClr val="tx1"/>
+          </a:fontRef>
+        </p:style>
+      </p:cxnSp>
+      <p:sp>
+        <p:nvSpPr>
+          <p:cNvPr id="88" name="文本框 87"/>
+          <p:cNvSpPr txBox="1"/>
+          <p:nvPr/>
+        </p:nvSpPr>
+        <p:spPr>
+          <a:xfrm>
+            <a:off x="2474029" y="921672"/>
+            <a:ext cx="2031325" cy="369332"/>
+          </a:xfrm>
+          <a:prstGeom prst="rect">
+            <a:avLst/>
+          </a:prstGeom>
+          <a:noFill/>
+        </p:spPr>
+        <p:txBody>
+          <a:bodyPr wrap="none" rtlCol="0">
+            <a:spAutoFit/>
+          </a:bodyPr>
+          <a:lstStyle/>
+          <a:p>
+            <a:r>
+              <a:rPr lang="zh-CN" altLang="en-US" dirty="0"/>
+              <a:t>未</a:t>
+            </a:r>
+            <a:r>
+              <a:rPr lang="zh-CN" altLang="en-US" dirty="0" smtClean="0"/>
+              <a:t>遍历</a:t>
+            </a:r>
+            <a:r>
+              <a:rPr lang="zh-CN" altLang="en-US" dirty="0"/>
+              <a:t>完轮廓数组</a:t>
+            </a:r>
+            <a:endParaRPr lang="zh-CN" altLang="en-US" dirty="0"/>
+          </a:p>
+        </p:txBody>
+      </p:sp>
+      <p:cxnSp>
+        <p:nvCxnSpPr>
+          <p:cNvPr id="99" name="肘形连接符 98"/>
+          <p:cNvCxnSpPr>
+            <a:stCxn id="69" idx="3"/>
+            <a:endCxn id="6" idx="3"/>
+          </p:cNvCxnSpPr>
+          <p:nvPr/>
+        </p:nvCxnSpPr>
+        <p:spPr>
+          <a:xfrm flipH="1" flipV="1">
+            <a:off x="4505354" y="1879653"/>
+            <a:ext cx="3840479" cy="4059363"/>
+          </a:xfrm>
+          <a:prstGeom prst="bentConnector3">
+            <a:avLst>
+              <a:gd name="adj1" fmla="val -14492"/>
+            </a:avLst>
+          </a:prstGeom>
+          <a:ln>
+            <a:tailEnd type="triangle"/>
+          </a:ln>
+        </p:spPr>
+        <p:style>
+          <a:lnRef idx="1">
+            <a:schemeClr val="accent1"/>
+          </a:lnRef>
+          <a:fillRef idx="0">
+            <a:schemeClr val="accent1"/>
+          </a:fillRef>
+          <a:effectRef idx="0">
+            <a:schemeClr val="accent1"/>
+          </a:effectRef>
+          <a:fontRef idx="minor">
+            <a:schemeClr val="tx1"/>
+          </a:fontRef>
+        </p:style>
+      </p:cxnSp>
+      <p:cxnSp>
+        <p:nvCxnSpPr>
+          <p:cNvPr id="103" name="肘形连接符 102"/>
+          <p:cNvCxnSpPr>
+            <a:stCxn id="6" idx="1"/>
+            <a:endCxn id="33" idx="1"/>
+          </p:cNvCxnSpPr>
+          <p:nvPr/>
+        </p:nvCxnSpPr>
+        <p:spPr>
+          <a:xfrm rot="10800000" flipV="1">
+            <a:off x="2165692" y="1879652"/>
+            <a:ext cx="222105" cy="4059363"/>
+          </a:xfrm>
+          <a:prstGeom prst="bentConnector3">
+            <a:avLst>
+              <a:gd name="adj1" fmla="val 202924"/>
+            </a:avLst>
+          </a:prstGeom>
+          <a:ln>
+            <a:tailEnd type="triangle"/>
+          </a:ln>
+        </p:spPr>
+        <p:style>
+          <a:lnRef idx="1">
+            <a:schemeClr val="accent1"/>
+          </a:lnRef>
+          <a:fillRef idx="0">
+            <a:schemeClr val="accent1"/>
+          </a:fillRef>
+          <a:effectRef idx="0">
+            <a:schemeClr val="accent1"/>
+          </a:effectRef>
+          <a:fontRef idx="minor">
+            <a:schemeClr val="tx1"/>
+          </a:fontRef>
+        </p:style>
+      </p:cxnSp>
+      <p:sp>
+        <p:nvSpPr>
+          <p:cNvPr id="105" name="文本框 104"/>
+          <p:cNvSpPr txBox="1"/>
+          <p:nvPr/>
+        </p:nvSpPr>
+        <p:spPr>
+          <a:xfrm>
+            <a:off x="1538845" y="2606084"/>
+            <a:ext cx="461665" cy="2759730"/>
+          </a:xfrm>
+          <a:prstGeom prst="rect">
+            <a:avLst/>
+          </a:prstGeom>
+          <a:noFill/>
+        </p:spPr>
+        <p:txBody>
+          <a:bodyPr vert="eaVert" wrap="none" rtlCol="0">
+            <a:spAutoFit/>
+          </a:bodyPr>
+          <a:lstStyle/>
+          <a:p>
+            <a:r>
+              <a:rPr lang="en-US" altLang="zh-CN" dirty="0" smtClean="0"/>
+              <a:t>H&lt;EH</a:t>
+            </a:r>
+            <a:r>
+              <a:rPr lang="zh-CN" altLang="en-US" dirty="0" smtClean="0"/>
+              <a:t>，当前轮廓扫描结束</a:t>
+            </a:r>
+            <a:endParaRPr lang="zh-CN" altLang="en-US" dirty="0"/>
+          </a:p>
+        </p:txBody>
+      </p:sp>
+    </p:spTree>
+    <p:extLst>
+      <p:ext uri="{BB962C8B-B14F-4D97-AF65-F5344CB8AC3E}">
+        <p14:creationId xmlns:p14="http://schemas.microsoft.com/office/powerpoint/2010/main" val="947344364"/>
       </p:ext>
     </p:extLst>
   </p:cSld>

--- a/论文涉及图片.pptx
+++ b/论文涉及图片.pptx
@@ -28,6 +28,11 @@
     <p:sldId id="276" r:id="rId22"/>
     <p:sldId id="277" r:id="rId23"/>
     <p:sldId id="278" r:id="rId24"/>
+    <p:sldId id="279" r:id="rId25"/>
+    <p:sldId id="280" r:id="rId26"/>
+    <p:sldId id="281" r:id="rId27"/>
+    <p:sldId id="282" r:id="rId28"/>
+    <p:sldId id="283" r:id="rId29"/>
   </p:sldIdLst>
   <p:sldSz cx="12192000" cy="6858000"/>
   <p:notesSz cx="6858000" cy="9144000"/>
@@ -238,6 +243,11 @@
         <p14:section name="水平扫描填充算法实际流程" id="{1818DD55-B4FB-48A8-9675-77FE1423188A}">
           <p14:sldIdLst>
             <p14:sldId id="278"/>
+            <p14:sldId id="279"/>
+            <p14:sldId id="280"/>
+            <p14:sldId id="281"/>
+            <p14:sldId id="282"/>
+            <p14:sldId id="283"/>
           </p14:sldIdLst>
         </p14:section>
       </p14:sectionLst>
@@ -396,7 +406,7 @@
           <a:p>
             <a:fld id="{8286CD44-C64B-4896-9FF8-C2A31C4FFE40}" type="datetimeFigureOut">
               <a:rPr lang="zh-CN" altLang="en-US" smtClean="0"/>
-              <a:t>2021-03-16</a:t>
+              <a:t>2021-03-21</a:t>
             </a:fld>
             <a:endParaRPr lang="zh-CN" altLang="en-US"/>
           </a:p>
@@ -594,7 +604,7 @@
           <a:p>
             <a:fld id="{8286CD44-C64B-4896-9FF8-C2A31C4FFE40}" type="datetimeFigureOut">
               <a:rPr lang="zh-CN" altLang="en-US" smtClean="0"/>
-              <a:t>2021-03-16</a:t>
+              <a:t>2021-03-21</a:t>
             </a:fld>
             <a:endParaRPr lang="zh-CN" altLang="en-US"/>
           </a:p>
@@ -802,7 +812,7 @@
           <a:p>
             <a:fld id="{8286CD44-C64B-4896-9FF8-C2A31C4FFE40}" type="datetimeFigureOut">
               <a:rPr lang="zh-CN" altLang="en-US" smtClean="0"/>
-              <a:t>2021-03-16</a:t>
+              <a:t>2021-03-21</a:t>
             </a:fld>
             <a:endParaRPr lang="zh-CN" altLang="en-US"/>
           </a:p>
@@ -1000,7 +1010,7 @@
           <a:p>
             <a:fld id="{8286CD44-C64B-4896-9FF8-C2A31C4FFE40}" type="datetimeFigureOut">
               <a:rPr lang="zh-CN" altLang="en-US" smtClean="0"/>
-              <a:t>2021-03-16</a:t>
+              <a:t>2021-03-21</a:t>
             </a:fld>
             <a:endParaRPr lang="zh-CN" altLang="en-US"/>
           </a:p>
@@ -1275,7 +1285,7 @@
           <a:p>
             <a:fld id="{8286CD44-C64B-4896-9FF8-C2A31C4FFE40}" type="datetimeFigureOut">
               <a:rPr lang="zh-CN" altLang="en-US" smtClean="0"/>
-              <a:t>2021-03-16</a:t>
+              <a:t>2021-03-21</a:t>
             </a:fld>
             <a:endParaRPr lang="zh-CN" altLang="en-US"/>
           </a:p>
@@ -1540,7 +1550,7 @@
           <a:p>
             <a:fld id="{8286CD44-C64B-4896-9FF8-C2A31C4FFE40}" type="datetimeFigureOut">
               <a:rPr lang="zh-CN" altLang="en-US" smtClean="0"/>
-              <a:t>2021-03-16</a:t>
+              <a:t>2021-03-21</a:t>
             </a:fld>
             <a:endParaRPr lang="zh-CN" altLang="en-US"/>
           </a:p>
@@ -1952,7 +1962,7 @@
           <a:p>
             <a:fld id="{8286CD44-C64B-4896-9FF8-C2A31C4FFE40}" type="datetimeFigureOut">
               <a:rPr lang="zh-CN" altLang="en-US" smtClean="0"/>
-              <a:t>2021-03-16</a:t>
+              <a:t>2021-03-21</a:t>
             </a:fld>
             <a:endParaRPr lang="zh-CN" altLang="en-US"/>
           </a:p>
@@ -2093,7 +2103,7 @@
           <a:p>
             <a:fld id="{8286CD44-C64B-4896-9FF8-C2A31C4FFE40}" type="datetimeFigureOut">
               <a:rPr lang="zh-CN" altLang="en-US" smtClean="0"/>
-              <a:t>2021-03-16</a:t>
+              <a:t>2021-03-21</a:t>
             </a:fld>
             <a:endParaRPr lang="zh-CN" altLang="en-US"/>
           </a:p>
@@ -2206,7 +2216,7 @@
           <a:p>
             <a:fld id="{8286CD44-C64B-4896-9FF8-C2A31C4FFE40}" type="datetimeFigureOut">
               <a:rPr lang="zh-CN" altLang="en-US" smtClean="0"/>
-              <a:t>2021-03-16</a:t>
+              <a:t>2021-03-21</a:t>
             </a:fld>
             <a:endParaRPr lang="zh-CN" altLang="en-US"/>
           </a:p>
@@ -2517,7 +2527,7 @@
           <a:p>
             <a:fld id="{8286CD44-C64B-4896-9FF8-C2A31C4FFE40}" type="datetimeFigureOut">
               <a:rPr lang="zh-CN" altLang="en-US" smtClean="0"/>
-              <a:t>2021-03-16</a:t>
+              <a:t>2021-03-21</a:t>
             </a:fld>
             <a:endParaRPr lang="zh-CN" altLang="en-US"/>
           </a:p>
@@ -2805,7 +2815,7 @@
           <a:p>
             <a:fld id="{8286CD44-C64B-4896-9FF8-C2A31C4FFE40}" type="datetimeFigureOut">
               <a:rPr lang="zh-CN" altLang="en-US" smtClean="0"/>
-              <a:t>2021-03-16</a:t>
+              <a:t>2021-03-21</a:t>
             </a:fld>
             <a:endParaRPr lang="zh-CN" altLang="en-US"/>
           </a:p>
@@ -3046,7 +3056,7 @@
           <a:p>
             <a:fld id="{8286CD44-C64B-4896-9FF8-C2A31C4FFE40}" type="datetimeFigureOut">
               <a:rPr lang="zh-CN" altLang="en-US" smtClean="0"/>
-              <a:t>2021-03-16</a:t>
+              <a:t>2021-03-21</a:t>
             </a:fld>
             <a:endParaRPr lang="zh-CN" altLang="en-US"/>
           </a:p>
@@ -16816,7 +16826,6 @@
               <a:rPr lang="zh-CN" altLang="en-US" dirty="0"/>
               <a:t>遍历完轮廓数组</a:t>
             </a:r>
-            <a:endParaRPr lang="zh-CN" altLang="en-US" dirty="0"/>
           </a:p>
         </p:txBody>
       </p:sp>
@@ -17039,7 +17048,6 @@
               <a:rPr lang="zh-CN" altLang="en-US" dirty="0"/>
               <a:t>完轮廓数组</a:t>
             </a:r>
-            <a:endParaRPr lang="zh-CN" altLang="en-US" dirty="0"/>
           </a:p>
         </p:txBody>
       </p:sp>
@@ -17157,6 +17165,444 @@
     <p:extLst>
       <p:ext uri="{BB962C8B-B14F-4D97-AF65-F5344CB8AC3E}">
         <p14:creationId xmlns:p14="http://schemas.microsoft.com/office/powerpoint/2010/main" val="947344364"/>
+      </p:ext>
+    </p:extLst>
+  </p:cSld>
+  <p:clrMapOvr>
+    <a:masterClrMapping/>
+  </p:clrMapOvr>
+</p:sld>
+</file>
+
+<file path=ppt/slides/slide24.xml><?xml version="1.0" encoding="utf-8"?>
+<p:sld xmlns:a="http://schemas.openxmlformats.org/drawingml/2006/main" xmlns:r="http://schemas.openxmlformats.org/officeDocument/2006/relationships" xmlns:p="http://schemas.openxmlformats.org/presentationml/2006/main">
+  <p:cSld>
+    <p:spTree>
+      <p:nvGrpSpPr>
+        <p:cNvPr id="1" name=""/>
+        <p:cNvGrpSpPr/>
+        <p:nvPr/>
+      </p:nvGrpSpPr>
+      <p:grpSpPr>
+        <a:xfrm>
+          <a:off x="0" y="0"/>
+          <a:ext cx="0" cy="0"/>
+          <a:chOff x="0" y="0"/>
+          <a:chExt cx="0" cy="0"/>
+        </a:xfrm>
+      </p:grpSpPr>
+      <p:pic>
+        <p:nvPicPr>
+          <p:cNvPr id="4" name="图片 3"/>
+          <p:cNvPicPr>
+            <a:picLocks noChangeAspect="1"/>
+          </p:cNvPicPr>
+          <p:nvPr/>
+        </p:nvPicPr>
+        <p:blipFill>
+          <a:blip r:embed="rId2"/>
+          <a:stretch>
+            <a:fillRect/>
+          </a:stretch>
+        </p:blipFill>
+        <p:spPr>
+          <a:xfrm>
+            <a:off x="1051744" y="1308842"/>
+            <a:ext cx="5715294" cy="3365673"/>
+          </a:xfrm>
+          <a:prstGeom prst="rect">
+            <a:avLst/>
+          </a:prstGeom>
+        </p:spPr>
+      </p:pic>
+      <p:pic>
+        <p:nvPicPr>
+          <p:cNvPr id="5" name="图片 4"/>
+          <p:cNvPicPr>
+            <a:picLocks noChangeAspect="1"/>
+          </p:cNvPicPr>
+          <p:nvPr/>
+        </p:nvPicPr>
+        <p:blipFill>
+          <a:blip r:embed="rId3"/>
+          <a:stretch>
+            <a:fillRect/>
+          </a:stretch>
+        </p:blipFill>
+        <p:spPr>
+          <a:xfrm>
+            <a:off x="5563731" y="1435849"/>
+            <a:ext cx="4324572" cy="3238666"/>
+          </a:xfrm>
+          <a:prstGeom prst="rect">
+            <a:avLst/>
+          </a:prstGeom>
+        </p:spPr>
+      </p:pic>
+    </p:spTree>
+    <p:extLst>
+      <p:ext uri="{BB962C8B-B14F-4D97-AF65-F5344CB8AC3E}">
+        <p14:creationId xmlns:p14="http://schemas.microsoft.com/office/powerpoint/2010/main" val="2205200459"/>
+      </p:ext>
+    </p:extLst>
+  </p:cSld>
+  <p:clrMapOvr>
+    <a:masterClrMapping/>
+  </p:clrMapOvr>
+</p:sld>
+</file>
+
+<file path=ppt/slides/slide25.xml><?xml version="1.0" encoding="utf-8"?>
+<p:sld xmlns:a="http://schemas.openxmlformats.org/drawingml/2006/main" xmlns:r="http://schemas.openxmlformats.org/officeDocument/2006/relationships" xmlns:p="http://schemas.openxmlformats.org/presentationml/2006/main">
+  <p:cSld>
+    <p:spTree>
+      <p:nvGrpSpPr>
+        <p:cNvPr id="1" name=""/>
+        <p:cNvGrpSpPr/>
+        <p:nvPr/>
+      </p:nvGrpSpPr>
+      <p:grpSpPr>
+        <a:xfrm>
+          <a:off x="0" y="0"/>
+          <a:ext cx="0" cy="0"/>
+          <a:chOff x="0" y="0"/>
+          <a:chExt cx="0" cy="0"/>
+        </a:xfrm>
+      </p:grpSpPr>
+      <p:pic>
+        <p:nvPicPr>
+          <p:cNvPr id="2" name="图片 1"/>
+          <p:cNvPicPr>
+            <a:picLocks noChangeAspect="1"/>
+          </p:cNvPicPr>
+          <p:nvPr/>
+        </p:nvPicPr>
+        <p:blipFill>
+          <a:blip r:embed="rId2"/>
+          <a:stretch>
+            <a:fillRect/>
+          </a:stretch>
+        </p:blipFill>
+        <p:spPr>
+          <a:xfrm>
+            <a:off x="845039" y="1549400"/>
+            <a:ext cx="6330774" cy="3429169"/>
+          </a:xfrm>
+          <a:prstGeom prst="rect">
+            <a:avLst/>
+          </a:prstGeom>
+        </p:spPr>
+      </p:pic>
+      <p:pic>
+        <p:nvPicPr>
+          <p:cNvPr id="6" name="图片 5"/>
+          <p:cNvPicPr>
+            <a:picLocks noChangeAspect="1"/>
+          </p:cNvPicPr>
+          <p:nvPr/>
+        </p:nvPicPr>
+        <p:blipFill>
+          <a:blip r:embed="rId3"/>
+          <a:stretch>
+            <a:fillRect/>
+          </a:stretch>
+        </p:blipFill>
+        <p:spPr>
+          <a:xfrm>
+            <a:off x="7175813" y="1549399"/>
+            <a:ext cx="3468736" cy="3429169"/>
+          </a:xfrm>
+          <a:prstGeom prst="rect">
+            <a:avLst/>
+          </a:prstGeom>
+        </p:spPr>
+      </p:pic>
+    </p:spTree>
+    <p:extLst>
+      <p:ext uri="{BB962C8B-B14F-4D97-AF65-F5344CB8AC3E}">
+        <p14:creationId xmlns:p14="http://schemas.microsoft.com/office/powerpoint/2010/main" val="624142761"/>
+      </p:ext>
+    </p:extLst>
+  </p:cSld>
+  <p:clrMapOvr>
+    <a:masterClrMapping/>
+  </p:clrMapOvr>
+</p:sld>
+</file>
+
+<file path=ppt/slides/slide26.xml><?xml version="1.0" encoding="utf-8"?>
+<p:sld xmlns:a="http://schemas.openxmlformats.org/drawingml/2006/main" xmlns:r="http://schemas.openxmlformats.org/officeDocument/2006/relationships" xmlns:p="http://schemas.openxmlformats.org/presentationml/2006/main">
+  <p:cSld>
+    <p:spTree>
+      <p:nvGrpSpPr>
+        <p:cNvPr id="1" name=""/>
+        <p:cNvGrpSpPr/>
+        <p:nvPr/>
+      </p:nvGrpSpPr>
+      <p:grpSpPr>
+        <a:xfrm>
+          <a:off x="0" y="0"/>
+          <a:ext cx="0" cy="0"/>
+          <a:chOff x="0" y="0"/>
+          <a:chExt cx="0" cy="0"/>
+        </a:xfrm>
+      </p:grpSpPr>
+      <p:pic>
+        <p:nvPicPr>
+          <p:cNvPr id="3" name="图片 2"/>
+          <p:cNvPicPr>
+            <a:picLocks noChangeAspect="1"/>
+          </p:cNvPicPr>
+          <p:nvPr/>
+        </p:nvPicPr>
+        <p:blipFill>
+          <a:blip r:embed="rId2"/>
+          <a:stretch>
+            <a:fillRect/>
+          </a:stretch>
+        </p:blipFill>
+        <p:spPr>
+          <a:xfrm>
+            <a:off x="291829" y="1749650"/>
+            <a:ext cx="6561783" cy="2634028"/>
+          </a:xfrm>
+          <a:prstGeom prst="rect">
+            <a:avLst/>
+          </a:prstGeom>
+        </p:spPr>
+      </p:pic>
+      <p:pic>
+        <p:nvPicPr>
+          <p:cNvPr id="4" name="图片 3"/>
+          <p:cNvPicPr>
+            <a:picLocks noChangeAspect="1"/>
+          </p:cNvPicPr>
+          <p:nvPr/>
+        </p:nvPicPr>
+        <p:blipFill>
+          <a:blip r:embed="rId3"/>
+          <a:stretch>
+            <a:fillRect/>
+          </a:stretch>
+        </p:blipFill>
+        <p:spPr>
+          <a:xfrm>
+            <a:off x="6853612" y="1749650"/>
+            <a:ext cx="2871976" cy="2634028"/>
+          </a:xfrm>
+          <a:prstGeom prst="rect">
+            <a:avLst/>
+          </a:prstGeom>
+        </p:spPr>
+      </p:pic>
+    </p:spTree>
+    <p:extLst>
+      <p:ext uri="{BB962C8B-B14F-4D97-AF65-F5344CB8AC3E}">
+        <p14:creationId xmlns:p14="http://schemas.microsoft.com/office/powerpoint/2010/main" val="1593951343"/>
+      </p:ext>
+    </p:extLst>
+  </p:cSld>
+  <p:clrMapOvr>
+    <a:masterClrMapping/>
+  </p:clrMapOvr>
+</p:sld>
+</file>
+
+<file path=ppt/slides/slide27.xml><?xml version="1.0" encoding="utf-8"?>
+<p:sld xmlns:a="http://schemas.openxmlformats.org/drawingml/2006/main" xmlns:r="http://schemas.openxmlformats.org/officeDocument/2006/relationships" xmlns:p="http://schemas.openxmlformats.org/presentationml/2006/main">
+  <p:cSld>
+    <p:spTree>
+      <p:nvGrpSpPr>
+        <p:cNvPr id="1" name=""/>
+        <p:cNvGrpSpPr/>
+        <p:nvPr/>
+      </p:nvGrpSpPr>
+      <p:grpSpPr>
+        <a:xfrm>
+          <a:off x="0" y="0"/>
+          <a:ext cx="0" cy="0"/>
+          <a:chOff x="0" y="0"/>
+          <a:chExt cx="0" cy="0"/>
+        </a:xfrm>
+      </p:grpSpPr>
+      <p:pic>
+        <p:nvPicPr>
+          <p:cNvPr id="4" name="图片 3"/>
+          <p:cNvPicPr>
+            <a:picLocks noChangeAspect="1"/>
+          </p:cNvPicPr>
+          <p:nvPr/>
+        </p:nvPicPr>
+        <p:blipFill>
+          <a:blip r:embed="rId2"/>
+          <a:stretch>
+            <a:fillRect/>
+          </a:stretch>
+        </p:blipFill>
+        <p:spPr>
+          <a:xfrm>
+            <a:off x="3701781" y="2581230"/>
+            <a:ext cx="2267220" cy="1316769"/>
+          </a:xfrm>
+          <a:prstGeom prst="rect">
+            <a:avLst/>
+          </a:prstGeom>
+        </p:spPr>
+      </p:pic>
+      <p:pic>
+        <p:nvPicPr>
+          <p:cNvPr id="5" name="图片 4"/>
+          <p:cNvPicPr>
+            <a:picLocks noChangeAspect="1"/>
+          </p:cNvPicPr>
+          <p:nvPr/>
+        </p:nvPicPr>
+        <p:blipFill>
+          <a:blip r:embed="rId3"/>
+          <a:stretch>
+            <a:fillRect/>
+          </a:stretch>
+        </p:blipFill>
+        <p:spPr>
+          <a:xfrm>
+            <a:off x="5289508" y="2581231"/>
+            <a:ext cx="1612983" cy="1695537"/>
+          </a:xfrm>
+          <a:prstGeom prst="rect">
+            <a:avLst/>
+          </a:prstGeom>
+        </p:spPr>
+      </p:pic>
+      <p:pic>
+        <p:nvPicPr>
+          <p:cNvPr id="6" name="图片 5"/>
+          <p:cNvPicPr>
+            <a:picLocks noChangeAspect="1"/>
+          </p:cNvPicPr>
+          <p:nvPr/>
+        </p:nvPicPr>
+        <p:blipFill>
+          <a:blip r:embed="rId4"/>
+          <a:stretch>
+            <a:fillRect/>
+          </a:stretch>
+        </p:blipFill>
+        <p:spPr>
+          <a:xfrm>
+            <a:off x="6902491" y="2581230"/>
+            <a:ext cx="1744168" cy="1719945"/>
+          </a:xfrm>
+          <a:prstGeom prst="rect">
+            <a:avLst/>
+          </a:prstGeom>
+        </p:spPr>
+      </p:pic>
+    </p:spTree>
+    <p:extLst>
+      <p:ext uri="{BB962C8B-B14F-4D97-AF65-F5344CB8AC3E}">
+        <p14:creationId xmlns:p14="http://schemas.microsoft.com/office/powerpoint/2010/main" val="3149953693"/>
+      </p:ext>
+    </p:extLst>
+  </p:cSld>
+  <p:clrMapOvr>
+    <a:masterClrMapping/>
+  </p:clrMapOvr>
+</p:sld>
+</file>
+
+<file path=ppt/slides/slide28.xml><?xml version="1.0" encoding="utf-8"?>
+<p:sld xmlns:a="http://schemas.openxmlformats.org/drawingml/2006/main" xmlns:r="http://schemas.openxmlformats.org/officeDocument/2006/relationships" xmlns:p="http://schemas.openxmlformats.org/presentationml/2006/main">
+  <p:cSld>
+    <p:spTree>
+      <p:nvGrpSpPr>
+        <p:cNvPr id="1" name=""/>
+        <p:cNvGrpSpPr/>
+        <p:nvPr/>
+      </p:nvGrpSpPr>
+      <p:grpSpPr>
+        <a:xfrm>
+          <a:off x="0" y="0"/>
+          <a:ext cx="0" cy="0"/>
+          <a:chOff x="0" y="0"/>
+          <a:chExt cx="0" cy="0"/>
+        </a:xfrm>
+      </p:grpSpPr>
+      <p:pic>
+        <p:nvPicPr>
+          <p:cNvPr id="4" name="图片 3"/>
+          <p:cNvPicPr>
+            <a:picLocks noChangeAspect="1"/>
+          </p:cNvPicPr>
+          <p:nvPr/>
+        </p:nvPicPr>
+        <p:blipFill>
+          <a:blip r:embed="rId2"/>
+          <a:stretch>
+            <a:fillRect/>
+          </a:stretch>
+        </p:blipFill>
+        <p:spPr>
+          <a:xfrm>
+            <a:off x="5248262" y="3267066"/>
+            <a:ext cx="514376" cy="323867"/>
+          </a:xfrm>
+          <a:prstGeom prst="rect">
+            <a:avLst/>
+          </a:prstGeom>
+        </p:spPr>
+      </p:pic>
+      <p:pic>
+        <p:nvPicPr>
+          <p:cNvPr id="5" name="图片 4"/>
+          <p:cNvPicPr>
+            <a:picLocks noChangeAspect="1"/>
+          </p:cNvPicPr>
+          <p:nvPr/>
+        </p:nvPicPr>
+        <p:blipFill>
+          <a:blip r:embed="rId3"/>
+          <a:stretch>
+            <a:fillRect/>
+          </a:stretch>
+        </p:blipFill>
+        <p:spPr>
+          <a:xfrm>
+            <a:off x="5762638" y="3267066"/>
+            <a:ext cx="501676" cy="323867"/>
+          </a:xfrm>
+          <a:prstGeom prst="rect">
+            <a:avLst/>
+          </a:prstGeom>
+        </p:spPr>
+      </p:pic>
+      <p:pic>
+        <p:nvPicPr>
+          <p:cNvPr id="6" name="图片 5"/>
+          <p:cNvPicPr>
+            <a:picLocks noChangeAspect="1"/>
+          </p:cNvPicPr>
+          <p:nvPr/>
+        </p:nvPicPr>
+        <p:blipFill>
+          <a:blip r:embed="rId4"/>
+          <a:stretch>
+            <a:fillRect/>
+          </a:stretch>
+        </p:blipFill>
+        <p:spPr>
+          <a:xfrm>
+            <a:off x="6264314" y="3267066"/>
+            <a:ext cx="482856" cy="323867"/>
+          </a:xfrm>
+          <a:prstGeom prst="rect">
+            <a:avLst/>
+          </a:prstGeom>
+        </p:spPr>
+      </p:pic>
+    </p:spTree>
+    <p:extLst>
+      <p:ext uri="{BB962C8B-B14F-4D97-AF65-F5344CB8AC3E}">
+        <p14:creationId xmlns:p14="http://schemas.microsoft.com/office/powerpoint/2010/main" val="1682664058"/>
       </p:ext>
     </p:extLst>
   </p:cSld>

--- a/论文涉及图片.pptx
+++ b/论文涉及图片.pptx
@@ -33,6 +33,9 @@
     <p:sldId id="281" r:id="rId27"/>
     <p:sldId id="282" r:id="rId28"/>
     <p:sldId id="283" r:id="rId29"/>
+    <p:sldId id="284" r:id="rId30"/>
+    <p:sldId id="285" r:id="rId31"/>
+    <p:sldId id="286" r:id="rId32"/>
   </p:sldIdLst>
   <p:sldSz cx="12192000" cy="6858000"/>
   <p:notesSz cx="6858000" cy="9144000"/>
@@ -250,6 +253,13 @@
             <p14:sldId id="283"/>
           </p14:sldIdLst>
         </p14:section>
+        <p14:section name="正投影和透视投影" id="{63F1ED53-EB0F-4A2E-BA79-3E4AEF612F9E}">
+          <p14:sldIdLst>
+            <p14:sldId id="284"/>
+            <p14:sldId id="285"/>
+            <p14:sldId id="286"/>
+          </p14:sldIdLst>
+        </p14:section>
       </p14:sectionLst>
     </p:ext>
     <p:ext uri="{EFAFB233-063F-42B5-8137-9DF3F51BA10A}">
@@ -406,7 +416,7 @@
           <a:p>
             <a:fld id="{8286CD44-C64B-4896-9FF8-C2A31C4FFE40}" type="datetimeFigureOut">
               <a:rPr lang="zh-CN" altLang="en-US" smtClean="0"/>
-              <a:t>2021-03-21</a:t>
+              <a:t>2021-03-22</a:t>
             </a:fld>
             <a:endParaRPr lang="zh-CN" altLang="en-US"/>
           </a:p>
@@ -604,7 +614,7 @@
           <a:p>
             <a:fld id="{8286CD44-C64B-4896-9FF8-C2A31C4FFE40}" type="datetimeFigureOut">
               <a:rPr lang="zh-CN" altLang="en-US" smtClean="0"/>
-              <a:t>2021-03-21</a:t>
+              <a:t>2021-03-22</a:t>
             </a:fld>
             <a:endParaRPr lang="zh-CN" altLang="en-US"/>
           </a:p>
@@ -812,7 +822,7 @@
           <a:p>
             <a:fld id="{8286CD44-C64B-4896-9FF8-C2A31C4FFE40}" type="datetimeFigureOut">
               <a:rPr lang="zh-CN" altLang="en-US" smtClean="0"/>
-              <a:t>2021-03-21</a:t>
+              <a:t>2021-03-22</a:t>
             </a:fld>
             <a:endParaRPr lang="zh-CN" altLang="en-US"/>
           </a:p>
@@ -1010,7 +1020,7 @@
           <a:p>
             <a:fld id="{8286CD44-C64B-4896-9FF8-C2A31C4FFE40}" type="datetimeFigureOut">
               <a:rPr lang="zh-CN" altLang="en-US" smtClean="0"/>
-              <a:t>2021-03-21</a:t>
+              <a:t>2021-03-22</a:t>
             </a:fld>
             <a:endParaRPr lang="zh-CN" altLang="en-US"/>
           </a:p>
@@ -1285,7 +1295,7 @@
           <a:p>
             <a:fld id="{8286CD44-C64B-4896-9FF8-C2A31C4FFE40}" type="datetimeFigureOut">
               <a:rPr lang="zh-CN" altLang="en-US" smtClean="0"/>
-              <a:t>2021-03-21</a:t>
+              <a:t>2021-03-22</a:t>
             </a:fld>
             <a:endParaRPr lang="zh-CN" altLang="en-US"/>
           </a:p>
@@ -1550,7 +1560,7 @@
           <a:p>
             <a:fld id="{8286CD44-C64B-4896-9FF8-C2A31C4FFE40}" type="datetimeFigureOut">
               <a:rPr lang="zh-CN" altLang="en-US" smtClean="0"/>
-              <a:t>2021-03-21</a:t>
+              <a:t>2021-03-22</a:t>
             </a:fld>
             <a:endParaRPr lang="zh-CN" altLang="en-US"/>
           </a:p>
@@ -1962,7 +1972,7 @@
           <a:p>
             <a:fld id="{8286CD44-C64B-4896-9FF8-C2A31C4FFE40}" type="datetimeFigureOut">
               <a:rPr lang="zh-CN" altLang="en-US" smtClean="0"/>
-              <a:t>2021-03-21</a:t>
+              <a:t>2021-03-22</a:t>
             </a:fld>
             <a:endParaRPr lang="zh-CN" altLang="en-US"/>
           </a:p>
@@ -2103,7 +2113,7 @@
           <a:p>
             <a:fld id="{8286CD44-C64B-4896-9FF8-C2A31C4FFE40}" type="datetimeFigureOut">
               <a:rPr lang="zh-CN" altLang="en-US" smtClean="0"/>
-              <a:t>2021-03-21</a:t>
+              <a:t>2021-03-22</a:t>
             </a:fld>
             <a:endParaRPr lang="zh-CN" altLang="en-US"/>
           </a:p>
@@ -2216,7 +2226,7 @@
           <a:p>
             <a:fld id="{8286CD44-C64B-4896-9FF8-C2A31C4FFE40}" type="datetimeFigureOut">
               <a:rPr lang="zh-CN" altLang="en-US" smtClean="0"/>
-              <a:t>2021-03-21</a:t>
+              <a:t>2021-03-22</a:t>
             </a:fld>
             <a:endParaRPr lang="zh-CN" altLang="en-US"/>
           </a:p>
@@ -2527,7 +2537,7 @@
           <a:p>
             <a:fld id="{8286CD44-C64B-4896-9FF8-C2A31C4FFE40}" type="datetimeFigureOut">
               <a:rPr lang="zh-CN" altLang="en-US" smtClean="0"/>
-              <a:t>2021-03-21</a:t>
+              <a:t>2021-03-22</a:t>
             </a:fld>
             <a:endParaRPr lang="zh-CN" altLang="en-US"/>
           </a:p>
@@ -2815,7 +2825,7 @@
           <a:p>
             <a:fld id="{8286CD44-C64B-4896-9FF8-C2A31C4FFE40}" type="datetimeFigureOut">
               <a:rPr lang="zh-CN" altLang="en-US" smtClean="0"/>
-              <a:t>2021-03-21</a:t>
+              <a:t>2021-03-22</a:t>
             </a:fld>
             <a:endParaRPr lang="zh-CN" altLang="en-US"/>
           </a:p>
@@ -3056,7 +3066,7 @@
           <a:p>
             <a:fld id="{8286CD44-C64B-4896-9FF8-C2A31C4FFE40}" type="datetimeFigureOut">
               <a:rPr lang="zh-CN" altLang="en-US" smtClean="0"/>
-              <a:t>2021-03-21</a:t>
+              <a:t>2021-03-22</a:t>
             </a:fld>
             <a:endParaRPr lang="zh-CN" altLang="en-US"/>
           </a:p>
@@ -17612,6 +17622,1126 @@
 </p:sld>
 </file>
 
+<file path=ppt/slides/slide29.xml><?xml version="1.0" encoding="utf-8"?>
+<p:sld xmlns:a="http://schemas.openxmlformats.org/drawingml/2006/main" xmlns:r="http://schemas.openxmlformats.org/officeDocument/2006/relationships" xmlns:p="http://schemas.openxmlformats.org/presentationml/2006/main">
+  <p:cSld>
+    <p:spTree>
+      <p:nvGrpSpPr>
+        <p:cNvPr id="1" name=""/>
+        <p:cNvGrpSpPr/>
+        <p:nvPr/>
+      </p:nvGrpSpPr>
+      <p:grpSpPr>
+        <a:xfrm>
+          <a:off x="0" y="0"/>
+          <a:ext cx="0" cy="0"/>
+          <a:chOff x="0" y="0"/>
+          <a:chExt cx="0" cy="0"/>
+        </a:xfrm>
+      </p:grpSpPr>
+      <p:cxnSp>
+        <p:nvCxnSpPr>
+          <p:cNvPr id="5" name="直接连接符 4"/>
+          <p:cNvCxnSpPr/>
+          <p:nvPr/>
+        </p:nvCxnSpPr>
+        <p:spPr>
+          <a:xfrm>
+            <a:off x="1630017" y="4313583"/>
+            <a:ext cx="8081874" cy="0"/>
+          </a:xfrm>
+          <a:prstGeom prst="line">
+            <a:avLst/>
+          </a:prstGeom>
+        </p:spPr>
+        <p:style>
+          <a:lnRef idx="1">
+            <a:schemeClr val="accent4"/>
+          </a:lnRef>
+          <a:fillRef idx="0">
+            <a:schemeClr val="accent4"/>
+          </a:fillRef>
+          <a:effectRef idx="0">
+            <a:schemeClr val="accent4"/>
+          </a:effectRef>
+          <a:fontRef idx="minor">
+            <a:schemeClr val="tx1"/>
+          </a:fontRef>
+        </p:style>
+      </p:cxnSp>
+      <p:sp>
+        <p:nvSpPr>
+          <p:cNvPr id="6" name="文本框 5"/>
+          <p:cNvSpPr txBox="1"/>
+          <p:nvPr/>
+        </p:nvSpPr>
+        <p:spPr>
+          <a:xfrm>
+            <a:off x="665922" y="4128917"/>
+            <a:ext cx="877163" cy="369332"/>
+          </a:xfrm>
+          <a:prstGeom prst="rect">
+            <a:avLst/>
+          </a:prstGeom>
+          <a:noFill/>
+        </p:spPr>
+        <p:txBody>
+          <a:bodyPr wrap="none" rtlCol="0">
+            <a:spAutoFit/>
+          </a:bodyPr>
+          <a:lstStyle/>
+          <a:p>
+            <a:r>
+              <a:rPr lang="zh-CN" altLang="en-US" dirty="0" smtClean="0"/>
+              <a:t>投影面</a:t>
+            </a:r>
+            <a:endParaRPr lang="zh-CN" altLang="en-US" dirty="0"/>
+          </a:p>
+        </p:txBody>
+      </p:sp>
+      <p:cxnSp>
+        <p:nvCxnSpPr>
+          <p:cNvPr id="8" name="直接连接符 7"/>
+          <p:cNvCxnSpPr/>
+          <p:nvPr/>
+        </p:nvCxnSpPr>
+        <p:spPr>
+          <a:xfrm>
+            <a:off x="2097157" y="3170583"/>
+            <a:ext cx="815008" cy="556591"/>
+          </a:xfrm>
+          <a:prstGeom prst="line">
+            <a:avLst/>
+          </a:prstGeom>
+        </p:spPr>
+        <p:style>
+          <a:lnRef idx="1">
+            <a:schemeClr val="dk1"/>
+          </a:lnRef>
+          <a:fillRef idx="0">
+            <a:schemeClr val="dk1"/>
+          </a:fillRef>
+          <a:effectRef idx="0">
+            <a:schemeClr val="dk1"/>
+          </a:effectRef>
+          <a:fontRef idx="minor">
+            <a:schemeClr val="tx1"/>
+          </a:fontRef>
+        </p:style>
+      </p:cxnSp>
+      <p:cxnSp>
+        <p:nvCxnSpPr>
+          <p:cNvPr id="14" name="直接连接符 13"/>
+          <p:cNvCxnSpPr/>
+          <p:nvPr/>
+        </p:nvCxnSpPr>
+        <p:spPr>
+          <a:xfrm>
+            <a:off x="3299791" y="3448878"/>
+            <a:ext cx="1262270" cy="0"/>
+          </a:xfrm>
+          <a:prstGeom prst="line">
+            <a:avLst/>
+          </a:prstGeom>
+        </p:spPr>
+        <p:style>
+          <a:lnRef idx="1">
+            <a:schemeClr val="dk1"/>
+          </a:lnRef>
+          <a:fillRef idx="0">
+            <a:schemeClr val="dk1"/>
+          </a:fillRef>
+          <a:effectRef idx="0">
+            <a:schemeClr val="dk1"/>
+          </a:effectRef>
+          <a:fontRef idx="minor">
+            <a:schemeClr val="tx1"/>
+          </a:fontRef>
+        </p:style>
+      </p:cxnSp>
+      <p:cxnSp>
+        <p:nvCxnSpPr>
+          <p:cNvPr id="17" name="直接箭头连接符 16"/>
+          <p:cNvCxnSpPr/>
+          <p:nvPr/>
+        </p:nvCxnSpPr>
+        <p:spPr>
+          <a:xfrm>
+            <a:off x="2206487" y="2246243"/>
+            <a:ext cx="0" cy="924340"/>
+          </a:xfrm>
+          <a:prstGeom prst="straightConnector1">
+            <a:avLst/>
+          </a:prstGeom>
+          <a:ln>
+            <a:tailEnd type="triangle"/>
+          </a:ln>
+        </p:spPr>
+        <p:style>
+          <a:lnRef idx="1">
+            <a:schemeClr val="accent1"/>
+          </a:lnRef>
+          <a:fillRef idx="0">
+            <a:schemeClr val="accent1"/>
+          </a:fillRef>
+          <a:effectRef idx="0">
+            <a:schemeClr val="accent1"/>
+          </a:effectRef>
+          <a:fontRef idx="minor">
+            <a:schemeClr val="tx1"/>
+          </a:fontRef>
+        </p:style>
+      </p:cxnSp>
+      <p:cxnSp>
+        <p:nvCxnSpPr>
+          <p:cNvPr id="18" name="直接箭头连接符 17"/>
+          <p:cNvCxnSpPr/>
+          <p:nvPr/>
+        </p:nvCxnSpPr>
+        <p:spPr>
+          <a:xfrm>
+            <a:off x="2358887" y="2339009"/>
+            <a:ext cx="0" cy="924340"/>
+          </a:xfrm>
+          <a:prstGeom prst="straightConnector1">
+            <a:avLst/>
+          </a:prstGeom>
+          <a:ln>
+            <a:tailEnd type="triangle"/>
+          </a:ln>
+        </p:spPr>
+        <p:style>
+          <a:lnRef idx="1">
+            <a:schemeClr val="accent1"/>
+          </a:lnRef>
+          <a:fillRef idx="0">
+            <a:schemeClr val="accent1"/>
+          </a:fillRef>
+          <a:effectRef idx="0">
+            <a:schemeClr val="accent1"/>
+          </a:effectRef>
+          <a:fontRef idx="minor">
+            <a:schemeClr val="tx1"/>
+          </a:fontRef>
+        </p:style>
+      </p:cxnSp>
+      <p:cxnSp>
+        <p:nvCxnSpPr>
+          <p:cNvPr id="19" name="直接箭头连接符 18"/>
+          <p:cNvCxnSpPr/>
+          <p:nvPr/>
+        </p:nvCxnSpPr>
+        <p:spPr>
+          <a:xfrm>
+            <a:off x="2511287" y="2421836"/>
+            <a:ext cx="0" cy="924340"/>
+          </a:xfrm>
+          <a:prstGeom prst="straightConnector1">
+            <a:avLst/>
+          </a:prstGeom>
+          <a:ln>
+            <a:tailEnd type="triangle"/>
+          </a:ln>
+        </p:spPr>
+        <p:style>
+          <a:lnRef idx="1">
+            <a:schemeClr val="accent1"/>
+          </a:lnRef>
+          <a:fillRef idx="0">
+            <a:schemeClr val="accent1"/>
+          </a:fillRef>
+          <a:effectRef idx="0">
+            <a:schemeClr val="accent1"/>
+          </a:effectRef>
+          <a:fontRef idx="minor">
+            <a:schemeClr val="tx1"/>
+          </a:fontRef>
+        </p:style>
+      </p:cxnSp>
+      <p:cxnSp>
+        <p:nvCxnSpPr>
+          <p:cNvPr id="20" name="直接箭头连接符 19"/>
+          <p:cNvCxnSpPr/>
+          <p:nvPr/>
+        </p:nvCxnSpPr>
+        <p:spPr>
+          <a:xfrm>
+            <a:off x="2663687" y="2551043"/>
+            <a:ext cx="0" cy="924340"/>
+          </a:xfrm>
+          <a:prstGeom prst="straightConnector1">
+            <a:avLst/>
+          </a:prstGeom>
+          <a:ln>
+            <a:tailEnd type="triangle"/>
+          </a:ln>
+        </p:spPr>
+        <p:style>
+          <a:lnRef idx="1">
+            <a:schemeClr val="accent1"/>
+          </a:lnRef>
+          <a:fillRef idx="0">
+            <a:schemeClr val="accent1"/>
+          </a:fillRef>
+          <a:effectRef idx="0">
+            <a:schemeClr val="accent1"/>
+          </a:effectRef>
+          <a:fontRef idx="minor">
+            <a:schemeClr val="tx1"/>
+          </a:fontRef>
+        </p:style>
+      </p:cxnSp>
+      <p:cxnSp>
+        <p:nvCxnSpPr>
+          <p:cNvPr id="21" name="直接箭头连接符 20"/>
+          <p:cNvCxnSpPr/>
+          <p:nvPr/>
+        </p:nvCxnSpPr>
+        <p:spPr>
+          <a:xfrm>
+            <a:off x="2816087" y="2663687"/>
+            <a:ext cx="0" cy="924340"/>
+          </a:xfrm>
+          <a:prstGeom prst="straightConnector1">
+            <a:avLst/>
+          </a:prstGeom>
+          <a:ln>
+            <a:tailEnd type="triangle"/>
+          </a:ln>
+        </p:spPr>
+        <p:style>
+          <a:lnRef idx="1">
+            <a:schemeClr val="accent1"/>
+          </a:lnRef>
+          <a:fillRef idx="0">
+            <a:schemeClr val="accent1"/>
+          </a:fillRef>
+          <a:effectRef idx="0">
+            <a:schemeClr val="accent1"/>
+          </a:effectRef>
+          <a:fontRef idx="minor">
+            <a:schemeClr val="tx1"/>
+          </a:fontRef>
+        </p:style>
+      </p:cxnSp>
+      <p:cxnSp>
+        <p:nvCxnSpPr>
+          <p:cNvPr id="23" name="直接连接符 22"/>
+          <p:cNvCxnSpPr/>
+          <p:nvPr/>
+        </p:nvCxnSpPr>
+        <p:spPr>
+          <a:xfrm>
+            <a:off x="2097157" y="3170583"/>
+            <a:ext cx="0" cy="1169504"/>
+          </a:xfrm>
+          <a:prstGeom prst="line">
+            <a:avLst/>
+          </a:prstGeom>
+          <a:ln>
+            <a:prstDash val="dash"/>
+          </a:ln>
+        </p:spPr>
+        <p:style>
+          <a:lnRef idx="1">
+            <a:schemeClr val="accent1"/>
+          </a:lnRef>
+          <a:fillRef idx="0">
+            <a:schemeClr val="accent1"/>
+          </a:fillRef>
+          <a:effectRef idx="0">
+            <a:schemeClr val="accent1"/>
+          </a:effectRef>
+          <a:fontRef idx="minor">
+            <a:schemeClr val="tx1"/>
+          </a:fontRef>
+        </p:style>
+      </p:cxnSp>
+      <p:cxnSp>
+        <p:nvCxnSpPr>
+          <p:cNvPr id="25" name="直接连接符 24"/>
+          <p:cNvCxnSpPr/>
+          <p:nvPr/>
+        </p:nvCxnSpPr>
+        <p:spPr>
+          <a:xfrm>
+            <a:off x="2912165" y="3727174"/>
+            <a:ext cx="0" cy="586409"/>
+          </a:xfrm>
+          <a:prstGeom prst="line">
+            <a:avLst/>
+          </a:prstGeom>
+          <a:ln>
+            <a:prstDash val="dash"/>
+          </a:ln>
+        </p:spPr>
+        <p:style>
+          <a:lnRef idx="1">
+            <a:schemeClr val="accent1"/>
+          </a:lnRef>
+          <a:fillRef idx="0">
+            <a:schemeClr val="accent1"/>
+          </a:fillRef>
+          <a:effectRef idx="0">
+            <a:schemeClr val="accent1"/>
+          </a:effectRef>
+          <a:fontRef idx="minor">
+            <a:schemeClr val="tx1"/>
+          </a:fontRef>
+        </p:style>
+      </p:cxnSp>
+      <p:cxnSp>
+        <p:nvCxnSpPr>
+          <p:cNvPr id="28" name="直接连接符 27"/>
+          <p:cNvCxnSpPr/>
+          <p:nvPr/>
+        </p:nvCxnSpPr>
+        <p:spPr>
+          <a:xfrm>
+            <a:off x="2097157" y="4317117"/>
+            <a:ext cx="815008" cy="1"/>
+          </a:xfrm>
+          <a:prstGeom prst="line">
+            <a:avLst/>
+          </a:prstGeom>
+        </p:spPr>
+        <p:style>
+          <a:lnRef idx="1">
+            <a:schemeClr val="dk1"/>
+          </a:lnRef>
+          <a:fillRef idx="0">
+            <a:schemeClr val="dk1"/>
+          </a:fillRef>
+          <a:effectRef idx="0">
+            <a:schemeClr val="dk1"/>
+          </a:effectRef>
+          <a:fontRef idx="minor">
+            <a:schemeClr val="tx1"/>
+          </a:fontRef>
+        </p:style>
+      </p:cxnSp>
+      <p:cxnSp>
+        <p:nvCxnSpPr>
+          <p:cNvPr id="32" name="直接箭头连接符 31"/>
+          <p:cNvCxnSpPr/>
+          <p:nvPr/>
+        </p:nvCxnSpPr>
+        <p:spPr>
+          <a:xfrm>
+            <a:off x="3309509" y="2522440"/>
+            <a:ext cx="0" cy="924340"/>
+          </a:xfrm>
+          <a:prstGeom prst="straightConnector1">
+            <a:avLst/>
+          </a:prstGeom>
+          <a:ln>
+            <a:tailEnd type="triangle"/>
+          </a:ln>
+        </p:spPr>
+        <p:style>
+          <a:lnRef idx="1">
+            <a:schemeClr val="accent1"/>
+          </a:lnRef>
+          <a:fillRef idx="0">
+            <a:schemeClr val="accent1"/>
+          </a:fillRef>
+          <a:effectRef idx="0">
+            <a:schemeClr val="accent1"/>
+          </a:effectRef>
+          <a:fontRef idx="minor">
+            <a:schemeClr val="tx1"/>
+          </a:fontRef>
+        </p:style>
+      </p:cxnSp>
+      <p:cxnSp>
+        <p:nvCxnSpPr>
+          <p:cNvPr id="33" name="直接箭头连接符 32"/>
+          <p:cNvCxnSpPr/>
+          <p:nvPr/>
+        </p:nvCxnSpPr>
+        <p:spPr>
+          <a:xfrm>
+            <a:off x="3514918" y="2523104"/>
+            <a:ext cx="0" cy="924340"/>
+          </a:xfrm>
+          <a:prstGeom prst="straightConnector1">
+            <a:avLst/>
+          </a:prstGeom>
+          <a:ln>
+            <a:tailEnd type="triangle"/>
+          </a:ln>
+        </p:spPr>
+        <p:style>
+          <a:lnRef idx="1">
+            <a:schemeClr val="accent1"/>
+          </a:lnRef>
+          <a:fillRef idx="0">
+            <a:schemeClr val="accent1"/>
+          </a:fillRef>
+          <a:effectRef idx="0">
+            <a:schemeClr val="accent1"/>
+          </a:effectRef>
+          <a:fontRef idx="minor">
+            <a:schemeClr val="tx1"/>
+          </a:fontRef>
+        </p:style>
+      </p:cxnSp>
+      <p:cxnSp>
+        <p:nvCxnSpPr>
+          <p:cNvPr id="35" name="直接箭头连接符 34"/>
+          <p:cNvCxnSpPr/>
+          <p:nvPr/>
+        </p:nvCxnSpPr>
+        <p:spPr>
+          <a:xfrm>
+            <a:off x="3718118" y="2522440"/>
+            <a:ext cx="0" cy="924340"/>
+          </a:xfrm>
+          <a:prstGeom prst="straightConnector1">
+            <a:avLst/>
+          </a:prstGeom>
+          <a:ln>
+            <a:tailEnd type="triangle"/>
+          </a:ln>
+        </p:spPr>
+        <p:style>
+          <a:lnRef idx="1">
+            <a:schemeClr val="accent1"/>
+          </a:lnRef>
+          <a:fillRef idx="0">
+            <a:schemeClr val="accent1"/>
+          </a:fillRef>
+          <a:effectRef idx="0">
+            <a:schemeClr val="accent1"/>
+          </a:effectRef>
+          <a:fontRef idx="minor">
+            <a:schemeClr val="tx1"/>
+          </a:fontRef>
+        </p:style>
+      </p:cxnSp>
+      <p:cxnSp>
+        <p:nvCxnSpPr>
+          <p:cNvPr id="36" name="直接箭头连接符 35"/>
+          <p:cNvCxnSpPr/>
+          <p:nvPr/>
+        </p:nvCxnSpPr>
+        <p:spPr>
+          <a:xfrm>
+            <a:off x="3930926" y="2522440"/>
+            <a:ext cx="0" cy="924340"/>
+          </a:xfrm>
+          <a:prstGeom prst="straightConnector1">
+            <a:avLst/>
+          </a:prstGeom>
+          <a:ln>
+            <a:tailEnd type="triangle"/>
+          </a:ln>
+        </p:spPr>
+        <p:style>
+          <a:lnRef idx="1">
+            <a:schemeClr val="accent1"/>
+          </a:lnRef>
+          <a:fillRef idx="0">
+            <a:schemeClr val="accent1"/>
+          </a:fillRef>
+          <a:effectRef idx="0">
+            <a:schemeClr val="accent1"/>
+          </a:effectRef>
+          <a:fontRef idx="minor">
+            <a:schemeClr val="tx1"/>
+          </a:fontRef>
+        </p:style>
+      </p:cxnSp>
+      <p:cxnSp>
+        <p:nvCxnSpPr>
+          <p:cNvPr id="37" name="直接箭头连接符 36"/>
+          <p:cNvCxnSpPr/>
+          <p:nvPr/>
+        </p:nvCxnSpPr>
+        <p:spPr>
+          <a:xfrm>
+            <a:off x="4541299" y="2526305"/>
+            <a:ext cx="0" cy="924340"/>
+          </a:xfrm>
+          <a:prstGeom prst="straightConnector1">
+            <a:avLst/>
+          </a:prstGeom>
+          <a:ln>
+            <a:tailEnd type="triangle"/>
+          </a:ln>
+        </p:spPr>
+        <p:style>
+          <a:lnRef idx="1">
+            <a:schemeClr val="accent1"/>
+          </a:lnRef>
+          <a:fillRef idx="0">
+            <a:schemeClr val="accent1"/>
+          </a:fillRef>
+          <a:effectRef idx="0">
+            <a:schemeClr val="accent1"/>
+          </a:effectRef>
+          <a:fontRef idx="minor">
+            <a:schemeClr val="tx1"/>
+          </a:fontRef>
+        </p:style>
+      </p:cxnSp>
+      <p:cxnSp>
+        <p:nvCxnSpPr>
+          <p:cNvPr id="39" name="直接箭头连接符 38"/>
+          <p:cNvCxnSpPr/>
+          <p:nvPr/>
+        </p:nvCxnSpPr>
+        <p:spPr>
+          <a:xfrm>
+            <a:off x="4144286" y="2522440"/>
+            <a:ext cx="0" cy="924340"/>
+          </a:xfrm>
+          <a:prstGeom prst="straightConnector1">
+            <a:avLst/>
+          </a:prstGeom>
+          <a:ln>
+            <a:tailEnd type="triangle"/>
+          </a:ln>
+        </p:spPr>
+        <p:style>
+          <a:lnRef idx="1">
+            <a:schemeClr val="accent1"/>
+          </a:lnRef>
+          <a:fillRef idx="0">
+            <a:schemeClr val="accent1"/>
+          </a:fillRef>
+          <a:effectRef idx="0">
+            <a:schemeClr val="accent1"/>
+          </a:effectRef>
+          <a:fontRef idx="minor">
+            <a:schemeClr val="tx1"/>
+          </a:fontRef>
+        </p:style>
+      </p:cxnSp>
+      <p:cxnSp>
+        <p:nvCxnSpPr>
+          <p:cNvPr id="40" name="直接箭头连接符 39"/>
+          <p:cNvCxnSpPr/>
+          <p:nvPr/>
+        </p:nvCxnSpPr>
+        <p:spPr>
+          <a:xfrm>
+            <a:off x="4347486" y="2522440"/>
+            <a:ext cx="0" cy="924340"/>
+          </a:xfrm>
+          <a:prstGeom prst="straightConnector1">
+            <a:avLst/>
+          </a:prstGeom>
+          <a:ln>
+            <a:tailEnd type="triangle"/>
+          </a:ln>
+        </p:spPr>
+        <p:style>
+          <a:lnRef idx="1">
+            <a:schemeClr val="accent1"/>
+          </a:lnRef>
+          <a:fillRef idx="0">
+            <a:schemeClr val="accent1"/>
+          </a:fillRef>
+          <a:effectRef idx="0">
+            <a:schemeClr val="accent1"/>
+          </a:effectRef>
+          <a:fontRef idx="minor">
+            <a:schemeClr val="tx1"/>
+          </a:fontRef>
+        </p:style>
+      </p:cxnSp>
+      <p:cxnSp>
+        <p:nvCxnSpPr>
+          <p:cNvPr id="41" name="直接连接符 40"/>
+          <p:cNvCxnSpPr/>
+          <p:nvPr/>
+        </p:nvCxnSpPr>
+        <p:spPr>
+          <a:xfrm>
+            <a:off x="3309509" y="3446780"/>
+            <a:ext cx="0" cy="860177"/>
+          </a:xfrm>
+          <a:prstGeom prst="line">
+            <a:avLst/>
+          </a:prstGeom>
+          <a:ln>
+            <a:prstDash val="dash"/>
+          </a:ln>
+        </p:spPr>
+        <p:style>
+          <a:lnRef idx="1">
+            <a:schemeClr val="accent1"/>
+          </a:lnRef>
+          <a:fillRef idx="0">
+            <a:schemeClr val="accent1"/>
+          </a:fillRef>
+          <a:effectRef idx="0">
+            <a:schemeClr val="accent1"/>
+          </a:effectRef>
+          <a:fontRef idx="minor">
+            <a:schemeClr val="tx1"/>
+          </a:fontRef>
+        </p:style>
+      </p:cxnSp>
+      <p:cxnSp>
+        <p:nvCxnSpPr>
+          <p:cNvPr id="43" name="直接连接符 42"/>
+          <p:cNvCxnSpPr/>
+          <p:nvPr/>
+        </p:nvCxnSpPr>
+        <p:spPr>
+          <a:xfrm flipH="1">
+            <a:off x="4551680" y="3453406"/>
+            <a:ext cx="10381" cy="874754"/>
+          </a:xfrm>
+          <a:prstGeom prst="line">
+            <a:avLst/>
+          </a:prstGeom>
+          <a:ln>
+            <a:prstDash val="dash"/>
+          </a:ln>
+        </p:spPr>
+        <p:style>
+          <a:lnRef idx="1">
+            <a:schemeClr val="accent1"/>
+          </a:lnRef>
+          <a:fillRef idx="0">
+            <a:schemeClr val="accent1"/>
+          </a:fillRef>
+          <a:effectRef idx="0">
+            <a:schemeClr val="accent1"/>
+          </a:effectRef>
+          <a:fontRef idx="minor">
+            <a:schemeClr val="tx1"/>
+          </a:fontRef>
+        </p:style>
+      </p:cxnSp>
+      <p:sp>
+        <p:nvSpPr>
+          <p:cNvPr id="45" name="文本框 44"/>
+          <p:cNvSpPr txBox="1"/>
+          <p:nvPr/>
+        </p:nvSpPr>
+        <p:spPr>
+          <a:xfrm>
+            <a:off x="2663687" y="1910371"/>
+            <a:ext cx="1107996" cy="369332"/>
+          </a:xfrm>
+          <a:prstGeom prst="rect">
+            <a:avLst/>
+          </a:prstGeom>
+          <a:noFill/>
+        </p:spPr>
+        <p:txBody>
+          <a:bodyPr wrap="none" rtlCol="0">
+            <a:spAutoFit/>
+          </a:bodyPr>
+          <a:lstStyle/>
+          <a:p>
+            <a:r>
+              <a:rPr lang="zh-CN" altLang="en-US" dirty="0" smtClean="0"/>
+              <a:t>正射投影</a:t>
+            </a:r>
+            <a:endParaRPr lang="zh-CN" altLang="en-US" dirty="0"/>
+          </a:p>
+        </p:txBody>
+      </p:sp>
+      <p:cxnSp>
+        <p:nvCxnSpPr>
+          <p:cNvPr id="46" name="直接连接符 45"/>
+          <p:cNvCxnSpPr/>
+          <p:nvPr/>
+        </p:nvCxnSpPr>
+        <p:spPr>
+          <a:xfrm>
+            <a:off x="3309509" y="4321755"/>
+            <a:ext cx="1262270" cy="0"/>
+          </a:xfrm>
+          <a:prstGeom prst="line">
+            <a:avLst/>
+          </a:prstGeom>
+        </p:spPr>
+        <p:style>
+          <a:lnRef idx="1">
+            <a:schemeClr val="dk1"/>
+          </a:lnRef>
+          <a:fillRef idx="0">
+            <a:schemeClr val="dk1"/>
+          </a:fillRef>
+          <a:effectRef idx="0">
+            <a:schemeClr val="dk1"/>
+          </a:effectRef>
+          <a:fontRef idx="minor">
+            <a:schemeClr val="tx1"/>
+          </a:fontRef>
+        </p:style>
+      </p:cxnSp>
+      <p:cxnSp>
+        <p:nvCxnSpPr>
+          <p:cNvPr id="47" name="直接连接符 46"/>
+          <p:cNvCxnSpPr/>
+          <p:nvPr/>
+        </p:nvCxnSpPr>
+        <p:spPr>
+          <a:xfrm>
+            <a:off x="5595951" y="3446780"/>
+            <a:ext cx="1262270" cy="0"/>
+          </a:xfrm>
+          <a:prstGeom prst="line">
+            <a:avLst/>
+          </a:prstGeom>
+        </p:spPr>
+        <p:style>
+          <a:lnRef idx="1">
+            <a:schemeClr val="dk1"/>
+          </a:lnRef>
+          <a:fillRef idx="0">
+            <a:schemeClr val="dk1"/>
+          </a:fillRef>
+          <a:effectRef idx="0">
+            <a:schemeClr val="dk1"/>
+          </a:effectRef>
+          <a:fontRef idx="minor">
+            <a:schemeClr val="tx1"/>
+          </a:fontRef>
+        </p:style>
+      </p:cxnSp>
+      <p:cxnSp>
+        <p:nvCxnSpPr>
+          <p:cNvPr id="48" name="直接连接符 47"/>
+          <p:cNvCxnSpPr/>
+          <p:nvPr/>
+        </p:nvCxnSpPr>
+        <p:spPr>
+          <a:xfrm>
+            <a:off x="7888725" y="4020378"/>
+            <a:ext cx="1262270" cy="0"/>
+          </a:xfrm>
+          <a:prstGeom prst="line">
+            <a:avLst/>
+          </a:prstGeom>
+        </p:spPr>
+        <p:style>
+          <a:lnRef idx="1">
+            <a:schemeClr val="dk1"/>
+          </a:lnRef>
+          <a:fillRef idx="0">
+            <a:schemeClr val="dk1"/>
+          </a:fillRef>
+          <a:effectRef idx="0">
+            <a:schemeClr val="dk1"/>
+          </a:effectRef>
+          <a:fontRef idx="minor">
+            <a:schemeClr val="tx1"/>
+          </a:fontRef>
+        </p:style>
+      </p:cxnSp>
+      <p:cxnSp>
+        <p:nvCxnSpPr>
+          <p:cNvPr id="50" name="直接连接符 49"/>
+          <p:cNvCxnSpPr/>
+          <p:nvPr/>
+        </p:nvCxnSpPr>
+        <p:spPr>
+          <a:xfrm>
+            <a:off x="5875351" y="2421836"/>
+            <a:ext cx="3182022" cy="0"/>
+          </a:xfrm>
+          <a:prstGeom prst="line">
+            <a:avLst/>
+          </a:prstGeom>
+          <a:ln>
+            <a:prstDash val="dash"/>
+          </a:ln>
+        </p:spPr>
+        <p:style>
+          <a:lnRef idx="1">
+            <a:schemeClr val="dk1"/>
+          </a:lnRef>
+          <a:fillRef idx="0">
+            <a:schemeClr val="dk1"/>
+          </a:fillRef>
+          <a:effectRef idx="0">
+            <a:schemeClr val="dk1"/>
+          </a:effectRef>
+          <a:fontRef idx="minor">
+            <a:schemeClr val="tx1"/>
+          </a:fontRef>
+        </p:style>
+      </p:cxnSp>
+      <p:cxnSp>
+        <p:nvCxnSpPr>
+          <p:cNvPr id="52" name="直接连接符 51"/>
+          <p:cNvCxnSpPr/>
+          <p:nvPr/>
+        </p:nvCxnSpPr>
+        <p:spPr>
+          <a:xfrm flipH="1">
+            <a:off x="5071055" y="2421836"/>
+            <a:ext cx="1146314" cy="1885121"/>
+          </a:xfrm>
+          <a:prstGeom prst="line">
+            <a:avLst/>
+          </a:prstGeom>
+          <a:ln>
+            <a:prstDash val="dash"/>
+            <a:headEnd type="none"/>
+            <a:tailEnd type="triangle"/>
+          </a:ln>
+        </p:spPr>
+        <p:style>
+          <a:lnRef idx="1">
+            <a:schemeClr val="dk1"/>
+          </a:lnRef>
+          <a:fillRef idx="0">
+            <a:schemeClr val="dk1"/>
+          </a:fillRef>
+          <a:effectRef idx="0">
+            <a:schemeClr val="dk1"/>
+          </a:effectRef>
+          <a:fontRef idx="minor">
+            <a:schemeClr val="tx1"/>
+          </a:fontRef>
+        </p:style>
+      </p:cxnSp>
+      <p:cxnSp>
+        <p:nvCxnSpPr>
+          <p:cNvPr id="59" name="直接连接符 58"/>
+          <p:cNvCxnSpPr/>
+          <p:nvPr/>
+        </p:nvCxnSpPr>
+        <p:spPr>
+          <a:xfrm>
+            <a:off x="6227086" y="2421836"/>
+            <a:ext cx="1204677" cy="1899919"/>
+          </a:xfrm>
+          <a:prstGeom prst="line">
+            <a:avLst/>
+          </a:prstGeom>
+          <a:ln>
+            <a:prstDash val="dash"/>
+            <a:tailEnd type="triangle"/>
+          </a:ln>
+        </p:spPr>
+        <p:style>
+          <a:lnRef idx="1">
+            <a:schemeClr val="dk1"/>
+          </a:lnRef>
+          <a:fillRef idx="0">
+            <a:schemeClr val="dk1"/>
+          </a:fillRef>
+          <a:effectRef idx="0">
+            <a:schemeClr val="dk1"/>
+          </a:effectRef>
+          <a:fontRef idx="minor">
+            <a:schemeClr val="tx1"/>
+          </a:fontRef>
+        </p:style>
+      </p:cxnSp>
+      <p:cxnSp>
+        <p:nvCxnSpPr>
+          <p:cNvPr id="71" name="直接连接符 70"/>
+          <p:cNvCxnSpPr/>
+          <p:nvPr/>
+        </p:nvCxnSpPr>
+        <p:spPr>
+          <a:xfrm>
+            <a:off x="5055032" y="4313289"/>
+            <a:ext cx="2380964" cy="0"/>
+          </a:xfrm>
+          <a:prstGeom prst="line">
+            <a:avLst/>
+          </a:prstGeom>
+        </p:spPr>
+        <p:style>
+          <a:lnRef idx="1">
+            <a:schemeClr val="dk1"/>
+          </a:lnRef>
+          <a:fillRef idx="0">
+            <a:schemeClr val="dk1"/>
+          </a:fillRef>
+          <a:effectRef idx="0">
+            <a:schemeClr val="dk1"/>
+          </a:effectRef>
+          <a:fontRef idx="minor">
+            <a:schemeClr val="tx1"/>
+          </a:fontRef>
+        </p:style>
+      </p:cxnSp>
+      <p:sp>
+        <p:nvSpPr>
+          <p:cNvPr id="73" name="文本框 72"/>
+          <p:cNvSpPr txBox="1"/>
+          <p:nvPr/>
+        </p:nvSpPr>
+        <p:spPr>
+          <a:xfrm>
+            <a:off x="4840576" y="2227469"/>
+            <a:ext cx="1107996" cy="369332"/>
+          </a:xfrm>
+          <a:prstGeom prst="rect">
+            <a:avLst/>
+          </a:prstGeom>
+          <a:noFill/>
+        </p:spPr>
+        <p:txBody>
+          <a:bodyPr wrap="none" rtlCol="0">
+            <a:spAutoFit/>
+          </a:bodyPr>
+          <a:lstStyle/>
+          <a:p>
+            <a:r>
+              <a:rPr lang="zh-CN" altLang="en-US" dirty="0" smtClean="0"/>
+              <a:t>观察位置</a:t>
+            </a:r>
+            <a:endParaRPr lang="zh-CN" altLang="en-US" dirty="0"/>
+          </a:p>
+        </p:txBody>
+      </p:sp>
+      <p:cxnSp>
+        <p:nvCxnSpPr>
+          <p:cNvPr id="74" name="直接连接符 73"/>
+          <p:cNvCxnSpPr/>
+          <p:nvPr/>
+        </p:nvCxnSpPr>
+        <p:spPr>
+          <a:xfrm flipH="1">
+            <a:off x="7773505" y="2421836"/>
+            <a:ext cx="656756" cy="1883576"/>
+          </a:xfrm>
+          <a:prstGeom prst="line">
+            <a:avLst/>
+          </a:prstGeom>
+          <a:ln>
+            <a:prstDash val="dash"/>
+            <a:headEnd type="none"/>
+            <a:tailEnd type="triangle"/>
+          </a:ln>
+        </p:spPr>
+        <p:style>
+          <a:lnRef idx="1">
+            <a:schemeClr val="dk1"/>
+          </a:lnRef>
+          <a:fillRef idx="0">
+            <a:schemeClr val="dk1"/>
+          </a:fillRef>
+          <a:effectRef idx="0">
+            <a:schemeClr val="dk1"/>
+          </a:effectRef>
+          <a:fontRef idx="minor">
+            <a:schemeClr val="tx1"/>
+          </a:fontRef>
+        </p:style>
+      </p:cxnSp>
+      <p:cxnSp>
+        <p:nvCxnSpPr>
+          <p:cNvPr id="77" name="直接连接符 76"/>
+          <p:cNvCxnSpPr/>
+          <p:nvPr/>
+        </p:nvCxnSpPr>
+        <p:spPr>
+          <a:xfrm>
+            <a:off x="8430261" y="2412135"/>
+            <a:ext cx="835954" cy="1893277"/>
+          </a:xfrm>
+          <a:prstGeom prst="line">
+            <a:avLst/>
+          </a:prstGeom>
+          <a:ln>
+            <a:prstDash val="dash"/>
+            <a:headEnd type="none"/>
+            <a:tailEnd type="triangle"/>
+          </a:ln>
+        </p:spPr>
+        <p:style>
+          <a:lnRef idx="1">
+            <a:schemeClr val="dk1"/>
+          </a:lnRef>
+          <a:fillRef idx="0">
+            <a:schemeClr val="dk1"/>
+          </a:fillRef>
+          <a:effectRef idx="0">
+            <a:schemeClr val="dk1"/>
+          </a:effectRef>
+          <a:fontRef idx="minor">
+            <a:schemeClr val="tx1"/>
+          </a:fontRef>
+        </p:style>
+      </p:cxnSp>
+      <p:cxnSp>
+        <p:nvCxnSpPr>
+          <p:cNvPr id="80" name="直接连接符 79"/>
+          <p:cNvCxnSpPr/>
+          <p:nvPr/>
+        </p:nvCxnSpPr>
+        <p:spPr>
+          <a:xfrm>
+            <a:off x="7773505" y="4305412"/>
+            <a:ext cx="1492710" cy="0"/>
+          </a:xfrm>
+          <a:prstGeom prst="line">
+            <a:avLst/>
+          </a:prstGeom>
+        </p:spPr>
+        <p:style>
+          <a:lnRef idx="1">
+            <a:schemeClr val="dk1"/>
+          </a:lnRef>
+          <a:fillRef idx="0">
+            <a:schemeClr val="dk1"/>
+          </a:fillRef>
+          <a:effectRef idx="0">
+            <a:schemeClr val="dk1"/>
+          </a:effectRef>
+          <a:fontRef idx="minor">
+            <a:schemeClr val="tx1"/>
+          </a:fontRef>
+        </p:style>
+      </p:cxnSp>
+      <p:sp>
+        <p:nvSpPr>
+          <p:cNvPr id="83" name="文本框 82"/>
+          <p:cNvSpPr txBox="1"/>
+          <p:nvPr/>
+        </p:nvSpPr>
+        <p:spPr>
+          <a:xfrm>
+            <a:off x="7169864" y="1909988"/>
+            <a:ext cx="1107996" cy="369332"/>
+          </a:xfrm>
+          <a:prstGeom prst="rect">
+            <a:avLst/>
+          </a:prstGeom>
+          <a:noFill/>
+        </p:spPr>
+        <p:txBody>
+          <a:bodyPr wrap="none" rtlCol="0">
+            <a:spAutoFit/>
+          </a:bodyPr>
+          <a:lstStyle/>
+          <a:p>
+            <a:r>
+              <a:rPr lang="zh-CN" altLang="en-US" dirty="0" smtClean="0"/>
+              <a:t>透射投影</a:t>
+            </a:r>
+            <a:endParaRPr lang="zh-CN" altLang="en-US" dirty="0"/>
+          </a:p>
+        </p:txBody>
+      </p:sp>
+    </p:spTree>
+    <p:extLst>
+      <p:ext uri="{BB962C8B-B14F-4D97-AF65-F5344CB8AC3E}">
+        <p14:creationId xmlns:p14="http://schemas.microsoft.com/office/powerpoint/2010/main" val="1405201103"/>
+      </p:ext>
+    </p:extLst>
+  </p:cSld>
+  <p:clrMapOvr>
+    <a:masterClrMapping/>
+  </p:clrMapOvr>
+</p:sld>
+</file>
+
 <file path=ppt/slides/slide3.xml><?xml version="1.0" encoding="utf-8"?>
 <p:sld xmlns:a="http://schemas.openxmlformats.org/drawingml/2006/main" xmlns:r="http://schemas.openxmlformats.org/officeDocument/2006/relationships" xmlns:p="http://schemas.openxmlformats.org/presentationml/2006/main">
   <p:cSld>
@@ -19062,6 +20192,200 @@
     <p:extLst>
       <p:ext uri="{BB962C8B-B14F-4D97-AF65-F5344CB8AC3E}">
         <p14:creationId xmlns:p14="http://schemas.microsoft.com/office/powerpoint/2010/main" val="65453060"/>
+      </p:ext>
+    </p:extLst>
+  </p:cSld>
+  <p:clrMapOvr>
+    <a:masterClrMapping/>
+  </p:clrMapOvr>
+</p:sld>
+</file>
+
+<file path=ppt/slides/slide30.xml><?xml version="1.0" encoding="utf-8"?>
+<p:sld xmlns:a="http://schemas.openxmlformats.org/drawingml/2006/main" xmlns:r="http://schemas.openxmlformats.org/officeDocument/2006/relationships" xmlns:p="http://schemas.openxmlformats.org/presentationml/2006/main">
+  <p:cSld>
+    <p:spTree>
+      <p:nvGrpSpPr>
+        <p:cNvPr id="1" name=""/>
+        <p:cNvGrpSpPr/>
+        <p:nvPr/>
+      </p:nvGrpSpPr>
+      <p:grpSpPr>
+        <a:xfrm>
+          <a:off x="0" y="0"/>
+          <a:ext cx="0" cy="0"/>
+          <a:chOff x="0" y="0"/>
+          <a:chExt cx="0" cy="0"/>
+        </a:xfrm>
+      </p:grpSpPr>
+      <p:pic>
+        <p:nvPicPr>
+          <p:cNvPr id="4" name="图片 3"/>
+          <p:cNvPicPr>
+            <a:picLocks noChangeAspect="1"/>
+          </p:cNvPicPr>
+          <p:nvPr/>
+        </p:nvPicPr>
+        <p:blipFill>
+          <a:blip r:embed="rId2"/>
+          <a:stretch>
+            <a:fillRect/>
+          </a:stretch>
+        </p:blipFill>
+        <p:spPr>
+          <a:xfrm>
+            <a:off x="546100" y="1296458"/>
+            <a:ext cx="6070913" cy="3288411"/>
+          </a:xfrm>
+          <a:prstGeom prst="rect">
+            <a:avLst/>
+          </a:prstGeom>
+        </p:spPr>
+      </p:pic>
+      <p:pic>
+        <p:nvPicPr>
+          <p:cNvPr id="5" name="图片 4"/>
+          <p:cNvPicPr>
+            <a:picLocks noChangeAspect="1"/>
+          </p:cNvPicPr>
+          <p:nvPr/>
+        </p:nvPicPr>
+        <p:blipFill>
+          <a:blip r:embed="rId3"/>
+          <a:stretch>
+            <a:fillRect/>
+          </a:stretch>
+        </p:blipFill>
+        <p:spPr>
+          <a:xfrm>
+            <a:off x="6617013" y="1296458"/>
+            <a:ext cx="3346622" cy="3288411"/>
+          </a:xfrm>
+          <a:prstGeom prst="rect">
+            <a:avLst/>
+          </a:prstGeom>
+        </p:spPr>
+      </p:pic>
+      <p:sp>
+        <p:nvSpPr>
+          <p:cNvPr id="6" name="文本框 5"/>
+          <p:cNvSpPr txBox="1"/>
+          <p:nvPr/>
+        </p:nvSpPr>
+        <p:spPr>
+          <a:xfrm>
+            <a:off x="6790554" y="1363133"/>
+            <a:ext cx="2999539" cy="369332"/>
+          </a:xfrm>
+          <a:prstGeom prst="rect">
+            <a:avLst/>
+          </a:prstGeom>
+          <a:noFill/>
+        </p:spPr>
+        <p:txBody>
+          <a:bodyPr wrap="none" rtlCol="0">
+            <a:spAutoFit/>
+          </a:bodyPr>
+          <a:lstStyle/>
+          <a:p>
+            <a:r>
+              <a:rPr lang="zh-CN" altLang="en-US" dirty="0" smtClean="0"/>
+              <a:t>导出的模型在</a:t>
+            </a:r>
+            <a:r>
+              <a:rPr lang="en-US" altLang="zh-CN" dirty="0" smtClean="0"/>
+              <a:t>Print3D</a:t>
+            </a:r>
+            <a:r>
+              <a:rPr lang="zh-CN" altLang="en-US" dirty="0" smtClean="0"/>
+              <a:t>中效果</a:t>
+            </a:r>
+            <a:endParaRPr lang="zh-CN" altLang="en-US" dirty="0"/>
+          </a:p>
+        </p:txBody>
+      </p:sp>
+    </p:spTree>
+    <p:extLst>
+      <p:ext uri="{BB962C8B-B14F-4D97-AF65-F5344CB8AC3E}">
+        <p14:creationId xmlns:p14="http://schemas.microsoft.com/office/powerpoint/2010/main" val="1728353540"/>
+      </p:ext>
+    </p:extLst>
+  </p:cSld>
+  <p:clrMapOvr>
+    <a:masterClrMapping/>
+  </p:clrMapOvr>
+</p:sld>
+</file>
+
+<file path=ppt/slides/slide31.xml><?xml version="1.0" encoding="utf-8"?>
+<p:sld xmlns:a="http://schemas.openxmlformats.org/drawingml/2006/main" xmlns:r="http://schemas.openxmlformats.org/officeDocument/2006/relationships" xmlns:p="http://schemas.openxmlformats.org/presentationml/2006/main">
+  <p:cSld>
+    <p:spTree>
+      <p:nvGrpSpPr>
+        <p:cNvPr id="1" name=""/>
+        <p:cNvGrpSpPr/>
+        <p:nvPr/>
+      </p:nvGrpSpPr>
+      <p:grpSpPr>
+        <a:xfrm>
+          <a:off x="0" y="0"/>
+          <a:ext cx="0" cy="0"/>
+          <a:chOff x="0" y="0"/>
+          <a:chExt cx="0" cy="0"/>
+        </a:xfrm>
+      </p:grpSpPr>
+      <p:pic>
+        <p:nvPicPr>
+          <p:cNvPr id="4" name="图片 3"/>
+          <p:cNvPicPr>
+            <a:picLocks noChangeAspect="1"/>
+          </p:cNvPicPr>
+          <p:nvPr/>
+        </p:nvPicPr>
+        <p:blipFill>
+          <a:blip r:embed="rId2"/>
+          <a:stretch>
+            <a:fillRect/>
+          </a:stretch>
+        </p:blipFill>
+        <p:spPr>
+          <a:xfrm>
+            <a:off x="927099" y="1312333"/>
+            <a:ext cx="3861113" cy="2091436"/>
+          </a:xfrm>
+          <a:prstGeom prst="rect">
+            <a:avLst/>
+          </a:prstGeom>
+        </p:spPr>
+      </p:pic>
+      <p:pic>
+        <p:nvPicPr>
+          <p:cNvPr id="5" name="图片 4"/>
+          <p:cNvPicPr>
+            <a:picLocks noChangeAspect="1"/>
+          </p:cNvPicPr>
+          <p:nvPr/>
+        </p:nvPicPr>
+        <p:blipFill>
+          <a:blip r:embed="rId3"/>
+          <a:stretch>
+            <a:fillRect/>
+          </a:stretch>
+        </p:blipFill>
+        <p:spPr>
+          <a:xfrm>
+            <a:off x="4788212" y="1311995"/>
+            <a:ext cx="3861737" cy="2091774"/>
+          </a:xfrm>
+          <a:prstGeom prst="rect">
+            <a:avLst/>
+          </a:prstGeom>
+        </p:spPr>
+      </p:pic>
+    </p:spTree>
+    <p:extLst>
+      <p:ext uri="{BB962C8B-B14F-4D97-AF65-F5344CB8AC3E}">
+        <p14:creationId xmlns:p14="http://schemas.microsoft.com/office/powerpoint/2010/main" val="662727269"/>
       </p:ext>
     </p:extLst>
   </p:cSld>

--- a/论文涉及图片.pptx
+++ b/论文涉及图片.pptx
@@ -39,6 +39,16 @@
     <p:sldId id="285" r:id="rId33"/>
     <p:sldId id="286" r:id="rId34"/>
     <p:sldId id="289" r:id="rId35"/>
+    <p:sldId id="290" r:id="rId36"/>
+    <p:sldId id="291" r:id="rId37"/>
+    <p:sldId id="292" r:id="rId38"/>
+    <p:sldId id="293" r:id="rId39"/>
+    <p:sldId id="294" r:id="rId40"/>
+    <p:sldId id="295" r:id="rId41"/>
+    <p:sldId id="296" r:id="rId42"/>
+    <p:sldId id="297" r:id="rId43"/>
+    <p:sldId id="298" r:id="rId44"/>
+    <p:sldId id="299" r:id="rId45"/>
   </p:sldIdLst>
   <p:sldSz cx="12192000" cy="6858000"/>
   <p:notesSz cx="6858000" cy="9144000"/>
@@ -278,6 +288,20 @@
             <p14:sldId id="289"/>
           </p14:sldIdLst>
         </p14:section>
+        <p14:section name="功能测试" id="{0D7748E5-3CFE-4CCB-9132-E08891D4F830}">
+          <p14:sldIdLst>
+            <p14:sldId id="290"/>
+            <p14:sldId id="291"/>
+            <p14:sldId id="292"/>
+            <p14:sldId id="293"/>
+            <p14:sldId id="294"/>
+            <p14:sldId id="295"/>
+            <p14:sldId id="296"/>
+            <p14:sldId id="297"/>
+            <p14:sldId id="298"/>
+            <p14:sldId id="299"/>
+          </p14:sldIdLst>
+        </p14:section>
       </p14:sectionLst>
     </p:ext>
     <p:ext uri="{EFAFB233-063F-42B5-8137-9DF3F51BA10A}">
@@ -434,7 +458,7 @@
           <a:p>
             <a:fld id="{8286CD44-C64B-4896-9FF8-C2A31C4FFE40}" type="datetimeFigureOut">
               <a:rPr lang="zh-CN" altLang="en-US" smtClean="0"/>
-              <a:t>2021-03-23</a:t>
+              <a:t>2021-03-24</a:t>
             </a:fld>
             <a:endParaRPr lang="zh-CN" altLang="en-US"/>
           </a:p>
@@ -632,7 +656,7 @@
           <a:p>
             <a:fld id="{8286CD44-C64B-4896-9FF8-C2A31C4FFE40}" type="datetimeFigureOut">
               <a:rPr lang="zh-CN" altLang="en-US" smtClean="0"/>
-              <a:t>2021-03-23</a:t>
+              <a:t>2021-03-24</a:t>
             </a:fld>
             <a:endParaRPr lang="zh-CN" altLang="en-US"/>
           </a:p>
@@ -840,7 +864,7 @@
           <a:p>
             <a:fld id="{8286CD44-C64B-4896-9FF8-C2A31C4FFE40}" type="datetimeFigureOut">
               <a:rPr lang="zh-CN" altLang="en-US" smtClean="0"/>
-              <a:t>2021-03-23</a:t>
+              <a:t>2021-03-24</a:t>
             </a:fld>
             <a:endParaRPr lang="zh-CN" altLang="en-US"/>
           </a:p>
@@ -1038,7 +1062,7 @@
           <a:p>
             <a:fld id="{8286CD44-C64B-4896-9FF8-C2A31C4FFE40}" type="datetimeFigureOut">
               <a:rPr lang="zh-CN" altLang="en-US" smtClean="0"/>
-              <a:t>2021-03-23</a:t>
+              <a:t>2021-03-24</a:t>
             </a:fld>
             <a:endParaRPr lang="zh-CN" altLang="en-US"/>
           </a:p>
@@ -1313,7 +1337,7 @@
           <a:p>
             <a:fld id="{8286CD44-C64B-4896-9FF8-C2A31C4FFE40}" type="datetimeFigureOut">
               <a:rPr lang="zh-CN" altLang="en-US" smtClean="0"/>
-              <a:t>2021-03-23</a:t>
+              <a:t>2021-03-24</a:t>
             </a:fld>
             <a:endParaRPr lang="zh-CN" altLang="en-US"/>
           </a:p>
@@ -1578,7 +1602,7 @@
           <a:p>
             <a:fld id="{8286CD44-C64B-4896-9FF8-C2A31C4FFE40}" type="datetimeFigureOut">
               <a:rPr lang="zh-CN" altLang="en-US" smtClean="0"/>
-              <a:t>2021-03-23</a:t>
+              <a:t>2021-03-24</a:t>
             </a:fld>
             <a:endParaRPr lang="zh-CN" altLang="en-US"/>
           </a:p>
@@ -1990,7 +2014,7 @@
           <a:p>
             <a:fld id="{8286CD44-C64B-4896-9FF8-C2A31C4FFE40}" type="datetimeFigureOut">
               <a:rPr lang="zh-CN" altLang="en-US" smtClean="0"/>
-              <a:t>2021-03-23</a:t>
+              <a:t>2021-03-24</a:t>
             </a:fld>
             <a:endParaRPr lang="zh-CN" altLang="en-US"/>
           </a:p>
@@ -2131,7 +2155,7 @@
           <a:p>
             <a:fld id="{8286CD44-C64B-4896-9FF8-C2A31C4FFE40}" type="datetimeFigureOut">
               <a:rPr lang="zh-CN" altLang="en-US" smtClean="0"/>
-              <a:t>2021-03-23</a:t>
+              <a:t>2021-03-24</a:t>
             </a:fld>
             <a:endParaRPr lang="zh-CN" altLang="en-US"/>
           </a:p>
@@ -2244,7 +2268,7 @@
           <a:p>
             <a:fld id="{8286CD44-C64B-4896-9FF8-C2A31C4FFE40}" type="datetimeFigureOut">
               <a:rPr lang="zh-CN" altLang="en-US" smtClean="0"/>
-              <a:t>2021-03-23</a:t>
+              <a:t>2021-03-24</a:t>
             </a:fld>
             <a:endParaRPr lang="zh-CN" altLang="en-US"/>
           </a:p>
@@ -2555,7 +2579,7 @@
           <a:p>
             <a:fld id="{8286CD44-C64B-4896-9FF8-C2A31C4FFE40}" type="datetimeFigureOut">
               <a:rPr lang="zh-CN" altLang="en-US" smtClean="0"/>
-              <a:t>2021-03-23</a:t>
+              <a:t>2021-03-24</a:t>
             </a:fld>
             <a:endParaRPr lang="zh-CN" altLang="en-US"/>
           </a:p>
@@ -2843,7 +2867,7 @@
           <a:p>
             <a:fld id="{8286CD44-C64B-4896-9FF8-C2A31C4FFE40}" type="datetimeFigureOut">
               <a:rPr lang="zh-CN" altLang="en-US" smtClean="0"/>
-              <a:t>2021-03-23</a:t>
+              <a:t>2021-03-24</a:t>
             </a:fld>
             <a:endParaRPr lang="zh-CN" altLang="en-US"/>
           </a:p>
@@ -3084,7 +3108,7 @@
           <a:p>
             <a:fld id="{8286CD44-C64B-4896-9FF8-C2A31C4FFE40}" type="datetimeFigureOut">
               <a:rPr lang="zh-CN" altLang="en-US" smtClean="0"/>
-              <a:t>2021-03-23</a:t>
+              <a:t>2021-03-24</a:t>
             </a:fld>
             <a:endParaRPr lang="zh-CN" altLang="en-US"/>
           </a:p>
@@ -6060,7 +6084,11 @@
             <a:pPr algn="ctr"/>
             <a:r>
               <a:rPr lang="zh-CN" altLang="en-US" dirty="0" smtClean="0"/>
-              <a:t>模型管理模块</a:t>
+              <a:t>用户模型</a:t>
+            </a:r>
+            <a:r>
+              <a:rPr lang="zh-CN" altLang="en-US" dirty="0" smtClean="0"/>
+              <a:t>管理模块</a:t>
             </a:r>
             <a:endParaRPr lang="zh-CN" altLang="en-US" dirty="0"/>
           </a:p>
@@ -10276,7 +10304,11 @@
             <a:pPr algn="ctr"/>
             <a:r>
               <a:rPr lang="zh-CN" altLang="en-US" dirty="0" smtClean="0"/>
-              <a:t>用户信息管理模块</a:t>
+              <a:t>系统用户</a:t>
+            </a:r>
+            <a:r>
+              <a:rPr lang="zh-CN" altLang="en-US" dirty="0" smtClean="0"/>
+              <a:t>信息管理模块</a:t>
             </a:r>
             <a:endParaRPr lang="zh-CN" altLang="en-US" dirty="0"/>
           </a:p>
@@ -22511,6 +22543,420 @@
 </p:sld>
 </file>
 
+<file path=ppt/slides/slide35.xml><?xml version="1.0" encoding="utf-8"?>
+<p:sld xmlns:a="http://schemas.openxmlformats.org/drawingml/2006/main" xmlns:r="http://schemas.openxmlformats.org/officeDocument/2006/relationships" xmlns:p="http://schemas.openxmlformats.org/presentationml/2006/main">
+  <p:cSld>
+    <p:spTree>
+      <p:nvGrpSpPr>
+        <p:cNvPr id="1" name=""/>
+        <p:cNvGrpSpPr/>
+        <p:nvPr/>
+      </p:nvGrpSpPr>
+      <p:grpSpPr>
+        <a:xfrm>
+          <a:off x="0" y="0"/>
+          <a:ext cx="0" cy="0"/>
+          <a:chOff x="0" y="0"/>
+          <a:chExt cx="0" cy="0"/>
+        </a:xfrm>
+      </p:grpSpPr>
+      <p:pic>
+        <p:nvPicPr>
+          <p:cNvPr id="4" name="图片 3"/>
+          <p:cNvPicPr>
+            <a:picLocks noChangeAspect="1"/>
+          </p:cNvPicPr>
+          <p:nvPr/>
+        </p:nvPicPr>
+        <p:blipFill>
+          <a:blip r:embed="rId2"/>
+          <a:stretch>
+            <a:fillRect/>
+          </a:stretch>
+        </p:blipFill>
+        <p:spPr>
+          <a:xfrm>
+            <a:off x="473935" y="1043782"/>
+            <a:ext cx="4127712" cy="3975304"/>
+          </a:xfrm>
+          <a:prstGeom prst="rect">
+            <a:avLst/>
+          </a:prstGeom>
+        </p:spPr>
+      </p:pic>
+      <p:pic>
+        <p:nvPicPr>
+          <p:cNvPr id="5" name="图片 4"/>
+          <p:cNvPicPr>
+            <a:picLocks noChangeAspect="1"/>
+          </p:cNvPicPr>
+          <p:nvPr/>
+        </p:nvPicPr>
+        <p:blipFill>
+          <a:blip r:embed="rId3"/>
+          <a:stretch>
+            <a:fillRect/>
+          </a:stretch>
+        </p:blipFill>
+        <p:spPr>
+          <a:xfrm>
+            <a:off x="4216984" y="1269778"/>
+            <a:ext cx="4095961" cy="3245017"/>
+          </a:xfrm>
+          <a:prstGeom prst="rect">
+            <a:avLst/>
+          </a:prstGeom>
+        </p:spPr>
+      </p:pic>
+      <p:pic>
+        <p:nvPicPr>
+          <p:cNvPr id="6" name="图片 5"/>
+          <p:cNvPicPr>
+            <a:picLocks noChangeAspect="1"/>
+          </p:cNvPicPr>
+          <p:nvPr/>
+        </p:nvPicPr>
+        <p:blipFill>
+          <a:blip r:embed="rId4"/>
+          <a:stretch>
+            <a:fillRect/>
+          </a:stretch>
+        </p:blipFill>
+        <p:spPr>
+          <a:xfrm>
+            <a:off x="7812346" y="1652354"/>
+            <a:ext cx="3365673" cy="2825895"/>
+          </a:xfrm>
+          <a:prstGeom prst="rect">
+            <a:avLst/>
+          </a:prstGeom>
+        </p:spPr>
+      </p:pic>
+    </p:spTree>
+    <p:extLst>
+      <p:ext uri="{BB962C8B-B14F-4D97-AF65-F5344CB8AC3E}">
+        <p14:creationId xmlns:p14="http://schemas.microsoft.com/office/powerpoint/2010/main" val="2850317343"/>
+      </p:ext>
+    </p:extLst>
+  </p:cSld>
+  <p:clrMapOvr>
+    <a:masterClrMapping/>
+  </p:clrMapOvr>
+</p:sld>
+</file>
+
+<file path=ppt/slides/slide36.xml><?xml version="1.0" encoding="utf-8"?>
+<p:sld xmlns:a="http://schemas.openxmlformats.org/drawingml/2006/main" xmlns:r="http://schemas.openxmlformats.org/officeDocument/2006/relationships" xmlns:p="http://schemas.openxmlformats.org/presentationml/2006/main">
+  <p:cSld>
+    <p:spTree>
+      <p:nvGrpSpPr>
+        <p:cNvPr id="1" name=""/>
+        <p:cNvGrpSpPr/>
+        <p:nvPr/>
+      </p:nvGrpSpPr>
+      <p:grpSpPr>
+        <a:xfrm>
+          <a:off x="0" y="0"/>
+          <a:ext cx="0" cy="0"/>
+          <a:chOff x="0" y="0"/>
+          <a:chExt cx="0" cy="0"/>
+        </a:xfrm>
+      </p:grpSpPr>
+      <p:pic>
+        <p:nvPicPr>
+          <p:cNvPr id="4" name="图片 3"/>
+          <p:cNvPicPr>
+            <a:picLocks noChangeAspect="1"/>
+          </p:cNvPicPr>
+          <p:nvPr/>
+        </p:nvPicPr>
+        <p:blipFill>
+          <a:blip r:embed="rId2"/>
+          <a:stretch>
+            <a:fillRect/>
+          </a:stretch>
+        </p:blipFill>
+        <p:spPr>
+          <a:xfrm>
+            <a:off x="341296" y="81886"/>
+            <a:ext cx="5303282" cy="6676721"/>
+          </a:xfrm>
+          <a:prstGeom prst="rect">
+            <a:avLst/>
+          </a:prstGeom>
+        </p:spPr>
+      </p:pic>
+      <p:pic>
+        <p:nvPicPr>
+          <p:cNvPr id="6" name="图片 5"/>
+          <p:cNvPicPr>
+            <a:picLocks noChangeAspect="1"/>
+          </p:cNvPicPr>
+          <p:nvPr/>
+        </p:nvPicPr>
+        <p:blipFill>
+          <a:blip r:embed="rId3"/>
+          <a:stretch>
+            <a:fillRect/>
+          </a:stretch>
+        </p:blipFill>
+        <p:spPr>
+          <a:xfrm>
+            <a:off x="5644578" y="81885"/>
+            <a:ext cx="5463765" cy="6676721"/>
+          </a:xfrm>
+          <a:prstGeom prst="rect">
+            <a:avLst/>
+          </a:prstGeom>
+        </p:spPr>
+      </p:pic>
+    </p:spTree>
+    <p:extLst>
+      <p:ext uri="{BB962C8B-B14F-4D97-AF65-F5344CB8AC3E}">
+        <p14:creationId xmlns:p14="http://schemas.microsoft.com/office/powerpoint/2010/main" val="2582108628"/>
+      </p:ext>
+    </p:extLst>
+  </p:cSld>
+  <p:clrMapOvr>
+    <a:masterClrMapping/>
+  </p:clrMapOvr>
+</p:sld>
+</file>
+
+<file path=ppt/slides/slide37.xml><?xml version="1.0" encoding="utf-8"?>
+<p:sld xmlns:a="http://schemas.openxmlformats.org/drawingml/2006/main" xmlns:r="http://schemas.openxmlformats.org/officeDocument/2006/relationships" xmlns:p="http://schemas.openxmlformats.org/presentationml/2006/main">
+  <p:cSld>
+    <p:spTree>
+      <p:nvGrpSpPr>
+        <p:cNvPr id="1" name=""/>
+        <p:cNvGrpSpPr/>
+        <p:nvPr/>
+      </p:nvGrpSpPr>
+      <p:grpSpPr>
+        <a:xfrm>
+          <a:off x="0" y="0"/>
+          <a:ext cx="0" cy="0"/>
+          <a:chOff x="0" y="0"/>
+          <a:chExt cx="0" cy="0"/>
+        </a:xfrm>
+      </p:grpSpPr>
+      <p:pic>
+        <p:nvPicPr>
+          <p:cNvPr id="5" name="图片 4"/>
+          <p:cNvPicPr>
+            <a:picLocks noChangeAspect="1"/>
+          </p:cNvPicPr>
+          <p:nvPr/>
+        </p:nvPicPr>
+        <p:blipFill>
+          <a:blip r:embed="rId2"/>
+          <a:stretch>
+            <a:fillRect/>
+          </a:stretch>
+        </p:blipFill>
+        <p:spPr>
+          <a:xfrm>
+            <a:off x="5711863" y="174662"/>
+            <a:ext cx="5021109" cy="6246016"/>
+          </a:xfrm>
+          <a:prstGeom prst="rect">
+            <a:avLst/>
+          </a:prstGeom>
+        </p:spPr>
+      </p:pic>
+      <p:pic>
+        <p:nvPicPr>
+          <p:cNvPr id="6" name="图片 5"/>
+          <p:cNvPicPr>
+            <a:picLocks noChangeAspect="1"/>
+          </p:cNvPicPr>
+          <p:nvPr/>
+        </p:nvPicPr>
+        <p:blipFill>
+          <a:blip r:embed="rId3"/>
+          <a:stretch>
+            <a:fillRect/>
+          </a:stretch>
+        </p:blipFill>
+        <p:spPr>
+          <a:xfrm>
+            <a:off x="461147" y="174662"/>
+            <a:ext cx="5250716" cy="6246016"/>
+          </a:xfrm>
+          <a:prstGeom prst="rect">
+            <a:avLst/>
+          </a:prstGeom>
+        </p:spPr>
+      </p:pic>
+    </p:spTree>
+    <p:extLst>
+      <p:ext uri="{BB962C8B-B14F-4D97-AF65-F5344CB8AC3E}">
+        <p14:creationId xmlns:p14="http://schemas.microsoft.com/office/powerpoint/2010/main" val="781714001"/>
+      </p:ext>
+    </p:extLst>
+  </p:cSld>
+  <p:clrMapOvr>
+    <a:masterClrMapping/>
+  </p:clrMapOvr>
+</p:sld>
+</file>
+
+<file path=ppt/slides/slide38.xml><?xml version="1.0" encoding="utf-8"?>
+<p:sld xmlns:a="http://schemas.openxmlformats.org/drawingml/2006/main" xmlns:r="http://schemas.openxmlformats.org/officeDocument/2006/relationships" xmlns:p="http://schemas.openxmlformats.org/presentationml/2006/main">
+  <p:cSld>
+    <p:spTree>
+      <p:nvGrpSpPr>
+        <p:cNvPr id="1" name=""/>
+        <p:cNvGrpSpPr/>
+        <p:nvPr/>
+      </p:nvGrpSpPr>
+      <p:grpSpPr>
+        <a:xfrm>
+          <a:off x="0" y="0"/>
+          <a:ext cx="0" cy="0"/>
+          <a:chOff x="0" y="0"/>
+          <a:chExt cx="0" cy="0"/>
+        </a:xfrm>
+      </p:grpSpPr>
+      <p:pic>
+        <p:nvPicPr>
+          <p:cNvPr id="4" name="图片 3"/>
+          <p:cNvPicPr>
+            <a:picLocks noChangeAspect="1"/>
+          </p:cNvPicPr>
+          <p:nvPr/>
+        </p:nvPicPr>
+        <p:blipFill>
+          <a:blip r:embed="rId2"/>
+          <a:stretch>
+            <a:fillRect/>
+          </a:stretch>
+        </p:blipFill>
+        <p:spPr>
+          <a:xfrm>
+            <a:off x="1316034" y="1593377"/>
+            <a:ext cx="4528174" cy="3711448"/>
+          </a:xfrm>
+          <a:prstGeom prst="rect">
+            <a:avLst/>
+          </a:prstGeom>
+        </p:spPr>
+      </p:pic>
+      <p:pic>
+        <p:nvPicPr>
+          <p:cNvPr id="5" name="图片 4"/>
+          <p:cNvPicPr>
+            <a:picLocks noChangeAspect="1"/>
+          </p:cNvPicPr>
+          <p:nvPr/>
+        </p:nvPicPr>
+        <p:blipFill>
+          <a:blip r:embed="rId3"/>
+          <a:stretch>
+            <a:fillRect/>
+          </a:stretch>
+        </p:blipFill>
+        <p:spPr>
+          <a:xfrm>
+            <a:off x="5844208" y="1593377"/>
+            <a:ext cx="4513367" cy="3711448"/>
+          </a:xfrm>
+          <a:prstGeom prst="rect">
+            <a:avLst/>
+          </a:prstGeom>
+        </p:spPr>
+      </p:pic>
+    </p:spTree>
+    <p:extLst>
+      <p:ext uri="{BB962C8B-B14F-4D97-AF65-F5344CB8AC3E}">
+        <p14:creationId xmlns:p14="http://schemas.microsoft.com/office/powerpoint/2010/main" val="2566963338"/>
+      </p:ext>
+    </p:extLst>
+  </p:cSld>
+  <p:clrMapOvr>
+    <a:masterClrMapping/>
+  </p:clrMapOvr>
+</p:sld>
+</file>
+
+<file path=ppt/slides/slide39.xml><?xml version="1.0" encoding="utf-8"?>
+<p:sld xmlns:a="http://schemas.openxmlformats.org/drawingml/2006/main" xmlns:r="http://schemas.openxmlformats.org/officeDocument/2006/relationships" xmlns:p="http://schemas.openxmlformats.org/presentationml/2006/main">
+  <p:cSld>
+    <p:spTree>
+      <p:nvGrpSpPr>
+        <p:cNvPr id="1" name=""/>
+        <p:cNvGrpSpPr/>
+        <p:nvPr/>
+      </p:nvGrpSpPr>
+      <p:grpSpPr>
+        <a:xfrm>
+          <a:off x="0" y="0"/>
+          <a:ext cx="0" cy="0"/>
+          <a:chOff x="0" y="0"/>
+          <a:chExt cx="0" cy="0"/>
+        </a:xfrm>
+      </p:grpSpPr>
+      <p:pic>
+        <p:nvPicPr>
+          <p:cNvPr id="4" name="图片 3"/>
+          <p:cNvPicPr>
+            <a:picLocks noChangeAspect="1"/>
+          </p:cNvPicPr>
+          <p:nvPr/>
+        </p:nvPicPr>
+        <p:blipFill>
+          <a:blip r:embed="rId2"/>
+          <a:stretch>
+            <a:fillRect/>
+          </a:stretch>
+        </p:blipFill>
+        <p:spPr>
+          <a:xfrm>
+            <a:off x="1315719" y="1097493"/>
+            <a:ext cx="4292821" cy="3549832"/>
+          </a:xfrm>
+          <a:prstGeom prst="rect">
+            <a:avLst/>
+          </a:prstGeom>
+        </p:spPr>
+      </p:pic>
+      <p:pic>
+        <p:nvPicPr>
+          <p:cNvPr id="5" name="图片 4"/>
+          <p:cNvPicPr>
+            <a:picLocks noChangeAspect="1"/>
+          </p:cNvPicPr>
+          <p:nvPr/>
+        </p:nvPicPr>
+        <p:blipFill>
+          <a:blip r:embed="rId3"/>
+          <a:stretch>
+            <a:fillRect/>
+          </a:stretch>
+        </p:blipFill>
+        <p:spPr>
+          <a:xfrm>
+            <a:off x="5608540" y="1097493"/>
+            <a:ext cx="3092609" cy="3575233"/>
+          </a:xfrm>
+          <a:prstGeom prst="rect">
+            <a:avLst/>
+          </a:prstGeom>
+        </p:spPr>
+      </p:pic>
+    </p:spTree>
+    <p:extLst>
+      <p:ext uri="{BB962C8B-B14F-4D97-AF65-F5344CB8AC3E}">
+        <p14:creationId xmlns:p14="http://schemas.microsoft.com/office/powerpoint/2010/main" val="2745129722"/>
+      </p:ext>
+    </p:extLst>
+  </p:cSld>
+  <p:clrMapOvr>
+    <a:masterClrMapping/>
+  </p:clrMapOvr>
+</p:sld>
+</file>
+
 <file path=ppt/slides/slide4.xml><?xml version="1.0" encoding="utf-8"?>
 <p:sld xmlns:a="http://schemas.openxmlformats.org/drawingml/2006/main" xmlns:r="http://schemas.openxmlformats.org/officeDocument/2006/relationships" xmlns:p="http://schemas.openxmlformats.org/presentationml/2006/main">
   <p:cSld>
@@ -23120,6 +23566,418 @@
     <p:extLst>
       <p:ext uri="{BB962C8B-B14F-4D97-AF65-F5344CB8AC3E}">
         <p14:creationId xmlns:p14="http://schemas.microsoft.com/office/powerpoint/2010/main" val="2405475765"/>
+      </p:ext>
+    </p:extLst>
+  </p:cSld>
+  <p:clrMapOvr>
+    <a:masterClrMapping/>
+  </p:clrMapOvr>
+</p:sld>
+</file>
+
+<file path=ppt/slides/slide40.xml><?xml version="1.0" encoding="utf-8"?>
+<p:sld xmlns:a="http://schemas.openxmlformats.org/drawingml/2006/main" xmlns:r="http://schemas.openxmlformats.org/officeDocument/2006/relationships" xmlns:p="http://schemas.openxmlformats.org/presentationml/2006/main">
+  <p:cSld>
+    <p:spTree>
+      <p:nvGrpSpPr>
+        <p:cNvPr id="1" name=""/>
+        <p:cNvGrpSpPr/>
+        <p:nvPr/>
+      </p:nvGrpSpPr>
+      <p:grpSpPr>
+        <a:xfrm>
+          <a:off x="0" y="0"/>
+          <a:ext cx="0" cy="0"/>
+          <a:chOff x="0" y="0"/>
+          <a:chExt cx="0" cy="0"/>
+        </a:xfrm>
+      </p:grpSpPr>
+      <p:pic>
+        <p:nvPicPr>
+          <p:cNvPr id="5" name="图片 4"/>
+          <p:cNvPicPr>
+            <a:picLocks noChangeAspect="1"/>
+          </p:cNvPicPr>
+          <p:nvPr/>
+        </p:nvPicPr>
+        <p:blipFill>
+          <a:blip r:embed="rId2"/>
+          <a:stretch>
+            <a:fillRect/>
+          </a:stretch>
+        </p:blipFill>
+        <p:spPr>
+          <a:xfrm>
+            <a:off x="847645" y="967282"/>
+            <a:ext cx="4930970" cy="3976271"/>
+          </a:xfrm>
+          <a:prstGeom prst="rect">
+            <a:avLst/>
+          </a:prstGeom>
+        </p:spPr>
+      </p:pic>
+      <p:pic>
+        <p:nvPicPr>
+          <p:cNvPr id="6" name="图片 5"/>
+          <p:cNvPicPr>
+            <a:picLocks noChangeAspect="1"/>
+          </p:cNvPicPr>
+          <p:nvPr/>
+        </p:nvPicPr>
+        <p:blipFill>
+          <a:blip r:embed="rId3"/>
+          <a:stretch>
+            <a:fillRect/>
+          </a:stretch>
+        </p:blipFill>
+        <p:spPr>
+          <a:xfrm>
+            <a:off x="5778615" y="967281"/>
+            <a:ext cx="4343054" cy="3976271"/>
+          </a:xfrm>
+          <a:prstGeom prst="rect">
+            <a:avLst/>
+          </a:prstGeom>
+        </p:spPr>
+      </p:pic>
+    </p:spTree>
+    <p:extLst>
+      <p:ext uri="{BB962C8B-B14F-4D97-AF65-F5344CB8AC3E}">
+        <p14:creationId xmlns:p14="http://schemas.microsoft.com/office/powerpoint/2010/main" val="2672761133"/>
+      </p:ext>
+    </p:extLst>
+  </p:cSld>
+  <p:clrMapOvr>
+    <a:masterClrMapping/>
+  </p:clrMapOvr>
+</p:sld>
+</file>
+
+<file path=ppt/slides/slide41.xml><?xml version="1.0" encoding="utf-8"?>
+<p:sld xmlns:a="http://schemas.openxmlformats.org/drawingml/2006/main" xmlns:r="http://schemas.openxmlformats.org/officeDocument/2006/relationships" xmlns:p="http://schemas.openxmlformats.org/presentationml/2006/main">
+  <p:cSld>
+    <p:spTree>
+      <p:nvGrpSpPr>
+        <p:cNvPr id="1" name=""/>
+        <p:cNvGrpSpPr/>
+        <p:nvPr/>
+      </p:nvGrpSpPr>
+      <p:grpSpPr>
+        <a:xfrm>
+          <a:off x="0" y="0"/>
+          <a:ext cx="0" cy="0"/>
+          <a:chOff x="0" y="0"/>
+          <a:chExt cx="0" cy="0"/>
+        </a:xfrm>
+      </p:grpSpPr>
+      <p:pic>
+        <p:nvPicPr>
+          <p:cNvPr id="4" name="图片 3"/>
+          <p:cNvPicPr>
+            <a:picLocks noChangeAspect="1"/>
+          </p:cNvPicPr>
+          <p:nvPr/>
+        </p:nvPicPr>
+        <p:blipFill>
+          <a:blip r:embed="rId2"/>
+          <a:stretch>
+            <a:fillRect/>
+          </a:stretch>
+        </p:blipFill>
+        <p:spPr>
+          <a:xfrm>
+            <a:off x="707801" y="449805"/>
+            <a:ext cx="5842086" cy="5336520"/>
+          </a:xfrm>
+          <a:prstGeom prst="rect">
+            <a:avLst/>
+          </a:prstGeom>
+        </p:spPr>
+      </p:pic>
+      <p:pic>
+        <p:nvPicPr>
+          <p:cNvPr id="5" name="图片 4"/>
+          <p:cNvPicPr>
+            <a:picLocks noChangeAspect="1"/>
+          </p:cNvPicPr>
+          <p:nvPr/>
+        </p:nvPicPr>
+        <p:blipFill>
+          <a:blip r:embed="rId3"/>
+          <a:stretch>
+            <a:fillRect/>
+          </a:stretch>
+        </p:blipFill>
+        <p:spPr>
+          <a:xfrm>
+            <a:off x="6549887" y="449806"/>
+            <a:ext cx="4961055" cy="5336520"/>
+          </a:xfrm>
+          <a:prstGeom prst="rect">
+            <a:avLst/>
+          </a:prstGeom>
+        </p:spPr>
+      </p:pic>
+    </p:spTree>
+    <p:extLst>
+      <p:ext uri="{BB962C8B-B14F-4D97-AF65-F5344CB8AC3E}">
+        <p14:creationId xmlns:p14="http://schemas.microsoft.com/office/powerpoint/2010/main" val="963596095"/>
+      </p:ext>
+    </p:extLst>
+  </p:cSld>
+  <p:clrMapOvr>
+    <a:masterClrMapping/>
+  </p:clrMapOvr>
+</p:sld>
+</file>
+
+<file path=ppt/slides/slide42.xml><?xml version="1.0" encoding="utf-8"?>
+<p:sld xmlns:a="http://schemas.openxmlformats.org/drawingml/2006/main" xmlns:r="http://schemas.openxmlformats.org/officeDocument/2006/relationships" xmlns:p="http://schemas.openxmlformats.org/presentationml/2006/main">
+  <p:cSld>
+    <p:spTree>
+      <p:nvGrpSpPr>
+        <p:cNvPr id="1" name=""/>
+        <p:cNvGrpSpPr/>
+        <p:nvPr/>
+      </p:nvGrpSpPr>
+      <p:grpSpPr>
+        <a:xfrm>
+          <a:off x="0" y="0"/>
+          <a:ext cx="0" cy="0"/>
+          <a:chOff x="0" y="0"/>
+          <a:chExt cx="0" cy="0"/>
+        </a:xfrm>
+      </p:grpSpPr>
+      <p:pic>
+        <p:nvPicPr>
+          <p:cNvPr id="4" name="图片 3"/>
+          <p:cNvPicPr>
+            <a:picLocks noChangeAspect="1"/>
+          </p:cNvPicPr>
+          <p:nvPr/>
+        </p:nvPicPr>
+        <p:blipFill>
+          <a:blip r:embed="rId2"/>
+          <a:stretch>
+            <a:fillRect/>
+          </a:stretch>
+        </p:blipFill>
+        <p:spPr>
+          <a:xfrm>
+            <a:off x="271093" y="1999415"/>
+            <a:ext cx="4696211" cy="2559931"/>
+          </a:xfrm>
+          <a:prstGeom prst="rect">
+            <a:avLst/>
+          </a:prstGeom>
+        </p:spPr>
+      </p:pic>
+      <p:pic>
+        <p:nvPicPr>
+          <p:cNvPr id="5" name="图片 4"/>
+          <p:cNvPicPr>
+            <a:picLocks noChangeAspect="1"/>
+          </p:cNvPicPr>
+          <p:nvPr/>
+        </p:nvPicPr>
+        <p:blipFill>
+          <a:blip r:embed="rId3"/>
+          <a:stretch>
+            <a:fillRect/>
+          </a:stretch>
+        </p:blipFill>
+        <p:spPr>
+          <a:xfrm>
+            <a:off x="4967304" y="1999415"/>
+            <a:ext cx="3331870" cy="3175362"/>
+          </a:xfrm>
+          <a:prstGeom prst="rect">
+            <a:avLst/>
+          </a:prstGeom>
+        </p:spPr>
+      </p:pic>
+    </p:spTree>
+    <p:extLst>
+      <p:ext uri="{BB962C8B-B14F-4D97-AF65-F5344CB8AC3E}">
+        <p14:creationId xmlns:p14="http://schemas.microsoft.com/office/powerpoint/2010/main" val="1966292657"/>
+      </p:ext>
+    </p:extLst>
+  </p:cSld>
+  <p:clrMapOvr>
+    <a:masterClrMapping/>
+  </p:clrMapOvr>
+</p:sld>
+</file>
+
+<file path=ppt/slides/slide43.xml><?xml version="1.0" encoding="utf-8"?>
+<p:sld xmlns:a="http://schemas.openxmlformats.org/drawingml/2006/main" xmlns:r="http://schemas.openxmlformats.org/officeDocument/2006/relationships" xmlns:p="http://schemas.openxmlformats.org/presentationml/2006/main">
+  <p:cSld>
+    <p:spTree>
+      <p:nvGrpSpPr>
+        <p:cNvPr id="1" name=""/>
+        <p:cNvGrpSpPr/>
+        <p:nvPr/>
+      </p:nvGrpSpPr>
+      <p:grpSpPr>
+        <a:xfrm>
+          <a:off x="0" y="0"/>
+          <a:ext cx="0" cy="0"/>
+          <a:chOff x="0" y="0"/>
+          <a:chExt cx="0" cy="0"/>
+        </a:xfrm>
+      </p:grpSpPr>
+      <p:pic>
+        <p:nvPicPr>
+          <p:cNvPr id="5" name="图片 4"/>
+          <p:cNvPicPr/>
+          <p:nvPr/>
+        </p:nvPicPr>
+        <p:blipFill>
+          <a:blip r:embed="rId2"/>
+          <a:stretch>
+            <a:fillRect/>
+          </a:stretch>
+        </p:blipFill>
+        <p:spPr>
+          <a:xfrm>
+            <a:off x="1579080" y="533677"/>
+            <a:ext cx="4334703" cy="5757876"/>
+          </a:xfrm>
+          <a:prstGeom prst="rect">
+            <a:avLst/>
+          </a:prstGeom>
+        </p:spPr>
+      </p:pic>
+      <p:pic>
+        <p:nvPicPr>
+          <p:cNvPr id="6" name="图片 5"/>
+          <p:cNvPicPr>
+            <a:picLocks noChangeAspect="1"/>
+          </p:cNvPicPr>
+          <p:nvPr/>
+        </p:nvPicPr>
+        <p:blipFill>
+          <a:blip r:embed="rId3"/>
+          <a:stretch>
+            <a:fillRect/>
+          </a:stretch>
+        </p:blipFill>
+        <p:spPr>
+          <a:xfrm>
+            <a:off x="5913782" y="533676"/>
+            <a:ext cx="4312959" cy="5062053"/>
+          </a:xfrm>
+          <a:prstGeom prst="rect">
+            <a:avLst/>
+          </a:prstGeom>
+        </p:spPr>
+      </p:pic>
+    </p:spTree>
+    <p:extLst>
+      <p:ext uri="{BB962C8B-B14F-4D97-AF65-F5344CB8AC3E}">
+        <p14:creationId xmlns:p14="http://schemas.microsoft.com/office/powerpoint/2010/main" val="3706489189"/>
+      </p:ext>
+    </p:extLst>
+  </p:cSld>
+  <p:clrMapOvr>
+    <a:masterClrMapping/>
+  </p:clrMapOvr>
+</p:sld>
+</file>
+
+<file path=ppt/slides/slide44.xml><?xml version="1.0" encoding="utf-8"?>
+<p:sld xmlns:a="http://schemas.openxmlformats.org/drawingml/2006/main" xmlns:r="http://schemas.openxmlformats.org/officeDocument/2006/relationships" xmlns:p="http://schemas.openxmlformats.org/presentationml/2006/main">
+  <p:cSld>
+    <p:spTree>
+      <p:nvGrpSpPr>
+        <p:cNvPr id="1" name=""/>
+        <p:cNvGrpSpPr/>
+        <p:nvPr/>
+      </p:nvGrpSpPr>
+      <p:grpSpPr>
+        <a:xfrm>
+          <a:off x="0" y="0"/>
+          <a:ext cx="0" cy="0"/>
+          <a:chOff x="0" y="0"/>
+          <a:chExt cx="0" cy="0"/>
+        </a:xfrm>
+      </p:grpSpPr>
+      <p:pic>
+        <p:nvPicPr>
+          <p:cNvPr id="4" name="图片 3"/>
+          <p:cNvPicPr>
+            <a:picLocks noChangeAspect="1"/>
+          </p:cNvPicPr>
+          <p:nvPr/>
+        </p:nvPicPr>
+        <p:blipFill>
+          <a:blip r:embed="rId2"/>
+          <a:stretch>
+            <a:fillRect/>
+          </a:stretch>
+        </p:blipFill>
+        <p:spPr>
+          <a:xfrm>
+            <a:off x="555126" y="1138782"/>
+            <a:ext cx="4474075" cy="4094038"/>
+          </a:xfrm>
+          <a:prstGeom prst="rect">
+            <a:avLst/>
+          </a:prstGeom>
+        </p:spPr>
+      </p:pic>
+      <p:pic>
+        <p:nvPicPr>
+          <p:cNvPr id="8" name="图片 7"/>
+          <p:cNvPicPr>
+            <a:picLocks noChangeAspect="1"/>
+          </p:cNvPicPr>
+          <p:nvPr/>
+        </p:nvPicPr>
+        <p:blipFill>
+          <a:blip r:embed="rId3"/>
+          <a:stretch>
+            <a:fillRect/>
+          </a:stretch>
+        </p:blipFill>
+        <p:spPr>
+          <a:xfrm>
+            <a:off x="5029201" y="3091070"/>
+            <a:ext cx="6093612" cy="1938130"/>
+          </a:xfrm>
+          <a:prstGeom prst="rect">
+            <a:avLst/>
+          </a:prstGeom>
+        </p:spPr>
+      </p:pic>
+      <p:pic>
+        <p:nvPicPr>
+          <p:cNvPr id="9" name="图片 8"/>
+          <p:cNvPicPr>
+            <a:picLocks noChangeAspect="1"/>
+          </p:cNvPicPr>
+          <p:nvPr/>
+        </p:nvPicPr>
+        <p:blipFill>
+          <a:blip r:embed="rId4"/>
+          <a:stretch>
+            <a:fillRect/>
+          </a:stretch>
+        </p:blipFill>
+        <p:spPr>
+          <a:xfrm>
+            <a:off x="5029201" y="1134122"/>
+            <a:ext cx="6069856" cy="1956948"/>
+          </a:xfrm>
+          <a:prstGeom prst="rect">
+            <a:avLst/>
+          </a:prstGeom>
+        </p:spPr>
+      </p:pic>
+    </p:spTree>
+    <p:extLst>
+      <p:ext uri="{BB962C8B-B14F-4D97-AF65-F5344CB8AC3E}">
+        <p14:creationId xmlns:p14="http://schemas.microsoft.com/office/powerpoint/2010/main" val="3113482369"/>
       </p:ext>
     </p:extLst>
   </p:cSld>
